--- a/Figures/piecing_together_figs.pptx
+++ b/Figures/piecing_together_figs.pptx
@@ -6,6 +6,7 @@
   </p:sldMasterIdLst>
   <p:sldIdLst>
     <p:sldId id="256" r:id="rId2"/>
+    <p:sldId id="257" r:id="rId3"/>
   </p:sldIdLst>
   <p:sldSz cx="12192000" cy="6858000"/>
   <p:notesSz cx="6858000" cy="9144000"/>
@@ -104,6 +105,11 @@
       </a:defRPr>
     </a:lvl9pPr>
   </p:defaultTextStyle>
+  <p:extLst>
+    <p:ext uri="{EFAFB233-063F-42B5-8137-9DF3F51BA10A}">
+      <p15:sldGuideLst xmlns:p15="http://schemas.microsoft.com/office/powerpoint/2012/main"/>
+    </p:ext>
+  </p:extLst>
 </p:presentation>
 </file>
 
@@ -238,7 +244,7 @@
           <a:p>
             <a:fld id="{24F71ACE-7A2E-44C7-BEB0-E2DBFE9F86D8}" type="datetimeFigureOut">
               <a:rPr lang="en-US" smtClean="0"/>
-              <a:t>5/3/2021</a:t>
+              <a:t>5/17/2021</a:t>
             </a:fld>
             <a:endParaRPr lang="en-US"/>
           </a:p>
@@ -408,7 +414,7 @@
           <a:p>
             <a:fld id="{24F71ACE-7A2E-44C7-BEB0-E2DBFE9F86D8}" type="datetimeFigureOut">
               <a:rPr lang="en-US" smtClean="0"/>
-              <a:t>5/3/2021</a:t>
+              <a:t>5/17/2021</a:t>
             </a:fld>
             <a:endParaRPr lang="en-US"/>
           </a:p>
@@ -588,7 +594,7 @@
           <a:p>
             <a:fld id="{24F71ACE-7A2E-44C7-BEB0-E2DBFE9F86D8}" type="datetimeFigureOut">
               <a:rPr lang="en-US" smtClean="0"/>
-              <a:t>5/3/2021</a:t>
+              <a:t>5/17/2021</a:t>
             </a:fld>
             <a:endParaRPr lang="en-US"/>
           </a:p>
@@ -758,7 +764,7 @@
           <a:p>
             <a:fld id="{24F71ACE-7A2E-44C7-BEB0-E2DBFE9F86D8}" type="datetimeFigureOut">
               <a:rPr lang="en-US" smtClean="0"/>
-              <a:t>5/3/2021</a:t>
+              <a:t>5/17/2021</a:t>
             </a:fld>
             <a:endParaRPr lang="en-US"/>
           </a:p>
@@ -1004,7 +1010,7 @@
           <a:p>
             <a:fld id="{24F71ACE-7A2E-44C7-BEB0-E2DBFE9F86D8}" type="datetimeFigureOut">
               <a:rPr lang="en-US" smtClean="0"/>
-              <a:t>5/3/2021</a:t>
+              <a:t>5/17/2021</a:t>
             </a:fld>
             <a:endParaRPr lang="en-US"/>
           </a:p>
@@ -1236,7 +1242,7 @@
           <a:p>
             <a:fld id="{24F71ACE-7A2E-44C7-BEB0-E2DBFE9F86D8}" type="datetimeFigureOut">
               <a:rPr lang="en-US" smtClean="0"/>
-              <a:t>5/3/2021</a:t>
+              <a:t>5/17/2021</a:t>
             </a:fld>
             <a:endParaRPr lang="en-US"/>
           </a:p>
@@ -1603,7 +1609,7 @@
           <a:p>
             <a:fld id="{24F71ACE-7A2E-44C7-BEB0-E2DBFE9F86D8}" type="datetimeFigureOut">
               <a:rPr lang="en-US" smtClean="0"/>
-              <a:t>5/3/2021</a:t>
+              <a:t>5/17/2021</a:t>
             </a:fld>
             <a:endParaRPr lang="en-US"/>
           </a:p>
@@ -1721,7 +1727,7 @@
           <a:p>
             <a:fld id="{24F71ACE-7A2E-44C7-BEB0-E2DBFE9F86D8}" type="datetimeFigureOut">
               <a:rPr lang="en-US" smtClean="0"/>
-              <a:t>5/3/2021</a:t>
+              <a:t>5/17/2021</a:t>
             </a:fld>
             <a:endParaRPr lang="en-US"/>
           </a:p>
@@ -1816,7 +1822,7 @@
           <a:p>
             <a:fld id="{24F71ACE-7A2E-44C7-BEB0-E2DBFE9F86D8}" type="datetimeFigureOut">
               <a:rPr lang="en-US" smtClean="0"/>
-              <a:t>5/3/2021</a:t>
+              <a:t>5/17/2021</a:t>
             </a:fld>
             <a:endParaRPr lang="en-US"/>
           </a:p>
@@ -2093,7 +2099,7 @@
           <a:p>
             <a:fld id="{24F71ACE-7A2E-44C7-BEB0-E2DBFE9F86D8}" type="datetimeFigureOut">
               <a:rPr lang="en-US" smtClean="0"/>
-              <a:t>5/3/2021</a:t>
+              <a:t>5/17/2021</a:t>
             </a:fld>
             <a:endParaRPr lang="en-US"/>
           </a:p>
@@ -2346,7 +2352,7 @@
           <a:p>
             <a:fld id="{24F71ACE-7A2E-44C7-BEB0-E2DBFE9F86D8}" type="datetimeFigureOut">
               <a:rPr lang="en-US" smtClean="0"/>
-              <a:t>5/3/2021</a:t>
+              <a:t>5/17/2021</a:t>
             </a:fld>
             <a:endParaRPr lang="en-US"/>
           </a:p>
@@ -2559,7 +2565,7 @@
           <a:p>
             <a:fld id="{24F71ACE-7A2E-44C7-BEB0-E2DBFE9F86D8}" type="datetimeFigureOut">
               <a:rPr lang="en-US" smtClean="0"/>
-              <a:t>5/3/2021</a:t>
+              <a:t>5/17/2021</a:t>
             </a:fld>
             <a:endParaRPr lang="en-US"/>
           </a:p>
@@ -3036,6 +3042,173 @@
 </p:sld>
 </file>
 
+<file path=ppt/slides/slide2.xml><?xml version="1.0" encoding="utf-8"?>
+<p:sld xmlns:a="http://schemas.openxmlformats.org/drawingml/2006/main" xmlns:r="http://schemas.openxmlformats.org/officeDocument/2006/relationships" xmlns:p="http://schemas.openxmlformats.org/presentationml/2006/main">
+  <p:cSld>
+    <p:spTree>
+      <p:nvGrpSpPr>
+        <p:cNvPr id="1" name=""/>
+        <p:cNvGrpSpPr/>
+        <p:nvPr/>
+      </p:nvGrpSpPr>
+      <p:grpSpPr>
+        <a:xfrm>
+          <a:off x="0" y="0"/>
+          <a:ext cx="0" cy="0"/>
+          <a:chOff x="0" y="0"/>
+          <a:chExt cx="0" cy="0"/>
+        </a:xfrm>
+      </p:grpSpPr>
+      <p:pic>
+        <p:nvPicPr>
+          <p:cNvPr id="6" name="Picture 5"/>
+          <p:cNvPicPr>
+            <a:picLocks noChangeAspect="1"/>
+          </p:cNvPicPr>
+          <p:nvPr/>
+        </p:nvPicPr>
+        <p:blipFill>
+          <a:blip r:embed="rId2" cstate="print">
+            <a:extLst>
+              <a:ext uri="{28A0092B-C50C-407E-A947-70E740481C1C}">
+                <a14:useLocalDpi xmlns:a14="http://schemas.microsoft.com/office/drawing/2010/main" val="0"/>
+              </a:ext>
+            </a:extLst>
+          </a:blip>
+          <a:stretch>
+            <a:fillRect/>
+          </a:stretch>
+        </p:blipFill>
+        <p:spPr>
+          <a:xfrm>
+            <a:off x="3446318" y="0"/>
+            <a:ext cx="5299364" cy="6858000"/>
+          </a:xfrm>
+          <a:prstGeom prst="rect">
+            <a:avLst/>
+          </a:prstGeom>
+        </p:spPr>
+      </p:pic>
+      <p:sp>
+        <p:nvSpPr>
+          <p:cNvPr id="8" name="TextBox 7"/>
+          <p:cNvSpPr txBox="1"/>
+          <p:nvPr/>
+        </p:nvSpPr>
+        <p:spPr>
+          <a:xfrm>
+            <a:off x="3569676" y="114300"/>
+            <a:ext cx="395654" cy="307777"/>
+          </a:xfrm>
+          <a:prstGeom prst="rect">
+            <a:avLst/>
+          </a:prstGeom>
+          <a:noFill/>
+        </p:spPr>
+        <p:txBody>
+          <a:bodyPr wrap="square" rtlCol="0">
+            <a:spAutoFit/>
+          </a:bodyPr>
+          <a:lstStyle/>
+          <a:p>
+            <a:r>
+              <a:rPr lang="en-US" sz="1400" b="1" dirty="0" smtClean="0">
+                <a:latin typeface="Arial" panose="020B0604020202020204" pitchFamily="34" charset="0"/>
+                <a:cs typeface="Arial" panose="020B0604020202020204" pitchFamily="34" charset="0"/>
+              </a:rPr>
+              <a:t>A)</a:t>
+            </a:r>
+            <a:endParaRPr lang="en-US" sz="1400" b="1" dirty="0">
+              <a:latin typeface="Arial" panose="020B0604020202020204" pitchFamily="34" charset="0"/>
+              <a:cs typeface="Arial" panose="020B0604020202020204" pitchFamily="34" charset="0"/>
+            </a:endParaRPr>
+          </a:p>
+        </p:txBody>
+      </p:sp>
+      <p:sp>
+        <p:nvSpPr>
+          <p:cNvPr id="9" name="TextBox 8"/>
+          <p:cNvSpPr txBox="1"/>
+          <p:nvPr/>
+        </p:nvSpPr>
+        <p:spPr>
+          <a:xfrm>
+            <a:off x="3569676" y="3134458"/>
+            <a:ext cx="395654" cy="307777"/>
+          </a:xfrm>
+          <a:prstGeom prst="rect">
+            <a:avLst/>
+          </a:prstGeom>
+          <a:noFill/>
+        </p:spPr>
+        <p:txBody>
+          <a:bodyPr wrap="square" rtlCol="0">
+            <a:spAutoFit/>
+          </a:bodyPr>
+          <a:lstStyle/>
+          <a:p>
+            <a:r>
+              <a:rPr lang="en-US" sz="1400" b="1" dirty="0" smtClean="0">
+                <a:latin typeface="Arial" panose="020B0604020202020204" pitchFamily="34" charset="0"/>
+                <a:cs typeface="Arial" panose="020B0604020202020204" pitchFamily="34" charset="0"/>
+              </a:rPr>
+              <a:t>B)</a:t>
+            </a:r>
+            <a:endParaRPr lang="en-US" sz="1400" b="1" dirty="0">
+              <a:latin typeface="Arial" panose="020B0604020202020204" pitchFamily="34" charset="0"/>
+              <a:cs typeface="Arial" panose="020B0604020202020204" pitchFamily="34" charset="0"/>
+            </a:endParaRPr>
+          </a:p>
+        </p:txBody>
+      </p:sp>
+      <p:pic>
+        <p:nvPicPr>
+          <p:cNvPr id="10" name="Picture 9"/>
+          <p:cNvPicPr>
+            <a:picLocks noChangeAspect="1"/>
+          </p:cNvPicPr>
+          <p:nvPr/>
+        </p:nvPicPr>
+        <p:blipFill>
+          <a:blip r:embed="rId3" cstate="print">
+            <a:extLst>
+              <a:ext uri="{28A0092B-C50C-407E-A947-70E740481C1C}">
+                <a14:useLocalDpi xmlns:a14="http://schemas.microsoft.com/office/drawing/2010/main" val="0"/>
+              </a:ext>
+            </a:extLst>
+          </a:blip>
+          <a:stretch>
+            <a:fillRect/>
+          </a:stretch>
+        </p:blipFill>
+        <p:spPr>
+          <a:xfrm>
+            <a:off x="5138955" y="3231171"/>
+            <a:ext cx="1901778" cy="1358413"/>
+          </a:xfrm>
+          <a:prstGeom prst="rect">
+            <a:avLst/>
+          </a:prstGeom>
+          <a:ln>
+            <a:solidFill>
+              <a:schemeClr val="tx1"/>
+            </a:solidFill>
+          </a:ln>
+        </p:spPr>
+      </p:pic>
+    </p:spTree>
+    <p:extLst>
+      <p:ext uri="{BB962C8B-B14F-4D97-AF65-F5344CB8AC3E}">
+        <p14:creationId xmlns:p14="http://schemas.microsoft.com/office/powerpoint/2010/main" val="3434677239"/>
+      </p:ext>
+    </p:extLst>
+  </p:cSld>
+  <p:clrMapOvr>
+    <a:masterClrMapping/>
+  </p:clrMapOvr>
+</p:sld>
+</file>
+
 <file path=ppt/theme/theme1.xml><?xml version="1.0" encoding="utf-8"?>
 <a:theme xmlns:a="http://schemas.openxmlformats.org/drawingml/2006/main" name="Office Theme">
   <a:themeElements>

--- a/Figures/piecing_together_figs.pptx
+++ b/Figures/piecing_together_figs.pptx
@@ -7,6 +7,7 @@
   <p:sldIdLst>
     <p:sldId id="256" r:id="rId2"/>
     <p:sldId id="257" r:id="rId3"/>
+    <p:sldId id="258" r:id="rId4"/>
   </p:sldIdLst>
   <p:sldSz cx="12192000" cy="6858000"/>
   <p:notesSz cx="6858000" cy="9144000"/>
@@ -244,7 +245,7 @@
           <a:p>
             <a:fld id="{24F71ACE-7A2E-44C7-BEB0-E2DBFE9F86D8}" type="datetimeFigureOut">
               <a:rPr lang="en-US" smtClean="0"/>
-              <a:t>5/17/2021</a:t>
+              <a:t>5/18/2021</a:t>
             </a:fld>
             <a:endParaRPr lang="en-US"/>
           </a:p>
@@ -414,7 +415,7 @@
           <a:p>
             <a:fld id="{24F71ACE-7A2E-44C7-BEB0-E2DBFE9F86D8}" type="datetimeFigureOut">
               <a:rPr lang="en-US" smtClean="0"/>
-              <a:t>5/17/2021</a:t>
+              <a:t>5/18/2021</a:t>
             </a:fld>
             <a:endParaRPr lang="en-US"/>
           </a:p>
@@ -594,7 +595,7 @@
           <a:p>
             <a:fld id="{24F71ACE-7A2E-44C7-BEB0-E2DBFE9F86D8}" type="datetimeFigureOut">
               <a:rPr lang="en-US" smtClean="0"/>
-              <a:t>5/17/2021</a:t>
+              <a:t>5/18/2021</a:t>
             </a:fld>
             <a:endParaRPr lang="en-US"/>
           </a:p>
@@ -764,7 +765,7 @@
           <a:p>
             <a:fld id="{24F71ACE-7A2E-44C7-BEB0-E2DBFE9F86D8}" type="datetimeFigureOut">
               <a:rPr lang="en-US" smtClean="0"/>
-              <a:t>5/17/2021</a:t>
+              <a:t>5/18/2021</a:t>
             </a:fld>
             <a:endParaRPr lang="en-US"/>
           </a:p>
@@ -1010,7 +1011,7 @@
           <a:p>
             <a:fld id="{24F71ACE-7A2E-44C7-BEB0-E2DBFE9F86D8}" type="datetimeFigureOut">
               <a:rPr lang="en-US" smtClean="0"/>
-              <a:t>5/17/2021</a:t>
+              <a:t>5/18/2021</a:t>
             </a:fld>
             <a:endParaRPr lang="en-US"/>
           </a:p>
@@ -1242,7 +1243,7 @@
           <a:p>
             <a:fld id="{24F71ACE-7A2E-44C7-BEB0-E2DBFE9F86D8}" type="datetimeFigureOut">
               <a:rPr lang="en-US" smtClean="0"/>
-              <a:t>5/17/2021</a:t>
+              <a:t>5/18/2021</a:t>
             </a:fld>
             <a:endParaRPr lang="en-US"/>
           </a:p>
@@ -1609,7 +1610,7 @@
           <a:p>
             <a:fld id="{24F71ACE-7A2E-44C7-BEB0-E2DBFE9F86D8}" type="datetimeFigureOut">
               <a:rPr lang="en-US" smtClean="0"/>
-              <a:t>5/17/2021</a:t>
+              <a:t>5/18/2021</a:t>
             </a:fld>
             <a:endParaRPr lang="en-US"/>
           </a:p>
@@ -1727,7 +1728,7 @@
           <a:p>
             <a:fld id="{24F71ACE-7A2E-44C7-BEB0-E2DBFE9F86D8}" type="datetimeFigureOut">
               <a:rPr lang="en-US" smtClean="0"/>
-              <a:t>5/17/2021</a:t>
+              <a:t>5/18/2021</a:t>
             </a:fld>
             <a:endParaRPr lang="en-US"/>
           </a:p>
@@ -1822,7 +1823,7 @@
           <a:p>
             <a:fld id="{24F71ACE-7A2E-44C7-BEB0-E2DBFE9F86D8}" type="datetimeFigureOut">
               <a:rPr lang="en-US" smtClean="0"/>
-              <a:t>5/17/2021</a:t>
+              <a:t>5/18/2021</a:t>
             </a:fld>
             <a:endParaRPr lang="en-US"/>
           </a:p>
@@ -2099,7 +2100,7 @@
           <a:p>
             <a:fld id="{24F71ACE-7A2E-44C7-BEB0-E2DBFE9F86D8}" type="datetimeFigureOut">
               <a:rPr lang="en-US" smtClean="0"/>
-              <a:t>5/17/2021</a:t>
+              <a:t>5/18/2021</a:t>
             </a:fld>
             <a:endParaRPr lang="en-US"/>
           </a:p>
@@ -2352,7 +2353,7 @@
           <a:p>
             <a:fld id="{24F71ACE-7A2E-44C7-BEB0-E2DBFE9F86D8}" type="datetimeFigureOut">
               <a:rPr lang="en-US" smtClean="0"/>
-              <a:t>5/17/2021</a:t>
+              <a:t>5/18/2021</a:t>
             </a:fld>
             <a:endParaRPr lang="en-US"/>
           </a:p>
@@ -2565,7 +2566,7 @@
           <a:p>
             <a:fld id="{24F71ACE-7A2E-44C7-BEB0-E2DBFE9F86D8}" type="datetimeFigureOut">
               <a:rPr lang="en-US" smtClean="0"/>
-              <a:t>5/17/2021</a:t>
+              <a:t>5/18/2021</a:t>
             </a:fld>
             <a:endParaRPr lang="en-US"/>
           </a:p>
@@ -2972,7 +2973,7 @@
       </p:grpSpPr>
       <p:pic>
         <p:nvPicPr>
-          <p:cNvPr id="6" name="Picture 5"/>
+          <p:cNvPr id="4" name="Picture 3"/>
           <p:cNvPicPr>
             <a:picLocks noChangeAspect="1"/>
           </p:cNvPicPr>
@@ -3200,6 +3201,173 @@
     <p:extLst>
       <p:ext uri="{BB962C8B-B14F-4D97-AF65-F5344CB8AC3E}">
         <p14:creationId xmlns:p14="http://schemas.microsoft.com/office/powerpoint/2010/main" val="3434677239"/>
+      </p:ext>
+    </p:extLst>
+  </p:cSld>
+  <p:clrMapOvr>
+    <a:masterClrMapping/>
+  </p:clrMapOvr>
+</p:sld>
+</file>
+
+<file path=ppt/slides/slide3.xml><?xml version="1.0" encoding="utf-8"?>
+<p:sld xmlns:a="http://schemas.openxmlformats.org/drawingml/2006/main" xmlns:r="http://schemas.openxmlformats.org/officeDocument/2006/relationships" xmlns:p="http://schemas.openxmlformats.org/presentationml/2006/main">
+  <p:cSld>
+    <p:spTree>
+      <p:nvGrpSpPr>
+        <p:cNvPr id="1" name=""/>
+        <p:cNvGrpSpPr/>
+        <p:nvPr/>
+      </p:nvGrpSpPr>
+      <p:grpSpPr>
+        <a:xfrm>
+          <a:off x="0" y="0"/>
+          <a:ext cx="0" cy="0"/>
+          <a:chOff x="0" y="0"/>
+          <a:chExt cx="0" cy="0"/>
+        </a:xfrm>
+      </p:grpSpPr>
+      <p:pic>
+        <p:nvPicPr>
+          <p:cNvPr id="4" name="Picture 3"/>
+          <p:cNvPicPr>
+            <a:picLocks noChangeAspect="1"/>
+          </p:cNvPicPr>
+          <p:nvPr/>
+        </p:nvPicPr>
+        <p:blipFill>
+          <a:blip r:embed="rId2" cstate="print">
+            <a:extLst>
+              <a:ext uri="{28A0092B-C50C-407E-A947-70E740481C1C}">
+                <a14:useLocalDpi xmlns:a14="http://schemas.microsoft.com/office/drawing/2010/main" val="0"/>
+              </a:ext>
+            </a:extLst>
+          </a:blip>
+          <a:stretch>
+            <a:fillRect/>
+          </a:stretch>
+        </p:blipFill>
+        <p:spPr>
+          <a:xfrm>
+            <a:off x="3446318" y="0"/>
+            <a:ext cx="5299364" cy="6858000"/>
+          </a:xfrm>
+          <a:prstGeom prst="rect">
+            <a:avLst/>
+          </a:prstGeom>
+        </p:spPr>
+      </p:pic>
+      <p:pic>
+        <p:nvPicPr>
+          <p:cNvPr id="5" name="Picture 4"/>
+          <p:cNvPicPr>
+            <a:picLocks noChangeAspect="1"/>
+          </p:cNvPicPr>
+          <p:nvPr/>
+        </p:nvPicPr>
+        <p:blipFill>
+          <a:blip r:embed="rId3" cstate="print">
+            <a:extLst>
+              <a:ext uri="{28A0092B-C50C-407E-A947-70E740481C1C}">
+                <a14:useLocalDpi xmlns:a14="http://schemas.microsoft.com/office/drawing/2010/main" val="0"/>
+              </a:ext>
+            </a:extLst>
+          </a:blip>
+          <a:stretch>
+            <a:fillRect/>
+          </a:stretch>
+        </p:blipFill>
+        <p:spPr>
+          <a:xfrm>
+            <a:off x="5138955" y="3231171"/>
+            <a:ext cx="1901778" cy="1358413"/>
+          </a:xfrm>
+          <a:prstGeom prst="rect">
+            <a:avLst/>
+          </a:prstGeom>
+          <a:ln>
+            <a:solidFill>
+              <a:schemeClr val="tx1"/>
+            </a:solidFill>
+          </a:ln>
+        </p:spPr>
+      </p:pic>
+      <p:sp>
+        <p:nvSpPr>
+          <p:cNvPr id="6" name="TextBox 5"/>
+          <p:cNvSpPr txBox="1"/>
+          <p:nvPr/>
+        </p:nvSpPr>
+        <p:spPr>
+          <a:xfrm>
+            <a:off x="3569676" y="114300"/>
+            <a:ext cx="395654" cy="307777"/>
+          </a:xfrm>
+          <a:prstGeom prst="rect">
+            <a:avLst/>
+          </a:prstGeom>
+          <a:noFill/>
+        </p:spPr>
+        <p:txBody>
+          <a:bodyPr wrap="square" rtlCol="0">
+            <a:spAutoFit/>
+          </a:bodyPr>
+          <a:lstStyle/>
+          <a:p>
+            <a:r>
+              <a:rPr lang="en-US" sz="1400" b="1" dirty="0" smtClean="0">
+                <a:latin typeface="Arial" panose="020B0604020202020204" pitchFamily="34" charset="0"/>
+                <a:cs typeface="Arial" panose="020B0604020202020204" pitchFamily="34" charset="0"/>
+              </a:rPr>
+              <a:t>A)</a:t>
+            </a:r>
+            <a:endParaRPr lang="en-US" sz="1400" b="1" dirty="0">
+              <a:latin typeface="Arial" panose="020B0604020202020204" pitchFamily="34" charset="0"/>
+              <a:cs typeface="Arial" panose="020B0604020202020204" pitchFamily="34" charset="0"/>
+            </a:endParaRPr>
+          </a:p>
+        </p:txBody>
+      </p:sp>
+      <p:sp>
+        <p:nvSpPr>
+          <p:cNvPr id="7" name="TextBox 6"/>
+          <p:cNvSpPr txBox="1"/>
+          <p:nvPr/>
+        </p:nvSpPr>
+        <p:spPr>
+          <a:xfrm>
+            <a:off x="3569676" y="3134458"/>
+            <a:ext cx="395654" cy="307777"/>
+          </a:xfrm>
+          <a:prstGeom prst="rect">
+            <a:avLst/>
+          </a:prstGeom>
+          <a:noFill/>
+        </p:spPr>
+        <p:txBody>
+          <a:bodyPr wrap="square" rtlCol="0">
+            <a:spAutoFit/>
+          </a:bodyPr>
+          <a:lstStyle/>
+          <a:p>
+            <a:r>
+              <a:rPr lang="en-US" sz="1400" b="1" dirty="0" smtClean="0">
+                <a:latin typeface="Arial" panose="020B0604020202020204" pitchFamily="34" charset="0"/>
+                <a:cs typeface="Arial" panose="020B0604020202020204" pitchFamily="34" charset="0"/>
+              </a:rPr>
+              <a:t>B)</a:t>
+            </a:r>
+            <a:endParaRPr lang="en-US" sz="1400" b="1" dirty="0">
+              <a:latin typeface="Arial" panose="020B0604020202020204" pitchFamily="34" charset="0"/>
+              <a:cs typeface="Arial" panose="020B0604020202020204" pitchFamily="34" charset="0"/>
+            </a:endParaRPr>
+          </a:p>
+        </p:txBody>
+      </p:sp>
+    </p:spTree>
+    <p:extLst>
+      <p:ext uri="{BB962C8B-B14F-4D97-AF65-F5344CB8AC3E}">
+        <p14:creationId xmlns:p14="http://schemas.microsoft.com/office/powerpoint/2010/main" val="2618019842"/>
       </p:ext>
     </p:extLst>
   </p:cSld>

--- a/Figures/piecing_together_figs.pptx
+++ b/Figures/piecing_together_figs.pptx
@@ -8,6 +8,8 @@
     <p:sldId id="256" r:id="rId2"/>
     <p:sldId id="257" r:id="rId3"/>
     <p:sldId id="258" r:id="rId4"/>
+    <p:sldId id="259" r:id="rId5"/>
+    <p:sldId id="260" r:id="rId6"/>
   </p:sldIdLst>
   <p:sldSz cx="12192000" cy="6858000"/>
   <p:notesSz cx="6858000" cy="9144000"/>
@@ -245,7 +247,7 @@
           <a:p>
             <a:fld id="{24F71ACE-7A2E-44C7-BEB0-E2DBFE9F86D8}" type="datetimeFigureOut">
               <a:rPr lang="en-US" smtClean="0"/>
-              <a:t>5/18/2021</a:t>
+              <a:t>5/19/2021</a:t>
             </a:fld>
             <a:endParaRPr lang="en-US"/>
           </a:p>
@@ -415,7 +417,7 @@
           <a:p>
             <a:fld id="{24F71ACE-7A2E-44C7-BEB0-E2DBFE9F86D8}" type="datetimeFigureOut">
               <a:rPr lang="en-US" smtClean="0"/>
-              <a:t>5/18/2021</a:t>
+              <a:t>5/19/2021</a:t>
             </a:fld>
             <a:endParaRPr lang="en-US"/>
           </a:p>
@@ -595,7 +597,7 @@
           <a:p>
             <a:fld id="{24F71ACE-7A2E-44C7-BEB0-E2DBFE9F86D8}" type="datetimeFigureOut">
               <a:rPr lang="en-US" smtClean="0"/>
-              <a:t>5/18/2021</a:t>
+              <a:t>5/19/2021</a:t>
             </a:fld>
             <a:endParaRPr lang="en-US"/>
           </a:p>
@@ -765,7 +767,7 @@
           <a:p>
             <a:fld id="{24F71ACE-7A2E-44C7-BEB0-E2DBFE9F86D8}" type="datetimeFigureOut">
               <a:rPr lang="en-US" smtClean="0"/>
-              <a:t>5/18/2021</a:t>
+              <a:t>5/19/2021</a:t>
             </a:fld>
             <a:endParaRPr lang="en-US"/>
           </a:p>
@@ -1011,7 +1013,7 @@
           <a:p>
             <a:fld id="{24F71ACE-7A2E-44C7-BEB0-E2DBFE9F86D8}" type="datetimeFigureOut">
               <a:rPr lang="en-US" smtClean="0"/>
-              <a:t>5/18/2021</a:t>
+              <a:t>5/19/2021</a:t>
             </a:fld>
             <a:endParaRPr lang="en-US"/>
           </a:p>
@@ -1243,7 +1245,7 @@
           <a:p>
             <a:fld id="{24F71ACE-7A2E-44C7-BEB0-E2DBFE9F86D8}" type="datetimeFigureOut">
               <a:rPr lang="en-US" smtClean="0"/>
-              <a:t>5/18/2021</a:t>
+              <a:t>5/19/2021</a:t>
             </a:fld>
             <a:endParaRPr lang="en-US"/>
           </a:p>
@@ -1610,7 +1612,7 @@
           <a:p>
             <a:fld id="{24F71ACE-7A2E-44C7-BEB0-E2DBFE9F86D8}" type="datetimeFigureOut">
               <a:rPr lang="en-US" smtClean="0"/>
-              <a:t>5/18/2021</a:t>
+              <a:t>5/19/2021</a:t>
             </a:fld>
             <a:endParaRPr lang="en-US"/>
           </a:p>
@@ -1728,7 +1730,7 @@
           <a:p>
             <a:fld id="{24F71ACE-7A2E-44C7-BEB0-E2DBFE9F86D8}" type="datetimeFigureOut">
               <a:rPr lang="en-US" smtClean="0"/>
-              <a:t>5/18/2021</a:t>
+              <a:t>5/19/2021</a:t>
             </a:fld>
             <a:endParaRPr lang="en-US"/>
           </a:p>
@@ -1823,7 +1825,7 @@
           <a:p>
             <a:fld id="{24F71ACE-7A2E-44C7-BEB0-E2DBFE9F86D8}" type="datetimeFigureOut">
               <a:rPr lang="en-US" smtClean="0"/>
-              <a:t>5/18/2021</a:t>
+              <a:t>5/19/2021</a:t>
             </a:fld>
             <a:endParaRPr lang="en-US"/>
           </a:p>
@@ -2100,7 +2102,7 @@
           <a:p>
             <a:fld id="{24F71ACE-7A2E-44C7-BEB0-E2DBFE9F86D8}" type="datetimeFigureOut">
               <a:rPr lang="en-US" smtClean="0"/>
-              <a:t>5/18/2021</a:t>
+              <a:t>5/19/2021</a:t>
             </a:fld>
             <a:endParaRPr lang="en-US"/>
           </a:p>
@@ -2353,7 +2355,7 @@
           <a:p>
             <a:fld id="{24F71ACE-7A2E-44C7-BEB0-E2DBFE9F86D8}" type="datetimeFigureOut">
               <a:rPr lang="en-US" smtClean="0"/>
-              <a:t>5/18/2021</a:t>
+              <a:t>5/19/2021</a:t>
             </a:fld>
             <a:endParaRPr lang="en-US"/>
           </a:p>
@@ -2566,7 +2568,7 @@
           <a:p>
             <a:fld id="{24F71ACE-7A2E-44C7-BEB0-E2DBFE9F86D8}" type="datetimeFigureOut">
               <a:rPr lang="en-US" smtClean="0"/>
-              <a:t>5/18/2021</a:t>
+              <a:t>5/19/2021</a:t>
             </a:fld>
             <a:endParaRPr lang="en-US"/>
           </a:p>
@@ -3377,6 +3379,3295 @@
 </p:sld>
 </file>
 
+<file path=ppt/slides/slide4.xml><?xml version="1.0" encoding="utf-8"?>
+<p:sld xmlns:a="http://schemas.openxmlformats.org/drawingml/2006/main" xmlns:r="http://schemas.openxmlformats.org/officeDocument/2006/relationships" xmlns:p="http://schemas.openxmlformats.org/presentationml/2006/main">
+  <p:cSld>
+    <p:spTree>
+      <p:nvGrpSpPr>
+        <p:cNvPr id="1" name=""/>
+        <p:cNvGrpSpPr/>
+        <p:nvPr/>
+      </p:nvGrpSpPr>
+      <p:grpSpPr>
+        <a:xfrm>
+          <a:off x="0" y="0"/>
+          <a:ext cx="0" cy="0"/>
+          <a:chOff x="0" y="0"/>
+          <a:chExt cx="0" cy="0"/>
+        </a:xfrm>
+      </p:grpSpPr>
+      <p:pic>
+        <p:nvPicPr>
+          <p:cNvPr id="4" name="Picture 3"/>
+          <p:cNvPicPr>
+            <a:picLocks noChangeAspect="1"/>
+          </p:cNvPicPr>
+          <p:nvPr/>
+        </p:nvPicPr>
+        <p:blipFill>
+          <a:blip r:embed="rId2" cstate="print">
+            <a:extLst>
+              <a:ext uri="{28A0092B-C50C-407E-A947-70E740481C1C}">
+                <a14:useLocalDpi xmlns:a14="http://schemas.microsoft.com/office/drawing/2010/main" val="0"/>
+              </a:ext>
+            </a:extLst>
+          </a:blip>
+          <a:stretch>
+            <a:fillRect/>
+          </a:stretch>
+        </p:blipFill>
+        <p:spPr>
+          <a:xfrm>
+            <a:off x="3446318" y="0"/>
+            <a:ext cx="5299364" cy="6858000"/>
+          </a:xfrm>
+          <a:prstGeom prst="rect">
+            <a:avLst/>
+          </a:prstGeom>
+        </p:spPr>
+      </p:pic>
+      <p:sp>
+        <p:nvSpPr>
+          <p:cNvPr id="5" name="Oval 4"/>
+          <p:cNvSpPr/>
+          <p:nvPr/>
+        </p:nvSpPr>
+        <p:spPr>
+          <a:xfrm>
+            <a:off x="6910749" y="5477602"/>
+            <a:ext cx="228600" cy="228600"/>
+          </a:xfrm>
+          <a:prstGeom prst="ellipse">
+            <a:avLst/>
+          </a:prstGeom>
+          <a:solidFill>
+            <a:schemeClr val="bg1"/>
+          </a:solidFill>
+          <a:ln>
+            <a:solidFill>
+              <a:schemeClr val="tx1"/>
+            </a:solidFill>
+          </a:ln>
+        </p:spPr>
+        <p:style>
+          <a:lnRef idx="2">
+            <a:schemeClr val="accent1">
+              <a:shade val="50000"/>
+            </a:schemeClr>
+          </a:lnRef>
+          <a:fillRef idx="1">
+            <a:schemeClr val="accent1"/>
+          </a:fillRef>
+          <a:effectRef idx="0">
+            <a:schemeClr val="accent1"/>
+          </a:effectRef>
+          <a:fontRef idx="minor">
+            <a:schemeClr val="lt1"/>
+          </a:fontRef>
+        </p:style>
+        <p:txBody>
+          <a:bodyPr rtlCol="0" anchor="ctr"/>
+          <a:lstStyle/>
+          <a:p>
+            <a:pPr algn="ctr"/>
+            <a:r>
+              <a:rPr lang="en-US" sz="1600" dirty="0" smtClean="0">
+                <a:solidFill>
+                  <a:schemeClr val="tx1"/>
+                </a:solidFill>
+                <a:latin typeface="Arial" panose="020B0604020202020204" pitchFamily="34" charset="0"/>
+                <a:cs typeface="Arial" panose="020B0604020202020204" pitchFamily="34" charset="0"/>
+              </a:rPr>
+              <a:t>1</a:t>
+            </a:r>
+            <a:endParaRPr lang="en-US" sz="1600" dirty="0">
+              <a:solidFill>
+                <a:schemeClr val="tx1"/>
+              </a:solidFill>
+              <a:latin typeface="Arial" panose="020B0604020202020204" pitchFamily="34" charset="0"/>
+              <a:cs typeface="Arial" panose="020B0604020202020204" pitchFamily="34" charset="0"/>
+            </a:endParaRPr>
+          </a:p>
+        </p:txBody>
+      </p:sp>
+      <p:sp>
+        <p:nvSpPr>
+          <p:cNvPr id="7" name="Oval 6"/>
+          <p:cNvSpPr/>
+          <p:nvPr/>
+        </p:nvSpPr>
+        <p:spPr>
+          <a:xfrm>
+            <a:off x="7617072" y="4337528"/>
+            <a:ext cx="228600" cy="228600"/>
+          </a:xfrm>
+          <a:prstGeom prst="ellipse">
+            <a:avLst/>
+          </a:prstGeom>
+          <a:solidFill>
+            <a:schemeClr val="bg1"/>
+          </a:solidFill>
+          <a:ln>
+            <a:solidFill>
+              <a:schemeClr val="tx1"/>
+            </a:solidFill>
+          </a:ln>
+        </p:spPr>
+        <p:style>
+          <a:lnRef idx="2">
+            <a:schemeClr val="accent1">
+              <a:shade val="50000"/>
+            </a:schemeClr>
+          </a:lnRef>
+          <a:fillRef idx="1">
+            <a:schemeClr val="accent1"/>
+          </a:fillRef>
+          <a:effectRef idx="0">
+            <a:schemeClr val="accent1"/>
+          </a:effectRef>
+          <a:fontRef idx="minor">
+            <a:schemeClr val="lt1"/>
+          </a:fontRef>
+        </p:style>
+        <p:txBody>
+          <a:bodyPr rtlCol="0" anchor="ctr"/>
+          <a:lstStyle/>
+          <a:p>
+            <a:pPr algn="ctr"/>
+            <a:r>
+              <a:rPr lang="en-US" sz="1600" dirty="0" smtClean="0">
+                <a:solidFill>
+                  <a:schemeClr val="tx1"/>
+                </a:solidFill>
+                <a:latin typeface="Arial" panose="020B0604020202020204" pitchFamily="34" charset="0"/>
+                <a:cs typeface="Arial" panose="020B0604020202020204" pitchFamily="34" charset="0"/>
+              </a:rPr>
+              <a:t>3</a:t>
+            </a:r>
+            <a:endParaRPr lang="en-US" sz="1600" dirty="0">
+              <a:solidFill>
+                <a:schemeClr val="tx1"/>
+              </a:solidFill>
+              <a:latin typeface="Arial" panose="020B0604020202020204" pitchFamily="34" charset="0"/>
+              <a:cs typeface="Arial" panose="020B0604020202020204" pitchFamily="34" charset="0"/>
+            </a:endParaRPr>
+          </a:p>
+        </p:txBody>
+      </p:sp>
+      <p:cxnSp>
+        <p:nvCxnSpPr>
+          <p:cNvPr id="9" name="Straight Connector 8"/>
+          <p:cNvCxnSpPr>
+            <a:stCxn id="7" idx="2"/>
+          </p:cNvCxnSpPr>
+          <p:nvPr/>
+        </p:nvCxnSpPr>
+        <p:spPr>
+          <a:xfrm flipH="1">
+            <a:off x="7280031" y="4451828"/>
+            <a:ext cx="337041" cy="5872"/>
+          </a:xfrm>
+          <a:prstGeom prst="line">
+            <a:avLst/>
+          </a:prstGeom>
+          <a:ln w="28575">
+            <a:solidFill>
+              <a:schemeClr val="tx1"/>
+            </a:solidFill>
+          </a:ln>
+        </p:spPr>
+        <p:style>
+          <a:lnRef idx="1">
+            <a:schemeClr val="accent1"/>
+          </a:lnRef>
+          <a:fillRef idx="0">
+            <a:schemeClr val="accent1"/>
+          </a:fillRef>
+          <a:effectRef idx="0">
+            <a:schemeClr val="accent1"/>
+          </a:effectRef>
+          <a:fontRef idx="minor">
+            <a:schemeClr val="tx1"/>
+          </a:fontRef>
+        </p:style>
+      </p:cxnSp>
+      <p:sp>
+        <p:nvSpPr>
+          <p:cNvPr id="10" name="Oval 9"/>
+          <p:cNvSpPr/>
+          <p:nvPr/>
+        </p:nvSpPr>
+        <p:spPr>
+          <a:xfrm>
+            <a:off x="7663966" y="4621808"/>
+            <a:ext cx="228600" cy="228600"/>
+          </a:xfrm>
+          <a:prstGeom prst="ellipse">
+            <a:avLst/>
+          </a:prstGeom>
+          <a:solidFill>
+            <a:schemeClr val="bg1"/>
+          </a:solidFill>
+          <a:ln>
+            <a:solidFill>
+              <a:schemeClr val="tx1"/>
+            </a:solidFill>
+          </a:ln>
+        </p:spPr>
+        <p:style>
+          <a:lnRef idx="2">
+            <a:schemeClr val="accent1">
+              <a:shade val="50000"/>
+            </a:schemeClr>
+          </a:lnRef>
+          <a:fillRef idx="1">
+            <a:schemeClr val="accent1"/>
+          </a:fillRef>
+          <a:effectRef idx="0">
+            <a:schemeClr val="accent1"/>
+          </a:effectRef>
+          <a:fontRef idx="minor">
+            <a:schemeClr val="lt1"/>
+          </a:fontRef>
+        </p:style>
+        <p:txBody>
+          <a:bodyPr rtlCol="0" anchor="ctr"/>
+          <a:lstStyle/>
+          <a:p>
+            <a:pPr algn="ctr"/>
+            <a:r>
+              <a:rPr lang="en-US" sz="1600" dirty="0" smtClean="0">
+                <a:solidFill>
+                  <a:schemeClr val="tx1"/>
+                </a:solidFill>
+                <a:latin typeface="Arial" panose="020B0604020202020204" pitchFamily="34" charset="0"/>
+                <a:cs typeface="Arial" panose="020B0604020202020204" pitchFamily="34" charset="0"/>
+              </a:rPr>
+              <a:t>2</a:t>
+            </a:r>
+            <a:endParaRPr lang="en-US" sz="1600" dirty="0">
+              <a:solidFill>
+                <a:schemeClr val="tx1"/>
+              </a:solidFill>
+              <a:latin typeface="Arial" panose="020B0604020202020204" pitchFamily="34" charset="0"/>
+              <a:cs typeface="Arial" panose="020B0604020202020204" pitchFamily="34" charset="0"/>
+            </a:endParaRPr>
+          </a:p>
+        </p:txBody>
+      </p:sp>
+      <p:cxnSp>
+        <p:nvCxnSpPr>
+          <p:cNvPr id="11" name="Straight Connector 10"/>
+          <p:cNvCxnSpPr>
+            <a:stCxn id="10" idx="2"/>
+          </p:cNvCxnSpPr>
+          <p:nvPr/>
+        </p:nvCxnSpPr>
+        <p:spPr>
+          <a:xfrm flipH="1" flipV="1">
+            <a:off x="7280031" y="4617406"/>
+            <a:ext cx="383935" cy="118702"/>
+          </a:xfrm>
+          <a:prstGeom prst="line">
+            <a:avLst/>
+          </a:prstGeom>
+          <a:ln w="28575">
+            <a:solidFill>
+              <a:schemeClr val="tx1"/>
+            </a:solidFill>
+          </a:ln>
+        </p:spPr>
+        <p:style>
+          <a:lnRef idx="1">
+            <a:schemeClr val="accent1"/>
+          </a:lnRef>
+          <a:fillRef idx="0">
+            <a:schemeClr val="accent1"/>
+          </a:fillRef>
+          <a:effectRef idx="0">
+            <a:schemeClr val="accent1"/>
+          </a:effectRef>
+          <a:fontRef idx="minor">
+            <a:schemeClr val="tx1"/>
+          </a:fontRef>
+        </p:style>
+      </p:cxnSp>
+      <p:sp>
+        <p:nvSpPr>
+          <p:cNvPr id="14" name="Oval 13"/>
+          <p:cNvSpPr/>
+          <p:nvPr/>
+        </p:nvSpPr>
+        <p:spPr>
+          <a:xfrm>
+            <a:off x="7488116" y="5105386"/>
+            <a:ext cx="228600" cy="228600"/>
+          </a:xfrm>
+          <a:prstGeom prst="ellipse">
+            <a:avLst/>
+          </a:prstGeom>
+          <a:solidFill>
+            <a:schemeClr val="bg1"/>
+          </a:solidFill>
+          <a:ln>
+            <a:solidFill>
+              <a:schemeClr val="tx1"/>
+            </a:solidFill>
+          </a:ln>
+        </p:spPr>
+        <p:style>
+          <a:lnRef idx="2">
+            <a:schemeClr val="accent1">
+              <a:shade val="50000"/>
+            </a:schemeClr>
+          </a:lnRef>
+          <a:fillRef idx="1">
+            <a:schemeClr val="accent1"/>
+          </a:fillRef>
+          <a:effectRef idx="0">
+            <a:schemeClr val="accent1"/>
+          </a:effectRef>
+          <a:fontRef idx="minor">
+            <a:schemeClr val="lt1"/>
+          </a:fontRef>
+        </p:style>
+        <p:txBody>
+          <a:bodyPr rtlCol="0" anchor="ctr"/>
+          <a:lstStyle/>
+          <a:p>
+            <a:pPr algn="ctr"/>
+            <a:r>
+              <a:rPr lang="en-US" sz="1600" dirty="0" smtClean="0">
+                <a:solidFill>
+                  <a:schemeClr val="tx1"/>
+                </a:solidFill>
+                <a:latin typeface="Arial" panose="020B0604020202020204" pitchFamily="34" charset="0"/>
+                <a:cs typeface="Arial" panose="020B0604020202020204" pitchFamily="34" charset="0"/>
+              </a:rPr>
+              <a:t>4</a:t>
+            </a:r>
+            <a:endParaRPr lang="en-US" sz="1600" dirty="0">
+              <a:solidFill>
+                <a:schemeClr val="tx1"/>
+              </a:solidFill>
+              <a:latin typeface="Arial" panose="020B0604020202020204" pitchFamily="34" charset="0"/>
+              <a:cs typeface="Arial" panose="020B0604020202020204" pitchFamily="34" charset="0"/>
+            </a:endParaRPr>
+          </a:p>
+        </p:txBody>
+      </p:sp>
+      <p:cxnSp>
+        <p:nvCxnSpPr>
+          <p:cNvPr id="15" name="Straight Connector 14"/>
+          <p:cNvCxnSpPr>
+            <a:stCxn id="14" idx="2"/>
+          </p:cNvCxnSpPr>
+          <p:nvPr/>
+        </p:nvCxnSpPr>
+        <p:spPr>
+          <a:xfrm flipH="1" flipV="1">
+            <a:off x="7139349" y="5105386"/>
+            <a:ext cx="348767" cy="114300"/>
+          </a:xfrm>
+          <a:prstGeom prst="line">
+            <a:avLst/>
+          </a:prstGeom>
+          <a:ln w="28575">
+            <a:solidFill>
+              <a:schemeClr val="tx1"/>
+            </a:solidFill>
+          </a:ln>
+        </p:spPr>
+        <p:style>
+          <a:lnRef idx="1">
+            <a:schemeClr val="accent1"/>
+          </a:lnRef>
+          <a:fillRef idx="0">
+            <a:schemeClr val="accent1"/>
+          </a:fillRef>
+          <a:effectRef idx="0">
+            <a:schemeClr val="accent1"/>
+          </a:effectRef>
+          <a:fontRef idx="minor">
+            <a:schemeClr val="tx1"/>
+          </a:fontRef>
+        </p:style>
+      </p:cxnSp>
+      <p:sp>
+        <p:nvSpPr>
+          <p:cNvPr id="17" name="Oval 16"/>
+          <p:cNvSpPr/>
+          <p:nvPr/>
+        </p:nvSpPr>
+        <p:spPr>
+          <a:xfrm>
+            <a:off x="6353912" y="5650512"/>
+            <a:ext cx="228600" cy="228600"/>
+          </a:xfrm>
+          <a:prstGeom prst="ellipse">
+            <a:avLst/>
+          </a:prstGeom>
+          <a:solidFill>
+            <a:schemeClr val="bg1"/>
+          </a:solidFill>
+          <a:ln>
+            <a:solidFill>
+              <a:schemeClr val="tx1"/>
+            </a:solidFill>
+          </a:ln>
+        </p:spPr>
+        <p:style>
+          <a:lnRef idx="2">
+            <a:schemeClr val="accent1">
+              <a:shade val="50000"/>
+            </a:schemeClr>
+          </a:lnRef>
+          <a:fillRef idx="1">
+            <a:schemeClr val="accent1"/>
+          </a:fillRef>
+          <a:effectRef idx="0">
+            <a:schemeClr val="accent1"/>
+          </a:effectRef>
+          <a:fontRef idx="minor">
+            <a:schemeClr val="lt1"/>
+          </a:fontRef>
+        </p:style>
+        <p:txBody>
+          <a:bodyPr rtlCol="0" anchor="ctr"/>
+          <a:lstStyle/>
+          <a:p>
+            <a:pPr algn="ctr"/>
+            <a:r>
+              <a:rPr lang="en-US" sz="1600" dirty="0">
+                <a:solidFill>
+                  <a:schemeClr val="tx1"/>
+                </a:solidFill>
+                <a:latin typeface="Arial" panose="020B0604020202020204" pitchFamily="34" charset="0"/>
+                <a:cs typeface="Arial" panose="020B0604020202020204" pitchFamily="34" charset="0"/>
+              </a:rPr>
+              <a:t>5</a:t>
+            </a:r>
+            <a:endParaRPr lang="en-US" sz="1600" dirty="0">
+              <a:solidFill>
+                <a:schemeClr val="tx1"/>
+              </a:solidFill>
+              <a:latin typeface="Arial" panose="020B0604020202020204" pitchFamily="34" charset="0"/>
+              <a:cs typeface="Arial" panose="020B0604020202020204" pitchFamily="34" charset="0"/>
+            </a:endParaRPr>
+          </a:p>
+        </p:txBody>
+      </p:sp>
+      <p:cxnSp>
+        <p:nvCxnSpPr>
+          <p:cNvPr id="18" name="Straight Connector 17"/>
+          <p:cNvCxnSpPr/>
+          <p:nvPr/>
+        </p:nvCxnSpPr>
+        <p:spPr>
+          <a:xfrm flipV="1">
+            <a:off x="6450624" y="5246066"/>
+            <a:ext cx="0" cy="404450"/>
+          </a:xfrm>
+          <a:prstGeom prst="line">
+            <a:avLst/>
+          </a:prstGeom>
+          <a:ln w="28575">
+            <a:solidFill>
+              <a:schemeClr val="tx1"/>
+            </a:solidFill>
+          </a:ln>
+        </p:spPr>
+        <p:style>
+          <a:lnRef idx="1">
+            <a:schemeClr val="accent1"/>
+          </a:lnRef>
+          <a:fillRef idx="0">
+            <a:schemeClr val="accent1"/>
+          </a:fillRef>
+          <a:effectRef idx="0">
+            <a:schemeClr val="accent1"/>
+          </a:effectRef>
+          <a:fontRef idx="minor">
+            <a:schemeClr val="tx1"/>
+          </a:fontRef>
+        </p:style>
+      </p:cxnSp>
+      <p:sp>
+        <p:nvSpPr>
+          <p:cNvPr id="21" name="Oval 20"/>
+          <p:cNvSpPr/>
+          <p:nvPr/>
+        </p:nvSpPr>
+        <p:spPr>
+          <a:xfrm>
+            <a:off x="7681552" y="3883262"/>
+            <a:ext cx="228600" cy="228600"/>
+          </a:xfrm>
+          <a:prstGeom prst="ellipse">
+            <a:avLst/>
+          </a:prstGeom>
+          <a:solidFill>
+            <a:schemeClr val="bg1"/>
+          </a:solidFill>
+          <a:ln>
+            <a:solidFill>
+              <a:schemeClr val="tx1"/>
+            </a:solidFill>
+          </a:ln>
+        </p:spPr>
+        <p:style>
+          <a:lnRef idx="2">
+            <a:schemeClr val="accent1">
+              <a:shade val="50000"/>
+            </a:schemeClr>
+          </a:lnRef>
+          <a:fillRef idx="1">
+            <a:schemeClr val="accent1"/>
+          </a:fillRef>
+          <a:effectRef idx="0">
+            <a:schemeClr val="accent1"/>
+          </a:effectRef>
+          <a:fontRef idx="minor">
+            <a:schemeClr val="lt1"/>
+          </a:fontRef>
+        </p:style>
+        <p:txBody>
+          <a:bodyPr rtlCol="0" anchor="ctr"/>
+          <a:lstStyle/>
+          <a:p>
+            <a:pPr algn="ctr"/>
+            <a:r>
+              <a:rPr lang="en-US" sz="1600" dirty="0" smtClean="0">
+                <a:solidFill>
+                  <a:schemeClr val="tx1"/>
+                </a:solidFill>
+                <a:latin typeface="Arial" panose="020B0604020202020204" pitchFamily="34" charset="0"/>
+                <a:cs typeface="Arial" panose="020B0604020202020204" pitchFamily="34" charset="0"/>
+              </a:rPr>
+              <a:t>6</a:t>
+            </a:r>
+            <a:endParaRPr lang="en-US" sz="1600" dirty="0">
+              <a:solidFill>
+                <a:schemeClr val="tx1"/>
+              </a:solidFill>
+              <a:latin typeface="Arial" panose="020B0604020202020204" pitchFamily="34" charset="0"/>
+              <a:cs typeface="Arial" panose="020B0604020202020204" pitchFamily="34" charset="0"/>
+            </a:endParaRPr>
+          </a:p>
+        </p:txBody>
+      </p:sp>
+      <p:cxnSp>
+        <p:nvCxnSpPr>
+          <p:cNvPr id="22" name="Straight Connector 21"/>
+          <p:cNvCxnSpPr>
+            <a:stCxn id="21" idx="2"/>
+          </p:cNvCxnSpPr>
+          <p:nvPr/>
+        </p:nvCxnSpPr>
+        <p:spPr>
+          <a:xfrm flipH="1">
+            <a:off x="7344511" y="3997562"/>
+            <a:ext cx="337041" cy="5872"/>
+          </a:xfrm>
+          <a:prstGeom prst="line">
+            <a:avLst/>
+          </a:prstGeom>
+          <a:ln w="28575">
+            <a:solidFill>
+              <a:schemeClr val="tx1"/>
+            </a:solidFill>
+          </a:ln>
+        </p:spPr>
+        <p:style>
+          <a:lnRef idx="1">
+            <a:schemeClr val="accent1"/>
+          </a:lnRef>
+          <a:fillRef idx="0">
+            <a:schemeClr val="accent1"/>
+          </a:fillRef>
+          <a:effectRef idx="0">
+            <a:schemeClr val="accent1"/>
+          </a:effectRef>
+          <a:fontRef idx="minor">
+            <a:schemeClr val="tx1"/>
+          </a:fontRef>
+        </p:style>
+      </p:cxnSp>
+      <p:sp>
+        <p:nvSpPr>
+          <p:cNvPr id="23" name="Oval 22"/>
+          <p:cNvSpPr/>
+          <p:nvPr/>
+        </p:nvSpPr>
+        <p:spPr>
+          <a:xfrm>
+            <a:off x="4700960" y="3452436"/>
+            <a:ext cx="228600" cy="228600"/>
+          </a:xfrm>
+          <a:prstGeom prst="ellipse">
+            <a:avLst/>
+          </a:prstGeom>
+          <a:solidFill>
+            <a:schemeClr val="bg1"/>
+          </a:solidFill>
+          <a:ln>
+            <a:solidFill>
+              <a:schemeClr val="tx1"/>
+            </a:solidFill>
+          </a:ln>
+        </p:spPr>
+        <p:style>
+          <a:lnRef idx="2">
+            <a:schemeClr val="accent1">
+              <a:shade val="50000"/>
+            </a:schemeClr>
+          </a:lnRef>
+          <a:fillRef idx="1">
+            <a:schemeClr val="accent1"/>
+          </a:fillRef>
+          <a:effectRef idx="0">
+            <a:schemeClr val="accent1"/>
+          </a:effectRef>
+          <a:fontRef idx="minor">
+            <a:schemeClr val="lt1"/>
+          </a:fontRef>
+        </p:style>
+        <p:txBody>
+          <a:bodyPr rtlCol="0" anchor="ctr"/>
+          <a:lstStyle/>
+          <a:p>
+            <a:pPr algn="ctr"/>
+            <a:r>
+              <a:rPr lang="en-US" sz="1600" dirty="0" smtClean="0">
+                <a:solidFill>
+                  <a:schemeClr val="tx1"/>
+                </a:solidFill>
+                <a:latin typeface="Arial" panose="020B0604020202020204" pitchFamily="34" charset="0"/>
+                <a:cs typeface="Arial" panose="020B0604020202020204" pitchFamily="34" charset="0"/>
+              </a:rPr>
+              <a:t>7</a:t>
+            </a:r>
+            <a:endParaRPr lang="en-US" sz="1600" dirty="0">
+              <a:solidFill>
+                <a:schemeClr val="tx1"/>
+              </a:solidFill>
+              <a:latin typeface="Arial" panose="020B0604020202020204" pitchFamily="34" charset="0"/>
+              <a:cs typeface="Arial" panose="020B0604020202020204" pitchFamily="34" charset="0"/>
+            </a:endParaRPr>
+          </a:p>
+        </p:txBody>
+      </p:sp>
+      <p:sp>
+        <p:nvSpPr>
+          <p:cNvPr id="25" name="Oval 24"/>
+          <p:cNvSpPr/>
+          <p:nvPr/>
+        </p:nvSpPr>
+        <p:spPr>
+          <a:xfrm>
+            <a:off x="6629401" y="5732576"/>
+            <a:ext cx="228600" cy="228600"/>
+          </a:xfrm>
+          <a:prstGeom prst="ellipse">
+            <a:avLst/>
+          </a:prstGeom>
+          <a:solidFill>
+            <a:schemeClr val="bg1"/>
+          </a:solidFill>
+          <a:ln>
+            <a:solidFill>
+              <a:schemeClr val="tx1"/>
+            </a:solidFill>
+          </a:ln>
+        </p:spPr>
+        <p:style>
+          <a:lnRef idx="2">
+            <a:schemeClr val="accent1">
+              <a:shade val="50000"/>
+            </a:schemeClr>
+          </a:lnRef>
+          <a:fillRef idx="1">
+            <a:schemeClr val="accent1"/>
+          </a:fillRef>
+          <a:effectRef idx="0">
+            <a:schemeClr val="accent1"/>
+          </a:effectRef>
+          <a:fontRef idx="minor">
+            <a:schemeClr val="lt1"/>
+          </a:fontRef>
+        </p:style>
+        <p:txBody>
+          <a:bodyPr rtlCol="0" anchor="ctr"/>
+          <a:lstStyle/>
+          <a:p>
+            <a:pPr algn="ctr"/>
+            <a:r>
+              <a:rPr lang="en-US" sz="1600" dirty="0" smtClean="0">
+                <a:solidFill>
+                  <a:schemeClr val="tx1"/>
+                </a:solidFill>
+                <a:latin typeface="Arial" panose="020B0604020202020204" pitchFamily="34" charset="0"/>
+                <a:cs typeface="Arial" panose="020B0604020202020204" pitchFamily="34" charset="0"/>
+              </a:rPr>
+              <a:t>8</a:t>
+            </a:r>
+            <a:endParaRPr lang="en-US" sz="1600" dirty="0">
+              <a:solidFill>
+                <a:schemeClr val="tx1"/>
+              </a:solidFill>
+              <a:latin typeface="Arial" panose="020B0604020202020204" pitchFamily="34" charset="0"/>
+              <a:cs typeface="Arial" panose="020B0604020202020204" pitchFamily="34" charset="0"/>
+            </a:endParaRPr>
+          </a:p>
+        </p:txBody>
+      </p:sp>
+      <p:cxnSp>
+        <p:nvCxnSpPr>
+          <p:cNvPr id="26" name="Straight Connector 25"/>
+          <p:cNvCxnSpPr/>
+          <p:nvPr/>
+        </p:nvCxnSpPr>
+        <p:spPr>
+          <a:xfrm flipV="1">
+            <a:off x="6726113" y="5328130"/>
+            <a:ext cx="0" cy="404450"/>
+          </a:xfrm>
+          <a:prstGeom prst="line">
+            <a:avLst/>
+          </a:prstGeom>
+          <a:ln w="28575">
+            <a:solidFill>
+              <a:schemeClr val="tx1"/>
+            </a:solidFill>
+          </a:ln>
+        </p:spPr>
+        <p:style>
+          <a:lnRef idx="1">
+            <a:schemeClr val="accent1"/>
+          </a:lnRef>
+          <a:fillRef idx="0">
+            <a:schemeClr val="accent1"/>
+          </a:fillRef>
+          <a:effectRef idx="0">
+            <a:schemeClr val="accent1"/>
+          </a:effectRef>
+          <a:fontRef idx="minor">
+            <a:schemeClr val="tx1"/>
+          </a:fontRef>
+        </p:style>
+      </p:cxnSp>
+      <p:sp>
+        <p:nvSpPr>
+          <p:cNvPr id="27" name="Oval 26"/>
+          <p:cNvSpPr/>
+          <p:nvPr/>
+        </p:nvSpPr>
+        <p:spPr>
+          <a:xfrm>
+            <a:off x="7640516" y="4879723"/>
+            <a:ext cx="228600" cy="228600"/>
+          </a:xfrm>
+          <a:prstGeom prst="ellipse">
+            <a:avLst/>
+          </a:prstGeom>
+          <a:solidFill>
+            <a:schemeClr val="bg1"/>
+          </a:solidFill>
+          <a:ln>
+            <a:solidFill>
+              <a:schemeClr val="tx1"/>
+            </a:solidFill>
+          </a:ln>
+        </p:spPr>
+        <p:style>
+          <a:lnRef idx="2">
+            <a:schemeClr val="accent1">
+              <a:shade val="50000"/>
+            </a:schemeClr>
+          </a:lnRef>
+          <a:fillRef idx="1">
+            <a:schemeClr val="accent1"/>
+          </a:fillRef>
+          <a:effectRef idx="0">
+            <a:schemeClr val="accent1"/>
+          </a:effectRef>
+          <a:fontRef idx="minor">
+            <a:schemeClr val="lt1"/>
+          </a:fontRef>
+        </p:style>
+        <p:txBody>
+          <a:bodyPr rtlCol="0" anchor="ctr"/>
+          <a:lstStyle/>
+          <a:p>
+            <a:pPr algn="ctr"/>
+            <a:r>
+              <a:rPr lang="en-US" sz="1600" dirty="0" smtClean="0">
+                <a:solidFill>
+                  <a:schemeClr val="tx1"/>
+                </a:solidFill>
+                <a:latin typeface="Arial" panose="020B0604020202020204" pitchFamily="34" charset="0"/>
+                <a:cs typeface="Arial" panose="020B0604020202020204" pitchFamily="34" charset="0"/>
+              </a:rPr>
+              <a:t>9</a:t>
+            </a:r>
+            <a:endParaRPr lang="en-US" sz="1600" dirty="0">
+              <a:solidFill>
+                <a:schemeClr val="tx1"/>
+              </a:solidFill>
+              <a:latin typeface="Arial" panose="020B0604020202020204" pitchFamily="34" charset="0"/>
+              <a:cs typeface="Arial" panose="020B0604020202020204" pitchFamily="34" charset="0"/>
+            </a:endParaRPr>
+          </a:p>
+        </p:txBody>
+      </p:sp>
+      <p:cxnSp>
+        <p:nvCxnSpPr>
+          <p:cNvPr id="28" name="Straight Connector 27"/>
+          <p:cNvCxnSpPr>
+            <a:stCxn id="27" idx="2"/>
+          </p:cNvCxnSpPr>
+          <p:nvPr/>
+        </p:nvCxnSpPr>
+        <p:spPr>
+          <a:xfrm flipH="1" flipV="1">
+            <a:off x="7291749" y="4879723"/>
+            <a:ext cx="348767" cy="114300"/>
+          </a:xfrm>
+          <a:prstGeom prst="line">
+            <a:avLst/>
+          </a:prstGeom>
+          <a:ln w="28575">
+            <a:solidFill>
+              <a:schemeClr val="tx1"/>
+            </a:solidFill>
+          </a:ln>
+        </p:spPr>
+        <p:style>
+          <a:lnRef idx="1">
+            <a:schemeClr val="accent1"/>
+          </a:lnRef>
+          <a:fillRef idx="0">
+            <a:schemeClr val="accent1"/>
+          </a:fillRef>
+          <a:effectRef idx="0">
+            <a:schemeClr val="accent1"/>
+          </a:effectRef>
+          <a:fontRef idx="minor">
+            <a:schemeClr val="tx1"/>
+          </a:fontRef>
+        </p:style>
+      </p:cxnSp>
+      <p:sp>
+        <p:nvSpPr>
+          <p:cNvPr id="30" name="Oval 29"/>
+          <p:cNvSpPr/>
+          <p:nvPr/>
+        </p:nvSpPr>
+        <p:spPr>
+          <a:xfrm>
+            <a:off x="4879737" y="4941269"/>
+            <a:ext cx="228600" cy="228600"/>
+          </a:xfrm>
+          <a:prstGeom prst="ellipse">
+            <a:avLst/>
+          </a:prstGeom>
+          <a:solidFill>
+            <a:schemeClr val="bg1"/>
+          </a:solidFill>
+          <a:ln>
+            <a:solidFill>
+              <a:schemeClr val="tx1"/>
+            </a:solidFill>
+          </a:ln>
+        </p:spPr>
+        <p:style>
+          <a:lnRef idx="2">
+            <a:schemeClr val="accent1">
+              <a:shade val="50000"/>
+            </a:schemeClr>
+          </a:lnRef>
+          <a:fillRef idx="1">
+            <a:schemeClr val="accent1"/>
+          </a:fillRef>
+          <a:effectRef idx="0">
+            <a:schemeClr val="accent1"/>
+          </a:effectRef>
+          <a:fontRef idx="minor">
+            <a:schemeClr val="lt1"/>
+          </a:fontRef>
+        </p:style>
+        <p:txBody>
+          <a:bodyPr rtlCol="0" anchor="ctr"/>
+          <a:lstStyle/>
+          <a:p>
+            <a:pPr algn="ctr"/>
+            <a:endParaRPr lang="en-US" sz="1600" dirty="0">
+              <a:solidFill>
+                <a:schemeClr val="tx1"/>
+              </a:solidFill>
+              <a:latin typeface="Arial" panose="020B0604020202020204" pitchFamily="34" charset="0"/>
+              <a:cs typeface="Arial" panose="020B0604020202020204" pitchFamily="34" charset="0"/>
+            </a:endParaRPr>
+          </a:p>
+        </p:txBody>
+      </p:sp>
+      <p:sp>
+        <p:nvSpPr>
+          <p:cNvPr id="31" name="TextBox 30"/>
+          <p:cNvSpPr txBox="1"/>
+          <p:nvPr/>
+        </p:nvSpPr>
+        <p:spPr>
+          <a:xfrm>
+            <a:off x="4774088" y="4885552"/>
+            <a:ext cx="509953" cy="338554"/>
+          </a:xfrm>
+          <a:prstGeom prst="rect">
+            <a:avLst/>
+          </a:prstGeom>
+          <a:noFill/>
+        </p:spPr>
+        <p:txBody>
+          <a:bodyPr wrap="square" rtlCol="0">
+            <a:spAutoFit/>
+          </a:bodyPr>
+          <a:lstStyle/>
+          <a:p>
+            <a:r>
+              <a:rPr lang="en-US" sz="1600" dirty="0" smtClean="0">
+                <a:latin typeface="Arial" panose="020B0604020202020204" pitchFamily="34" charset="0"/>
+                <a:cs typeface="Arial" panose="020B0604020202020204" pitchFamily="34" charset="0"/>
+              </a:rPr>
+              <a:t>10</a:t>
+            </a:r>
+            <a:endParaRPr lang="en-US" dirty="0">
+              <a:latin typeface="Arial" panose="020B0604020202020204" pitchFamily="34" charset="0"/>
+              <a:cs typeface="Arial" panose="020B0604020202020204" pitchFamily="34" charset="0"/>
+            </a:endParaRPr>
+          </a:p>
+        </p:txBody>
+      </p:sp>
+      <p:sp>
+        <p:nvSpPr>
+          <p:cNvPr id="32" name="Oval 31"/>
+          <p:cNvSpPr/>
+          <p:nvPr/>
+        </p:nvSpPr>
+        <p:spPr>
+          <a:xfrm>
+            <a:off x="7218482" y="5272439"/>
+            <a:ext cx="228600" cy="228600"/>
+          </a:xfrm>
+          <a:prstGeom prst="ellipse">
+            <a:avLst/>
+          </a:prstGeom>
+          <a:solidFill>
+            <a:schemeClr val="bg1"/>
+          </a:solidFill>
+          <a:ln>
+            <a:solidFill>
+              <a:schemeClr val="tx1"/>
+            </a:solidFill>
+          </a:ln>
+        </p:spPr>
+        <p:style>
+          <a:lnRef idx="2">
+            <a:schemeClr val="accent1">
+              <a:shade val="50000"/>
+            </a:schemeClr>
+          </a:lnRef>
+          <a:fillRef idx="1">
+            <a:schemeClr val="accent1"/>
+          </a:fillRef>
+          <a:effectRef idx="0">
+            <a:schemeClr val="accent1"/>
+          </a:effectRef>
+          <a:fontRef idx="minor">
+            <a:schemeClr val="lt1"/>
+          </a:fontRef>
+        </p:style>
+        <p:txBody>
+          <a:bodyPr rtlCol="0" anchor="ctr"/>
+          <a:lstStyle/>
+          <a:p>
+            <a:pPr algn="ctr"/>
+            <a:endParaRPr lang="en-US" sz="1600" dirty="0">
+              <a:solidFill>
+                <a:schemeClr val="tx1"/>
+              </a:solidFill>
+              <a:latin typeface="Arial" panose="020B0604020202020204" pitchFamily="34" charset="0"/>
+              <a:cs typeface="Arial" panose="020B0604020202020204" pitchFamily="34" charset="0"/>
+            </a:endParaRPr>
+          </a:p>
+        </p:txBody>
+      </p:sp>
+      <p:cxnSp>
+        <p:nvCxnSpPr>
+          <p:cNvPr id="33" name="Straight Connector 32"/>
+          <p:cNvCxnSpPr>
+            <a:stCxn id="32" idx="2"/>
+          </p:cNvCxnSpPr>
+          <p:nvPr/>
+        </p:nvCxnSpPr>
+        <p:spPr>
+          <a:xfrm flipH="1" flipV="1">
+            <a:off x="6910749" y="5169869"/>
+            <a:ext cx="307733" cy="216870"/>
+          </a:xfrm>
+          <a:prstGeom prst="line">
+            <a:avLst/>
+          </a:prstGeom>
+          <a:ln w="28575">
+            <a:solidFill>
+              <a:schemeClr val="tx1"/>
+            </a:solidFill>
+          </a:ln>
+        </p:spPr>
+        <p:style>
+          <a:lnRef idx="1">
+            <a:schemeClr val="accent1"/>
+          </a:lnRef>
+          <a:fillRef idx="0">
+            <a:schemeClr val="accent1"/>
+          </a:fillRef>
+          <a:effectRef idx="0">
+            <a:schemeClr val="accent1"/>
+          </a:effectRef>
+          <a:fontRef idx="minor">
+            <a:schemeClr val="tx1"/>
+          </a:fontRef>
+        </p:style>
+      </p:cxnSp>
+      <p:sp>
+        <p:nvSpPr>
+          <p:cNvPr id="36" name="TextBox 35"/>
+          <p:cNvSpPr txBox="1"/>
+          <p:nvPr/>
+        </p:nvSpPr>
+        <p:spPr>
+          <a:xfrm>
+            <a:off x="7145215" y="5224788"/>
+            <a:ext cx="509953" cy="338554"/>
+          </a:xfrm>
+          <a:prstGeom prst="rect">
+            <a:avLst/>
+          </a:prstGeom>
+          <a:noFill/>
+        </p:spPr>
+        <p:txBody>
+          <a:bodyPr wrap="square" rtlCol="0">
+            <a:spAutoFit/>
+          </a:bodyPr>
+          <a:lstStyle/>
+          <a:p>
+            <a:r>
+              <a:rPr lang="en-US" sz="1600" dirty="0" smtClean="0">
+                <a:latin typeface="Arial" panose="020B0604020202020204" pitchFamily="34" charset="0"/>
+                <a:cs typeface="Arial" panose="020B0604020202020204" pitchFamily="34" charset="0"/>
+              </a:rPr>
+              <a:t>11</a:t>
+            </a:r>
+            <a:endParaRPr lang="en-US" dirty="0">
+              <a:latin typeface="Arial" panose="020B0604020202020204" pitchFamily="34" charset="0"/>
+              <a:cs typeface="Arial" panose="020B0604020202020204" pitchFamily="34" charset="0"/>
+            </a:endParaRPr>
+          </a:p>
+        </p:txBody>
+      </p:sp>
+      <p:sp>
+        <p:nvSpPr>
+          <p:cNvPr id="39" name="Oval 38"/>
+          <p:cNvSpPr/>
+          <p:nvPr/>
+        </p:nvSpPr>
+        <p:spPr>
+          <a:xfrm>
+            <a:off x="4026885" y="4158741"/>
+            <a:ext cx="228600" cy="228600"/>
+          </a:xfrm>
+          <a:prstGeom prst="ellipse">
+            <a:avLst/>
+          </a:prstGeom>
+          <a:solidFill>
+            <a:schemeClr val="bg1"/>
+          </a:solidFill>
+          <a:ln>
+            <a:solidFill>
+              <a:schemeClr val="tx1"/>
+            </a:solidFill>
+          </a:ln>
+        </p:spPr>
+        <p:style>
+          <a:lnRef idx="2">
+            <a:schemeClr val="accent1">
+              <a:shade val="50000"/>
+            </a:schemeClr>
+          </a:lnRef>
+          <a:fillRef idx="1">
+            <a:schemeClr val="accent1"/>
+          </a:fillRef>
+          <a:effectRef idx="0">
+            <a:schemeClr val="accent1"/>
+          </a:effectRef>
+          <a:fontRef idx="minor">
+            <a:schemeClr val="lt1"/>
+          </a:fontRef>
+        </p:style>
+        <p:txBody>
+          <a:bodyPr rtlCol="0" anchor="ctr"/>
+          <a:lstStyle/>
+          <a:p>
+            <a:pPr algn="ctr"/>
+            <a:endParaRPr lang="en-US" sz="1600" dirty="0">
+              <a:solidFill>
+                <a:schemeClr val="tx1"/>
+              </a:solidFill>
+              <a:latin typeface="Arial" panose="020B0604020202020204" pitchFamily="34" charset="0"/>
+              <a:cs typeface="Arial" panose="020B0604020202020204" pitchFamily="34" charset="0"/>
+            </a:endParaRPr>
+          </a:p>
+        </p:txBody>
+      </p:sp>
+      <p:sp>
+        <p:nvSpPr>
+          <p:cNvPr id="37" name="TextBox 36"/>
+          <p:cNvSpPr txBox="1"/>
+          <p:nvPr/>
+        </p:nvSpPr>
+        <p:spPr>
+          <a:xfrm>
+            <a:off x="3921376" y="4116226"/>
+            <a:ext cx="509953" cy="338554"/>
+          </a:xfrm>
+          <a:prstGeom prst="rect">
+            <a:avLst/>
+          </a:prstGeom>
+          <a:noFill/>
+        </p:spPr>
+        <p:txBody>
+          <a:bodyPr wrap="square" rtlCol="0">
+            <a:spAutoFit/>
+          </a:bodyPr>
+          <a:lstStyle/>
+          <a:p>
+            <a:r>
+              <a:rPr lang="en-US" sz="1600" dirty="0" smtClean="0">
+                <a:latin typeface="Arial" panose="020B0604020202020204" pitchFamily="34" charset="0"/>
+                <a:cs typeface="Arial" panose="020B0604020202020204" pitchFamily="34" charset="0"/>
+              </a:rPr>
+              <a:t>12</a:t>
+            </a:r>
+            <a:endParaRPr lang="en-US" dirty="0">
+              <a:latin typeface="Arial" panose="020B0604020202020204" pitchFamily="34" charset="0"/>
+              <a:cs typeface="Arial" panose="020B0604020202020204" pitchFamily="34" charset="0"/>
+            </a:endParaRPr>
+          </a:p>
+        </p:txBody>
+      </p:sp>
+      <p:sp>
+        <p:nvSpPr>
+          <p:cNvPr id="40" name="Oval 39"/>
+          <p:cNvSpPr/>
+          <p:nvPr/>
+        </p:nvSpPr>
+        <p:spPr>
+          <a:xfrm>
+            <a:off x="7367959" y="3349859"/>
+            <a:ext cx="228600" cy="228600"/>
+          </a:xfrm>
+          <a:prstGeom prst="ellipse">
+            <a:avLst/>
+          </a:prstGeom>
+          <a:solidFill>
+            <a:schemeClr val="bg1"/>
+          </a:solidFill>
+          <a:ln>
+            <a:solidFill>
+              <a:schemeClr val="tx1"/>
+            </a:solidFill>
+          </a:ln>
+        </p:spPr>
+        <p:style>
+          <a:lnRef idx="2">
+            <a:schemeClr val="accent1">
+              <a:shade val="50000"/>
+            </a:schemeClr>
+          </a:lnRef>
+          <a:fillRef idx="1">
+            <a:schemeClr val="accent1"/>
+          </a:fillRef>
+          <a:effectRef idx="0">
+            <a:schemeClr val="accent1"/>
+          </a:effectRef>
+          <a:fontRef idx="minor">
+            <a:schemeClr val="lt1"/>
+          </a:fontRef>
+        </p:style>
+        <p:txBody>
+          <a:bodyPr rtlCol="0" anchor="ctr"/>
+          <a:lstStyle/>
+          <a:p>
+            <a:pPr algn="ctr"/>
+            <a:endParaRPr lang="en-US" sz="1600" dirty="0">
+              <a:solidFill>
+                <a:schemeClr val="tx1"/>
+              </a:solidFill>
+              <a:latin typeface="Arial" panose="020B0604020202020204" pitchFamily="34" charset="0"/>
+              <a:cs typeface="Arial" panose="020B0604020202020204" pitchFamily="34" charset="0"/>
+            </a:endParaRPr>
+          </a:p>
+        </p:txBody>
+      </p:sp>
+      <p:sp>
+        <p:nvSpPr>
+          <p:cNvPr id="41" name="TextBox 40"/>
+          <p:cNvSpPr txBox="1"/>
+          <p:nvPr/>
+        </p:nvSpPr>
+        <p:spPr>
+          <a:xfrm>
+            <a:off x="7274182" y="3300743"/>
+            <a:ext cx="509953" cy="338554"/>
+          </a:xfrm>
+          <a:prstGeom prst="rect">
+            <a:avLst/>
+          </a:prstGeom>
+          <a:noFill/>
+        </p:spPr>
+        <p:txBody>
+          <a:bodyPr wrap="square" rtlCol="0">
+            <a:spAutoFit/>
+          </a:bodyPr>
+          <a:lstStyle/>
+          <a:p>
+            <a:r>
+              <a:rPr lang="en-US" sz="1600" dirty="0" smtClean="0">
+                <a:latin typeface="Arial" panose="020B0604020202020204" pitchFamily="34" charset="0"/>
+                <a:cs typeface="Arial" panose="020B0604020202020204" pitchFamily="34" charset="0"/>
+              </a:rPr>
+              <a:t>13</a:t>
+            </a:r>
+            <a:endParaRPr lang="en-US" dirty="0">
+              <a:latin typeface="Arial" panose="020B0604020202020204" pitchFamily="34" charset="0"/>
+              <a:cs typeface="Arial" panose="020B0604020202020204" pitchFamily="34" charset="0"/>
+            </a:endParaRPr>
+          </a:p>
+        </p:txBody>
+      </p:sp>
+      <p:sp>
+        <p:nvSpPr>
+          <p:cNvPr id="42" name="Oval 41"/>
+          <p:cNvSpPr/>
+          <p:nvPr/>
+        </p:nvSpPr>
+        <p:spPr>
+          <a:xfrm>
+            <a:off x="6761287" y="4633529"/>
+            <a:ext cx="228600" cy="228600"/>
+          </a:xfrm>
+          <a:prstGeom prst="ellipse">
+            <a:avLst/>
+          </a:prstGeom>
+          <a:solidFill>
+            <a:schemeClr val="bg1"/>
+          </a:solidFill>
+          <a:ln>
+            <a:solidFill>
+              <a:schemeClr val="tx1"/>
+            </a:solidFill>
+          </a:ln>
+        </p:spPr>
+        <p:style>
+          <a:lnRef idx="2">
+            <a:schemeClr val="accent1">
+              <a:shade val="50000"/>
+            </a:schemeClr>
+          </a:lnRef>
+          <a:fillRef idx="1">
+            <a:schemeClr val="accent1"/>
+          </a:fillRef>
+          <a:effectRef idx="0">
+            <a:schemeClr val="accent1"/>
+          </a:effectRef>
+          <a:fontRef idx="minor">
+            <a:schemeClr val="lt1"/>
+          </a:fontRef>
+        </p:style>
+        <p:txBody>
+          <a:bodyPr rtlCol="0" anchor="ctr"/>
+          <a:lstStyle/>
+          <a:p>
+            <a:pPr algn="ctr"/>
+            <a:endParaRPr lang="en-US" sz="1600" dirty="0">
+              <a:solidFill>
+                <a:schemeClr val="tx1"/>
+              </a:solidFill>
+              <a:latin typeface="Arial" panose="020B0604020202020204" pitchFamily="34" charset="0"/>
+              <a:cs typeface="Arial" panose="020B0604020202020204" pitchFamily="34" charset="0"/>
+            </a:endParaRPr>
+          </a:p>
+        </p:txBody>
+      </p:sp>
+      <p:cxnSp>
+        <p:nvCxnSpPr>
+          <p:cNvPr id="43" name="Straight Connector 42"/>
+          <p:cNvCxnSpPr/>
+          <p:nvPr/>
+        </p:nvCxnSpPr>
+        <p:spPr>
+          <a:xfrm flipV="1">
+            <a:off x="6787400" y="4850408"/>
+            <a:ext cx="70601" cy="312129"/>
+          </a:xfrm>
+          <a:prstGeom prst="line">
+            <a:avLst/>
+          </a:prstGeom>
+          <a:ln w="28575">
+            <a:solidFill>
+              <a:schemeClr val="tx1"/>
+            </a:solidFill>
+          </a:ln>
+        </p:spPr>
+        <p:style>
+          <a:lnRef idx="1">
+            <a:schemeClr val="accent1"/>
+          </a:lnRef>
+          <a:fillRef idx="0">
+            <a:schemeClr val="accent1"/>
+          </a:fillRef>
+          <a:effectRef idx="0">
+            <a:schemeClr val="accent1"/>
+          </a:effectRef>
+          <a:fontRef idx="minor">
+            <a:schemeClr val="tx1"/>
+          </a:fontRef>
+        </p:style>
+      </p:cxnSp>
+      <p:sp>
+        <p:nvSpPr>
+          <p:cNvPr id="46" name="TextBox 45"/>
+          <p:cNvSpPr txBox="1"/>
+          <p:nvPr/>
+        </p:nvSpPr>
+        <p:spPr>
+          <a:xfrm>
+            <a:off x="6655777" y="4587359"/>
+            <a:ext cx="509953" cy="338554"/>
+          </a:xfrm>
+          <a:prstGeom prst="rect">
+            <a:avLst/>
+          </a:prstGeom>
+          <a:noFill/>
+        </p:spPr>
+        <p:txBody>
+          <a:bodyPr wrap="square" rtlCol="0">
+            <a:spAutoFit/>
+          </a:bodyPr>
+          <a:lstStyle/>
+          <a:p>
+            <a:r>
+              <a:rPr lang="en-US" sz="1600" dirty="0" smtClean="0">
+                <a:latin typeface="Arial" panose="020B0604020202020204" pitchFamily="34" charset="0"/>
+                <a:cs typeface="Arial" panose="020B0604020202020204" pitchFamily="34" charset="0"/>
+              </a:rPr>
+              <a:t>14</a:t>
+            </a:r>
+            <a:endParaRPr lang="en-US" dirty="0">
+              <a:latin typeface="Arial" panose="020B0604020202020204" pitchFamily="34" charset="0"/>
+              <a:cs typeface="Arial" panose="020B0604020202020204" pitchFamily="34" charset="0"/>
+            </a:endParaRPr>
+          </a:p>
+        </p:txBody>
+      </p:sp>
+      <p:sp>
+        <p:nvSpPr>
+          <p:cNvPr id="48" name="Oval 47"/>
+          <p:cNvSpPr/>
+          <p:nvPr/>
+        </p:nvSpPr>
+        <p:spPr>
+          <a:xfrm>
+            <a:off x="4563216" y="3147635"/>
+            <a:ext cx="228600" cy="228600"/>
+          </a:xfrm>
+          <a:prstGeom prst="ellipse">
+            <a:avLst/>
+          </a:prstGeom>
+          <a:solidFill>
+            <a:schemeClr val="bg1"/>
+          </a:solidFill>
+          <a:ln>
+            <a:solidFill>
+              <a:schemeClr val="tx1"/>
+            </a:solidFill>
+          </a:ln>
+        </p:spPr>
+        <p:style>
+          <a:lnRef idx="2">
+            <a:schemeClr val="accent1">
+              <a:shade val="50000"/>
+            </a:schemeClr>
+          </a:lnRef>
+          <a:fillRef idx="1">
+            <a:schemeClr val="accent1"/>
+          </a:fillRef>
+          <a:effectRef idx="0">
+            <a:schemeClr val="accent1"/>
+          </a:effectRef>
+          <a:fontRef idx="minor">
+            <a:schemeClr val="lt1"/>
+          </a:fontRef>
+        </p:style>
+        <p:txBody>
+          <a:bodyPr rtlCol="0" anchor="ctr"/>
+          <a:lstStyle/>
+          <a:p>
+            <a:pPr algn="ctr"/>
+            <a:endParaRPr lang="en-US" sz="1600" dirty="0">
+              <a:solidFill>
+                <a:schemeClr val="tx1"/>
+              </a:solidFill>
+              <a:latin typeface="Arial" panose="020B0604020202020204" pitchFamily="34" charset="0"/>
+              <a:cs typeface="Arial" panose="020B0604020202020204" pitchFamily="34" charset="0"/>
+            </a:endParaRPr>
+          </a:p>
+        </p:txBody>
+      </p:sp>
+      <p:sp>
+        <p:nvSpPr>
+          <p:cNvPr id="47" name="TextBox 46"/>
+          <p:cNvSpPr txBox="1"/>
+          <p:nvPr/>
+        </p:nvSpPr>
+        <p:spPr>
+          <a:xfrm>
+            <a:off x="4457705" y="3108010"/>
+            <a:ext cx="509953" cy="338554"/>
+          </a:xfrm>
+          <a:prstGeom prst="rect">
+            <a:avLst/>
+          </a:prstGeom>
+          <a:noFill/>
+        </p:spPr>
+        <p:txBody>
+          <a:bodyPr wrap="square" rtlCol="0">
+            <a:spAutoFit/>
+          </a:bodyPr>
+          <a:lstStyle/>
+          <a:p>
+            <a:r>
+              <a:rPr lang="en-US" sz="1600" dirty="0" smtClean="0">
+                <a:latin typeface="Arial" panose="020B0604020202020204" pitchFamily="34" charset="0"/>
+                <a:cs typeface="Arial" panose="020B0604020202020204" pitchFamily="34" charset="0"/>
+              </a:rPr>
+              <a:t>15</a:t>
+            </a:r>
+            <a:endParaRPr lang="en-US" dirty="0">
+              <a:latin typeface="Arial" panose="020B0604020202020204" pitchFamily="34" charset="0"/>
+              <a:cs typeface="Arial" panose="020B0604020202020204" pitchFamily="34" charset="0"/>
+            </a:endParaRPr>
+          </a:p>
+        </p:txBody>
+      </p:sp>
+      <p:cxnSp>
+        <p:nvCxnSpPr>
+          <p:cNvPr id="49" name="Straight Connector 48"/>
+          <p:cNvCxnSpPr/>
+          <p:nvPr/>
+        </p:nvCxnSpPr>
+        <p:spPr>
+          <a:xfrm flipV="1">
+            <a:off x="4298584" y="3349860"/>
+            <a:ext cx="304321" cy="136329"/>
+          </a:xfrm>
+          <a:prstGeom prst="line">
+            <a:avLst/>
+          </a:prstGeom>
+          <a:ln w="28575">
+            <a:solidFill>
+              <a:schemeClr val="tx1"/>
+            </a:solidFill>
+          </a:ln>
+        </p:spPr>
+        <p:style>
+          <a:lnRef idx="1">
+            <a:schemeClr val="accent1"/>
+          </a:lnRef>
+          <a:fillRef idx="0">
+            <a:schemeClr val="accent1"/>
+          </a:fillRef>
+          <a:effectRef idx="0">
+            <a:schemeClr val="accent1"/>
+          </a:effectRef>
+          <a:fontRef idx="minor">
+            <a:schemeClr val="tx1"/>
+          </a:fontRef>
+        </p:style>
+      </p:cxnSp>
+      <p:pic>
+        <p:nvPicPr>
+          <p:cNvPr id="53" name="Picture 52"/>
+          <p:cNvPicPr>
+            <a:picLocks noChangeAspect="1"/>
+          </p:cNvPicPr>
+          <p:nvPr/>
+        </p:nvPicPr>
+        <p:blipFill>
+          <a:blip r:embed="rId3" cstate="print">
+            <a:extLst>
+              <a:ext uri="{28A0092B-C50C-407E-A947-70E740481C1C}">
+                <a14:useLocalDpi xmlns:a14="http://schemas.microsoft.com/office/drawing/2010/main" val="0"/>
+              </a:ext>
+            </a:extLst>
+          </a:blip>
+          <a:stretch>
+            <a:fillRect/>
+          </a:stretch>
+        </p:blipFill>
+        <p:spPr>
+          <a:xfrm>
+            <a:off x="5138955" y="3231171"/>
+            <a:ext cx="1901778" cy="1358413"/>
+          </a:xfrm>
+          <a:prstGeom prst="rect">
+            <a:avLst/>
+          </a:prstGeom>
+          <a:ln>
+            <a:solidFill>
+              <a:schemeClr val="tx1"/>
+            </a:solidFill>
+          </a:ln>
+        </p:spPr>
+      </p:pic>
+      <p:sp>
+        <p:nvSpPr>
+          <p:cNvPr id="54" name="TextBox 53"/>
+          <p:cNvSpPr txBox="1"/>
+          <p:nvPr/>
+        </p:nvSpPr>
+        <p:spPr>
+          <a:xfrm>
+            <a:off x="3569676" y="114300"/>
+            <a:ext cx="395654" cy="307777"/>
+          </a:xfrm>
+          <a:prstGeom prst="rect">
+            <a:avLst/>
+          </a:prstGeom>
+          <a:noFill/>
+        </p:spPr>
+        <p:txBody>
+          <a:bodyPr wrap="square" rtlCol="0">
+            <a:spAutoFit/>
+          </a:bodyPr>
+          <a:lstStyle/>
+          <a:p>
+            <a:r>
+              <a:rPr lang="en-US" sz="1400" b="1" dirty="0" smtClean="0">
+                <a:latin typeface="Arial" panose="020B0604020202020204" pitchFamily="34" charset="0"/>
+                <a:cs typeface="Arial" panose="020B0604020202020204" pitchFamily="34" charset="0"/>
+              </a:rPr>
+              <a:t>A)</a:t>
+            </a:r>
+            <a:endParaRPr lang="en-US" sz="1400" b="1" dirty="0">
+              <a:latin typeface="Arial" panose="020B0604020202020204" pitchFamily="34" charset="0"/>
+              <a:cs typeface="Arial" panose="020B0604020202020204" pitchFamily="34" charset="0"/>
+            </a:endParaRPr>
+          </a:p>
+        </p:txBody>
+      </p:sp>
+      <p:sp>
+        <p:nvSpPr>
+          <p:cNvPr id="55" name="TextBox 54"/>
+          <p:cNvSpPr txBox="1"/>
+          <p:nvPr/>
+        </p:nvSpPr>
+        <p:spPr>
+          <a:xfrm>
+            <a:off x="3569676" y="3134458"/>
+            <a:ext cx="395654" cy="307777"/>
+          </a:xfrm>
+          <a:prstGeom prst="rect">
+            <a:avLst/>
+          </a:prstGeom>
+          <a:noFill/>
+        </p:spPr>
+        <p:txBody>
+          <a:bodyPr wrap="square" rtlCol="0">
+            <a:spAutoFit/>
+          </a:bodyPr>
+          <a:lstStyle/>
+          <a:p>
+            <a:r>
+              <a:rPr lang="en-US" sz="1400" b="1" dirty="0" smtClean="0">
+                <a:latin typeface="Arial" panose="020B0604020202020204" pitchFamily="34" charset="0"/>
+                <a:cs typeface="Arial" panose="020B0604020202020204" pitchFamily="34" charset="0"/>
+              </a:rPr>
+              <a:t>B)</a:t>
+            </a:r>
+            <a:endParaRPr lang="en-US" sz="1400" b="1" dirty="0">
+              <a:latin typeface="Arial" panose="020B0604020202020204" pitchFamily="34" charset="0"/>
+              <a:cs typeface="Arial" panose="020B0604020202020204" pitchFamily="34" charset="0"/>
+            </a:endParaRPr>
+          </a:p>
+        </p:txBody>
+      </p:sp>
+    </p:spTree>
+    <p:extLst>
+      <p:ext uri="{BB962C8B-B14F-4D97-AF65-F5344CB8AC3E}">
+        <p14:creationId xmlns:p14="http://schemas.microsoft.com/office/powerpoint/2010/main" val="1179445465"/>
+      </p:ext>
+    </p:extLst>
+  </p:cSld>
+  <p:clrMapOvr>
+    <a:masterClrMapping/>
+  </p:clrMapOvr>
+</p:sld>
+</file>
+
+<file path=ppt/slides/slide5.xml><?xml version="1.0" encoding="utf-8"?>
+<p:sld xmlns:a="http://schemas.openxmlformats.org/drawingml/2006/main" xmlns:r="http://schemas.openxmlformats.org/officeDocument/2006/relationships" xmlns:p="http://schemas.openxmlformats.org/presentationml/2006/main">
+  <p:cSld>
+    <p:spTree>
+      <p:nvGrpSpPr>
+        <p:cNvPr id="1" name=""/>
+        <p:cNvGrpSpPr/>
+        <p:nvPr/>
+      </p:nvGrpSpPr>
+      <p:grpSpPr>
+        <a:xfrm>
+          <a:off x="0" y="0"/>
+          <a:ext cx="0" cy="0"/>
+          <a:chOff x="0" y="0"/>
+          <a:chExt cx="0" cy="0"/>
+        </a:xfrm>
+      </p:grpSpPr>
+      <p:pic>
+        <p:nvPicPr>
+          <p:cNvPr id="4" name="Picture 3"/>
+          <p:cNvPicPr>
+            <a:picLocks noChangeAspect="1"/>
+          </p:cNvPicPr>
+          <p:nvPr/>
+        </p:nvPicPr>
+        <p:blipFill>
+          <a:blip r:embed="rId2" cstate="print">
+            <a:extLst>
+              <a:ext uri="{28A0092B-C50C-407E-A947-70E740481C1C}">
+                <a14:useLocalDpi xmlns:a14="http://schemas.microsoft.com/office/drawing/2010/main" val="0"/>
+              </a:ext>
+            </a:extLst>
+          </a:blip>
+          <a:stretch>
+            <a:fillRect/>
+          </a:stretch>
+        </p:blipFill>
+        <p:spPr>
+          <a:xfrm>
+            <a:off x="3446318" y="0"/>
+            <a:ext cx="5299364" cy="6858000"/>
+          </a:xfrm>
+          <a:prstGeom prst="rect">
+            <a:avLst/>
+          </a:prstGeom>
+        </p:spPr>
+      </p:pic>
+      <p:sp>
+        <p:nvSpPr>
+          <p:cNvPr id="5" name="Oval 4"/>
+          <p:cNvSpPr/>
+          <p:nvPr/>
+        </p:nvSpPr>
+        <p:spPr>
+          <a:xfrm>
+            <a:off x="6910749" y="5477602"/>
+            <a:ext cx="228600" cy="228600"/>
+          </a:xfrm>
+          <a:prstGeom prst="ellipse">
+            <a:avLst/>
+          </a:prstGeom>
+          <a:solidFill>
+            <a:schemeClr val="bg1"/>
+          </a:solidFill>
+          <a:ln>
+            <a:solidFill>
+              <a:schemeClr val="tx1"/>
+            </a:solidFill>
+          </a:ln>
+        </p:spPr>
+        <p:style>
+          <a:lnRef idx="2">
+            <a:schemeClr val="accent1">
+              <a:shade val="50000"/>
+            </a:schemeClr>
+          </a:lnRef>
+          <a:fillRef idx="1">
+            <a:schemeClr val="accent1"/>
+          </a:fillRef>
+          <a:effectRef idx="0">
+            <a:schemeClr val="accent1"/>
+          </a:effectRef>
+          <a:fontRef idx="minor">
+            <a:schemeClr val="lt1"/>
+          </a:fontRef>
+        </p:style>
+        <p:txBody>
+          <a:bodyPr rtlCol="0" anchor="ctr"/>
+          <a:lstStyle/>
+          <a:p>
+            <a:pPr algn="ctr"/>
+            <a:r>
+              <a:rPr lang="en-US" sz="1600" dirty="0" smtClean="0">
+                <a:solidFill>
+                  <a:schemeClr val="tx1"/>
+                </a:solidFill>
+                <a:latin typeface="Arial" panose="020B0604020202020204" pitchFamily="34" charset="0"/>
+                <a:cs typeface="Arial" panose="020B0604020202020204" pitchFamily="34" charset="0"/>
+              </a:rPr>
+              <a:t>1</a:t>
+            </a:r>
+            <a:endParaRPr lang="en-US" sz="1600" dirty="0">
+              <a:solidFill>
+                <a:schemeClr val="tx1"/>
+              </a:solidFill>
+              <a:latin typeface="Arial" panose="020B0604020202020204" pitchFamily="34" charset="0"/>
+              <a:cs typeface="Arial" panose="020B0604020202020204" pitchFamily="34" charset="0"/>
+            </a:endParaRPr>
+          </a:p>
+        </p:txBody>
+      </p:sp>
+      <p:sp>
+        <p:nvSpPr>
+          <p:cNvPr id="7" name="Oval 6"/>
+          <p:cNvSpPr/>
+          <p:nvPr/>
+        </p:nvSpPr>
+        <p:spPr>
+          <a:xfrm>
+            <a:off x="7617072" y="4337528"/>
+            <a:ext cx="228600" cy="228600"/>
+          </a:xfrm>
+          <a:prstGeom prst="ellipse">
+            <a:avLst/>
+          </a:prstGeom>
+          <a:solidFill>
+            <a:schemeClr val="bg1"/>
+          </a:solidFill>
+          <a:ln>
+            <a:solidFill>
+              <a:schemeClr val="tx1"/>
+            </a:solidFill>
+          </a:ln>
+        </p:spPr>
+        <p:style>
+          <a:lnRef idx="2">
+            <a:schemeClr val="accent1">
+              <a:shade val="50000"/>
+            </a:schemeClr>
+          </a:lnRef>
+          <a:fillRef idx="1">
+            <a:schemeClr val="accent1"/>
+          </a:fillRef>
+          <a:effectRef idx="0">
+            <a:schemeClr val="accent1"/>
+          </a:effectRef>
+          <a:fontRef idx="minor">
+            <a:schemeClr val="lt1"/>
+          </a:fontRef>
+        </p:style>
+        <p:txBody>
+          <a:bodyPr rtlCol="0" anchor="ctr"/>
+          <a:lstStyle/>
+          <a:p>
+            <a:pPr algn="ctr"/>
+            <a:r>
+              <a:rPr lang="en-US" sz="1600" dirty="0" smtClean="0">
+                <a:solidFill>
+                  <a:schemeClr val="tx1"/>
+                </a:solidFill>
+                <a:latin typeface="Arial" panose="020B0604020202020204" pitchFamily="34" charset="0"/>
+                <a:cs typeface="Arial" panose="020B0604020202020204" pitchFamily="34" charset="0"/>
+              </a:rPr>
+              <a:t>3</a:t>
+            </a:r>
+            <a:endParaRPr lang="en-US" sz="1600" dirty="0">
+              <a:solidFill>
+                <a:schemeClr val="tx1"/>
+              </a:solidFill>
+              <a:latin typeface="Arial" panose="020B0604020202020204" pitchFamily="34" charset="0"/>
+              <a:cs typeface="Arial" panose="020B0604020202020204" pitchFamily="34" charset="0"/>
+            </a:endParaRPr>
+          </a:p>
+        </p:txBody>
+      </p:sp>
+      <p:cxnSp>
+        <p:nvCxnSpPr>
+          <p:cNvPr id="9" name="Straight Connector 8"/>
+          <p:cNvCxnSpPr>
+            <a:stCxn id="7" idx="2"/>
+          </p:cNvCxnSpPr>
+          <p:nvPr/>
+        </p:nvCxnSpPr>
+        <p:spPr>
+          <a:xfrm flipH="1">
+            <a:off x="7280031" y="4451828"/>
+            <a:ext cx="337041" cy="5872"/>
+          </a:xfrm>
+          <a:prstGeom prst="line">
+            <a:avLst/>
+          </a:prstGeom>
+          <a:ln w="28575">
+            <a:solidFill>
+              <a:schemeClr val="tx1"/>
+            </a:solidFill>
+          </a:ln>
+        </p:spPr>
+        <p:style>
+          <a:lnRef idx="1">
+            <a:schemeClr val="accent1"/>
+          </a:lnRef>
+          <a:fillRef idx="0">
+            <a:schemeClr val="accent1"/>
+          </a:fillRef>
+          <a:effectRef idx="0">
+            <a:schemeClr val="accent1"/>
+          </a:effectRef>
+          <a:fontRef idx="minor">
+            <a:schemeClr val="tx1"/>
+          </a:fontRef>
+        </p:style>
+      </p:cxnSp>
+      <p:sp>
+        <p:nvSpPr>
+          <p:cNvPr id="10" name="Oval 9"/>
+          <p:cNvSpPr/>
+          <p:nvPr/>
+        </p:nvSpPr>
+        <p:spPr>
+          <a:xfrm>
+            <a:off x="7663966" y="4621808"/>
+            <a:ext cx="228600" cy="228600"/>
+          </a:xfrm>
+          <a:prstGeom prst="ellipse">
+            <a:avLst/>
+          </a:prstGeom>
+          <a:solidFill>
+            <a:schemeClr val="bg1"/>
+          </a:solidFill>
+          <a:ln>
+            <a:solidFill>
+              <a:schemeClr val="tx1"/>
+            </a:solidFill>
+          </a:ln>
+        </p:spPr>
+        <p:style>
+          <a:lnRef idx="2">
+            <a:schemeClr val="accent1">
+              <a:shade val="50000"/>
+            </a:schemeClr>
+          </a:lnRef>
+          <a:fillRef idx="1">
+            <a:schemeClr val="accent1"/>
+          </a:fillRef>
+          <a:effectRef idx="0">
+            <a:schemeClr val="accent1"/>
+          </a:effectRef>
+          <a:fontRef idx="minor">
+            <a:schemeClr val="lt1"/>
+          </a:fontRef>
+        </p:style>
+        <p:txBody>
+          <a:bodyPr rtlCol="0" anchor="ctr"/>
+          <a:lstStyle/>
+          <a:p>
+            <a:pPr algn="ctr"/>
+            <a:r>
+              <a:rPr lang="en-US" sz="1600" dirty="0" smtClean="0">
+                <a:solidFill>
+                  <a:schemeClr val="tx1"/>
+                </a:solidFill>
+                <a:latin typeface="Arial" panose="020B0604020202020204" pitchFamily="34" charset="0"/>
+                <a:cs typeface="Arial" panose="020B0604020202020204" pitchFamily="34" charset="0"/>
+              </a:rPr>
+              <a:t>2</a:t>
+            </a:r>
+            <a:endParaRPr lang="en-US" sz="1600" dirty="0">
+              <a:solidFill>
+                <a:schemeClr val="tx1"/>
+              </a:solidFill>
+              <a:latin typeface="Arial" panose="020B0604020202020204" pitchFamily="34" charset="0"/>
+              <a:cs typeface="Arial" panose="020B0604020202020204" pitchFamily="34" charset="0"/>
+            </a:endParaRPr>
+          </a:p>
+        </p:txBody>
+      </p:sp>
+      <p:cxnSp>
+        <p:nvCxnSpPr>
+          <p:cNvPr id="11" name="Straight Connector 10"/>
+          <p:cNvCxnSpPr>
+            <a:stCxn id="10" idx="2"/>
+          </p:cNvCxnSpPr>
+          <p:nvPr/>
+        </p:nvCxnSpPr>
+        <p:spPr>
+          <a:xfrm flipH="1" flipV="1">
+            <a:off x="7280031" y="4617406"/>
+            <a:ext cx="383935" cy="118702"/>
+          </a:xfrm>
+          <a:prstGeom prst="line">
+            <a:avLst/>
+          </a:prstGeom>
+          <a:ln w="28575">
+            <a:solidFill>
+              <a:schemeClr val="tx1"/>
+            </a:solidFill>
+          </a:ln>
+        </p:spPr>
+        <p:style>
+          <a:lnRef idx="1">
+            <a:schemeClr val="accent1"/>
+          </a:lnRef>
+          <a:fillRef idx="0">
+            <a:schemeClr val="accent1"/>
+          </a:fillRef>
+          <a:effectRef idx="0">
+            <a:schemeClr val="accent1"/>
+          </a:effectRef>
+          <a:fontRef idx="minor">
+            <a:schemeClr val="tx1"/>
+          </a:fontRef>
+        </p:style>
+      </p:cxnSp>
+      <p:sp>
+        <p:nvSpPr>
+          <p:cNvPr id="14" name="Oval 13"/>
+          <p:cNvSpPr/>
+          <p:nvPr/>
+        </p:nvSpPr>
+        <p:spPr>
+          <a:xfrm>
+            <a:off x="7488116" y="5105386"/>
+            <a:ext cx="228600" cy="228600"/>
+          </a:xfrm>
+          <a:prstGeom prst="ellipse">
+            <a:avLst/>
+          </a:prstGeom>
+          <a:solidFill>
+            <a:schemeClr val="bg1"/>
+          </a:solidFill>
+          <a:ln>
+            <a:solidFill>
+              <a:schemeClr val="tx1"/>
+            </a:solidFill>
+          </a:ln>
+        </p:spPr>
+        <p:style>
+          <a:lnRef idx="2">
+            <a:schemeClr val="accent1">
+              <a:shade val="50000"/>
+            </a:schemeClr>
+          </a:lnRef>
+          <a:fillRef idx="1">
+            <a:schemeClr val="accent1"/>
+          </a:fillRef>
+          <a:effectRef idx="0">
+            <a:schemeClr val="accent1"/>
+          </a:effectRef>
+          <a:fontRef idx="minor">
+            <a:schemeClr val="lt1"/>
+          </a:fontRef>
+        </p:style>
+        <p:txBody>
+          <a:bodyPr rtlCol="0" anchor="ctr"/>
+          <a:lstStyle/>
+          <a:p>
+            <a:pPr algn="ctr"/>
+            <a:r>
+              <a:rPr lang="en-US" sz="1600" dirty="0" smtClean="0">
+                <a:solidFill>
+                  <a:schemeClr val="tx1"/>
+                </a:solidFill>
+                <a:latin typeface="Arial" panose="020B0604020202020204" pitchFamily="34" charset="0"/>
+                <a:cs typeface="Arial" panose="020B0604020202020204" pitchFamily="34" charset="0"/>
+              </a:rPr>
+              <a:t>4</a:t>
+            </a:r>
+            <a:endParaRPr lang="en-US" sz="1600" dirty="0">
+              <a:solidFill>
+                <a:schemeClr val="tx1"/>
+              </a:solidFill>
+              <a:latin typeface="Arial" panose="020B0604020202020204" pitchFamily="34" charset="0"/>
+              <a:cs typeface="Arial" panose="020B0604020202020204" pitchFamily="34" charset="0"/>
+            </a:endParaRPr>
+          </a:p>
+        </p:txBody>
+      </p:sp>
+      <p:cxnSp>
+        <p:nvCxnSpPr>
+          <p:cNvPr id="15" name="Straight Connector 14"/>
+          <p:cNvCxnSpPr>
+            <a:stCxn id="14" idx="2"/>
+          </p:cNvCxnSpPr>
+          <p:nvPr/>
+        </p:nvCxnSpPr>
+        <p:spPr>
+          <a:xfrm flipH="1" flipV="1">
+            <a:off x="7139349" y="5105386"/>
+            <a:ext cx="348767" cy="114300"/>
+          </a:xfrm>
+          <a:prstGeom prst="line">
+            <a:avLst/>
+          </a:prstGeom>
+          <a:ln w="28575">
+            <a:solidFill>
+              <a:schemeClr val="tx1"/>
+            </a:solidFill>
+          </a:ln>
+        </p:spPr>
+        <p:style>
+          <a:lnRef idx="1">
+            <a:schemeClr val="accent1"/>
+          </a:lnRef>
+          <a:fillRef idx="0">
+            <a:schemeClr val="accent1"/>
+          </a:fillRef>
+          <a:effectRef idx="0">
+            <a:schemeClr val="accent1"/>
+          </a:effectRef>
+          <a:fontRef idx="minor">
+            <a:schemeClr val="tx1"/>
+          </a:fontRef>
+        </p:style>
+      </p:cxnSp>
+      <p:sp>
+        <p:nvSpPr>
+          <p:cNvPr id="17" name="Oval 16"/>
+          <p:cNvSpPr/>
+          <p:nvPr/>
+        </p:nvSpPr>
+        <p:spPr>
+          <a:xfrm>
+            <a:off x="6353912" y="5650512"/>
+            <a:ext cx="228600" cy="228600"/>
+          </a:xfrm>
+          <a:prstGeom prst="ellipse">
+            <a:avLst/>
+          </a:prstGeom>
+          <a:solidFill>
+            <a:schemeClr val="bg1"/>
+          </a:solidFill>
+          <a:ln>
+            <a:solidFill>
+              <a:schemeClr val="tx1"/>
+            </a:solidFill>
+          </a:ln>
+        </p:spPr>
+        <p:style>
+          <a:lnRef idx="2">
+            <a:schemeClr val="accent1">
+              <a:shade val="50000"/>
+            </a:schemeClr>
+          </a:lnRef>
+          <a:fillRef idx="1">
+            <a:schemeClr val="accent1"/>
+          </a:fillRef>
+          <a:effectRef idx="0">
+            <a:schemeClr val="accent1"/>
+          </a:effectRef>
+          <a:fontRef idx="minor">
+            <a:schemeClr val="lt1"/>
+          </a:fontRef>
+        </p:style>
+        <p:txBody>
+          <a:bodyPr rtlCol="0" anchor="ctr"/>
+          <a:lstStyle/>
+          <a:p>
+            <a:pPr algn="ctr"/>
+            <a:r>
+              <a:rPr lang="en-US" sz="1600" dirty="0">
+                <a:solidFill>
+                  <a:schemeClr val="tx1"/>
+                </a:solidFill>
+                <a:latin typeface="Arial" panose="020B0604020202020204" pitchFamily="34" charset="0"/>
+                <a:cs typeface="Arial" panose="020B0604020202020204" pitchFamily="34" charset="0"/>
+              </a:rPr>
+              <a:t>5</a:t>
+            </a:r>
+            <a:endParaRPr lang="en-US" sz="1600" dirty="0">
+              <a:solidFill>
+                <a:schemeClr val="tx1"/>
+              </a:solidFill>
+              <a:latin typeface="Arial" panose="020B0604020202020204" pitchFamily="34" charset="0"/>
+              <a:cs typeface="Arial" panose="020B0604020202020204" pitchFamily="34" charset="0"/>
+            </a:endParaRPr>
+          </a:p>
+        </p:txBody>
+      </p:sp>
+      <p:cxnSp>
+        <p:nvCxnSpPr>
+          <p:cNvPr id="18" name="Straight Connector 17"/>
+          <p:cNvCxnSpPr/>
+          <p:nvPr/>
+        </p:nvCxnSpPr>
+        <p:spPr>
+          <a:xfrm flipV="1">
+            <a:off x="6450624" y="5246066"/>
+            <a:ext cx="0" cy="404450"/>
+          </a:xfrm>
+          <a:prstGeom prst="line">
+            <a:avLst/>
+          </a:prstGeom>
+          <a:ln w="28575">
+            <a:solidFill>
+              <a:schemeClr val="tx1"/>
+            </a:solidFill>
+          </a:ln>
+        </p:spPr>
+        <p:style>
+          <a:lnRef idx="1">
+            <a:schemeClr val="accent1"/>
+          </a:lnRef>
+          <a:fillRef idx="0">
+            <a:schemeClr val="accent1"/>
+          </a:fillRef>
+          <a:effectRef idx="0">
+            <a:schemeClr val="accent1"/>
+          </a:effectRef>
+          <a:fontRef idx="minor">
+            <a:schemeClr val="tx1"/>
+          </a:fontRef>
+        </p:style>
+      </p:cxnSp>
+      <p:sp>
+        <p:nvSpPr>
+          <p:cNvPr id="21" name="Oval 20"/>
+          <p:cNvSpPr/>
+          <p:nvPr/>
+        </p:nvSpPr>
+        <p:spPr>
+          <a:xfrm>
+            <a:off x="7681552" y="3883262"/>
+            <a:ext cx="228600" cy="228600"/>
+          </a:xfrm>
+          <a:prstGeom prst="ellipse">
+            <a:avLst/>
+          </a:prstGeom>
+          <a:solidFill>
+            <a:schemeClr val="bg1"/>
+          </a:solidFill>
+          <a:ln>
+            <a:solidFill>
+              <a:schemeClr val="tx1"/>
+            </a:solidFill>
+          </a:ln>
+        </p:spPr>
+        <p:style>
+          <a:lnRef idx="2">
+            <a:schemeClr val="accent1">
+              <a:shade val="50000"/>
+            </a:schemeClr>
+          </a:lnRef>
+          <a:fillRef idx="1">
+            <a:schemeClr val="accent1"/>
+          </a:fillRef>
+          <a:effectRef idx="0">
+            <a:schemeClr val="accent1"/>
+          </a:effectRef>
+          <a:fontRef idx="minor">
+            <a:schemeClr val="lt1"/>
+          </a:fontRef>
+        </p:style>
+        <p:txBody>
+          <a:bodyPr rtlCol="0" anchor="ctr"/>
+          <a:lstStyle/>
+          <a:p>
+            <a:pPr algn="ctr"/>
+            <a:r>
+              <a:rPr lang="en-US" sz="1600" dirty="0" smtClean="0">
+                <a:solidFill>
+                  <a:schemeClr val="tx1"/>
+                </a:solidFill>
+                <a:latin typeface="Arial" panose="020B0604020202020204" pitchFamily="34" charset="0"/>
+                <a:cs typeface="Arial" panose="020B0604020202020204" pitchFamily="34" charset="0"/>
+              </a:rPr>
+              <a:t>6</a:t>
+            </a:r>
+            <a:endParaRPr lang="en-US" sz="1600" dirty="0">
+              <a:solidFill>
+                <a:schemeClr val="tx1"/>
+              </a:solidFill>
+              <a:latin typeface="Arial" panose="020B0604020202020204" pitchFamily="34" charset="0"/>
+              <a:cs typeface="Arial" panose="020B0604020202020204" pitchFamily="34" charset="0"/>
+            </a:endParaRPr>
+          </a:p>
+        </p:txBody>
+      </p:sp>
+      <p:cxnSp>
+        <p:nvCxnSpPr>
+          <p:cNvPr id="22" name="Straight Connector 21"/>
+          <p:cNvCxnSpPr>
+            <a:stCxn id="21" idx="2"/>
+          </p:cNvCxnSpPr>
+          <p:nvPr/>
+        </p:nvCxnSpPr>
+        <p:spPr>
+          <a:xfrm flipH="1">
+            <a:off x="7344511" y="3997562"/>
+            <a:ext cx="337041" cy="5872"/>
+          </a:xfrm>
+          <a:prstGeom prst="line">
+            <a:avLst/>
+          </a:prstGeom>
+          <a:ln w="28575">
+            <a:solidFill>
+              <a:schemeClr val="tx1"/>
+            </a:solidFill>
+          </a:ln>
+        </p:spPr>
+        <p:style>
+          <a:lnRef idx="1">
+            <a:schemeClr val="accent1"/>
+          </a:lnRef>
+          <a:fillRef idx="0">
+            <a:schemeClr val="accent1"/>
+          </a:fillRef>
+          <a:effectRef idx="0">
+            <a:schemeClr val="accent1"/>
+          </a:effectRef>
+          <a:fontRef idx="minor">
+            <a:schemeClr val="tx1"/>
+          </a:fontRef>
+        </p:style>
+      </p:cxnSp>
+      <p:sp>
+        <p:nvSpPr>
+          <p:cNvPr id="23" name="Oval 22"/>
+          <p:cNvSpPr/>
+          <p:nvPr/>
+        </p:nvSpPr>
+        <p:spPr>
+          <a:xfrm>
+            <a:off x="4700960" y="3452436"/>
+            <a:ext cx="228600" cy="228600"/>
+          </a:xfrm>
+          <a:prstGeom prst="ellipse">
+            <a:avLst/>
+          </a:prstGeom>
+          <a:solidFill>
+            <a:schemeClr val="bg1"/>
+          </a:solidFill>
+          <a:ln>
+            <a:solidFill>
+              <a:schemeClr val="tx1"/>
+            </a:solidFill>
+          </a:ln>
+        </p:spPr>
+        <p:style>
+          <a:lnRef idx="2">
+            <a:schemeClr val="accent1">
+              <a:shade val="50000"/>
+            </a:schemeClr>
+          </a:lnRef>
+          <a:fillRef idx="1">
+            <a:schemeClr val="accent1"/>
+          </a:fillRef>
+          <a:effectRef idx="0">
+            <a:schemeClr val="accent1"/>
+          </a:effectRef>
+          <a:fontRef idx="minor">
+            <a:schemeClr val="lt1"/>
+          </a:fontRef>
+        </p:style>
+        <p:txBody>
+          <a:bodyPr rtlCol="0" anchor="ctr"/>
+          <a:lstStyle/>
+          <a:p>
+            <a:pPr algn="ctr"/>
+            <a:r>
+              <a:rPr lang="en-US" sz="1600" dirty="0" smtClean="0">
+                <a:solidFill>
+                  <a:schemeClr val="tx1"/>
+                </a:solidFill>
+                <a:latin typeface="Arial" panose="020B0604020202020204" pitchFamily="34" charset="0"/>
+                <a:cs typeface="Arial" panose="020B0604020202020204" pitchFamily="34" charset="0"/>
+              </a:rPr>
+              <a:t>7</a:t>
+            </a:r>
+            <a:endParaRPr lang="en-US" sz="1600" dirty="0">
+              <a:solidFill>
+                <a:schemeClr val="tx1"/>
+              </a:solidFill>
+              <a:latin typeface="Arial" panose="020B0604020202020204" pitchFamily="34" charset="0"/>
+              <a:cs typeface="Arial" panose="020B0604020202020204" pitchFamily="34" charset="0"/>
+            </a:endParaRPr>
+          </a:p>
+        </p:txBody>
+      </p:sp>
+      <p:sp>
+        <p:nvSpPr>
+          <p:cNvPr id="25" name="Oval 24"/>
+          <p:cNvSpPr/>
+          <p:nvPr/>
+        </p:nvSpPr>
+        <p:spPr>
+          <a:xfrm>
+            <a:off x="6629401" y="5732576"/>
+            <a:ext cx="228600" cy="228600"/>
+          </a:xfrm>
+          <a:prstGeom prst="ellipse">
+            <a:avLst/>
+          </a:prstGeom>
+          <a:solidFill>
+            <a:schemeClr val="bg1"/>
+          </a:solidFill>
+          <a:ln>
+            <a:solidFill>
+              <a:schemeClr val="tx1"/>
+            </a:solidFill>
+          </a:ln>
+        </p:spPr>
+        <p:style>
+          <a:lnRef idx="2">
+            <a:schemeClr val="accent1">
+              <a:shade val="50000"/>
+            </a:schemeClr>
+          </a:lnRef>
+          <a:fillRef idx="1">
+            <a:schemeClr val="accent1"/>
+          </a:fillRef>
+          <a:effectRef idx="0">
+            <a:schemeClr val="accent1"/>
+          </a:effectRef>
+          <a:fontRef idx="minor">
+            <a:schemeClr val="lt1"/>
+          </a:fontRef>
+        </p:style>
+        <p:txBody>
+          <a:bodyPr rtlCol="0" anchor="ctr"/>
+          <a:lstStyle/>
+          <a:p>
+            <a:pPr algn="ctr"/>
+            <a:r>
+              <a:rPr lang="en-US" sz="1600" dirty="0" smtClean="0">
+                <a:solidFill>
+                  <a:schemeClr val="tx1"/>
+                </a:solidFill>
+                <a:latin typeface="Arial" panose="020B0604020202020204" pitchFamily="34" charset="0"/>
+                <a:cs typeface="Arial" panose="020B0604020202020204" pitchFamily="34" charset="0"/>
+              </a:rPr>
+              <a:t>8</a:t>
+            </a:r>
+            <a:endParaRPr lang="en-US" sz="1600" dirty="0">
+              <a:solidFill>
+                <a:schemeClr val="tx1"/>
+              </a:solidFill>
+              <a:latin typeface="Arial" panose="020B0604020202020204" pitchFamily="34" charset="0"/>
+              <a:cs typeface="Arial" panose="020B0604020202020204" pitchFamily="34" charset="0"/>
+            </a:endParaRPr>
+          </a:p>
+        </p:txBody>
+      </p:sp>
+      <p:cxnSp>
+        <p:nvCxnSpPr>
+          <p:cNvPr id="26" name="Straight Connector 25"/>
+          <p:cNvCxnSpPr/>
+          <p:nvPr/>
+        </p:nvCxnSpPr>
+        <p:spPr>
+          <a:xfrm flipV="1">
+            <a:off x="6726113" y="5328130"/>
+            <a:ext cx="0" cy="404450"/>
+          </a:xfrm>
+          <a:prstGeom prst="line">
+            <a:avLst/>
+          </a:prstGeom>
+          <a:ln w="28575">
+            <a:solidFill>
+              <a:schemeClr val="tx1"/>
+            </a:solidFill>
+          </a:ln>
+        </p:spPr>
+        <p:style>
+          <a:lnRef idx="1">
+            <a:schemeClr val="accent1"/>
+          </a:lnRef>
+          <a:fillRef idx="0">
+            <a:schemeClr val="accent1"/>
+          </a:fillRef>
+          <a:effectRef idx="0">
+            <a:schemeClr val="accent1"/>
+          </a:effectRef>
+          <a:fontRef idx="minor">
+            <a:schemeClr val="tx1"/>
+          </a:fontRef>
+        </p:style>
+      </p:cxnSp>
+      <p:sp>
+        <p:nvSpPr>
+          <p:cNvPr id="27" name="Oval 26"/>
+          <p:cNvSpPr/>
+          <p:nvPr/>
+        </p:nvSpPr>
+        <p:spPr>
+          <a:xfrm>
+            <a:off x="7640516" y="4879723"/>
+            <a:ext cx="228600" cy="228600"/>
+          </a:xfrm>
+          <a:prstGeom prst="ellipse">
+            <a:avLst/>
+          </a:prstGeom>
+          <a:solidFill>
+            <a:schemeClr val="bg1"/>
+          </a:solidFill>
+          <a:ln>
+            <a:solidFill>
+              <a:schemeClr val="tx1"/>
+            </a:solidFill>
+          </a:ln>
+        </p:spPr>
+        <p:style>
+          <a:lnRef idx="2">
+            <a:schemeClr val="accent1">
+              <a:shade val="50000"/>
+            </a:schemeClr>
+          </a:lnRef>
+          <a:fillRef idx="1">
+            <a:schemeClr val="accent1"/>
+          </a:fillRef>
+          <a:effectRef idx="0">
+            <a:schemeClr val="accent1"/>
+          </a:effectRef>
+          <a:fontRef idx="minor">
+            <a:schemeClr val="lt1"/>
+          </a:fontRef>
+        </p:style>
+        <p:txBody>
+          <a:bodyPr rtlCol="0" anchor="ctr"/>
+          <a:lstStyle/>
+          <a:p>
+            <a:pPr algn="ctr"/>
+            <a:r>
+              <a:rPr lang="en-US" sz="1600" dirty="0" smtClean="0">
+                <a:solidFill>
+                  <a:schemeClr val="tx1"/>
+                </a:solidFill>
+                <a:latin typeface="Arial" panose="020B0604020202020204" pitchFamily="34" charset="0"/>
+                <a:cs typeface="Arial" panose="020B0604020202020204" pitchFamily="34" charset="0"/>
+              </a:rPr>
+              <a:t>9</a:t>
+            </a:r>
+            <a:endParaRPr lang="en-US" sz="1600" dirty="0">
+              <a:solidFill>
+                <a:schemeClr val="tx1"/>
+              </a:solidFill>
+              <a:latin typeface="Arial" panose="020B0604020202020204" pitchFamily="34" charset="0"/>
+              <a:cs typeface="Arial" panose="020B0604020202020204" pitchFamily="34" charset="0"/>
+            </a:endParaRPr>
+          </a:p>
+        </p:txBody>
+      </p:sp>
+      <p:cxnSp>
+        <p:nvCxnSpPr>
+          <p:cNvPr id="28" name="Straight Connector 27"/>
+          <p:cNvCxnSpPr>
+            <a:stCxn id="27" idx="2"/>
+          </p:cNvCxnSpPr>
+          <p:nvPr/>
+        </p:nvCxnSpPr>
+        <p:spPr>
+          <a:xfrm flipH="1" flipV="1">
+            <a:off x="7291749" y="4879723"/>
+            <a:ext cx="348767" cy="114300"/>
+          </a:xfrm>
+          <a:prstGeom prst="line">
+            <a:avLst/>
+          </a:prstGeom>
+          <a:ln w="28575">
+            <a:solidFill>
+              <a:schemeClr val="tx1"/>
+            </a:solidFill>
+          </a:ln>
+        </p:spPr>
+        <p:style>
+          <a:lnRef idx="1">
+            <a:schemeClr val="accent1"/>
+          </a:lnRef>
+          <a:fillRef idx="0">
+            <a:schemeClr val="accent1"/>
+          </a:fillRef>
+          <a:effectRef idx="0">
+            <a:schemeClr val="accent1"/>
+          </a:effectRef>
+          <a:fontRef idx="minor">
+            <a:schemeClr val="tx1"/>
+          </a:fontRef>
+        </p:style>
+      </p:cxnSp>
+      <p:sp>
+        <p:nvSpPr>
+          <p:cNvPr id="30" name="Oval 29"/>
+          <p:cNvSpPr/>
+          <p:nvPr/>
+        </p:nvSpPr>
+        <p:spPr>
+          <a:xfrm>
+            <a:off x="4879737" y="4941269"/>
+            <a:ext cx="228600" cy="228600"/>
+          </a:xfrm>
+          <a:prstGeom prst="ellipse">
+            <a:avLst/>
+          </a:prstGeom>
+          <a:solidFill>
+            <a:schemeClr val="bg1"/>
+          </a:solidFill>
+          <a:ln>
+            <a:solidFill>
+              <a:schemeClr val="tx1"/>
+            </a:solidFill>
+          </a:ln>
+        </p:spPr>
+        <p:style>
+          <a:lnRef idx="2">
+            <a:schemeClr val="accent1">
+              <a:shade val="50000"/>
+            </a:schemeClr>
+          </a:lnRef>
+          <a:fillRef idx="1">
+            <a:schemeClr val="accent1"/>
+          </a:fillRef>
+          <a:effectRef idx="0">
+            <a:schemeClr val="accent1"/>
+          </a:effectRef>
+          <a:fontRef idx="minor">
+            <a:schemeClr val="lt1"/>
+          </a:fontRef>
+        </p:style>
+        <p:txBody>
+          <a:bodyPr rtlCol="0" anchor="ctr"/>
+          <a:lstStyle/>
+          <a:p>
+            <a:pPr algn="ctr"/>
+            <a:endParaRPr lang="en-US" sz="1600" dirty="0">
+              <a:solidFill>
+                <a:schemeClr val="tx1"/>
+              </a:solidFill>
+              <a:latin typeface="Arial" panose="020B0604020202020204" pitchFamily="34" charset="0"/>
+              <a:cs typeface="Arial" panose="020B0604020202020204" pitchFamily="34" charset="0"/>
+            </a:endParaRPr>
+          </a:p>
+        </p:txBody>
+      </p:sp>
+      <p:sp>
+        <p:nvSpPr>
+          <p:cNvPr id="31" name="TextBox 30"/>
+          <p:cNvSpPr txBox="1"/>
+          <p:nvPr/>
+        </p:nvSpPr>
+        <p:spPr>
+          <a:xfrm>
+            <a:off x="4774088" y="4885552"/>
+            <a:ext cx="509953" cy="338554"/>
+          </a:xfrm>
+          <a:prstGeom prst="rect">
+            <a:avLst/>
+          </a:prstGeom>
+          <a:noFill/>
+        </p:spPr>
+        <p:txBody>
+          <a:bodyPr wrap="square" rtlCol="0">
+            <a:spAutoFit/>
+          </a:bodyPr>
+          <a:lstStyle/>
+          <a:p>
+            <a:r>
+              <a:rPr lang="en-US" sz="1600" dirty="0" smtClean="0">
+                <a:latin typeface="Arial" panose="020B0604020202020204" pitchFamily="34" charset="0"/>
+                <a:cs typeface="Arial" panose="020B0604020202020204" pitchFamily="34" charset="0"/>
+              </a:rPr>
+              <a:t>10</a:t>
+            </a:r>
+            <a:endParaRPr lang="en-US" dirty="0">
+              <a:latin typeface="Arial" panose="020B0604020202020204" pitchFamily="34" charset="0"/>
+              <a:cs typeface="Arial" panose="020B0604020202020204" pitchFamily="34" charset="0"/>
+            </a:endParaRPr>
+          </a:p>
+        </p:txBody>
+      </p:sp>
+      <p:sp>
+        <p:nvSpPr>
+          <p:cNvPr id="32" name="Oval 31"/>
+          <p:cNvSpPr/>
+          <p:nvPr/>
+        </p:nvSpPr>
+        <p:spPr>
+          <a:xfrm>
+            <a:off x="7218482" y="5272439"/>
+            <a:ext cx="228600" cy="228600"/>
+          </a:xfrm>
+          <a:prstGeom prst="ellipse">
+            <a:avLst/>
+          </a:prstGeom>
+          <a:solidFill>
+            <a:schemeClr val="bg1"/>
+          </a:solidFill>
+          <a:ln>
+            <a:solidFill>
+              <a:schemeClr val="tx1"/>
+            </a:solidFill>
+          </a:ln>
+        </p:spPr>
+        <p:style>
+          <a:lnRef idx="2">
+            <a:schemeClr val="accent1">
+              <a:shade val="50000"/>
+            </a:schemeClr>
+          </a:lnRef>
+          <a:fillRef idx="1">
+            <a:schemeClr val="accent1"/>
+          </a:fillRef>
+          <a:effectRef idx="0">
+            <a:schemeClr val="accent1"/>
+          </a:effectRef>
+          <a:fontRef idx="minor">
+            <a:schemeClr val="lt1"/>
+          </a:fontRef>
+        </p:style>
+        <p:txBody>
+          <a:bodyPr rtlCol="0" anchor="ctr"/>
+          <a:lstStyle/>
+          <a:p>
+            <a:pPr algn="ctr"/>
+            <a:endParaRPr lang="en-US" sz="1600" dirty="0">
+              <a:solidFill>
+                <a:schemeClr val="tx1"/>
+              </a:solidFill>
+              <a:latin typeface="Arial" panose="020B0604020202020204" pitchFamily="34" charset="0"/>
+              <a:cs typeface="Arial" panose="020B0604020202020204" pitchFamily="34" charset="0"/>
+            </a:endParaRPr>
+          </a:p>
+        </p:txBody>
+      </p:sp>
+      <p:cxnSp>
+        <p:nvCxnSpPr>
+          <p:cNvPr id="33" name="Straight Connector 32"/>
+          <p:cNvCxnSpPr>
+            <a:stCxn id="32" idx="2"/>
+          </p:cNvCxnSpPr>
+          <p:nvPr/>
+        </p:nvCxnSpPr>
+        <p:spPr>
+          <a:xfrm flipH="1" flipV="1">
+            <a:off x="6910749" y="5169869"/>
+            <a:ext cx="307733" cy="216870"/>
+          </a:xfrm>
+          <a:prstGeom prst="line">
+            <a:avLst/>
+          </a:prstGeom>
+          <a:ln w="28575">
+            <a:solidFill>
+              <a:schemeClr val="tx1"/>
+            </a:solidFill>
+          </a:ln>
+        </p:spPr>
+        <p:style>
+          <a:lnRef idx="1">
+            <a:schemeClr val="accent1"/>
+          </a:lnRef>
+          <a:fillRef idx="0">
+            <a:schemeClr val="accent1"/>
+          </a:fillRef>
+          <a:effectRef idx="0">
+            <a:schemeClr val="accent1"/>
+          </a:effectRef>
+          <a:fontRef idx="minor">
+            <a:schemeClr val="tx1"/>
+          </a:fontRef>
+        </p:style>
+      </p:cxnSp>
+      <p:sp>
+        <p:nvSpPr>
+          <p:cNvPr id="36" name="TextBox 35"/>
+          <p:cNvSpPr txBox="1"/>
+          <p:nvPr/>
+        </p:nvSpPr>
+        <p:spPr>
+          <a:xfrm>
+            <a:off x="7145215" y="5224788"/>
+            <a:ext cx="509953" cy="338554"/>
+          </a:xfrm>
+          <a:prstGeom prst="rect">
+            <a:avLst/>
+          </a:prstGeom>
+          <a:noFill/>
+        </p:spPr>
+        <p:txBody>
+          <a:bodyPr wrap="square" rtlCol="0">
+            <a:spAutoFit/>
+          </a:bodyPr>
+          <a:lstStyle/>
+          <a:p>
+            <a:r>
+              <a:rPr lang="en-US" sz="1600" dirty="0" smtClean="0">
+                <a:latin typeface="Arial" panose="020B0604020202020204" pitchFamily="34" charset="0"/>
+                <a:cs typeface="Arial" panose="020B0604020202020204" pitchFamily="34" charset="0"/>
+              </a:rPr>
+              <a:t>11</a:t>
+            </a:r>
+            <a:endParaRPr lang="en-US" dirty="0">
+              <a:latin typeface="Arial" panose="020B0604020202020204" pitchFamily="34" charset="0"/>
+              <a:cs typeface="Arial" panose="020B0604020202020204" pitchFamily="34" charset="0"/>
+            </a:endParaRPr>
+          </a:p>
+        </p:txBody>
+      </p:sp>
+      <p:sp>
+        <p:nvSpPr>
+          <p:cNvPr id="39" name="Oval 38"/>
+          <p:cNvSpPr/>
+          <p:nvPr/>
+        </p:nvSpPr>
+        <p:spPr>
+          <a:xfrm>
+            <a:off x="4026885" y="4158741"/>
+            <a:ext cx="228600" cy="228600"/>
+          </a:xfrm>
+          <a:prstGeom prst="ellipse">
+            <a:avLst/>
+          </a:prstGeom>
+          <a:solidFill>
+            <a:schemeClr val="bg1"/>
+          </a:solidFill>
+          <a:ln>
+            <a:solidFill>
+              <a:schemeClr val="tx1"/>
+            </a:solidFill>
+          </a:ln>
+        </p:spPr>
+        <p:style>
+          <a:lnRef idx="2">
+            <a:schemeClr val="accent1">
+              <a:shade val="50000"/>
+            </a:schemeClr>
+          </a:lnRef>
+          <a:fillRef idx="1">
+            <a:schemeClr val="accent1"/>
+          </a:fillRef>
+          <a:effectRef idx="0">
+            <a:schemeClr val="accent1"/>
+          </a:effectRef>
+          <a:fontRef idx="minor">
+            <a:schemeClr val="lt1"/>
+          </a:fontRef>
+        </p:style>
+        <p:txBody>
+          <a:bodyPr rtlCol="0" anchor="ctr"/>
+          <a:lstStyle/>
+          <a:p>
+            <a:pPr algn="ctr"/>
+            <a:endParaRPr lang="en-US" sz="1600" dirty="0">
+              <a:solidFill>
+                <a:schemeClr val="tx1"/>
+              </a:solidFill>
+              <a:latin typeface="Arial" panose="020B0604020202020204" pitchFamily="34" charset="0"/>
+              <a:cs typeface="Arial" panose="020B0604020202020204" pitchFamily="34" charset="0"/>
+            </a:endParaRPr>
+          </a:p>
+        </p:txBody>
+      </p:sp>
+      <p:sp>
+        <p:nvSpPr>
+          <p:cNvPr id="37" name="TextBox 36"/>
+          <p:cNvSpPr txBox="1"/>
+          <p:nvPr/>
+        </p:nvSpPr>
+        <p:spPr>
+          <a:xfrm>
+            <a:off x="3921376" y="4116226"/>
+            <a:ext cx="509953" cy="338554"/>
+          </a:xfrm>
+          <a:prstGeom prst="rect">
+            <a:avLst/>
+          </a:prstGeom>
+          <a:noFill/>
+        </p:spPr>
+        <p:txBody>
+          <a:bodyPr wrap="square" rtlCol="0">
+            <a:spAutoFit/>
+          </a:bodyPr>
+          <a:lstStyle/>
+          <a:p>
+            <a:r>
+              <a:rPr lang="en-US" sz="1600" dirty="0" smtClean="0">
+                <a:latin typeface="Arial" panose="020B0604020202020204" pitchFamily="34" charset="0"/>
+                <a:cs typeface="Arial" panose="020B0604020202020204" pitchFamily="34" charset="0"/>
+              </a:rPr>
+              <a:t>12</a:t>
+            </a:r>
+            <a:endParaRPr lang="en-US" dirty="0">
+              <a:latin typeface="Arial" panose="020B0604020202020204" pitchFamily="34" charset="0"/>
+              <a:cs typeface="Arial" panose="020B0604020202020204" pitchFamily="34" charset="0"/>
+            </a:endParaRPr>
+          </a:p>
+        </p:txBody>
+      </p:sp>
+      <p:sp>
+        <p:nvSpPr>
+          <p:cNvPr id="40" name="Oval 39"/>
+          <p:cNvSpPr/>
+          <p:nvPr/>
+        </p:nvSpPr>
+        <p:spPr>
+          <a:xfrm>
+            <a:off x="7367959" y="3349859"/>
+            <a:ext cx="228600" cy="228600"/>
+          </a:xfrm>
+          <a:prstGeom prst="ellipse">
+            <a:avLst/>
+          </a:prstGeom>
+          <a:solidFill>
+            <a:schemeClr val="bg1"/>
+          </a:solidFill>
+          <a:ln>
+            <a:solidFill>
+              <a:schemeClr val="tx1"/>
+            </a:solidFill>
+          </a:ln>
+        </p:spPr>
+        <p:style>
+          <a:lnRef idx="2">
+            <a:schemeClr val="accent1">
+              <a:shade val="50000"/>
+            </a:schemeClr>
+          </a:lnRef>
+          <a:fillRef idx="1">
+            <a:schemeClr val="accent1"/>
+          </a:fillRef>
+          <a:effectRef idx="0">
+            <a:schemeClr val="accent1"/>
+          </a:effectRef>
+          <a:fontRef idx="minor">
+            <a:schemeClr val="lt1"/>
+          </a:fontRef>
+        </p:style>
+        <p:txBody>
+          <a:bodyPr rtlCol="0" anchor="ctr"/>
+          <a:lstStyle/>
+          <a:p>
+            <a:pPr algn="ctr"/>
+            <a:endParaRPr lang="en-US" sz="1600" dirty="0">
+              <a:solidFill>
+                <a:schemeClr val="tx1"/>
+              </a:solidFill>
+              <a:latin typeface="Arial" panose="020B0604020202020204" pitchFamily="34" charset="0"/>
+              <a:cs typeface="Arial" panose="020B0604020202020204" pitchFamily="34" charset="0"/>
+            </a:endParaRPr>
+          </a:p>
+        </p:txBody>
+      </p:sp>
+      <p:sp>
+        <p:nvSpPr>
+          <p:cNvPr id="41" name="TextBox 40"/>
+          <p:cNvSpPr txBox="1"/>
+          <p:nvPr/>
+        </p:nvSpPr>
+        <p:spPr>
+          <a:xfrm>
+            <a:off x="7274182" y="3300743"/>
+            <a:ext cx="509953" cy="338554"/>
+          </a:xfrm>
+          <a:prstGeom prst="rect">
+            <a:avLst/>
+          </a:prstGeom>
+          <a:noFill/>
+        </p:spPr>
+        <p:txBody>
+          <a:bodyPr wrap="square" rtlCol="0">
+            <a:spAutoFit/>
+          </a:bodyPr>
+          <a:lstStyle/>
+          <a:p>
+            <a:r>
+              <a:rPr lang="en-US" sz="1600" dirty="0" smtClean="0">
+                <a:latin typeface="Arial" panose="020B0604020202020204" pitchFamily="34" charset="0"/>
+                <a:cs typeface="Arial" panose="020B0604020202020204" pitchFamily="34" charset="0"/>
+              </a:rPr>
+              <a:t>13</a:t>
+            </a:r>
+            <a:endParaRPr lang="en-US" dirty="0">
+              <a:latin typeface="Arial" panose="020B0604020202020204" pitchFamily="34" charset="0"/>
+              <a:cs typeface="Arial" panose="020B0604020202020204" pitchFamily="34" charset="0"/>
+            </a:endParaRPr>
+          </a:p>
+        </p:txBody>
+      </p:sp>
+      <p:sp>
+        <p:nvSpPr>
+          <p:cNvPr id="42" name="Oval 41"/>
+          <p:cNvSpPr/>
+          <p:nvPr/>
+        </p:nvSpPr>
+        <p:spPr>
+          <a:xfrm>
+            <a:off x="6761287" y="4633529"/>
+            <a:ext cx="228600" cy="228600"/>
+          </a:xfrm>
+          <a:prstGeom prst="ellipse">
+            <a:avLst/>
+          </a:prstGeom>
+          <a:solidFill>
+            <a:schemeClr val="bg1"/>
+          </a:solidFill>
+          <a:ln>
+            <a:solidFill>
+              <a:schemeClr val="tx1"/>
+            </a:solidFill>
+          </a:ln>
+        </p:spPr>
+        <p:style>
+          <a:lnRef idx="2">
+            <a:schemeClr val="accent1">
+              <a:shade val="50000"/>
+            </a:schemeClr>
+          </a:lnRef>
+          <a:fillRef idx="1">
+            <a:schemeClr val="accent1"/>
+          </a:fillRef>
+          <a:effectRef idx="0">
+            <a:schemeClr val="accent1"/>
+          </a:effectRef>
+          <a:fontRef idx="minor">
+            <a:schemeClr val="lt1"/>
+          </a:fontRef>
+        </p:style>
+        <p:txBody>
+          <a:bodyPr rtlCol="0" anchor="ctr"/>
+          <a:lstStyle/>
+          <a:p>
+            <a:pPr algn="ctr"/>
+            <a:endParaRPr lang="en-US" sz="1600" dirty="0">
+              <a:solidFill>
+                <a:schemeClr val="tx1"/>
+              </a:solidFill>
+              <a:latin typeface="Arial" panose="020B0604020202020204" pitchFamily="34" charset="0"/>
+              <a:cs typeface="Arial" panose="020B0604020202020204" pitchFamily="34" charset="0"/>
+            </a:endParaRPr>
+          </a:p>
+        </p:txBody>
+      </p:sp>
+      <p:cxnSp>
+        <p:nvCxnSpPr>
+          <p:cNvPr id="43" name="Straight Connector 42"/>
+          <p:cNvCxnSpPr/>
+          <p:nvPr/>
+        </p:nvCxnSpPr>
+        <p:spPr>
+          <a:xfrm flipV="1">
+            <a:off x="6787400" y="4850408"/>
+            <a:ext cx="70601" cy="312129"/>
+          </a:xfrm>
+          <a:prstGeom prst="line">
+            <a:avLst/>
+          </a:prstGeom>
+          <a:ln w="28575">
+            <a:solidFill>
+              <a:schemeClr val="tx1"/>
+            </a:solidFill>
+          </a:ln>
+        </p:spPr>
+        <p:style>
+          <a:lnRef idx="1">
+            <a:schemeClr val="accent1"/>
+          </a:lnRef>
+          <a:fillRef idx="0">
+            <a:schemeClr val="accent1"/>
+          </a:fillRef>
+          <a:effectRef idx="0">
+            <a:schemeClr val="accent1"/>
+          </a:effectRef>
+          <a:fontRef idx="minor">
+            <a:schemeClr val="tx1"/>
+          </a:fontRef>
+        </p:style>
+      </p:cxnSp>
+      <p:sp>
+        <p:nvSpPr>
+          <p:cNvPr id="46" name="TextBox 45"/>
+          <p:cNvSpPr txBox="1"/>
+          <p:nvPr/>
+        </p:nvSpPr>
+        <p:spPr>
+          <a:xfrm>
+            <a:off x="6655777" y="4587359"/>
+            <a:ext cx="509953" cy="338554"/>
+          </a:xfrm>
+          <a:prstGeom prst="rect">
+            <a:avLst/>
+          </a:prstGeom>
+          <a:noFill/>
+        </p:spPr>
+        <p:txBody>
+          <a:bodyPr wrap="square" rtlCol="0">
+            <a:spAutoFit/>
+          </a:bodyPr>
+          <a:lstStyle/>
+          <a:p>
+            <a:r>
+              <a:rPr lang="en-US" sz="1600" dirty="0" smtClean="0">
+                <a:latin typeface="Arial" panose="020B0604020202020204" pitchFamily="34" charset="0"/>
+                <a:cs typeface="Arial" panose="020B0604020202020204" pitchFamily="34" charset="0"/>
+              </a:rPr>
+              <a:t>14</a:t>
+            </a:r>
+            <a:endParaRPr lang="en-US" dirty="0">
+              <a:latin typeface="Arial" panose="020B0604020202020204" pitchFamily="34" charset="0"/>
+              <a:cs typeface="Arial" panose="020B0604020202020204" pitchFamily="34" charset="0"/>
+            </a:endParaRPr>
+          </a:p>
+        </p:txBody>
+      </p:sp>
+      <p:sp>
+        <p:nvSpPr>
+          <p:cNvPr id="48" name="Oval 47"/>
+          <p:cNvSpPr/>
+          <p:nvPr/>
+        </p:nvSpPr>
+        <p:spPr>
+          <a:xfrm>
+            <a:off x="4563216" y="3147635"/>
+            <a:ext cx="228600" cy="228600"/>
+          </a:xfrm>
+          <a:prstGeom prst="ellipse">
+            <a:avLst/>
+          </a:prstGeom>
+          <a:solidFill>
+            <a:schemeClr val="bg1"/>
+          </a:solidFill>
+          <a:ln>
+            <a:solidFill>
+              <a:schemeClr val="tx1"/>
+            </a:solidFill>
+          </a:ln>
+        </p:spPr>
+        <p:style>
+          <a:lnRef idx="2">
+            <a:schemeClr val="accent1">
+              <a:shade val="50000"/>
+            </a:schemeClr>
+          </a:lnRef>
+          <a:fillRef idx="1">
+            <a:schemeClr val="accent1"/>
+          </a:fillRef>
+          <a:effectRef idx="0">
+            <a:schemeClr val="accent1"/>
+          </a:effectRef>
+          <a:fontRef idx="minor">
+            <a:schemeClr val="lt1"/>
+          </a:fontRef>
+        </p:style>
+        <p:txBody>
+          <a:bodyPr rtlCol="0" anchor="ctr"/>
+          <a:lstStyle/>
+          <a:p>
+            <a:pPr algn="ctr"/>
+            <a:endParaRPr lang="en-US" sz="1600" dirty="0">
+              <a:solidFill>
+                <a:schemeClr val="tx1"/>
+              </a:solidFill>
+              <a:latin typeface="Arial" panose="020B0604020202020204" pitchFamily="34" charset="0"/>
+              <a:cs typeface="Arial" panose="020B0604020202020204" pitchFamily="34" charset="0"/>
+            </a:endParaRPr>
+          </a:p>
+        </p:txBody>
+      </p:sp>
+      <p:sp>
+        <p:nvSpPr>
+          <p:cNvPr id="47" name="TextBox 46"/>
+          <p:cNvSpPr txBox="1"/>
+          <p:nvPr/>
+        </p:nvSpPr>
+        <p:spPr>
+          <a:xfrm>
+            <a:off x="4457705" y="3108010"/>
+            <a:ext cx="509953" cy="338554"/>
+          </a:xfrm>
+          <a:prstGeom prst="rect">
+            <a:avLst/>
+          </a:prstGeom>
+          <a:noFill/>
+        </p:spPr>
+        <p:txBody>
+          <a:bodyPr wrap="square" rtlCol="0">
+            <a:spAutoFit/>
+          </a:bodyPr>
+          <a:lstStyle/>
+          <a:p>
+            <a:r>
+              <a:rPr lang="en-US" sz="1600" dirty="0" smtClean="0">
+                <a:latin typeface="Arial" panose="020B0604020202020204" pitchFamily="34" charset="0"/>
+                <a:cs typeface="Arial" panose="020B0604020202020204" pitchFamily="34" charset="0"/>
+              </a:rPr>
+              <a:t>15</a:t>
+            </a:r>
+            <a:endParaRPr lang="en-US" dirty="0">
+              <a:latin typeface="Arial" panose="020B0604020202020204" pitchFamily="34" charset="0"/>
+              <a:cs typeface="Arial" panose="020B0604020202020204" pitchFamily="34" charset="0"/>
+            </a:endParaRPr>
+          </a:p>
+        </p:txBody>
+      </p:sp>
+      <p:cxnSp>
+        <p:nvCxnSpPr>
+          <p:cNvPr id="49" name="Straight Connector 48"/>
+          <p:cNvCxnSpPr/>
+          <p:nvPr/>
+        </p:nvCxnSpPr>
+        <p:spPr>
+          <a:xfrm flipV="1">
+            <a:off x="4298584" y="3349860"/>
+            <a:ext cx="304321" cy="136329"/>
+          </a:xfrm>
+          <a:prstGeom prst="line">
+            <a:avLst/>
+          </a:prstGeom>
+          <a:ln w="28575">
+            <a:solidFill>
+              <a:schemeClr val="tx1"/>
+            </a:solidFill>
+          </a:ln>
+        </p:spPr>
+        <p:style>
+          <a:lnRef idx="1">
+            <a:schemeClr val="accent1"/>
+          </a:lnRef>
+          <a:fillRef idx="0">
+            <a:schemeClr val="accent1"/>
+          </a:fillRef>
+          <a:effectRef idx="0">
+            <a:schemeClr val="accent1"/>
+          </a:effectRef>
+          <a:fontRef idx="minor">
+            <a:schemeClr val="tx1"/>
+          </a:fontRef>
+        </p:style>
+      </p:cxnSp>
+      <p:pic>
+        <p:nvPicPr>
+          <p:cNvPr id="53" name="Picture 52"/>
+          <p:cNvPicPr>
+            <a:picLocks noChangeAspect="1"/>
+          </p:cNvPicPr>
+          <p:nvPr/>
+        </p:nvPicPr>
+        <p:blipFill rotWithShape="1">
+          <a:blip r:embed="rId3" cstate="print">
+            <a:extLst>
+              <a:ext uri="{28A0092B-C50C-407E-A947-70E740481C1C}">
+                <a14:useLocalDpi xmlns:a14="http://schemas.microsoft.com/office/drawing/2010/main" val="0"/>
+              </a:ext>
+            </a:extLst>
+          </a:blip>
+          <a:srcRect l="3475" t="16402" r="5910"/>
+          <a:stretch/>
+        </p:blipFill>
+        <p:spPr>
+          <a:xfrm>
+            <a:off x="5284042" y="1347445"/>
+            <a:ext cx="1239856" cy="580341"/>
+          </a:xfrm>
+          <a:prstGeom prst="rect">
+            <a:avLst/>
+          </a:prstGeom>
+          <a:ln>
+            <a:solidFill>
+              <a:schemeClr val="tx1"/>
+            </a:solidFill>
+          </a:ln>
+        </p:spPr>
+      </p:pic>
+      <p:sp>
+        <p:nvSpPr>
+          <p:cNvPr id="54" name="TextBox 53"/>
+          <p:cNvSpPr txBox="1"/>
+          <p:nvPr/>
+        </p:nvSpPr>
+        <p:spPr>
+          <a:xfrm>
+            <a:off x="3569676" y="114300"/>
+            <a:ext cx="395654" cy="307777"/>
+          </a:xfrm>
+          <a:prstGeom prst="rect">
+            <a:avLst/>
+          </a:prstGeom>
+          <a:noFill/>
+        </p:spPr>
+        <p:txBody>
+          <a:bodyPr wrap="square" rtlCol="0">
+            <a:spAutoFit/>
+          </a:bodyPr>
+          <a:lstStyle/>
+          <a:p>
+            <a:r>
+              <a:rPr lang="en-US" sz="1400" b="1" dirty="0" smtClean="0">
+                <a:latin typeface="Arial" panose="020B0604020202020204" pitchFamily="34" charset="0"/>
+                <a:cs typeface="Arial" panose="020B0604020202020204" pitchFamily="34" charset="0"/>
+              </a:rPr>
+              <a:t>A)</a:t>
+            </a:r>
+            <a:endParaRPr lang="en-US" sz="1400" b="1" dirty="0">
+              <a:latin typeface="Arial" panose="020B0604020202020204" pitchFamily="34" charset="0"/>
+              <a:cs typeface="Arial" panose="020B0604020202020204" pitchFamily="34" charset="0"/>
+            </a:endParaRPr>
+          </a:p>
+        </p:txBody>
+      </p:sp>
+      <p:sp>
+        <p:nvSpPr>
+          <p:cNvPr id="55" name="TextBox 54"/>
+          <p:cNvSpPr txBox="1"/>
+          <p:nvPr/>
+        </p:nvSpPr>
+        <p:spPr>
+          <a:xfrm>
+            <a:off x="3569676" y="3134458"/>
+            <a:ext cx="395654" cy="307777"/>
+          </a:xfrm>
+          <a:prstGeom prst="rect">
+            <a:avLst/>
+          </a:prstGeom>
+          <a:noFill/>
+        </p:spPr>
+        <p:txBody>
+          <a:bodyPr wrap="square" rtlCol="0">
+            <a:spAutoFit/>
+          </a:bodyPr>
+          <a:lstStyle/>
+          <a:p>
+            <a:r>
+              <a:rPr lang="en-US" sz="1400" b="1" dirty="0" smtClean="0">
+                <a:latin typeface="Arial" panose="020B0604020202020204" pitchFamily="34" charset="0"/>
+                <a:cs typeface="Arial" panose="020B0604020202020204" pitchFamily="34" charset="0"/>
+              </a:rPr>
+              <a:t>B)</a:t>
+            </a:r>
+            <a:endParaRPr lang="en-US" sz="1400" b="1" dirty="0">
+              <a:latin typeface="Arial" panose="020B0604020202020204" pitchFamily="34" charset="0"/>
+              <a:cs typeface="Arial" panose="020B0604020202020204" pitchFamily="34" charset="0"/>
+            </a:endParaRPr>
+          </a:p>
+        </p:txBody>
+      </p:sp>
+    </p:spTree>
+    <p:extLst>
+      <p:ext uri="{BB962C8B-B14F-4D97-AF65-F5344CB8AC3E}">
+        <p14:creationId xmlns:p14="http://schemas.microsoft.com/office/powerpoint/2010/main" val="4029745223"/>
+      </p:ext>
+    </p:extLst>
+  </p:cSld>
+  <p:clrMapOvr>
+    <a:masterClrMapping/>
+  </p:clrMapOvr>
+</p:sld>
+</file>
+
 <file path=ppt/theme/theme1.xml><?xml version="1.0" encoding="utf-8"?>
 <a:theme xmlns:a="http://schemas.openxmlformats.org/drawingml/2006/main" name="Office Theme">
   <a:themeElements>

--- a/Figures/piecing_together_figs.pptx
+++ b/Figures/piecing_together_figs.pptx
@@ -247,7 +247,7 @@
           <a:p>
             <a:fld id="{24F71ACE-7A2E-44C7-BEB0-E2DBFE9F86D8}" type="datetimeFigureOut">
               <a:rPr lang="en-US" smtClean="0"/>
-              <a:t>5/19/2021</a:t>
+              <a:t>5/25/2021</a:t>
             </a:fld>
             <a:endParaRPr lang="en-US"/>
           </a:p>
@@ -417,7 +417,7 @@
           <a:p>
             <a:fld id="{24F71ACE-7A2E-44C7-BEB0-E2DBFE9F86D8}" type="datetimeFigureOut">
               <a:rPr lang="en-US" smtClean="0"/>
-              <a:t>5/19/2021</a:t>
+              <a:t>5/25/2021</a:t>
             </a:fld>
             <a:endParaRPr lang="en-US"/>
           </a:p>
@@ -597,7 +597,7 @@
           <a:p>
             <a:fld id="{24F71ACE-7A2E-44C7-BEB0-E2DBFE9F86D8}" type="datetimeFigureOut">
               <a:rPr lang="en-US" smtClean="0"/>
-              <a:t>5/19/2021</a:t>
+              <a:t>5/25/2021</a:t>
             </a:fld>
             <a:endParaRPr lang="en-US"/>
           </a:p>
@@ -767,7 +767,7 @@
           <a:p>
             <a:fld id="{24F71ACE-7A2E-44C7-BEB0-E2DBFE9F86D8}" type="datetimeFigureOut">
               <a:rPr lang="en-US" smtClean="0"/>
-              <a:t>5/19/2021</a:t>
+              <a:t>5/25/2021</a:t>
             </a:fld>
             <a:endParaRPr lang="en-US"/>
           </a:p>
@@ -1013,7 +1013,7 @@
           <a:p>
             <a:fld id="{24F71ACE-7A2E-44C7-BEB0-E2DBFE9F86D8}" type="datetimeFigureOut">
               <a:rPr lang="en-US" smtClean="0"/>
-              <a:t>5/19/2021</a:t>
+              <a:t>5/25/2021</a:t>
             </a:fld>
             <a:endParaRPr lang="en-US"/>
           </a:p>
@@ -1245,7 +1245,7 @@
           <a:p>
             <a:fld id="{24F71ACE-7A2E-44C7-BEB0-E2DBFE9F86D8}" type="datetimeFigureOut">
               <a:rPr lang="en-US" smtClean="0"/>
-              <a:t>5/19/2021</a:t>
+              <a:t>5/25/2021</a:t>
             </a:fld>
             <a:endParaRPr lang="en-US"/>
           </a:p>
@@ -1612,7 +1612,7 @@
           <a:p>
             <a:fld id="{24F71ACE-7A2E-44C7-BEB0-E2DBFE9F86D8}" type="datetimeFigureOut">
               <a:rPr lang="en-US" smtClean="0"/>
-              <a:t>5/19/2021</a:t>
+              <a:t>5/25/2021</a:t>
             </a:fld>
             <a:endParaRPr lang="en-US"/>
           </a:p>
@@ -1730,7 +1730,7 @@
           <a:p>
             <a:fld id="{24F71ACE-7A2E-44C7-BEB0-E2DBFE9F86D8}" type="datetimeFigureOut">
               <a:rPr lang="en-US" smtClean="0"/>
-              <a:t>5/19/2021</a:t>
+              <a:t>5/25/2021</a:t>
             </a:fld>
             <a:endParaRPr lang="en-US"/>
           </a:p>
@@ -1825,7 +1825,7 @@
           <a:p>
             <a:fld id="{24F71ACE-7A2E-44C7-BEB0-E2DBFE9F86D8}" type="datetimeFigureOut">
               <a:rPr lang="en-US" smtClean="0"/>
-              <a:t>5/19/2021</a:t>
+              <a:t>5/25/2021</a:t>
             </a:fld>
             <a:endParaRPr lang="en-US"/>
           </a:p>
@@ -2102,7 +2102,7 @@
           <a:p>
             <a:fld id="{24F71ACE-7A2E-44C7-BEB0-E2DBFE9F86D8}" type="datetimeFigureOut">
               <a:rPr lang="en-US" smtClean="0"/>
-              <a:t>5/19/2021</a:t>
+              <a:t>5/25/2021</a:t>
             </a:fld>
             <a:endParaRPr lang="en-US"/>
           </a:p>
@@ -2355,7 +2355,7 @@
           <a:p>
             <a:fld id="{24F71ACE-7A2E-44C7-BEB0-E2DBFE9F86D8}" type="datetimeFigureOut">
               <a:rPr lang="en-US" smtClean="0"/>
-              <a:t>5/19/2021</a:t>
+              <a:t>5/25/2021</a:t>
             </a:fld>
             <a:endParaRPr lang="en-US"/>
           </a:p>
@@ -2568,7 +2568,7 @@
           <a:p>
             <a:fld id="{24F71ACE-7A2E-44C7-BEB0-E2DBFE9F86D8}" type="datetimeFigureOut">
               <a:rPr lang="en-US" smtClean="0"/>
-              <a:t>5/19/2021</a:t>
+              <a:t>5/25/2021</a:t>
             </a:fld>
             <a:endParaRPr lang="en-US"/>
           </a:p>
@@ -2975,7 +2975,7 @@
       </p:grpSpPr>
       <p:pic>
         <p:nvPicPr>
-          <p:cNvPr id="4" name="Picture 3"/>
+          <p:cNvPr id="3" name="Picture 2"/>
           <p:cNvPicPr>
             <a:picLocks noChangeAspect="1"/>
           </p:cNvPicPr>
@@ -3847,13 +3847,6 @@
               </a:rPr>
               <a:t>5</a:t>
             </a:r>
-            <a:endParaRPr lang="en-US" sz="1600" dirty="0">
-              <a:solidFill>
-                <a:schemeClr val="tx1"/>
-              </a:solidFill>
-              <a:latin typeface="Arial" panose="020B0604020202020204" pitchFamily="34" charset="0"/>
-              <a:cs typeface="Arial" panose="020B0604020202020204" pitchFamily="34" charset="0"/>
-            </a:endParaRPr>
           </a:p>
         </p:txBody>
       </p:sp>
@@ -5492,13 +5485,6 @@
               </a:rPr>
               <a:t>5</a:t>
             </a:r>
-            <a:endParaRPr lang="en-US" sz="1600" dirty="0">
-              <a:solidFill>
-                <a:schemeClr val="tx1"/>
-              </a:solidFill>
-              <a:latin typeface="Arial" panose="020B0604020202020204" pitchFamily="34" charset="0"/>
-              <a:cs typeface="Arial" panose="020B0604020202020204" pitchFamily="34" charset="0"/>
-            </a:endParaRPr>
           </a:p>
         </p:txBody>
       </p:sp>

--- a/Figures/piecing_together_figs.pptx
+++ b/Figures/piecing_together_figs.pptx
@@ -9,7 +9,6 @@
     <p:sldId id="257" r:id="rId3"/>
     <p:sldId id="258" r:id="rId4"/>
     <p:sldId id="259" r:id="rId5"/>
-    <p:sldId id="260" r:id="rId6"/>
   </p:sldIdLst>
   <p:sldSz cx="12192000" cy="6858000"/>
   <p:notesSz cx="6858000" cy="9144000"/>
@@ -247,7 +246,7 @@
           <a:p>
             <a:fld id="{24F71ACE-7A2E-44C7-BEB0-E2DBFE9F86D8}" type="datetimeFigureOut">
               <a:rPr lang="en-US" smtClean="0"/>
-              <a:t>5/25/2021</a:t>
+              <a:t>5/28/2021</a:t>
             </a:fld>
             <a:endParaRPr lang="en-US"/>
           </a:p>
@@ -417,7 +416,7 @@
           <a:p>
             <a:fld id="{24F71ACE-7A2E-44C7-BEB0-E2DBFE9F86D8}" type="datetimeFigureOut">
               <a:rPr lang="en-US" smtClean="0"/>
-              <a:t>5/25/2021</a:t>
+              <a:t>5/28/2021</a:t>
             </a:fld>
             <a:endParaRPr lang="en-US"/>
           </a:p>
@@ -597,7 +596,7 @@
           <a:p>
             <a:fld id="{24F71ACE-7A2E-44C7-BEB0-E2DBFE9F86D8}" type="datetimeFigureOut">
               <a:rPr lang="en-US" smtClean="0"/>
-              <a:t>5/25/2021</a:t>
+              <a:t>5/28/2021</a:t>
             </a:fld>
             <a:endParaRPr lang="en-US"/>
           </a:p>
@@ -767,7 +766,7 @@
           <a:p>
             <a:fld id="{24F71ACE-7A2E-44C7-BEB0-E2DBFE9F86D8}" type="datetimeFigureOut">
               <a:rPr lang="en-US" smtClean="0"/>
-              <a:t>5/25/2021</a:t>
+              <a:t>5/28/2021</a:t>
             </a:fld>
             <a:endParaRPr lang="en-US"/>
           </a:p>
@@ -1013,7 +1012,7 @@
           <a:p>
             <a:fld id="{24F71ACE-7A2E-44C7-BEB0-E2DBFE9F86D8}" type="datetimeFigureOut">
               <a:rPr lang="en-US" smtClean="0"/>
-              <a:t>5/25/2021</a:t>
+              <a:t>5/28/2021</a:t>
             </a:fld>
             <a:endParaRPr lang="en-US"/>
           </a:p>
@@ -1245,7 +1244,7 @@
           <a:p>
             <a:fld id="{24F71ACE-7A2E-44C7-BEB0-E2DBFE9F86D8}" type="datetimeFigureOut">
               <a:rPr lang="en-US" smtClean="0"/>
-              <a:t>5/25/2021</a:t>
+              <a:t>5/28/2021</a:t>
             </a:fld>
             <a:endParaRPr lang="en-US"/>
           </a:p>
@@ -1612,7 +1611,7 @@
           <a:p>
             <a:fld id="{24F71ACE-7A2E-44C7-BEB0-E2DBFE9F86D8}" type="datetimeFigureOut">
               <a:rPr lang="en-US" smtClean="0"/>
-              <a:t>5/25/2021</a:t>
+              <a:t>5/28/2021</a:t>
             </a:fld>
             <a:endParaRPr lang="en-US"/>
           </a:p>
@@ -1730,7 +1729,7 @@
           <a:p>
             <a:fld id="{24F71ACE-7A2E-44C7-BEB0-E2DBFE9F86D8}" type="datetimeFigureOut">
               <a:rPr lang="en-US" smtClean="0"/>
-              <a:t>5/25/2021</a:t>
+              <a:t>5/28/2021</a:t>
             </a:fld>
             <a:endParaRPr lang="en-US"/>
           </a:p>
@@ -1825,7 +1824,7 @@
           <a:p>
             <a:fld id="{24F71ACE-7A2E-44C7-BEB0-E2DBFE9F86D8}" type="datetimeFigureOut">
               <a:rPr lang="en-US" smtClean="0"/>
-              <a:t>5/25/2021</a:t>
+              <a:t>5/28/2021</a:t>
             </a:fld>
             <a:endParaRPr lang="en-US"/>
           </a:p>
@@ -2102,7 +2101,7 @@
           <a:p>
             <a:fld id="{24F71ACE-7A2E-44C7-BEB0-E2DBFE9F86D8}" type="datetimeFigureOut">
               <a:rPr lang="en-US" smtClean="0"/>
-              <a:t>5/25/2021</a:t>
+              <a:t>5/28/2021</a:t>
             </a:fld>
             <a:endParaRPr lang="en-US"/>
           </a:p>
@@ -2355,7 +2354,7 @@
           <a:p>
             <a:fld id="{24F71ACE-7A2E-44C7-BEB0-E2DBFE9F86D8}" type="datetimeFigureOut">
               <a:rPr lang="en-US" smtClean="0"/>
-              <a:t>5/25/2021</a:t>
+              <a:t>5/28/2021</a:t>
             </a:fld>
             <a:endParaRPr lang="en-US"/>
           </a:p>
@@ -2568,7 +2567,7 @@
           <a:p>
             <a:fld id="{24F71ACE-7A2E-44C7-BEB0-E2DBFE9F86D8}" type="datetimeFigureOut">
               <a:rPr lang="en-US" smtClean="0"/>
-              <a:t>5/25/2021</a:t>
+              <a:t>5/28/2021</a:t>
             </a:fld>
             <a:endParaRPr lang="en-US"/>
           </a:p>
@@ -2975,7 +2974,7 @@
       </p:grpSpPr>
       <p:pic>
         <p:nvPicPr>
-          <p:cNvPr id="3" name="Picture 2"/>
+          <p:cNvPr id="4" name="Picture 3"/>
           <p:cNvPicPr>
             <a:picLocks noChangeAspect="1"/>
           </p:cNvPicPr>
@@ -3398,7 +3397,7 @@
       </p:grpSpPr>
       <p:pic>
         <p:nvPicPr>
-          <p:cNvPr id="4" name="Picture 3"/>
+          <p:cNvPr id="44" name="Picture 43"/>
           <p:cNvPicPr>
             <a:picLocks noChangeAspect="1"/>
           </p:cNvPicPr>
@@ -5008,1643 +5007,6 @@
     <p:extLst>
       <p:ext uri="{BB962C8B-B14F-4D97-AF65-F5344CB8AC3E}">
         <p14:creationId xmlns:p14="http://schemas.microsoft.com/office/powerpoint/2010/main" val="1179445465"/>
-      </p:ext>
-    </p:extLst>
-  </p:cSld>
-  <p:clrMapOvr>
-    <a:masterClrMapping/>
-  </p:clrMapOvr>
-</p:sld>
-</file>
-
-<file path=ppt/slides/slide5.xml><?xml version="1.0" encoding="utf-8"?>
-<p:sld xmlns:a="http://schemas.openxmlformats.org/drawingml/2006/main" xmlns:r="http://schemas.openxmlformats.org/officeDocument/2006/relationships" xmlns:p="http://schemas.openxmlformats.org/presentationml/2006/main">
-  <p:cSld>
-    <p:spTree>
-      <p:nvGrpSpPr>
-        <p:cNvPr id="1" name=""/>
-        <p:cNvGrpSpPr/>
-        <p:nvPr/>
-      </p:nvGrpSpPr>
-      <p:grpSpPr>
-        <a:xfrm>
-          <a:off x="0" y="0"/>
-          <a:ext cx="0" cy="0"/>
-          <a:chOff x="0" y="0"/>
-          <a:chExt cx="0" cy="0"/>
-        </a:xfrm>
-      </p:grpSpPr>
-      <p:pic>
-        <p:nvPicPr>
-          <p:cNvPr id="4" name="Picture 3"/>
-          <p:cNvPicPr>
-            <a:picLocks noChangeAspect="1"/>
-          </p:cNvPicPr>
-          <p:nvPr/>
-        </p:nvPicPr>
-        <p:blipFill>
-          <a:blip r:embed="rId2" cstate="print">
-            <a:extLst>
-              <a:ext uri="{28A0092B-C50C-407E-A947-70E740481C1C}">
-                <a14:useLocalDpi xmlns:a14="http://schemas.microsoft.com/office/drawing/2010/main" val="0"/>
-              </a:ext>
-            </a:extLst>
-          </a:blip>
-          <a:stretch>
-            <a:fillRect/>
-          </a:stretch>
-        </p:blipFill>
-        <p:spPr>
-          <a:xfrm>
-            <a:off x="3446318" y="0"/>
-            <a:ext cx="5299364" cy="6858000"/>
-          </a:xfrm>
-          <a:prstGeom prst="rect">
-            <a:avLst/>
-          </a:prstGeom>
-        </p:spPr>
-      </p:pic>
-      <p:sp>
-        <p:nvSpPr>
-          <p:cNvPr id="5" name="Oval 4"/>
-          <p:cNvSpPr/>
-          <p:nvPr/>
-        </p:nvSpPr>
-        <p:spPr>
-          <a:xfrm>
-            <a:off x="6910749" y="5477602"/>
-            <a:ext cx="228600" cy="228600"/>
-          </a:xfrm>
-          <a:prstGeom prst="ellipse">
-            <a:avLst/>
-          </a:prstGeom>
-          <a:solidFill>
-            <a:schemeClr val="bg1"/>
-          </a:solidFill>
-          <a:ln>
-            <a:solidFill>
-              <a:schemeClr val="tx1"/>
-            </a:solidFill>
-          </a:ln>
-        </p:spPr>
-        <p:style>
-          <a:lnRef idx="2">
-            <a:schemeClr val="accent1">
-              <a:shade val="50000"/>
-            </a:schemeClr>
-          </a:lnRef>
-          <a:fillRef idx="1">
-            <a:schemeClr val="accent1"/>
-          </a:fillRef>
-          <a:effectRef idx="0">
-            <a:schemeClr val="accent1"/>
-          </a:effectRef>
-          <a:fontRef idx="minor">
-            <a:schemeClr val="lt1"/>
-          </a:fontRef>
-        </p:style>
-        <p:txBody>
-          <a:bodyPr rtlCol="0" anchor="ctr"/>
-          <a:lstStyle/>
-          <a:p>
-            <a:pPr algn="ctr"/>
-            <a:r>
-              <a:rPr lang="en-US" sz="1600" dirty="0" smtClean="0">
-                <a:solidFill>
-                  <a:schemeClr val="tx1"/>
-                </a:solidFill>
-                <a:latin typeface="Arial" panose="020B0604020202020204" pitchFamily="34" charset="0"/>
-                <a:cs typeface="Arial" panose="020B0604020202020204" pitchFamily="34" charset="0"/>
-              </a:rPr>
-              <a:t>1</a:t>
-            </a:r>
-            <a:endParaRPr lang="en-US" sz="1600" dirty="0">
-              <a:solidFill>
-                <a:schemeClr val="tx1"/>
-              </a:solidFill>
-              <a:latin typeface="Arial" panose="020B0604020202020204" pitchFamily="34" charset="0"/>
-              <a:cs typeface="Arial" panose="020B0604020202020204" pitchFamily="34" charset="0"/>
-            </a:endParaRPr>
-          </a:p>
-        </p:txBody>
-      </p:sp>
-      <p:sp>
-        <p:nvSpPr>
-          <p:cNvPr id="7" name="Oval 6"/>
-          <p:cNvSpPr/>
-          <p:nvPr/>
-        </p:nvSpPr>
-        <p:spPr>
-          <a:xfrm>
-            <a:off x="7617072" y="4337528"/>
-            <a:ext cx="228600" cy="228600"/>
-          </a:xfrm>
-          <a:prstGeom prst="ellipse">
-            <a:avLst/>
-          </a:prstGeom>
-          <a:solidFill>
-            <a:schemeClr val="bg1"/>
-          </a:solidFill>
-          <a:ln>
-            <a:solidFill>
-              <a:schemeClr val="tx1"/>
-            </a:solidFill>
-          </a:ln>
-        </p:spPr>
-        <p:style>
-          <a:lnRef idx="2">
-            <a:schemeClr val="accent1">
-              <a:shade val="50000"/>
-            </a:schemeClr>
-          </a:lnRef>
-          <a:fillRef idx="1">
-            <a:schemeClr val="accent1"/>
-          </a:fillRef>
-          <a:effectRef idx="0">
-            <a:schemeClr val="accent1"/>
-          </a:effectRef>
-          <a:fontRef idx="minor">
-            <a:schemeClr val="lt1"/>
-          </a:fontRef>
-        </p:style>
-        <p:txBody>
-          <a:bodyPr rtlCol="0" anchor="ctr"/>
-          <a:lstStyle/>
-          <a:p>
-            <a:pPr algn="ctr"/>
-            <a:r>
-              <a:rPr lang="en-US" sz="1600" dirty="0" smtClean="0">
-                <a:solidFill>
-                  <a:schemeClr val="tx1"/>
-                </a:solidFill>
-                <a:latin typeface="Arial" panose="020B0604020202020204" pitchFamily="34" charset="0"/>
-                <a:cs typeface="Arial" panose="020B0604020202020204" pitchFamily="34" charset="0"/>
-              </a:rPr>
-              <a:t>3</a:t>
-            </a:r>
-            <a:endParaRPr lang="en-US" sz="1600" dirty="0">
-              <a:solidFill>
-                <a:schemeClr val="tx1"/>
-              </a:solidFill>
-              <a:latin typeface="Arial" panose="020B0604020202020204" pitchFamily="34" charset="0"/>
-              <a:cs typeface="Arial" panose="020B0604020202020204" pitchFamily="34" charset="0"/>
-            </a:endParaRPr>
-          </a:p>
-        </p:txBody>
-      </p:sp>
-      <p:cxnSp>
-        <p:nvCxnSpPr>
-          <p:cNvPr id="9" name="Straight Connector 8"/>
-          <p:cNvCxnSpPr>
-            <a:stCxn id="7" idx="2"/>
-          </p:cNvCxnSpPr>
-          <p:nvPr/>
-        </p:nvCxnSpPr>
-        <p:spPr>
-          <a:xfrm flipH="1">
-            <a:off x="7280031" y="4451828"/>
-            <a:ext cx="337041" cy="5872"/>
-          </a:xfrm>
-          <a:prstGeom prst="line">
-            <a:avLst/>
-          </a:prstGeom>
-          <a:ln w="28575">
-            <a:solidFill>
-              <a:schemeClr val="tx1"/>
-            </a:solidFill>
-          </a:ln>
-        </p:spPr>
-        <p:style>
-          <a:lnRef idx="1">
-            <a:schemeClr val="accent1"/>
-          </a:lnRef>
-          <a:fillRef idx="0">
-            <a:schemeClr val="accent1"/>
-          </a:fillRef>
-          <a:effectRef idx="0">
-            <a:schemeClr val="accent1"/>
-          </a:effectRef>
-          <a:fontRef idx="minor">
-            <a:schemeClr val="tx1"/>
-          </a:fontRef>
-        </p:style>
-      </p:cxnSp>
-      <p:sp>
-        <p:nvSpPr>
-          <p:cNvPr id="10" name="Oval 9"/>
-          <p:cNvSpPr/>
-          <p:nvPr/>
-        </p:nvSpPr>
-        <p:spPr>
-          <a:xfrm>
-            <a:off x="7663966" y="4621808"/>
-            <a:ext cx="228600" cy="228600"/>
-          </a:xfrm>
-          <a:prstGeom prst="ellipse">
-            <a:avLst/>
-          </a:prstGeom>
-          <a:solidFill>
-            <a:schemeClr val="bg1"/>
-          </a:solidFill>
-          <a:ln>
-            <a:solidFill>
-              <a:schemeClr val="tx1"/>
-            </a:solidFill>
-          </a:ln>
-        </p:spPr>
-        <p:style>
-          <a:lnRef idx="2">
-            <a:schemeClr val="accent1">
-              <a:shade val="50000"/>
-            </a:schemeClr>
-          </a:lnRef>
-          <a:fillRef idx="1">
-            <a:schemeClr val="accent1"/>
-          </a:fillRef>
-          <a:effectRef idx="0">
-            <a:schemeClr val="accent1"/>
-          </a:effectRef>
-          <a:fontRef idx="minor">
-            <a:schemeClr val="lt1"/>
-          </a:fontRef>
-        </p:style>
-        <p:txBody>
-          <a:bodyPr rtlCol="0" anchor="ctr"/>
-          <a:lstStyle/>
-          <a:p>
-            <a:pPr algn="ctr"/>
-            <a:r>
-              <a:rPr lang="en-US" sz="1600" dirty="0" smtClean="0">
-                <a:solidFill>
-                  <a:schemeClr val="tx1"/>
-                </a:solidFill>
-                <a:latin typeface="Arial" panose="020B0604020202020204" pitchFamily="34" charset="0"/>
-                <a:cs typeface="Arial" panose="020B0604020202020204" pitchFamily="34" charset="0"/>
-              </a:rPr>
-              <a:t>2</a:t>
-            </a:r>
-            <a:endParaRPr lang="en-US" sz="1600" dirty="0">
-              <a:solidFill>
-                <a:schemeClr val="tx1"/>
-              </a:solidFill>
-              <a:latin typeface="Arial" panose="020B0604020202020204" pitchFamily="34" charset="0"/>
-              <a:cs typeface="Arial" panose="020B0604020202020204" pitchFamily="34" charset="0"/>
-            </a:endParaRPr>
-          </a:p>
-        </p:txBody>
-      </p:sp>
-      <p:cxnSp>
-        <p:nvCxnSpPr>
-          <p:cNvPr id="11" name="Straight Connector 10"/>
-          <p:cNvCxnSpPr>
-            <a:stCxn id="10" idx="2"/>
-          </p:cNvCxnSpPr>
-          <p:nvPr/>
-        </p:nvCxnSpPr>
-        <p:spPr>
-          <a:xfrm flipH="1" flipV="1">
-            <a:off x="7280031" y="4617406"/>
-            <a:ext cx="383935" cy="118702"/>
-          </a:xfrm>
-          <a:prstGeom prst="line">
-            <a:avLst/>
-          </a:prstGeom>
-          <a:ln w="28575">
-            <a:solidFill>
-              <a:schemeClr val="tx1"/>
-            </a:solidFill>
-          </a:ln>
-        </p:spPr>
-        <p:style>
-          <a:lnRef idx="1">
-            <a:schemeClr val="accent1"/>
-          </a:lnRef>
-          <a:fillRef idx="0">
-            <a:schemeClr val="accent1"/>
-          </a:fillRef>
-          <a:effectRef idx="0">
-            <a:schemeClr val="accent1"/>
-          </a:effectRef>
-          <a:fontRef idx="minor">
-            <a:schemeClr val="tx1"/>
-          </a:fontRef>
-        </p:style>
-      </p:cxnSp>
-      <p:sp>
-        <p:nvSpPr>
-          <p:cNvPr id="14" name="Oval 13"/>
-          <p:cNvSpPr/>
-          <p:nvPr/>
-        </p:nvSpPr>
-        <p:spPr>
-          <a:xfrm>
-            <a:off x="7488116" y="5105386"/>
-            <a:ext cx="228600" cy="228600"/>
-          </a:xfrm>
-          <a:prstGeom prst="ellipse">
-            <a:avLst/>
-          </a:prstGeom>
-          <a:solidFill>
-            <a:schemeClr val="bg1"/>
-          </a:solidFill>
-          <a:ln>
-            <a:solidFill>
-              <a:schemeClr val="tx1"/>
-            </a:solidFill>
-          </a:ln>
-        </p:spPr>
-        <p:style>
-          <a:lnRef idx="2">
-            <a:schemeClr val="accent1">
-              <a:shade val="50000"/>
-            </a:schemeClr>
-          </a:lnRef>
-          <a:fillRef idx="1">
-            <a:schemeClr val="accent1"/>
-          </a:fillRef>
-          <a:effectRef idx="0">
-            <a:schemeClr val="accent1"/>
-          </a:effectRef>
-          <a:fontRef idx="minor">
-            <a:schemeClr val="lt1"/>
-          </a:fontRef>
-        </p:style>
-        <p:txBody>
-          <a:bodyPr rtlCol="0" anchor="ctr"/>
-          <a:lstStyle/>
-          <a:p>
-            <a:pPr algn="ctr"/>
-            <a:r>
-              <a:rPr lang="en-US" sz="1600" dirty="0" smtClean="0">
-                <a:solidFill>
-                  <a:schemeClr val="tx1"/>
-                </a:solidFill>
-                <a:latin typeface="Arial" panose="020B0604020202020204" pitchFamily="34" charset="0"/>
-                <a:cs typeface="Arial" panose="020B0604020202020204" pitchFamily="34" charset="0"/>
-              </a:rPr>
-              <a:t>4</a:t>
-            </a:r>
-            <a:endParaRPr lang="en-US" sz="1600" dirty="0">
-              <a:solidFill>
-                <a:schemeClr val="tx1"/>
-              </a:solidFill>
-              <a:latin typeface="Arial" panose="020B0604020202020204" pitchFamily="34" charset="0"/>
-              <a:cs typeface="Arial" panose="020B0604020202020204" pitchFamily="34" charset="0"/>
-            </a:endParaRPr>
-          </a:p>
-        </p:txBody>
-      </p:sp>
-      <p:cxnSp>
-        <p:nvCxnSpPr>
-          <p:cNvPr id="15" name="Straight Connector 14"/>
-          <p:cNvCxnSpPr>
-            <a:stCxn id="14" idx="2"/>
-          </p:cNvCxnSpPr>
-          <p:nvPr/>
-        </p:nvCxnSpPr>
-        <p:spPr>
-          <a:xfrm flipH="1" flipV="1">
-            <a:off x="7139349" y="5105386"/>
-            <a:ext cx="348767" cy="114300"/>
-          </a:xfrm>
-          <a:prstGeom prst="line">
-            <a:avLst/>
-          </a:prstGeom>
-          <a:ln w="28575">
-            <a:solidFill>
-              <a:schemeClr val="tx1"/>
-            </a:solidFill>
-          </a:ln>
-        </p:spPr>
-        <p:style>
-          <a:lnRef idx="1">
-            <a:schemeClr val="accent1"/>
-          </a:lnRef>
-          <a:fillRef idx="0">
-            <a:schemeClr val="accent1"/>
-          </a:fillRef>
-          <a:effectRef idx="0">
-            <a:schemeClr val="accent1"/>
-          </a:effectRef>
-          <a:fontRef idx="minor">
-            <a:schemeClr val="tx1"/>
-          </a:fontRef>
-        </p:style>
-      </p:cxnSp>
-      <p:sp>
-        <p:nvSpPr>
-          <p:cNvPr id="17" name="Oval 16"/>
-          <p:cNvSpPr/>
-          <p:nvPr/>
-        </p:nvSpPr>
-        <p:spPr>
-          <a:xfrm>
-            <a:off x="6353912" y="5650512"/>
-            <a:ext cx="228600" cy="228600"/>
-          </a:xfrm>
-          <a:prstGeom prst="ellipse">
-            <a:avLst/>
-          </a:prstGeom>
-          <a:solidFill>
-            <a:schemeClr val="bg1"/>
-          </a:solidFill>
-          <a:ln>
-            <a:solidFill>
-              <a:schemeClr val="tx1"/>
-            </a:solidFill>
-          </a:ln>
-        </p:spPr>
-        <p:style>
-          <a:lnRef idx="2">
-            <a:schemeClr val="accent1">
-              <a:shade val="50000"/>
-            </a:schemeClr>
-          </a:lnRef>
-          <a:fillRef idx="1">
-            <a:schemeClr val="accent1"/>
-          </a:fillRef>
-          <a:effectRef idx="0">
-            <a:schemeClr val="accent1"/>
-          </a:effectRef>
-          <a:fontRef idx="minor">
-            <a:schemeClr val="lt1"/>
-          </a:fontRef>
-        </p:style>
-        <p:txBody>
-          <a:bodyPr rtlCol="0" anchor="ctr"/>
-          <a:lstStyle/>
-          <a:p>
-            <a:pPr algn="ctr"/>
-            <a:r>
-              <a:rPr lang="en-US" sz="1600" dirty="0">
-                <a:solidFill>
-                  <a:schemeClr val="tx1"/>
-                </a:solidFill>
-                <a:latin typeface="Arial" panose="020B0604020202020204" pitchFamily="34" charset="0"/>
-                <a:cs typeface="Arial" panose="020B0604020202020204" pitchFamily="34" charset="0"/>
-              </a:rPr>
-              <a:t>5</a:t>
-            </a:r>
-          </a:p>
-        </p:txBody>
-      </p:sp>
-      <p:cxnSp>
-        <p:nvCxnSpPr>
-          <p:cNvPr id="18" name="Straight Connector 17"/>
-          <p:cNvCxnSpPr/>
-          <p:nvPr/>
-        </p:nvCxnSpPr>
-        <p:spPr>
-          <a:xfrm flipV="1">
-            <a:off x="6450624" y="5246066"/>
-            <a:ext cx="0" cy="404450"/>
-          </a:xfrm>
-          <a:prstGeom prst="line">
-            <a:avLst/>
-          </a:prstGeom>
-          <a:ln w="28575">
-            <a:solidFill>
-              <a:schemeClr val="tx1"/>
-            </a:solidFill>
-          </a:ln>
-        </p:spPr>
-        <p:style>
-          <a:lnRef idx="1">
-            <a:schemeClr val="accent1"/>
-          </a:lnRef>
-          <a:fillRef idx="0">
-            <a:schemeClr val="accent1"/>
-          </a:fillRef>
-          <a:effectRef idx="0">
-            <a:schemeClr val="accent1"/>
-          </a:effectRef>
-          <a:fontRef idx="minor">
-            <a:schemeClr val="tx1"/>
-          </a:fontRef>
-        </p:style>
-      </p:cxnSp>
-      <p:sp>
-        <p:nvSpPr>
-          <p:cNvPr id="21" name="Oval 20"/>
-          <p:cNvSpPr/>
-          <p:nvPr/>
-        </p:nvSpPr>
-        <p:spPr>
-          <a:xfrm>
-            <a:off x="7681552" y="3883262"/>
-            <a:ext cx="228600" cy="228600"/>
-          </a:xfrm>
-          <a:prstGeom prst="ellipse">
-            <a:avLst/>
-          </a:prstGeom>
-          <a:solidFill>
-            <a:schemeClr val="bg1"/>
-          </a:solidFill>
-          <a:ln>
-            <a:solidFill>
-              <a:schemeClr val="tx1"/>
-            </a:solidFill>
-          </a:ln>
-        </p:spPr>
-        <p:style>
-          <a:lnRef idx="2">
-            <a:schemeClr val="accent1">
-              <a:shade val="50000"/>
-            </a:schemeClr>
-          </a:lnRef>
-          <a:fillRef idx="1">
-            <a:schemeClr val="accent1"/>
-          </a:fillRef>
-          <a:effectRef idx="0">
-            <a:schemeClr val="accent1"/>
-          </a:effectRef>
-          <a:fontRef idx="minor">
-            <a:schemeClr val="lt1"/>
-          </a:fontRef>
-        </p:style>
-        <p:txBody>
-          <a:bodyPr rtlCol="0" anchor="ctr"/>
-          <a:lstStyle/>
-          <a:p>
-            <a:pPr algn="ctr"/>
-            <a:r>
-              <a:rPr lang="en-US" sz="1600" dirty="0" smtClean="0">
-                <a:solidFill>
-                  <a:schemeClr val="tx1"/>
-                </a:solidFill>
-                <a:latin typeface="Arial" panose="020B0604020202020204" pitchFamily="34" charset="0"/>
-                <a:cs typeface="Arial" panose="020B0604020202020204" pitchFamily="34" charset="0"/>
-              </a:rPr>
-              <a:t>6</a:t>
-            </a:r>
-            <a:endParaRPr lang="en-US" sz="1600" dirty="0">
-              <a:solidFill>
-                <a:schemeClr val="tx1"/>
-              </a:solidFill>
-              <a:latin typeface="Arial" panose="020B0604020202020204" pitchFamily="34" charset="0"/>
-              <a:cs typeface="Arial" panose="020B0604020202020204" pitchFamily="34" charset="0"/>
-            </a:endParaRPr>
-          </a:p>
-        </p:txBody>
-      </p:sp>
-      <p:cxnSp>
-        <p:nvCxnSpPr>
-          <p:cNvPr id="22" name="Straight Connector 21"/>
-          <p:cNvCxnSpPr>
-            <a:stCxn id="21" idx="2"/>
-          </p:cNvCxnSpPr>
-          <p:nvPr/>
-        </p:nvCxnSpPr>
-        <p:spPr>
-          <a:xfrm flipH="1">
-            <a:off x="7344511" y="3997562"/>
-            <a:ext cx="337041" cy="5872"/>
-          </a:xfrm>
-          <a:prstGeom prst="line">
-            <a:avLst/>
-          </a:prstGeom>
-          <a:ln w="28575">
-            <a:solidFill>
-              <a:schemeClr val="tx1"/>
-            </a:solidFill>
-          </a:ln>
-        </p:spPr>
-        <p:style>
-          <a:lnRef idx="1">
-            <a:schemeClr val="accent1"/>
-          </a:lnRef>
-          <a:fillRef idx="0">
-            <a:schemeClr val="accent1"/>
-          </a:fillRef>
-          <a:effectRef idx="0">
-            <a:schemeClr val="accent1"/>
-          </a:effectRef>
-          <a:fontRef idx="minor">
-            <a:schemeClr val="tx1"/>
-          </a:fontRef>
-        </p:style>
-      </p:cxnSp>
-      <p:sp>
-        <p:nvSpPr>
-          <p:cNvPr id="23" name="Oval 22"/>
-          <p:cNvSpPr/>
-          <p:nvPr/>
-        </p:nvSpPr>
-        <p:spPr>
-          <a:xfrm>
-            <a:off x="4700960" y="3452436"/>
-            <a:ext cx="228600" cy="228600"/>
-          </a:xfrm>
-          <a:prstGeom prst="ellipse">
-            <a:avLst/>
-          </a:prstGeom>
-          <a:solidFill>
-            <a:schemeClr val="bg1"/>
-          </a:solidFill>
-          <a:ln>
-            <a:solidFill>
-              <a:schemeClr val="tx1"/>
-            </a:solidFill>
-          </a:ln>
-        </p:spPr>
-        <p:style>
-          <a:lnRef idx="2">
-            <a:schemeClr val="accent1">
-              <a:shade val="50000"/>
-            </a:schemeClr>
-          </a:lnRef>
-          <a:fillRef idx="1">
-            <a:schemeClr val="accent1"/>
-          </a:fillRef>
-          <a:effectRef idx="0">
-            <a:schemeClr val="accent1"/>
-          </a:effectRef>
-          <a:fontRef idx="minor">
-            <a:schemeClr val="lt1"/>
-          </a:fontRef>
-        </p:style>
-        <p:txBody>
-          <a:bodyPr rtlCol="0" anchor="ctr"/>
-          <a:lstStyle/>
-          <a:p>
-            <a:pPr algn="ctr"/>
-            <a:r>
-              <a:rPr lang="en-US" sz="1600" dirty="0" smtClean="0">
-                <a:solidFill>
-                  <a:schemeClr val="tx1"/>
-                </a:solidFill>
-                <a:latin typeface="Arial" panose="020B0604020202020204" pitchFamily="34" charset="0"/>
-                <a:cs typeface="Arial" panose="020B0604020202020204" pitchFamily="34" charset="0"/>
-              </a:rPr>
-              <a:t>7</a:t>
-            </a:r>
-            <a:endParaRPr lang="en-US" sz="1600" dirty="0">
-              <a:solidFill>
-                <a:schemeClr val="tx1"/>
-              </a:solidFill>
-              <a:latin typeface="Arial" panose="020B0604020202020204" pitchFamily="34" charset="0"/>
-              <a:cs typeface="Arial" panose="020B0604020202020204" pitchFamily="34" charset="0"/>
-            </a:endParaRPr>
-          </a:p>
-        </p:txBody>
-      </p:sp>
-      <p:sp>
-        <p:nvSpPr>
-          <p:cNvPr id="25" name="Oval 24"/>
-          <p:cNvSpPr/>
-          <p:nvPr/>
-        </p:nvSpPr>
-        <p:spPr>
-          <a:xfrm>
-            <a:off x="6629401" y="5732576"/>
-            <a:ext cx="228600" cy="228600"/>
-          </a:xfrm>
-          <a:prstGeom prst="ellipse">
-            <a:avLst/>
-          </a:prstGeom>
-          <a:solidFill>
-            <a:schemeClr val="bg1"/>
-          </a:solidFill>
-          <a:ln>
-            <a:solidFill>
-              <a:schemeClr val="tx1"/>
-            </a:solidFill>
-          </a:ln>
-        </p:spPr>
-        <p:style>
-          <a:lnRef idx="2">
-            <a:schemeClr val="accent1">
-              <a:shade val="50000"/>
-            </a:schemeClr>
-          </a:lnRef>
-          <a:fillRef idx="1">
-            <a:schemeClr val="accent1"/>
-          </a:fillRef>
-          <a:effectRef idx="0">
-            <a:schemeClr val="accent1"/>
-          </a:effectRef>
-          <a:fontRef idx="minor">
-            <a:schemeClr val="lt1"/>
-          </a:fontRef>
-        </p:style>
-        <p:txBody>
-          <a:bodyPr rtlCol="0" anchor="ctr"/>
-          <a:lstStyle/>
-          <a:p>
-            <a:pPr algn="ctr"/>
-            <a:r>
-              <a:rPr lang="en-US" sz="1600" dirty="0" smtClean="0">
-                <a:solidFill>
-                  <a:schemeClr val="tx1"/>
-                </a:solidFill>
-                <a:latin typeface="Arial" panose="020B0604020202020204" pitchFamily="34" charset="0"/>
-                <a:cs typeface="Arial" panose="020B0604020202020204" pitchFamily="34" charset="0"/>
-              </a:rPr>
-              <a:t>8</a:t>
-            </a:r>
-            <a:endParaRPr lang="en-US" sz="1600" dirty="0">
-              <a:solidFill>
-                <a:schemeClr val="tx1"/>
-              </a:solidFill>
-              <a:latin typeface="Arial" panose="020B0604020202020204" pitchFamily="34" charset="0"/>
-              <a:cs typeface="Arial" panose="020B0604020202020204" pitchFamily="34" charset="0"/>
-            </a:endParaRPr>
-          </a:p>
-        </p:txBody>
-      </p:sp>
-      <p:cxnSp>
-        <p:nvCxnSpPr>
-          <p:cNvPr id="26" name="Straight Connector 25"/>
-          <p:cNvCxnSpPr/>
-          <p:nvPr/>
-        </p:nvCxnSpPr>
-        <p:spPr>
-          <a:xfrm flipV="1">
-            <a:off x="6726113" y="5328130"/>
-            <a:ext cx="0" cy="404450"/>
-          </a:xfrm>
-          <a:prstGeom prst="line">
-            <a:avLst/>
-          </a:prstGeom>
-          <a:ln w="28575">
-            <a:solidFill>
-              <a:schemeClr val="tx1"/>
-            </a:solidFill>
-          </a:ln>
-        </p:spPr>
-        <p:style>
-          <a:lnRef idx="1">
-            <a:schemeClr val="accent1"/>
-          </a:lnRef>
-          <a:fillRef idx="0">
-            <a:schemeClr val="accent1"/>
-          </a:fillRef>
-          <a:effectRef idx="0">
-            <a:schemeClr val="accent1"/>
-          </a:effectRef>
-          <a:fontRef idx="minor">
-            <a:schemeClr val="tx1"/>
-          </a:fontRef>
-        </p:style>
-      </p:cxnSp>
-      <p:sp>
-        <p:nvSpPr>
-          <p:cNvPr id="27" name="Oval 26"/>
-          <p:cNvSpPr/>
-          <p:nvPr/>
-        </p:nvSpPr>
-        <p:spPr>
-          <a:xfrm>
-            <a:off x="7640516" y="4879723"/>
-            <a:ext cx="228600" cy="228600"/>
-          </a:xfrm>
-          <a:prstGeom prst="ellipse">
-            <a:avLst/>
-          </a:prstGeom>
-          <a:solidFill>
-            <a:schemeClr val="bg1"/>
-          </a:solidFill>
-          <a:ln>
-            <a:solidFill>
-              <a:schemeClr val="tx1"/>
-            </a:solidFill>
-          </a:ln>
-        </p:spPr>
-        <p:style>
-          <a:lnRef idx="2">
-            <a:schemeClr val="accent1">
-              <a:shade val="50000"/>
-            </a:schemeClr>
-          </a:lnRef>
-          <a:fillRef idx="1">
-            <a:schemeClr val="accent1"/>
-          </a:fillRef>
-          <a:effectRef idx="0">
-            <a:schemeClr val="accent1"/>
-          </a:effectRef>
-          <a:fontRef idx="minor">
-            <a:schemeClr val="lt1"/>
-          </a:fontRef>
-        </p:style>
-        <p:txBody>
-          <a:bodyPr rtlCol="0" anchor="ctr"/>
-          <a:lstStyle/>
-          <a:p>
-            <a:pPr algn="ctr"/>
-            <a:r>
-              <a:rPr lang="en-US" sz="1600" dirty="0" smtClean="0">
-                <a:solidFill>
-                  <a:schemeClr val="tx1"/>
-                </a:solidFill>
-                <a:latin typeface="Arial" panose="020B0604020202020204" pitchFamily="34" charset="0"/>
-                <a:cs typeface="Arial" panose="020B0604020202020204" pitchFamily="34" charset="0"/>
-              </a:rPr>
-              <a:t>9</a:t>
-            </a:r>
-            <a:endParaRPr lang="en-US" sz="1600" dirty="0">
-              <a:solidFill>
-                <a:schemeClr val="tx1"/>
-              </a:solidFill>
-              <a:latin typeface="Arial" panose="020B0604020202020204" pitchFamily="34" charset="0"/>
-              <a:cs typeface="Arial" panose="020B0604020202020204" pitchFamily="34" charset="0"/>
-            </a:endParaRPr>
-          </a:p>
-        </p:txBody>
-      </p:sp>
-      <p:cxnSp>
-        <p:nvCxnSpPr>
-          <p:cNvPr id="28" name="Straight Connector 27"/>
-          <p:cNvCxnSpPr>
-            <a:stCxn id="27" idx="2"/>
-          </p:cNvCxnSpPr>
-          <p:nvPr/>
-        </p:nvCxnSpPr>
-        <p:spPr>
-          <a:xfrm flipH="1" flipV="1">
-            <a:off x="7291749" y="4879723"/>
-            <a:ext cx="348767" cy="114300"/>
-          </a:xfrm>
-          <a:prstGeom prst="line">
-            <a:avLst/>
-          </a:prstGeom>
-          <a:ln w="28575">
-            <a:solidFill>
-              <a:schemeClr val="tx1"/>
-            </a:solidFill>
-          </a:ln>
-        </p:spPr>
-        <p:style>
-          <a:lnRef idx="1">
-            <a:schemeClr val="accent1"/>
-          </a:lnRef>
-          <a:fillRef idx="0">
-            <a:schemeClr val="accent1"/>
-          </a:fillRef>
-          <a:effectRef idx="0">
-            <a:schemeClr val="accent1"/>
-          </a:effectRef>
-          <a:fontRef idx="minor">
-            <a:schemeClr val="tx1"/>
-          </a:fontRef>
-        </p:style>
-      </p:cxnSp>
-      <p:sp>
-        <p:nvSpPr>
-          <p:cNvPr id="30" name="Oval 29"/>
-          <p:cNvSpPr/>
-          <p:nvPr/>
-        </p:nvSpPr>
-        <p:spPr>
-          <a:xfrm>
-            <a:off x="4879737" y="4941269"/>
-            <a:ext cx="228600" cy="228600"/>
-          </a:xfrm>
-          <a:prstGeom prst="ellipse">
-            <a:avLst/>
-          </a:prstGeom>
-          <a:solidFill>
-            <a:schemeClr val="bg1"/>
-          </a:solidFill>
-          <a:ln>
-            <a:solidFill>
-              <a:schemeClr val="tx1"/>
-            </a:solidFill>
-          </a:ln>
-        </p:spPr>
-        <p:style>
-          <a:lnRef idx="2">
-            <a:schemeClr val="accent1">
-              <a:shade val="50000"/>
-            </a:schemeClr>
-          </a:lnRef>
-          <a:fillRef idx="1">
-            <a:schemeClr val="accent1"/>
-          </a:fillRef>
-          <a:effectRef idx="0">
-            <a:schemeClr val="accent1"/>
-          </a:effectRef>
-          <a:fontRef idx="minor">
-            <a:schemeClr val="lt1"/>
-          </a:fontRef>
-        </p:style>
-        <p:txBody>
-          <a:bodyPr rtlCol="0" anchor="ctr"/>
-          <a:lstStyle/>
-          <a:p>
-            <a:pPr algn="ctr"/>
-            <a:endParaRPr lang="en-US" sz="1600" dirty="0">
-              <a:solidFill>
-                <a:schemeClr val="tx1"/>
-              </a:solidFill>
-              <a:latin typeface="Arial" panose="020B0604020202020204" pitchFamily="34" charset="0"/>
-              <a:cs typeface="Arial" panose="020B0604020202020204" pitchFamily="34" charset="0"/>
-            </a:endParaRPr>
-          </a:p>
-        </p:txBody>
-      </p:sp>
-      <p:sp>
-        <p:nvSpPr>
-          <p:cNvPr id="31" name="TextBox 30"/>
-          <p:cNvSpPr txBox="1"/>
-          <p:nvPr/>
-        </p:nvSpPr>
-        <p:spPr>
-          <a:xfrm>
-            <a:off x="4774088" y="4885552"/>
-            <a:ext cx="509953" cy="338554"/>
-          </a:xfrm>
-          <a:prstGeom prst="rect">
-            <a:avLst/>
-          </a:prstGeom>
-          <a:noFill/>
-        </p:spPr>
-        <p:txBody>
-          <a:bodyPr wrap="square" rtlCol="0">
-            <a:spAutoFit/>
-          </a:bodyPr>
-          <a:lstStyle/>
-          <a:p>
-            <a:r>
-              <a:rPr lang="en-US" sz="1600" dirty="0" smtClean="0">
-                <a:latin typeface="Arial" panose="020B0604020202020204" pitchFamily="34" charset="0"/>
-                <a:cs typeface="Arial" panose="020B0604020202020204" pitchFamily="34" charset="0"/>
-              </a:rPr>
-              <a:t>10</a:t>
-            </a:r>
-            <a:endParaRPr lang="en-US" dirty="0">
-              <a:latin typeface="Arial" panose="020B0604020202020204" pitchFamily="34" charset="0"/>
-              <a:cs typeface="Arial" panose="020B0604020202020204" pitchFamily="34" charset="0"/>
-            </a:endParaRPr>
-          </a:p>
-        </p:txBody>
-      </p:sp>
-      <p:sp>
-        <p:nvSpPr>
-          <p:cNvPr id="32" name="Oval 31"/>
-          <p:cNvSpPr/>
-          <p:nvPr/>
-        </p:nvSpPr>
-        <p:spPr>
-          <a:xfrm>
-            <a:off x="7218482" y="5272439"/>
-            <a:ext cx="228600" cy="228600"/>
-          </a:xfrm>
-          <a:prstGeom prst="ellipse">
-            <a:avLst/>
-          </a:prstGeom>
-          <a:solidFill>
-            <a:schemeClr val="bg1"/>
-          </a:solidFill>
-          <a:ln>
-            <a:solidFill>
-              <a:schemeClr val="tx1"/>
-            </a:solidFill>
-          </a:ln>
-        </p:spPr>
-        <p:style>
-          <a:lnRef idx="2">
-            <a:schemeClr val="accent1">
-              <a:shade val="50000"/>
-            </a:schemeClr>
-          </a:lnRef>
-          <a:fillRef idx="1">
-            <a:schemeClr val="accent1"/>
-          </a:fillRef>
-          <a:effectRef idx="0">
-            <a:schemeClr val="accent1"/>
-          </a:effectRef>
-          <a:fontRef idx="minor">
-            <a:schemeClr val="lt1"/>
-          </a:fontRef>
-        </p:style>
-        <p:txBody>
-          <a:bodyPr rtlCol="0" anchor="ctr"/>
-          <a:lstStyle/>
-          <a:p>
-            <a:pPr algn="ctr"/>
-            <a:endParaRPr lang="en-US" sz="1600" dirty="0">
-              <a:solidFill>
-                <a:schemeClr val="tx1"/>
-              </a:solidFill>
-              <a:latin typeface="Arial" panose="020B0604020202020204" pitchFamily="34" charset="0"/>
-              <a:cs typeface="Arial" panose="020B0604020202020204" pitchFamily="34" charset="0"/>
-            </a:endParaRPr>
-          </a:p>
-        </p:txBody>
-      </p:sp>
-      <p:cxnSp>
-        <p:nvCxnSpPr>
-          <p:cNvPr id="33" name="Straight Connector 32"/>
-          <p:cNvCxnSpPr>
-            <a:stCxn id="32" idx="2"/>
-          </p:cNvCxnSpPr>
-          <p:nvPr/>
-        </p:nvCxnSpPr>
-        <p:spPr>
-          <a:xfrm flipH="1" flipV="1">
-            <a:off x="6910749" y="5169869"/>
-            <a:ext cx="307733" cy="216870"/>
-          </a:xfrm>
-          <a:prstGeom prst="line">
-            <a:avLst/>
-          </a:prstGeom>
-          <a:ln w="28575">
-            <a:solidFill>
-              <a:schemeClr val="tx1"/>
-            </a:solidFill>
-          </a:ln>
-        </p:spPr>
-        <p:style>
-          <a:lnRef idx="1">
-            <a:schemeClr val="accent1"/>
-          </a:lnRef>
-          <a:fillRef idx="0">
-            <a:schemeClr val="accent1"/>
-          </a:fillRef>
-          <a:effectRef idx="0">
-            <a:schemeClr val="accent1"/>
-          </a:effectRef>
-          <a:fontRef idx="minor">
-            <a:schemeClr val="tx1"/>
-          </a:fontRef>
-        </p:style>
-      </p:cxnSp>
-      <p:sp>
-        <p:nvSpPr>
-          <p:cNvPr id="36" name="TextBox 35"/>
-          <p:cNvSpPr txBox="1"/>
-          <p:nvPr/>
-        </p:nvSpPr>
-        <p:spPr>
-          <a:xfrm>
-            <a:off x="7145215" y="5224788"/>
-            <a:ext cx="509953" cy="338554"/>
-          </a:xfrm>
-          <a:prstGeom prst="rect">
-            <a:avLst/>
-          </a:prstGeom>
-          <a:noFill/>
-        </p:spPr>
-        <p:txBody>
-          <a:bodyPr wrap="square" rtlCol="0">
-            <a:spAutoFit/>
-          </a:bodyPr>
-          <a:lstStyle/>
-          <a:p>
-            <a:r>
-              <a:rPr lang="en-US" sz="1600" dirty="0" smtClean="0">
-                <a:latin typeface="Arial" panose="020B0604020202020204" pitchFamily="34" charset="0"/>
-                <a:cs typeface="Arial" panose="020B0604020202020204" pitchFamily="34" charset="0"/>
-              </a:rPr>
-              <a:t>11</a:t>
-            </a:r>
-            <a:endParaRPr lang="en-US" dirty="0">
-              <a:latin typeface="Arial" panose="020B0604020202020204" pitchFamily="34" charset="0"/>
-              <a:cs typeface="Arial" panose="020B0604020202020204" pitchFamily="34" charset="0"/>
-            </a:endParaRPr>
-          </a:p>
-        </p:txBody>
-      </p:sp>
-      <p:sp>
-        <p:nvSpPr>
-          <p:cNvPr id="39" name="Oval 38"/>
-          <p:cNvSpPr/>
-          <p:nvPr/>
-        </p:nvSpPr>
-        <p:spPr>
-          <a:xfrm>
-            <a:off x="4026885" y="4158741"/>
-            <a:ext cx="228600" cy="228600"/>
-          </a:xfrm>
-          <a:prstGeom prst="ellipse">
-            <a:avLst/>
-          </a:prstGeom>
-          <a:solidFill>
-            <a:schemeClr val="bg1"/>
-          </a:solidFill>
-          <a:ln>
-            <a:solidFill>
-              <a:schemeClr val="tx1"/>
-            </a:solidFill>
-          </a:ln>
-        </p:spPr>
-        <p:style>
-          <a:lnRef idx="2">
-            <a:schemeClr val="accent1">
-              <a:shade val="50000"/>
-            </a:schemeClr>
-          </a:lnRef>
-          <a:fillRef idx="1">
-            <a:schemeClr val="accent1"/>
-          </a:fillRef>
-          <a:effectRef idx="0">
-            <a:schemeClr val="accent1"/>
-          </a:effectRef>
-          <a:fontRef idx="minor">
-            <a:schemeClr val="lt1"/>
-          </a:fontRef>
-        </p:style>
-        <p:txBody>
-          <a:bodyPr rtlCol="0" anchor="ctr"/>
-          <a:lstStyle/>
-          <a:p>
-            <a:pPr algn="ctr"/>
-            <a:endParaRPr lang="en-US" sz="1600" dirty="0">
-              <a:solidFill>
-                <a:schemeClr val="tx1"/>
-              </a:solidFill>
-              <a:latin typeface="Arial" panose="020B0604020202020204" pitchFamily="34" charset="0"/>
-              <a:cs typeface="Arial" panose="020B0604020202020204" pitchFamily="34" charset="0"/>
-            </a:endParaRPr>
-          </a:p>
-        </p:txBody>
-      </p:sp>
-      <p:sp>
-        <p:nvSpPr>
-          <p:cNvPr id="37" name="TextBox 36"/>
-          <p:cNvSpPr txBox="1"/>
-          <p:nvPr/>
-        </p:nvSpPr>
-        <p:spPr>
-          <a:xfrm>
-            <a:off x="3921376" y="4116226"/>
-            <a:ext cx="509953" cy="338554"/>
-          </a:xfrm>
-          <a:prstGeom prst="rect">
-            <a:avLst/>
-          </a:prstGeom>
-          <a:noFill/>
-        </p:spPr>
-        <p:txBody>
-          <a:bodyPr wrap="square" rtlCol="0">
-            <a:spAutoFit/>
-          </a:bodyPr>
-          <a:lstStyle/>
-          <a:p>
-            <a:r>
-              <a:rPr lang="en-US" sz="1600" dirty="0" smtClean="0">
-                <a:latin typeface="Arial" panose="020B0604020202020204" pitchFamily="34" charset="0"/>
-                <a:cs typeface="Arial" panose="020B0604020202020204" pitchFamily="34" charset="0"/>
-              </a:rPr>
-              <a:t>12</a:t>
-            </a:r>
-            <a:endParaRPr lang="en-US" dirty="0">
-              <a:latin typeface="Arial" panose="020B0604020202020204" pitchFamily="34" charset="0"/>
-              <a:cs typeface="Arial" panose="020B0604020202020204" pitchFamily="34" charset="0"/>
-            </a:endParaRPr>
-          </a:p>
-        </p:txBody>
-      </p:sp>
-      <p:sp>
-        <p:nvSpPr>
-          <p:cNvPr id="40" name="Oval 39"/>
-          <p:cNvSpPr/>
-          <p:nvPr/>
-        </p:nvSpPr>
-        <p:spPr>
-          <a:xfrm>
-            <a:off x="7367959" y="3349859"/>
-            <a:ext cx="228600" cy="228600"/>
-          </a:xfrm>
-          <a:prstGeom prst="ellipse">
-            <a:avLst/>
-          </a:prstGeom>
-          <a:solidFill>
-            <a:schemeClr val="bg1"/>
-          </a:solidFill>
-          <a:ln>
-            <a:solidFill>
-              <a:schemeClr val="tx1"/>
-            </a:solidFill>
-          </a:ln>
-        </p:spPr>
-        <p:style>
-          <a:lnRef idx="2">
-            <a:schemeClr val="accent1">
-              <a:shade val="50000"/>
-            </a:schemeClr>
-          </a:lnRef>
-          <a:fillRef idx="1">
-            <a:schemeClr val="accent1"/>
-          </a:fillRef>
-          <a:effectRef idx="0">
-            <a:schemeClr val="accent1"/>
-          </a:effectRef>
-          <a:fontRef idx="minor">
-            <a:schemeClr val="lt1"/>
-          </a:fontRef>
-        </p:style>
-        <p:txBody>
-          <a:bodyPr rtlCol="0" anchor="ctr"/>
-          <a:lstStyle/>
-          <a:p>
-            <a:pPr algn="ctr"/>
-            <a:endParaRPr lang="en-US" sz="1600" dirty="0">
-              <a:solidFill>
-                <a:schemeClr val="tx1"/>
-              </a:solidFill>
-              <a:latin typeface="Arial" panose="020B0604020202020204" pitchFamily="34" charset="0"/>
-              <a:cs typeface="Arial" panose="020B0604020202020204" pitchFamily="34" charset="0"/>
-            </a:endParaRPr>
-          </a:p>
-        </p:txBody>
-      </p:sp>
-      <p:sp>
-        <p:nvSpPr>
-          <p:cNvPr id="41" name="TextBox 40"/>
-          <p:cNvSpPr txBox="1"/>
-          <p:nvPr/>
-        </p:nvSpPr>
-        <p:spPr>
-          <a:xfrm>
-            <a:off x="7274182" y="3300743"/>
-            <a:ext cx="509953" cy="338554"/>
-          </a:xfrm>
-          <a:prstGeom prst="rect">
-            <a:avLst/>
-          </a:prstGeom>
-          <a:noFill/>
-        </p:spPr>
-        <p:txBody>
-          <a:bodyPr wrap="square" rtlCol="0">
-            <a:spAutoFit/>
-          </a:bodyPr>
-          <a:lstStyle/>
-          <a:p>
-            <a:r>
-              <a:rPr lang="en-US" sz="1600" dirty="0" smtClean="0">
-                <a:latin typeface="Arial" panose="020B0604020202020204" pitchFamily="34" charset="0"/>
-                <a:cs typeface="Arial" panose="020B0604020202020204" pitchFamily="34" charset="0"/>
-              </a:rPr>
-              <a:t>13</a:t>
-            </a:r>
-            <a:endParaRPr lang="en-US" dirty="0">
-              <a:latin typeface="Arial" panose="020B0604020202020204" pitchFamily="34" charset="0"/>
-              <a:cs typeface="Arial" panose="020B0604020202020204" pitchFamily="34" charset="0"/>
-            </a:endParaRPr>
-          </a:p>
-        </p:txBody>
-      </p:sp>
-      <p:sp>
-        <p:nvSpPr>
-          <p:cNvPr id="42" name="Oval 41"/>
-          <p:cNvSpPr/>
-          <p:nvPr/>
-        </p:nvSpPr>
-        <p:spPr>
-          <a:xfrm>
-            <a:off x="6761287" y="4633529"/>
-            <a:ext cx="228600" cy="228600"/>
-          </a:xfrm>
-          <a:prstGeom prst="ellipse">
-            <a:avLst/>
-          </a:prstGeom>
-          <a:solidFill>
-            <a:schemeClr val="bg1"/>
-          </a:solidFill>
-          <a:ln>
-            <a:solidFill>
-              <a:schemeClr val="tx1"/>
-            </a:solidFill>
-          </a:ln>
-        </p:spPr>
-        <p:style>
-          <a:lnRef idx="2">
-            <a:schemeClr val="accent1">
-              <a:shade val="50000"/>
-            </a:schemeClr>
-          </a:lnRef>
-          <a:fillRef idx="1">
-            <a:schemeClr val="accent1"/>
-          </a:fillRef>
-          <a:effectRef idx="0">
-            <a:schemeClr val="accent1"/>
-          </a:effectRef>
-          <a:fontRef idx="minor">
-            <a:schemeClr val="lt1"/>
-          </a:fontRef>
-        </p:style>
-        <p:txBody>
-          <a:bodyPr rtlCol="0" anchor="ctr"/>
-          <a:lstStyle/>
-          <a:p>
-            <a:pPr algn="ctr"/>
-            <a:endParaRPr lang="en-US" sz="1600" dirty="0">
-              <a:solidFill>
-                <a:schemeClr val="tx1"/>
-              </a:solidFill>
-              <a:latin typeface="Arial" panose="020B0604020202020204" pitchFamily="34" charset="0"/>
-              <a:cs typeface="Arial" panose="020B0604020202020204" pitchFamily="34" charset="0"/>
-            </a:endParaRPr>
-          </a:p>
-        </p:txBody>
-      </p:sp>
-      <p:cxnSp>
-        <p:nvCxnSpPr>
-          <p:cNvPr id="43" name="Straight Connector 42"/>
-          <p:cNvCxnSpPr/>
-          <p:nvPr/>
-        </p:nvCxnSpPr>
-        <p:spPr>
-          <a:xfrm flipV="1">
-            <a:off x="6787400" y="4850408"/>
-            <a:ext cx="70601" cy="312129"/>
-          </a:xfrm>
-          <a:prstGeom prst="line">
-            <a:avLst/>
-          </a:prstGeom>
-          <a:ln w="28575">
-            <a:solidFill>
-              <a:schemeClr val="tx1"/>
-            </a:solidFill>
-          </a:ln>
-        </p:spPr>
-        <p:style>
-          <a:lnRef idx="1">
-            <a:schemeClr val="accent1"/>
-          </a:lnRef>
-          <a:fillRef idx="0">
-            <a:schemeClr val="accent1"/>
-          </a:fillRef>
-          <a:effectRef idx="0">
-            <a:schemeClr val="accent1"/>
-          </a:effectRef>
-          <a:fontRef idx="minor">
-            <a:schemeClr val="tx1"/>
-          </a:fontRef>
-        </p:style>
-      </p:cxnSp>
-      <p:sp>
-        <p:nvSpPr>
-          <p:cNvPr id="46" name="TextBox 45"/>
-          <p:cNvSpPr txBox="1"/>
-          <p:nvPr/>
-        </p:nvSpPr>
-        <p:spPr>
-          <a:xfrm>
-            <a:off x="6655777" y="4587359"/>
-            <a:ext cx="509953" cy="338554"/>
-          </a:xfrm>
-          <a:prstGeom prst="rect">
-            <a:avLst/>
-          </a:prstGeom>
-          <a:noFill/>
-        </p:spPr>
-        <p:txBody>
-          <a:bodyPr wrap="square" rtlCol="0">
-            <a:spAutoFit/>
-          </a:bodyPr>
-          <a:lstStyle/>
-          <a:p>
-            <a:r>
-              <a:rPr lang="en-US" sz="1600" dirty="0" smtClean="0">
-                <a:latin typeface="Arial" panose="020B0604020202020204" pitchFamily="34" charset="0"/>
-                <a:cs typeface="Arial" panose="020B0604020202020204" pitchFamily="34" charset="0"/>
-              </a:rPr>
-              <a:t>14</a:t>
-            </a:r>
-            <a:endParaRPr lang="en-US" dirty="0">
-              <a:latin typeface="Arial" panose="020B0604020202020204" pitchFamily="34" charset="0"/>
-              <a:cs typeface="Arial" panose="020B0604020202020204" pitchFamily="34" charset="0"/>
-            </a:endParaRPr>
-          </a:p>
-        </p:txBody>
-      </p:sp>
-      <p:sp>
-        <p:nvSpPr>
-          <p:cNvPr id="48" name="Oval 47"/>
-          <p:cNvSpPr/>
-          <p:nvPr/>
-        </p:nvSpPr>
-        <p:spPr>
-          <a:xfrm>
-            <a:off x="4563216" y="3147635"/>
-            <a:ext cx="228600" cy="228600"/>
-          </a:xfrm>
-          <a:prstGeom prst="ellipse">
-            <a:avLst/>
-          </a:prstGeom>
-          <a:solidFill>
-            <a:schemeClr val="bg1"/>
-          </a:solidFill>
-          <a:ln>
-            <a:solidFill>
-              <a:schemeClr val="tx1"/>
-            </a:solidFill>
-          </a:ln>
-        </p:spPr>
-        <p:style>
-          <a:lnRef idx="2">
-            <a:schemeClr val="accent1">
-              <a:shade val="50000"/>
-            </a:schemeClr>
-          </a:lnRef>
-          <a:fillRef idx="1">
-            <a:schemeClr val="accent1"/>
-          </a:fillRef>
-          <a:effectRef idx="0">
-            <a:schemeClr val="accent1"/>
-          </a:effectRef>
-          <a:fontRef idx="minor">
-            <a:schemeClr val="lt1"/>
-          </a:fontRef>
-        </p:style>
-        <p:txBody>
-          <a:bodyPr rtlCol="0" anchor="ctr"/>
-          <a:lstStyle/>
-          <a:p>
-            <a:pPr algn="ctr"/>
-            <a:endParaRPr lang="en-US" sz="1600" dirty="0">
-              <a:solidFill>
-                <a:schemeClr val="tx1"/>
-              </a:solidFill>
-              <a:latin typeface="Arial" panose="020B0604020202020204" pitchFamily="34" charset="0"/>
-              <a:cs typeface="Arial" panose="020B0604020202020204" pitchFamily="34" charset="0"/>
-            </a:endParaRPr>
-          </a:p>
-        </p:txBody>
-      </p:sp>
-      <p:sp>
-        <p:nvSpPr>
-          <p:cNvPr id="47" name="TextBox 46"/>
-          <p:cNvSpPr txBox="1"/>
-          <p:nvPr/>
-        </p:nvSpPr>
-        <p:spPr>
-          <a:xfrm>
-            <a:off x="4457705" y="3108010"/>
-            <a:ext cx="509953" cy="338554"/>
-          </a:xfrm>
-          <a:prstGeom prst="rect">
-            <a:avLst/>
-          </a:prstGeom>
-          <a:noFill/>
-        </p:spPr>
-        <p:txBody>
-          <a:bodyPr wrap="square" rtlCol="0">
-            <a:spAutoFit/>
-          </a:bodyPr>
-          <a:lstStyle/>
-          <a:p>
-            <a:r>
-              <a:rPr lang="en-US" sz="1600" dirty="0" smtClean="0">
-                <a:latin typeface="Arial" panose="020B0604020202020204" pitchFamily="34" charset="0"/>
-                <a:cs typeface="Arial" panose="020B0604020202020204" pitchFamily="34" charset="0"/>
-              </a:rPr>
-              <a:t>15</a:t>
-            </a:r>
-            <a:endParaRPr lang="en-US" dirty="0">
-              <a:latin typeface="Arial" panose="020B0604020202020204" pitchFamily="34" charset="0"/>
-              <a:cs typeface="Arial" panose="020B0604020202020204" pitchFamily="34" charset="0"/>
-            </a:endParaRPr>
-          </a:p>
-        </p:txBody>
-      </p:sp>
-      <p:cxnSp>
-        <p:nvCxnSpPr>
-          <p:cNvPr id="49" name="Straight Connector 48"/>
-          <p:cNvCxnSpPr/>
-          <p:nvPr/>
-        </p:nvCxnSpPr>
-        <p:spPr>
-          <a:xfrm flipV="1">
-            <a:off x="4298584" y="3349860"/>
-            <a:ext cx="304321" cy="136329"/>
-          </a:xfrm>
-          <a:prstGeom prst="line">
-            <a:avLst/>
-          </a:prstGeom>
-          <a:ln w="28575">
-            <a:solidFill>
-              <a:schemeClr val="tx1"/>
-            </a:solidFill>
-          </a:ln>
-        </p:spPr>
-        <p:style>
-          <a:lnRef idx="1">
-            <a:schemeClr val="accent1"/>
-          </a:lnRef>
-          <a:fillRef idx="0">
-            <a:schemeClr val="accent1"/>
-          </a:fillRef>
-          <a:effectRef idx="0">
-            <a:schemeClr val="accent1"/>
-          </a:effectRef>
-          <a:fontRef idx="minor">
-            <a:schemeClr val="tx1"/>
-          </a:fontRef>
-        </p:style>
-      </p:cxnSp>
-      <p:pic>
-        <p:nvPicPr>
-          <p:cNvPr id="53" name="Picture 52"/>
-          <p:cNvPicPr>
-            <a:picLocks noChangeAspect="1"/>
-          </p:cNvPicPr>
-          <p:nvPr/>
-        </p:nvPicPr>
-        <p:blipFill rotWithShape="1">
-          <a:blip r:embed="rId3" cstate="print">
-            <a:extLst>
-              <a:ext uri="{28A0092B-C50C-407E-A947-70E740481C1C}">
-                <a14:useLocalDpi xmlns:a14="http://schemas.microsoft.com/office/drawing/2010/main" val="0"/>
-              </a:ext>
-            </a:extLst>
-          </a:blip>
-          <a:srcRect l="3475" t="16402" r="5910"/>
-          <a:stretch/>
-        </p:blipFill>
-        <p:spPr>
-          <a:xfrm>
-            <a:off x="5284042" y="1347445"/>
-            <a:ext cx="1239856" cy="580341"/>
-          </a:xfrm>
-          <a:prstGeom prst="rect">
-            <a:avLst/>
-          </a:prstGeom>
-          <a:ln>
-            <a:solidFill>
-              <a:schemeClr val="tx1"/>
-            </a:solidFill>
-          </a:ln>
-        </p:spPr>
-      </p:pic>
-      <p:sp>
-        <p:nvSpPr>
-          <p:cNvPr id="54" name="TextBox 53"/>
-          <p:cNvSpPr txBox="1"/>
-          <p:nvPr/>
-        </p:nvSpPr>
-        <p:spPr>
-          <a:xfrm>
-            <a:off x="3569676" y="114300"/>
-            <a:ext cx="395654" cy="307777"/>
-          </a:xfrm>
-          <a:prstGeom prst="rect">
-            <a:avLst/>
-          </a:prstGeom>
-          <a:noFill/>
-        </p:spPr>
-        <p:txBody>
-          <a:bodyPr wrap="square" rtlCol="0">
-            <a:spAutoFit/>
-          </a:bodyPr>
-          <a:lstStyle/>
-          <a:p>
-            <a:r>
-              <a:rPr lang="en-US" sz="1400" b="1" dirty="0" smtClean="0">
-                <a:latin typeface="Arial" panose="020B0604020202020204" pitchFamily="34" charset="0"/>
-                <a:cs typeface="Arial" panose="020B0604020202020204" pitchFamily="34" charset="0"/>
-              </a:rPr>
-              <a:t>A)</a:t>
-            </a:r>
-            <a:endParaRPr lang="en-US" sz="1400" b="1" dirty="0">
-              <a:latin typeface="Arial" panose="020B0604020202020204" pitchFamily="34" charset="0"/>
-              <a:cs typeface="Arial" panose="020B0604020202020204" pitchFamily="34" charset="0"/>
-            </a:endParaRPr>
-          </a:p>
-        </p:txBody>
-      </p:sp>
-      <p:sp>
-        <p:nvSpPr>
-          <p:cNvPr id="55" name="TextBox 54"/>
-          <p:cNvSpPr txBox="1"/>
-          <p:nvPr/>
-        </p:nvSpPr>
-        <p:spPr>
-          <a:xfrm>
-            <a:off x="3569676" y="3134458"/>
-            <a:ext cx="395654" cy="307777"/>
-          </a:xfrm>
-          <a:prstGeom prst="rect">
-            <a:avLst/>
-          </a:prstGeom>
-          <a:noFill/>
-        </p:spPr>
-        <p:txBody>
-          <a:bodyPr wrap="square" rtlCol="0">
-            <a:spAutoFit/>
-          </a:bodyPr>
-          <a:lstStyle/>
-          <a:p>
-            <a:r>
-              <a:rPr lang="en-US" sz="1400" b="1" dirty="0" smtClean="0">
-                <a:latin typeface="Arial" panose="020B0604020202020204" pitchFamily="34" charset="0"/>
-                <a:cs typeface="Arial" panose="020B0604020202020204" pitchFamily="34" charset="0"/>
-              </a:rPr>
-              <a:t>B)</a:t>
-            </a:r>
-            <a:endParaRPr lang="en-US" sz="1400" b="1" dirty="0">
-              <a:latin typeface="Arial" panose="020B0604020202020204" pitchFamily="34" charset="0"/>
-              <a:cs typeface="Arial" panose="020B0604020202020204" pitchFamily="34" charset="0"/>
-            </a:endParaRPr>
-          </a:p>
-        </p:txBody>
-      </p:sp>
-    </p:spTree>
-    <p:extLst>
-      <p:ext uri="{BB962C8B-B14F-4D97-AF65-F5344CB8AC3E}">
-        <p14:creationId xmlns:p14="http://schemas.microsoft.com/office/powerpoint/2010/main" val="4029745223"/>
       </p:ext>
     </p:extLst>
   </p:cSld>

--- a/Figures/piecing_together_figs.pptx
+++ b/Figures/piecing_together_figs.pptx
@@ -4,11 +4,16 @@
   <p:sldMasterIdLst>
     <p:sldMasterId id="2147483648" r:id="rId1"/>
   </p:sldMasterIdLst>
+  <p:notesMasterIdLst>
+    <p:notesMasterId r:id="rId8"/>
+  </p:notesMasterIdLst>
   <p:sldIdLst>
     <p:sldId id="256" r:id="rId2"/>
     <p:sldId id="257" r:id="rId3"/>
     <p:sldId id="258" r:id="rId4"/>
     <p:sldId id="259" r:id="rId5"/>
+    <p:sldId id="260" r:id="rId6"/>
+    <p:sldId id="261" r:id="rId7"/>
   </p:sldIdLst>
   <p:sldSz cx="12192000" cy="6858000"/>
   <p:notesSz cx="6858000" cy="9144000"/>
@@ -115,6 +120,532 @@
 </p:presentation>
 </file>
 
+<file path=ppt/notesMasters/notesMaster1.xml><?xml version="1.0" encoding="utf-8"?>
+<p:notesMaster xmlns:a="http://schemas.openxmlformats.org/drawingml/2006/main" xmlns:r="http://schemas.openxmlformats.org/officeDocument/2006/relationships" xmlns:p="http://schemas.openxmlformats.org/presentationml/2006/main">
+  <p:cSld>
+    <p:bg>
+      <p:bgRef idx="1001">
+        <a:schemeClr val="bg1"/>
+      </p:bgRef>
+    </p:bg>
+    <p:spTree>
+      <p:nvGrpSpPr>
+        <p:cNvPr id="1" name=""/>
+        <p:cNvGrpSpPr/>
+        <p:nvPr/>
+      </p:nvGrpSpPr>
+      <p:grpSpPr>
+        <a:xfrm>
+          <a:off x="0" y="0"/>
+          <a:ext cx="0" cy="0"/>
+          <a:chOff x="0" y="0"/>
+          <a:chExt cx="0" cy="0"/>
+        </a:xfrm>
+      </p:grpSpPr>
+      <p:sp>
+        <p:nvSpPr>
+          <p:cNvPr id="2" name="Header Placeholder 1"/>
+          <p:cNvSpPr>
+            <a:spLocks noGrp="1"/>
+          </p:cNvSpPr>
+          <p:nvPr>
+            <p:ph type="hdr" sz="quarter"/>
+          </p:nvPr>
+        </p:nvSpPr>
+        <p:spPr>
+          <a:xfrm>
+            <a:off x="0" y="0"/>
+            <a:ext cx="2971800" cy="458788"/>
+          </a:xfrm>
+          <a:prstGeom prst="rect">
+            <a:avLst/>
+          </a:prstGeom>
+        </p:spPr>
+        <p:txBody>
+          <a:bodyPr vert="horz" lIns="91440" tIns="45720" rIns="91440" bIns="45720" rtlCol="0"/>
+          <a:lstStyle>
+            <a:lvl1pPr algn="l">
+              <a:defRPr sz="1200"/>
+            </a:lvl1pPr>
+          </a:lstStyle>
+          <a:p>
+            <a:endParaRPr lang="en-US"/>
+          </a:p>
+        </p:txBody>
+      </p:sp>
+      <p:sp>
+        <p:nvSpPr>
+          <p:cNvPr id="3" name="Date Placeholder 2"/>
+          <p:cNvSpPr>
+            <a:spLocks noGrp="1"/>
+          </p:cNvSpPr>
+          <p:nvPr>
+            <p:ph type="dt" idx="1"/>
+          </p:nvPr>
+        </p:nvSpPr>
+        <p:spPr>
+          <a:xfrm>
+            <a:off x="3884613" y="0"/>
+            <a:ext cx="2971800" cy="458788"/>
+          </a:xfrm>
+          <a:prstGeom prst="rect">
+            <a:avLst/>
+          </a:prstGeom>
+        </p:spPr>
+        <p:txBody>
+          <a:bodyPr vert="horz" lIns="91440" tIns="45720" rIns="91440" bIns="45720" rtlCol="0"/>
+          <a:lstStyle>
+            <a:lvl1pPr algn="r">
+              <a:defRPr sz="1200"/>
+            </a:lvl1pPr>
+          </a:lstStyle>
+          <a:p>
+            <a:fld id="{E21A01C1-7195-4936-AB8D-A0C52A614CAA}" type="datetimeFigureOut">
+              <a:rPr lang="en-US" smtClean="0"/>
+              <a:t>6/4/2021</a:t>
+            </a:fld>
+            <a:endParaRPr lang="en-US"/>
+          </a:p>
+        </p:txBody>
+      </p:sp>
+      <p:sp>
+        <p:nvSpPr>
+          <p:cNvPr id="4" name="Slide Image Placeholder 3"/>
+          <p:cNvSpPr>
+            <a:spLocks noGrp="1" noRot="1" noChangeAspect="1"/>
+          </p:cNvSpPr>
+          <p:nvPr>
+            <p:ph type="sldImg" idx="2"/>
+          </p:nvPr>
+        </p:nvSpPr>
+        <p:spPr>
+          <a:xfrm>
+            <a:off x="685800" y="1143000"/>
+            <a:ext cx="5486400" cy="3086100"/>
+          </a:xfrm>
+          <a:prstGeom prst="rect">
+            <a:avLst/>
+          </a:prstGeom>
+          <a:noFill/>
+          <a:ln w="12700">
+            <a:solidFill>
+              <a:prstClr val="black"/>
+            </a:solidFill>
+          </a:ln>
+        </p:spPr>
+        <p:txBody>
+          <a:bodyPr vert="horz" lIns="91440" tIns="45720" rIns="91440" bIns="45720" rtlCol="0" anchor="ctr"/>
+          <a:lstStyle/>
+          <a:p>
+            <a:endParaRPr lang="en-US"/>
+          </a:p>
+        </p:txBody>
+      </p:sp>
+      <p:sp>
+        <p:nvSpPr>
+          <p:cNvPr id="5" name="Notes Placeholder 4"/>
+          <p:cNvSpPr>
+            <a:spLocks noGrp="1"/>
+          </p:cNvSpPr>
+          <p:nvPr>
+            <p:ph type="body" sz="quarter" idx="3"/>
+          </p:nvPr>
+        </p:nvSpPr>
+        <p:spPr>
+          <a:xfrm>
+            <a:off x="685800" y="4400550"/>
+            <a:ext cx="5486400" cy="3600450"/>
+          </a:xfrm>
+          <a:prstGeom prst="rect">
+            <a:avLst/>
+          </a:prstGeom>
+        </p:spPr>
+        <p:txBody>
+          <a:bodyPr vert="horz" lIns="91440" tIns="45720" rIns="91440" bIns="45720" rtlCol="0"/>
+          <a:lstStyle/>
+          <a:p>
+            <a:pPr lvl="0"/>
+            <a:r>
+              <a:rPr lang="en-US" smtClean="0"/>
+              <a:t>Edit Master text styles</a:t>
+            </a:r>
+          </a:p>
+          <a:p>
+            <a:pPr lvl="1"/>
+            <a:r>
+              <a:rPr lang="en-US" smtClean="0"/>
+              <a:t>Second level</a:t>
+            </a:r>
+          </a:p>
+          <a:p>
+            <a:pPr lvl="2"/>
+            <a:r>
+              <a:rPr lang="en-US" smtClean="0"/>
+              <a:t>Third level</a:t>
+            </a:r>
+          </a:p>
+          <a:p>
+            <a:pPr lvl="3"/>
+            <a:r>
+              <a:rPr lang="en-US" smtClean="0"/>
+              <a:t>Fourth level</a:t>
+            </a:r>
+          </a:p>
+          <a:p>
+            <a:pPr lvl="4"/>
+            <a:r>
+              <a:rPr lang="en-US" smtClean="0"/>
+              <a:t>Fifth level</a:t>
+            </a:r>
+            <a:endParaRPr lang="en-US"/>
+          </a:p>
+        </p:txBody>
+      </p:sp>
+      <p:sp>
+        <p:nvSpPr>
+          <p:cNvPr id="6" name="Footer Placeholder 5"/>
+          <p:cNvSpPr>
+            <a:spLocks noGrp="1"/>
+          </p:cNvSpPr>
+          <p:nvPr>
+            <p:ph type="ftr" sz="quarter" idx="4"/>
+          </p:nvPr>
+        </p:nvSpPr>
+        <p:spPr>
+          <a:xfrm>
+            <a:off x="0" y="8685213"/>
+            <a:ext cx="2971800" cy="458787"/>
+          </a:xfrm>
+          <a:prstGeom prst="rect">
+            <a:avLst/>
+          </a:prstGeom>
+        </p:spPr>
+        <p:txBody>
+          <a:bodyPr vert="horz" lIns="91440" tIns="45720" rIns="91440" bIns="45720" rtlCol="0" anchor="b"/>
+          <a:lstStyle>
+            <a:lvl1pPr algn="l">
+              <a:defRPr sz="1200"/>
+            </a:lvl1pPr>
+          </a:lstStyle>
+          <a:p>
+            <a:endParaRPr lang="en-US"/>
+          </a:p>
+        </p:txBody>
+      </p:sp>
+      <p:sp>
+        <p:nvSpPr>
+          <p:cNvPr id="7" name="Slide Number Placeholder 6"/>
+          <p:cNvSpPr>
+            <a:spLocks noGrp="1"/>
+          </p:cNvSpPr>
+          <p:nvPr>
+            <p:ph type="sldNum" sz="quarter" idx="5"/>
+          </p:nvPr>
+        </p:nvSpPr>
+        <p:spPr>
+          <a:xfrm>
+            <a:off x="3884613" y="8685213"/>
+            <a:ext cx="2971800" cy="458787"/>
+          </a:xfrm>
+          <a:prstGeom prst="rect">
+            <a:avLst/>
+          </a:prstGeom>
+        </p:spPr>
+        <p:txBody>
+          <a:bodyPr vert="horz" lIns="91440" tIns="45720" rIns="91440" bIns="45720" rtlCol="0" anchor="b"/>
+          <a:lstStyle>
+            <a:lvl1pPr algn="r">
+              <a:defRPr sz="1200"/>
+            </a:lvl1pPr>
+          </a:lstStyle>
+          <a:p>
+            <a:fld id="{EFDBF8D5-4350-463B-A2B4-1E2606131506}" type="slidenum">
+              <a:rPr lang="en-US" smtClean="0"/>
+              <a:t>‹#›</a:t>
+            </a:fld>
+            <a:endParaRPr lang="en-US"/>
+          </a:p>
+        </p:txBody>
+      </p:sp>
+    </p:spTree>
+    <p:extLst>
+      <p:ext uri="{BB962C8B-B14F-4D97-AF65-F5344CB8AC3E}">
+        <p14:creationId xmlns:p14="http://schemas.microsoft.com/office/powerpoint/2010/main" val="1529750138"/>
+      </p:ext>
+    </p:extLst>
+  </p:cSld>
+  <p:clrMap bg1="lt1" tx1="dk1" bg2="lt2" tx2="dk2" accent1="accent1" accent2="accent2" accent3="accent3" accent4="accent4" accent5="accent5" accent6="accent6" hlink="hlink" folHlink="folHlink"/>
+  <p:notesStyle>
+    <a:lvl1pPr marL="0" algn="l" defTabSz="914400" rtl="0" eaLnBrk="1" latinLnBrk="0" hangingPunct="1">
+      <a:defRPr sz="1200" kern="1200">
+        <a:solidFill>
+          <a:schemeClr val="tx1"/>
+        </a:solidFill>
+        <a:latin typeface="+mn-lt"/>
+        <a:ea typeface="+mn-ea"/>
+        <a:cs typeface="+mn-cs"/>
+      </a:defRPr>
+    </a:lvl1pPr>
+    <a:lvl2pPr marL="457200" algn="l" defTabSz="914400" rtl="0" eaLnBrk="1" latinLnBrk="0" hangingPunct="1">
+      <a:defRPr sz="1200" kern="1200">
+        <a:solidFill>
+          <a:schemeClr val="tx1"/>
+        </a:solidFill>
+        <a:latin typeface="+mn-lt"/>
+        <a:ea typeface="+mn-ea"/>
+        <a:cs typeface="+mn-cs"/>
+      </a:defRPr>
+    </a:lvl2pPr>
+    <a:lvl3pPr marL="914400" algn="l" defTabSz="914400" rtl="0" eaLnBrk="1" latinLnBrk="0" hangingPunct="1">
+      <a:defRPr sz="1200" kern="1200">
+        <a:solidFill>
+          <a:schemeClr val="tx1"/>
+        </a:solidFill>
+        <a:latin typeface="+mn-lt"/>
+        <a:ea typeface="+mn-ea"/>
+        <a:cs typeface="+mn-cs"/>
+      </a:defRPr>
+    </a:lvl3pPr>
+    <a:lvl4pPr marL="1371600" algn="l" defTabSz="914400" rtl="0" eaLnBrk="1" latinLnBrk="0" hangingPunct="1">
+      <a:defRPr sz="1200" kern="1200">
+        <a:solidFill>
+          <a:schemeClr val="tx1"/>
+        </a:solidFill>
+        <a:latin typeface="+mn-lt"/>
+        <a:ea typeface="+mn-ea"/>
+        <a:cs typeface="+mn-cs"/>
+      </a:defRPr>
+    </a:lvl4pPr>
+    <a:lvl5pPr marL="1828800" algn="l" defTabSz="914400" rtl="0" eaLnBrk="1" latinLnBrk="0" hangingPunct="1">
+      <a:defRPr sz="1200" kern="1200">
+        <a:solidFill>
+          <a:schemeClr val="tx1"/>
+        </a:solidFill>
+        <a:latin typeface="+mn-lt"/>
+        <a:ea typeface="+mn-ea"/>
+        <a:cs typeface="+mn-cs"/>
+      </a:defRPr>
+    </a:lvl5pPr>
+    <a:lvl6pPr marL="2286000" algn="l" defTabSz="914400" rtl="0" eaLnBrk="1" latinLnBrk="0" hangingPunct="1">
+      <a:defRPr sz="1200" kern="1200">
+        <a:solidFill>
+          <a:schemeClr val="tx1"/>
+        </a:solidFill>
+        <a:latin typeface="+mn-lt"/>
+        <a:ea typeface="+mn-ea"/>
+        <a:cs typeface="+mn-cs"/>
+      </a:defRPr>
+    </a:lvl6pPr>
+    <a:lvl7pPr marL="2743200" algn="l" defTabSz="914400" rtl="0" eaLnBrk="1" latinLnBrk="0" hangingPunct="1">
+      <a:defRPr sz="1200" kern="1200">
+        <a:solidFill>
+          <a:schemeClr val="tx1"/>
+        </a:solidFill>
+        <a:latin typeface="+mn-lt"/>
+        <a:ea typeface="+mn-ea"/>
+        <a:cs typeface="+mn-cs"/>
+      </a:defRPr>
+    </a:lvl7pPr>
+    <a:lvl8pPr marL="3200400" algn="l" defTabSz="914400" rtl="0" eaLnBrk="1" latinLnBrk="0" hangingPunct="1">
+      <a:defRPr sz="1200" kern="1200">
+        <a:solidFill>
+          <a:schemeClr val="tx1"/>
+        </a:solidFill>
+        <a:latin typeface="+mn-lt"/>
+        <a:ea typeface="+mn-ea"/>
+        <a:cs typeface="+mn-cs"/>
+      </a:defRPr>
+    </a:lvl8pPr>
+    <a:lvl9pPr marL="3657600" algn="l" defTabSz="914400" rtl="0" eaLnBrk="1" latinLnBrk="0" hangingPunct="1">
+      <a:defRPr sz="1200" kern="1200">
+        <a:solidFill>
+          <a:schemeClr val="tx1"/>
+        </a:solidFill>
+        <a:latin typeface="+mn-lt"/>
+        <a:ea typeface="+mn-ea"/>
+        <a:cs typeface="+mn-cs"/>
+      </a:defRPr>
+    </a:lvl9pPr>
+  </p:notesStyle>
+</p:notesMaster>
+</file>
+
+<file path=ppt/notesSlides/notesSlide1.xml><?xml version="1.0" encoding="utf-8"?>
+<p:notes xmlns:a="http://schemas.openxmlformats.org/drawingml/2006/main" xmlns:r="http://schemas.openxmlformats.org/officeDocument/2006/relationships" xmlns:p="http://schemas.openxmlformats.org/presentationml/2006/main">
+  <p:cSld>
+    <p:spTree>
+      <p:nvGrpSpPr>
+        <p:cNvPr id="1" name=""/>
+        <p:cNvGrpSpPr/>
+        <p:nvPr/>
+      </p:nvGrpSpPr>
+      <p:grpSpPr>
+        <a:xfrm>
+          <a:off x="0" y="0"/>
+          <a:ext cx="0" cy="0"/>
+          <a:chOff x="0" y="0"/>
+          <a:chExt cx="0" cy="0"/>
+        </a:xfrm>
+      </p:grpSpPr>
+      <p:sp>
+        <p:nvSpPr>
+          <p:cNvPr id="2" name="Slide Image Placeholder 1"/>
+          <p:cNvSpPr>
+            <a:spLocks noGrp="1" noRot="1" noChangeAspect="1"/>
+          </p:cNvSpPr>
+          <p:nvPr>
+            <p:ph type="sldImg"/>
+          </p:nvPr>
+        </p:nvSpPr>
+        <p:spPr/>
+      </p:sp>
+      <p:sp>
+        <p:nvSpPr>
+          <p:cNvPr id="3" name="Notes Placeholder 2"/>
+          <p:cNvSpPr>
+            <a:spLocks noGrp="1"/>
+          </p:cNvSpPr>
+          <p:nvPr>
+            <p:ph type="body" idx="1"/>
+          </p:nvPr>
+        </p:nvSpPr>
+        <p:spPr/>
+        <p:txBody>
+          <a:bodyPr/>
+          <a:lstStyle/>
+          <a:p>
+            <a:r>
+              <a:rPr lang="en-US" dirty="0" smtClean="0"/>
+              <a:t>WITH DAM RATE</a:t>
+            </a:r>
+            <a:endParaRPr lang="en-US" dirty="0"/>
+          </a:p>
+        </p:txBody>
+      </p:sp>
+      <p:sp>
+        <p:nvSpPr>
+          <p:cNvPr id="4" name="Slide Number Placeholder 3"/>
+          <p:cNvSpPr>
+            <a:spLocks noGrp="1"/>
+          </p:cNvSpPr>
+          <p:nvPr>
+            <p:ph type="sldNum" sz="quarter" idx="10"/>
+          </p:nvPr>
+        </p:nvSpPr>
+        <p:spPr/>
+        <p:txBody>
+          <a:bodyPr/>
+          <a:lstStyle/>
+          <a:p>
+            <a:fld id="{EFDBF8D5-4350-463B-A2B4-1E2606131506}" type="slidenum">
+              <a:rPr lang="en-US" smtClean="0"/>
+              <a:t>5</a:t>
+            </a:fld>
+            <a:endParaRPr lang="en-US"/>
+          </a:p>
+        </p:txBody>
+      </p:sp>
+    </p:spTree>
+    <p:extLst>
+      <p:ext uri="{BB962C8B-B14F-4D97-AF65-F5344CB8AC3E}">
+        <p14:creationId xmlns:p14="http://schemas.microsoft.com/office/powerpoint/2010/main" val="3319894018"/>
+      </p:ext>
+    </p:extLst>
+  </p:cSld>
+  <p:clrMapOvr>
+    <a:masterClrMapping/>
+  </p:clrMapOvr>
+</p:notes>
+</file>
+
+<file path=ppt/notesSlides/notesSlide2.xml><?xml version="1.0" encoding="utf-8"?>
+<p:notes xmlns:a="http://schemas.openxmlformats.org/drawingml/2006/main" xmlns:r="http://schemas.openxmlformats.org/officeDocument/2006/relationships" xmlns:p="http://schemas.openxmlformats.org/presentationml/2006/main">
+  <p:cSld>
+    <p:spTree>
+      <p:nvGrpSpPr>
+        <p:cNvPr id="1" name=""/>
+        <p:cNvGrpSpPr/>
+        <p:nvPr/>
+      </p:nvGrpSpPr>
+      <p:grpSpPr>
+        <a:xfrm>
+          <a:off x="0" y="0"/>
+          <a:ext cx="0" cy="0"/>
+          <a:chOff x="0" y="0"/>
+          <a:chExt cx="0" cy="0"/>
+        </a:xfrm>
+      </p:grpSpPr>
+      <p:sp>
+        <p:nvSpPr>
+          <p:cNvPr id="2" name="Slide Image Placeholder 1"/>
+          <p:cNvSpPr>
+            <a:spLocks noGrp="1" noRot="1" noChangeAspect="1"/>
+          </p:cNvSpPr>
+          <p:nvPr>
+            <p:ph type="sldImg"/>
+          </p:nvPr>
+        </p:nvSpPr>
+        <p:spPr/>
+      </p:sp>
+      <p:sp>
+        <p:nvSpPr>
+          <p:cNvPr id="3" name="Notes Placeholder 2"/>
+          <p:cNvSpPr>
+            <a:spLocks noGrp="1"/>
+          </p:cNvSpPr>
+          <p:nvPr>
+            <p:ph type="body" idx="1"/>
+          </p:nvPr>
+        </p:nvSpPr>
+        <p:spPr/>
+        <p:txBody>
+          <a:bodyPr/>
+          <a:lstStyle/>
+          <a:p>
+            <a:r>
+              <a:rPr lang="en-US" dirty="0" smtClean="0"/>
+              <a:t>WITH DAM RATE</a:t>
+            </a:r>
+            <a:endParaRPr lang="en-US" dirty="0"/>
+          </a:p>
+        </p:txBody>
+      </p:sp>
+      <p:sp>
+        <p:nvSpPr>
+          <p:cNvPr id="4" name="Slide Number Placeholder 3"/>
+          <p:cNvSpPr>
+            <a:spLocks noGrp="1"/>
+          </p:cNvSpPr>
+          <p:nvPr>
+            <p:ph type="sldNum" sz="quarter" idx="10"/>
+          </p:nvPr>
+        </p:nvSpPr>
+        <p:spPr/>
+        <p:txBody>
+          <a:bodyPr/>
+          <a:lstStyle/>
+          <a:p>
+            <a:fld id="{EFDBF8D5-4350-463B-A2B4-1E2606131506}" type="slidenum">
+              <a:rPr lang="en-US" smtClean="0"/>
+              <a:t>6</a:t>
+            </a:fld>
+            <a:endParaRPr lang="en-US"/>
+          </a:p>
+        </p:txBody>
+      </p:sp>
+    </p:spTree>
+    <p:extLst>
+      <p:ext uri="{BB962C8B-B14F-4D97-AF65-F5344CB8AC3E}">
+        <p14:creationId xmlns:p14="http://schemas.microsoft.com/office/powerpoint/2010/main" val="3464375201"/>
+      </p:ext>
+    </p:extLst>
+  </p:cSld>
+  <p:clrMapOvr>
+    <a:masterClrMapping/>
+  </p:clrMapOvr>
+</p:notes>
+</file>
+
 <file path=ppt/slideLayouts/slideLayout1.xml><?xml version="1.0" encoding="utf-8"?>
 <p:sldLayout xmlns:a="http://schemas.openxmlformats.org/drawingml/2006/main" xmlns:r="http://schemas.openxmlformats.org/officeDocument/2006/relationships" xmlns:p="http://schemas.openxmlformats.org/presentationml/2006/main" type="title" preserve="1">
   <p:cSld name="Title Slide">
@@ -246,7 +777,7 @@
           <a:p>
             <a:fld id="{24F71ACE-7A2E-44C7-BEB0-E2DBFE9F86D8}" type="datetimeFigureOut">
               <a:rPr lang="en-US" smtClean="0"/>
-              <a:t>5/28/2021</a:t>
+              <a:t>6/4/2021</a:t>
             </a:fld>
             <a:endParaRPr lang="en-US"/>
           </a:p>
@@ -416,7 +947,7 @@
           <a:p>
             <a:fld id="{24F71ACE-7A2E-44C7-BEB0-E2DBFE9F86D8}" type="datetimeFigureOut">
               <a:rPr lang="en-US" smtClean="0"/>
-              <a:t>5/28/2021</a:t>
+              <a:t>6/4/2021</a:t>
             </a:fld>
             <a:endParaRPr lang="en-US"/>
           </a:p>
@@ -596,7 +1127,7 @@
           <a:p>
             <a:fld id="{24F71ACE-7A2E-44C7-BEB0-E2DBFE9F86D8}" type="datetimeFigureOut">
               <a:rPr lang="en-US" smtClean="0"/>
-              <a:t>5/28/2021</a:t>
+              <a:t>6/4/2021</a:t>
             </a:fld>
             <a:endParaRPr lang="en-US"/>
           </a:p>
@@ -766,7 +1297,7 @@
           <a:p>
             <a:fld id="{24F71ACE-7A2E-44C7-BEB0-E2DBFE9F86D8}" type="datetimeFigureOut">
               <a:rPr lang="en-US" smtClean="0"/>
-              <a:t>5/28/2021</a:t>
+              <a:t>6/4/2021</a:t>
             </a:fld>
             <a:endParaRPr lang="en-US"/>
           </a:p>
@@ -1012,7 +1543,7 @@
           <a:p>
             <a:fld id="{24F71ACE-7A2E-44C7-BEB0-E2DBFE9F86D8}" type="datetimeFigureOut">
               <a:rPr lang="en-US" smtClean="0"/>
-              <a:t>5/28/2021</a:t>
+              <a:t>6/4/2021</a:t>
             </a:fld>
             <a:endParaRPr lang="en-US"/>
           </a:p>
@@ -1244,7 +1775,7 @@
           <a:p>
             <a:fld id="{24F71ACE-7A2E-44C7-BEB0-E2DBFE9F86D8}" type="datetimeFigureOut">
               <a:rPr lang="en-US" smtClean="0"/>
-              <a:t>5/28/2021</a:t>
+              <a:t>6/4/2021</a:t>
             </a:fld>
             <a:endParaRPr lang="en-US"/>
           </a:p>
@@ -1611,7 +2142,7 @@
           <a:p>
             <a:fld id="{24F71ACE-7A2E-44C7-BEB0-E2DBFE9F86D8}" type="datetimeFigureOut">
               <a:rPr lang="en-US" smtClean="0"/>
-              <a:t>5/28/2021</a:t>
+              <a:t>6/4/2021</a:t>
             </a:fld>
             <a:endParaRPr lang="en-US"/>
           </a:p>
@@ -1729,7 +2260,7 @@
           <a:p>
             <a:fld id="{24F71ACE-7A2E-44C7-BEB0-E2DBFE9F86D8}" type="datetimeFigureOut">
               <a:rPr lang="en-US" smtClean="0"/>
-              <a:t>5/28/2021</a:t>
+              <a:t>6/4/2021</a:t>
             </a:fld>
             <a:endParaRPr lang="en-US"/>
           </a:p>
@@ -1824,7 +2355,7 @@
           <a:p>
             <a:fld id="{24F71ACE-7A2E-44C7-BEB0-E2DBFE9F86D8}" type="datetimeFigureOut">
               <a:rPr lang="en-US" smtClean="0"/>
-              <a:t>5/28/2021</a:t>
+              <a:t>6/4/2021</a:t>
             </a:fld>
             <a:endParaRPr lang="en-US"/>
           </a:p>
@@ -2101,7 +2632,7 @@
           <a:p>
             <a:fld id="{24F71ACE-7A2E-44C7-BEB0-E2DBFE9F86D8}" type="datetimeFigureOut">
               <a:rPr lang="en-US" smtClean="0"/>
-              <a:t>5/28/2021</a:t>
+              <a:t>6/4/2021</a:t>
             </a:fld>
             <a:endParaRPr lang="en-US"/>
           </a:p>
@@ -2354,7 +2885,7 @@
           <a:p>
             <a:fld id="{24F71ACE-7A2E-44C7-BEB0-E2DBFE9F86D8}" type="datetimeFigureOut">
               <a:rPr lang="en-US" smtClean="0"/>
-              <a:t>5/28/2021</a:t>
+              <a:t>6/4/2021</a:t>
             </a:fld>
             <a:endParaRPr lang="en-US"/>
           </a:p>
@@ -2567,7 +3098,7 @@
           <a:p>
             <a:fld id="{24F71ACE-7A2E-44C7-BEB0-E2DBFE9F86D8}" type="datetimeFigureOut">
               <a:rPr lang="en-US" smtClean="0"/>
-              <a:t>5/28/2021</a:t>
+              <a:t>6/4/2021</a:t>
             </a:fld>
             <a:endParaRPr lang="en-US"/>
           </a:p>
@@ -5016,6 +5547,4575 @@
 </p:sld>
 </file>
 
+<file path=ppt/slides/slide5.xml><?xml version="1.0" encoding="utf-8"?>
+<p:sld xmlns:a="http://schemas.openxmlformats.org/drawingml/2006/main" xmlns:r="http://schemas.openxmlformats.org/officeDocument/2006/relationships" xmlns:p="http://schemas.openxmlformats.org/presentationml/2006/main">
+  <p:cSld>
+    <p:spTree>
+      <p:nvGrpSpPr>
+        <p:cNvPr id="1" name=""/>
+        <p:cNvGrpSpPr/>
+        <p:nvPr/>
+      </p:nvGrpSpPr>
+      <p:grpSpPr>
+        <a:xfrm>
+          <a:off x="0" y="0"/>
+          <a:ext cx="0" cy="0"/>
+          <a:chOff x="0" y="0"/>
+          <a:chExt cx="0" cy="0"/>
+        </a:xfrm>
+      </p:grpSpPr>
+      <p:pic>
+        <p:nvPicPr>
+          <p:cNvPr id="100" name="Picture 99"/>
+          <p:cNvPicPr>
+            <a:picLocks noChangeAspect="1"/>
+          </p:cNvPicPr>
+          <p:nvPr/>
+        </p:nvPicPr>
+        <p:blipFill>
+          <a:blip r:embed="rId3" cstate="print">
+            <a:extLst>
+              <a:ext uri="{28A0092B-C50C-407E-A947-70E740481C1C}">
+                <a14:useLocalDpi xmlns:a14="http://schemas.microsoft.com/office/drawing/2010/main" val="0"/>
+              </a:ext>
+            </a:extLst>
+          </a:blip>
+          <a:stretch>
+            <a:fillRect/>
+          </a:stretch>
+        </p:blipFill>
+        <p:spPr>
+          <a:xfrm>
+            <a:off x="3446318" y="0"/>
+            <a:ext cx="5299364" cy="6858000"/>
+          </a:xfrm>
+          <a:prstGeom prst="rect">
+            <a:avLst/>
+          </a:prstGeom>
+        </p:spPr>
+      </p:pic>
+      <p:pic>
+        <p:nvPicPr>
+          <p:cNvPr id="5" name="Picture 4"/>
+          <p:cNvPicPr>
+            <a:picLocks noChangeAspect="1"/>
+          </p:cNvPicPr>
+          <p:nvPr/>
+        </p:nvPicPr>
+        <p:blipFill>
+          <a:blip r:embed="rId4" cstate="print">
+            <a:extLst>
+              <a:ext uri="{28A0092B-C50C-407E-A947-70E740481C1C}">
+                <a14:useLocalDpi xmlns:a14="http://schemas.microsoft.com/office/drawing/2010/main" val="0"/>
+              </a:ext>
+            </a:extLst>
+          </a:blip>
+          <a:stretch>
+            <a:fillRect/>
+          </a:stretch>
+        </p:blipFill>
+        <p:spPr>
+          <a:xfrm>
+            <a:off x="5001216" y="3206699"/>
+            <a:ext cx="1369815" cy="978439"/>
+          </a:xfrm>
+          <a:prstGeom prst="rect">
+            <a:avLst/>
+          </a:prstGeom>
+          <a:ln>
+            <a:solidFill>
+              <a:schemeClr val="tx1"/>
+            </a:solidFill>
+          </a:ln>
+        </p:spPr>
+      </p:pic>
+      <p:sp>
+        <p:nvSpPr>
+          <p:cNvPr id="30" name="Oval 29"/>
+          <p:cNvSpPr/>
+          <p:nvPr/>
+        </p:nvSpPr>
+        <p:spPr>
+          <a:xfrm>
+            <a:off x="6910749" y="5618275"/>
+            <a:ext cx="228600" cy="228600"/>
+          </a:xfrm>
+          <a:prstGeom prst="ellipse">
+            <a:avLst/>
+          </a:prstGeom>
+          <a:solidFill>
+            <a:schemeClr val="bg1"/>
+          </a:solidFill>
+          <a:ln>
+            <a:solidFill>
+              <a:schemeClr val="tx1"/>
+            </a:solidFill>
+          </a:ln>
+        </p:spPr>
+        <p:style>
+          <a:lnRef idx="2">
+            <a:schemeClr val="accent1">
+              <a:shade val="50000"/>
+            </a:schemeClr>
+          </a:lnRef>
+          <a:fillRef idx="1">
+            <a:schemeClr val="accent1"/>
+          </a:fillRef>
+          <a:effectRef idx="0">
+            <a:schemeClr val="accent1"/>
+          </a:effectRef>
+          <a:fontRef idx="minor">
+            <a:schemeClr val="lt1"/>
+          </a:fontRef>
+        </p:style>
+        <p:txBody>
+          <a:bodyPr rtlCol="0" anchor="ctr"/>
+          <a:lstStyle/>
+          <a:p>
+            <a:pPr algn="ctr"/>
+            <a:r>
+              <a:rPr lang="en-US" sz="1600" dirty="0" smtClean="0">
+                <a:solidFill>
+                  <a:schemeClr val="tx1"/>
+                </a:solidFill>
+                <a:latin typeface="Arial" panose="020B0604020202020204" pitchFamily="34" charset="0"/>
+                <a:cs typeface="Arial" panose="020B0604020202020204" pitchFamily="34" charset="0"/>
+              </a:rPr>
+              <a:t>1</a:t>
+            </a:r>
+            <a:endParaRPr lang="en-US" sz="1600" dirty="0">
+              <a:solidFill>
+                <a:schemeClr val="tx1"/>
+              </a:solidFill>
+              <a:latin typeface="Arial" panose="020B0604020202020204" pitchFamily="34" charset="0"/>
+              <a:cs typeface="Arial" panose="020B0604020202020204" pitchFamily="34" charset="0"/>
+            </a:endParaRPr>
+          </a:p>
+        </p:txBody>
+      </p:sp>
+      <p:sp>
+        <p:nvSpPr>
+          <p:cNvPr id="31" name="Oval 30"/>
+          <p:cNvSpPr/>
+          <p:nvPr/>
+        </p:nvSpPr>
+        <p:spPr>
+          <a:xfrm>
+            <a:off x="7617072" y="4337528"/>
+            <a:ext cx="228600" cy="228600"/>
+          </a:xfrm>
+          <a:prstGeom prst="ellipse">
+            <a:avLst/>
+          </a:prstGeom>
+          <a:solidFill>
+            <a:schemeClr val="bg1"/>
+          </a:solidFill>
+          <a:ln>
+            <a:solidFill>
+              <a:schemeClr val="tx1"/>
+            </a:solidFill>
+          </a:ln>
+        </p:spPr>
+        <p:style>
+          <a:lnRef idx="2">
+            <a:schemeClr val="accent1">
+              <a:shade val="50000"/>
+            </a:schemeClr>
+          </a:lnRef>
+          <a:fillRef idx="1">
+            <a:schemeClr val="accent1"/>
+          </a:fillRef>
+          <a:effectRef idx="0">
+            <a:schemeClr val="accent1"/>
+          </a:effectRef>
+          <a:fontRef idx="minor">
+            <a:schemeClr val="lt1"/>
+          </a:fontRef>
+        </p:style>
+        <p:txBody>
+          <a:bodyPr rtlCol="0" anchor="ctr"/>
+          <a:lstStyle/>
+          <a:p>
+            <a:pPr algn="ctr"/>
+            <a:r>
+              <a:rPr lang="en-US" sz="1600" dirty="0">
+                <a:solidFill>
+                  <a:schemeClr val="tx1"/>
+                </a:solidFill>
+                <a:latin typeface="Arial" panose="020B0604020202020204" pitchFamily="34" charset="0"/>
+                <a:cs typeface="Arial" panose="020B0604020202020204" pitchFamily="34" charset="0"/>
+              </a:rPr>
+              <a:t>4</a:t>
+            </a:r>
+            <a:endParaRPr lang="en-US" sz="1600" dirty="0">
+              <a:solidFill>
+                <a:schemeClr val="tx1"/>
+              </a:solidFill>
+              <a:latin typeface="Arial" panose="020B0604020202020204" pitchFamily="34" charset="0"/>
+              <a:cs typeface="Arial" panose="020B0604020202020204" pitchFamily="34" charset="0"/>
+            </a:endParaRPr>
+          </a:p>
+        </p:txBody>
+      </p:sp>
+      <p:cxnSp>
+        <p:nvCxnSpPr>
+          <p:cNvPr id="32" name="Straight Connector 31"/>
+          <p:cNvCxnSpPr>
+            <a:stCxn id="31" idx="2"/>
+          </p:cNvCxnSpPr>
+          <p:nvPr/>
+        </p:nvCxnSpPr>
+        <p:spPr>
+          <a:xfrm flipH="1">
+            <a:off x="7280031" y="4451828"/>
+            <a:ext cx="337041" cy="5872"/>
+          </a:xfrm>
+          <a:prstGeom prst="line">
+            <a:avLst/>
+          </a:prstGeom>
+          <a:ln w="28575">
+            <a:solidFill>
+              <a:schemeClr val="tx1"/>
+            </a:solidFill>
+          </a:ln>
+        </p:spPr>
+        <p:style>
+          <a:lnRef idx="1">
+            <a:schemeClr val="accent1"/>
+          </a:lnRef>
+          <a:fillRef idx="0">
+            <a:schemeClr val="accent1"/>
+          </a:fillRef>
+          <a:effectRef idx="0">
+            <a:schemeClr val="accent1"/>
+          </a:effectRef>
+          <a:fontRef idx="minor">
+            <a:schemeClr val="tx1"/>
+          </a:fontRef>
+        </p:style>
+      </p:cxnSp>
+      <p:sp>
+        <p:nvSpPr>
+          <p:cNvPr id="33" name="Oval 32"/>
+          <p:cNvSpPr/>
+          <p:nvPr/>
+        </p:nvSpPr>
+        <p:spPr>
+          <a:xfrm>
+            <a:off x="7663966" y="4621808"/>
+            <a:ext cx="228600" cy="228600"/>
+          </a:xfrm>
+          <a:prstGeom prst="ellipse">
+            <a:avLst/>
+          </a:prstGeom>
+          <a:solidFill>
+            <a:schemeClr val="bg1"/>
+          </a:solidFill>
+          <a:ln>
+            <a:solidFill>
+              <a:schemeClr val="tx1"/>
+            </a:solidFill>
+          </a:ln>
+        </p:spPr>
+        <p:style>
+          <a:lnRef idx="2">
+            <a:schemeClr val="accent1">
+              <a:shade val="50000"/>
+            </a:schemeClr>
+          </a:lnRef>
+          <a:fillRef idx="1">
+            <a:schemeClr val="accent1"/>
+          </a:fillRef>
+          <a:effectRef idx="0">
+            <a:schemeClr val="accent1"/>
+          </a:effectRef>
+          <a:fontRef idx="minor">
+            <a:schemeClr val="lt1"/>
+          </a:fontRef>
+        </p:style>
+        <p:txBody>
+          <a:bodyPr rtlCol="0" anchor="ctr"/>
+          <a:lstStyle/>
+          <a:p>
+            <a:pPr algn="ctr"/>
+            <a:r>
+              <a:rPr lang="en-US" sz="1600" dirty="0" smtClean="0">
+                <a:solidFill>
+                  <a:schemeClr val="tx1"/>
+                </a:solidFill>
+                <a:latin typeface="Arial" panose="020B0604020202020204" pitchFamily="34" charset="0"/>
+                <a:cs typeface="Arial" panose="020B0604020202020204" pitchFamily="34" charset="0"/>
+              </a:rPr>
+              <a:t>2</a:t>
+            </a:r>
+            <a:endParaRPr lang="en-US" sz="1600" dirty="0">
+              <a:solidFill>
+                <a:schemeClr val="tx1"/>
+              </a:solidFill>
+              <a:latin typeface="Arial" panose="020B0604020202020204" pitchFamily="34" charset="0"/>
+              <a:cs typeface="Arial" panose="020B0604020202020204" pitchFamily="34" charset="0"/>
+            </a:endParaRPr>
+          </a:p>
+        </p:txBody>
+      </p:sp>
+      <p:cxnSp>
+        <p:nvCxnSpPr>
+          <p:cNvPr id="34" name="Straight Connector 33"/>
+          <p:cNvCxnSpPr>
+            <a:stCxn id="33" idx="2"/>
+          </p:cNvCxnSpPr>
+          <p:nvPr/>
+        </p:nvCxnSpPr>
+        <p:spPr>
+          <a:xfrm flipH="1" flipV="1">
+            <a:off x="7280031" y="4617406"/>
+            <a:ext cx="383935" cy="118702"/>
+          </a:xfrm>
+          <a:prstGeom prst="line">
+            <a:avLst/>
+          </a:prstGeom>
+          <a:ln w="28575">
+            <a:solidFill>
+              <a:schemeClr val="tx1"/>
+            </a:solidFill>
+          </a:ln>
+        </p:spPr>
+        <p:style>
+          <a:lnRef idx="1">
+            <a:schemeClr val="accent1"/>
+          </a:lnRef>
+          <a:fillRef idx="0">
+            <a:schemeClr val="accent1"/>
+          </a:fillRef>
+          <a:effectRef idx="0">
+            <a:schemeClr val="accent1"/>
+          </a:effectRef>
+          <a:fontRef idx="minor">
+            <a:schemeClr val="tx1"/>
+          </a:fontRef>
+        </p:style>
+      </p:cxnSp>
+      <p:sp>
+        <p:nvSpPr>
+          <p:cNvPr id="35" name="Oval 34"/>
+          <p:cNvSpPr/>
+          <p:nvPr/>
+        </p:nvSpPr>
+        <p:spPr>
+          <a:xfrm>
+            <a:off x="7488116" y="5105386"/>
+            <a:ext cx="228600" cy="228600"/>
+          </a:xfrm>
+          <a:prstGeom prst="ellipse">
+            <a:avLst/>
+          </a:prstGeom>
+          <a:solidFill>
+            <a:schemeClr val="bg1"/>
+          </a:solidFill>
+          <a:ln>
+            <a:solidFill>
+              <a:schemeClr val="tx1"/>
+            </a:solidFill>
+          </a:ln>
+        </p:spPr>
+        <p:style>
+          <a:lnRef idx="2">
+            <a:schemeClr val="accent1">
+              <a:shade val="50000"/>
+            </a:schemeClr>
+          </a:lnRef>
+          <a:fillRef idx="1">
+            <a:schemeClr val="accent1"/>
+          </a:fillRef>
+          <a:effectRef idx="0">
+            <a:schemeClr val="accent1"/>
+          </a:effectRef>
+          <a:fontRef idx="minor">
+            <a:schemeClr val="lt1"/>
+          </a:fontRef>
+        </p:style>
+        <p:txBody>
+          <a:bodyPr rtlCol="0" anchor="ctr"/>
+          <a:lstStyle/>
+          <a:p>
+            <a:pPr algn="ctr"/>
+            <a:r>
+              <a:rPr lang="en-US" sz="1600" dirty="0" smtClean="0">
+                <a:solidFill>
+                  <a:schemeClr val="tx1"/>
+                </a:solidFill>
+                <a:latin typeface="Arial" panose="020B0604020202020204" pitchFamily="34" charset="0"/>
+                <a:cs typeface="Arial" panose="020B0604020202020204" pitchFamily="34" charset="0"/>
+              </a:rPr>
+              <a:t>3</a:t>
+            </a:r>
+            <a:endParaRPr lang="en-US" sz="1600" dirty="0">
+              <a:solidFill>
+                <a:schemeClr val="tx1"/>
+              </a:solidFill>
+              <a:latin typeface="Arial" panose="020B0604020202020204" pitchFamily="34" charset="0"/>
+              <a:cs typeface="Arial" panose="020B0604020202020204" pitchFamily="34" charset="0"/>
+            </a:endParaRPr>
+          </a:p>
+        </p:txBody>
+      </p:sp>
+      <p:cxnSp>
+        <p:nvCxnSpPr>
+          <p:cNvPr id="36" name="Straight Connector 35"/>
+          <p:cNvCxnSpPr>
+            <a:stCxn id="35" idx="2"/>
+          </p:cNvCxnSpPr>
+          <p:nvPr/>
+        </p:nvCxnSpPr>
+        <p:spPr>
+          <a:xfrm flipH="1" flipV="1">
+            <a:off x="7139349" y="5105386"/>
+            <a:ext cx="348767" cy="114300"/>
+          </a:xfrm>
+          <a:prstGeom prst="line">
+            <a:avLst/>
+          </a:prstGeom>
+          <a:ln w="28575">
+            <a:solidFill>
+              <a:schemeClr val="tx1"/>
+            </a:solidFill>
+          </a:ln>
+        </p:spPr>
+        <p:style>
+          <a:lnRef idx="1">
+            <a:schemeClr val="accent1"/>
+          </a:lnRef>
+          <a:fillRef idx="0">
+            <a:schemeClr val="accent1"/>
+          </a:fillRef>
+          <a:effectRef idx="0">
+            <a:schemeClr val="accent1"/>
+          </a:effectRef>
+          <a:fontRef idx="minor">
+            <a:schemeClr val="tx1"/>
+          </a:fontRef>
+        </p:style>
+      </p:cxnSp>
+      <p:sp>
+        <p:nvSpPr>
+          <p:cNvPr id="37" name="Oval 36"/>
+          <p:cNvSpPr/>
+          <p:nvPr/>
+        </p:nvSpPr>
+        <p:spPr>
+          <a:xfrm>
+            <a:off x="6353912" y="5650512"/>
+            <a:ext cx="228600" cy="228600"/>
+          </a:xfrm>
+          <a:prstGeom prst="ellipse">
+            <a:avLst/>
+          </a:prstGeom>
+          <a:solidFill>
+            <a:schemeClr val="bg1"/>
+          </a:solidFill>
+          <a:ln>
+            <a:solidFill>
+              <a:schemeClr val="tx1"/>
+            </a:solidFill>
+          </a:ln>
+        </p:spPr>
+        <p:style>
+          <a:lnRef idx="2">
+            <a:schemeClr val="accent1">
+              <a:shade val="50000"/>
+            </a:schemeClr>
+          </a:lnRef>
+          <a:fillRef idx="1">
+            <a:schemeClr val="accent1"/>
+          </a:fillRef>
+          <a:effectRef idx="0">
+            <a:schemeClr val="accent1"/>
+          </a:effectRef>
+          <a:fontRef idx="minor">
+            <a:schemeClr val="lt1"/>
+          </a:fontRef>
+        </p:style>
+        <p:txBody>
+          <a:bodyPr rtlCol="0" anchor="ctr"/>
+          <a:lstStyle/>
+          <a:p>
+            <a:pPr algn="ctr"/>
+            <a:r>
+              <a:rPr lang="en-US" sz="1600" dirty="0">
+                <a:solidFill>
+                  <a:schemeClr val="tx1"/>
+                </a:solidFill>
+                <a:latin typeface="Arial" panose="020B0604020202020204" pitchFamily="34" charset="0"/>
+                <a:cs typeface="Arial" panose="020B0604020202020204" pitchFamily="34" charset="0"/>
+              </a:rPr>
+              <a:t>6</a:t>
+            </a:r>
+            <a:endParaRPr lang="en-US" sz="1600" dirty="0">
+              <a:solidFill>
+                <a:schemeClr val="tx1"/>
+              </a:solidFill>
+              <a:latin typeface="Arial" panose="020B0604020202020204" pitchFamily="34" charset="0"/>
+              <a:cs typeface="Arial" panose="020B0604020202020204" pitchFamily="34" charset="0"/>
+            </a:endParaRPr>
+          </a:p>
+        </p:txBody>
+      </p:sp>
+      <p:cxnSp>
+        <p:nvCxnSpPr>
+          <p:cNvPr id="38" name="Straight Connector 37"/>
+          <p:cNvCxnSpPr/>
+          <p:nvPr/>
+        </p:nvCxnSpPr>
+        <p:spPr>
+          <a:xfrm flipV="1">
+            <a:off x="6450624" y="5219686"/>
+            <a:ext cx="131888" cy="430830"/>
+          </a:xfrm>
+          <a:prstGeom prst="line">
+            <a:avLst/>
+          </a:prstGeom>
+          <a:ln w="28575">
+            <a:solidFill>
+              <a:schemeClr val="tx1"/>
+            </a:solidFill>
+          </a:ln>
+        </p:spPr>
+        <p:style>
+          <a:lnRef idx="1">
+            <a:schemeClr val="accent1"/>
+          </a:lnRef>
+          <a:fillRef idx="0">
+            <a:schemeClr val="accent1"/>
+          </a:fillRef>
+          <a:effectRef idx="0">
+            <a:schemeClr val="accent1"/>
+          </a:effectRef>
+          <a:fontRef idx="minor">
+            <a:schemeClr val="tx1"/>
+          </a:fontRef>
+        </p:style>
+      </p:cxnSp>
+      <p:sp>
+        <p:nvSpPr>
+          <p:cNvPr id="39" name="Oval 38"/>
+          <p:cNvSpPr/>
+          <p:nvPr/>
+        </p:nvSpPr>
+        <p:spPr>
+          <a:xfrm>
+            <a:off x="7681552" y="3883262"/>
+            <a:ext cx="228600" cy="228600"/>
+          </a:xfrm>
+          <a:prstGeom prst="ellipse">
+            <a:avLst/>
+          </a:prstGeom>
+          <a:solidFill>
+            <a:schemeClr val="bg1"/>
+          </a:solidFill>
+          <a:ln>
+            <a:solidFill>
+              <a:schemeClr val="tx1"/>
+            </a:solidFill>
+          </a:ln>
+        </p:spPr>
+        <p:style>
+          <a:lnRef idx="2">
+            <a:schemeClr val="accent1">
+              <a:shade val="50000"/>
+            </a:schemeClr>
+          </a:lnRef>
+          <a:fillRef idx="1">
+            <a:schemeClr val="accent1"/>
+          </a:fillRef>
+          <a:effectRef idx="0">
+            <a:schemeClr val="accent1"/>
+          </a:effectRef>
+          <a:fontRef idx="minor">
+            <a:schemeClr val="lt1"/>
+          </a:fontRef>
+        </p:style>
+        <p:txBody>
+          <a:bodyPr rtlCol="0" anchor="ctr"/>
+          <a:lstStyle/>
+          <a:p>
+            <a:pPr algn="ctr"/>
+            <a:r>
+              <a:rPr lang="en-US" sz="1600" dirty="0">
+                <a:solidFill>
+                  <a:schemeClr val="tx1"/>
+                </a:solidFill>
+                <a:latin typeface="Arial" panose="020B0604020202020204" pitchFamily="34" charset="0"/>
+                <a:cs typeface="Arial" panose="020B0604020202020204" pitchFamily="34" charset="0"/>
+              </a:rPr>
+              <a:t>7</a:t>
+            </a:r>
+            <a:endParaRPr lang="en-US" sz="1600" dirty="0">
+              <a:solidFill>
+                <a:schemeClr val="tx1"/>
+              </a:solidFill>
+              <a:latin typeface="Arial" panose="020B0604020202020204" pitchFamily="34" charset="0"/>
+              <a:cs typeface="Arial" panose="020B0604020202020204" pitchFamily="34" charset="0"/>
+            </a:endParaRPr>
+          </a:p>
+        </p:txBody>
+      </p:sp>
+      <p:cxnSp>
+        <p:nvCxnSpPr>
+          <p:cNvPr id="40" name="Straight Connector 39"/>
+          <p:cNvCxnSpPr>
+            <a:stCxn id="39" idx="2"/>
+          </p:cNvCxnSpPr>
+          <p:nvPr/>
+        </p:nvCxnSpPr>
+        <p:spPr>
+          <a:xfrm flipH="1">
+            <a:off x="7447082" y="3997562"/>
+            <a:ext cx="234470" cy="45064"/>
+          </a:xfrm>
+          <a:prstGeom prst="line">
+            <a:avLst/>
+          </a:prstGeom>
+          <a:ln w="28575">
+            <a:solidFill>
+              <a:schemeClr val="tx1"/>
+            </a:solidFill>
+          </a:ln>
+        </p:spPr>
+        <p:style>
+          <a:lnRef idx="1">
+            <a:schemeClr val="accent1"/>
+          </a:lnRef>
+          <a:fillRef idx="0">
+            <a:schemeClr val="accent1"/>
+          </a:fillRef>
+          <a:effectRef idx="0">
+            <a:schemeClr val="accent1"/>
+          </a:effectRef>
+          <a:fontRef idx="minor">
+            <a:schemeClr val="tx1"/>
+          </a:fontRef>
+        </p:style>
+      </p:cxnSp>
+      <p:sp>
+        <p:nvSpPr>
+          <p:cNvPr id="41" name="Oval 40"/>
+          <p:cNvSpPr/>
+          <p:nvPr/>
+        </p:nvSpPr>
+        <p:spPr>
+          <a:xfrm>
+            <a:off x="4700960" y="3452436"/>
+            <a:ext cx="228600" cy="228600"/>
+          </a:xfrm>
+          <a:prstGeom prst="ellipse">
+            <a:avLst/>
+          </a:prstGeom>
+          <a:solidFill>
+            <a:schemeClr val="bg1"/>
+          </a:solidFill>
+          <a:ln>
+            <a:solidFill>
+              <a:schemeClr val="tx1"/>
+            </a:solidFill>
+          </a:ln>
+        </p:spPr>
+        <p:style>
+          <a:lnRef idx="2">
+            <a:schemeClr val="accent1">
+              <a:shade val="50000"/>
+            </a:schemeClr>
+          </a:lnRef>
+          <a:fillRef idx="1">
+            <a:schemeClr val="accent1"/>
+          </a:fillRef>
+          <a:effectRef idx="0">
+            <a:schemeClr val="accent1"/>
+          </a:effectRef>
+          <a:fontRef idx="minor">
+            <a:schemeClr val="lt1"/>
+          </a:fontRef>
+        </p:style>
+        <p:txBody>
+          <a:bodyPr rtlCol="0" anchor="ctr"/>
+          <a:lstStyle/>
+          <a:p>
+            <a:pPr algn="ctr"/>
+            <a:r>
+              <a:rPr lang="en-US" sz="1600" dirty="0" smtClean="0">
+                <a:solidFill>
+                  <a:schemeClr val="tx1"/>
+                </a:solidFill>
+                <a:latin typeface="Arial" panose="020B0604020202020204" pitchFamily="34" charset="0"/>
+                <a:cs typeface="Arial" panose="020B0604020202020204" pitchFamily="34" charset="0"/>
+              </a:rPr>
+              <a:t>8</a:t>
+            </a:r>
+            <a:endParaRPr lang="en-US" sz="1600" dirty="0">
+              <a:solidFill>
+                <a:schemeClr val="tx1"/>
+              </a:solidFill>
+              <a:latin typeface="Arial" panose="020B0604020202020204" pitchFamily="34" charset="0"/>
+              <a:cs typeface="Arial" panose="020B0604020202020204" pitchFamily="34" charset="0"/>
+            </a:endParaRPr>
+          </a:p>
+        </p:txBody>
+      </p:sp>
+      <p:sp>
+        <p:nvSpPr>
+          <p:cNvPr id="42" name="Oval 41"/>
+          <p:cNvSpPr/>
+          <p:nvPr/>
+        </p:nvSpPr>
+        <p:spPr>
+          <a:xfrm>
+            <a:off x="6629401" y="5732576"/>
+            <a:ext cx="228600" cy="228600"/>
+          </a:xfrm>
+          <a:prstGeom prst="ellipse">
+            <a:avLst/>
+          </a:prstGeom>
+          <a:solidFill>
+            <a:schemeClr val="bg1"/>
+          </a:solidFill>
+          <a:ln>
+            <a:solidFill>
+              <a:schemeClr val="tx1"/>
+            </a:solidFill>
+          </a:ln>
+        </p:spPr>
+        <p:style>
+          <a:lnRef idx="2">
+            <a:schemeClr val="accent1">
+              <a:shade val="50000"/>
+            </a:schemeClr>
+          </a:lnRef>
+          <a:fillRef idx="1">
+            <a:schemeClr val="accent1"/>
+          </a:fillRef>
+          <a:effectRef idx="0">
+            <a:schemeClr val="accent1"/>
+          </a:effectRef>
+          <a:fontRef idx="minor">
+            <a:schemeClr val="lt1"/>
+          </a:fontRef>
+        </p:style>
+        <p:txBody>
+          <a:bodyPr rtlCol="0" anchor="ctr"/>
+          <a:lstStyle/>
+          <a:p>
+            <a:pPr algn="ctr"/>
+            <a:endParaRPr lang="en-US" sz="1600" dirty="0">
+              <a:solidFill>
+                <a:schemeClr val="tx1"/>
+              </a:solidFill>
+              <a:latin typeface="Arial" panose="020B0604020202020204" pitchFamily="34" charset="0"/>
+              <a:cs typeface="Arial" panose="020B0604020202020204" pitchFamily="34" charset="0"/>
+            </a:endParaRPr>
+          </a:p>
+        </p:txBody>
+      </p:sp>
+      <p:cxnSp>
+        <p:nvCxnSpPr>
+          <p:cNvPr id="43" name="Straight Connector 42"/>
+          <p:cNvCxnSpPr/>
+          <p:nvPr/>
+        </p:nvCxnSpPr>
+        <p:spPr>
+          <a:xfrm flipV="1">
+            <a:off x="6726113" y="5328130"/>
+            <a:ext cx="0" cy="404450"/>
+          </a:xfrm>
+          <a:prstGeom prst="line">
+            <a:avLst/>
+          </a:prstGeom>
+          <a:ln w="28575">
+            <a:solidFill>
+              <a:schemeClr val="tx1"/>
+            </a:solidFill>
+          </a:ln>
+        </p:spPr>
+        <p:style>
+          <a:lnRef idx="1">
+            <a:schemeClr val="accent1"/>
+          </a:lnRef>
+          <a:fillRef idx="0">
+            <a:schemeClr val="accent1"/>
+          </a:fillRef>
+          <a:effectRef idx="0">
+            <a:schemeClr val="accent1"/>
+          </a:effectRef>
+          <a:fontRef idx="minor">
+            <a:schemeClr val="tx1"/>
+          </a:fontRef>
+        </p:style>
+      </p:cxnSp>
+      <p:sp>
+        <p:nvSpPr>
+          <p:cNvPr id="44" name="Oval 43"/>
+          <p:cNvSpPr/>
+          <p:nvPr/>
+        </p:nvSpPr>
+        <p:spPr>
+          <a:xfrm>
+            <a:off x="7640516" y="4879723"/>
+            <a:ext cx="228600" cy="228600"/>
+          </a:xfrm>
+          <a:prstGeom prst="ellipse">
+            <a:avLst/>
+          </a:prstGeom>
+          <a:solidFill>
+            <a:schemeClr val="bg1"/>
+          </a:solidFill>
+          <a:ln>
+            <a:solidFill>
+              <a:schemeClr val="tx1"/>
+            </a:solidFill>
+          </a:ln>
+        </p:spPr>
+        <p:style>
+          <a:lnRef idx="2">
+            <a:schemeClr val="accent1">
+              <a:shade val="50000"/>
+            </a:schemeClr>
+          </a:lnRef>
+          <a:fillRef idx="1">
+            <a:schemeClr val="accent1"/>
+          </a:fillRef>
+          <a:effectRef idx="0">
+            <a:schemeClr val="accent1"/>
+          </a:effectRef>
+          <a:fontRef idx="minor">
+            <a:schemeClr val="lt1"/>
+          </a:fontRef>
+        </p:style>
+        <p:txBody>
+          <a:bodyPr rtlCol="0" anchor="ctr"/>
+          <a:lstStyle/>
+          <a:p>
+            <a:pPr algn="ctr"/>
+            <a:r>
+              <a:rPr lang="en-US" sz="1600" dirty="0" smtClean="0">
+                <a:solidFill>
+                  <a:schemeClr val="tx1"/>
+                </a:solidFill>
+                <a:latin typeface="Arial" panose="020B0604020202020204" pitchFamily="34" charset="0"/>
+                <a:cs typeface="Arial" panose="020B0604020202020204" pitchFamily="34" charset="0"/>
+              </a:rPr>
+              <a:t>9</a:t>
+            </a:r>
+            <a:endParaRPr lang="en-US" sz="1600" dirty="0">
+              <a:solidFill>
+                <a:schemeClr val="tx1"/>
+              </a:solidFill>
+              <a:latin typeface="Arial" panose="020B0604020202020204" pitchFamily="34" charset="0"/>
+              <a:cs typeface="Arial" panose="020B0604020202020204" pitchFamily="34" charset="0"/>
+            </a:endParaRPr>
+          </a:p>
+        </p:txBody>
+      </p:sp>
+      <p:cxnSp>
+        <p:nvCxnSpPr>
+          <p:cNvPr id="45" name="Straight Connector 44"/>
+          <p:cNvCxnSpPr>
+            <a:stCxn id="44" idx="2"/>
+          </p:cNvCxnSpPr>
+          <p:nvPr/>
+        </p:nvCxnSpPr>
+        <p:spPr>
+          <a:xfrm flipH="1" flipV="1">
+            <a:off x="7291749" y="4879723"/>
+            <a:ext cx="348767" cy="114300"/>
+          </a:xfrm>
+          <a:prstGeom prst="line">
+            <a:avLst/>
+          </a:prstGeom>
+          <a:ln w="28575">
+            <a:solidFill>
+              <a:schemeClr val="tx1"/>
+            </a:solidFill>
+          </a:ln>
+        </p:spPr>
+        <p:style>
+          <a:lnRef idx="1">
+            <a:schemeClr val="accent1"/>
+          </a:lnRef>
+          <a:fillRef idx="0">
+            <a:schemeClr val="accent1"/>
+          </a:fillRef>
+          <a:effectRef idx="0">
+            <a:schemeClr val="accent1"/>
+          </a:effectRef>
+          <a:fontRef idx="minor">
+            <a:schemeClr val="tx1"/>
+          </a:fontRef>
+        </p:style>
+      </p:cxnSp>
+      <p:sp>
+        <p:nvSpPr>
+          <p:cNvPr id="46" name="Oval 45"/>
+          <p:cNvSpPr/>
+          <p:nvPr/>
+        </p:nvSpPr>
+        <p:spPr>
+          <a:xfrm>
+            <a:off x="4879737" y="4941269"/>
+            <a:ext cx="228600" cy="228600"/>
+          </a:xfrm>
+          <a:prstGeom prst="ellipse">
+            <a:avLst/>
+          </a:prstGeom>
+          <a:solidFill>
+            <a:schemeClr val="bg1"/>
+          </a:solidFill>
+          <a:ln>
+            <a:solidFill>
+              <a:schemeClr val="tx1"/>
+            </a:solidFill>
+          </a:ln>
+        </p:spPr>
+        <p:style>
+          <a:lnRef idx="2">
+            <a:schemeClr val="accent1">
+              <a:shade val="50000"/>
+            </a:schemeClr>
+          </a:lnRef>
+          <a:fillRef idx="1">
+            <a:schemeClr val="accent1"/>
+          </a:fillRef>
+          <a:effectRef idx="0">
+            <a:schemeClr val="accent1"/>
+          </a:effectRef>
+          <a:fontRef idx="minor">
+            <a:schemeClr val="lt1"/>
+          </a:fontRef>
+        </p:style>
+        <p:txBody>
+          <a:bodyPr rtlCol="0" anchor="ctr"/>
+          <a:lstStyle/>
+          <a:p>
+            <a:pPr algn="ctr"/>
+            <a:endParaRPr lang="en-US" sz="1600" dirty="0">
+              <a:solidFill>
+                <a:schemeClr val="tx1"/>
+              </a:solidFill>
+              <a:latin typeface="Arial" panose="020B0604020202020204" pitchFamily="34" charset="0"/>
+              <a:cs typeface="Arial" panose="020B0604020202020204" pitchFamily="34" charset="0"/>
+            </a:endParaRPr>
+          </a:p>
+        </p:txBody>
+      </p:sp>
+      <p:sp>
+        <p:nvSpPr>
+          <p:cNvPr id="47" name="TextBox 46"/>
+          <p:cNvSpPr txBox="1"/>
+          <p:nvPr/>
+        </p:nvSpPr>
+        <p:spPr>
+          <a:xfrm>
+            <a:off x="4774088" y="4885552"/>
+            <a:ext cx="509953" cy="338554"/>
+          </a:xfrm>
+          <a:prstGeom prst="rect">
+            <a:avLst/>
+          </a:prstGeom>
+          <a:noFill/>
+        </p:spPr>
+        <p:txBody>
+          <a:bodyPr wrap="square" rtlCol="0">
+            <a:spAutoFit/>
+          </a:bodyPr>
+          <a:lstStyle/>
+          <a:p>
+            <a:r>
+              <a:rPr lang="en-US" sz="1600" dirty="0" smtClean="0">
+                <a:latin typeface="Arial" panose="020B0604020202020204" pitchFamily="34" charset="0"/>
+                <a:cs typeface="Arial" panose="020B0604020202020204" pitchFamily="34" charset="0"/>
+              </a:rPr>
+              <a:t>13</a:t>
+            </a:r>
+            <a:endParaRPr lang="en-US" dirty="0">
+              <a:latin typeface="Arial" panose="020B0604020202020204" pitchFamily="34" charset="0"/>
+              <a:cs typeface="Arial" panose="020B0604020202020204" pitchFamily="34" charset="0"/>
+            </a:endParaRPr>
+          </a:p>
+        </p:txBody>
+      </p:sp>
+      <p:sp>
+        <p:nvSpPr>
+          <p:cNvPr id="48" name="Oval 47"/>
+          <p:cNvSpPr/>
+          <p:nvPr/>
+        </p:nvSpPr>
+        <p:spPr>
+          <a:xfrm>
+            <a:off x="7218482" y="5272439"/>
+            <a:ext cx="228600" cy="228600"/>
+          </a:xfrm>
+          <a:prstGeom prst="ellipse">
+            <a:avLst/>
+          </a:prstGeom>
+          <a:solidFill>
+            <a:schemeClr val="bg1"/>
+          </a:solidFill>
+          <a:ln>
+            <a:solidFill>
+              <a:schemeClr val="tx1"/>
+            </a:solidFill>
+          </a:ln>
+        </p:spPr>
+        <p:style>
+          <a:lnRef idx="2">
+            <a:schemeClr val="accent1">
+              <a:shade val="50000"/>
+            </a:schemeClr>
+          </a:lnRef>
+          <a:fillRef idx="1">
+            <a:schemeClr val="accent1"/>
+          </a:fillRef>
+          <a:effectRef idx="0">
+            <a:schemeClr val="accent1"/>
+          </a:effectRef>
+          <a:fontRef idx="minor">
+            <a:schemeClr val="lt1"/>
+          </a:fontRef>
+        </p:style>
+        <p:txBody>
+          <a:bodyPr rtlCol="0" anchor="ctr"/>
+          <a:lstStyle/>
+          <a:p>
+            <a:pPr algn="ctr"/>
+            <a:endParaRPr lang="en-US" sz="1600" dirty="0">
+              <a:solidFill>
+                <a:schemeClr val="tx1"/>
+              </a:solidFill>
+              <a:latin typeface="Arial" panose="020B0604020202020204" pitchFamily="34" charset="0"/>
+              <a:cs typeface="Arial" panose="020B0604020202020204" pitchFamily="34" charset="0"/>
+            </a:endParaRPr>
+          </a:p>
+        </p:txBody>
+      </p:sp>
+      <p:cxnSp>
+        <p:nvCxnSpPr>
+          <p:cNvPr id="49" name="Straight Connector 48"/>
+          <p:cNvCxnSpPr>
+            <a:stCxn id="48" idx="2"/>
+          </p:cNvCxnSpPr>
+          <p:nvPr/>
+        </p:nvCxnSpPr>
+        <p:spPr>
+          <a:xfrm flipH="1" flipV="1">
+            <a:off x="6910749" y="5169869"/>
+            <a:ext cx="307733" cy="216870"/>
+          </a:xfrm>
+          <a:prstGeom prst="line">
+            <a:avLst/>
+          </a:prstGeom>
+          <a:ln w="28575">
+            <a:solidFill>
+              <a:schemeClr val="tx1"/>
+            </a:solidFill>
+          </a:ln>
+        </p:spPr>
+        <p:style>
+          <a:lnRef idx="1">
+            <a:schemeClr val="accent1"/>
+          </a:lnRef>
+          <a:fillRef idx="0">
+            <a:schemeClr val="accent1"/>
+          </a:fillRef>
+          <a:effectRef idx="0">
+            <a:schemeClr val="accent1"/>
+          </a:effectRef>
+          <a:fontRef idx="minor">
+            <a:schemeClr val="tx1"/>
+          </a:fontRef>
+        </p:style>
+      </p:cxnSp>
+      <p:sp>
+        <p:nvSpPr>
+          <p:cNvPr id="50" name="TextBox 49"/>
+          <p:cNvSpPr txBox="1"/>
+          <p:nvPr/>
+        </p:nvSpPr>
+        <p:spPr>
+          <a:xfrm>
+            <a:off x="7127631" y="5224788"/>
+            <a:ext cx="509953" cy="338554"/>
+          </a:xfrm>
+          <a:prstGeom prst="rect">
+            <a:avLst/>
+          </a:prstGeom>
+          <a:noFill/>
+        </p:spPr>
+        <p:txBody>
+          <a:bodyPr wrap="square" rtlCol="0">
+            <a:spAutoFit/>
+          </a:bodyPr>
+          <a:lstStyle/>
+          <a:p>
+            <a:r>
+              <a:rPr lang="en-US" sz="1600" dirty="0" smtClean="0">
+                <a:latin typeface="Arial" panose="020B0604020202020204" pitchFamily="34" charset="0"/>
+                <a:cs typeface="Arial" panose="020B0604020202020204" pitchFamily="34" charset="0"/>
+              </a:rPr>
+              <a:t>14</a:t>
+            </a:r>
+            <a:endParaRPr lang="en-US" dirty="0">
+              <a:latin typeface="Arial" panose="020B0604020202020204" pitchFamily="34" charset="0"/>
+              <a:cs typeface="Arial" panose="020B0604020202020204" pitchFamily="34" charset="0"/>
+            </a:endParaRPr>
+          </a:p>
+        </p:txBody>
+      </p:sp>
+      <p:sp>
+        <p:nvSpPr>
+          <p:cNvPr id="53" name="Oval 52"/>
+          <p:cNvSpPr/>
+          <p:nvPr/>
+        </p:nvSpPr>
+        <p:spPr>
+          <a:xfrm>
+            <a:off x="7367959" y="3349859"/>
+            <a:ext cx="228600" cy="228600"/>
+          </a:xfrm>
+          <a:prstGeom prst="ellipse">
+            <a:avLst/>
+          </a:prstGeom>
+          <a:solidFill>
+            <a:schemeClr val="bg1"/>
+          </a:solidFill>
+          <a:ln>
+            <a:solidFill>
+              <a:schemeClr val="tx1"/>
+            </a:solidFill>
+          </a:ln>
+        </p:spPr>
+        <p:style>
+          <a:lnRef idx="2">
+            <a:schemeClr val="accent1">
+              <a:shade val="50000"/>
+            </a:schemeClr>
+          </a:lnRef>
+          <a:fillRef idx="1">
+            <a:schemeClr val="accent1"/>
+          </a:fillRef>
+          <a:effectRef idx="0">
+            <a:schemeClr val="accent1"/>
+          </a:effectRef>
+          <a:fontRef idx="minor">
+            <a:schemeClr val="lt1"/>
+          </a:fontRef>
+        </p:style>
+        <p:txBody>
+          <a:bodyPr rtlCol="0" anchor="ctr"/>
+          <a:lstStyle/>
+          <a:p>
+            <a:pPr algn="ctr"/>
+            <a:endParaRPr lang="en-US" sz="1600" dirty="0">
+              <a:solidFill>
+                <a:schemeClr val="tx1"/>
+              </a:solidFill>
+              <a:latin typeface="Arial" panose="020B0604020202020204" pitchFamily="34" charset="0"/>
+              <a:cs typeface="Arial" panose="020B0604020202020204" pitchFamily="34" charset="0"/>
+            </a:endParaRPr>
+          </a:p>
+        </p:txBody>
+      </p:sp>
+      <p:sp>
+        <p:nvSpPr>
+          <p:cNvPr id="54" name="TextBox 53"/>
+          <p:cNvSpPr txBox="1"/>
+          <p:nvPr/>
+        </p:nvSpPr>
+        <p:spPr>
+          <a:xfrm>
+            <a:off x="7274182" y="3300743"/>
+            <a:ext cx="509953" cy="338554"/>
+          </a:xfrm>
+          <a:prstGeom prst="rect">
+            <a:avLst/>
+          </a:prstGeom>
+          <a:noFill/>
+        </p:spPr>
+        <p:txBody>
+          <a:bodyPr wrap="square" rtlCol="0">
+            <a:spAutoFit/>
+          </a:bodyPr>
+          <a:lstStyle/>
+          <a:p>
+            <a:r>
+              <a:rPr lang="en-US" sz="1600" dirty="0" smtClean="0">
+                <a:latin typeface="Arial" panose="020B0604020202020204" pitchFamily="34" charset="0"/>
+                <a:cs typeface="Arial" panose="020B0604020202020204" pitchFamily="34" charset="0"/>
+              </a:rPr>
+              <a:t>16</a:t>
+            </a:r>
+            <a:endParaRPr lang="en-US" dirty="0">
+              <a:latin typeface="Arial" panose="020B0604020202020204" pitchFamily="34" charset="0"/>
+              <a:cs typeface="Arial" panose="020B0604020202020204" pitchFamily="34" charset="0"/>
+            </a:endParaRPr>
+          </a:p>
+        </p:txBody>
+      </p:sp>
+      <p:sp>
+        <p:nvSpPr>
+          <p:cNvPr id="55" name="Oval 54"/>
+          <p:cNvSpPr/>
+          <p:nvPr/>
+        </p:nvSpPr>
+        <p:spPr>
+          <a:xfrm>
+            <a:off x="6761287" y="4633529"/>
+            <a:ext cx="228600" cy="228600"/>
+          </a:xfrm>
+          <a:prstGeom prst="ellipse">
+            <a:avLst/>
+          </a:prstGeom>
+          <a:solidFill>
+            <a:schemeClr val="bg1"/>
+          </a:solidFill>
+          <a:ln>
+            <a:solidFill>
+              <a:schemeClr val="tx1"/>
+            </a:solidFill>
+          </a:ln>
+        </p:spPr>
+        <p:style>
+          <a:lnRef idx="2">
+            <a:schemeClr val="accent1">
+              <a:shade val="50000"/>
+            </a:schemeClr>
+          </a:lnRef>
+          <a:fillRef idx="1">
+            <a:schemeClr val="accent1"/>
+          </a:fillRef>
+          <a:effectRef idx="0">
+            <a:schemeClr val="accent1"/>
+          </a:effectRef>
+          <a:fontRef idx="minor">
+            <a:schemeClr val="lt1"/>
+          </a:fontRef>
+        </p:style>
+        <p:txBody>
+          <a:bodyPr rtlCol="0" anchor="ctr"/>
+          <a:lstStyle/>
+          <a:p>
+            <a:pPr algn="ctr"/>
+            <a:endParaRPr lang="en-US" sz="1600" dirty="0">
+              <a:solidFill>
+                <a:schemeClr val="tx1"/>
+              </a:solidFill>
+              <a:latin typeface="Arial" panose="020B0604020202020204" pitchFamily="34" charset="0"/>
+              <a:cs typeface="Arial" panose="020B0604020202020204" pitchFamily="34" charset="0"/>
+            </a:endParaRPr>
+          </a:p>
+        </p:txBody>
+      </p:sp>
+      <p:cxnSp>
+        <p:nvCxnSpPr>
+          <p:cNvPr id="56" name="Straight Connector 55"/>
+          <p:cNvCxnSpPr/>
+          <p:nvPr/>
+        </p:nvCxnSpPr>
+        <p:spPr>
+          <a:xfrm flipV="1">
+            <a:off x="6787400" y="4850408"/>
+            <a:ext cx="70601" cy="312129"/>
+          </a:xfrm>
+          <a:prstGeom prst="line">
+            <a:avLst/>
+          </a:prstGeom>
+          <a:ln w="28575">
+            <a:solidFill>
+              <a:schemeClr val="tx1"/>
+            </a:solidFill>
+          </a:ln>
+        </p:spPr>
+        <p:style>
+          <a:lnRef idx="1">
+            <a:schemeClr val="accent1"/>
+          </a:lnRef>
+          <a:fillRef idx="0">
+            <a:schemeClr val="accent1"/>
+          </a:fillRef>
+          <a:effectRef idx="0">
+            <a:schemeClr val="accent1"/>
+          </a:effectRef>
+          <a:fontRef idx="minor">
+            <a:schemeClr val="tx1"/>
+          </a:fontRef>
+        </p:style>
+      </p:cxnSp>
+      <p:sp>
+        <p:nvSpPr>
+          <p:cNvPr id="57" name="TextBox 56"/>
+          <p:cNvSpPr txBox="1"/>
+          <p:nvPr/>
+        </p:nvSpPr>
+        <p:spPr>
+          <a:xfrm>
+            <a:off x="6655777" y="4587359"/>
+            <a:ext cx="509953" cy="338554"/>
+          </a:xfrm>
+          <a:prstGeom prst="rect">
+            <a:avLst/>
+          </a:prstGeom>
+          <a:noFill/>
+        </p:spPr>
+        <p:txBody>
+          <a:bodyPr wrap="square" rtlCol="0">
+            <a:spAutoFit/>
+          </a:bodyPr>
+          <a:lstStyle/>
+          <a:p>
+            <a:r>
+              <a:rPr lang="en-US" sz="1600" dirty="0" smtClean="0">
+                <a:latin typeface="Arial" panose="020B0604020202020204" pitchFamily="34" charset="0"/>
+                <a:cs typeface="Arial" panose="020B0604020202020204" pitchFamily="34" charset="0"/>
+              </a:rPr>
+              <a:t>17</a:t>
+            </a:r>
+            <a:endParaRPr lang="en-US" dirty="0">
+              <a:latin typeface="Arial" panose="020B0604020202020204" pitchFamily="34" charset="0"/>
+              <a:cs typeface="Arial" panose="020B0604020202020204" pitchFamily="34" charset="0"/>
+            </a:endParaRPr>
+          </a:p>
+        </p:txBody>
+      </p:sp>
+      <p:sp>
+        <p:nvSpPr>
+          <p:cNvPr id="58" name="Oval 57"/>
+          <p:cNvSpPr/>
+          <p:nvPr/>
+        </p:nvSpPr>
+        <p:spPr>
+          <a:xfrm>
+            <a:off x="4563216" y="3147635"/>
+            <a:ext cx="228600" cy="228600"/>
+          </a:xfrm>
+          <a:prstGeom prst="ellipse">
+            <a:avLst/>
+          </a:prstGeom>
+          <a:solidFill>
+            <a:schemeClr val="bg1"/>
+          </a:solidFill>
+          <a:ln>
+            <a:solidFill>
+              <a:schemeClr val="tx1"/>
+            </a:solidFill>
+          </a:ln>
+        </p:spPr>
+        <p:style>
+          <a:lnRef idx="2">
+            <a:schemeClr val="accent1">
+              <a:shade val="50000"/>
+            </a:schemeClr>
+          </a:lnRef>
+          <a:fillRef idx="1">
+            <a:schemeClr val="accent1"/>
+          </a:fillRef>
+          <a:effectRef idx="0">
+            <a:schemeClr val="accent1"/>
+          </a:effectRef>
+          <a:fontRef idx="minor">
+            <a:schemeClr val="lt1"/>
+          </a:fontRef>
+        </p:style>
+        <p:txBody>
+          <a:bodyPr rtlCol="0" anchor="ctr"/>
+          <a:lstStyle/>
+          <a:p>
+            <a:pPr algn="ctr"/>
+            <a:endParaRPr lang="en-US" sz="1600" dirty="0">
+              <a:solidFill>
+                <a:schemeClr val="tx1"/>
+              </a:solidFill>
+              <a:latin typeface="Arial" panose="020B0604020202020204" pitchFamily="34" charset="0"/>
+              <a:cs typeface="Arial" panose="020B0604020202020204" pitchFamily="34" charset="0"/>
+            </a:endParaRPr>
+          </a:p>
+        </p:txBody>
+      </p:sp>
+      <p:sp>
+        <p:nvSpPr>
+          <p:cNvPr id="59" name="TextBox 58"/>
+          <p:cNvSpPr txBox="1"/>
+          <p:nvPr/>
+        </p:nvSpPr>
+        <p:spPr>
+          <a:xfrm>
+            <a:off x="4457705" y="3108010"/>
+            <a:ext cx="509953" cy="338554"/>
+          </a:xfrm>
+          <a:prstGeom prst="rect">
+            <a:avLst/>
+          </a:prstGeom>
+          <a:noFill/>
+        </p:spPr>
+        <p:txBody>
+          <a:bodyPr wrap="square" rtlCol="0">
+            <a:spAutoFit/>
+          </a:bodyPr>
+          <a:lstStyle/>
+          <a:p>
+            <a:r>
+              <a:rPr lang="en-US" sz="1600" dirty="0" smtClean="0">
+                <a:latin typeface="Arial" panose="020B0604020202020204" pitchFamily="34" charset="0"/>
+                <a:cs typeface="Arial" panose="020B0604020202020204" pitchFamily="34" charset="0"/>
+              </a:rPr>
+              <a:t>18</a:t>
+            </a:r>
+            <a:endParaRPr lang="en-US" dirty="0">
+              <a:latin typeface="Arial" panose="020B0604020202020204" pitchFamily="34" charset="0"/>
+              <a:cs typeface="Arial" panose="020B0604020202020204" pitchFamily="34" charset="0"/>
+            </a:endParaRPr>
+          </a:p>
+        </p:txBody>
+      </p:sp>
+      <p:cxnSp>
+        <p:nvCxnSpPr>
+          <p:cNvPr id="60" name="Straight Connector 59"/>
+          <p:cNvCxnSpPr/>
+          <p:nvPr/>
+        </p:nvCxnSpPr>
+        <p:spPr>
+          <a:xfrm flipV="1">
+            <a:off x="4298584" y="3349860"/>
+            <a:ext cx="304321" cy="136329"/>
+          </a:xfrm>
+          <a:prstGeom prst="line">
+            <a:avLst/>
+          </a:prstGeom>
+          <a:ln w="28575">
+            <a:solidFill>
+              <a:schemeClr val="tx1"/>
+            </a:solidFill>
+          </a:ln>
+        </p:spPr>
+        <p:style>
+          <a:lnRef idx="1">
+            <a:schemeClr val="accent1"/>
+          </a:lnRef>
+          <a:fillRef idx="0">
+            <a:schemeClr val="accent1"/>
+          </a:fillRef>
+          <a:effectRef idx="0">
+            <a:schemeClr val="accent1"/>
+          </a:effectRef>
+          <a:fontRef idx="minor">
+            <a:schemeClr val="tx1"/>
+          </a:fontRef>
+        </p:style>
+      </p:cxnSp>
+      <p:sp>
+        <p:nvSpPr>
+          <p:cNvPr id="62" name="TextBox 61"/>
+          <p:cNvSpPr txBox="1"/>
+          <p:nvPr/>
+        </p:nvSpPr>
+        <p:spPr>
+          <a:xfrm>
+            <a:off x="3569676" y="114300"/>
+            <a:ext cx="395654" cy="307777"/>
+          </a:xfrm>
+          <a:prstGeom prst="rect">
+            <a:avLst/>
+          </a:prstGeom>
+          <a:noFill/>
+        </p:spPr>
+        <p:txBody>
+          <a:bodyPr wrap="square" rtlCol="0">
+            <a:spAutoFit/>
+          </a:bodyPr>
+          <a:lstStyle/>
+          <a:p>
+            <a:r>
+              <a:rPr lang="en-US" sz="1400" b="1" dirty="0" smtClean="0">
+                <a:latin typeface="Arial" panose="020B0604020202020204" pitchFamily="34" charset="0"/>
+                <a:cs typeface="Arial" panose="020B0604020202020204" pitchFamily="34" charset="0"/>
+              </a:rPr>
+              <a:t>A)</a:t>
+            </a:r>
+            <a:endParaRPr lang="en-US" sz="1400" b="1" dirty="0">
+              <a:latin typeface="Arial" panose="020B0604020202020204" pitchFamily="34" charset="0"/>
+              <a:cs typeface="Arial" panose="020B0604020202020204" pitchFamily="34" charset="0"/>
+            </a:endParaRPr>
+          </a:p>
+        </p:txBody>
+      </p:sp>
+      <p:sp>
+        <p:nvSpPr>
+          <p:cNvPr id="63" name="TextBox 62"/>
+          <p:cNvSpPr txBox="1"/>
+          <p:nvPr/>
+        </p:nvSpPr>
+        <p:spPr>
+          <a:xfrm>
+            <a:off x="3569676" y="3134458"/>
+            <a:ext cx="395654" cy="307777"/>
+          </a:xfrm>
+          <a:prstGeom prst="rect">
+            <a:avLst/>
+          </a:prstGeom>
+          <a:noFill/>
+        </p:spPr>
+        <p:txBody>
+          <a:bodyPr wrap="square" rtlCol="0">
+            <a:spAutoFit/>
+          </a:bodyPr>
+          <a:lstStyle/>
+          <a:p>
+            <a:r>
+              <a:rPr lang="en-US" sz="1400" b="1" dirty="0" smtClean="0">
+                <a:latin typeface="Arial" panose="020B0604020202020204" pitchFamily="34" charset="0"/>
+                <a:cs typeface="Arial" panose="020B0604020202020204" pitchFamily="34" charset="0"/>
+              </a:rPr>
+              <a:t>B)</a:t>
+            </a:r>
+            <a:endParaRPr lang="en-US" sz="1400" b="1" dirty="0">
+              <a:latin typeface="Arial" panose="020B0604020202020204" pitchFamily="34" charset="0"/>
+              <a:cs typeface="Arial" panose="020B0604020202020204" pitchFamily="34" charset="0"/>
+            </a:endParaRPr>
+          </a:p>
+        </p:txBody>
+      </p:sp>
+      <p:cxnSp>
+        <p:nvCxnSpPr>
+          <p:cNvPr id="64" name="Straight Connector 63"/>
+          <p:cNvCxnSpPr/>
+          <p:nvPr/>
+        </p:nvCxnSpPr>
+        <p:spPr>
+          <a:xfrm flipH="1" flipV="1">
+            <a:off x="7010396" y="5439483"/>
+            <a:ext cx="32236" cy="169982"/>
+          </a:xfrm>
+          <a:prstGeom prst="line">
+            <a:avLst/>
+          </a:prstGeom>
+          <a:ln w="28575">
+            <a:solidFill>
+              <a:schemeClr val="tx1"/>
+            </a:solidFill>
+          </a:ln>
+        </p:spPr>
+        <p:style>
+          <a:lnRef idx="1">
+            <a:schemeClr val="accent1"/>
+          </a:lnRef>
+          <a:fillRef idx="0">
+            <a:schemeClr val="accent1"/>
+          </a:fillRef>
+          <a:effectRef idx="0">
+            <a:schemeClr val="accent1"/>
+          </a:effectRef>
+          <a:fontRef idx="minor">
+            <a:schemeClr val="tx1"/>
+          </a:fontRef>
+        </p:style>
+      </p:cxnSp>
+      <p:sp>
+        <p:nvSpPr>
+          <p:cNvPr id="66" name="Oval 65"/>
+          <p:cNvSpPr/>
+          <p:nvPr/>
+        </p:nvSpPr>
+        <p:spPr>
+          <a:xfrm>
+            <a:off x="3877412" y="5301752"/>
+            <a:ext cx="228600" cy="228600"/>
+          </a:xfrm>
+          <a:prstGeom prst="ellipse">
+            <a:avLst/>
+          </a:prstGeom>
+          <a:solidFill>
+            <a:schemeClr val="bg1"/>
+          </a:solidFill>
+          <a:ln>
+            <a:solidFill>
+              <a:schemeClr val="tx1"/>
+            </a:solidFill>
+          </a:ln>
+        </p:spPr>
+        <p:style>
+          <a:lnRef idx="2">
+            <a:schemeClr val="accent1">
+              <a:shade val="50000"/>
+            </a:schemeClr>
+          </a:lnRef>
+          <a:fillRef idx="1">
+            <a:schemeClr val="accent1"/>
+          </a:fillRef>
+          <a:effectRef idx="0">
+            <a:schemeClr val="accent1"/>
+          </a:effectRef>
+          <a:fontRef idx="minor">
+            <a:schemeClr val="lt1"/>
+          </a:fontRef>
+        </p:style>
+        <p:txBody>
+          <a:bodyPr rtlCol="0" anchor="ctr"/>
+          <a:lstStyle/>
+          <a:p>
+            <a:pPr algn="ctr"/>
+            <a:r>
+              <a:rPr lang="en-US" sz="1600" dirty="0">
+                <a:solidFill>
+                  <a:schemeClr val="tx1"/>
+                </a:solidFill>
+                <a:latin typeface="Arial" panose="020B0604020202020204" pitchFamily="34" charset="0"/>
+                <a:cs typeface="Arial" panose="020B0604020202020204" pitchFamily="34" charset="0"/>
+              </a:rPr>
+              <a:t>5</a:t>
+            </a:r>
+          </a:p>
+        </p:txBody>
+      </p:sp>
+      <p:cxnSp>
+        <p:nvCxnSpPr>
+          <p:cNvPr id="67" name="Straight Connector 66"/>
+          <p:cNvCxnSpPr/>
+          <p:nvPr/>
+        </p:nvCxnSpPr>
+        <p:spPr>
+          <a:xfrm flipV="1">
+            <a:off x="3994635" y="4925913"/>
+            <a:ext cx="32250" cy="381698"/>
+          </a:xfrm>
+          <a:prstGeom prst="line">
+            <a:avLst/>
+          </a:prstGeom>
+          <a:ln w="28575">
+            <a:solidFill>
+              <a:schemeClr val="tx1"/>
+            </a:solidFill>
+          </a:ln>
+        </p:spPr>
+        <p:style>
+          <a:lnRef idx="1">
+            <a:schemeClr val="accent1"/>
+          </a:lnRef>
+          <a:fillRef idx="0">
+            <a:schemeClr val="accent1"/>
+          </a:fillRef>
+          <a:effectRef idx="0">
+            <a:schemeClr val="accent1"/>
+          </a:effectRef>
+          <a:fontRef idx="minor">
+            <a:schemeClr val="tx1"/>
+          </a:fontRef>
+        </p:style>
+      </p:cxnSp>
+      <p:sp>
+        <p:nvSpPr>
+          <p:cNvPr id="73" name="Oval 72"/>
+          <p:cNvSpPr/>
+          <p:nvPr/>
+        </p:nvSpPr>
+        <p:spPr>
+          <a:xfrm>
+            <a:off x="6518546" y="4312601"/>
+            <a:ext cx="228600" cy="228600"/>
+          </a:xfrm>
+          <a:prstGeom prst="ellipse">
+            <a:avLst/>
+          </a:prstGeom>
+          <a:solidFill>
+            <a:schemeClr val="bg1"/>
+          </a:solidFill>
+          <a:ln>
+            <a:solidFill>
+              <a:schemeClr val="tx1"/>
+            </a:solidFill>
+          </a:ln>
+        </p:spPr>
+        <p:style>
+          <a:lnRef idx="2">
+            <a:schemeClr val="accent1">
+              <a:shade val="50000"/>
+            </a:schemeClr>
+          </a:lnRef>
+          <a:fillRef idx="1">
+            <a:schemeClr val="accent1"/>
+          </a:fillRef>
+          <a:effectRef idx="0">
+            <a:schemeClr val="accent1"/>
+          </a:effectRef>
+          <a:fontRef idx="minor">
+            <a:schemeClr val="lt1"/>
+          </a:fontRef>
+        </p:style>
+        <p:txBody>
+          <a:bodyPr rtlCol="0" anchor="ctr"/>
+          <a:lstStyle/>
+          <a:p>
+            <a:pPr algn="ctr"/>
+            <a:endParaRPr lang="en-US" sz="1600" dirty="0">
+              <a:solidFill>
+                <a:schemeClr val="tx1"/>
+              </a:solidFill>
+              <a:latin typeface="Arial" panose="020B0604020202020204" pitchFamily="34" charset="0"/>
+              <a:cs typeface="Arial" panose="020B0604020202020204" pitchFamily="34" charset="0"/>
+            </a:endParaRPr>
+          </a:p>
+        </p:txBody>
+      </p:sp>
+      <p:cxnSp>
+        <p:nvCxnSpPr>
+          <p:cNvPr id="75" name="Straight Connector 74"/>
+          <p:cNvCxnSpPr>
+            <a:stCxn id="73" idx="1"/>
+          </p:cNvCxnSpPr>
+          <p:nvPr/>
+        </p:nvCxnSpPr>
+        <p:spPr>
+          <a:xfrm flipH="1" flipV="1">
+            <a:off x="6408538" y="4091316"/>
+            <a:ext cx="143486" cy="254763"/>
+          </a:xfrm>
+          <a:prstGeom prst="line">
+            <a:avLst/>
+          </a:prstGeom>
+          <a:ln w="28575">
+            <a:solidFill>
+              <a:schemeClr val="tx1"/>
+            </a:solidFill>
+          </a:ln>
+        </p:spPr>
+        <p:style>
+          <a:lnRef idx="1">
+            <a:schemeClr val="accent1"/>
+          </a:lnRef>
+          <a:fillRef idx="0">
+            <a:schemeClr val="accent1"/>
+          </a:fillRef>
+          <a:effectRef idx="0">
+            <a:schemeClr val="accent1"/>
+          </a:effectRef>
+          <a:fontRef idx="minor">
+            <a:schemeClr val="tx1"/>
+          </a:fontRef>
+        </p:style>
+      </p:cxnSp>
+      <p:sp>
+        <p:nvSpPr>
+          <p:cNvPr id="78" name="TextBox 77"/>
+          <p:cNvSpPr txBox="1"/>
+          <p:nvPr/>
+        </p:nvSpPr>
+        <p:spPr>
+          <a:xfrm>
+            <a:off x="6435973" y="4258707"/>
+            <a:ext cx="509953" cy="338554"/>
+          </a:xfrm>
+          <a:prstGeom prst="rect">
+            <a:avLst/>
+          </a:prstGeom>
+          <a:noFill/>
+        </p:spPr>
+        <p:txBody>
+          <a:bodyPr wrap="square" rtlCol="0">
+            <a:spAutoFit/>
+          </a:bodyPr>
+          <a:lstStyle/>
+          <a:p>
+            <a:r>
+              <a:rPr lang="en-US" sz="1600" dirty="0" smtClean="0">
+                <a:latin typeface="Arial" panose="020B0604020202020204" pitchFamily="34" charset="0"/>
+                <a:cs typeface="Arial" panose="020B0604020202020204" pitchFamily="34" charset="0"/>
+              </a:rPr>
+              <a:t>11</a:t>
+            </a:r>
+            <a:endParaRPr lang="en-US" dirty="0">
+              <a:latin typeface="Arial" panose="020B0604020202020204" pitchFamily="34" charset="0"/>
+              <a:cs typeface="Arial" panose="020B0604020202020204" pitchFamily="34" charset="0"/>
+            </a:endParaRPr>
+          </a:p>
+        </p:txBody>
+      </p:sp>
+      <p:sp>
+        <p:nvSpPr>
+          <p:cNvPr id="79" name="TextBox 78"/>
+          <p:cNvSpPr txBox="1"/>
+          <p:nvPr/>
+        </p:nvSpPr>
+        <p:spPr>
+          <a:xfrm>
+            <a:off x="6532679" y="5686393"/>
+            <a:ext cx="509953" cy="338554"/>
+          </a:xfrm>
+          <a:prstGeom prst="rect">
+            <a:avLst/>
+          </a:prstGeom>
+          <a:noFill/>
+        </p:spPr>
+        <p:txBody>
+          <a:bodyPr wrap="square" rtlCol="0">
+            <a:spAutoFit/>
+          </a:bodyPr>
+          <a:lstStyle/>
+          <a:p>
+            <a:r>
+              <a:rPr lang="en-US" sz="1600" dirty="0" smtClean="0">
+                <a:latin typeface="Arial" panose="020B0604020202020204" pitchFamily="34" charset="0"/>
+                <a:cs typeface="Arial" panose="020B0604020202020204" pitchFamily="34" charset="0"/>
+              </a:rPr>
+              <a:t>12</a:t>
+            </a:r>
+            <a:endParaRPr lang="en-US" dirty="0">
+              <a:latin typeface="Arial" panose="020B0604020202020204" pitchFamily="34" charset="0"/>
+              <a:cs typeface="Arial" panose="020B0604020202020204" pitchFamily="34" charset="0"/>
+            </a:endParaRPr>
+          </a:p>
+        </p:txBody>
+      </p:sp>
+      <p:sp>
+        <p:nvSpPr>
+          <p:cNvPr id="80" name="Oval 79"/>
+          <p:cNvSpPr/>
+          <p:nvPr/>
+        </p:nvSpPr>
+        <p:spPr>
+          <a:xfrm>
+            <a:off x="3601924" y="4619576"/>
+            <a:ext cx="228600" cy="228600"/>
+          </a:xfrm>
+          <a:prstGeom prst="ellipse">
+            <a:avLst/>
+          </a:prstGeom>
+          <a:solidFill>
+            <a:schemeClr val="bg1"/>
+          </a:solidFill>
+          <a:ln>
+            <a:solidFill>
+              <a:schemeClr val="tx1"/>
+            </a:solidFill>
+          </a:ln>
+        </p:spPr>
+        <p:style>
+          <a:lnRef idx="2">
+            <a:schemeClr val="accent1">
+              <a:shade val="50000"/>
+            </a:schemeClr>
+          </a:lnRef>
+          <a:fillRef idx="1">
+            <a:schemeClr val="accent1"/>
+          </a:fillRef>
+          <a:effectRef idx="0">
+            <a:schemeClr val="accent1"/>
+          </a:effectRef>
+          <a:fontRef idx="minor">
+            <a:schemeClr val="lt1"/>
+          </a:fontRef>
+        </p:style>
+        <p:txBody>
+          <a:bodyPr rtlCol="0" anchor="ctr"/>
+          <a:lstStyle/>
+          <a:p>
+            <a:pPr algn="ctr"/>
+            <a:endParaRPr lang="en-US" sz="1600" dirty="0">
+              <a:solidFill>
+                <a:schemeClr val="tx1"/>
+              </a:solidFill>
+              <a:latin typeface="Arial" panose="020B0604020202020204" pitchFamily="34" charset="0"/>
+              <a:cs typeface="Arial" panose="020B0604020202020204" pitchFamily="34" charset="0"/>
+            </a:endParaRPr>
+          </a:p>
+        </p:txBody>
+      </p:sp>
+      <p:sp>
+        <p:nvSpPr>
+          <p:cNvPr id="81" name="TextBox 80"/>
+          <p:cNvSpPr txBox="1"/>
+          <p:nvPr/>
+        </p:nvSpPr>
+        <p:spPr>
+          <a:xfrm>
+            <a:off x="3496415" y="4559477"/>
+            <a:ext cx="509953" cy="338554"/>
+          </a:xfrm>
+          <a:prstGeom prst="rect">
+            <a:avLst/>
+          </a:prstGeom>
+          <a:noFill/>
+        </p:spPr>
+        <p:txBody>
+          <a:bodyPr wrap="square" rtlCol="0">
+            <a:spAutoFit/>
+          </a:bodyPr>
+          <a:lstStyle/>
+          <a:p>
+            <a:r>
+              <a:rPr lang="en-US" sz="1600" dirty="0" smtClean="0">
+                <a:latin typeface="Arial" panose="020B0604020202020204" pitchFamily="34" charset="0"/>
+                <a:cs typeface="Arial" panose="020B0604020202020204" pitchFamily="34" charset="0"/>
+              </a:rPr>
+              <a:t>15</a:t>
+            </a:r>
+            <a:endParaRPr lang="en-US" dirty="0">
+              <a:latin typeface="Arial" panose="020B0604020202020204" pitchFamily="34" charset="0"/>
+              <a:cs typeface="Arial" panose="020B0604020202020204" pitchFamily="34" charset="0"/>
+            </a:endParaRPr>
+          </a:p>
+        </p:txBody>
+      </p:sp>
+      <p:cxnSp>
+        <p:nvCxnSpPr>
+          <p:cNvPr id="82" name="Straight Connector 81"/>
+          <p:cNvCxnSpPr>
+            <a:endCxn id="41" idx="3"/>
+          </p:cNvCxnSpPr>
+          <p:nvPr/>
+        </p:nvCxnSpPr>
+        <p:spPr>
+          <a:xfrm flipV="1">
+            <a:off x="4418895" y="3647558"/>
+            <a:ext cx="315543" cy="84805"/>
+          </a:xfrm>
+          <a:prstGeom prst="line">
+            <a:avLst/>
+          </a:prstGeom>
+          <a:ln w="28575">
+            <a:solidFill>
+              <a:schemeClr val="tx1"/>
+            </a:solidFill>
+          </a:ln>
+        </p:spPr>
+        <p:style>
+          <a:lnRef idx="1">
+            <a:schemeClr val="accent1"/>
+          </a:lnRef>
+          <a:fillRef idx="0">
+            <a:schemeClr val="accent1"/>
+          </a:fillRef>
+          <a:effectRef idx="0">
+            <a:schemeClr val="accent1"/>
+          </a:effectRef>
+          <a:fontRef idx="minor">
+            <a:schemeClr val="tx1"/>
+          </a:fontRef>
+        </p:style>
+      </p:cxnSp>
+      <p:sp>
+        <p:nvSpPr>
+          <p:cNvPr id="83" name="Oval 82"/>
+          <p:cNvSpPr/>
+          <p:nvPr/>
+        </p:nvSpPr>
+        <p:spPr>
+          <a:xfrm>
+            <a:off x="4018093" y="4607146"/>
+            <a:ext cx="228600" cy="228600"/>
+          </a:xfrm>
+          <a:prstGeom prst="ellipse">
+            <a:avLst/>
+          </a:prstGeom>
+          <a:solidFill>
+            <a:schemeClr val="bg1"/>
+          </a:solidFill>
+          <a:ln>
+            <a:solidFill>
+              <a:schemeClr val="tx1"/>
+            </a:solidFill>
+          </a:ln>
+        </p:spPr>
+        <p:style>
+          <a:lnRef idx="2">
+            <a:schemeClr val="accent1">
+              <a:shade val="50000"/>
+            </a:schemeClr>
+          </a:lnRef>
+          <a:fillRef idx="1">
+            <a:schemeClr val="accent1"/>
+          </a:fillRef>
+          <a:effectRef idx="0">
+            <a:schemeClr val="accent1"/>
+          </a:effectRef>
+          <a:fontRef idx="minor">
+            <a:schemeClr val="lt1"/>
+          </a:fontRef>
+        </p:style>
+        <p:txBody>
+          <a:bodyPr rtlCol="0" anchor="ctr"/>
+          <a:lstStyle/>
+          <a:p>
+            <a:pPr algn="ctr"/>
+            <a:endParaRPr lang="en-US" sz="1600" dirty="0">
+              <a:solidFill>
+                <a:schemeClr val="tx1"/>
+              </a:solidFill>
+              <a:latin typeface="Arial" panose="020B0604020202020204" pitchFamily="34" charset="0"/>
+              <a:cs typeface="Arial" panose="020B0604020202020204" pitchFamily="34" charset="0"/>
+            </a:endParaRPr>
+          </a:p>
+        </p:txBody>
+      </p:sp>
+      <p:sp>
+        <p:nvSpPr>
+          <p:cNvPr id="84" name="TextBox 83"/>
+          <p:cNvSpPr txBox="1"/>
+          <p:nvPr/>
+        </p:nvSpPr>
+        <p:spPr>
+          <a:xfrm>
+            <a:off x="3912584" y="4564631"/>
+            <a:ext cx="509953" cy="338554"/>
+          </a:xfrm>
+          <a:prstGeom prst="rect">
+            <a:avLst/>
+          </a:prstGeom>
+          <a:noFill/>
+        </p:spPr>
+        <p:txBody>
+          <a:bodyPr wrap="square" rtlCol="0">
+            <a:spAutoFit/>
+          </a:bodyPr>
+          <a:lstStyle/>
+          <a:p>
+            <a:r>
+              <a:rPr lang="en-US" sz="1600" dirty="0" smtClean="0">
+                <a:latin typeface="Arial" panose="020B0604020202020204" pitchFamily="34" charset="0"/>
+                <a:cs typeface="Arial" panose="020B0604020202020204" pitchFamily="34" charset="0"/>
+              </a:rPr>
+              <a:t>10</a:t>
+            </a:r>
+            <a:endParaRPr lang="en-US" dirty="0">
+              <a:latin typeface="Arial" panose="020B0604020202020204" pitchFamily="34" charset="0"/>
+              <a:cs typeface="Arial" panose="020B0604020202020204" pitchFamily="34" charset="0"/>
+            </a:endParaRPr>
+          </a:p>
+        </p:txBody>
+      </p:sp>
+      <p:cxnSp>
+        <p:nvCxnSpPr>
+          <p:cNvPr id="85" name="Straight Connector 84"/>
+          <p:cNvCxnSpPr/>
+          <p:nvPr/>
+        </p:nvCxnSpPr>
+        <p:spPr>
+          <a:xfrm flipV="1">
+            <a:off x="4167561" y="4258707"/>
+            <a:ext cx="47319" cy="332301"/>
+          </a:xfrm>
+          <a:prstGeom prst="line">
+            <a:avLst/>
+          </a:prstGeom>
+          <a:ln w="28575">
+            <a:solidFill>
+              <a:schemeClr val="tx1"/>
+            </a:solidFill>
+          </a:ln>
+        </p:spPr>
+        <p:style>
+          <a:lnRef idx="1">
+            <a:schemeClr val="accent1"/>
+          </a:lnRef>
+          <a:fillRef idx="0">
+            <a:schemeClr val="accent1"/>
+          </a:fillRef>
+          <a:effectRef idx="0">
+            <a:schemeClr val="accent1"/>
+          </a:effectRef>
+          <a:fontRef idx="minor">
+            <a:schemeClr val="tx1"/>
+          </a:fontRef>
+        </p:style>
+      </p:cxnSp>
+      <p:cxnSp>
+        <p:nvCxnSpPr>
+          <p:cNvPr id="93" name="Straight Connector 92"/>
+          <p:cNvCxnSpPr/>
+          <p:nvPr/>
+        </p:nvCxnSpPr>
+        <p:spPr>
+          <a:xfrm flipV="1">
+            <a:off x="3774413" y="4276291"/>
+            <a:ext cx="47319" cy="332301"/>
+          </a:xfrm>
+          <a:prstGeom prst="line">
+            <a:avLst/>
+          </a:prstGeom>
+          <a:ln w="28575">
+            <a:solidFill>
+              <a:schemeClr val="tx1"/>
+            </a:solidFill>
+          </a:ln>
+        </p:spPr>
+        <p:style>
+          <a:lnRef idx="1">
+            <a:schemeClr val="accent1"/>
+          </a:lnRef>
+          <a:fillRef idx="0">
+            <a:schemeClr val="accent1"/>
+          </a:fillRef>
+          <a:effectRef idx="0">
+            <a:schemeClr val="accent1"/>
+          </a:effectRef>
+          <a:fontRef idx="minor">
+            <a:schemeClr val="tx1"/>
+          </a:fontRef>
+        </p:style>
+      </p:cxnSp>
+      <p:sp>
+        <p:nvSpPr>
+          <p:cNvPr id="96" name="Oval 95"/>
+          <p:cNvSpPr/>
+          <p:nvPr/>
+        </p:nvSpPr>
+        <p:spPr>
+          <a:xfrm>
+            <a:off x="5820441" y="4917067"/>
+            <a:ext cx="228600" cy="228600"/>
+          </a:xfrm>
+          <a:prstGeom prst="ellipse">
+            <a:avLst/>
+          </a:prstGeom>
+          <a:solidFill>
+            <a:schemeClr val="bg1"/>
+          </a:solidFill>
+          <a:ln>
+            <a:solidFill>
+              <a:schemeClr val="tx1"/>
+            </a:solidFill>
+          </a:ln>
+        </p:spPr>
+        <p:style>
+          <a:lnRef idx="2">
+            <a:schemeClr val="accent1">
+              <a:shade val="50000"/>
+            </a:schemeClr>
+          </a:lnRef>
+          <a:fillRef idx="1">
+            <a:schemeClr val="accent1"/>
+          </a:fillRef>
+          <a:effectRef idx="0">
+            <a:schemeClr val="accent1"/>
+          </a:effectRef>
+          <a:fontRef idx="minor">
+            <a:schemeClr val="lt1"/>
+          </a:fontRef>
+        </p:style>
+        <p:txBody>
+          <a:bodyPr rtlCol="0" anchor="ctr"/>
+          <a:lstStyle/>
+          <a:p>
+            <a:pPr algn="ctr"/>
+            <a:endParaRPr lang="en-US" sz="1600" dirty="0">
+              <a:solidFill>
+                <a:schemeClr val="tx1"/>
+              </a:solidFill>
+              <a:latin typeface="Arial" panose="020B0604020202020204" pitchFamily="34" charset="0"/>
+              <a:cs typeface="Arial" panose="020B0604020202020204" pitchFamily="34" charset="0"/>
+            </a:endParaRPr>
+          </a:p>
+        </p:txBody>
+      </p:sp>
+      <p:sp>
+        <p:nvSpPr>
+          <p:cNvPr id="97" name="TextBox 96"/>
+          <p:cNvSpPr txBox="1"/>
+          <p:nvPr/>
+        </p:nvSpPr>
+        <p:spPr>
+          <a:xfrm>
+            <a:off x="5714932" y="4856968"/>
+            <a:ext cx="509953" cy="338554"/>
+          </a:xfrm>
+          <a:prstGeom prst="rect">
+            <a:avLst/>
+          </a:prstGeom>
+          <a:noFill/>
+        </p:spPr>
+        <p:txBody>
+          <a:bodyPr wrap="square" rtlCol="0">
+            <a:spAutoFit/>
+          </a:bodyPr>
+          <a:lstStyle/>
+          <a:p>
+            <a:r>
+              <a:rPr lang="en-US" sz="1600" dirty="0" smtClean="0">
+                <a:latin typeface="Arial" panose="020B0604020202020204" pitchFamily="34" charset="0"/>
+                <a:cs typeface="Arial" panose="020B0604020202020204" pitchFamily="34" charset="0"/>
+              </a:rPr>
+              <a:t>19</a:t>
+            </a:r>
+            <a:endParaRPr lang="en-US" dirty="0">
+              <a:latin typeface="Arial" panose="020B0604020202020204" pitchFamily="34" charset="0"/>
+              <a:cs typeface="Arial" panose="020B0604020202020204" pitchFamily="34" charset="0"/>
+            </a:endParaRPr>
+          </a:p>
+        </p:txBody>
+      </p:sp>
+      <p:sp>
+        <p:nvSpPr>
+          <p:cNvPr id="98" name="Oval 97"/>
+          <p:cNvSpPr/>
+          <p:nvPr/>
+        </p:nvSpPr>
+        <p:spPr>
+          <a:xfrm>
+            <a:off x="5518649" y="5533980"/>
+            <a:ext cx="228600" cy="228600"/>
+          </a:xfrm>
+          <a:prstGeom prst="ellipse">
+            <a:avLst/>
+          </a:prstGeom>
+          <a:solidFill>
+            <a:schemeClr val="bg1"/>
+          </a:solidFill>
+          <a:ln>
+            <a:solidFill>
+              <a:schemeClr val="tx1"/>
+            </a:solidFill>
+          </a:ln>
+        </p:spPr>
+        <p:style>
+          <a:lnRef idx="2">
+            <a:schemeClr val="accent1">
+              <a:shade val="50000"/>
+            </a:schemeClr>
+          </a:lnRef>
+          <a:fillRef idx="1">
+            <a:schemeClr val="accent1"/>
+          </a:fillRef>
+          <a:effectRef idx="0">
+            <a:schemeClr val="accent1"/>
+          </a:effectRef>
+          <a:fontRef idx="minor">
+            <a:schemeClr val="lt1"/>
+          </a:fontRef>
+        </p:style>
+        <p:txBody>
+          <a:bodyPr rtlCol="0" anchor="ctr"/>
+          <a:lstStyle/>
+          <a:p>
+            <a:pPr algn="ctr"/>
+            <a:endParaRPr lang="en-US" sz="1600" dirty="0">
+              <a:solidFill>
+                <a:schemeClr val="tx1"/>
+              </a:solidFill>
+              <a:latin typeface="Arial" panose="020B0604020202020204" pitchFamily="34" charset="0"/>
+              <a:cs typeface="Arial" panose="020B0604020202020204" pitchFamily="34" charset="0"/>
+            </a:endParaRPr>
+          </a:p>
+        </p:txBody>
+      </p:sp>
+      <p:sp>
+        <p:nvSpPr>
+          <p:cNvPr id="99" name="TextBox 98"/>
+          <p:cNvSpPr txBox="1"/>
+          <p:nvPr/>
+        </p:nvSpPr>
+        <p:spPr>
+          <a:xfrm>
+            <a:off x="5430724" y="5473881"/>
+            <a:ext cx="509953" cy="338554"/>
+          </a:xfrm>
+          <a:prstGeom prst="rect">
+            <a:avLst/>
+          </a:prstGeom>
+          <a:noFill/>
+        </p:spPr>
+        <p:txBody>
+          <a:bodyPr wrap="square" rtlCol="0">
+            <a:spAutoFit/>
+          </a:bodyPr>
+          <a:lstStyle/>
+          <a:p>
+            <a:r>
+              <a:rPr lang="en-US" sz="1600" dirty="0" smtClean="0">
+                <a:latin typeface="Arial" panose="020B0604020202020204" pitchFamily="34" charset="0"/>
+                <a:cs typeface="Arial" panose="020B0604020202020204" pitchFamily="34" charset="0"/>
+              </a:rPr>
+              <a:t>20</a:t>
+            </a:r>
+            <a:endParaRPr lang="en-US" dirty="0">
+              <a:latin typeface="Arial" panose="020B0604020202020204" pitchFamily="34" charset="0"/>
+              <a:cs typeface="Arial" panose="020B0604020202020204" pitchFamily="34" charset="0"/>
+            </a:endParaRPr>
+          </a:p>
+        </p:txBody>
+      </p:sp>
+    </p:spTree>
+    <p:extLst>
+      <p:ext uri="{BB962C8B-B14F-4D97-AF65-F5344CB8AC3E}">
+        <p14:creationId xmlns:p14="http://schemas.microsoft.com/office/powerpoint/2010/main" val="1843293437"/>
+      </p:ext>
+    </p:extLst>
+  </p:cSld>
+  <p:clrMapOvr>
+    <a:masterClrMapping/>
+  </p:clrMapOvr>
+</p:sld>
+</file>
+
+<file path=ppt/slides/slide6.xml><?xml version="1.0" encoding="utf-8"?>
+<p:sld xmlns:a="http://schemas.openxmlformats.org/drawingml/2006/main" xmlns:r="http://schemas.openxmlformats.org/officeDocument/2006/relationships" xmlns:p="http://schemas.openxmlformats.org/presentationml/2006/main">
+  <p:cSld>
+    <p:spTree>
+      <p:nvGrpSpPr>
+        <p:cNvPr id="1" name=""/>
+        <p:cNvGrpSpPr/>
+        <p:nvPr/>
+      </p:nvGrpSpPr>
+      <p:grpSpPr>
+        <a:xfrm>
+          <a:off x="0" y="0"/>
+          <a:ext cx="0" cy="0"/>
+          <a:chOff x="0" y="0"/>
+          <a:chExt cx="0" cy="0"/>
+        </a:xfrm>
+      </p:grpSpPr>
+      <p:pic>
+        <p:nvPicPr>
+          <p:cNvPr id="100" name="Picture 99"/>
+          <p:cNvPicPr>
+            <a:picLocks noChangeAspect="1"/>
+          </p:cNvPicPr>
+          <p:nvPr/>
+        </p:nvPicPr>
+        <p:blipFill>
+          <a:blip r:embed="rId3" cstate="print">
+            <a:extLst>
+              <a:ext uri="{28A0092B-C50C-407E-A947-70E740481C1C}">
+                <a14:useLocalDpi xmlns:a14="http://schemas.microsoft.com/office/drawing/2010/main" val="0"/>
+              </a:ext>
+            </a:extLst>
+          </a:blip>
+          <a:stretch>
+            <a:fillRect/>
+          </a:stretch>
+        </p:blipFill>
+        <p:spPr>
+          <a:xfrm>
+            <a:off x="3446318" y="0"/>
+            <a:ext cx="5299364" cy="6858000"/>
+          </a:xfrm>
+          <a:prstGeom prst="rect">
+            <a:avLst/>
+          </a:prstGeom>
+        </p:spPr>
+      </p:pic>
+      <p:sp>
+        <p:nvSpPr>
+          <p:cNvPr id="30" name="Oval 29"/>
+          <p:cNvSpPr/>
+          <p:nvPr/>
+        </p:nvSpPr>
+        <p:spPr>
+          <a:xfrm>
+            <a:off x="6910749" y="5618275"/>
+            <a:ext cx="228600" cy="228600"/>
+          </a:xfrm>
+          <a:prstGeom prst="ellipse">
+            <a:avLst/>
+          </a:prstGeom>
+          <a:solidFill>
+            <a:schemeClr val="bg1"/>
+          </a:solidFill>
+          <a:ln>
+            <a:solidFill>
+              <a:schemeClr val="tx1"/>
+            </a:solidFill>
+          </a:ln>
+        </p:spPr>
+        <p:style>
+          <a:lnRef idx="2">
+            <a:schemeClr val="accent1">
+              <a:shade val="50000"/>
+            </a:schemeClr>
+          </a:lnRef>
+          <a:fillRef idx="1">
+            <a:schemeClr val="accent1"/>
+          </a:fillRef>
+          <a:effectRef idx="0">
+            <a:schemeClr val="accent1"/>
+          </a:effectRef>
+          <a:fontRef idx="minor">
+            <a:schemeClr val="lt1"/>
+          </a:fontRef>
+        </p:style>
+        <p:txBody>
+          <a:bodyPr rtlCol="0" anchor="ctr"/>
+          <a:lstStyle/>
+          <a:p>
+            <a:pPr algn="ctr"/>
+            <a:r>
+              <a:rPr lang="en-US" sz="1600" dirty="0" smtClean="0">
+                <a:solidFill>
+                  <a:schemeClr val="tx1"/>
+                </a:solidFill>
+                <a:latin typeface="Arial" panose="020B0604020202020204" pitchFamily="34" charset="0"/>
+                <a:cs typeface="Arial" panose="020B0604020202020204" pitchFamily="34" charset="0"/>
+              </a:rPr>
+              <a:t>1</a:t>
+            </a:r>
+            <a:endParaRPr lang="en-US" sz="1600" dirty="0">
+              <a:solidFill>
+                <a:schemeClr val="tx1"/>
+              </a:solidFill>
+              <a:latin typeface="Arial" panose="020B0604020202020204" pitchFamily="34" charset="0"/>
+              <a:cs typeface="Arial" panose="020B0604020202020204" pitchFamily="34" charset="0"/>
+            </a:endParaRPr>
+          </a:p>
+        </p:txBody>
+      </p:sp>
+      <p:sp>
+        <p:nvSpPr>
+          <p:cNvPr id="31" name="Oval 30"/>
+          <p:cNvSpPr/>
+          <p:nvPr/>
+        </p:nvSpPr>
+        <p:spPr>
+          <a:xfrm>
+            <a:off x="7617072" y="4337528"/>
+            <a:ext cx="228600" cy="228600"/>
+          </a:xfrm>
+          <a:prstGeom prst="ellipse">
+            <a:avLst/>
+          </a:prstGeom>
+          <a:solidFill>
+            <a:schemeClr val="bg1"/>
+          </a:solidFill>
+          <a:ln>
+            <a:solidFill>
+              <a:schemeClr val="tx1"/>
+            </a:solidFill>
+          </a:ln>
+        </p:spPr>
+        <p:style>
+          <a:lnRef idx="2">
+            <a:schemeClr val="accent1">
+              <a:shade val="50000"/>
+            </a:schemeClr>
+          </a:lnRef>
+          <a:fillRef idx="1">
+            <a:schemeClr val="accent1"/>
+          </a:fillRef>
+          <a:effectRef idx="0">
+            <a:schemeClr val="accent1"/>
+          </a:effectRef>
+          <a:fontRef idx="minor">
+            <a:schemeClr val="lt1"/>
+          </a:fontRef>
+        </p:style>
+        <p:txBody>
+          <a:bodyPr rtlCol="0" anchor="ctr"/>
+          <a:lstStyle/>
+          <a:p>
+            <a:pPr algn="ctr"/>
+            <a:r>
+              <a:rPr lang="en-US" sz="1600" dirty="0">
+                <a:solidFill>
+                  <a:schemeClr val="tx1"/>
+                </a:solidFill>
+                <a:latin typeface="Arial" panose="020B0604020202020204" pitchFamily="34" charset="0"/>
+                <a:cs typeface="Arial" panose="020B0604020202020204" pitchFamily="34" charset="0"/>
+              </a:rPr>
+              <a:t>4</a:t>
+            </a:r>
+            <a:endParaRPr lang="en-US" sz="1600" dirty="0">
+              <a:solidFill>
+                <a:schemeClr val="tx1"/>
+              </a:solidFill>
+              <a:latin typeface="Arial" panose="020B0604020202020204" pitchFamily="34" charset="0"/>
+              <a:cs typeface="Arial" panose="020B0604020202020204" pitchFamily="34" charset="0"/>
+            </a:endParaRPr>
+          </a:p>
+        </p:txBody>
+      </p:sp>
+      <p:cxnSp>
+        <p:nvCxnSpPr>
+          <p:cNvPr id="32" name="Straight Connector 31"/>
+          <p:cNvCxnSpPr>
+            <a:stCxn id="31" idx="2"/>
+          </p:cNvCxnSpPr>
+          <p:nvPr/>
+        </p:nvCxnSpPr>
+        <p:spPr>
+          <a:xfrm flipH="1">
+            <a:off x="7280031" y="4451828"/>
+            <a:ext cx="337041" cy="5872"/>
+          </a:xfrm>
+          <a:prstGeom prst="line">
+            <a:avLst/>
+          </a:prstGeom>
+          <a:ln w="28575">
+            <a:solidFill>
+              <a:schemeClr val="tx1"/>
+            </a:solidFill>
+          </a:ln>
+        </p:spPr>
+        <p:style>
+          <a:lnRef idx="1">
+            <a:schemeClr val="accent1"/>
+          </a:lnRef>
+          <a:fillRef idx="0">
+            <a:schemeClr val="accent1"/>
+          </a:fillRef>
+          <a:effectRef idx="0">
+            <a:schemeClr val="accent1"/>
+          </a:effectRef>
+          <a:fontRef idx="minor">
+            <a:schemeClr val="tx1"/>
+          </a:fontRef>
+        </p:style>
+      </p:cxnSp>
+      <p:sp>
+        <p:nvSpPr>
+          <p:cNvPr id="33" name="Oval 32"/>
+          <p:cNvSpPr/>
+          <p:nvPr/>
+        </p:nvSpPr>
+        <p:spPr>
+          <a:xfrm>
+            <a:off x="7663966" y="4621808"/>
+            <a:ext cx="228600" cy="228600"/>
+          </a:xfrm>
+          <a:prstGeom prst="ellipse">
+            <a:avLst/>
+          </a:prstGeom>
+          <a:solidFill>
+            <a:schemeClr val="bg1"/>
+          </a:solidFill>
+          <a:ln>
+            <a:solidFill>
+              <a:schemeClr val="tx1"/>
+            </a:solidFill>
+          </a:ln>
+        </p:spPr>
+        <p:style>
+          <a:lnRef idx="2">
+            <a:schemeClr val="accent1">
+              <a:shade val="50000"/>
+            </a:schemeClr>
+          </a:lnRef>
+          <a:fillRef idx="1">
+            <a:schemeClr val="accent1"/>
+          </a:fillRef>
+          <a:effectRef idx="0">
+            <a:schemeClr val="accent1"/>
+          </a:effectRef>
+          <a:fontRef idx="minor">
+            <a:schemeClr val="lt1"/>
+          </a:fontRef>
+        </p:style>
+        <p:txBody>
+          <a:bodyPr rtlCol="0" anchor="ctr"/>
+          <a:lstStyle/>
+          <a:p>
+            <a:pPr algn="ctr"/>
+            <a:r>
+              <a:rPr lang="en-US" sz="1600" dirty="0" smtClean="0">
+                <a:solidFill>
+                  <a:schemeClr val="tx1"/>
+                </a:solidFill>
+                <a:latin typeface="Arial" panose="020B0604020202020204" pitchFamily="34" charset="0"/>
+                <a:cs typeface="Arial" panose="020B0604020202020204" pitchFamily="34" charset="0"/>
+              </a:rPr>
+              <a:t>2</a:t>
+            </a:r>
+            <a:endParaRPr lang="en-US" sz="1600" dirty="0">
+              <a:solidFill>
+                <a:schemeClr val="tx1"/>
+              </a:solidFill>
+              <a:latin typeface="Arial" panose="020B0604020202020204" pitchFamily="34" charset="0"/>
+              <a:cs typeface="Arial" panose="020B0604020202020204" pitchFamily="34" charset="0"/>
+            </a:endParaRPr>
+          </a:p>
+        </p:txBody>
+      </p:sp>
+      <p:cxnSp>
+        <p:nvCxnSpPr>
+          <p:cNvPr id="34" name="Straight Connector 33"/>
+          <p:cNvCxnSpPr>
+            <a:stCxn id="33" idx="2"/>
+          </p:cNvCxnSpPr>
+          <p:nvPr/>
+        </p:nvCxnSpPr>
+        <p:spPr>
+          <a:xfrm flipH="1" flipV="1">
+            <a:off x="7280031" y="4617406"/>
+            <a:ext cx="383935" cy="118702"/>
+          </a:xfrm>
+          <a:prstGeom prst="line">
+            <a:avLst/>
+          </a:prstGeom>
+          <a:ln w="28575">
+            <a:solidFill>
+              <a:schemeClr val="tx1"/>
+            </a:solidFill>
+          </a:ln>
+        </p:spPr>
+        <p:style>
+          <a:lnRef idx="1">
+            <a:schemeClr val="accent1"/>
+          </a:lnRef>
+          <a:fillRef idx="0">
+            <a:schemeClr val="accent1"/>
+          </a:fillRef>
+          <a:effectRef idx="0">
+            <a:schemeClr val="accent1"/>
+          </a:effectRef>
+          <a:fontRef idx="minor">
+            <a:schemeClr val="tx1"/>
+          </a:fontRef>
+        </p:style>
+      </p:cxnSp>
+      <p:sp>
+        <p:nvSpPr>
+          <p:cNvPr id="35" name="Oval 34"/>
+          <p:cNvSpPr/>
+          <p:nvPr/>
+        </p:nvSpPr>
+        <p:spPr>
+          <a:xfrm>
+            <a:off x="7488116" y="5105386"/>
+            <a:ext cx="228600" cy="228600"/>
+          </a:xfrm>
+          <a:prstGeom prst="ellipse">
+            <a:avLst/>
+          </a:prstGeom>
+          <a:solidFill>
+            <a:schemeClr val="bg1"/>
+          </a:solidFill>
+          <a:ln>
+            <a:solidFill>
+              <a:schemeClr val="tx1"/>
+            </a:solidFill>
+          </a:ln>
+        </p:spPr>
+        <p:style>
+          <a:lnRef idx="2">
+            <a:schemeClr val="accent1">
+              <a:shade val="50000"/>
+            </a:schemeClr>
+          </a:lnRef>
+          <a:fillRef idx="1">
+            <a:schemeClr val="accent1"/>
+          </a:fillRef>
+          <a:effectRef idx="0">
+            <a:schemeClr val="accent1"/>
+          </a:effectRef>
+          <a:fontRef idx="minor">
+            <a:schemeClr val="lt1"/>
+          </a:fontRef>
+        </p:style>
+        <p:txBody>
+          <a:bodyPr rtlCol="0" anchor="ctr"/>
+          <a:lstStyle/>
+          <a:p>
+            <a:pPr algn="ctr"/>
+            <a:r>
+              <a:rPr lang="en-US" sz="1600" dirty="0" smtClean="0">
+                <a:solidFill>
+                  <a:schemeClr val="tx1"/>
+                </a:solidFill>
+                <a:latin typeface="Arial" panose="020B0604020202020204" pitchFamily="34" charset="0"/>
+                <a:cs typeface="Arial" panose="020B0604020202020204" pitchFamily="34" charset="0"/>
+              </a:rPr>
+              <a:t>3</a:t>
+            </a:r>
+            <a:endParaRPr lang="en-US" sz="1600" dirty="0">
+              <a:solidFill>
+                <a:schemeClr val="tx1"/>
+              </a:solidFill>
+              <a:latin typeface="Arial" panose="020B0604020202020204" pitchFamily="34" charset="0"/>
+              <a:cs typeface="Arial" panose="020B0604020202020204" pitchFamily="34" charset="0"/>
+            </a:endParaRPr>
+          </a:p>
+        </p:txBody>
+      </p:sp>
+      <p:cxnSp>
+        <p:nvCxnSpPr>
+          <p:cNvPr id="36" name="Straight Connector 35"/>
+          <p:cNvCxnSpPr>
+            <a:stCxn id="35" idx="2"/>
+          </p:cNvCxnSpPr>
+          <p:nvPr/>
+        </p:nvCxnSpPr>
+        <p:spPr>
+          <a:xfrm flipH="1" flipV="1">
+            <a:off x="7139349" y="5105386"/>
+            <a:ext cx="348767" cy="114300"/>
+          </a:xfrm>
+          <a:prstGeom prst="line">
+            <a:avLst/>
+          </a:prstGeom>
+          <a:ln w="28575">
+            <a:solidFill>
+              <a:schemeClr val="tx1"/>
+            </a:solidFill>
+          </a:ln>
+        </p:spPr>
+        <p:style>
+          <a:lnRef idx="1">
+            <a:schemeClr val="accent1"/>
+          </a:lnRef>
+          <a:fillRef idx="0">
+            <a:schemeClr val="accent1"/>
+          </a:fillRef>
+          <a:effectRef idx="0">
+            <a:schemeClr val="accent1"/>
+          </a:effectRef>
+          <a:fontRef idx="minor">
+            <a:schemeClr val="tx1"/>
+          </a:fontRef>
+        </p:style>
+      </p:cxnSp>
+      <p:sp>
+        <p:nvSpPr>
+          <p:cNvPr id="37" name="Oval 36"/>
+          <p:cNvSpPr/>
+          <p:nvPr/>
+        </p:nvSpPr>
+        <p:spPr>
+          <a:xfrm>
+            <a:off x="6353912" y="5650512"/>
+            <a:ext cx="228600" cy="228600"/>
+          </a:xfrm>
+          <a:prstGeom prst="ellipse">
+            <a:avLst/>
+          </a:prstGeom>
+          <a:solidFill>
+            <a:schemeClr val="bg1"/>
+          </a:solidFill>
+          <a:ln>
+            <a:solidFill>
+              <a:schemeClr val="tx1"/>
+            </a:solidFill>
+          </a:ln>
+        </p:spPr>
+        <p:style>
+          <a:lnRef idx="2">
+            <a:schemeClr val="accent1">
+              <a:shade val="50000"/>
+            </a:schemeClr>
+          </a:lnRef>
+          <a:fillRef idx="1">
+            <a:schemeClr val="accent1"/>
+          </a:fillRef>
+          <a:effectRef idx="0">
+            <a:schemeClr val="accent1"/>
+          </a:effectRef>
+          <a:fontRef idx="minor">
+            <a:schemeClr val="lt1"/>
+          </a:fontRef>
+        </p:style>
+        <p:txBody>
+          <a:bodyPr rtlCol="0" anchor="ctr"/>
+          <a:lstStyle/>
+          <a:p>
+            <a:pPr algn="ctr"/>
+            <a:r>
+              <a:rPr lang="en-US" sz="1600" dirty="0">
+                <a:solidFill>
+                  <a:schemeClr val="tx1"/>
+                </a:solidFill>
+                <a:latin typeface="Arial" panose="020B0604020202020204" pitchFamily="34" charset="0"/>
+                <a:cs typeface="Arial" panose="020B0604020202020204" pitchFamily="34" charset="0"/>
+              </a:rPr>
+              <a:t>6</a:t>
+            </a:r>
+            <a:endParaRPr lang="en-US" sz="1600" dirty="0">
+              <a:solidFill>
+                <a:schemeClr val="tx1"/>
+              </a:solidFill>
+              <a:latin typeface="Arial" panose="020B0604020202020204" pitchFamily="34" charset="0"/>
+              <a:cs typeface="Arial" panose="020B0604020202020204" pitchFamily="34" charset="0"/>
+            </a:endParaRPr>
+          </a:p>
+        </p:txBody>
+      </p:sp>
+      <p:cxnSp>
+        <p:nvCxnSpPr>
+          <p:cNvPr id="38" name="Straight Connector 37"/>
+          <p:cNvCxnSpPr/>
+          <p:nvPr/>
+        </p:nvCxnSpPr>
+        <p:spPr>
+          <a:xfrm flipV="1">
+            <a:off x="6450624" y="5219686"/>
+            <a:ext cx="131888" cy="430830"/>
+          </a:xfrm>
+          <a:prstGeom prst="line">
+            <a:avLst/>
+          </a:prstGeom>
+          <a:ln w="28575">
+            <a:solidFill>
+              <a:schemeClr val="tx1"/>
+            </a:solidFill>
+          </a:ln>
+        </p:spPr>
+        <p:style>
+          <a:lnRef idx="1">
+            <a:schemeClr val="accent1"/>
+          </a:lnRef>
+          <a:fillRef idx="0">
+            <a:schemeClr val="accent1"/>
+          </a:fillRef>
+          <a:effectRef idx="0">
+            <a:schemeClr val="accent1"/>
+          </a:effectRef>
+          <a:fontRef idx="minor">
+            <a:schemeClr val="tx1"/>
+          </a:fontRef>
+        </p:style>
+      </p:cxnSp>
+      <p:sp>
+        <p:nvSpPr>
+          <p:cNvPr id="39" name="Oval 38"/>
+          <p:cNvSpPr/>
+          <p:nvPr/>
+        </p:nvSpPr>
+        <p:spPr>
+          <a:xfrm>
+            <a:off x="7681552" y="3883262"/>
+            <a:ext cx="228600" cy="228600"/>
+          </a:xfrm>
+          <a:prstGeom prst="ellipse">
+            <a:avLst/>
+          </a:prstGeom>
+          <a:solidFill>
+            <a:schemeClr val="bg1"/>
+          </a:solidFill>
+          <a:ln>
+            <a:solidFill>
+              <a:schemeClr val="tx1"/>
+            </a:solidFill>
+          </a:ln>
+        </p:spPr>
+        <p:style>
+          <a:lnRef idx="2">
+            <a:schemeClr val="accent1">
+              <a:shade val="50000"/>
+            </a:schemeClr>
+          </a:lnRef>
+          <a:fillRef idx="1">
+            <a:schemeClr val="accent1"/>
+          </a:fillRef>
+          <a:effectRef idx="0">
+            <a:schemeClr val="accent1"/>
+          </a:effectRef>
+          <a:fontRef idx="minor">
+            <a:schemeClr val="lt1"/>
+          </a:fontRef>
+        </p:style>
+        <p:txBody>
+          <a:bodyPr rtlCol="0" anchor="ctr"/>
+          <a:lstStyle/>
+          <a:p>
+            <a:pPr algn="ctr"/>
+            <a:r>
+              <a:rPr lang="en-US" sz="1600" dirty="0">
+                <a:solidFill>
+                  <a:schemeClr val="tx1"/>
+                </a:solidFill>
+                <a:latin typeface="Arial" panose="020B0604020202020204" pitchFamily="34" charset="0"/>
+                <a:cs typeface="Arial" panose="020B0604020202020204" pitchFamily="34" charset="0"/>
+              </a:rPr>
+              <a:t>7</a:t>
+            </a:r>
+            <a:endParaRPr lang="en-US" sz="1600" dirty="0">
+              <a:solidFill>
+                <a:schemeClr val="tx1"/>
+              </a:solidFill>
+              <a:latin typeface="Arial" panose="020B0604020202020204" pitchFamily="34" charset="0"/>
+              <a:cs typeface="Arial" panose="020B0604020202020204" pitchFamily="34" charset="0"/>
+            </a:endParaRPr>
+          </a:p>
+        </p:txBody>
+      </p:sp>
+      <p:cxnSp>
+        <p:nvCxnSpPr>
+          <p:cNvPr id="40" name="Straight Connector 39"/>
+          <p:cNvCxnSpPr>
+            <a:stCxn id="39" idx="2"/>
+          </p:cNvCxnSpPr>
+          <p:nvPr/>
+        </p:nvCxnSpPr>
+        <p:spPr>
+          <a:xfrm flipH="1">
+            <a:off x="7447082" y="3997562"/>
+            <a:ext cx="234470" cy="45064"/>
+          </a:xfrm>
+          <a:prstGeom prst="line">
+            <a:avLst/>
+          </a:prstGeom>
+          <a:ln w="28575">
+            <a:solidFill>
+              <a:schemeClr val="tx1"/>
+            </a:solidFill>
+          </a:ln>
+        </p:spPr>
+        <p:style>
+          <a:lnRef idx="1">
+            <a:schemeClr val="accent1"/>
+          </a:lnRef>
+          <a:fillRef idx="0">
+            <a:schemeClr val="accent1"/>
+          </a:fillRef>
+          <a:effectRef idx="0">
+            <a:schemeClr val="accent1"/>
+          </a:effectRef>
+          <a:fontRef idx="minor">
+            <a:schemeClr val="tx1"/>
+          </a:fontRef>
+        </p:style>
+      </p:cxnSp>
+      <p:sp>
+        <p:nvSpPr>
+          <p:cNvPr id="41" name="Oval 40"/>
+          <p:cNvSpPr/>
+          <p:nvPr/>
+        </p:nvSpPr>
+        <p:spPr>
+          <a:xfrm>
+            <a:off x="4700960" y="3452436"/>
+            <a:ext cx="228600" cy="228600"/>
+          </a:xfrm>
+          <a:prstGeom prst="ellipse">
+            <a:avLst/>
+          </a:prstGeom>
+          <a:solidFill>
+            <a:schemeClr val="bg1"/>
+          </a:solidFill>
+          <a:ln>
+            <a:solidFill>
+              <a:schemeClr val="tx1"/>
+            </a:solidFill>
+          </a:ln>
+        </p:spPr>
+        <p:style>
+          <a:lnRef idx="2">
+            <a:schemeClr val="accent1">
+              <a:shade val="50000"/>
+            </a:schemeClr>
+          </a:lnRef>
+          <a:fillRef idx="1">
+            <a:schemeClr val="accent1"/>
+          </a:fillRef>
+          <a:effectRef idx="0">
+            <a:schemeClr val="accent1"/>
+          </a:effectRef>
+          <a:fontRef idx="minor">
+            <a:schemeClr val="lt1"/>
+          </a:fontRef>
+        </p:style>
+        <p:txBody>
+          <a:bodyPr rtlCol="0" anchor="ctr"/>
+          <a:lstStyle/>
+          <a:p>
+            <a:pPr algn="ctr"/>
+            <a:r>
+              <a:rPr lang="en-US" sz="1600" dirty="0" smtClean="0">
+                <a:solidFill>
+                  <a:schemeClr val="tx1"/>
+                </a:solidFill>
+                <a:latin typeface="Arial" panose="020B0604020202020204" pitchFamily="34" charset="0"/>
+                <a:cs typeface="Arial" panose="020B0604020202020204" pitchFamily="34" charset="0"/>
+              </a:rPr>
+              <a:t>8</a:t>
+            </a:r>
+            <a:endParaRPr lang="en-US" sz="1600" dirty="0">
+              <a:solidFill>
+                <a:schemeClr val="tx1"/>
+              </a:solidFill>
+              <a:latin typeface="Arial" panose="020B0604020202020204" pitchFamily="34" charset="0"/>
+              <a:cs typeface="Arial" panose="020B0604020202020204" pitchFamily="34" charset="0"/>
+            </a:endParaRPr>
+          </a:p>
+        </p:txBody>
+      </p:sp>
+      <p:sp>
+        <p:nvSpPr>
+          <p:cNvPr id="42" name="Oval 41"/>
+          <p:cNvSpPr/>
+          <p:nvPr/>
+        </p:nvSpPr>
+        <p:spPr>
+          <a:xfrm>
+            <a:off x="6629401" y="5732576"/>
+            <a:ext cx="228600" cy="228600"/>
+          </a:xfrm>
+          <a:prstGeom prst="ellipse">
+            <a:avLst/>
+          </a:prstGeom>
+          <a:solidFill>
+            <a:schemeClr val="bg1"/>
+          </a:solidFill>
+          <a:ln>
+            <a:solidFill>
+              <a:schemeClr val="tx1"/>
+            </a:solidFill>
+          </a:ln>
+        </p:spPr>
+        <p:style>
+          <a:lnRef idx="2">
+            <a:schemeClr val="accent1">
+              <a:shade val="50000"/>
+            </a:schemeClr>
+          </a:lnRef>
+          <a:fillRef idx="1">
+            <a:schemeClr val="accent1"/>
+          </a:fillRef>
+          <a:effectRef idx="0">
+            <a:schemeClr val="accent1"/>
+          </a:effectRef>
+          <a:fontRef idx="minor">
+            <a:schemeClr val="lt1"/>
+          </a:fontRef>
+        </p:style>
+        <p:txBody>
+          <a:bodyPr rtlCol="0" anchor="ctr"/>
+          <a:lstStyle/>
+          <a:p>
+            <a:pPr algn="ctr"/>
+            <a:endParaRPr lang="en-US" sz="1600" dirty="0">
+              <a:solidFill>
+                <a:schemeClr val="tx1"/>
+              </a:solidFill>
+              <a:latin typeface="Arial" panose="020B0604020202020204" pitchFamily="34" charset="0"/>
+              <a:cs typeface="Arial" panose="020B0604020202020204" pitchFamily="34" charset="0"/>
+            </a:endParaRPr>
+          </a:p>
+        </p:txBody>
+      </p:sp>
+      <p:cxnSp>
+        <p:nvCxnSpPr>
+          <p:cNvPr id="43" name="Straight Connector 42"/>
+          <p:cNvCxnSpPr/>
+          <p:nvPr/>
+        </p:nvCxnSpPr>
+        <p:spPr>
+          <a:xfrm flipV="1">
+            <a:off x="6726113" y="5328130"/>
+            <a:ext cx="0" cy="404450"/>
+          </a:xfrm>
+          <a:prstGeom prst="line">
+            <a:avLst/>
+          </a:prstGeom>
+          <a:ln w="28575">
+            <a:solidFill>
+              <a:schemeClr val="tx1"/>
+            </a:solidFill>
+          </a:ln>
+        </p:spPr>
+        <p:style>
+          <a:lnRef idx="1">
+            <a:schemeClr val="accent1"/>
+          </a:lnRef>
+          <a:fillRef idx="0">
+            <a:schemeClr val="accent1"/>
+          </a:fillRef>
+          <a:effectRef idx="0">
+            <a:schemeClr val="accent1"/>
+          </a:effectRef>
+          <a:fontRef idx="minor">
+            <a:schemeClr val="tx1"/>
+          </a:fontRef>
+        </p:style>
+      </p:cxnSp>
+      <p:sp>
+        <p:nvSpPr>
+          <p:cNvPr id="44" name="Oval 43"/>
+          <p:cNvSpPr/>
+          <p:nvPr/>
+        </p:nvSpPr>
+        <p:spPr>
+          <a:xfrm>
+            <a:off x="7640516" y="4879723"/>
+            <a:ext cx="228600" cy="228600"/>
+          </a:xfrm>
+          <a:prstGeom prst="ellipse">
+            <a:avLst/>
+          </a:prstGeom>
+          <a:solidFill>
+            <a:schemeClr val="bg1"/>
+          </a:solidFill>
+          <a:ln>
+            <a:solidFill>
+              <a:schemeClr val="tx1"/>
+            </a:solidFill>
+          </a:ln>
+        </p:spPr>
+        <p:style>
+          <a:lnRef idx="2">
+            <a:schemeClr val="accent1">
+              <a:shade val="50000"/>
+            </a:schemeClr>
+          </a:lnRef>
+          <a:fillRef idx="1">
+            <a:schemeClr val="accent1"/>
+          </a:fillRef>
+          <a:effectRef idx="0">
+            <a:schemeClr val="accent1"/>
+          </a:effectRef>
+          <a:fontRef idx="minor">
+            <a:schemeClr val="lt1"/>
+          </a:fontRef>
+        </p:style>
+        <p:txBody>
+          <a:bodyPr rtlCol="0" anchor="ctr"/>
+          <a:lstStyle/>
+          <a:p>
+            <a:pPr algn="ctr"/>
+            <a:r>
+              <a:rPr lang="en-US" sz="1600" dirty="0" smtClean="0">
+                <a:solidFill>
+                  <a:schemeClr val="tx1"/>
+                </a:solidFill>
+                <a:latin typeface="Arial" panose="020B0604020202020204" pitchFamily="34" charset="0"/>
+                <a:cs typeface="Arial" panose="020B0604020202020204" pitchFamily="34" charset="0"/>
+              </a:rPr>
+              <a:t>9</a:t>
+            </a:r>
+            <a:endParaRPr lang="en-US" sz="1600" dirty="0">
+              <a:solidFill>
+                <a:schemeClr val="tx1"/>
+              </a:solidFill>
+              <a:latin typeface="Arial" panose="020B0604020202020204" pitchFamily="34" charset="0"/>
+              <a:cs typeface="Arial" panose="020B0604020202020204" pitchFamily="34" charset="0"/>
+            </a:endParaRPr>
+          </a:p>
+        </p:txBody>
+      </p:sp>
+      <p:cxnSp>
+        <p:nvCxnSpPr>
+          <p:cNvPr id="45" name="Straight Connector 44"/>
+          <p:cNvCxnSpPr>
+            <a:stCxn id="44" idx="2"/>
+          </p:cNvCxnSpPr>
+          <p:nvPr/>
+        </p:nvCxnSpPr>
+        <p:spPr>
+          <a:xfrm flipH="1" flipV="1">
+            <a:off x="7291749" y="4879723"/>
+            <a:ext cx="348767" cy="114300"/>
+          </a:xfrm>
+          <a:prstGeom prst="line">
+            <a:avLst/>
+          </a:prstGeom>
+          <a:ln w="28575">
+            <a:solidFill>
+              <a:schemeClr val="tx1"/>
+            </a:solidFill>
+          </a:ln>
+        </p:spPr>
+        <p:style>
+          <a:lnRef idx="1">
+            <a:schemeClr val="accent1"/>
+          </a:lnRef>
+          <a:fillRef idx="0">
+            <a:schemeClr val="accent1"/>
+          </a:fillRef>
+          <a:effectRef idx="0">
+            <a:schemeClr val="accent1"/>
+          </a:effectRef>
+          <a:fontRef idx="minor">
+            <a:schemeClr val="tx1"/>
+          </a:fontRef>
+        </p:style>
+      </p:cxnSp>
+      <p:sp>
+        <p:nvSpPr>
+          <p:cNvPr id="46" name="Oval 45"/>
+          <p:cNvSpPr/>
+          <p:nvPr/>
+        </p:nvSpPr>
+        <p:spPr>
+          <a:xfrm>
+            <a:off x="4879737" y="4941269"/>
+            <a:ext cx="228600" cy="228600"/>
+          </a:xfrm>
+          <a:prstGeom prst="ellipse">
+            <a:avLst/>
+          </a:prstGeom>
+          <a:solidFill>
+            <a:schemeClr val="bg1"/>
+          </a:solidFill>
+          <a:ln>
+            <a:solidFill>
+              <a:schemeClr val="tx1"/>
+            </a:solidFill>
+          </a:ln>
+        </p:spPr>
+        <p:style>
+          <a:lnRef idx="2">
+            <a:schemeClr val="accent1">
+              <a:shade val="50000"/>
+            </a:schemeClr>
+          </a:lnRef>
+          <a:fillRef idx="1">
+            <a:schemeClr val="accent1"/>
+          </a:fillRef>
+          <a:effectRef idx="0">
+            <a:schemeClr val="accent1"/>
+          </a:effectRef>
+          <a:fontRef idx="minor">
+            <a:schemeClr val="lt1"/>
+          </a:fontRef>
+        </p:style>
+        <p:txBody>
+          <a:bodyPr rtlCol="0" anchor="ctr"/>
+          <a:lstStyle/>
+          <a:p>
+            <a:pPr algn="ctr"/>
+            <a:endParaRPr lang="en-US" sz="1600" dirty="0">
+              <a:solidFill>
+                <a:schemeClr val="tx1"/>
+              </a:solidFill>
+              <a:latin typeface="Arial" panose="020B0604020202020204" pitchFamily="34" charset="0"/>
+              <a:cs typeface="Arial" panose="020B0604020202020204" pitchFamily="34" charset="0"/>
+            </a:endParaRPr>
+          </a:p>
+        </p:txBody>
+      </p:sp>
+      <p:sp>
+        <p:nvSpPr>
+          <p:cNvPr id="47" name="TextBox 46"/>
+          <p:cNvSpPr txBox="1"/>
+          <p:nvPr/>
+        </p:nvSpPr>
+        <p:spPr>
+          <a:xfrm>
+            <a:off x="4774088" y="4885552"/>
+            <a:ext cx="509953" cy="338554"/>
+          </a:xfrm>
+          <a:prstGeom prst="rect">
+            <a:avLst/>
+          </a:prstGeom>
+          <a:noFill/>
+        </p:spPr>
+        <p:txBody>
+          <a:bodyPr wrap="square" rtlCol="0">
+            <a:spAutoFit/>
+          </a:bodyPr>
+          <a:lstStyle/>
+          <a:p>
+            <a:r>
+              <a:rPr lang="en-US" sz="1600" dirty="0" smtClean="0">
+                <a:latin typeface="Arial" panose="020B0604020202020204" pitchFamily="34" charset="0"/>
+                <a:cs typeface="Arial" panose="020B0604020202020204" pitchFamily="34" charset="0"/>
+              </a:rPr>
+              <a:t>13</a:t>
+            </a:r>
+            <a:endParaRPr lang="en-US" dirty="0">
+              <a:latin typeface="Arial" panose="020B0604020202020204" pitchFamily="34" charset="0"/>
+              <a:cs typeface="Arial" panose="020B0604020202020204" pitchFamily="34" charset="0"/>
+            </a:endParaRPr>
+          </a:p>
+        </p:txBody>
+      </p:sp>
+      <p:sp>
+        <p:nvSpPr>
+          <p:cNvPr id="48" name="Oval 47"/>
+          <p:cNvSpPr/>
+          <p:nvPr/>
+        </p:nvSpPr>
+        <p:spPr>
+          <a:xfrm>
+            <a:off x="7218482" y="5272439"/>
+            <a:ext cx="228600" cy="228600"/>
+          </a:xfrm>
+          <a:prstGeom prst="ellipse">
+            <a:avLst/>
+          </a:prstGeom>
+          <a:solidFill>
+            <a:schemeClr val="bg1"/>
+          </a:solidFill>
+          <a:ln>
+            <a:solidFill>
+              <a:schemeClr val="tx1"/>
+            </a:solidFill>
+          </a:ln>
+        </p:spPr>
+        <p:style>
+          <a:lnRef idx="2">
+            <a:schemeClr val="accent1">
+              <a:shade val="50000"/>
+            </a:schemeClr>
+          </a:lnRef>
+          <a:fillRef idx="1">
+            <a:schemeClr val="accent1"/>
+          </a:fillRef>
+          <a:effectRef idx="0">
+            <a:schemeClr val="accent1"/>
+          </a:effectRef>
+          <a:fontRef idx="minor">
+            <a:schemeClr val="lt1"/>
+          </a:fontRef>
+        </p:style>
+        <p:txBody>
+          <a:bodyPr rtlCol="0" anchor="ctr"/>
+          <a:lstStyle/>
+          <a:p>
+            <a:pPr algn="ctr"/>
+            <a:endParaRPr lang="en-US" sz="1600" dirty="0">
+              <a:solidFill>
+                <a:schemeClr val="tx1"/>
+              </a:solidFill>
+              <a:latin typeface="Arial" panose="020B0604020202020204" pitchFamily="34" charset="0"/>
+              <a:cs typeface="Arial" panose="020B0604020202020204" pitchFamily="34" charset="0"/>
+            </a:endParaRPr>
+          </a:p>
+        </p:txBody>
+      </p:sp>
+      <p:cxnSp>
+        <p:nvCxnSpPr>
+          <p:cNvPr id="49" name="Straight Connector 48"/>
+          <p:cNvCxnSpPr>
+            <a:stCxn id="48" idx="2"/>
+          </p:cNvCxnSpPr>
+          <p:nvPr/>
+        </p:nvCxnSpPr>
+        <p:spPr>
+          <a:xfrm flipH="1" flipV="1">
+            <a:off x="6910749" y="5169869"/>
+            <a:ext cx="307733" cy="216870"/>
+          </a:xfrm>
+          <a:prstGeom prst="line">
+            <a:avLst/>
+          </a:prstGeom>
+          <a:ln w="28575">
+            <a:solidFill>
+              <a:schemeClr val="tx1"/>
+            </a:solidFill>
+          </a:ln>
+        </p:spPr>
+        <p:style>
+          <a:lnRef idx="1">
+            <a:schemeClr val="accent1"/>
+          </a:lnRef>
+          <a:fillRef idx="0">
+            <a:schemeClr val="accent1"/>
+          </a:fillRef>
+          <a:effectRef idx="0">
+            <a:schemeClr val="accent1"/>
+          </a:effectRef>
+          <a:fontRef idx="minor">
+            <a:schemeClr val="tx1"/>
+          </a:fontRef>
+        </p:style>
+      </p:cxnSp>
+      <p:sp>
+        <p:nvSpPr>
+          <p:cNvPr id="50" name="TextBox 49"/>
+          <p:cNvSpPr txBox="1"/>
+          <p:nvPr/>
+        </p:nvSpPr>
+        <p:spPr>
+          <a:xfrm>
+            <a:off x="7127631" y="5224788"/>
+            <a:ext cx="509953" cy="338554"/>
+          </a:xfrm>
+          <a:prstGeom prst="rect">
+            <a:avLst/>
+          </a:prstGeom>
+          <a:noFill/>
+        </p:spPr>
+        <p:txBody>
+          <a:bodyPr wrap="square" rtlCol="0">
+            <a:spAutoFit/>
+          </a:bodyPr>
+          <a:lstStyle/>
+          <a:p>
+            <a:r>
+              <a:rPr lang="en-US" sz="1600" dirty="0" smtClean="0">
+                <a:latin typeface="Arial" panose="020B0604020202020204" pitchFamily="34" charset="0"/>
+                <a:cs typeface="Arial" panose="020B0604020202020204" pitchFamily="34" charset="0"/>
+              </a:rPr>
+              <a:t>14</a:t>
+            </a:r>
+            <a:endParaRPr lang="en-US" dirty="0">
+              <a:latin typeface="Arial" panose="020B0604020202020204" pitchFamily="34" charset="0"/>
+              <a:cs typeface="Arial" panose="020B0604020202020204" pitchFamily="34" charset="0"/>
+            </a:endParaRPr>
+          </a:p>
+        </p:txBody>
+      </p:sp>
+      <p:sp>
+        <p:nvSpPr>
+          <p:cNvPr id="53" name="Oval 52"/>
+          <p:cNvSpPr/>
+          <p:nvPr/>
+        </p:nvSpPr>
+        <p:spPr>
+          <a:xfrm>
+            <a:off x="7367959" y="3349859"/>
+            <a:ext cx="228600" cy="228600"/>
+          </a:xfrm>
+          <a:prstGeom prst="ellipse">
+            <a:avLst/>
+          </a:prstGeom>
+          <a:solidFill>
+            <a:schemeClr val="bg1"/>
+          </a:solidFill>
+          <a:ln>
+            <a:solidFill>
+              <a:schemeClr val="tx1"/>
+            </a:solidFill>
+          </a:ln>
+        </p:spPr>
+        <p:style>
+          <a:lnRef idx="2">
+            <a:schemeClr val="accent1">
+              <a:shade val="50000"/>
+            </a:schemeClr>
+          </a:lnRef>
+          <a:fillRef idx="1">
+            <a:schemeClr val="accent1"/>
+          </a:fillRef>
+          <a:effectRef idx="0">
+            <a:schemeClr val="accent1"/>
+          </a:effectRef>
+          <a:fontRef idx="minor">
+            <a:schemeClr val="lt1"/>
+          </a:fontRef>
+        </p:style>
+        <p:txBody>
+          <a:bodyPr rtlCol="0" anchor="ctr"/>
+          <a:lstStyle/>
+          <a:p>
+            <a:pPr algn="ctr"/>
+            <a:endParaRPr lang="en-US" sz="1600" dirty="0">
+              <a:solidFill>
+                <a:schemeClr val="tx1"/>
+              </a:solidFill>
+              <a:latin typeface="Arial" panose="020B0604020202020204" pitchFamily="34" charset="0"/>
+              <a:cs typeface="Arial" panose="020B0604020202020204" pitchFamily="34" charset="0"/>
+            </a:endParaRPr>
+          </a:p>
+        </p:txBody>
+      </p:sp>
+      <p:sp>
+        <p:nvSpPr>
+          <p:cNvPr id="54" name="TextBox 53"/>
+          <p:cNvSpPr txBox="1"/>
+          <p:nvPr/>
+        </p:nvSpPr>
+        <p:spPr>
+          <a:xfrm>
+            <a:off x="7274182" y="3300743"/>
+            <a:ext cx="509953" cy="338554"/>
+          </a:xfrm>
+          <a:prstGeom prst="rect">
+            <a:avLst/>
+          </a:prstGeom>
+          <a:noFill/>
+        </p:spPr>
+        <p:txBody>
+          <a:bodyPr wrap="square" rtlCol="0">
+            <a:spAutoFit/>
+          </a:bodyPr>
+          <a:lstStyle/>
+          <a:p>
+            <a:r>
+              <a:rPr lang="en-US" sz="1600" dirty="0" smtClean="0">
+                <a:latin typeface="Arial" panose="020B0604020202020204" pitchFamily="34" charset="0"/>
+                <a:cs typeface="Arial" panose="020B0604020202020204" pitchFamily="34" charset="0"/>
+              </a:rPr>
+              <a:t>16</a:t>
+            </a:r>
+            <a:endParaRPr lang="en-US" dirty="0">
+              <a:latin typeface="Arial" panose="020B0604020202020204" pitchFamily="34" charset="0"/>
+              <a:cs typeface="Arial" panose="020B0604020202020204" pitchFamily="34" charset="0"/>
+            </a:endParaRPr>
+          </a:p>
+        </p:txBody>
+      </p:sp>
+      <p:sp>
+        <p:nvSpPr>
+          <p:cNvPr id="55" name="Oval 54"/>
+          <p:cNvSpPr/>
+          <p:nvPr/>
+        </p:nvSpPr>
+        <p:spPr>
+          <a:xfrm>
+            <a:off x="6761287" y="4633529"/>
+            <a:ext cx="228600" cy="228600"/>
+          </a:xfrm>
+          <a:prstGeom prst="ellipse">
+            <a:avLst/>
+          </a:prstGeom>
+          <a:solidFill>
+            <a:schemeClr val="bg1"/>
+          </a:solidFill>
+          <a:ln>
+            <a:solidFill>
+              <a:schemeClr val="tx1"/>
+            </a:solidFill>
+          </a:ln>
+        </p:spPr>
+        <p:style>
+          <a:lnRef idx="2">
+            <a:schemeClr val="accent1">
+              <a:shade val="50000"/>
+            </a:schemeClr>
+          </a:lnRef>
+          <a:fillRef idx="1">
+            <a:schemeClr val="accent1"/>
+          </a:fillRef>
+          <a:effectRef idx="0">
+            <a:schemeClr val="accent1"/>
+          </a:effectRef>
+          <a:fontRef idx="minor">
+            <a:schemeClr val="lt1"/>
+          </a:fontRef>
+        </p:style>
+        <p:txBody>
+          <a:bodyPr rtlCol="0" anchor="ctr"/>
+          <a:lstStyle/>
+          <a:p>
+            <a:pPr algn="ctr"/>
+            <a:endParaRPr lang="en-US" sz="1600" dirty="0">
+              <a:solidFill>
+                <a:schemeClr val="tx1"/>
+              </a:solidFill>
+              <a:latin typeface="Arial" panose="020B0604020202020204" pitchFamily="34" charset="0"/>
+              <a:cs typeface="Arial" panose="020B0604020202020204" pitchFamily="34" charset="0"/>
+            </a:endParaRPr>
+          </a:p>
+        </p:txBody>
+      </p:sp>
+      <p:cxnSp>
+        <p:nvCxnSpPr>
+          <p:cNvPr id="56" name="Straight Connector 55"/>
+          <p:cNvCxnSpPr/>
+          <p:nvPr/>
+        </p:nvCxnSpPr>
+        <p:spPr>
+          <a:xfrm flipV="1">
+            <a:off x="6787400" y="4850408"/>
+            <a:ext cx="70601" cy="312129"/>
+          </a:xfrm>
+          <a:prstGeom prst="line">
+            <a:avLst/>
+          </a:prstGeom>
+          <a:ln w="28575">
+            <a:solidFill>
+              <a:schemeClr val="tx1"/>
+            </a:solidFill>
+          </a:ln>
+        </p:spPr>
+        <p:style>
+          <a:lnRef idx="1">
+            <a:schemeClr val="accent1"/>
+          </a:lnRef>
+          <a:fillRef idx="0">
+            <a:schemeClr val="accent1"/>
+          </a:fillRef>
+          <a:effectRef idx="0">
+            <a:schemeClr val="accent1"/>
+          </a:effectRef>
+          <a:fontRef idx="minor">
+            <a:schemeClr val="tx1"/>
+          </a:fontRef>
+        </p:style>
+      </p:cxnSp>
+      <p:sp>
+        <p:nvSpPr>
+          <p:cNvPr id="57" name="TextBox 56"/>
+          <p:cNvSpPr txBox="1"/>
+          <p:nvPr/>
+        </p:nvSpPr>
+        <p:spPr>
+          <a:xfrm>
+            <a:off x="6655777" y="4587359"/>
+            <a:ext cx="509953" cy="338554"/>
+          </a:xfrm>
+          <a:prstGeom prst="rect">
+            <a:avLst/>
+          </a:prstGeom>
+          <a:noFill/>
+        </p:spPr>
+        <p:txBody>
+          <a:bodyPr wrap="square" rtlCol="0">
+            <a:spAutoFit/>
+          </a:bodyPr>
+          <a:lstStyle/>
+          <a:p>
+            <a:r>
+              <a:rPr lang="en-US" sz="1600" dirty="0" smtClean="0">
+                <a:latin typeface="Arial" panose="020B0604020202020204" pitchFamily="34" charset="0"/>
+                <a:cs typeface="Arial" panose="020B0604020202020204" pitchFamily="34" charset="0"/>
+              </a:rPr>
+              <a:t>17</a:t>
+            </a:r>
+            <a:endParaRPr lang="en-US" dirty="0">
+              <a:latin typeface="Arial" panose="020B0604020202020204" pitchFamily="34" charset="0"/>
+              <a:cs typeface="Arial" panose="020B0604020202020204" pitchFamily="34" charset="0"/>
+            </a:endParaRPr>
+          </a:p>
+        </p:txBody>
+      </p:sp>
+      <p:sp>
+        <p:nvSpPr>
+          <p:cNvPr id="58" name="Oval 57"/>
+          <p:cNvSpPr/>
+          <p:nvPr/>
+        </p:nvSpPr>
+        <p:spPr>
+          <a:xfrm>
+            <a:off x="4563216" y="3147635"/>
+            <a:ext cx="228600" cy="228600"/>
+          </a:xfrm>
+          <a:prstGeom prst="ellipse">
+            <a:avLst/>
+          </a:prstGeom>
+          <a:solidFill>
+            <a:schemeClr val="bg1"/>
+          </a:solidFill>
+          <a:ln>
+            <a:solidFill>
+              <a:schemeClr val="tx1"/>
+            </a:solidFill>
+          </a:ln>
+        </p:spPr>
+        <p:style>
+          <a:lnRef idx="2">
+            <a:schemeClr val="accent1">
+              <a:shade val="50000"/>
+            </a:schemeClr>
+          </a:lnRef>
+          <a:fillRef idx="1">
+            <a:schemeClr val="accent1"/>
+          </a:fillRef>
+          <a:effectRef idx="0">
+            <a:schemeClr val="accent1"/>
+          </a:effectRef>
+          <a:fontRef idx="minor">
+            <a:schemeClr val="lt1"/>
+          </a:fontRef>
+        </p:style>
+        <p:txBody>
+          <a:bodyPr rtlCol="0" anchor="ctr"/>
+          <a:lstStyle/>
+          <a:p>
+            <a:pPr algn="ctr"/>
+            <a:endParaRPr lang="en-US" sz="1600" dirty="0">
+              <a:solidFill>
+                <a:schemeClr val="tx1"/>
+              </a:solidFill>
+              <a:latin typeface="Arial" panose="020B0604020202020204" pitchFamily="34" charset="0"/>
+              <a:cs typeface="Arial" panose="020B0604020202020204" pitchFamily="34" charset="0"/>
+            </a:endParaRPr>
+          </a:p>
+        </p:txBody>
+      </p:sp>
+      <p:sp>
+        <p:nvSpPr>
+          <p:cNvPr id="59" name="TextBox 58"/>
+          <p:cNvSpPr txBox="1"/>
+          <p:nvPr/>
+        </p:nvSpPr>
+        <p:spPr>
+          <a:xfrm>
+            <a:off x="4457705" y="3108010"/>
+            <a:ext cx="509953" cy="338554"/>
+          </a:xfrm>
+          <a:prstGeom prst="rect">
+            <a:avLst/>
+          </a:prstGeom>
+          <a:noFill/>
+        </p:spPr>
+        <p:txBody>
+          <a:bodyPr wrap="square" rtlCol="0">
+            <a:spAutoFit/>
+          </a:bodyPr>
+          <a:lstStyle/>
+          <a:p>
+            <a:r>
+              <a:rPr lang="en-US" sz="1600" dirty="0" smtClean="0">
+                <a:latin typeface="Arial" panose="020B0604020202020204" pitchFamily="34" charset="0"/>
+                <a:cs typeface="Arial" panose="020B0604020202020204" pitchFamily="34" charset="0"/>
+              </a:rPr>
+              <a:t>18</a:t>
+            </a:r>
+            <a:endParaRPr lang="en-US" dirty="0">
+              <a:latin typeface="Arial" panose="020B0604020202020204" pitchFamily="34" charset="0"/>
+              <a:cs typeface="Arial" panose="020B0604020202020204" pitchFamily="34" charset="0"/>
+            </a:endParaRPr>
+          </a:p>
+        </p:txBody>
+      </p:sp>
+      <p:cxnSp>
+        <p:nvCxnSpPr>
+          <p:cNvPr id="60" name="Straight Connector 59"/>
+          <p:cNvCxnSpPr/>
+          <p:nvPr/>
+        </p:nvCxnSpPr>
+        <p:spPr>
+          <a:xfrm flipV="1">
+            <a:off x="4298584" y="3349860"/>
+            <a:ext cx="304321" cy="136329"/>
+          </a:xfrm>
+          <a:prstGeom prst="line">
+            <a:avLst/>
+          </a:prstGeom>
+          <a:ln w="28575">
+            <a:solidFill>
+              <a:schemeClr val="tx1"/>
+            </a:solidFill>
+          </a:ln>
+        </p:spPr>
+        <p:style>
+          <a:lnRef idx="1">
+            <a:schemeClr val="accent1"/>
+          </a:lnRef>
+          <a:fillRef idx="0">
+            <a:schemeClr val="accent1"/>
+          </a:fillRef>
+          <a:effectRef idx="0">
+            <a:schemeClr val="accent1"/>
+          </a:effectRef>
+          <a:fontRef idx="minor">
+            <a:schemeClr val="tx1"/>
+          </a:fontRef>
+        </p:style>
+      </p:cxnSp>
+      <p:sp>
+        <p:nvSpPr>
+          <p:cNvPr id="62" name="TextBox 61"/>
+          <p:cNvSpPr txBox="1"/>
+          <p:nvPr/>
+        </p:nvSpPr>
+        <p:spPr>
+          <a:xfrm>
+            <a:off x="3569676" y="114300"/>
+            <a:ext cx="395654" cy="307777"/>
+          </a:xfrm>
+          <a:prstGeom prst="rect">
+            <a:avLst/>
+          </a:prstGeom>
+          <a:noFill/>
+        </p:spPr>
+        <p:txBody>
+          <a:bodyPr wrap="square" rtlCol="0">
+            <a:spAutoFit/>
+          </a:bodyPr>
+          <a:lstStyle/>
+          <a:p>
+            <a:r>
+              <a:rPr lang="en-US" sz="1400" b="1" dirty="0" smtClean="0">
+                <a:latin typeface="Arial" panose="020B0604020202020204" pitchFamily="34" charset="0"/>
+                <a:cs typeface="Arial" panose="020B0604020202020204" pitchFamily="34" charset="0"/>
+              </a:rPr>
+              <a:t>A)</a:t>
+            </a:r>
+            <a:endParaRPr lang="en-US" sz="1400" b="1" dirty="0">
+              <a:latin typeface="Arial" panose="020B0604020202020204" pitchFamily="34" charset="0"/>
+              <a:cs typeface="Arial" panose="020B0604020202020204" pitchFamily="34" charset="0"/>
+            </a:endParaRPr>
+          </a:p>
+        </p:txBody>
+      </p:sp>
+      <p:sp>
+        <p:nvSpPr>
+          <p:cNvPr id="63" name="TextBox 62"/>
+          <p:cNvSpPr txBox="1"/>
+          <p:nvPr/>
+        </p:nvSpPr>
+        <p:spPr>
+          <a:xfrm>
+            <a:off x="3569676" y="3134458"/>
+            <a:ext cx="395654" cy="307777"/>
+          </a:xfrm>
+          <a:prstGeom prst="rect">
+            <a:avLst/>
+          </a:prstGeom>
+          <a:noFill/>
+        </p:spPr>
+        <p:txBody>
+          <a:bodyPr wrap="square" rtlCol="0">
+            <a:spAutoFit/>
+          </a:bodyPr>
+          <a:lstStyle/>
+          <a:p>
+            <a:r>
+              <a:rPr lang="en-US" sz="1400" b="1" dirty="0" smtClean="0">
+                <a:latin typeface="Arial" panose="020B0604020202020204" pitchFamily="34" charset="0"/>
+                <a:cs typeface="Arial" panose="020B0604020202020204" pitchFamily="34" charset="0"/>
+              </a:rPr>
+              <a:t>B)</a:t>
+            </a:r>
+            <a:endParaRPr lang="en-US" sz="1400" b="1" dirty="0">
+              <a:latin typeface="Arial" panose="020B0604020202020204" pitchFamily="34" charset="0"/>
+              <a:cs typeface="Arial" panose="020B0604020202020204" pitchFamily="34" charset="0"/>
+            </a:endParaRPr>
+          </a:p>
+        </p:txBody>
+      </p:sp>
+      <p:cxnSp>
+        <p:nvCxnSpPr>
+          <p:cNvPr id="64" name="Straight Connector 63"/>
+          <p:cNvCxnSpPr/>
+          <p:nvPr/>
+        </p:nvCxnSpPr>
+        <p:spPr>
+          <a:xfrm flipH="1" flipV="1">
+            <a:off x="7010396" y="5439483"/>
+            <a:ext cx="32236" cy="169982"/>
+          </a:xfrm>
+          <a:prstGeom prst="line">
+            <a:avLst/>
+          </a:prstGeom>
+          <a:ln w="28575">
+            <a:solidFill>
+              <a:schemeClr val="tx1"/>
+            </a:solidFill>
+          </a:ln>
+        </p:spPr>
+        <p:style>
+          <a:lnRef idx="1">
+            <a:schemeClr val="accent1"/>
+          </a:lnRef>
+          <a:fillRef idx="0">
+            <a:schemeClr val="accent1"/>
+          </a:fillRef>
+          <a:effectRef idx="0">
+            <a:schemeClr val="accent1"/>
+          </a:effectRef>
+          <a:fontRef idx="minor">
+            <a:schemeClr val="tx1"/>
+          </a:fontRef>
+        </p:style>
+      </p:cxnSp>
+      <p:sp>
+        <p:nvSpPr>
+          <p:cNvPr id="66" name="Oval 65"/>
+          <p:cNvSpPr/>
+          <p:nvPr/>
+        </p:nvSpPr>
+        <p:spPr>
+          <a:xfrm>
+            <a:off x="3877412" y="5301752"/>
+            <a:ext cx="228600" cy="228600"/>
+          </a:xfrm>
+          <a:prstGeom prst="ellipse">
+            <a:avLst/>
+          </a:prstGeom>
+          <a:solidFill>
+            <a:schemeClr val="bg1"/>
+          </a:solidFill>
+          <a:ln>
+            <a:solidFill>
+              <a:schemeClr val="tx1"/>
+            </a:solidFill>
+          </a:ln>
+        </p:spPr>
+        <p:style>
+          <a:lnRef idx="2">
+            <a:schemeClr val="accent1">
+              <a:shade val="50000"/>
+            </a:schemeClr>
+          </a:lnRef>
+          <a:fillRef idx="1">
+            <a:schemeClr val="accent1"/>
+          </a:fillRef>
+          <a:effectRef idx="0">
+            <a:schemeClr val="accent1"/>
+          </a:effectRef>
+          <a:fontRef idx="minor">
+            <a:schemeClr val="lt1"/>
+          </a:fontRef>
+        </p:style>
+        <p:txBody>
+          <a:bodyPr rtlCol="0" anchor="ctr"/>
+          <a:lstStyle/>
+          <a:p>
+            <a:pPr algn="ctr"/>
+            <a:r>
+              <a:rPr lang="en-US" sz="1600" dirty="0">
+                <a:solidFill>
+                  <a:schemeClr val="tx1"/>
+                </a:solidFill>
+                <a:latin typeface="Arial" panose="020B0604020202020204" pitchFamily="34" charset="0"/>
+                <a:cs typeface="Arial" panose="020B0604020202020204" pitchFamily="34" charset="0"/>
+              </a:rPr>
+              <a:t>5</a:t>
+            </a:r>
+          </a:p>
+        </p:txBody>
+      </p:sp>
+      <p:cxnSp>
+        <p:nvCxnSpPr>
+          <p:cNvPr id="67" name="Straight Connector 66"/>
+          <p:cNvCxnSpPr/>
+          <p:nvPr/>
+        </p:nvCxnSpPr>
+        <p:spPr>
+          <a:xfrm flipV="1">
+            <a:off x="3994635" y="4925913"/>
+            <a:ext cx="32250" cy="381698"/>
+          </a:xfrm>
+          <a:prstGeom prst="line">
+            <a:avLst/>
+          </a:prstGeom>
+          <a:ln w="28575">
+            <a:solidFill>
+              <a:schemeClr val="tx1"/>
+            </a:solidFill>
+          </a:ln>
+        </p:spPr>
+        <p:style>
+          <a:lnRef idx="1">
+            <a:schemeClr val="accent1"/>
+          </a:lnRef>
+          <a:fillRef idx="0">
+            <a:schemeClr val="accent1"/>
+          </a:fillRef>
+          <a:effectRef idx="0">
+            <a:schemeClr val="accent1"/>
+          </a:effectRef>
+          <a:fontRef idx="minor">
+            <a:schemeClr val="tx1"/>
+          </a:fontRef>
+        </p:style>
+      </p:cxnSp>
+      <p:sp>
+        <p:nvSpPr>
+          <p:cNvPr id="73" name="Oval 72"/>
+          <p:cNvSpPr/>
+          <p:nvPr/>
+        </p:nvSpPr>
+        <p:spPr>
+          <a:xfrm>
+            <a:off x="6518546" y="4312601"/>
+            <a:ext cx="228600" cy="228600"/>
+          </a:xfrm>
+          <a:prstGeom prst="ellipse">
+            <a:avLst/>
+          </a:prstGeom>
+          <a:solidFill>
+            <a:schemeClr val="bg1"/>
+          </a:solidFill>
+          <a:ln>
+            <a:solidFill>
+              <a:schemeClr val="tx1"/>
+            </a:solidFill>
+          </a:ln>
+        </p:spPr>
+        <p:style>
+          <a:lnRef idx="2">
+            <a:schemeClr val="accent1">
+              <a:shade val="50000"/>
+            </a:schemeClr>
+          </a:lnRef>
+          <a:fillRef idx="1">
+            <a:schemeClr val="accent1"/>
+          </a:fillRef>
+          <a:effectRef idx="0">
+            <a:schemeClr val="accent1"/>
+          </a:effectRef>
+          <a:fontRef idx="minor">
+            <a:schemeClr val="lt1"/>
+          </a:fontRef>
+        </p:style>
+        <p:txBody>
+          <a:bodyPr rtlCol="0" anchor="ctr"/>
+          <a:lstStyle/>
+          <a:p>
+            <a:pPr algn="ctr"/>
+            <a:endParaRPr lang="en-US" sz="1600" dirty="0">
+              <a:solidFill>
+                <a:schemeClr val="tx1"/>
+              </a:solidFill>
+              <a:latin typeface="Arial" panose="020B0604020202020204" pitchFamily="34" charset="0"/>
+              <a:cs typeface="Arial" panose="020B0604020202020204" pitchFamily="34" charset="0"/>
+            </a:endParaRPr>
+          </a:p>
+        </p:txBody>
+      </p:sp>
+      <p:cxnSp>
+        <p:nvCxnSpPr>
+          <p:cNvPr id="75" name="Straight Connector 74"/>
+          <p:cNvCxnSpPr>
+            <a:stCxn id="73" idx="1"/>
+          </p:cNvCxnSpPr>
+          <p:nvPr/>
+        </p:nvCxnSpPr>
+        <p:spPr>
+          <a:xfrm flipH="1" flipV="1">
+            <a:off x="6408538" y="4091316"/>
+            <a:ext cx="143486" cy="254763"/>
+          </a:xfrm>
+          <a:prstGeom prst="line">
+            <a:avLst/>
+          </a:prstGeom>
+          <a:ln w="28575">
+            <a:solidFill>
+              <a:schemeClr val="tx1"/>
+            </a:solidFill>
+          </a:ln>
+        </p:spPr>
+        <p:style>
+          <a:lnRef idx="1">
+            <a:schemeClr val="accent1"/>
+          </a:lnRef>
+          <a:fillRef idx="0">
+            <a:schemeClr val="accent1"/>
+          </a:fillRef>
+          <a:effectRef idx="0">
+            <a:schemeClr val="accent1"/>
+          </a:effectRef>
+          <a:fontRef idx="minor">
+            <a:schemeClr val="tx1"/>
+          </a:fontRef>
+        </p:style>
+      </p:cxnSp>
+      <p:sp>
+        <p:nvSpPr>
+          <p:cNvPr id="78" name="TextBox 77"/>
+          <p:cNvSpPr txBox="1"/>
+          <p:nvPr/>
+        </p:nvSpPr>
+        <p:spPr>
+          <a:xfrm>
+            <a:off x="6435973" y="4258707"/>
+            <a:ext cx="509953" cy="338554"/>
+          </a:xfrm>
+          <a:prstGeom prst="rect">
+            <a:avLst/>
+          </a:prstGeom>
+          <a:noFill/>
+        </p:spPr>
+        <p:txBody>
+          <a:bodyPr wrap="square" rtlCol="0">
+            <a:spAutoFit/>
+          </a:bodyPr>
+          <a:lstStyle/>
+          <a:p>
+            <a:r>
+              <a:rPr lang="en-US" sz="1600" dirty="0" smtClean="0">
+                <a:latin typeface="Arial" panose="020B0604020202020204" pitchFamily="34" charset="0"/>
+                <a:cs typeface="Arial" panose="020B0604020202020204" pitchFamily="34" charset="0"/>
+              </a:rPr>
+              <a:t>11</a:t>
+            </a:r>
+            <a:endParaRPr lang="en-US" dirty="0">
+              <a:latin typeface="Arial" panose="020B0604020202020204" pitchFamily="34" charset="0"/>
+              <a:cs typeface="Arial" panose="020B0604020202020204" pitchFamily="34" charset="0"/>
+            </a:endParaRPr>
+          </a:p>
+        </p:txBody>
+      </p:sp>
+      <p:sp>
+        <p:nvSpPr>
+          <p:cNvPr id="79" name="TextBox 78"/>
+          <p:cNvSpPr txBox="1"/>
+          <p:nvPr/>
+        </p:nvSpPr>
+        <p:spPr>
+          <a:xfrm>
+            <a:off x="6532679" y="5686393"/>
+            <a:ext cx="509953" cy="338554"/>
+          </a:xfrm>
+          <a:prstGeom prst="rect">
+            <a:avLst/>
+          </a:prstGeom>
+          <a:noFill/>
+        </p:spPr>
+        <p:txBody>
+          <a:bodyPr wrap="square" rtlCol="0">
+            <a:spAutoFit/>
+          </a:bodyPr>
+          <a:lstStyle/>
+          <a:p>
+            <a:r>
+              <a:rPr lang="en-US" sz="1600" dirty="0" smtClean="0">
+                <a:latin typeface="Arial" panose="020B0604020202020204" pitchFamily="34" charset="0"/>
+                <a:cs typeface="Arial" panose="020B0604020202020204" pitchFamily="34" charset="0"/>
+              </a:rPr>
+              <a:t>12</a:t>
+            </a:r>
+            <a:endParaRPr lang="en-US" dirty="0">
+              <a:latin typeface="Arial" panose="020B0604020202020204" pitchFamily="34" charset="0"/>
+              <a:cs typeface="Arial" panose="020B0604020202020204" pitchFamily="34" charset="0"/>
+            </a:endParaRPr>
+          </a:p>
+        </p:txBody>
+      </p:sp>
+      <p:sp>
+        <p:nvSpPr>
+          <p:cNvPr id="80" name="Oval 79"/>
+          <p:cNvSpPr/>
+          <p:nvPr/>
+        </p:nvSpPr>
+        <p:spPr>
+          <a:xfrm>
+            <a:off x="3601924" y="4619576"/>
+            <a:ext cx="228600" cy="228600"/>
+          </a:xfrm>
+          <a:prstGeom prst="ellipse">
+            <a:avLst/>
+          </a:prstGeom>
+          <a:solidFill>
+            <a:schemeClr val="bg1"/>
+          </a:solidFill>
+          <a:ln>
+            <a:solidFill>
+              <a:schemeClr val="tx1"/>
+            </a:solidFill>
+          </a:ln>
+        </p:spPr>
+        <p:style>
+          <a:lnRef idx="2">
+            <a:schemeClr val="accent1">
+              <a:shade val="50000"/>
+            </a:schemeClr>
+          </a:lnRef>
+          <a:fillRef idx="1">
+            <a:schemeClr val="accent1"/>
+          </a:fillRef>
+          <a:effectRef idx="0">
+            <a:schemeClr val="accent1"/>
+          </a:effectRef>
+          <a:fontRef idx="minor">
+            <a:schemeClr val="lt1"/>
+          </a:fontRef>
+        </p:style>
+        <p:txBody>
+          <a:bodyPr rtlCol="0" anchor="ctr"/>
+          <a:lstStyle/>
+          <a:p>
+            <a:pPr algn="ctr"/>
+            <a:endParaRPr lang="en-US" sz="1600" dirty="0">
+              <a:solidFill>
+                <a:schemeClr val="tx1"/>
+              </a:solidFill>
+              <a:latin typeface="Arial" panose="020B0604020202020204" pitchFamily="34" charset="0"/>
+              <a:cs typeface="Arial" panose="020B0604020202020204" pitchFamily="34" charset="0"/>
+            </a:endParaRPr>
+          </a:p>
+        </p:txBody>
+      </p:sp>
+      <p:sp>
+        <p:nvSpPr>
+          <p:cNvPr id="81" name="TextBox 80"/>
+          <p:cNvSpPr txBox="1"/>
+          <p:nvPr/>
+        </p:nvSpPr>
+        <p:spPr>
+          <a:xfrm>
+            <a:off x="3496415" y="4559477"/>
+            <a:ext cx="509953" cy="338554"/>
+          </a:xfrm>
+          <a:prstGeom prst="rect">
+            <a:avLst/>
+          </a:prstGeom>
+          <a:noFill/>
+        </p:spPr>
+        <p:txBody>
+          <a:bodyPr wrap="square" rtlCol="0">
+            <a:spAutoFit/>
+          </a:bodyPr>
+          <a:lstStyle/>
+          <a:p>
+            <a:r>
+              <a:rPr lang="en-US" sz="1600" dirty="0" smtClean="0">
+                <a:latin typeface="Arial" panose="020B0604020202020204" pitchFamily="34" charset="0"/>
+                <a:cs typeface="Arial" panose="020B0604020202020204" pitchFamily="34" charset="0"/>
+              </a:rPr>
+              <a:t>15</a:t>
+            </a:r>
+            <a:endParaRPr lang="en-US" dirty="0">
+              <a:latin typeface="Arial" panose="020B0604020202020204" pitchFamily="34" charset="0"/>
+              <a:cs typeface="Arial" panose="020B0604020202020204" pitchFamily="34" charset="0"/>
+            </a:endParaRPr>
+          </a:p>
+        </p:txBody>
+      </p:sp>
+      <p:cxnSp>
+        <p:nvCxnSpPr>
+          <p:cNvPr id="82" name="Straight Connector 81"/>
+          <p:cNvCxnSpPr>
+            <a:endCxn id="41" idx="3"/>
+          </p:cNvCxnSpPr>
+          <p:nvPr/>
+        </p:nvCxnSpPr>
+        <p:spPr>
+          <a:xfrm flipV="1">
+            <a:off x="4418895" y="3647558"/>
+            <a:ext cx="315543" cy="84805"/>
+          </a:xfrm>
+          <a:prstGeom prst="line">
+            <a:avLst/>
+          </a:prstGeom>
+          <a:ln w="28575">
+            <a:solidFill>
+              <a:schemeClr val="tx1"/>
+            </a:solidFill>
+          </a:ln>
+        </p:spPr>
+        <p:style>
+          <a:lnRef idx="1">
+            <a:schemeClr val="accent1"/>
+          </a:lnRef>
+          <a:fillRef idx="0">
+            <a:schemeClr val="accent1"/>
+          </a:fillRef>
+          <a:effectRef idx="0">
+            <a:schemeClr val="accent1"/>
+          </a:effectRef>
+          <a:fontRef idx="minor">
+            <a:schemeClr val="tx1"/>
+          </a:fontRef>
+        </p:style>
+      </p:cxnSp>
+      <p:sp>
+        <p:nvSpPr>
+          <p:cNvPr id="83" name="Oval 82"/>
+          <p:cNvSpPr/>
+          <p:nvPr/>
+        </p:nvSpPr>
+        <p:spPr>
+          <a:xfrm>
+            <a:off x="4018093" y="4607146"/>
+            <a:ext cx="228600" cy="228600"/>
+          </a:xfrm>
+          <a:prstGeom prst="ellipse">
+            <a:avLst/>
+          </a:prstGeom>
+          <a:solidFill>
+            <a:schemeClr val="bg1"/>
+          </a:solidFill>
+          <a:ln>
+            <a:solidFill>
+              <a:schemeClr val="tx1"/>
+            </a:solidFill>
+          </a:ln>
+        </p:spPr>
+        <p:style>
+          <a:lnRef idx="2">
+            <a:schemeClr val="accent1">
+              <a:shade val="50000"/>
+            </a:schemeClr>
+          </a:lnRef>
+          <a:fillRef idx="1">
+            <a:schemeClr val="accent1"/>
+          </a:fillRef>
+          <a:effectRef idx="0">
+            <a:schemeClr val="accent1"/>
+          </a:effectRef>
+          <a:fontRef idx="minor">
+            <a:schemeClr val="lt1"/>
+          </a:fontRef>
+        </p:style>
+        <p:txBody>
+          <a:bodyPr rtlCol="0" anchor="ctr"/>
+          <a:lstStyle/>
+          <a:p>
+            <a:pPr algn="ctr"/>
+            <a:endParaRPr lang="en-US" sz="1600" dirty="0">
+              <a:solidFill>
+                <a:schemeClr val="tx1"/>
+              </a:solidFill>
+              <a:latin typeface="Arial" panose="020B0604020202020204" pitchFamily="34" charset="0"/>
+              <a:cs typeface="Arial" panose="020B0604020202020204" pitchFamily="34" charset="0"/>
+            </a:endParaRPr>
+          </a:p>
+        </p:txBody>
+      </p:sp>
+      <p:sp>
+        <p:nvSpPr>
+          <p:cNvPr id="84" name="TextBox 83"/>
+          <p:cNvSpPr txBox="1"/>
+          <p:nvPr/>
+        </p:nvSpPr>
+        <p:spPr>
+          <a:xfrm>
+            <a:off x="3912584" y="4564631"/>
+            <a:ext cx="509953" cy="338554"/>
+          </a:xfrm>
+          <a:prstGeom prst="rect">
+            <a:avLst/>
+          </a:prstGeom>
+          <a:noFill/>
+        </p:spPr>
+        <p:txBody>
+          <a:bodyPr wrap="square" rtlCol="0">
+            <a:spAutoFit/>
+          </a:bodyPr>
+          <a:lstStyle/>
+          <a:p>
+            <a:r>
+              <a:rPr lang="en-US" sz="1600" dirty="0" smtClean="0">
+                <a:latin typeface="Arial" panose="020B0604020202020204" pitchFamily="34" charset="0"/>
+                <a:cs typeface="Arial" panose="020B0604020202020204" pitchFamily="34" charset="0"/>
+              </a:rPr>
+              <a:t>10</a:t>
+            </a:r>
+            <a:endParaRPr lang="en-US" dirty="0">
+              <a:latin typeface="Arial" panose="020B0604020202020204" pitchFamily="34" charset="0"/>
+              <a:cs typeface="Arial" panose="020B0604020202020204" pitchFamily="34" charset="0"/>
+            </a:endParaRPr>
+          </a:p>
+        </p:txBody>
+      </p:sp>
+      <p:cxnSp>
+        <p:nvCxnSpPr>
+          <p:cNvPr id="85" name="Straight Connector 84"/>
+          <p:cNvCxnSpPr/>
+          <p:nvPr/>
+        </p:nvCxnSpPr>
+        <p:spPr>
+          <a:xfrm flipV="1">
+            <a:off x="4167561" y="4258707"/>
+            <a:ext cx="47319" cy="332301"/>
+          </a:xfrm>
+          <a:prstGeom prst="line">
+            <a:avLst/>
+          </a:prstGeom>
+          <a:ln w="28575">
+            <a:solidFill>
+              <a:schemeClr val="tx1"/>
+            </a:solidFill>
+          </a:ln>
+        </p:spPr>
+        <p:style>
+          <a:lnRef idx="1">
+            <a:schemeClr val="accent1"/>
+          </a:lnRef>
+          <a:fillRef idx="0">
+            <a:schemeClr val="accent1"/>
+          </a:fillRef>
+          <a:effectRef idx="0">
+            <a:schemeClr val="accent1"/>
+          </a:effectRef>
+          <a:fontRef idx="minor">
+            <a:schemeClr val="tx1"/>
+          </a:fontRef>
+        </p:style>
+      </p:cxnSp>
+      <p:cxnSp>
+        <p:nvCxnSpPr>
+          <p:cNvPr id="93" name="Straight Connector 92"/>
+          <p:cNvCxnSpPr/>
+          <p:nvPr/>
+        </p:nvCxnSpPr>
+        <p:spPr>
+          <a:xfrm flipV="1">
+            <a:off x="3774413" y="4276291"/>
+            <a:ext cx="47319" cy="332301"/>
+          </a:xfrm>
+          <a:prstGeom prst="line">
+            <a:avLst/>
+          </a:prstGeom>
+          <a:ln w="28575">
+            <a:solidFill>
+              <a:schemeClr val="tx1"/>
+            </a:solidFill>
+          </a:ln>
+        </p:spPr>
+        <p:style>
+          <a:lnRef idx="1">
+            <a:schemeClr val="accent1"/>
+          </a:lnRef>
+          <a:fillRef idx="0">
+            <a:schemeClr val="accent1"/>
+          </a:fillRef>
+          <a:effectRef idx="0">
+            <a:schemeClr val="accent1"/>
+          </a:effectRef>
+          <a:fontRef idx="minor">
+            <a:schemeClr val="tx1"/>
+          </a:fontRef>
+        </p:style>
+      </p:cxnSp>
+      <p:sp>
+        <p:nvSpPr>
+          <p:cNvPr id="96" name="Oval 95"/>
+          <p:cNvSpPr/>
+          <p:nvPr/>
+        </p:nvSpPr>
+        <p:spPr>
+          <a:xfrm>
+            <a:off x="5820441" y="4917067"/>
+            <a:ext cx="228600" cy="228600"/>
+          </a:xfrm>
+          <a:prstGeom prst="ellipse">
+            <a:avLst/>
+          </a:prstGeom>
+          <a:solidFill>
+            <a:schemeClr val="bg1"/>
+          </a:solidFill>
+          <a:ln>
+            <a:solidFill>
+              <a:schemeClr val="tx1"/>
+            </a:solidFill>
+          </a:ln>
+        </p:spPr>
+        <p:style>
+          <a:lnRef idx="2">
+            <a:schemeClr val="accent1">
+              <a:shade val="50000"/>
+            </a:schemeClr>
+          </a:lnRef>
+          <a:fillRef idx="1">
+            <a:schemeClr val="accent1"/>
+          </a:fillRef>
+          <a:effectRef idx="0">
+            <a:schemeClr val="accent1"/>
+          </a:effectRef>
+          <a:fontRef idx="minor">
+            <a:schemeClr val="lt1"/>
+          </a:fontRef>
+        </p:style>
+        <p:txBody>
+          <a:bodyPr rtlCol="0" anchor="ctr"/>
+          <a:lstStyle/>
+          <a:p>
+            <a:pPr algn="ctr"/>
+            <a:endParaRPr lang="en-US" sz="1600" dirty="0">
+              <a:solidFill>
+                <a:schemeClr val="tx1"/>
+              </a:solidFill>
+              <a:latin typeface="Arial" panose="020B0604020202020204" pitchFamily="34" charset="0"/>
+              <a:cs typeface="Arial" panose="020B0604020202020204" pitchFamily="34" charset="0"/>
+            </a:endParaRPr>
+          </a:p>
+        </p:txBody>
+      </p:sp>
+      <p:sp>
+        <p:nvSpPr>
+          <p:cNvPr id="97" name="TextBox 96"/>
+          <p:cNvSpPr txBox="1"/>
+          <p:nvPr/>
+        </p:nvSpPr>
+        <p:spPr>
+          <a:xfrm>
+            <a:off x="5714932" y="4856968"/>
+            <a:ext cx="509953" cy="338554"/>
+          </a:xfrm>
+          <a:prstGeom prst="rect">
+            <a:avLst/>
+          </a:prstGeom>
+          <a:noFill/>
+        </p:spPr>
+        <p:txBody>
+          <a:bodyPr wrap="square" rtlCol="0">
+            <a:spAutoFit/>
+          </a:bodyPr>
+          <a:lstStyle/>
+          <a:p>
+            <a:r>
+              <a:rPr lang="en-US" sz="1600" dirty="0" smtClean="0">
+                <a:latin typeface="Arial" panose="020B0604020202020204" pitchFamily="34" charset="0"/>
+                <a:cs typeface="Arial" panose="020B0604020202020204" pitchFamily="34" charset="0"/>
+              </a:rPr>
+              <a:t>19</a:t>
+            </a:r>
+            <a:endParaRPr lang="en-US" dirty="0">
+              <a:latin typeface="Arial" panose="020B0604020202020204" pitchFamily="34" charset="0"/>
+              <a:cs typeface="Arial" panose="020B0604020202020204" pitchFamily="34" charset="0"/>
+            </a:endParaRPr>
+          </a:p>
+        </p:txBody>
+      </p:sp>
+      <p:sp>
+        <p:nvSpPr>
+          <p:cNvPr id="98" name="Oval 97"/>
+          <p:cNvSpPr/>
+          <p:nvPr/>
+        </p:nvSpPr>
+        <p:spPr>
+          <a:xfrm>
+            <a:off x="5518649" y="5533980"/>
+            <a:ext cx="228600" cy="228600"/>
+          </a:xfrm>
+          <a:prstGeom prst="ellipse">
+            <a:avLst/>
+          </a:prstGeom>
+          <a:solidFill>
+            <a:schemeClr val="bg1"/>
+          </a:solidFill>
+          <a:ln>
+            <a:solidFill>
+              <a:schemeClr val="tx1"/>
+            </a:solidFill>
+          </a:ln>
+        </p:spPr>
+        <p:style>
+          <a:lnRef idx="2">
+            <a:schemeClr val="accent1">
+              <a:shade val="50000"/>
+            </a:schemeClr>
+          </a:lnRef>
+          <a:fillRef idx="1">
+            <a:schemeClr val="accent1"/>
+          </a:fillRef>
+          <a:effectRef idx="0">
+            <a:schemeClr val="accent1"/>
+          </a:effectRef>
+          <a:fontRef idx="minor">
+            <a:schemeClr val="lt1"/>
+          </a:fontRef>
+        </p:style>
+        <p:txBody>
+          <a:bodyPr rtlCol="0" anchor="ctr"/>
+          <a:lstStyle/>
+          <a:p>
+            <a:pPr algn="ctr"/>
+            <a:endParaRPr lang="en-US" sz="1600" dirty="0">
+              <a:solidFill>
+                <a:schemeClr val="tx1"/>
+              </a:solidFill>
+              <a:latin typeface="Arial" panose="020B0604020202020204" pitchFamily="34" charset="0"/>
+              <a:cs typeface="Arial" panose="020B0604020202020204" pitchFamily="34" charset="0"/>
+            </a:endParaRPr>
+          </a:p>
+        </p:txBody>
+      </p:sp>
+      <p:sp>
+        <p:nvSpPr>
+          <p:cNvPr id="99" name="TextBox 98"/>
+          <p:cNvSpPr txBox="1"/>
+          <p:nvPr/>
+        </p:nvSpPr>
+        <p:spPr>
+          <a:xfrm>
+            <a:off x="5430724" y="5473881"/>
+            <a:ext cx="509953" cy="338554"/>
+          </a:xfrm>
+          <a:prstGeom prst="rect">
+            <a:avLst/>
+          </a:prstGeom>
+          <a:noFill/>
+        </p:spPr>
+        <p:txBody>
+          <a:bodyPr wrap="square" rtlCol="0">
+            <a:spAutoFit/>
+          </a:bodyPr>
+          <a:lstStyle/>
+          <a:p>
+            <a:r>
+              <a:rPr lang="en-US" sz="1600" dirty="0" smtClean="0">
+                <a:latin typeface="Arial" panose="020B0604020202020204" pitchFamily="34" charset="0"/>
+                <a:cs typeface="Arial" panose="020B0604020202020204" pitchFamily="34" charset="0"/>
+              </a:rPr>
+              <a:t>20</a:t>
+            </a:r>
+            <a:endParaRPr lang="en-US" dirty="0">
+              <a:latin typeface="Arial" panose="020B0604020202020204" pitchFamily="34" charset="0"/>
+              <a:cs typeface="Arial" panose="020B0604020202020204" pitchFamily="34" charset="0"/>
+            </a:endParaRPr>
+          </a:p>
+        </p:txBody>
+      </p:sp>
+    </p:spTree>
+    <p:extLst>
+      <p:ext uri="{BB962C8B-B14F-4D97-AF65-F5344CB8AC3E}">
+        <p14:creationId xmlns:p14="http://schemas.microsoft.com/office/powerpoint/2010/main" val="3930363686"/>
+      </p:ext>
+    </p:extLst>
+  </p:cSld>
+  <p:clrMapOvr>
+    <a:masterClrMapping/>
+  </p:clrMapOvr>
+</p:sld>
+</file>
+
 <file path=ppt/theme/theme1.xml><?xml version="1.0" encoding="utf-8"?>
 <a:theme xmlns:a="http://schemas.openxmlformats.org/drawingml/2006/main" name="Office Theme">
   <a:themeElements>
@@ -5275,4 +10375,265 @@
     </a:ext>
   </a:extLst>
 </a:theme>
+</file>
+
+<file path=ppt/theme/theme2.xml><?xml version="1.0" encoding="utf-8"?>
+<a:theme xmlns:a="http://schemas.openxmlformats.org/drawingml/2006/main" name="Office Theme">
+  <a:themeElements>
+    <a:clrScheme name="Office">
+      <a:dk1>
+        <a:sysClr val="windowText" lastClr="000000"/>
+      </a:dk1>
+      <a:lt1>
+        <a:sysClr val="window" lastClr="FFFFFF"/>
+      </a:lt1>
+      <a:dk2>
+        <a:srgbClr val="44546A"/>
+      </a:dk2>
+      <a:lt2>
+        <a:srgbClr val="E7E6E6"/>
+      </a:lt2>
+      <a:accent1>
+        <a:srgbClr val="5B9BD5"/>
+      </a:accent1>
+      <a:accent2>
+        <a:srgbClr val="ED7D31"/>
+      </a:accent2>
+      <a:accent3>
+        <a:srgbClr val="A5A5A5"/>
+      </a:accent3>
+      <a:accent4>
+        <a:srgbClr val="FFC000"/>
+      </a:accent4>
+      <a:accent5>
+        <a:srgbClr val="4472C4"/>
+      </a:accent5>
+      <a:accent6>
+        <a:srgbClr val="70AD47"/>
+      </a:accent6>
+      <a:hlink>
+        <a:srgbClr val="0563C1"/>
+      </a:hlink>
+      <a:folHlink>
+        <a:srgbClr val="954F72"/>
+      </a:folHlink>
+    </a:clrScheme>
+    <a:fontScheme name="Office">
+      <a:majorFont>
+        <a:latin typeface="Calibri Light" panose="020F0302020204030204"/>
+        <a:ea typeface=""/>
+        <a:cs typeface=""/>
+        <a:font script="Jpan" typeface="游ゴシック Light"/>
+        <a:font script="Hang" typeface="맑은 고딕"/>
+        <a:font script="Hans" typeface="等线 Light"/>
+        <a:font script="Hant" typeface="新細明體"/>
+        <a:font script="Arab" typeface="Times New Roman"/>
+        <a:font script="Hebr" typeface="Times New Roman"/>
+        <a:font script="Thai" typeface="Angsana New"/>
+        <a:font script="Ethi" typeface="Nyala"/>
+        <a:font script="Beng" typeface="Vrinda"/>
+        <a:font script="Gujr" typeface="Shruti"/>
+        <a:font script="Khmr" typeface="MoolBoran"/>
+        <a:font script="Knda" typeface="Tunga"/>
+        <a:font script="Guru" typeface="Raavi"/>
+        <a:font script="Cans" typeface="Euphemia"/>
+        <a:font script="Cher" typeface="Plantagenet Cherokee"/>
+        <a:font script="Yiii" typeface="Microsoft Yi Baiti"/>
+        <a:font script="Tibt" typeface="Microsoft Himalaya"/>
+        <a:font script="Thaa" typeface="MV Boli"/>
+        <a:font script="Deva" typeface="Mangal"/>
+        <a:font script="Telu" typeface="Gautami"/>
+        <a:font script="Taml" typeface="Latha"/>
+        <a:font script="Syrc" typeface="Estrangelo Edessa"/>
+        <a:font script="Orya" typeface="Kalinga"/>
+        <a:font script="Mlym" typeface="Kartika"/>
+        <a:font script="Laoo" typeface="DokChampa"/>
+        <a:font script="Sinh" typeface="Iskoola Pota"/>
+        <a:font script="Mong" typeface="Mongolian Baiti"/>
+        <a:font script="Viet" typeface="Times New Roman"/>
+        <a:font script="Uigh" typeface="Microsoft Uighur"/>
+        <a:font script="Geor" typeface="Sylfaen"/>
+      </a:majorFont>
+      <a:minorFont>
+        <a:latin typeface="Calibri" panose="020F0502020204030204"/>
+        <a:ea typeface=""/>
+        <a:cs typeface=""/>
+        <a:font script="Jpan" typeface="游ゴシック"/>
+        <a:font script="Hang" typeface="맑은 고딕"/>
+        <a:font script="Hans" typeface="等线"/>
+        <a:font script="Hant" typeface="新細明體"/>
+        <a:font script="Arab" typeface="Arial"/>
+        <a:font script="Hebr" typeface="Arial"/>
+        <a:font script="Thai" typeface="Cordia New"/>
+        <a:font script="Ethi" typeface="Nyala"/>
+        <a:font script="Beng" typeface="Vrinda"/>
+        <a:font script="Gujr" typeface="Shruti"/>
+        <a:font script="Khmr" typeface="DaunPenh"/>
+        <a:font script="Knda" typeface="Tunga"/>
+        <a:font script="Guru" typeface="Raavi"/>
+        <a:font script="Cans" typeface="Euphemia"/>
+        <a:font script="Cher" typeface="Plantagenet Cherokee"/>
+        <a:font script="Yiii" typeface="Microsoft Yi Baiti"/>
+        <a:font script="Tibt" typeface="Microsoft Himalaya"/>
+        <a:font script="Thaa" typeface="MV Boli"/>
+        <a:font script="Deva" typeface="Mangal"/>
+        <a:font script="Telu" typeface="Gautami"/>
+        <a:font script="Taml" typeface="Latha"/>
+        <a:font script="Syrc" typeface="Estrangelo Edessa"/>
+        <a:font script="Orya" typeface="Kalinga"/>
+        <a:font script="Mlym" typeface="Kartika"/>
+        <a:font script="Laoo" typeface="DokChampa"/>
+        <a:font script="Sinh" typeface="Iskoola Pota"/>
+        <a:font script="Mong" typeface="Mongolian Baiti"/>
+        <a:font script="Viet" typeface="Arial"/>
+        <a:font script="Uigh" typeface="Microsoft Uighur"/>
+        <a:font script="Geor" typeface="Sylfaen"/>
+      </a:minorFont>
+    </a:fontScheme>
+    <a:fmtScheme name="Office">
+      <a:fillStyleLst>
+        <a:solidFill>
+          <a:schemeClr val="phClr"/>
+        </a:solidFill>
+        <a:gradFill rotWithShape="1">
+          <a:gsLst>
+            <a:gs pos="0">
+              <a:schemeClr val="phClr">
+                <a:lumMod val="110000"/>
+                <a:satMod val="105000"/>
+                <a:tint val="67000"/>
+              </a:schemeClr>
+            </a:gs>
+            <a:gs pos="50000">
+              <a:schemeClr val="phClr">
+                <a:lumMod val="105000"/>
+                <a:satMod val="103000"/>
+                <a:tint val="73000"/>
+              </a:schemeClr>
+            </a:gs>
+            <a:gs pos="100000">
+              <a:schemeClr val="phClr">
+                <a:lumMod val="105000"/>
+                <a:satMod val="109000"/>
+                <a:tint val="81000"/>
+              </a:schemeClr>
+            </a:gs>
+          </a:gsLst>
+          <a:lin ang="5400000" scaled="0"/>
+        </a:gradFill>
+        <a:gradFill rotWithShape="1">
+          <a:gsLst>
+            <a:gs pos="0">
+              <a:schemeClr val="phClr">
+                <a:satMod val="103000"/>
+                <a:lumMod val="102000"/>
+                <a:tint val="94000"/>
+              </a:schemeClr>
+            </a:gs>
+            <a:gs pos="50000">
+              <a:schemeClr val="phClr">
+                <a:satMod val="110000"/>
+                <a:lumMod val="100000"/>
+                <a:shade val="100000"/>
+              </a:schemeClr>
+            </a:gs>
+            <a:gs pos="100000">
+              <a:schemeClr val="phClr">
+                <a:lumMod val="99000"/>
+                <a:satMod val="120000"/>
+                <a:shade val="78000"/>
+              </a:schemeClr>
+            </a:gs>
+          </a:gsLst>
+          <a:lin ang="5400000" scaled="0"/>
+        </a:gradFill>
+      </a:fillStyleLst>
+      <a:lnStyleLst>
+        <a:ln w="6350" cap="flat" cmpd="sng" algn="ctr">
+          <a:solidFill>
+            <a:schemeClr val="phClr"/>
+          </a:solidFill>
+          <a:prstDash val="solid"/>
+          <a:miter lim="800000"/>
+        </a:ln>
+        <a:ln w="12700" cap="flat" cmpd="sng" algn="ctr">
+          <a:solidFill>
+            <a:schemeClr val="phClr"/>
+          </a:solidFill>
+          <a:prstDash val="solid"/>
+          <a:miter lim="800000"/>
+        </a:ln>
+        <a:ln w="19050" cap="flat" cmpd="sng" algn="ctr">
+          <a:solidFill>
+            <a:schemeClr val="phClr"/>
+          </a:solidFill>
+          <a:prstDash val="solid"/>
+          <a:miter lim="800000"/>
+        </a:ln>
+      </a:lnStyleLst>
+      <a:effectStyleLst>
+        <a:effectStyle>
+          <a:effectLst/>
+        </a:effectStyle>
+        <a:effectStyle>
+          <a:effectLst/>
+        </a:effectStyle>
+        <a:effectStyle>
+          <a:effectLst>
+            <a:outerShdw blurRad="57150" dist="19050" dir="5400000" algn="ctr" rotWithShape="0">
+              <a:srgbClr val="000000">
+                <a:alpha val="63000"/>
+              </a:srgbClr>
+            </a:outerShdw>
+          </a:effectLst>
+        </a:effectStyle>
+      </a:effectStyleLst>
+      <a:bgFillStyleLst>
+        <a:solidFill>
+          <a:schemeClr val="phClr"/>
+        </a:solidFill>
+        <a:solidFill>
+          <a:schemeClr val="phClr">
+            <a:tint val="95000"/>
+            <a:satMod val="170000"/>
+          </a:schemeClr>
+        </a:solidFill>
+        <a:gradFill rotWithShape="1">
+          <a:gsLst>
+            <a:gs pos="0">
+              <a:schemeClr val="phClr">
+                <a:tint val="93000"/>
+                <a:satMod val="150000"/>
+                <a:shade val="98000"/>
+                <a:lumMod val="102000"/>
+              </a:schemeClr>
+            </a:gs>
+            <a:gs pos="50000">
+              <a:schemeClr val="phClr">
+                <a:tint val="98000"/>
+                <a:satMod val="130000"/>
+                <a:shade val="90000"/>
+                <a:lumMod val="103000"/>
+              </a:schemeClr>
+            </a:gs>
+            <a:gs pos="100000">
+              <a:schemeClr val="phClr">
+                <a:shade val="63000"/>
+                <a:satMod val="120000"/>
+              </a:schemeClr>
+            </a:gs>
+          </a:gsLst>
+          <a:lin ang="5400000" scaled="0"/>
+        </a:gradFill>
+      </a:bgFillStyleLst>
+    </a:fmtScheme>
+  </a:themeElements>
+  <a:objectDefaults/>
+  <a:extraClrSchemeLst/>
+  <a:extLst>
+    <a:ext uri="{05A4C25C-085E-4340-85A3-A5531E510DB2}">
+      <thm15:themeFamily xmlns:thm15="http://schemas.microsoft.com/office/thememl/2012/main" name="Office Theme" id="{62F939B6-93AF-4DB8-9C6B-D6C7DFDC589F}" vid="{4A3C46E8-61CC-4603-A589-7422A47A8E4A}"/>
+    </a:ext>
+  </a:extLst>
+</a:theme>
 </file>
--- a/Figures/piecing_together_figs.pptx
+++ b/Figures/piecing_together_figs.pptx
@@ -5747,13 +5747,6 @@
               </a:rPr>
               <a:t>4</a:t>
             </a:r>
-            <a:endParaRPr lang="en-US" sz="1600" dirty="0">
-              <a:solidFill>
-                <a:schemeClr val="tx1"/>
-              </a:solidFill>
-              <a:latin typeface="Arial" panose="020B0604020202020204" pitchFamily="34" charset="0"/>
-              <a:cs typeface="Arial" panose="020B0604020202020204" pitchFamily="34" charset="0"/>
-            </a:endParaRPr>
           </a:p>
         </p:txBody>
       </p:sp>
@@ -6050,13 +6043,6 @@
               </a:rPr>
               <a:t>6</a:t>
             </a:r>
-            <a:endParaRPr lang="en-US" sz="1600" dirty="0">
-              <a:solidFill>
-                <a:schemeClr val="tx1"/>
-              </a:solidFill>
-              <a:latin typeface="Arial" panose="020B0604020202020204" pitchFamily="34" charset="0"/>
-              <a:cs typeface="Arial" panose="020B0604020202020204" pitchFamily="34" charset="0"/>
-            </a:endParaRPr>
           </a:p>
         </p:txBody>
       </p:sp>
@@ -6149,13 +6135,6 @@
               </a:rPr>
               <a:t>7</a:t>
             </a:r>
-            <a:endParaRPr lang="en-US" sz="1600" dirty="0">
-              <a:solidFill>
-                <a:schemeClr val="tx1"/>
-              </a:solidFill>
-              <a:latin typeface="Arial" panose="020B0604020202020204" pitchFamily="34" charset="0"/>
-              <a:cs typeface="Arial" panose="020B0604020202020204" pitchFamily="34" charset="0"/>
-            </a:endParaRPr>
           </a:p>
         </p:txBody>
       </p:sp>
@@ -8014,13 +7993,6 @@
               </a:rPr>
               <a:t>4</a:t>
             </a:r>
-            <a:endParaRPr lang="en-US" sz="1600" dirty="0">
-              <a:solidFill>
-                <a:schemeClr val="tx1"/>
-              </a:solidFill>
-              <a:latin typeface="Arial" panose="020B0604020202020204" pitchFamily="34" charset="0"/>
-              <a:cs typeface="Arial" panose="020B0604020202020204" pitchFamily="34" charset="0"/>
-            </a:endParaRPr>
           </a:p>
         </p:txBody>
       </p:sp>
@@ -8317,13 +8289,6 @@
               </a:rPr>
               <a:t>6</a:t>
             </a:r>
-            <a:endParaRPr lang="en-US" sz="1600" dirty="0">
-              <a:solidFill>
-                <a:schemeClr val="tx1"/>
-              </a:solidFill>
-              <a:latin typeface="Arial" panose="020B0604020202020204" pitchFamily="34" charset="0"/>
-              <a:cs typeface="Arial" panose="020B0604020202020204" pitchFamily="34" charset="0"/>
-            </a:endParaRPr>
           </a:p>
         </p:txBody>
       </p:sp>
@@ -8416,13 +8381,6 @@
               </a:rPr>
               <a:t>7</a:t>
             </a:r>
-            <a:endParaRPr lang="en-US" sz="1600" dirty="0">
-              <a:solidFill>
-                <a:schemeClr val="tx1"/>
-              </a:solidFill>
-              <a:latin typeface="Arial" panose="020B0604020202020204" pitchFamily="34" charset="0"/>
-              <a:cs typeface="Arial" panose="020B0604020202020204" pitchFamily="34" charset="0"/>
-            </a:endParaRPr>
           </a:p>
         </p:txBody>
       </p:sp>
@@ -10097,6 +10055,114 @@
               <a:t>20</a:t>
             </a:r>
             <a:endParaRPr lang="en-US" dirty="0">
+              <a:latin typeface="Arial" panose="020B0604020202020204" pitchFamily="34" charset="0"/>
+              <a:cs typeface="Arial" panose="020B0604020202020204" pitchFamily="34" charset="0"/>
+            </a:endParaRPr>
+          </a:p>
+        </p:txBody>
+      </p:sp>
+      <p:sp>
+        <p:nvSpPr>
+          <p:cNvPr id="2" name="TextBox 1"/>
+          <p:cNvSpPr txBox="1"/>
+          <p:nvPr/>
+        </p:nvSpPr>
+        <p:spPr>
+          <a:xfrm>
+            <a:off x="4365387" y="2275742"/>
+            <a:ext cx="1222131" cy="246221"/>
+          </a:xfrm>
+          <a:prstGeom prst="rect">
+            <a:avLst/>
+          </a:prstGeom>
+          <a:noFill/>
+        </p:spPr>
+        <p:txBody>
+          <a:bodyPr wrap="square" rtlCol="0">
+            <a:spAutoFit/>
+          </a:bodyPr>
+          <a:lstStyle/>
+          <a:p>
+            <a:r>
+              <a:rPr lang="en-US" sz="1000" dirty="0" smtClean="0">
+                <a:latin typeface="Arial" panose="020B0604020202020204" pitchFamily="34" charset="0"/>
+                <a:cs typeface="Arial" panose="020B0604020202020204" pitchFamily="34" charset="0"/>
+              </a:rPr>
+              <a:t>(61%)</a:t>
+            </a:r>
+            <a:endParaRPr lang="en-US" sz="1000" dirty="0">
+              <a:latin typeface="Arial" panose="020B0604020202020204" pitchFamily="34" charset="0"/>
+              <a:cs typeface="Arial" panose="020B0604020202020204" pitchFamily="34" charset="0"/>
+            </a:endParaRPr>
+          </a:p>
+        </p:txBody>
+      </p:sp>
+      <p:sp>
+        <p:nvSpPr>
+          <p:cNvPr id="61" name="TextBox 60"/>
+          <p:cNvSpPr txBox="1"/>
+          <p:nvPr/>
+        </p:nvSpPr>
+        <p:spPr>
+          <a:xfrm>
+            <a:off x="4642354" y="2454569"/>
+            <a:ext cx="1222131" cy="246221"/>
+          </a:xfrm>
+          <a:prstGeom prst="rect">
+            <a:avLst/>
+          </a:prstGeom>
+          <a:noFill/>
+        </p:spPr>
+        <p:txBody>
+          <a:bodyPr wrap="square" rtlCol="0">
+            <a:spAutoFit/>
+          </a:bodyPr>
+          <a:lstStyle/>
+          <a:p>
+            <a:r>
+              <a:rPr lang="en-US" sz="1000" dirty="0" smtClean="0">
+                <a:latin typeface="Arial" panose="020B0604020202020204" pitchFamily="34" charset="0"/>
+                <a:cs typeface="Arial" panose="020B0604020202020204" pitchFamily="34" charset="0"/>
+              </a:rPr>
+              <a:t>(34%)</a:t>
+            </a:r>
+            <a:endParaRPr lang="en-US" sz="1000" dirty="0">
+              <a:latin typeface="Arial" panose="020B0604020202020204" pitchFamily="34" charset="0"/>
+              <a:cs typeface="Arial" panose="020B0604020202020204" pitchFamily="34" charset="0"/>
+            </a:endParaRPr>
+          </a:p>
+        </p:txBody>
+      </p:sp>
+      <p:sp>
+        <p:nvSpPr>
+          <p:cNvPr id="65" name="TextBox 64"/>
+          <p:cNvSpPr txBox="1"/>
+          <p:nvPr/>
+        </p:nvSpPr>
+        <p:spPr>
+          <a:xfrm>
+            <a:off x="4382971" y="2631910"/>
+            <a:ext cx="1222131" cy="246221"/>
+          </a:xfrm>
+          <a:prstGeom prst="rect">
+            <a:avLst/>
+          </a:prstGeom>
+          <a:noFill/>
+        </p:spPr>
+        <p:txBody>
+          <a:bodyPr wrap="square" rtlCol="0">
+            <a:spAutoFit/>
+          </a:bodyPr>
+          <a:lstStyle/>
+          <a:p>
+            <a:r>
+              <a:rPr lang="en-US" sz="1000" dirty="0" smtClean="0">
+                <a:latin typeface="Arial" panose="020B0604020202020204" pitchFamily="34" charset="0"/>
+                <a:cs typeface="Arial" panose="020B0604020202020204" pitchFamily="34" charset="0"/>
+              </a:rPr>
+              <a:t>(5%)</a:t>
+            </a:r>
+            <a:endParaRPr lang="en-US" sz="1000" dirty="0">
               <a:latin typeface="Arial" panose="020B0604020202020204" pitchFamily="34" charset="0"/>
               <a:cs typeface="Arial" panose="020B0604020202020204" pitchFamily="34" charset="0"/>
             </a:endParaRPr>

--- a/Figures/piecing_together_figs.pptx
+++ b/Figures/piecing_together_figs.pptx
@@ -5,7 +5,7 @@
     <p:sldMasterId id="2147483648" r:id="rId1"/>
   </p:sldMasterIdLst>
   <p:notesMasterIdLst>
-    <p:notesMasterId r:id="rId8"/>
+    <p:notesMasterId r:id="rId10"/>
   </p:notesMasterIdLst>
   <p:sldIdLst>
     <p:sldId id="256" r:id="rId2"/>
@@ -14,6 +14,8 @@
     <p:sldId id="259" r:id="rId5"/>
     <p:sldId id="260" r:id="rId6"/>
     <p:sldId id="261" r:id="rId7"/>
+    <p:sldId id="262" r:id="rId8"/>
+    <p:sldId id="263" r:id="rId9"/>
   </p:sldIdLst>
   <p:sldSz cx="12192000" cy="6858000"/>
   <p:notesSz cx="6858000" cy="9144000"/>
@@ -202,7 +204,7 @@
           <a:p>
             <a:fld id="{E21A01C1-7195-4936-AB8D-A0C52A614CAA}" type="datetimeFigureOut">
               <a:rPr lang="en-US" smtClean="0"/>
-              <a:t>6/4/2021</a:t>
+              <a:t>6/7/2021</a:t>
             </a:fld>
             <a:endParaRPr lang="en-US"/>
           </a:p>
@@ -516,7 +518,15 @@
           <a:p>
             <a:r>
               <a:rPr lang="en-US" dirty="0" smtClean="0"/>
-              <a:t>WITH DAM RATE</a:t>
+              <a:t>WITH DAM </a:t>
+            </a:r>
+            <a:r>
+              <a:rPr lang="en-US" dirty="0" smtClean="0"/>
+              <a:t>RATE – wonky</a:t>
+            </a:r>
+            <a:r>
+              <a:rPr lang="en-US" baseline="0" dirty="0" smtClean="0"/>
+              <a:t> results</a:t>
             </a:r>
             <a:endParaRPr lang="en-US" dirty="0"/>
           </a:p>
@@ -604,7 +614,11 @@
           <a:p>
             <a:r>
               <a:rPr lang="en-US" dirty="0" smtClean="0"/>
-              <a:t>WITH DAM RATE</a:t>
+              <a:t>WITH DAM RATE – wonky</a:t>
+            </a:r>
+            <a:r>
+              <a:rPr lang="en-US" baseline="0" dirty="0" smtClean="0"/>
+              <a:t> results</a:t>
             </a:r>
             <a:endParaRPr lang="en-US" dirty="0"/>
           </a:p>
@@ -637,6 +651,198 @@
     <p:extLst>
       <p:ext uri="{BB962C8B-B14F-4D97-AF65-F5344CB8AC3E}">
         <p14:creationId xmlns:p14="http://schemas.microsoft.com/office/powerpoint/2010/main" val="3464375201"/>
+      </p:ext>
+    </p:extLst>
+  </p:cSld>
+  <p:clrMapOvr>
+    <a:masterClrMapping/>
+  </p:clrMapOvr>
+</p:notes>
+</file>
+
+<file path=ppt/notesSlides/notesSlide3.xml><?xml version="1.0" encoding="utf-8"?>
+<p:notes xmlns:a="http://schemas.openxmlformats.org/drawingml/2006/main" xmlns:r="http://schemas.openxmlformats.org/officeDocument/2006/relationships" xmlns:p="http://schemas.openxmlformats.org/presentationml/2006/main">
+  <p:cSld>
+    <p:spTree>
+      <p:nvGrpSpPr>
+        <p:cNvPr id="1" name=""/>
+        <p:cNvGrpSpPr/>
+        <p:nvPr/>
+      </p:nvGrpSpPr>
+      <p:grpSpPr>
+        <a:xfrm>
+          <a:off x="0" y="0"/>
+          <a:ext cx="0" cy="0"/>
+          <a:chOff x="0" y="0"/>
+          <a:chExt cx="0" cy="0"/>
+        </a:xfrm>
+      </p:grpSpPr>
+      <p:sp>
+        <p:nvSpPr>
+          <p:cNvPr id="2" name="Slide Image Placeholder 1"/>
+          <p:cNvSpPr>
+            <a:spLocks noGrp="1" noRot="1" noChangeAspect="1"/>
+          </p:cNvSpPr>
+          <p:nvPr>
+            <p:ph type="sldImg"/>
+          </p:nvPr>
+        </p:nvSpPr>
+        <p:spPr/>
+      </p:sp>
+      <p:sp>
+        <p:nvSpPr>
+          <p:cNvPr id="3" name="Notes Placeholder 2"/>
+          <p:cNvSpPr>
+            <a:spLocks noGrp="1"/>
+          </p:cNvSpPr>
+          <p:nvPr>
+            <p:ph type="body" idx="1"/>
+          </p:nvPr>
+        </p:nvSpPr>
+        <p:spPr/>
+        <p:txBody>
+          <a:bodyPr/>
+          <a:lstStyle/>
+          <a:p>
+            <a:r>
+              <a:rPr lang="en-US" dirty="0" smtClean="0"/>
+              <a:t>With dam rate and </a:t>
+            </a:r>
+            <a:r>
+              <a:rPr lang="en-US" dirty="0" err="1" smtClean="0"/>
+              <a:t>maxkmNS</a:t>
+            </a:r>
+            <a:r>
+              <a:rPr lang="en-US" baseline="0" dirty="0" smtClean="0"/>
+              <a:t> and 2 pcs</a:t>
+            </a:r>
+            <a:endParaRPr lang="en-US" dirty="0"/>
+          </a:p>
+        </p:txBody>
+      </p:sp>
+      <p:sp>
+        <p:nvSpPr>
+          <p:cNvPr id="4" name="Slide Number Placeholder 3"/>
+          <p:cNvSpPr>
+            <a:spLocks noGrp="1"/>
+          </p:cNvSpPr>
+          <p:nvPr>
+            <p:ph type="sldNum" sz="quarter" idx="10"/>
+          </p:nvPr>
+        </p:nvSpPr>
+        <p:spPr/>
+        <p:txBody>
+          <a:bodyPr/>
+          <a:lstStyle/>
+          <a:p>
+            <a:fld id="{EFDBF8D5-4350-463B-A2B4-1E2606131506}" type="slidenum">
+              <a:rPr lang="en-US" smtClean="0"/>
+              <a:t>7</a:t>
+            </a:fld>
+            <a:endParaRPr lang="en-US"/>
+          </a:p>
+        </p:txBody>
+      </p:sp>
+    </p:spTree>
+    <p:extLst>
+      <p:ext uri="{BB962C8B-B14F-4D97-AF65-F5344CB8AC3E}">
+        <p14:creationId xmlns:p14="http://schemas.microsoft.com/office/powerpoint/2010/main" val="3324086059"/>
+      </p:ext>
+    </p:extLst>
+  </p:cSld>
+  <p:clrMapOvr>
+    <a:masterClrMapping/>
+  </p:clrMapOvr>
+</p:notes>
+</file>
+
+<file path=ppt/notesSlides/notesSlide4.xml><?xml version="1.0" encoding="utf-8"?>
+<p:notes xmlns:a="http://schemas.openxmlformats.org/drawingml/2006/main" xmlns:r="http://schemas.openxmlformats.org/officeDocument/2006/relationships" xmlns:p="http://schemas.openxmlformats.org/presentationml/2006/main">
+  <p:cSld>
+    <p:spTree>
+      <p:nvGrpSpPr>
+        <p:cNvPr id="1" name=""/>
+        <p:cNvGrpSpPr/>
+        <p:nvPr/>
+      </p:nvGrpSpPr>
+      <p:grpSpPr>
+        <a:xfrm>
+          <a:off x="0" y="0"/>
+          <a:ext cx="0" cy="0"/>
+          <a:chOff x="0" y="0"/>
+          <a:chExt cx="0" cy="0"/>
+        </a:xfrm>
+      </p:grpSpPr>
+      <p:sp>
+        <p:nvSpPr>
+          <p:cNvPr id="2" name="Slide Image Placeholder 1"/>
+          <p:cNvSpPr>
+            <a:spLocks noGrp="1" noRot="1" noChangeAspect="1"/>
+          </p:cNvSpPr>
+          <p:nvPr>
+            <p:ph type="sldImg"/>
+          </p:nvPr>
+        </p:nvSpPr>
+        <p:spPr/>
+      </p:sp>
+      <p:sp>
+        <p:nvSpPr>
+          <p:cNvPr id="3" name="Notes Placeholder 2"/>
+          <p:cNvSpPr>
+            <a:spLocks noGrp="1"/>
+          </p:cNvSpPr>
+          <p:nvPr>
+            <p:ph type="body" idx="1"/>
+          </p:nvPr>
+        </p:nvSpPr>
+        <p:spPr/>
+        <p:txBody>
+          <a:bodyPr/>
+          <a:lstStyle/>
+          <a:p>
+            <a:r>
+              <a:rPr lang="en-US" dirty="0" smtClean="0"/>
+              <a:t>With dam rate and </a:t>
+            </a:r>
+            <a:r>
+              <a:rPr lang="en-US" dirty="0" err="1" smtClean="0"/>
+              <a:t>maxkmNS</a:t>
+            </a:r>
+            <a:r>
+              <a:rPr lang="en-US" baseline="0" smtClean="0"/>
+              <a:t> and 2 pcs</a:t>
+            </a:r>
+            <a:endParaRPr lang="en-US"/>
+          </a:p>
+        </p:txBody>
+      </p:sp>
+      <p:sp>
+        <p:nvSpPr>
+          <p:cNvPr id="4" name="Slide Number Placeholder 3"/>
+          <p:cNvSpPr>
+            <a:spLocks noGrp="1"/>
+          </p:cNvSpPr>
+          <p:nvPr>
+            <p:ph type="sldNum" sz="quarter" idx="10"/>
+          </p:nvPr>
+        </p:nvSpPr>
+        <p:spPr/>
+        <p:txBody>
+          <a:bodyPr/>
+          <a:lstStyle/>
+          <a:p>
+            <a:fld id="{EFDBF8D5-4350-463B-A2B4-1E2606131506}" type="slidenum">
+              <a:rPr lang="en-US" smtClean="0"/>
+              <a:t>8</a:t>
+            </a:fld>
+            <a:endParaRPr lang="en-US"/>
+          </a:p>
+        </p:txBody>
+      </p:sp>
+    </p:spTree>
+    <p:extLst>
+      <p:ext uri="{BB962C8B-B14F-4D97-AF65-F5344CB8AC3E}">
+        <p14:creationId xmlns:p14="http://schemas.microsoft.com/office/powerpoint/2010/main" val="2174517086"/>
       </p:ext>
     </p:extLst>
   </p:cSld>
@@ -777,7 +983,7 @@
           <a:p>
             <a:fld id="{24F71ACE-7A2E-44C7-BEB0-E2DBFE9F86D8}" type="datetimeFigureOut">
               <a:rPr lang="en-US" smtClean="0"/>
-              <a:t>6/4/2021</a:t>
+              <a:t>6/7/2021</a:t>
             </a:fld>
             <a:endParaRPr lang="en-US"/>
           </a:p>
@@ -947,7 +1153,7 @@
           <a:p>
             <a:fld id="{24F71ACE-7A2E-44C7-BEB0-E2DBFE9F86D8}" type="datetimeFigureOut">
               <a:rPr lang="en-US" smtClean="0"/>
-              <a:t>6/4/2021</a:t>
+              <a:t>6/7/2021</a:t>
             </a:fld>
             <a:endParaRPr lang="en-US"/>
           </a:p>
@@ -1127,7 +1333,7 @@
           <a:p>
             <a:fld id="{24F71ACE-7A2E-44C7-BEB0-E2DBFE9F86D8}" type="datetimeFigureOut">
               <a:rPr lang="en-US" smtClean="0"/>
-              <a:t>6/4/2021</a:t>
+              <a:t>6/7/2021</a:t>
             </a:fld>
             <a:endParaRPr lang="en-US"/>
           </a:p>
@@ -1297,7 +1503,7 @@
           <a:p>
             <a:fld id="{24F71ACE-7A2E-44C7-BEB0-E2DBFE9F86D8}" type="datetimeFigureOut">
               <a:rPr lang="en-US" smtClean="0"/>
-              <a:t>6/4/2021</a:t>
+              <a:t>6/7/2021</a:t>
             </a:fld>
             <a:endParaRPr lang="en-US"/>
           </a:p>
@@ -1543,7 +1749,7 @@
           <a:p>
             <a:fld id="{24F71ACE-7A2E-44C7-BEB0-E2DBFE9F86D8}" type="datetimeFigureOut">
               <a:rPr lang="en-US" smtClean="0"/>
-              <a:t>6/4/2021</a:t>
+              <a:t>6/7/2021</a:t>
             </a:fld>
             <a:endParaRPr lang="en-US"/>
           </a:p>
@@ -1775,7 +1981,7 @@
           <a:p>
             <a:fld id="{24F71ACE-7A2E-44C7-BEB0-E2DBFE9F86D8}" type="datetimeFigureOut">
               <a:rPr lang="en-US" smtClean="0"/>
-              <a:t>6/4/2021</a:t>
+              <a:t>6/7/2021</a:t>
             </a:fld>
             <a:endParaRPr lang="en-US"/>
           </a:p>
@@ -2142,7 +2348,7 @@
           <a:p>
             <a:fld id="{24F71ACE-7A2E-44C7-BEB0-E2DBFE9F86D8}" type="datetimeFigureOut">
               <a:rPr lang="en-US" smtClean="0"/>
-              <a:t>6/4/2021</a:t>
+              <a:t>6/7/2021</a:t>
             </a:fld>
             <a:endParaRPr lang="en-US"/>
           </a:p>
@@ -2260,7 +2466,7 @@
           <a:p>
             <a:fld id="{24F71ACE-7A2E-44C7-BEB0-E2DBFE9F86D8}" type="datetimeFigureOut">
               <a:rPr lang="en-US" smtClean="0"/>
-              <a:t>6/4/2021</a:t>
+              <a:t>6/7/2021</a:t>
             </a:fld>
             <a:endParaRPr lang="en-US"/>
           </a:p>
@@ -2355,7 +2561,7 @@
           <a:p>
             <a:fld id="{24F71ACE-7A2E-44C7-BEB0-E2DBFE9F86D8}" type="datetimeFigureOut">
               <a:rPr lang="en-US" smtClean="0"/>
-              <a:t>6/4/2021</a:t>
+              <a:t>6/7/2021</a:t>
             </a:fld>
             <a:endParaRPr lang="en-US"/>
           </a:p>
@@ -2632,7 +2838,7 @@
           <a:p>
             <a:fld id="{24F71ACE-7A2E-44C7-BEB0-E2DBFE9F86D8}" type="datetimeFigureOut">
               <a:rPr lang="en-US" smtClean="0"/>
-              <a:t>6/4/2021</a:t>
+              <a:t>6/7/2021</a:t>
             </a:fld>
             <a:endParaRPr lang="en-US"/>
           </a:p>
@@ -2885,7 +3091,7 @@
           <a:p>
             <a:fld id="{24F71ACE-7A2E-44C7-BEB0-E2DBFE9F86D8}" type="datetimeFigureOut">
               <a:rPr lang="en-US" smtClean="0"/>
-              <a:t>6/4/2021</a:t>
+              <a:t>6/7/2021</a:t>
             </a:fld>
             <a:endParaRPr lang="en-US"/>
           </a:p>
@@ -3098,7 +3304,7 @@
           <a:p>
             <a:fld id="{24F71ACE-7A2E-44C7-BEB0-E2DBFE9F86D8}" type="datetimeFigureOut">
               <a:rPr lang="en-US" smtClean="0"/>
-              <a:t>6/4/2021</a:t>
+              <a:t>6/7/2021</a:t>
             </a:fld>
             <a:endParaRPr lang="en-US"/>
           </a:p>
@@ -10173,6 +10379,4276 @@
     <p:extLst>
       <p:ext uri="{BB962C8B-B14F-4D97-AF65-F5344CB8AC3E}">
         <p14:creationId xmlns:p14="http://schemas.microsoft.com/office/powerpoint/2010/main" val="3930363686"/>
+      </p:ext>
+    </p:extLst>
+  </p:cSld>
+  <p:clrMapOvr>
+    <a:masterClrMapping/>
+  </p:clrMapOvr>
+</p:sld>
+</file>
+
+<file path=ppt/slides/slide7.xml><?xml version="1.0" encoding="utf-8"?>
+<p:sld xmlns:a="http://schemas.openxmlformats.org/drawingml/2006/main" xmlns:r="http://schemas.openxmlformats.org/officeDocument/2006/relationships" xmlns:p="http://schemas.openxmlformats.org/presentationml/2006/main">
+  <p:cSld>
+    <p:spTree>
+      <p:nvGrpSpPr>
+        <p:cNvPr id="1" name=""/>
+        <p:cNvGrpSpPr/>
+        <p:nvPr/>
+      </p:nvGrpSpPr>
+      <p:grpSpPr>
+        <a:xfrm>
+          <a:off x="0" y="0"/>
+          <a:ext cx="0" cy="0"/>
+          <a:chOff x="0" y="0"/>
+          <a:chExt cx="0" cy="0"/>
+        </a:xfrm>
+      </p:grpSpPr>
+      <p:pic>
+        <p:nvPicPr>
+          <p:cNvPr id="58" name="Picture 57"/>
+          <p:cNvPicPr>
+            <a:picLocks noChangeAspect="1"/>
+          </p:cNvPicPr>
+          <p:nvPr/>
+        </p:nvPicPr>
+        <p:blipFill>
+          <a:blip r:embed="rId3" cstate="print">
+            <a:extLst>
+              <a:ext uri="{28A0092B-C50C-407E-A947-70E740481C1C}">
+                <a14:useLocalDpi xmlns:a14="http://schemas.microsoft.com/office/drawing/2010/main" val="0"/>
+              </a:ext>
+            </a:extLst>
+          </a:blip>
+          <a:stretch>
+            <a:fillRect/>
+          </a:stretch>
+        </p:blipFill>
+        <p:spPr>
+          <a:xfrm>
+            <a:off x="3446318" y="0"/>
+            <a:ext cx="5299364" cy="6858000"/>
+          </a:xfrm>
+          <a:prstGeom prst="rect">
+            <a:avLst/>
+          </a:prstGeom>
+        </p:spPr>
+      </p:pic>
+      <p:sp>
+        <p:nvSpPr>
+          <p:cNvPr id="6" name="Oval 5"/>
+          <p:cNvSpPr/>
+          <p:nvPr/>
+        </p:nvSpPr>
+        <p:spPr>
+          <a:xfrm>
+            <a:off x="4901561" y="3997562"/>
+            <a:ext cx="228600" cy="228600"/>
+          </a:xfrm>
+          <a:prstGeom prst="ellipse">
+            <a:avLst/>
+          </a:prstGeom>
+          <a:solidFill>
+            <a:schemeClr val="bg1"/>
+          </a:solidFill>
+          <a:ln>
+            <a:solidFill>
+              <a:schemeClr val="tx1"/>
+            </a:solidFill>
+          </a:ln>
+        </p:spPr>
+        <p:style>
+          <a:lnRef idx="2">
+            <a:schemeClr val="accent1">
+              <a:shade val="50000"/>
+            </a:schemeClr>
+          </a:lnRef>
+          <a:fillRef idx="1">
+            <a:schemeClr val="accent1"/>
+          </a:fillRef>
+          <a:effectRef idx="0">
+            <a:schemeClr val="accent1"/>
+          </a:effectRef>
+          <a:fontRef idx="minor">
+            <a:schemeClr val="lt1"/>
+          </a:fontRef>
+        </p:style>
+        <p:txBody>
+          <a:bodyPr rtlCol="0" anchor="ctr"/>
+          <a:lstStyle/>
+          <a:p>
+            <a:pPr algn="ctr"/>
+            <a:r>
+              <a:rPr lang="en-US" sz="1600" dirty="0" smtClean="0">
+                <a:solidFill>
+                  <a:schemeClr val="tx1"/>
+                </a:solidFill>
+                <a:latin typeface="Arial" panose="020B0604020202020204" pitchFamily="34" charset="0"/>
+                <a:cs typeface="Arial" panose="020B0604020202020204" pitchFamily="34" charset="0"/>
+              </a:rPr>
+              <a:t>1</a:t>
+            </a:r>
+            <a:endParaRPr lang="en-US" sz="1600" dirty="0">
+              <a:solidFill>
+                <a:schemeClr val="tx1"/>
+              </a:solidFill>
+              <a:latin typeface="Arial" panose="020B0604020202020204" pitchFamily="34" charset="0"/>
+              <a:cs typeface="Arial" panose="020B0604020202020204" pitchFamily="34" charset="0"/>
+            </a:endParaRPr>
+          </a:p>
+        </p:txBody>
+      </p:sp>
+      <p:sp>
+        <p:nvSpPr>
+          <p:cNvPr id="9" name="Oval 8"/>
+          <p:cNvSpPr/>
+          <p:nvPr/>
+        </p:nvSpPr>
+        <p:spPr>
+          <a:xfrm>
+            <a:off x="7663966" y="4621808"/>
+            <a:ext cx="228600" cy="228600"/>
+          </a:xfrm>
+          <a:prstGeom prst="ellipse">
+            <a:avLst/>
+          </a:prstGeom>
+          <a:solidFill>
+            <a:schemeClr val="bg1"/>
+          </a:solidFill>
+          <a:ln>
+            <a:solidFill>
+              <a:schemeClr val="tx1"/>
+            </a:solidFill>
+          </a:ln>
+        </p:spPr>
+        <p:style>
+          <a:lnRef idx="2">
+            <a:schemeClr val="accent1">
+              <a:shade val="50000"/>
+            </a:schemeClr>
+          </a:lnRef>
+          <a:fillRef idx="1">
+            <a:schemeClr val="accent1"/>
+          </a:fillRef>
+          <a:effectRef idx="0">
+            <a:schemeClr val="accent1"/>
+          </a:effectRef>
+          <a:fontRef idx="minor">
+            <a:schemeClr val="lt1"/>
+          </a:fontRef>
+        </p:style>
+        <p:txBody>
+          <a:bodyPr rtlCol="0" anchor="ctr"/>
+          <a:lstStyle/>
+          <a:p>
+            <a:pPr algn="ctr"/>
+            <a:endParaRPr lang="en-US" sz="1600" dirty="0">
+              <a:solidFill>
+                <a:schemeClr val="tx1"/>
+              </a:solidFill>
+              <a:latin typeface="Arial" panose="020B0604020202020204" pitchFamily="34" charset="0"/>
+              <a:cs typeface="Arial" panose="020B0604020202020204" pitchFamily="34" charset="0"/>
+            </a:endParaRPr>
+          </a:p>
+        </p:txBody>
+      </p:sp>
+      <p:cxnSp>
+        <p:nvCxnSpPr>
+          <p:cNvPr id="10" name="Straight Connector 9"/>
+          <p:cNvCxnSpPr>
+            <a:stCxn id="9" idx="2"/>
+          </p:cNvCxnSpPr>
+          <p:nvPr/>
+        </p:nvCxnSpPr>
+        <p:spPr>
+          <a:xfrm flipH="1" flipV="1">
+            <a:off x="7280031" y="4617406"/>
+            <a:ext cx="383935" cy="118702"/>
+          </a:xfrm>
+          <a:prstGeom prst="line">
+            <a:avLst/>
+          </a:prstGeom>
+          <a:ln w="28575">
+            <a:solidFill>
+              <a:schemeClr val="tx1"/>
+            </a:solidFill>
+          </a:ln>
+        </p:spPr>
+        <p:style>
+          <a:lnRef idx="1">
+            <a:schemeClr val="accent1"/>
+          </a:lnRef>
+          <a:fillRef idx="0">
+            <a:schemeClr val="accent1"/>
+          </a:fillRef>
+          <a:effectRef idx="0">
+            <a:schemeClr val="accent1"/>
+          </a:effectRef>
+          <a:fontRef idx="minor">
+            <a:schemeClr val="tx1"/>
+          </a:fontRef>
+        </p:style>
+      </p:cxnSp>
+      <p:sp>
+        <p:nvSpPr>
+          <p:cNvPr id="11" name="Oval 10"/>
+          <p:cNvSpPr/>
+          <p:nvPr/>
+        </p:nvSpPr>
+        <p:spPr>
+          <a:xfrm>
+            <a:off x="7488116" y="5105386"/>
+            <a:ext cx="228600" cy="228600"/>
+          </a:xfrm>
+          <a:prstGeom prst="ellipse">
+            <a:avLst/>
+          </a:prstGeom>
+          <a:solidFill>
+            <a:schemeClr val="bg1"/>
+          </a:solidFill>
+          <a:ln>
+            <a:solidFill>
+              <a:schemeClr val="tx1"/>
+            </a:solidFill>
+          </a:ln>
+        </p:spPr>
+        <p:style>
+          <a:lnRef idx="2">
+            <a:schemeClr val="accent1">
+              <a:shade val="50000"/>
+            </a:schemeClr>
+          </a:lnRef>
+          <a:fillRef idx="1">
+            <a:schemeClr val="accent1"/>
+          </a:fillRef>
+          <a:effectRef idx="0">
+            <a:schemeClr val="accent1"/>
+          </a:effectRef>
+          <a:fontRef idx="minor">
+            <a:schemeClr val="lt1"/>
+          </a:fontRef>
+        </p:style>
+        <p:txBody>
+          <a:bodyPr rtlCol="0" anchor="ctr"/>
+          <a:lstStyle/>
+          <a:p>
+            <a:pPr algn="ctr"/>
+            <a:r>
+              <a:rPr lang="en-US" sz="1600" dirty="0" smtClean="0">
+                <a:solidFill>
+                  <a:schemeClr val="tx1"/>
+                </a:solidFill>
+                <a:latin typeface="Arial" panose="020B0604020202020204" pitchFamily="34" charset="0"/>
+                <a:cs typeface="Arial" panose="020B0604020202020204" pitchFamily="34" charset="0"/>
+              </a:rPr>
+              <a:t>3</a:t>
+            </a:r>
+            <a:endParaRPr lang="en-US" sz="1600" dirty="0">
+              <a:solidFill>
+                <a:schemeClr val="tx1"/>
+              </a:solidFill>
+              <a:latin typeface="Arial" panose="020B0604020202020204" pitchFamily="34" charset="0"/>
+              <a:cs typeface="Arial" panose="020B0604020202020204" pitchFamily="34" charset="0"/>
+            </a:endParaRPr>
+          </a:p>
+        </p:txBody>
+      </p:sp>
+      <p:cxnSp>
+        <p:nvCxnSpPr>
+          <p:cNvPr id="12" name="Straight Connector 11"/>
+          <p:cNvCxnSpPr>
+            <a:stCxn id="11" idx="2"/>
+          </p:cNvCxnSpPr>
+          <p:nvPr/>
+        </p:nvCxnSpPr>
+        <p:spPr>
+          <a:xfrm flipH="1" flipV="1">
+            <a:off x="7139349" y="5105386"/>
+            <a:ext cx="348767" cy="114300"/>
+          </a:xfrm>
+          <a:prstGeom prst="line">
+            <a:avLst/>
+          </a:prstGeom>
+          <a:ln w="28575">
+            <a:solidFill>
+              <a:schemeClr val="tx1"/>
+            </a:solidFill>
+          </a:ln>
+        </p:spPr>
+        <p:style>
+          <a:lnRef idx="1">
+            <a:schemeClr val="accent1"/>
+          </a:lnRef>
+          <a:fillRef idx="0">
+            <a:schemeClr val="accent1"/>
+          </a:fillRef>
+          <a:effectRef idx="0">
+            <a:schemeClr val="accent1"/>
+          </a:effectRef>
+          <a:fontRef idx="minor">
+            <a:schemeClr val="tx1"/>
+          </a:fontRef>
+        </p:style>
+      </p:cxnSp>
+      <p:sp>
+        <p:nvSpPr>
+          <p:cNvPr id="13" name="Oval 12"/>
+          <p:cNvSpPr/>
+          <p:nvPr/>
+        </p:nvSpPr>
+        <p:spPr>
+          <a:xfrm>
+            <a:off x="6353912" y="5650512"/>
+            <a:ext cx="228600" cy="228600"/>
+          </a:xfrm>
+          <a:prstGeom prst="ellipse">
+            <a:avLst/>
+          </a:prstGeom>
+          <a:solidFill>
+            <a:schemeClr val="bg1"/>
+          </a:solidFill>
+          <a:ln>
+            <a:solidFill>
+              <a:schemeClr val="tx1"/>
+            </a:solidFill>
+          </a:ln>
+        </p:spPr>
+        <p:style>
+          <a:lnRef idx="2">
+            <a:schemeClr val="accent1">
+              <a:shade val="50000"/>
+            </a:schemeClr>
+          </a:lnRef>
+          <a:fillRef idx="1">
+            <a:schemeClr val="accent1"/>
+          </a:fillRef>
+          <a:effectRef idx="0">
+            <a:schemeClr val="accent1"/>
+          </a:effectRef>
+          <a:fontRef idx="minor">
+            <a:schemeClr val="lt1"/>
+          </a:fontRef>
+        </p:style>
+        <p:txBody>
+          <a:bodyPr rtlCol="0" anchor="ctr"/>
+          <a:lstStyle/>
+          <a:p>
+            <a:pPr algn="ctr"/>
+            <a:r>
+              <a:rPr lang="en-US" sz="1600" dirty="0">
+                <a:solidFill>
+                  <a:schemeClr val="tx1"/>
+                </a:solidFill>
+                <a:latin typeface="Arial" panose="020B0604020202020204" pitchFamily="34" charset="0"/>
+                <a:cs typeface="Arial" panose="020B0604020202020204" pitchFamily="34" charset="0"/>
+              </a:rPr>
+              <a:t>5</a:t>
+            </a:r>
+            <a:endParaRPr lang="en-US" sz="1600" dirty="0">
+              <a:solidFill>
+                <a:schemeClr val="tx1"/>
+              </a:solidFill>
+              <a:latin typeface="Arial" panose="020B0604020202020204" pitchFamily="34" charset="0"/>
+              <a:cs typeface="Arial" panose="020B0604020202020204" pitchFamily="34" charset="0"/>
+            </a:endParaRPr>
+          </a:p>
+        </p:txBody>
+      </p:sp>
+      <p:cxnSp>
+        <p:nvCxnSpPr>
+          <p:cNvPr id="14" name="Straight Connector 13"/>
+          <p:cNvCxnSpPr/>
+          <p:nvPr/>
+        </p:nvCxnSpPr>
+        <p:spPr>
+          <a:xfrm flipV="1">
+            <a:off x="6450624" y="5219686"/>
+            <a:ext cx="131888" cy="430830"/>
+          </a:xfrm>
+          <a:prstGeom prst="line">
+            <a:avLst/>
+          </a:prstGeom>
+          <a:ln w="28575">
+            <a:solidFill>
+              <a:schemeClr val="tx1"/>
+            </a:solidFill>
+          </a:ln>
+        </p:spPr>
+        <p:style>
+          <a:lnRef idx="1">
+            <a:schemeClr val="accent1"/>
+          </a:lnRef>
+          <a:fillRef idx="0">
+            <a:schemeClr val="accent1"/>
+          </a:fillRef>
+          <a:effectRef idx="0">
+            <a:schemeClr val="accent1"/>
+          </a:effectRef>
+          <a:fontRef idx="minor">
+            <a:schemeClr val="tx1"/>
+          </a:fontRef>
+        </p:style>
+      </p:cxnSp>
+      <p:sp>
+        <p:nvSpPr>
+          <p:cNvPr id="15" name="Oval 14"/>
+          <p:cNvSpPr/>
+          <p:nvPr/>
+        </p:nvSpPr>
+        <p:spPr>
+          <a:xfrm>
+            <a:off x="7681552" y="3883262"/>
+            <a:ext cx="228600" cy="228600"/>
+          </a:xfrm>
+          <a:prstGeom prst="ellipse">
+            <a:avLst/>
+          </a:prstGeom>
+          <a:solidFill>
+            <a:schemeClr val="bg1"/>
+          </a:solidFill>
+          <a:ln>
+            <a:solidFill>
+              <a:schemeClr val="tx1"/>
+            </a:solidFill>
+          </a:ln>
+        </p:spPr>
+        <p:style>
+          <a:lnRef idx="2">
+            <a:schemeClr val="accent1">
+              <a:shade val="50000"/>
+            </a:schemeClr>
+          </a:lnRef>
+          <a:fillRef idx="1">
+            <a:schemeClr val="accent1"/>
+          </a:fillRef>
+          <a:effectRef idx="0">
+            <a:schemeClr val="accent1"/>
+          </a:effectRef>
+          <a:fontRef idx="minor">
+            <a:schemeClr val="lt1"/>
+          </a:fontRef>
+        </p:style>
+        <p:txBody>
+          <a:bodyPr rtlCol="0" anchor="ctr"/>
+          <a:lstStyle/>
+          <a:p>
+            <a:pPr algn="ctr"/>
+            <a:r>
+              <a:rPr lang="en-US" sz="1600" dirty="0" smtClean="0">
+                <a:solidFill>
+                  <a:schemeClr val="tx1"/>
+                </a:solidFill>
+                <a:latin typeface="Arial" panose="020B0604020202020204" pitchFamily="34" charset="0"/>
+                <a:cs typeface="Arial" panose="020B0604020202020204" pitchFamily="34" charset="0"/>
+              </a:rPr>
+              <a:t>6</a:t>
+            </a:r>
+            <a:endParaRPr lang="en-US" sz="1600" dirty="0">
+              <a:solidFill>
+                <a:schemeClr val="tx1"/>
+              </a:solidFill>
+              <a:latin typeface="Arial" panose="020B0604020202020204" pitchFamily="34" charset="0"/>
+              <a:cs typeface="Arial" panose="020B0604020202020204" pitchFamily="34" charset="0"/>
+            </a:endParaRPr>
+          </a:p>
+        </p:txBody>
+      </p:sp>
+      <p:cxnSp>
+        <p:nvCxnSpPr>
+          <p:cNvPr id="16" name="Straight Connector 15"/>
+          <p:cNvCxnSpPr>
+            <a:stCxn id="15" idx="2"/>
+          </p:cNvCxnSpPr>
+          <p:nvPr/>
+        </p:nvCxnSpPr>
+        <p:spPr>
+          <a:xfrm flipH="1">
+            <a:off x="7447082" y="3997562"/>
+            <a:ext cx="234470" cy="45064"/>
+          </a:xfrm>
+          <a:prstGeom prst="line">
+            <a:avLst/>
+          </a:prstGeom>
+          <a:ln w="28575">
+            <a:solidFill>
+              <a:schemeClr val="tx1"/>
+            </a:solidFill>
+          </a:ln>
+        </p:spPr>
+        <p:style>
+          <a:lnRef idx="1">
+            <a:schemeClr val="accent1"/>
+          </a:lnRef>
+          <a:fillRef idx="0">
+            <a:schemeClr val="accent1"/>
+          </a:fillRef>
+          <a:effectRef idx="0">
+            <a:schemeClr val="accent1"/>
+          </a:effectRef>
+          <a:fontRef idx="minor">
+            <a:schemeClr val="tx1"/>
+          </a:fontRef>
+        </p:style>
+      </p:cxnSp>
+      <p:sp>
+        <p:nvSpPr>
+          <p:cNvPr id="17" name="Oval 16"/>
+          <p:cNvSpPr/>
+          <p:nvPr/>
+        </p:nvSpPr>
+        <p:spPr>
+          <a:xfrm>
+            <a:off x="4700960" y="3452436"/>
+            <a:ext cx="228600" cy="228600"/>
+          </a:xfrm>
+          <a:prstGeom prst="ellipse">
+            <a:avLst/>
+          </a:prstGeom>
+          <a:solidFill>
+            <a:schemeClr val="bg1"/>
+          </a:solidFill>
+          <a:ln>
+            <a:solidFill>
+              <a:schemeClr val="tx1"/>
+            </a:solidFill>
+          </a:ln>
+        </p:spPr>
+        <p:style>
+          <a:lnRef idx="2">
+            <a:schemeClr val="accent1">
+              <a:shade val="50000"/>
+            </a:schemeClr>
+          </a:lnRef>
+          <a:fillRef idx="1">
+            <a:schemeClr val="accent1"/>
+          </a:fillRef>
+          <a:effectRef idx="0">
+            <a:schemeClr val="accent1"/>
+          </a:effectRef>
+          <a:fontRef idx="minor">
+            <a:schemeClr val="lt1"/>
+          </a:fontRef>
+        </p:style>
+        <p:txBody>
+          <a:bodyPr rtlCol="0" anchor="ctr"/>
+          <a:lstStyle/>
+          <a:p>
+            <a:pPr algn="ctr"/>
+            <a:r>
+              <a:rPr lang="en-US" sz="1600" dirty="0">
+                <a:solidFill>
+                  <a:schemeClr val="tx1"/>
+                </a:solidFill>
+                <a:latin typeface="Arial" panose="020B0604020202020204" pitchFamily="34" charset="0"/>
+                <a:cs typeface="Arial" panose="020B0604020202020204" pitchFamily="34" charset="0"/>
+              </a:rPr>
+              <a:t>2</a:t>
+            </a:r>
+            <a:endParaRPr lang="en-US" sz="1600" dirty="0">
+              <a:solidFill>
+                <a:schemeClr val="tx1"/>
+              </a:solidFill>
+              <a:latin typeface="Arial" panose="020B0604020202020204" pitchFamily="34" charset="0"/>
+              <a:cs typeface="Arial" panose="020B0604020202020204" pitchFamily="34" charset="0"/>
+            </a:endParaRPr>
+          </a:p>
+        </p:txBody>
+      </p:sp>
+      <p:sp>
+        <p:nvSpPr>
+          <p:cNvPr id="18" name="Oval 17"/>
+          <p:cNvSpPr/>
+          <p:nvPr/>
+        </p:nvSpPr>
+        <p:spPr>
+          <a:xfrm>
+            <a:off x="6629401" y="5732576"/>
+            <a:ext cx="228600" cy="228600"/>
+          </a:xfrm>
+          <a:prstGeom prst="ellipse">
+            <a:avLst/>
+          </a:prstGeom>
+          <a:solidFill>
+            <a:schemeClr val="bg1"/>
+          </a:solidFill>
+          <a:ln>
+            <a:solidFill>
+              <a:schemeClr val="tx1"/>
+            </a:solidFill>
+          </a:ln>
+        </p:spPr>
+        <p:style>
+          <a:lnRef idx="2">
+            <a:schemeClr val="accent1">
+              <a:shade val="50000"/>
+            </a:schemeClr>
+          </a:lnRef>
+          <a:fillRef idx="1">
+            <a:schemeClr val="accent1"/>
+          </a:fillRef>
+          <a:effectRef idx="0">
+            <a:schemeClr val="accent1"/>
+          </a:effectRef>
+          <a:fontRef idx="minor">
+            <a:schemeClr val="lt1"/>
+          </a:fontRef>
+        </p:style>
+        <p:txBody>
+          <a:bodyPr rtlCol="0" anchor="ctr"/>
+          <a:lstStyle/>
+          <a:p>
+            <a:pPr algn="ctr"/>
+            <a:endParaRPr lang="en-US" sz="1600" dirty="0">
+              <a:solidFill>
+                <a:schemeClr val="tx1"/>
+              </a:solidFill>
+              <a:latin typeface="Arial" panose="020B0604020202020204" pitchFamily="34" charset="0"/>
+              <a:cs typeface="Arial" panose="020B0604020202020204" pitchFamily="34" charset="0"/>
+            </a:endParaRPr>
+          </a:p>
+        </p:txBody>
+      </p:sp>
+      <p:cxnSp>
+        <p:nvCxnSpPr>
+          <p:cNvPr id="19" name="Straight Connector 18"/>
+          <p:cNvCxnSpPr/>
+          <p:nvPr/>
+        </p:nvCxnSpPr>
+        <p:spPr>
+          <a:xfrm flipV="1">
+            <a:off x="6726113" y="5386739"/>
+            <a:ext cx="52756" cy="345841"/>
+          </a:xfrm>
+          <a:prstGeom prst="line">
+            <a:avLst/>
+          </a:prstGeom>
+          <a:ln w="28575">
+            <a:solidFill>
+              <a:schemeClr val="tx1"/>
+            </a:solidFill>
+          </a:ln>
+        </p:spPr>
+        <p:style>
+          <a:lnRef idx="1">
+            <a:schemeClr val="accent1"/>
+          </a:lnRef>
+          <a:fillRef idx="0">
+            <a:schemeClr val="accent1"/>
+          </a:fillRef>
+          <a:effectRef idx="0">
+            <a:schemeClr val="accent1"/>
+          </a:effectRef>
+          <a:fontRef idx="minor">
+            <a:schemeClr val="tx1"/>
+          </a:fontRef>
+        </p:style>
+      </p:cxnSp>
+      <p:sp>
+        <p:nvSpPr>
+          <p:cNvPr id="20" name="Oval 19"/>
+          <p:cNvSpPr/>
+          <p:nvPr/>
+        </p:nvSpPr>
+        <p:spPr>
+          <a:xfrm>
+            <a:off x="7640516" y="4879723"/>
+            <a:ext cx="228600" cy="228600"/>
+          </a:xfrm>
+          <a:prstGeom prst="ellipse">
+            <a:avLst/>
+          </a:prstGeom>
+          <a:solidFill>
+            <a:schemeClr val="bg1"/>
+          </a:solidFill>
+          <a:ln>
+            <a:solidFill>
+              <a:schemeClr val="tx1"/>
+            </a:solidFill>
+          </a:ln>
+        </p:spPr>
+        <p:style>
+          <a:lnRef idx="2">
+            <a:schemeClr val="accent1">
+              <a:shade val="50000"/>
+            </a:schemeClr>
+          </a:lnRef>
+          <a:fillRef idx="1">
+            <a:schemeClr val="accent1"/>
+          </a:fillRef>
+          <a:effectRef idx="0">
+            <a:schemeClr val="accent1"/>
+          </a:effectRef>
+          <a:fontRef idx="minor">
+            <a:schemeClr val="lt1"/>
+          </a:fontRef>
+        </p:style>
+        <p:txBody>
+          <a:bodyPr rtlCol="0" anchor="ctr"/>
+          <a:lstStyle/>
+          <a:p>
+            <a:pPr algn="ctr"/>
+            <a:endParaRPr lang="en-US" sz="1600" dirty="0">
+              <a:solidFill>
+                <a:schemeClr val="tx1"/>
+              </a:solidFill>
+              <a:latin typeface="Arial" panose="020B0604020202020204" pitchFamily="34" charset="0"/>
+              <a:cs typeface="Arial" panose="020B0604020202020204" pitchFamily="34" charset="0"/>
+            </a:endParaRPr>
+          </a:p>
+        </p:txBody>
+      </p:sp>
+      <p:cxnSp>
+        <p:nvCxnSpPr>
+          <p:cNvPr id="21" name="Straight Connector 20"/>
+          <p:cNvCxnSpPr>
+            <a:stCxn id="20" idx="2"/>
+          </p:cNvCxnSpPr>
+          <p:nvPr/>
+        </p:nvCxnSpPr>
+        <p:spPr>
+          <a:xfrm flipH="1" flipV="1">
+            <a:off x="7291749" y="4879723"/>
+            <a:ext cx="348767" cy="114300"/>
+          </a:xfrm>
+          <a:prstGeom prst="line">
+            <a:avLst/>
+          </a:prstGeom>
+          <a:ln w="28575">
+            <a:solidFill>
+              <a:schemeClr val="tx1"/>
+            </a:solidFill>
+          </a:ln>
+        </p:spPr>
+        <p:style>
+          <a:lnRef idx="1">
+            <a:schemeClr val="accent1"/>
+          </a:lnRef>
+          <a:fillRef idx="0">
+            <a:schemeClr val="accent1"/>
+          </a:fillRef>
+          <a:effectRef idx="0">
+            <a:schemeClr val="accent1"/>
+          </a:effectRef>
+          <a:fontRef idx="minor">
+            <a:schemeClr val="tx1"/>
+          </a:fontRef>
+        </p:style>
+      </p:cxnSp>
+      <p:sp>
+        <p:nvSpPr>
+          <p:cNvPr id="22" name="Oval 21"/>
+          <p:cNvSpPr/>
+          <p:nvPr/>
+        </p:nvSpPr>
+        <p:spPr>
+          <a:xfrm>
+            <a:off x="5152417" y="4668690"/>
+            <a:ext cx="228600" cy="228600"/>
+          </a:xfrm>
+          <a:prstGeom prst="ellipse">
+            <a:avLst/>
+          </a:prstGeom>
+          <a:solidFill>
+            <a:schemeClr val="bg1"/>
+          </a:solidFill>
+          <a:ln>
+            <a:solidFill>
+              <a:schemeClr val="tx1"/>
+            </a:solidFill>
+          </a:ln>
+        </p:spPr>
+        <p:style>
+          <a:lnRef idx="2">
+            <a:schemeClr val="accent1">
+              <a:shade val="50000"/>
+            </a:schemeClr>
+          </a:lnRef>
+          <a:fillRef idx="1">
+            <a:schemeClr val="accent1"/>
+          </a:fillRef>
+          <a:effectRef idx="0">
+            <a:schemeClr val="accent1"/>
+          </a:effectRef>
+          <a:fontRef idx="minor">
+            <a:schemeClr val="lt1"/>
+          </a:fontRef>
+        </p:style>
+        <p:txBody>
+          <a:bodyPr rtlCol="0" anchor="ctr"/>
+          <a:lstStyle/>
+          <a:p>
+            <a:pPr algn="ctr"/>
+            <a:endParaRPr lang="en-US" sz="1600" dirty="0">
+              <a:solidFill>
+                <a:schemeClr val="tx1"/>
+              </a:solidFill>
+              <a:latin typeface="Arial" panose="020B0604020202020204" pitchFamily="34" charset="0"/>
+              <a:cs typeface="Arial" panose="020B0604020202020204" pitchFamily="34" charset="0"/>
+            </a:endParaRPr>
+          </a:p>
+        </p:txBody>
+      </p:sp>
+      <p:sp>
+        <p:nvSpPr>
+          <p:cNvPr id="23" name="TextBox 22"/>
+          <p:cNvSpPr txBox="1"/>
+          <p:nvPr/>
+        </p:nvSpPr>
+        <p:spPr>
+          <a:xfrm>
+            <a:off x="5013092" y="4632804"/>
+            <a:ext cx="509953" cy="338554"/>
+          </a:xfrm>
+          <a:prstGeom prst="rect">
+            <a:avLst/>
+          </a:prstGeom>
+          <a:noFill/>
+        </p:spPr>
+        <p:txBody>
+          <a:bodyPr wrap="square" rtlCol="0">
+            <a:spAutoFit/>
+          </a:bodyPr>
+          <a:lstStyle/>
+          <a:p>
+            <a:pPr algn="ctr"/>
+            <a:r>
+              <a:rPr lang="en-US" sz="1600" dirty="0" smtClean="0">
+                <a:latin typeface="Arial" panose="020B0604020202020204" pitchFamily="34" charset="0"/>
+                <a:cs typeface="Arial" panose="020B0604020202020204" pitchFamily="34" charset="0"/>
+              </a:rPr>
+              <a:t>4</a:t>
+            </a:r>
+            <a:endParaRPr lang="en-US" dirty="0">
+              <a:latin typeface="Arial" panose="020B0604020202020204" pitchFamily="34" charset="0"/>
+              <a:cs typeface="Arial" panose="020B0604020202020204" pitchFamily="34" charset="0"/>
+            </a:endParaRPr>
+          </a:p>
+        </p:txBody>
+      </p:sp>
+      <p:sp>
+        <p:nvSpPr>
+          <p:cNvPr id="24" name="Oval 23"/>
+          <p:cNvSpPr/>
+          <p:nvPr/>
+        </p:nvSpPr>
+        <p:spPr>
+          <a:xfrm>
+            <a:off x="7218482" y="5272439"/>
+            <a:ext cx="228600" cy="228600"/>
+          </a:xfrm>
+          <a:prstGeom prst="ellipse">
+            <a:avLst/>
+          </a:prstGeom>
+          <a:solidFill>
+            <a:schemeClr val="bg1"/>
+          </a:solidFill>
+          <a:ln>
+            <a:solidFill>
+              <a:schemeClr val="tx1"/>
+            </a:solidFill>
+          </a:ln>
+        </p:spPr>
+        <p:style>
+          <a:lnRef idx="2">
+            <a:schemeClr val="accent1">
+              <a:shade val="50000"/>
+            </a:schemeClr>
+          </a:lnRef>
+          <a:fillRef idx="1">
+            <a:schemeClr val="accent1"/>
+          </a:fillRef>
+          <a:effectRef idx="0">
+            <a:schemeClr val="accent1"/>
+          </a:effectRef>
+          <a:fontRef idx="minor">
+            <a:schemeClr val="lt1"/>
+          </a:fontRef>
+        </p:style>
+        <p:txBody>
+          <a:bodyPr rtlCol="0" anchor="ctr"/>
+          <a:lstStyle/>
+          <a:p>
+            <a:pPr algn="ctr"/>
+            <a:endParaRPr lang="en-US" sz="1600" dirty="0">
+              <a:solidFill>
+                <a:schemeClr val="tx1"/>
+              </a:solidFill>
+              <a:latin typeface="Arial" panose="020B0604020202020204" pitchFamily="34" charset="0"/>
+              <a:cs typeface="Arial" panose="020B0604020202020204" pitchFamily="34" charset="0"/>
+            </a:endParaRPr>
+          </a:p>
+        </p:txBody>
+      </p:sp>
+      <p:cxnSp>
+        <p:nvCxnSpPr>
+          <p:cNvPr id="25" name="Straight Connector 24"/>
+          <p:cNvCxnSpPr>
+            <a:stCxn id="24" idx="2"/>
+          </p:cNvCxnSpPr>
+          <p:nvPr/>
+        </p:nvCxnSpPr>
+        <p:spPr>
+          <a:xfrm flipH="1" flipV="1">
+            <a:off x="6910749" y="5169869"/>
+            <a:ext cx="307733" cy="216870"/>
+          </a:xfrm>
+          <a:prstGeom prst="line">
+            <a:avLst/>
+          </a:prstGeom>
+          <a:ln w="28575">
+            <a:solidFill>
+              <a:schemeClr val="tx1"/>
+            </a:solidFill>
+          </a:ln>
+        </p:spPr>
+        <p:style>
+          <a:lnRef idx="1">
+            <a:schemeClr val="accent1"/>
+          </a:lnRef>
+          <a:fillRef idx="0">
+            <a:schemeClr val="accent1"/>
+          </a:fillRef>
+          <a:effectRef idx="0">
+            <a:schemeClr val="accent1"/>
+          </a:effectRef>
+          <a:fontRef idx="minor">
+            <a:schemeClr val="tx1"/>
+          </a:fontRef>
+        </p:style>
+      </p:cxnSp>
+      <p:sp>
+        <p:nvSpPr>
+          <p:cNvPr id="26" name="TextBox 25"/>
+          <p:cNvSpPr txBox="1"/>
+          <p:nvPr/>
+        </p:nvSpPr>
+        <p:spPr>
+          <a:xfrm>
+            <a:off x="7127631" y="5224788"/>
+            <a:ext cx="509953" cy="338554"/>
+          </a:xfrm>
+          <a:prstGeom prst="rect">
+            <a:avLst/>
+          </a:prstGeom>
+          <a:noFill/>
+        </p:spPr>
+        <p:txBody>
+          <a:bodyPr wrap="square" rtlCol="0">
+            <a:spAutoFit/>
+          </a:bodyPr>
+          <a:lstStyle/>
+          <a:p>
+            <a:r>
+              <a:rPr lang="en-US" sz="1600" dirty="0" smtClean="0">
+                <a:latin typeface="Arial" panose="020B0604020202020204" pitchFamily="34" charset="0"/>
+                <a:cs typeface="Arial" panose="020B0604020202020204" pitchFamily="34" charset="0"/>
+              </a:rPr>
+              <a:t>14</a:t>
+            </a:r>
+            <a:endParaRPr lang="en-US" dirty="0">
+              <a:latin typeface="Arial" panose="020B0604020202020204" pitchFamily="34" charset="0"/>
+              <a:cs typeface="Arial" panose="020B0604020202020204" pitchFamily="34" charset="0"/>
+            </a:endParaRPr>
+          </a:p>
+        </p:txBody>
+      </p:sp>
+      <p:sp>
+        <p:nvSpPr>
+          <p:cNvPr id="27" name="Oval 26"/>
+          <p:cNvSpPr/>
+          <p:nvPr/>
+        </p:nvSpPr>
+        <p:spPr>
+          <a:xfrm>
+            <a:off x="7367959" y="3349859"/>
+            <a:ext cx="228600" cy="228600"/>
+          </a:xfrm>
+          <a:prstGeom prst="ellipse">
+            <a:avLst/>
+          </a:prstGeom>
+          <a:solidFill>
+            <a:schemeClr val="bg1"/>
+          </a:solidFill>
+          <a:ln>
+            <a:solidFill>
+              <a:schemeClr val="tx1"/>
+            </a:solidFill>
+          </a:ln>
+        </p:spPr>
+        <p:style>
+          <a:lnRef idx="2">
+            <a:schemeClr val="accent1">
+              <a:shade val="50000"/>
+            </a:schemeClr>
+          </a:lnRef>
+          <a:fillRef idx="1">
+            <a:schemeClr val="accent1"/>
+          </a:fillRef>
+          <a:effectRef idx="0">
+            <a:schemeClr val="accent1"/>
+          </a:effectRef>
+          <a:fontRef idx="minor">
+            <a:schemeClr val="lt1"/>
+          </a:fontRef>
+        </p:style>
+        <p:txBody>
+          <a:bodyPr rtlCol="0" anchor="ctr"/>
+          <a:lstStyle/>
+          <a:p>
+            <a:pPr algn="ctr"/>
+            <a:endParaRPr lang="en-US" sz="1600" dirty="0">
+              <a:solidFill>
+                <a:schemeClr val="tx1"/>
+              </a:solidFill>
+              <a:latin typeface="Arial" panose="020B0604020202020204" pitchFamily="34" charset="0"/>
+              <a:cs typeface="Arial" panose="020B0604020202020204" pitchFamily="34" charset="0"/>
+            </a:endParaRPr>
+          </a:p>
+        </p:txBody>
+      </p:sp>
+      <p:sp>
+        <p:nvSpPr>
+          <p:cNvPr id="28" name="TextBox 27"/>
+          <p:cNvSpPr txBox="1"/>
+          <p:nvPr/>
+        </p:nvSpPr>
+        <p:spPr>
+          <a:xfrm>
+            <a:off x="7274182" y="3300743"/>
+            <a:ext cx="509953" cy="338554"/>
+          </a:xfrm>
+          <a:prstGeom prst="rect">
+            <a:avLst/>
+          </a:prstGeom>
+          <a:noFill/>
+        </p:spPr>
+        <p:txBody>
+          <a:bodyPr wrap="square" rtlCol="0">
+            <a:spAutoFit/>
+          </a:bodyPr>
+          <a:lstStyle/>
+          <a:p>
+            <a:r>
+              <a:rPr lang="en-US" sz="1600" dirty="0" smtClean="0">
+                <a:latin typeface="Arial" panose="020B0604020202020204" pitchFamily="34" charset="0"/>
+                <a:cs typeface="Arial" panose="020B0604020202020204" pitchFamily="34" charset="0"/>
+              </a:rPr>
+              <a:t>13</a:t>
+            </a:r>
+            <a:endParaRPr lang="en-US" dirty="0">
+              <a:latin typeface="Arial" panose="020B0604020202020204" pitchFamily="34" charset="0"/>
+              <a:cs typeface="Arial" panose="020B0604020202020204" pitchFamily="34" charset="0"/>
+            </a:endParaRPr>
+          </a:p>
+        </p:txBody>
+      </p:sp>
+      <p:sp>
+        <p:nvSpPr>
+          <p:cNvPr id="32" name="Oval 31"/>
+          <p:cNvSpPr/>
+          <p:nvPr/>
+        </p:nvSpPr>
+        <p:spPr>
+          <a:xfrm>
+            <a:off x="4563216" y="3147635"/>
+            <a:ext cx="228600" cy="228600"/>
+          </a:xfrm>
+          <a:prstGeom prst="ellipse">
+            <a:avLst/>
+          </a:prstGeom>
+          <a:solidFill>
+            <a:schemeClr val="bg1"/>
+          </a:solidFill>
+          <a:ln>
+            <a:solidFill>
+              <a:schemeClr val="tx1"/>
+            </a:solidFill>
+          </a:ln>
+        </p:spPr>
+        <p:style>
+          <a:lnRef idx="2">
+            <a:schemeClr val="accent1">
+              <a:shade val="50000"/>
+            </a:schemeClr>
+          </a:lnRef>
+          <a:fillRef idx="1">
+            <a:schemeClr val="accent1"/>
+          </a:fillRef>
+          <a:effectRef idx="0">
+            <a:schemeClr val="accent1"/>
+          </a:effectRef>
+          <a:fontRef idx="minor">
+            <a:schemeClr val="lt1"/>
+          </a:fontRef>
+        </p:style>
+        <p:txBody>
+          <a:bodyPr rtlCol="0" anchor="ctr"/>
+          <a:lstStyle/>
+          <a:p>
+            <a:pPr algn="ctr"/>
+            <a:endParaRPr lang="en-US" sz="1600" dirty="0">
+              <a:solidFill>
+                <a:schemeClr val="tx1"/>
+              </a:solidFill>
+              <a:latin typeface="Arial" panose="020B0604020202020204" pitchFamily="34" charset="0"/>
+              <a:cs typeface="Arial" panose="020B0604020202020204" pitchFamily="34" charset="0"/>
+            </a:endParaRPr>
+          </a:p>
+        </p:txBody>
+      </p:sp>
+      <p:sp>
+        <p:nvSpPr>
+          <p:cNvPr id="33" name="TextBox 32"/>
+          <p:cNvSpPr txBox="1"/>
+          <p:nvPr/>
+        </p:nvSpPr>
+        <p:spPr>
+          <a:xfrm>
+            <a:off x="4457705" y="3108010"/>
+            <a:ext cx="509953" cy="338554"/>
+          </a:xfrm>
+          <a:prstGeom prst="rect">
+            <a:avLst/>
+          </a:prstGeom>
+          <a:noFill/>
+        </p:spPr>
+        <p:txBody>
+          <a:bodyPr wrap="square" rtlCol="0">
+            <a:spAutoFit/>
+          </a:bodyPr>
+          <a:lstStyle/>
+          <a:p>
+            <a:r>
+              <a:rPr lang="en-US" sz="1600" dirty="0" smtClean="0">
+                <a:latin typeface="Arial" panose="020B0604020202020204" pitchFamily="34" charset="0"/>
+                <a:cs typeface="Arial" panose="020B0604020202020204" pitchFamily="34" charset="0"/>
+              </a:rPr>
+              <a:t>16</a:t>
+            </a:r>
+            <a:endParaRPr lang="en-US" dirty="0">
+              <a:latin typeface="Arial" panose="020B0604020202020204" pitchFamily="34" charset="0"/>
+              <a:cs typeface="Arial" panose="020B0604020202020204" pitchFamily="34" charset="0"/>
+            </a:endParaRPr>
+          </a:p>
+        </p:txBody>
+      </p:sp>
+      <p:cxnSp>
+        <p:nvCxnSpPr>
+          <p:cNvPr id="34" name="Straight Connector 33"/>
+          <p:cNvCxnSpPr/>
+          <p:nvPr/>
+        </p:nvCxnSpPr>
+        <p:spPr>
+          <a:xfrm flipV="1">
+            <a:off x="4298584" y="3349860"/>
+            <a:ext cx="304321" cy="136329"/>
+          </a:xfrm>
+          <a:prstGeom prst="line">
+            <a:avLst/>
+          </a:prstGeom>
+          <a:ln w="28575">
+            <a:solidFill>
+              <a:schemeClr val="tx1"/>
+            </a:solidFill>
+          </a:ln>
+        </p:spPr>
+        <p:style>
+          <a:lnRef idx="1">
+            <a:schemeClr val="accent1"/>
+          </a:lnRef>
+          <a:fillRef idx="0">
+            <a:schemeClr val="accent1"/>
+          </a:fillRef>
+          <a:effectRef idx="0">
+            <a:schemeClr val="accent1"/>
+          </a:effectRef>
+          <a:fontRef idx="minor">
+            <a:schemeClr val="tx1"/>
+          </a:fontRef>
+        </p:style>
+      </p:cxnSp>
+      <p:sp>
+        <p:nvSpPr>
+          <p:cNvPr id="35" name="TextBox 34"/>
+          <p:cNvSpPr txBox="1"/>
+          <p:nvPr/>
+        </p:nvSpPr>
+        <p:spPr>
+          <a:xfrm>
+            <a:off x="3569676" y="114300"/>
+            <a:ext cx="395654" cy="307777"/>
+          </a:xfrm>
+          <a:prstGeom prst="rect">
+            <a:avLst/>
+          </a:prstGeom>
+          <a:noFill/>
+        </p:spPr>
+        <p:txBody>
+          <a:bodyPr wrap="square" rtlCol="0">
+            <a:spAutoFit/>
+          </a:bodyPr>
+          <a:lstStyle/>
+          <a:p>
+            <a:r>
+              <a:rPr lang="en-US" sz="1400" b="1" dirty="0" smtClean="0">
+                <a:latin typeface="Arial" panose="020B0604020202020204" pitchFamily="34" charset="0"/>
+                <a:cs typeface="Arial" panose="020B0604020202020204" pitchFamily="34" charset="0"/>
+              </a:rPr>
+              <a:t>A)</a:t>
+            </a:r>
+            <a:endParaRPr lang="en-US" sz="1400" b="1" dirty="0">
+              <a:latin typeface="Arial" panose="020B0604020202020204" pitchFamily="34" charset="0"/>
+              <a:cs typeface="Arial" panose="020B0604020202020204" pitchFamily="34" charset="0"/>
+            </a:endParaRPr>
+          </a:p>
+        </p:txBody>
+      </p:sp>
+      <p:sp>
+        <p:nvSpPr>
+          <p:cNvPr id="36" name="TextBox 35"/>
+          <p:cNvSpPr txBox="1"/>
+          <p:nvPr/>
+        </p:nvSpPr>
+        <p:spPr>
+          <a:xfrm>
+            <a:off x="3569676" y="3134458"/>
+            <a:ext cx="395654" cy="307777"/>
+          </a:xfrm>
+          <a:prstGeom prst="rect">
+            <a:avLst/>
+          </a:prstGeom>
+          <a:noFill/>
+        </p:spPr>
+        <p:txBody>
+          <a:bodyPr wrap="square" rtlCol="0">
+            <a:spAutoFit/>
+          </a:bodyPr>
+          <a:lstStyle/>
+          <a:p>
+            <a:r>
+              <a:rPr lang="en-US" sz="1400" b="1" dirty="0" smtClean="0">
+                <a:latin typeface="Arial" panose="020B0604020202020204" pitchFamily="34" charset="0"/>
+                <a:cs typeface="Arial" panose="020B0604020202020204" pitchFamily="34" charset="0"/>
+              </a:rPr>
+              <a:t>B)</a:t>
+            </a:r>
+            <a:endParaRPr lang="en-US" sz="1400" b="1" dirty="0">
+              <a:latin typeface="Arial" panose="020B0604020202020204" pitchFamily="34" charset="0"/>
+              <a:cs typeface="Arial" panose="020B0604020202020204" pitchFamily="34" charset="0"/>
+            </a:endParaRPr>
+          </a:p>
+        </p:txBody>
+      </p:sp>
+      <p:cxnSp>
+        <p:nvCxnSpPr>
+          <p:cNvPr id="37" name="Straight Connector 36"/>
+          <p:cNvCxnSpPr/>
+          <p:nvPr/>
+        </p:nvCxnSpPr>
+        <p:spPr>
+          <a:xfrm flipV="1">
+            <a:off x="4925833" y="4217962"/>
+            <a:ext cx="83649" cy="151826"/>
+          </a:xfrm>
+          <a:prstGeom prst="line">
+            <a:avLst/>
+          </a:prstGeom>
+          <a:ln w="28575">
+            <a:solidFill>
+              <a:schemeClr val="tx1"/>
+            </a:solidFill>
+          </a:ln>
+        </p:spPr>
+        <p:style>
+          <a:lnRef idx="1">
+            <a:schemeClr val="accent1"/>
+          </a:lnRef>
+          <a:fillRef idx="0">
+            <a:schemeClr val="accent1"/>
+          </a:fillRef>
+          <a:effectRef idx="0">
+            <a:schemeClr val="accent1"/>
+          </a:effectRef>
+          <a:fontRef idx="minor">
+            <a:schemeClr val="tx1"/>
+          </a:fontRef>
+        </p:style>
+      </p:cxnSp>
+      <p:sp>
+        <p:nvSpPr>
+          <p:cNvPr id="43" name="TextBox 42"/>
+          <p:cNvSpPr txBox="1"/>
+          <p:nvPr/>
+        </p:nvSpPr>
+        <p:spPr>
+          <a:xfrm>
+            <a:off x="6532679" y="5686393"/>
+            <a:ext cx="509953" cy="338554"/>
+          </a:xfrm>
+          <a:prstGeom prst="rect">
+            <a:avLst/>
+          </a:prstGeom>
+          <a:noFill/>
+        </p:spPr>
+        <p:txBody>
+          <a:bodyPr wrap="square" rtlCol="0">
+            <a:spAutoFit/>
+          </a:bodyPr>
+          <a:lstStyle/>
+          <a:p>
+            <a:r>
+              <a:rPr lang="en-US" sz="1600" dirty="0" smtClean="0">
+                <a:latin typeface="Arial" panose="020B0604020202020204" pitchFamily="34" charset="0"/>
+                <a:cs typeface="Arial" panose="020B0604020202020204" pitchFamily="34" charset="0"/>
+              </a:rPr>
+              <a:t>10</a:t>
+            </a:r>
+            <a:endParaRPr lang="en-US" dirty="0">
+              <a:latin typeface="Arial" panose="020B0604020202020204" pitchFamily="34" charset="0"/>
+              <a:cs typeface="Arial" panose="020B0604020202020204" pitchFamily="34" charset="0"/>
+            </a:endParaRPr>
+          </a:p>
+        </p:txBody>
+      </p:sp>
+      <p:sp>
+        <p:nvSpPr>
+          <p:cNvPr id="44" name="Oval 43"/>
+          <p:cNvSpPr/>
+          <p:nvPr/>
+        </p:nvSpPr>
+        <p:spPr>
+          <a:xfrm>
+            <a:off x="3601924" y="4619576"/>
+            <a:ext cx="228600" cy="228600"/>
+          </a:xfrm>
+          <a:prstGeom prst="ellipse">
+            <a:avLst/>
+          </a:prstGeom>
+          <a:solidFill>
+            <a:schemeClr val="bg1"/>
+          </a:solidFill>
+          <a:ln>
+            <a:solidFill>
+              <a:schemeClr val="tx1"/>
+            </a:solidFill>
+          </a:ln>
+        </p:spPr>
+        <p:style>
+          <a:lnRef idx="2">
+            <a:schemeClr val="accent1">
+              <a:shade val="50000"/>
+            </a:schemeClr>
+          </a:lnRef>
+          <a:fillRef idx="1">
+            <a:schemeClr val="accent1"/>
+          </a:fillRef>
+          <a:effectRef idx="0">
+            <a:schemeClr val="accent1"/>
+          </a:effectRef>
+          <a:fontRef idx="minor">
+            <a:schemeClr val="lt1"/>
+          </a:fontRef>
+        </p:style>
+        <p:txBody>
+          <a:bodyPr rtlCol="0" anchor="ctr"/>
+          <a:lstStyle/>
+          <a:p>
+            <a:pPr algn="ctr"/>
+            <a:endParaRPr lang="en-US" sz="1600" dirty="0">
+              <a:solidFill>
+                <a:schemeClr val="tx1"/>
+              </a:solidFill>
+              <a:latin typeface="Arial" panose="020B0604020202020204" pitchFamily="34" charset="0"/>
+              <a:cs typeface="Arial" panose="020B0604020202020204" pitchFamily="34" charset="0"/>
+            </a:endParaRPr>
+          </a:p>
+        </p:txBody>
+      </p:sp>
+      <p:sp>
+        <p:nvSpPr>
+          <p:cNvPr id="45" name="TextBox 44"/>
+          <p:cNvSpPr txBox="1"/>
+          <p:nvPr/>
+        </p:nvSpPr>
+        <p:spPr>
+          <a:xfrm>
+            <a:off x="3584335" y="4568269"/>
+            <a:ext cx="509953" cy="338554"/>
+          </a:xfrm>
+          <a:prstGeom prst="rect">
+            <a:avLst/>
+          </a:prstGeom>
+          <a:noFill/>
+        </p:spPr>
+        <p:txBody>
+          <a:bodyPr wrap="square" rtlCol="0">
+            <a:spAutoFit/>
+          </a:bodyPr>
+          <a:lstStyle/>
+          <a:p>
+            <a:r>
+              <a:rPr lang="en-US" sz="1600" dirty="0" smtClean="0">
+                <a:latin typeface="Arial" panose="020B0604020202020204" pitchFamily="34" charset="0"/>
+                <a:cs typeface="Arial" panose="020B0604020202020204" pitchFamily="34" charset="0"/>
+              </a:rPr>
+              <a:t>7</a:t>
+            </a:r>
+            <a:endParaRPr lang="en-US" dirty="0">
+              <a:latin typeface="Arial" panose="020B0604020202020204" pitchFamily="34" charset="0"/>
+              <a:cs typeface="Arial" panose="020B0604020202020204" pitchFamily="34" charset="0"/>
+            </a:endParaRPr>
+          </a:p>
+        </p:txBody>
+      </p:sp>
+      <p:cxnSp>
+        <p:nvCxnSpPr>
+          <p:cNvPr id="46" name="Straight Connector 45"/>
+          <p:cNvCxnSpPr>
+            <a:endCxn id="17" idx="3"/>
+          </p:cNvCxnSpPr>
+          <p:nvPr/>
+        </p:nvCxnSpPr>
+        <p:spPr>
+          <a:xfrm flipV="1">
+            <a:off x="4418895" y="3647558"/>
+            <a:ext cx="315543" cy="84805"/>
+          </a:xfrm>
+          <a:prstGeom prst="line">
+            <a:avLst/>
+          </a:prstGeom>
+          <a:ln w="28575">
+            <a:solidFill>
+              <a:schemeClr val="tx1"/>
+            </a:solidFill>
+          </a:ln>
+        </p:spPr>
+        <p:style>
+          <a:lnRef idx="1">
+            <a:schemeClr val="accent1"/>
+          </a:lnRef>
+          <a:fillRef idx="0">
+            <a:schemeClr val="accent1"/>
+          </a:fillRef>
+          <a:effectRef idx="0">
+            <a:schemeClr val="accent1"/>
+          </a:effectRef>
+          <a:fontRef idx="minor">
+            <a:schemeClr val="tx1"/>
+          </a:fontRef>
+        </p:style>
+      </p:cxnSp>
+      <p:sp>
+        <p:nvSpPr>
+          <p:cNvPr id="47" name="Oval 46"/>
+          <p:cNvSpPr/>
+          <p:nvPr/>
+        </p:nvSpPr>
+        <p:spPr>
+          <a:xfrm>
+            <a:off x="7051433" y="5576502"/>
+            <a:ext cx="228600" cy="228600"/>
+          </a:xfrm>
+          <a:prstGeom prst="ellipse">
+            <a:avLst/>
+          </a:prstGeom>
+          <a:solidFill>
+            <a:schemeClr val="bg1"/>
+          </a:solidFill>
+          <a:ln>
+            <a:solidFill>
+              <a:schemeClr val="tx1"/>
+            </a:solidFill>
+          </a:ln>
+        </p:spPr>
+        <p:style>
+          <a:lnRef idx="2">
+            <a:schemeClr val="accent1">
+              <a:shade val="50000"/>
+            </a:schemeClr>
+          </a:lnRef>
+          <a:fillRef idx="1">
+            <a:schemeClr val="accent1"/>
+          </a:fillRef>
+          <a:effectRef idx="0">
+            <a:schemeClr val="accent1"/>
+          </a:effectRef>
+          <a:fontRef idx="minor">
+            <a:schemeClr val="lt1"/>
+          </a:fontRef>
+        </p:style>
+        <p:txBody>
+          <a:bodyPr rtlCol="0" anchor="ctr"/>
+          <a:lstStyle/>
+          <a:p>
+            <a:pPr algn="ctr"/>
+            <a:endParaRPr lang="en-US" sz="1600" dirty="0">
+              <a:solidFill>
+                <a:schemeClr val="tx1"/>
+              </a:solidFill>
+              <a:latin typeface="Arial" panose="020B0604020202020204" pitchFamily="34" charset="0"/>
+              <a:cs typeface="Arial" panose="020B0604020202020204" pitchFamily="34" charset="0"/>
+            </a:endParaRPr>
+          </a:p>
+        </p:txBody>
+      </p:sp>
+      <p:sp>
+        <p:nvSpPr>
+          <p:cNvPr id="48" name="TextBox 47"/>
+          <p:cNvSpPr txBox="1"/>
+          <p:nvPr/>
+        </p:nvSpPr>
+        <p:spPr>
+          <a:xfrm>
+            <a:off x="7025049" y="5527111"/>
+            <a:ext cx="509953" cy="338554"/>
+          </a:xfrm>
+          <a:prstGeom prst="rect">
+            <a:avLst/>
+          </a:prstGeom>
+          <a:noFill/>
+        </p:spPr>
+        <p:txBody>
+          <a:bodyPr wrap="square" rtlCol="0">
+            <a:spAutoFit/>
+          </a:bodyPr>
+          <a:lstStyle/>
+          <a:p>
+            <a:r>
+              <a:rPr lang="en-US" sz="1600" dirty="0" smtClean="0">
+                <a:latin typeface="Arial" panose="020B0604020202020204" pitchFamily="34" charset="0"/>
+                <a:cs typeface="Arial" panose="020B0604020202020204" pitchFamily="34" charset="0"/>
+              </a:rPr>
+              <a:t>8</a:t>
+            </a:r>
+            <a:endParaRPr lang="en-US" dirty="0">
+              <a:latin typeface="Arial" panose="020B0604020202020204" pitchFamily="34" charset="0"/>
+              <a:cs typeface="Arial" panose="020B0604020202020204" pitchFamily="34" charset="0"/>
+            </a:endParaRPr>
+          </a:p>
+        </p:txBody>
+      </p:sp>
+      <p:cxnSp>
+        <p:nvCxnSpPr>
+          <p:cNvPr id="49" name="Straight Connector 48"/>
+          <p:cNvCxnSpPr>
+            <a:stCxn id="47" idx="1"/>
+          </p:cNvCxnSpPr>
+          <p:nvPr/>
+        </p:nvCxnSpPr>
+        <p:spPr>
+          <a:xfrm flipH="1" flipV="1">
+            <a:off x="7019619" y="5412702"/>
+            <a:ext cx="65292" cy="197278"/>
+          </a:xfrm>
+          <a:prstGeom prst="line">
+            <a:avLst/>
+          </a:prstGeom>
+          <a:ln w="28575">
+            <a:solidFill>
+              <a:schemeClr val="tx1"/>
+            </a:solidFill>
+          </a:ln>
+        </p:spPr>
+        <p:style>
+          <a:lnRef idx="1">
+            <a:schemeClr val="accent1"/>
+          </a:lnRef>
+          <a:fillRef idx="0">
+            <a:schemeClr val="accent1"/>
+          </a:fillRef>
+          <a:effectRef idx="0">
+            <a:schemeClr val="accent1"/>
+          </a:effectRef>
+          <a:fontRef idx="minor">
+            <a:schemeClr val="tx1"/>
+          </a:fontRef>
+        </p:style>
+      </p:cxnSp>
+      <p:cxnSp>
+        <p:nvCxnSpPr>
+          <p:cNvPr id="50" name="Straight Connector 49"/>
+          <p:cNvCxnSpPr/>
+          <p:nvPr/>
+        </p:nvCxnSpPr>
+        <p:spPr>
+          <a:xfrm flipV="1">
+            <a:off x="3774413" y="4276291"/>
+            <a:ext cx="47319" cy="332301"/>
+          </a:xfrm>
+          <a:prstGeom prst="line">
+            <a:avLst/>
+          </a:prstGeom>
+          <a:ln w="28575">
+            <a:solidFill>
+              <a:schemeClr val="tx1"/>
+            </a:solidFill>
+          </a:ln>
+        </p:spPr>
+        <p:style>
+          <a:lnRef idx="1">
+            <a:schemeClr val="accent1"/>
+          </a:lnRef>
+          <a:fillRef idx="0">
+            <a:schemeClr val="accent1"/>
+          </a:fillRef>
+          <a:effectRef idx="0">
+            <a:schemeClr val="accent1"/>
+          </a:effectRef>
+          <a:fontRef idx="minor">
+            <a:schemeClr val="tx1"/>
+          </a:fontRef>
+        </p:style>
+      </p:cxnSp>
+      <p:sp>
+        <p:nvSpPr>
+          <p:cNvPr id="51" name="Oval 50"/>
+          <p:cNvSpPr/>
+          <p:nvPr/>
+        </p:nvSpPr>
+        <p:spPr>
+          <a:xfrm>
+            <a:off x="5820441" y="4917067"/>
+            <a:ext cx="228600" cy="228600"/>
+          </a:xfrm>
+          <a:prstGeom prst="ellipse">
+            <a:avLst/>
+          </a:prstGeom>
+          <a:solidFill>
+            <a:schemeClr val="bg1"/>
+          </a:solidFill>
+          <a:ln>
+            <a:solidFill>
+              <a:schemeClr val="tx1"/>
+            </a:solidFill>
+          </a:ln>
+        </p:spPr>
+        <p:style>
+          <a:lnRef idx="2">
+            <a:schemeClr val="accent1">
+              <a:shade val="50000"/>
+            </a:schemeClr>
+          </a:lnRef>
+          <a:fillRef idx="1">
+            <a:schemeClr val="accent1"/>
+          </a:fillRef>
+          <a:effectRef idx="0">
+            <a:schemeClr val="accent1"/>
+          </a:effectRef>
+          <a:fontRef idx="minor">
+            <a:schemeClr val="lt1"/>
+          </a:fontRef>
+        </p:style>
+        <p:txBody>
+          <a:bodyPr rtlCol="0" anchor="ctr"/>
+          <a:lstStyle/>
+          <a:p>
+            <a:pPr algn="ctr"/>
+            <a:endParaRPr lang="en-US" sz="1600" dirty="0">
+              <a:solidFill>
+                <a:schemeClr val="tx1"/>
+              </a:solidFill>
+              <a:latin typeface="Arial" panose="020B0604020202020204" pitchFamily="34" charset="0"/>
+              <a:cs typeface="Arial" panose="020B0604020202020204" pitchFamily="34" charset="0"/>
+            </a:endParaRPr>
+          </a:p>
+        </p:txBody>
+      </p:sp>
+      <p:sp>
+        <p:nvSpPr>
+          <p:cNvPr id="52" name="TextBox 51"/>
+          <p:cNvSpPr txBox="1"/>
+          <p:nvPr/>
+        </p:nvSpPr>
+        <p:spPr>
+          <a:xfrm>
+            <a:off x="5714932" y="4856968"/>
+            <a:ext cx="509953" cy="338554"/>
+          </a:xfrm>
+          <a:prstGeom prst="rect">
+            <a:avLst/>
+          </a:prstGeom>
+          <a:noFill/>
+        </p:spPr>
+        <p:txBody>
+          <a:bodyPr wrap="square" rtlCol="0">
+            <a:spAutoFit/>
+          </a:bodyPr>
+          <a:lstStyle/>
+          <a:p>
+            <a:r>
+              <a:rPr lang="en-US" sz="1600" dirty="0" smtClean="0">
+                <a:latin typeface="Arial" panose="020B0604020202020204" pitchFamily="34" charset="0"/>
+                <a:cs typeface="Arial" panose="020B0604020202020204" pitchFamily="34" charset="0"/>
+              </a:rPr>
+              <a:t>12</a:t>
+            </a:r>
+            <a:endParaRPr lang="en-US" dirty="0">
+              <a:latin typeface="Arial" panose="020B0604020202020204" pitchFamily="34" charset="0"/>
+              <a:cs typeface="Arial" panose="020B0604020202020204" pitchFamily="34" charset="0"/>
+            </a:endParaRPr>
+          </a:p>
+        </p:txBody>
+      </p:sp>
+      <p:sp>
+        <p:nvSpPr>
+          <p:cNvPr id="53" name="Oval 52"/>
+          <p:cNvSpPr/>
+          <p:nvPr/>
+        </p:nvSpPr>
+        <p:spPr>
+          <a:xfrm>
+            <a:off x="5424788" y="4797645"/>
+            <a:ext cx="228600" cy="228600"/>
+          </a:xfrm>
+          <a:prstGeom prst="ellipse">
+            <a:avLst/>
+          </a:prstGeom>
+          <a:solidFill>
+            <a:schemeClr val="bg1"/>
+          </a:solidFill>
+          <a:ln>
+            <a:solidFill>
+              <a:schemeClr val="tx1"/>
+            </a:solidFill>
+          </a:ln>
+        </p:spPr>
+        <p:style>
+          <a:lnRef idx="2">
+            <a:schemeClr val="accent1">
+              <a:shade val="50000"/>
+            </a:schemeClr>
+          </a:lnRef>
+          <a:fillRef idx="1">
+            <a:schemeClr val="accent1"/>
+          </a:fillRef>
+          <a:effectRef idx="0">
+            <a:schemeClr val="accent1"/>
+          </a:effectRef>
+          <a:fontRef idx="minor">
+            <a:schemeClr val="lt1"/>
+          </a:fontRef>
+        </p:style>
+        <p:txBody>
+          <a:bodyPr rtlCol="0" anchor="ctr"/>
+          <a:lstStyle/>
+          <a:p>
+            <a:pPr algn="ctr"/>
+            <a:endParaRPr lang="en-US" sz="1600" dirty="0">
+              <a:solidFill>
+                <a:schemeClr val="tx1"/>
+              </a:solidFill>
+              <a:latin typeface="Arial" panose="020B0604020202020204" pitchFamily="34" charset="0"/>
+              <a:cs typeface="Arial" panose="020B0604020202020204" pitchFamily="34" charset="0"/>
+            </a:endParaRPr>
+          </a:p>
+        </p:txBody>
+      </p:sp>
+      <p:sp>
+        <p:nvSpPr>
+          <p:cNvPr id="54" name="TextBox 53"/>
+          <p:cNvSpPr txBox="1"/>
+          <p:nvPr/>
+        </p:nvSpPr>
+        <p:spPr>
+          <a:xfrm>
+            <a:off x="5395715" y="4742668"/>
+            <a:ext cx="509953" cy="338554"/>
+          </a:xfrm>
+          <a:prstGeom prst="rect">
+            <a:avLst/>
+          </a:prstGeom>
+          <a:noFill/>
+        </p:spPr>
+        <p:txBody>
+          <a:bodyPr wrap="square" rtlCol="0">
+            <a:spAutoFit/>
+          </a:bodyPr>
+          <a:lstStyle/>
+          <a:p>
+            <a:r>
+              <a:rPr lang="en-US" sz="1600" dirty="0" smtClean="0">
+                <a:latin typeface="Arial" panose="020B0604020202020204" pitchFamily="34" charset="0"/>
+                <a:cs typeface="Arial" panose="020B0604020202020204" pitchFamily="34" charset="0"/>
+              </a:rPr>
+              <a:t>9</a:t>
+            </a:r>
+            <a:endParaRPr lang="en-US" dirty="0">
+              <a:latin typeface="Arial" panose="020B0604020202020204" pitchFamily="34" charset="0"/>
+              <a:cs typeface="Arial" panose="020B0604020202020204" pitchFamily="34" charset="0"/>
+            </a:endParaRPr>
+          </a:p>
+        </p:txBody>
+      </p:sp>
+      <p:sp>
+        <p:nvSpPr>
+          <p:cNvPr id="55" name="TextBox 54"/>
+          <p:cNvSpPr txBox="1"/>
+          <p:nvPr/>
+        </p:nvSpPr>
+        <p:spPr>
+          <a:xfrm>
+            <a:off x="4365387" y="2275742"/>
+            <a:ext cx="1222131" cy="246221"/>
+          </a:xfrm>
+          <a:prstGeom prst="rect">
+            <a:avLst/>
+          </a:prstGeom>
+          <a:noFill/>
+        </p:spPr>
+        <p:txBody>
+          <a:bodyPr wrap="square" rtlCol="0">
+            <a:spAutoFit/>
+          </a:bodyPr>
+          <a:lstStyle/>
+          <a:p>
+            <a:r>
+              <a:rPr lang="en-US" sz="1000" dirty="0" smtClean="0">
+                <a:latin typeface="Arial" panose="020B0604020202020204" pitchFamily="34" charset="0"/>
+                <a:cs typeface="Arial" panose="020B0604020202020204" pitchFamily="34" charset="0"/>
+              </a:rPr>
+              <a:t>(</a:t>
+            </a:r>
+            <a:r>
+              <a:rPr lang="en-US" sz="1000" dirty="0" smtClean="0">
+                <a:latin typeface="Arial" panose="020B0604020202020204" pitchFamily="34" charset="0"/>
+                <a:cs typeface="Arial" panose="020B0604020202020204" pitchFamily="34" charset="0"/>
+              </a:rPr>
+              <a:t>74</a:t>
+            </a:r>
+            <a:r>
+              <a:rPr lang="en-US" sz="1000" dirty="0" smtClean="0">
+                <a:latin typeface="Arial" panose="020B0604020202020204" pitchFamily="34" charset="0"/>
+                <a:cs typeface="Arial" panose="020B0604020202020204" pitchFamily="34" charset="0"/>
+              </a:rPr>
+              <a:t>%)</a:t>
+            </a:r>
+            <a:endParaRPr lang="en-US" sz="1000" dirty="0">
+              <a:latin typeface="Arial" panose="020B0604020202020204" pitchFamily="34" charset="0"/>
+              <a:cs typeface="Arial" panose="020B0604020202020204" pitchFamily="34" charset="0"/>
+            </a:endParaRPr>
+          </a:p>
+        </p:txBody>
+      </p:sp>
+      <p:sp>
+        <p:nvSpPr>
+          <p:cNvPr id="56" name="TextBox 55"/>
+          <p:cNvSpPr txBox="1"/>
+          <p:nvPr/>
+        </p:nvSpPr>
+        <p:spPr>
+          <a:xfrm>
+            <a:off x="4642354" y="2454569"/>
+            <a:ext cx="1222131" cy="246221"/>
+          </a:xfrm>
+          <a:prstGeom prst="rect">
+            <a:avLst/>
+          </a:prstGeom>
+          <a:noFill/>
+        </p:spPr>
+        <p:txBody>
+          <a:bodyPr wrap="square" rtlCol="0">
+            <a:spAutoFit/>
+          </a:bodyPr>
+          <a:lstStyle/>
+          <a:p>
+            <a:r>
+              <a:rPr lang="en-US" sz="1000" dirty="0" smtClean="0">
+                <a:latin typeface="Arial" panose="020B0604020202020204" pitchFamily="34" charset="0"/>
+                <a:cs typeface="Arial" panose="020B0604020202020204" pitchFamily="34" charset="0"/>
+              </a:rPr>
+              <a:t>(</a:t>
+            </a:r>
+            <a:r>
+              <a:rPr lang="en-US" sz="1000" dirty="0" smtClean="0">
+                <a:latin typeface="Arial" panose="020B0604020202020204" pitchFamily="34" charset="0"/>
+                <a:cs typeface="Arial" panose="020B0604020202020204" pitchFamily="34" charset="0"/>
+              </a:rPr>
+              <a:t>22</a:t>
+            </a:r>
+            <a:r>
+              <a:rPr lang="en-US" sz="1000" dirty="0" smtClean="0">
+                <a:latin typeface="Arial" panose="020B0604020202020204" pitchFamily="34" charset="0"/>
+                <a:cs typeface="Arial" panose="020B0604020202020204" pitchFamily="34" charset="0"/>
+              </a:rPr>
+              <a:t>%)</a:t>
+            </a:r>
+            <a:endParaRPr lang="en-US" sz="1000" dirty="0">
+              <a:latin typeface="Arial" panose="020B0604020202020204" pitchFamily="34" charset="0"/>
+              <a:cs typeface="Arial" panose="020B0604020202020204" pitchFamily="34" charset="0"/>
+            </a:endParaRPr>
+          </a:p>
+        </p:txBody>
+      </p:sp>
+      <p:sp>
+        <p:nvSpPr>
+          <p:cNvPr id="57" name="TextBox 56"/>
+          <p:cNvSpPr txBox="1"/>
+          <p:nvPr/>
+        </p:nvSpPr>
+        <p:spPr>
+          <a:xfrm>
+            <a:off x="4382971" y="2631910"/>
+            <a:ext cx="1222131" cy="246221"/>
+          </a:xfrm>
+          <a:prstGeom prst="rect">
+            <a:avLst/>
+          </a:prstGeom>
+          <a:noFill/>
+        </p:spPr>
+        <p:txBody>
+          <a:bodyPr wrap="square" rtlCol="0">
+            <a:spAutoFit/>
+          </a:bodyPr>
+          <a:lstStyle/>
+          <a:p>
+            <a:r>
+              <a:rPr lang="en-US" sz="1000" dirty="0" smtClean="0">
+                <a:latin typeface="Arial" panose="020B0604020202020204" pitchFamily="34" charset="0"/>
+                <a:cs typeface="Arial" panose="020B0604020202020204" pitchFamily="34" charset="0"/>
+              </a:rPr>
+              <a:t>(4%)</a:t>
+            </a:r>
+            <a:endParaRPr lang="en-US" sz="1000" dirty="0">
+              <a:latin typeface="Arial" panose="020B0604020202020204" pitchFamily="34" charset="0"/>
+              <a:cs typeface="Arial" panose="020B0604020202020204" pitchFamily="34" charset="0"/>
+            </a:endParaRPr>
+          </a:p>
+        </p:txBody>
+      </p:sp>
+      <p:pic>
+        <p:nvPicPr>
+          <p:cNvPr id="61" name="Picture 60"/>
+          <p:cNvPicPr>
+            <a:picLocks noChangeAspect="1"/>
+          </p:cNvPicPr>
+          <p:nvPr/>
+        </p:nvPicPr>
+        <p:blipFill rotWithShape="1">
+          <a:blip r:embed="rId4" cstate="print">
+            <a:extLst>
+              <a:ext uri="{28A0092B-C50C-407E-A947-70E740481C1C}">
+                <a14:useLocalDpi xmlns:a14="http://schemas.microsoft.com/office/drawing/2010/main" val="0"/>
+              </a:ext>
+            </a:extLst>
+          </a:blip>
+          <a:srcRect t="4231" r="6640" b="3846"/>
+          <a:stretch/>
+        </p:blipFill>
+        <p:spPr>
+          <a:xfrm>
+            <a:off x="5143221" y="3154860"/>
+            <a:ext cx="1895150" cy="1332833"/>
+          </a:xfrm>
+          <a:prstGeom prst="rect">
+            <a:avLst/>
+          </a:prstGeom>
+          <a:ln>
+            <a:solidFill>
+              <a:schemeClr val="tx1"/>
+            </a:solidFill>
+          </a:ln>
+        </p:spPr>
+      </p:pic>
+      <p:cxnSp>
+        <p:nvCxnSpPr>
+          <p:cNvPr id="62" name="Straight Connector 61"/>
+          <p:cNvCxnSpPr/>
+          <p:nvPr/>
+        </p:nvCxnSpPr>
+        <p:spPr>
+          <a:xfrm flipV="1">
+            <a:off x="4990883" y="4815971"/>
+            <a:ext cx="178656" cy="63752"/>
+          </a:xfrm>
+          <a:prstGeom prst="line">
+            <a:avLst/>
+          </a:prstGeom>
+          <a:ln w="28575">
+            <a:solidFill>
+              <a:schemeClr val="tx1"/>
+            </a:solidFill>
+          </a:ln>
+        </p:spPr>
+        <p:style>
+          <a:lnRef idx="1">
+            <a:schemeClr val="accent1"/>
+          </a:lnRef>
+          <a:fillRef idx="0">
+            <a:schemeClr val="accent1"/>
+          </a:fillRef>
+          <a:effectRef idx="0">
+            <a:schemeClr val="accent1"/>
+          </a:effectRef>
+          <a:fontRef idx="minor">
+            <a:schemeClr val="tx1"/>
+          </a:fontRef>
+        </p:style>
+      </p:cxnSp>
+      <p:cxnSp>
+        <p:nvCxnSpPr>
+          <p:cNvPr id="67" name="Straight Connector 66"/>
+          <p:cNvCxnSpPr/>
+          <p:nvPr/>
+        </p:nvCxnSpPr>
+        <p:spPr>
+          <a:xfrm flipV="1">
+            <a:off x="5403473" y="5029473"/>
+            <a:ext cx="83649" cy="151826"/>
+          </a:xfrm>
+          <a:prstGeom prst="line">
+            <a:avLst/>
+          </a:prstGeom>
+          <a:ln w="28575">
+            <a:solidFill>
+              <a:schemeClr val="tx1"/>
+            </a:solidFill>
+          </a:ln>
+        </p:spPr>
+        <p:style>
+          <a:lnRef idx="1">
+            <a:schemeClr val="accent1"/>
+          </a:lnRef>
+          <a:fillRef idx="0">
+            <a:schemeClr val="accent1"/>
+          </a:fillRef>
+          <a:effectRef idx="0">
+            <a:schemeClr val="accent1"/>
+          </a:effectRef>
+          <a:fontRef idx="minor">
+            <a:schemeClr val="tx1"/>
+          </a:fontRef>
+        </p:style>
+      </p:cxnSp>
+      <p:sp>
+        <p:nvSpPr>
+          <p:cNvPr id="69" name="TextBox 68"/>
+          <p:cNvSpPr txBox="1"/>
+          <p:nvPr/>
+        </p:nvSpPr>
+        <p:spPr>
+          <a:xfrm>
+            <a:off x="7561685" y="4824763"/>
+            <a:ext cx="509953" cy="338554"/>
+          </a:xfrm>
+          <a:prstGeom prst="rect">
+            <a:avLst/>
+          </a:prstGeom>
+          <a:noFill/>
+        </p:spPr>
+        <p:txBody>
+          <a:bodyPr wrap="square" rtlCol="0">
+            <a:spAutoFit/>
+          </a:bodyPr>
+          <a:lstStyle/>
+          <a:p>
+            <a:r>
+              <a:rPr lang="en-US" sz="1600" dirty="0" smtClean="0">
+                <a:latin typeface="Arial" panose="020B0604020202020204" pitchFamily="34" charset="0"/>
+                <a:cs typeface="Arial" panose="020B0604020202020204" pitchFamily="34" charset="0"/>
+              </a:rPr>
+              <a:t>11</a:t>
+            </a:r>
+            <a:endParaRPr lang="en-US" dirty="0">
+              <a:latin typeface="Arial" panose="020B0604020202020204" pitchFamily="34" charset="0"/>
+              <a:cs typeface="Arial" panose="020B0604020202020204" pitchFamily="34" charset="0"/>
+            </a:endParaRPr>
+          </a:p>
+        </p:txBody>
+      </p:sp>
+      <p:cxnSp>
+        <p:nvCxnSpPr>
+          <p:cNvPr id="70" name="Straight Connector 69"/>
+          <p:cNvCxnSpPr/>
+          <p:nvPr/>
+        </p:nvCxnSpPr>
+        <p:spPr>
+          <a:xfrm flipV="1">
+            <a:off x="5881783" y="5155359"/>
+            <a:ext cx="83649" cy="151826"/>
+          </a:xfrm>
+          <a:prstGeom prst="line">
+            <a:avLst/>
+          </a:prstGeom>
+          <a:ln w="28575">
+            <a:solidFill>
+              <a:schemeClr val="tx1"/>
+            </a:solidFill>
+          </a:ln>
+        </p:spPr>
+        <p:style>
+          <a:lnRef idx="1">
+            <a:schemeClr val="accent1"/>
+          </a:lnRef>
+          <a:fillRef idx="0">
+            <a:schemeClr val="accent1"/>
+          </a:fillRef>
+          <a:effectRef idx="0">
+            <a:schemeClr val="accent1"/>
+          </a:effectRef>
+          <a:fontRef idx="minor">
+            <a:schemeClr val="tx1"/>
+          </a:fontRef>
+        </p:style>
+      </p:cxnSp>
+      <p:sp>
+        <p:nvSpPr>
+          <p:cNvPr id="72" name="TextBox 71"/>
+          <p:cNvSpPr txBox="1"/>
+          <p:nvPr/>
+        </p:nvSpPr>
+        <p:spPr>
+          <a:xfrm>
+            <a:off x="7584923" y="4577102"/>
+            <a:ext cx="509953" cy="338554"/>
+          </a:xfrm>
+          <a:prstGeom prst="rect">
+            <a:avLst/>
+          </a:prstGeom>
+          <a:noFill/>
+        </p:spPr>
+        <p:txBody>
+          <a:bodyPr wrap="square" rtlCol="0">
+            <a:spAutoFit/>
+          </a:bodyPr>
+          <a:lstStyle/>
+          <a:p>
+            <a:r>
+              <a:rPr lang="en-US" sz="1600" dirty="0" smtClean="0">
+                <a:latin typeface="Arial" panose="020B0604020202020204" pitchFamily="34" charset="0"/>
+                <a:cs typeface="Arial" panose="020B0604020202020204" pitchFamily="34" charset="0"/>
+              </a:rPr>
+              <a:t>15</a:t>
+            </a:r>
+            <a:endParaRPr lang="en-US" dirty="0">
+              <a:latin typeface="Arial" panose="020B0604020202020204" pitchFamily="34" charset="0"/>
+              <a:cs typeface="Arial" panose="020B0604020202020204" pitchFamily="34" charset="0"/>
+            </a:endParaRPr>
+          </a:p>
+        </p:txBody>
+      </p:sp>
+    </p:spTree>
+    <p:extLst>
+      <p:ext uri="{BB962C8B-B14F-4D97-AF65-F5344CB8AC3E}">
+        <p14:creationId xmlns:p14="http://schemas.microsoft.com/office/powerpoint/2010/main" val="1432862884"/>
+      </p:ext>
+    </p:extLst>
+  </p:cSld>
+  <p:clrMapOvr>
+    <a:masterClrMapping/>
+  </p:clrMapOvr>
+</p:sld>
+</file>
+
+<file path=ppt/slides/slide8.xml><?xml version="1.0" encoding="utf-8"?>
+<p:sld xmlns:a="http://schemas.openxmlformats.org/drawingml/2006/main" xmlns:r="http://schemas.openxmlformats.org/officeDocument/2006/relationships" xmlns:p="http://schemas.openxmlformats.org/presentationml/2006/main">
+  <p:cSld>
+    <p:spTree>
+      <p:nvGrpSpPr>
+        <p:cNvPr id="1" name=""/>
+        <p:cNvGrpSpPr/>
+        <p:nvPr/>
+      </p:nvGrpSpPr>
+      <p:grpSpPr>
+        <a:xfrm>
+          <a:off x="0" y="0"/>
+          <a:ext cx="0" cy="0"/>
+          <a:chOff x="0" y="0"/>
+          <a:chExt cx="0" cy="0"/>
+        </a:xfrm>
+      </p:grpSpPr>
+      <p:pic>
+        <p:nvPicPr>
+          <p:cNvPr id="58" name="Picture 57"/>
+          <p:cNvPicPr>
+            <a:picLocks noChangeAspect="1"/>
+          </p:cNvPicPr>
+          <p:nvPr/>
+        </p:nvPicPr>
+        <p:blipFill>
+          <a:blip r:embed="rId3" cstate="print">
+            <a:extLst>
+              <a:ext uri="{28A0092B-C50C-407E-A947-70E740481C1C}">
+                <a14:useLocalDpi xmlns:a14="http://schemas.microsoft.com/office/drawing/2010/main" val="0"/>
+              </a:ext>
+            </a:extLst>
+          </a:blip>
+          <a:stretch>
+            <a:fillRect/>
+          </a:stretch>
+        </p:blipFill>
+        <p:spPr>
+          <a:xfrm>
+            <a:off x="3446318" y="0"/>
+            <a:ext cx="5299364" cy="6858000"/>
+          </a:xfrm>
+          <a:prstGeom prst="rect">
+            <a:avLst/>
+          </a:prstGeom>
+        </p:spPr>
+      </p:pic>
+      <p:sp>
+        <p:nvSpPr>
+          <p:cNvPr id="6" name="Oval 5"/>
+          <p:cNvSpPr/>
+          <p:nvPr/>
+        </p:nvSpPr>
+        <p:spPr>
+          <a:xfrm>
+            <a:off x="4901561" y="3997562"/>
+            <a:ext cx="228600" cy="228600"/>
+          </a:xfrm>
+          <a:prstGeom prst="ellipse">
+            <a:avLst/>
+          </a:prstGeom>
+          <a:solidFill>
+            <a:schemeClr val="bg1"/>
+          </a:solidFill>
+          <a:ln>
+            <a:solidFill>
+              <a:schemeClr val="tx1"/>
+            </a:solidFill>
+          </a:ln>
+        </p:spPr>
+        <p:style>
+          <a:lnRef idx="2">
+            <a:schemeClr val="accent1">
+              <a:shade val="50000"/>
+            </a:schemeClr>
+          </a:lnRef>
+          <a:fillRef idx="1">
+            <a:schemeClr val="accent1"/>
+          </a:fillRef>
+          <a:effectRef idx="0">
+            <a:schemeClr val="accent1"/>
+          </a:effectRef>
+          <a:fontRef idx="minor">
+            <a:schemeClr val="lt1"/>
+          </a:fontRef>
+        </p:style>
+        <p:txBody>
+          <a:bodyPr rtlCol="0" anchor="ctr"/>
+          <a:lstStyle/>
+          <a:p>
+            <a:pPr algn="ctr"/>
+            <a:r>
+              <a:rPr lang="en-US" sz="1600" dirty="0" smtClean="0">
+                <a:solidFill>
+                  <a:schemeClr val="tx1"/>
+                </a:solidFill>
+                <a:latin typeface="Arial" panose="020B0604020202020204" pitchFamily="34" charset="0"/>
+                <a:cs typeface="Arial" panose="020B0604020202020204" pitchFamily="34" charset="0"/>
+              </a:rPr>
+              <a:t>1</a:t>
+            </a:r>
+            <a:endParaRPr lang="en-US" sz="1600" dirty="0">
+              <a:solidFill>
+                <a:schemeClr val="tx1"/>
+              </a:solidFill>
+              <a:latin typeface="Arial" panose="020B0604020202020204" pitchFamily="34" charset="0"/>
+              <a:cs typeface="Arial" panose="020B0604020202020204" pitchFamily="34" charset="0"/>
+            </a:endParaRPr>
+          </a:p>
+        </p:txBody>
+      </p:sp>
+      <p:sp>
+        <p:nvSpPr>
+          <p:cNvPr id="9" name="Oval 8"/>
+          <p:cNvSpPr/>
+          <p:nvPr/>
+        </p:nvSpPr>
+        <p:spPr>
+          <a:xfrm>
+            <a:off x="7663966" y="4621808"/>
+            <a:ext cx="228600" cy="228600"/>
+          </a:xfrm>
+          <a:prstGeom prst="ellipse">
+            <a:avLst/>
+          </a:prstGeom>
+          <a:solidFill>
+            <a:schemeClr val="bg1"/>
+          </a:solidFill>
+          <a:ln>
+            <a:solidFill>
+              <a:schemeClr val="tx1"/>
+            </a:solidFill>
+          </a:ln>
+        </p:spPr>
+        <p:style>
+          <a:lnRef idx="2">
+            <a:schemeClr val="accent1">
+              <a:shade val="50000"/>
+            </a:schemeClr>
+          </a:lnRef>
+          <a:fillRef idx="1">
+            <a:schemeClr val="accent1"/>
+          </a:fillRef>
+          <a:effectRef idx="0">
+            <a:schemeClr val="accent1"/>
+          </a:effectRef>
+          <a:fontRef idx="minor">
+            <a:schemeClr val="lt1"/>
+          </a:fontRef>
+        </p:style>
+        <p:txBody>
+          <a:bodyPr rtlCol="0" anchor="ctr"/>
+          <a:lstStyle/>
+          <a:p>
+            <a:pPr algn="ctr"/>
+            <a:endParaRPr lang="en-US" sz="1600" dirty="0">
+              <a:solidFill>
+                <a:schemeClr val="tx1"/>
+              </a:solidFill>
+              <a:latin typeface="Arial" panose="020B0604020202020204" pitchFamily="34" charset="0"/>
+              <a:cs typeface="Arial" panose="020B0604020202020204" pitchFamily="34" charset="0"/>
+            </a:endParaRPr>
+          </a:p>
+        </p:txBody>
+      </p:sp>
+      <p:cxnSp>
+        <p:nvCxnSpPr>
+          <p:cNvPr id="10" name="Straight Connector 9"/>
+          <p:cNvCxnSpPr>
+            <a:stCxn id="9" idx="2"/>
+          </p:cNvCxnSpPr>
+          <p:nvPr/>
+        </p:nvCxnSpPr>
+        <p:spPr>
+          <a:xfrm flipH="1" flipV="1">
+            <a:off x="7280031" y="4617406"/>
+            <a:ext cx="383935" cy="118702"/>
+          </a:xfrm>
+          <a:prstGeom prst="line">
+            <a:avLst/>
+          </a:prstGeom>
+          <a:ln w="28575">
+            <a:solidFill>
+              <a:schemeClr val="tx1"/>
+            </a:solidFill>
+          </a:ln>
+        </p:spPr>
+        <p:style>
+          <a:lnRef idx="1">
+            <a:schemeClr val="accent1"/>
+          </a:lnRef>
+          <a:fillRef idx="0">
+            <a:schemeClr val="accent1"/>
+          </a:fillRef>
+          <a:effectRef idx="0">
+            <a:schemeClr val="accent1"/>
+          </a:effectRef>
+          <a:fontRef idx="minor">
+            <a:schemeClr val="tx1"/>
+          </a:fontRef>
+        </p:style>
+      </p:cxnSp>
+      <p:sp>
+        <p:nvSpPr>
+          <p:cNvPr id="11" name="Oval 10"/>
+          <p:cNvSpPr/>
+          <p:nvPr/>
+        </p:nvSpPr>
+        <p:spPr>
+          <a:xfrm>
+            <a:off x="7488116" y="5105386"/>
+            <a:ext cx="228600" cy="228600"/>
+          </a:xfrm>
+          <a:prstGeom prst="ellipse">
+            <a:avLst/>
+          </a:prstGeom>
+          <a:solidFill>
+            <a:schemeClr val="bg1"/>
+          </a:solidFill>
+          <a:ln>
+            <a:solidFill>
+              <a:schemeClr val="tx1"/>
+            </a:solidFill>
+          </a:ln>
+        </p:spPr>
+        <p:style>
+          <a:lnRef idx="2">
+            <a:schemeClr val="accent1">
+              <a:shade val="50000"/>
+            </a:schemeClr>
+          </a:lnRef>
+          <a:fillRef idx="1">
+            <a:schemeClr val="accent1"/>
+          </a:fillRef>
+          <a:effectRef idx="0">
+            <a:schemeClr val="accent1"/>
+          </a:effectRef>
+          <a:fontRef idx="minor">
+            <a:schemeClr val="lt1"/>
+          </a:fontRef>
+        </p:style>
+        <p:txBody>
+          <a:bodyPr rtlCol="0" anchor="ctr"/>
+          <a:lstStyle/>
+          <a:p>
+            <a:pPr algn="ctr"/>
+            <a:r>
+              <a:rPr lang="en-US" sz="1600" dirty="0" smtClean="0">
+                <a:solidFill>
+                  <a:schemeClr val="tx1"/>
+                </a:solidFill>
+                <a:latin typeface="Arial" panose="020B0604020202020204" pitchFamily="34" charset="0"/>
+                <a:cs typeface="Arial" panose="020B0604020202020204" pitchFamily="34" charset="0"/>
+              </a:rPr>
+              <a:t>3</a:t>
+            </a:r>
+            <a:endParaRPr lang="en-US" sz="1600" dirty="0">
+              <a:solidFill>
+                <a:schemeClr val="tx1"/>
+              </a:solidFill>
+              <a:latin typeface="Arial" panose="020B0604020202020204" pitchFamily="34" charset="0"/>
+              <a:cs typeface="Arial" panose="020B0604020202020204" pitchFamily="34" charset="0"/>
+            </a:endParaRPr>
+          </a:p>
+        </p:txBody>
+      </p:sp>
+      <p:cxnSp>
+        <p:nvCxnSpPr>
+          <p:cNvPr id="12" name="Straight Connector 11"/>
+          <p:cNvCxnSpPr>
+            <a:stCxn id="11" idx="2"/>
+          </p:cNvCxnSpPr>
+          <p:nvPr/>
+        </p:nvCxnSpPr>
+        <p:spPr>
+          <a:xfrm flipH="1" flipV="1">
+            <a:off x="7139349" y="5105386"/>
+            <a:ext cx="348767" cy="114300"/>
+          </a:xfrm>
+          <a:prstGeom prst="line">
+            <a:avLst/>
+          </a:prstGeom>
+          <a:ln w="28575">
+            <a:solidFill>
+              <a:schemeClr val="tx1"/>
+            </a:solidFill>
+          </a:ln>
+        </p:spPr>
+        <p:style>
+          <a:lnRef idx="1">
+            <a:schemeClr val="accent1"/>
+          </a:lnRef>
+          <a:fillRef idx="0">
+            <a:schemeClr val="accent1"/>
+          </a:fillRef>
+          <a:effectRef idx="0">
+            <a:schemeClr val="accent1"/>
+          </a:effectRef>
+          <a:fontRef idx="minor">
+            <a:schemeClr val="tx1"/>
+          </a:fontRef>
+        </p:style>
+      </p:cxnSp>
+      <p:sp>
+        <p:nvSpPr>
+          <p:cNvPr id="13" name="Oval 12"/>
+          <p:cNvSpPr/>
+          <p:nvPr/>
+        </p:nvSpPr>
+        <p:spPr>
+          <a:xfrm>
+            <a:off x="6353912" y="5650512"/>
+            <a:ext cx="228600" cy="228600"/>
+          </a:xfrm>
+          <a:prstGeom prst="ellipse">
+            <a:avLst/>
+          </a:prstGeom>
+          <a:solidFill>
+            <a:schemeClr val="bg1"/>
+          </a:solidFill>
+          <a:ln>
+            <a:solidFill>
+              <a:schemeClr val="tx1"/>
+            </a:solidFill>
+          </a:ln>
+        </p:spPr>
+        <p:style>
+          <a:lnRef idx="2">
+            <a:schemeClr val="accent1">
+              <a:shade val="50000"/>
+            </a:schemeClr>
+          </a:lnRef>
+          <a:fillRef idx="1">
+            <a:schemeClr val="accent1"/>
+          </a:fillRef>
+          <a:effectRef idx="0">
+            <a:schemeClr val="accent1"/>
+          </a:effectRef>
+          <a:fontRef idx="minor">
+            <a:schemeClr val="lt1"/>
+          </a:fontRef>
+        </p:style>
+        <p:txBody>
+          <a:bodyPr rtlCol="0" anchor="ctr"/>
+          <a:lstStyle/>
+          <a:p>
+            <a:pPr algn="ctr"/>
+            <a:r>
+              <a:rPr lang="en-US" sz="1600" dirty="0">
+                <a:solidFill>
+                  <a:schemeClr val="tx1"/>
+                </a:solidFill>
+                <a:latin typeface="Arial" panose="020B0604020202020204" pitchFamily="34" charset="0"/>
+                <a:cs typeface="Arial" panose="020B0604020202020204" pitchFamily="34" charset="0"/>
+              </a:rPr>
+              <a:t>5</a:t>
+            </a:r>
+            <a:endParaRPr lang="en-US" sz="1600" dirty="0">
+              <a:solidFill>
+                <a:schemeClr val="tx1"/>
+              </a:solidFill>
+              <a:latin typeface="Arial" panose="020B0604020202020204" pitchFamily="34" charset="0"/>
+              <a:cs typeface="Arial" panose="020B0604020202020204" pitchFamily="34" charset="0"/>
+            </a:endParaRPr>
+          </a:p>
+        </p:txBody>
+      </p:sp>
+      <p:cxnSp>
+        <p:nvCxnSpPr>
+          <p:cNvPr id="14" name="Straight Connector 13"/>
+          <p:cNvCxnSpPr/>
+          <p:nvPr/>
+        </p:nvCxnSpPr>
+        <p:spPr>
+          <a:xfrm flipV="1">
+            <a:off x="6450624" y="5219686"/>
+            <a:ext cx="131888" cy="430830"/>
+          </a:xfrm>
+          <a:prstGeom prst="line">
+            <a:avLst/>
+          </a:prstGeom>
+          <a:ln w="28575">
+            <a:solidFill>
+              <a:schemeClr val="tx1"/>
+            </a:solidFill>
+          </a:ln>
+        </p:spPr>
+        <p:style>
+          <a:lnRef idx="1">
+            <a:schemeClr val="accent1"/>
+          </a:lnRef>
+          <a:fillRef idx="0">
+            <a:schemeClr val="accent1"/>
+          </a:fillRef>
+          <a:effectRef idx="0">
+            <a:schemeClr val="accent1"/>
+          </a:effectRef>
+          <a:fontRef idx="minor">
+            <a:schemeClr val="tx1"/>
+          </a:fontRef>
+        </p:style>
+      </p:cxnSp>
+      <p:sp>
+        <p:nvSpPr>
+          <p:cNvPr id="15" name="Oval 14"/>
+          <p:cNvSpPr/>
+          <p:nvPr/>
+        </p:nvSpPr>
+        <p:spPr>
+          <a:xfrm>
+            <a:off x="7681552" y="3883262"/>
+            <a:ext cx="228600" cy="228600"/>
+          </a:xfrm>
+          <a:prstGeom prst="ellipse">
+            <a:avLst/>
+          </a:prstGeom>
+          <a:solidFill>
+            <a:schemeClr val="bg1"/>
+          </a:solidFill>
+          <a:ln>
+            <a:solidFill>
+              <a:schemeClr val="tx1"/>
+            </a:solidFill>
+          </a:ln>
+        </p:spPr>
+        <p:style>
+          <a:lnRef idx="2">
+            <a:schemeClr val="accent1">
+              <a:shade val="50000"/>
+            </a:schemeClr>
+          </a:lnRef>
+          <a:fillRef idx="1">
+            <a:schemeClr val="accent1"/>
+          </a:fillRef>
+          <a:effectRef idx="0">
+            <a:schemeClr val="accent1"/>
+          </a:effectRef>
+          <a:fontRef idx="minor">
+            <a:schemeClr val="lt1"/>
+          </a:fontRef>
+        </p:style>
+        <p:txBody>
+          <a:bodyPr rtlCol="0" anchor="ctr"/>
+          <a:lstStyle/>
+          <a:p>
+            <a:pPr algn="ctr"/>
+            <a:r>
+              <a:rPr lang="en-US" sz="1600" dirty="0" smtClean="0">
+                <a:solidFill>
+                  <a:schemeClr val="tx1"/>
+                </a:solidFill>
+                <a:latin typeface="Arial" panose="020B0604020202020204" pitchFamily="34" charset="0"/>
+                <a:cs typeface="Arial" panose="020B0604020202020204" pitchFamily="34" charset="0"/>
+              </a:rPr>
+              <a:t>6</a:t>
+            </a:r>
+            <a:endParaRPr lang="en-US" sz="1600" dirty="0">
+              <a:solidFill>
+                <a:schemeClr val="tx1"/>
+              </a:solidFill>
+              <a:latin typeface="Arial" panose="020B0604020202020204" pitchFamily="34" charset="0"/>
+              <a:cs typeface="Arial" panose="020B0604020202020204" pitchFamily="34" charset="0"/>
+            </a:endParaRPr>
+          </a:p>
+        </p:txBody>
+      </p:sp>
+      <p:cxnSp>
+        <p:nvCxnSpPr>
+          <p:cNvPr id="16" name="Straight Connector 15"/>
+          <p:cNvCxnSpPr>
+            <a:stCxn id="15" idx="2"/>
+          </p:cNvCxnSpPr>
+          <p:nvPr/>
+        </p:nvCxnSpPr>
+        <p:spPr>
+          <a:xfrm flipH="1">
+            <a:off x="7447082" y="3997562"/>
+            <a:ext cx="234470" cy="45064"/>
+          </a:xfrm>
+          <a:prstGeom prst="line">
+            <a:avLst/>
+          </a:prstGeom>
+          <a:ln w="28575">
+            <a:solidFill>
+              <a:schemeClr val="tx1"/>
+            </a:solidFill>
+          </a:ln>
+        </p:spPr>
+        <p:style>
+          <a:lnRef idx="1">
+            <a:schemeClr val="accent1"/>
+          </a:lnRef>
+          <a:fillRef idx="0">
+            <a:schemeClr val="accent1"/>
+          </a:fillRef>
+          <a:effectRef idx="0">
+            <a:schemeClr val="accent1"/>
+          </a:effectRef>
+          <a:fontRef idx="minor">
+            <a:schemeClr val="tx1"/>
+          </a:fontRef>
+        </p:style>
+      </p:cxnSp>
+      <p:sp>
+        <p:nvSpPr>
+          <p:cNvPr id="17" name="Oval 16"/>
+          <p:cNvSpPr/>
+          <p:nvPr/>
+        </p:nvSpPr>
+        <p:spPr>
+          <a:xfrm>
+            <a:off x="4700960" y="3452436"/>
+            <a:ext cx="228600" cy="228600"/>
+          </a:xfrm>
+          <a:prstGeom prst="ellipse">
+            <a:avLst/>
+          </a:prstGeom>
+          <a:solidFill>
+            <a:schemeClr val="bg1"/>
+          </a:solidFill>
+          <a:ln>
+            <a:solidFill>
+              <a:schemeClr val="tx1"/>
+            </a:solidFill>
+          </a:ln>
+        </p:spPr>
+        <p:style>
+          <a:lnRef idx="2">
+            <a:schemeClr val="accent1">
+              <a:shade val="50000"/>
+            </a:schemeClr>
+          </a:lnRef>
+          <a:fillRef idx="1">
+            <a:schemeClr val="accent1"/>
+          </a:fillRef>
+          <a:effectRef idx="0">
+            <a:schemeClr val="accent1"/>
+          </a:effectRef>
+          <a:fontRef idx="minor">
+            <a:schemeClr val="lt1"/>
+          </a:fontRef>
+        </p:style>
+        <p:txBody>
+          <a:bodyPr rtlCol="0" anchor="ctr"/>
+          <a:lstStyle/>
+          <a:p>
+            <a:pPr algn="ctr"/>
+            <a:r>
+              <a:rPr lang="en-US" sz="1600" dirty="0">
+                <a:solidFill>
+                  <a:schemeClr val="tx1"/>
+                </a:solidFill>
+                <a:latin typeface="Arial" panose="020B0604020202020204" pitchFamily="34" charset="0"/>
+                <a:cs typeface="Arial" panose="020B0604020202020204" pitchFamily="34" charset="0"/>
+              </a:rPr>
+              <a:t>2</a:t>
+            </a:r>
+            <a:endParaRPr lang="en-US" sz="1600" dirty="0">
+              <a:solidFill>
+                <a:schemeClr val="tx1"/>
+              </a:solidFill>
+              <a:latin typeface="Arial" panose="020B0604020202020204" pitchFamily="34" charset="0"/>
+              <a:cs typeface="Arial" panose="020B0604020202020204" pitchFamily="34" charset="0"/>
+            </a:endParaRPr>
+          </a:p>
+        </p:txBody>
+      </p:sp>
+      <p:sp>
+        <p:nvSpPr>
+          <p:cNvPr id="18" name="Oval 17"/>
+          <p:cNvSpPr/>
+          <p:nvPr/>
+        </p:nvSpPr>
+        <p:spPr>
+          <a:xfrm>
+            <a:off x="6629401" y="5732576"/>
+            <a:ext cx="228600" cy="228600"/>
+          </a:xfrm>
+          <a:prstGeom prst="ellipse">
+            <a:avLst/>
+          </a:prstGeom>
+          <a:solidFill>
+            <a:schemeClr val="bg1"/>
+          </a:solidFill>
+          <a:ln>
+            <a:solidFill>
+              <a:schemeClr val="tx1"/>
+            </a:solidFill>
+          </a:ln>
+        </p:spPr>
+        <p:style>
+          <a:lnRef idx="2">
+            <a:schemeClr val="accent1">
+              <a:shade val="50000"/>
+            </a:schemeClr>
+          </a:lnRef>
+          <a:fillRef idx="1">
+            <a:schemeClr val="accent1"/>
+          </a:fillRef>
+          <a:effectRef idx="0">
+            <a:schemeClr val="accent1"/>
+          </a:effectRef>
+          <a:fontRef idx="minor">
+            <a:schemeClr val="lt1"/>
+          </a:fontRef>
+        </p:style>
+        <p:txBody>
+          <a:bodyPr rtlCol="0" anchor="ctr"/>
+          <a:lstStyle/>
+          <a:p>
+            <a:pPr algn="ctr"/>
+            <a:endParaRPr lang="en-US" sz="1600" dirty="0">
+              <a:solidFill>
+                <a:schemeClr val="tx1"/>
+              </a:solidFill>
+              <a:latin typeface="Arial" panose="020B0604020202020204" pitchFamily="34" charset="0"/>
+              <a:cs typeface="Arial" panose="020B0604020202020204" pitchFamily="34" charset="0"/>
+            </a:endParaRPr>
+          </a:p>
+        </p:txBody>
+      </p:sp>
+      <p:cxnSp>
+        <p:nvCxnSpPr>
+          <p:cNvPr id="19" name="Straight Connector 18"/>
+          <p:cNvCxnSpPr/>
+          <p:nvPr/>
+        </p:nvCxnSpPr>
+        <p:spPr>
+          <a:xfrm flipV="1">
+            <a:off x="6726113" y="5386739"/>
+            <a:ext cx="52756" cy="345841"/>
+          </a:xfrm>
+          <a:prstGeom prst="line">
+            <a:avLst/>
+          </a:prstGeom>
+          <a:ln w="28575">
+            <a:solidFill>
+              <a:schemeClr val="tx1"/>
+            </a:solidFill>
+          </a:ln>
+        </p:spPr>
+        <p:style>
+          <a:lnRef idx="1">
+            <a:schemeClr val="accent1"/>
+          </a:lnRef>
+          <a:fillRef idx="0">
+            <a:schemeClr val="accent1"/>
+          </a:fillRef>
+          <a:effectRef idx="0">
+            <a:schemeClr val="accent1"/>
+          </a:effectRef>
+          <a:fontRef idx="minor">
+            <a:schemeClr val="tx1"/>
+          </a:fontRef>
+        </p:style>
+      </p:cxnSp>
+      <p:sp>
+        <p:nvSpPr>
+          <p:cNvPr id="20" name="Oval 19"/>
+          <p:cNvSpPr/>
+          <p:nvPr/>
+        </p:nvSpPr>
+        <p:spPr>
+          <a:xfrm>
+            <a:off x="7640516" y="4879723"/>
+            <a:ext cx="228600" cy="228600"/>
+          </a:xfrm>
+          <a:prstGeom prst="ellipse">
+            <a:avLst/>
+          </a:prstGeom>
+          <a:solidFill>
+            <a:schemeClr val="bg1"/>
+          </a:solidFill>
+          <a:ln>
+            <a:solidFill>
+              <a:schemeClr val="tx1"/>
+            </a:solidFill>
+          </a:ln>
+        </p:spPr>
+        <p:style>
+          <a:lnRef idx="2">
+            <a:schemeClr val="accent1">
+              <a:shade val="50000"/>
+            </a:schemeClr>
+          </a:lnRef>
+          <a:fillRef idx="1">
+            <a:schemeClr val="accent1"/>
+          </a:fillRef>
+          <a:effectRef idx="0">
+            <a:schemeClr val="accent1"/>
+          </a:effectRef>
+          <a:fontRef idx="minor">
+            <a:schemeClr val="lt1"/>
+          </a:fontRef>
+        </p:style>
+        <p:txBody>
+          <a:bodyPr rtlCol="0" anchor="ctr"/>
+          <a:lstStyle/>
+          <a:p>
+            <a:pPr algn="ctr"/>
+            <a:endParaRPr lang="en-US" sz="1600" dirty="0">
+              <a:solidFill>
+                <a:schemeClr val="tx1"/>
+              </a:solidFill>
+              <a:latin typeface="Arial" panose="020B0604020202020204" pitchFamily="34" charset="0"/>
+              <a:cs typeface="Arial" panose="020B0604020202020204" pitchFamily="34" charset="0"/>
+            </a:endParaRPr>
+          </a:p>
+        </p:txBody>
+      </p:sp>
+      <p:cxnSp>
+        <p:nvCxnSpPr>
+          <p:cNvPr id="21" name="Straight Connector 20"/>
+          <p:cNvCxnSpPr>
+            <a:stCxn id="20" idx="2"/>
+          </p:cNvCxnSpPr>
+          <p:nvPr/>
+        </p:nvCxnSpPr>
+        <p:spPr>
+          <a:xfrm flipH="1" flipV="1">
+            <a:off x="7291749" y="4879723"/>
+            <a:ext cx="348767" cy="114300"/>
+          </a:xfrm>
+          <a:prstGeom prst="line">
+            <a:avLst/>
+          </a:prstGeom>
+          <a:ln w="28575">
+            <a:solidFill>
+              <a:schemeClr val="tx1"/>
+            </a:solidFill>
+          </a:ln>
+        </p:spPr>
+        <p:style>
+          <a:lnRef idx="1">
+            <a:schemeClr val="accent1"/>
+          </a:lnRef>
+          <a:fillRef idx="0">
+            <a:schemeClr val="accent1"/>
+          </a:fillRef>
+          <a:effectRef idx="0">
+            <a:schemeClr val="accent1"/>
+          </a:effectRef>
+          <a:fontRef idx="minor">
+            <a:schemeClr val="tx1"/>
+          </a:fontRef>
+        </p:style>
+      </p:cxnSp>
+      <p:sp>
+        <p:nvSpPr>
+          <p:cNvPr id="22" name="Oval 21"/>
+          <p:cNvSpPr/>
+          <p:nvPr/>
+        </p:nvSpPr>
+        <p:spPr>
+          <a:xfrm>
+            <a:off x="5152417" y="4668690"/>
+            <a:ext cx="228600" cy="228600"/>
+          </a:xfrm>
+          <a:prstGeom prst="ellipse">
+            <a:avLst/>
+          </a:prstGeom>
+          <a:solidFill>
+            <a:schemeClr val="bg1"/>
+          </a:solidFill>
+          <a:ln>
+            <a:solidFill>
+              <a:schemeClr val="tx1"/>
+            </a:solidFill>
+          </a:ln>
+        </p:spPr>
+        <p:style>
+          <a:lnRef idx="2">
+            <a:schemeClr val="accent1">
+              <a:shade val="50000"/>
+            </a:schemeClr>
+          </a:lnRef>
+          <a:fillRef idx="1">
+            <a:schemeClr val="accent1"/>
+          </a:fillRef>
+          <a:effectRef idx="0">
+            <a:schemeClr val="accent1"/>
+          </a:effectRef>
+          <a:fontRef idx="minor">
+            <a:schemeClr val="lt1"/>
+          </a:fontRef>
+        </p:style>
+        <p:txBody>
+          <a:bodyPr rtlCol="0" anchor="ctr"/>
+          <a:lstStyle/>
+          <a:p>
+            <a:pPr algn="ctr"/>
+            <a:endParaRPr lang="en-US" sz="1600" dirty="0">
+              <a:solidFill>
+                <a:schemeClr val="tx1"/>
+              </a:solidFill>
+              <a:latin typeface="Arial" panose="020B0604020202020204" pitchFamily="34" charset="0"/>
+              <a:cs typeface="Arial" panose="020B0604020202020204" pitchFamily="34" charset="0"/>
+            </a:endParaRPr>
+          </a:p>
+        </p:txBody>
+      </p:sp>
+      <p:sp>
+        <p:nvSpPr>
+          <p:cNvPr id="23" name="TextBox 22"/>
+          <p:cNvSpPr txBox="1"/>
+          <p:nvPr/>
+        </p:nvSpPr>
+        <p:spPr>
+          <a:xfrm>
+            <a:off x="5013092" y="4632804"/>
+            <a:ext cx="509953" cy="338554"/>
+          </a:xfrm>
+          <a:prstGeom prst="rect">
+            <a:avLst/>
+          </a:prstGeom>
+          <a:noFill/>
+        </p:spPr>
+        <p:txBody>
+          <a:bodyPr wrap="square" rtlCol="0">
+            <a:spAutoFit/>
+          </a:bodyPr>
+          <a:lstStyle/>
+          <a:p>
+            <a:pPr algn="ctr"/>
+            <a:r>
+              <a:rPr lang="en-US" sz="1600" dirty="0" smtClean="0">
+                <a:latin typeface="Arial" panose="020B0604020202020204" pitchFamily="34" charset="0"/>
+                <a:cs typeface="Arial" panose="020B0604020202020204" pitchFamily="34" charset="0"/>
+              </a:rPr>
+              <a:t>4</a:t>
+            </a:r>
+            <a:endParaRPr lang="en-US" dirty="0">
+              <a:latin typeface="Arial" panose="020B0604020202020204" pitchFamily="34" charset="0"/>
+              <a:cs typeface="Arial" panose="020B0604020202020204" pitchFamily="34" charset="0"/>
+            </a:endParaRPr>
+          </a:p>
+        </p:txBody>
+      </p:sp>
+      <p:sp>
+        <p:nvSpPr>
+          <p:cNvPr id="24" name="Oval 23"/>
+          <p:cNvSpPr/>
+          <p:nvPr/>
+        </p:nvSpPr>
+        <p:spPr>
+          <a:xfrm>
+            <a:off x="7218482" y="5272439"/>
+            <a:ext cx="228600" cy="228600"/>
+          </a:xfrm>
+          <a:prstGeom prst="ellipse">
+            <a:avLst/>
+          </a:prstGeom>
+          <a:solidFill>
+            <a:schemeClr val="bg1"/>
+          </a:solidFill>
+          <a:ln>
+            <a:solidFill>
+              <a:schemeClr val="tx1"/>
+            </a:solidFill>
+          </a:ln>
+        </p:spPr>
+        <p:style>
+          <a:lnRef idx="2">
+            <a:schemeClr val="accent1">
+              <a:shade val="50000"/>
+            </a:schemeClr>
+          </a:lnRef>
+          <a:fillRef idx="1">
+            <a:schemeClr val="accent1"/>
+          </a:fillRef>
+          <a:effectRef idx="0">
+            <a:schemeClr val="accent1"/>
+          </a:effectRef>
+          <a:fontRef idx="minor">
+            <a:schemeClr val="lt1"/>
+          </a:fontRef>
+        </p:style>
+        <p:txBody>
+          <a:bodyPr rtlCol="0" anchor="ctr"/>
+          <a:lstStyle/>
+          <a:p>
+            <a:pPr algn="ctr"/>
+            <a:endParaRPr lang="en-US" sz="1600" dirty="0">
+              <a:solidFill>
+                <a:schemeClr val="tx1"/>
+              </a:solidFill>
+              <a:latin typeface="Arial" panose="020B0604020202020204" pitchFamily="34" charset="0"/>
+              <a:cs typeface="Arial" panose="020B0604020202020204" pitchFamily="34" charset="0"/>
+            </a:endParaRPr>
+          </a:p>
+        </p:txBody>
+      </p:sp>
+      <p:cxnSp>
+        <p:nvCxnSpPr>
+          <p:cNvPr id="25" name="Straight Connector 24"/>
+          <p:cNvCxnSpPr>
+            <a:stCxn id="24" idx="2"/>
+          </p:cNvCxnSpPr>
+          <p:nvPr/>
+        </p:nvCxnSpPr>
+        <p:spPr>
+          <a:xfrm flipH="1" flipV="1">
+            <a:off x="6910749" y="5169869"/>
+            <a:ext cx="307733" cy="216870"/>
+          </a:xfrm>
+          <a:prstGeom prst="line">
+            <a:avLst/>
+          </a:prstGeom>
+          <a:ln w="28575">
+            <a:solidFill>
+              <a:schemeClr val="tx1"/>
+            </a:solidFill>
+          </a:ln>
+        </p:spPr>
+        <p:style>
+          <a:lnRef idx="1">
+            <a:schemeClr val="accent1"/>
+          </a:lnRef>
+          <a:fillRef idx="0">
+            <a:schemeClr val="accent1"/>
+          </a:fillRef>
+          <a:effectRef idx="0">
+            <a:schemeClr val="accent1"/>
+          </a:effectRef>
+          <a:fontRef idx="minor">
+            <a:schemeClr val="tx1"/>
+          </a:fontRef>
+        </p:style>
+      </p:cxnSp>
+      <p:sp>
+        <p:nvSpPr>
+          <p:cNvPr id="26" name="TextBox 25"/>
+          <p:cNvSpPr txBox="1"/>
+          <p:nvPr/>
+        </p:nvSpPr>
+        <p:spPr>
+          <a:xfrm>
+            <a:off x="7127631" y="5224788"/>
+            <a:ext cx="509953" cy="338554"/>
+          </a:xfrm>
+          <a:prstGeom prst="rect">
+            <a:avLst/>
+          </a:prstGeom>
+          <a:noFill/>
+        </p:spPr>
+        <p:txBody>
+          <a:bodyPr wrap="square" rtlCol="0">
+            <a:spAutoFit/>
+          </a:bodyPr>
+          <a:lstStyle/>
+          <a:p>
+            <a:r>
+              <a:rPr lang="en-US" sz="1600" dirty="0" smtClean="0">
+                <a:latin typeface="Arial" panose="020B0604020202020204" pitchFamily="34" charset="0"/>
+                <a:cs typeface="Arial" panose="020B0604020202020204" pitchFamily="34" charset="0"/>
+              </a:rPr>
+              <a:t>14</a:t>
+            </a:r>
+            <a:endParaRPr lang="en-US" dirty="0">
+              <a:latin typeface="Arial" panose="020B0604020202020204" pitchFamily="34" charset="0"/>
+              <a:cs typeface="Arial" panose="020B0604020202020204" pitchFamily="34" charset="0"/>
+            </a:endParaRPr>
+          </a:p>
+        </p:txBody>
+      </p:sp>
+      <p:sp>
+        <p:nvSpPr>
+          <p:cNvPr id="27" name="Oval 26"/>
+          <p:cNvSpPr/>
+          <p:nvPr/>
+        </p:nvSpPr>
+        <p:spPr>
+          <a:xfrm>
+            <a:off x="7367959" y="3349859"/>
+            <a:ext cx="228600" cy="228600"/>
+          </a:xfrm>
+          <a:prstGeom prst="ellipse">
+            <a:avLst/>
+          </a:prstGeom>
+          <a:solidFill>
+            <a:schemeClr val="bg1"/>
+          </a:solidFill>
+          <a:ln>
+            <a:solidFill>
+              <a:schemeClr val="tx1"/>
+            </a:solidFill>
+          </a:ln>
+        </p:spPr>
+        <p:style>
+          <a:lnRef idx="2">
+            <a:schemeClr val="accent1">
+              <a:shade val="50000"/>
+            </a:schemeClr>
+          </a:lnRef>
+          <a:fillRef idx="1">
+            <a:schemeClr val="accent1"/>
+          </a:fillRef>
+          <a:effectRef idx="0">
+            <a:schemeClr val="accent1"/>
+          </a:effectRef>
+          <a:fontRef idx="minor">
+            <a:schemeClr val="lt1"/>
+          </a:fontRef>
+        </p:style>
+        <p:txBody>
+          <a:bodyPr rtlCol="0" anchor="ctr"/>
+          <a:lstStyle/>
+          <a:p>
+            <a:pPr algn="ctr"/>
+            <a:endParaRPr lang="en-US" sz="1600" dirty="0">
+              <a:solidFill>
+                <a:schemeClr val="tx1"/>
+              </a:solidFill>
+              <a:latin typeface="Arial" panose="020B0604020202020204" pitchFamily="34" charset="0"/>
+              <a:cs typeface="Arial" panose="020B0604020202020204" pitchFamily="34" charset="0"/>
+            </a:endParaRPr>
+          </a:p>
+        </p:txBody>
+      </p:sp>
+      <p:sp>
+        <p:nvSpPr>
+          <p:cNvPr id="28" name="TextBox 27"/>
+          <p:cNvSpPr txBox="1"/>
+          <p:nvPr/>
+        </p:nvSpPr>
+        <p:spPr>
+          <a:xfrm>
+            <a:off x="7274182" y="3300743"/>
+            <a:ext cx="509953" cy="338554"/>
+          </a:xfrm>
+          <a:prstGeom prst="rect">
+            <a:avLst/>
+          </a:prstGeom>
+          <a:noFill/>
+        </p:spPr>
+        <p:txBody>
+          <a:bodyPr wrap="square" rtlCol="0">
+            <a:spAutoFit/>
+          </a:bodyPr>
+          <a:lstStyle/>
+          <a:p>
+            <a:r>
+              <a:rPr lang="en-US" sz="1600" dirty="0" smtClean="0">
+                <a:latin typeface="Arial" panose="020B0604020202020204" pitchFamily="34" charset="0"/>
+                <a:cs typeface="Arial" panose="020B0604020202020204" pitchFamily="34" charset="0"/>
+              </a:rPr>
+              <a:t>13</a:t>
+            </a:r>
+            <a:endParaRPr lang="en-US" dirty="0">
+              <a:latin typeface="Arial" panose="020B0604020202020204" pitchFamily="34" charset="0"/>
+              <a:cs typeface="Arial" panose="020B0604020202020204" pitchFamily="34" charset="0"/>
+            </a:endParaRPr>
+          </a:p>
+        </p:txBody>
+      </p:sp>
+      <p:sp>
+        <p:nvSpPr>
+          <p:cNvPr id="32" name="Oval 31"/>
+          <p:cNvSpPr/>
+          <p:nvPr/>
+        </p:nvSpPr>
+        <p:spPr>
+          <a:xfrm>
+            <a:off x="4563216" y="3147635"/>
+            <a:ext cx="228600" cy="228600"/>
+          </a:xfrm>
+          <a:prstGeom prst="ellipse">
+            <a:avLst/>
+          </a:prstGeom>
+          <a:solidFill>
+            <a:schemeClr val="bg1"/>
+          </a:solidFill>
+          <a:ln>
+            <a:solidFill>
+              <a:schemeClr val="tx1"/>
+            </a:solidFill>
+          </a:ln>
+        </p:spPr>
+        <p:style>
+          <a:lnRef idx="2">
+            <a:schemeClr val="accent1">
+              <a:shade val="50000"/>
+            </a:schemeClr>
+          </a:lnRef>
+          <a:fillRef idx="1">
+            <a:schemeClr val="accent1"/>
+          </a:fillRef>
+          <a:effectRef idx="0">
+            <a:schemeClr val="accent1"/>
+          </a:effectRef>
+          <a:fontRef idx="minor">
+            <a:schemeClr val="lt1"/>
+          </a:fontRef>
+        </p:style>
+        <p:txBody>
+          <a:bodyPr rtlCol="0" anchor="ctr"/>
+          <a:lstStyle/>
+          <a:p>
+            <a:pPr algn="ctr"/>
+            <a:endParaRPr lang="en-US" sz="1600" dirty="0">
+              <a:solidFill>
+                <a:schemeClr val="tx1"/>
+              </a:solidFill>
+              <a:latin typeface="Arial" panose="020B0604020202020204" pitchFamily="34" charset="0"/>
+              <a:cs typeface="Arial" panose="020B0604020202020204" pitchFamily="34" charset="0"/>
+            </a:endParaRPr>
+          </a:p>
+        </p:txBody>
+      </p:sp>
+      <p:sp>
+        <p:nvSpPr>
+          <p:cNvPr id="33" name="TextBox 32"/>
+          <p:cNvSpPr txBox="1"/>
+          <p:nvPr/>
+        </p:nvSpPr>
+        <p:spPr>
+          <a:xfrm>
+            <a:off x="4457705" y="3108010"/>
+            <a:ext cx="509953" cy="338554"/>
+          </a:xfrm>
+          <a:prstGeom prst="rect">
+            <a:avLst/>
+          </a:prstGeom>
+          <a:noFill/>
+        </p:spPr>
+        <p:txBody>
+          <a:bodyPr wrap="square" rtlCol="0">
+            <a:spAutoFit/>
+          </a:bodyPr>
+          <a:lstStyle/>
+          <a:p>
+            <a:r>
+              <a:rPr lang="en-US" sz="1600" dirty="0" smtClean="0">
+                <a:latin typeface="Arial" panose="020B0604020202020204" pitchFamily="34" charset="0"/>
+                <a:cs typeface="Arial" panose="020B0604020202020204" pitchFamily="34" charset="0"/>
+              </a:rPr>
+              <a:t>16</a:t>
+            </a:r>
+            <a:endParaRPr lang="en-US" dirty="0">
+              <a:latin typeface="Arial" panose="020B0604020202020204" pitchFamily="34" charset="0"/>
+              <a:cs typeface="Arial" panose="020B0604020202020204" pitchFamily="34" charset="0"/>
+            </a:endParaRPr>
+          </a:p>
+        </p:txBody>
+      </p:sp>
+      <p:cxnSp>
+        <p:nvCxnSpPr>
+          <p:cNvPr id="34" name="Straight Connector 33"/>
+          <p:cNvCxnSpPr/>
+          <p:nvPr/>
+        </p:nvCxnSpPr>
+        <p:spPr>
+          <a:xfrm flipV="1">
+            <a:off x="4298584" y="3349860"/>
+            <a:ext cx="304321" cy="136329"/>
+          </a:xfrm>
+          <a:prstGeom prst="line">
+            <a:avLst/>
+          </a:prstGeom>
+          <a:ln w="28575">
+            <a:solidFill>
+              <a:schemeClr val="tx1"/>
+            </a:solidFill>
+          </a:ln>
+        </p:spPr>
+        <p:style>
+          <a:lnRef idx="1">
+            <a:schemeClr val="accent1"/>
+          </a:lnRef>
+          <a:fillRef idx="0">
+            <a:schemeClr val="accent1"/>
+          </a:fillRef>
+          <a:effectRef idx="0">
+            <a:schemeClr val="accent1"/>
+          </a:effectRef>
+          <a:fontRef idx="minor">
+            <a:schemeClr val="tx1"/>
+          </a:fontRef>
+        </p:style>
+      </p:cxnSp>
+      <p:sp>
+        <p:nvSpPr>
+          <p:cNvPr id="35" name="TextBox 34"/>
+          <p:cNvSpPr txBox="1"/>
+          <p:nvPr/>
+        </p:nvSpPr>
+        <p:spPr>
+          <a:xfrm>
+            <a:off x="3569676" y="114300"/>
+            <a:ext cx="395654" cy="307777"/>
+          </a:xfrm>
+          <a:prstGeom prst="rect">
+            <a:avLst/>
+          </a:prstGeom>
+          <a:noFill/>
+        </p:spPr>
+        <p:txBody>
+          <a:bodyPr wrap="square" rtlCol="0">
+            <a:spAutoFit/>
+          </a:bodyPr>
+          <a:lstStyle/>
+          <a:p>
+            <a:r>
+              <a:rPr lang="en-US" sz="1400" b="1" dirty="0" smtClean="0">
+                <a:latin typeface="Arial" panose="020B0604020202020204" pitchFamily="34" charset="0"/>
+                <a:cs typeface="Arial" panose="020B0604020202020204" pitchFamily="34" charset="0"/>
+              </a:rPr>
+              <a:t>A)</a:t>
+            </a:r>
+            <a:endParaRPr lang="en-US" sz="1400" b="1" dirty="0">
+              <a:latin typeface="Arial" panose="020B0604020202020204" pitchFamily="34" charset="0"/>
+              <a:cs typeface="Arial" panose="020B0604020202020204" pitchFamily="34" charset="0"/>
+            </a:endParaRPr>
+          </a:p>
+        </p:txBody>
+      </p:sp>
+      <p:sp>
+        <p:nvSpPr>
+          <p:cNvPr id="36" name="TextBox 35"/>
+          <p:cNvSpPr txBox="1"/>
+          <p:nvPr/>
+        </p:nvSpPr>
+        <p:spPr>
+          <a:xfrm>
+            <a:off x="3569676" y="3134458"/>
+            <a:ext cx="395654" cy="307777"/>
+          </a:xfrm>
+          <a:prstGeom prst="rect">
+            <a:avLst/>
+          </a:prstGeom>
+          <a:noFill/>
+        </p:spPr>
+        <p:txBody>
+          <a:bodyPr wrap="square" rtlCol="0">
+            <a:spAutoFit/>
+          </a:bodyPr>
+          <a:lstStyle/>
+          <a:p>
+            <a:r>
+              <a:rPr lang="en-US" sz="1400" b="1" dirty="0" smtClean="0">
+                <a:latin typeface="Arial" panose="020B0604020202020204" pitchFamily="34" charset="0"/>
+                <a:cs typeface="Arial" panose="020B0604020202020204" pitchFamily="34" charset="0"/>
+              </a:rPr>
+              <a:t>B)</a:t>
+            </a:r>
+            <a:endParaRPr lang="en-US" sz="1400" b="1" dirty="0">
+              <a:latin typeface="Arial" panose="020B0604020202020204" pitchFamily="34" charset="0"/>
+              <a:cs typeface="Arial" panose="020B0604020202020204" pitchFamily="34" charset="0"/>
+            </a:endParaRPr>
+          </a:p>
+        </p:txBody>
+      </p:sp>
+      <p:cxnSp>
+        <p:nvCxnSpPr>
+          <p:cNvPr id="37" name="Straight Connector 36"/>
+          <p:cNvCxnSpPr/>
+          <p:nvPr/>
+        </p:nvCxnSpPr>
+        <p:spPr>
+          <a:xfrm flipV="1">
+            <a:off x="4925833" y="4217962"/>
+            <a:ext cx="83649" cy="151826"/>
+          </a:xfrm>
+          <a:prstGeom prst="line">
+            <a:avLst/>
+          </a:prstGeom>
+          <a:ln w="28575">
+            <a:solidFill>
+              <a:schemeClr val="tx1"/>
+            </a:solidFill>
+          </a:ln>
+        </p:spPr>
+        <p:style>
+          <a:lnRef idx="1">
+            <a:schemeClr val="accent1"/>
+          </a:lnRef>
+          <a:fillRef idx="0">
+            <a:schemeClr val="accent1"/>
+          </a:fillRef>
+          <a:effectRef idx="0">
+            <a:schemeClr val="accent1"/>
+          </a:effectRef>
+          <a:fontRef idx="minor">
+            <a:schemeClr val="tx1"/>
+          </a:fontRef>
+        </p:style>
+      </p:cxnSp>
+      <p:sp>
+        <p:nvSpPr>
+          <p:cNvPr id="43" name="TextBox 42"/>
+          <p:cNvSpPr txBox="1"/>
+          <p:nvPr/>
+        </p:nvSpPr>
+        <p:spPr>
+          <a:xfrm>
+            <a:off x="6532679" y="5686393"/>
+            <a:ext cx="509953" cy="338554"/>
+          </a:xfrm>
+          <a:prstGeom prst="rect">
+            <a:avLst/>
+          </a:prstGeom>
+          <a:noFill/>
+        </p:spPr>
+        <p:txBody>
+          <a:bodyPr wrap="square" rtlCol="0">
+            <a:spAutoFit/>
+          </a:bodyPr>
+          <a:lstStyle/>
+          <a:p>
+            <a:r>
+              <a:rPr lang="en-US" sz="1600" dirty="0" smtClean="0">
+                <a:latin typeface="Arial" panose="020B0604020202020204" pitchFamily="34" charset="0"/>
+                <a:cs typeface="Arial" panose="020B0604020202020204" pitchFamily="34" charset="0"/>
+              </a:rPr>
+              <a:t>10</a:t>
+            </a:r>
+            <a:endParaRPr lang="en-US" dirty="0">
+              <a:latin typeface="Arial" panose="020B0604020202020204" pitchFamily="34" charset="0"/>
+              <a:cs typeface="Arial" panose="020B0604020202020204" pitchFamily="34" charset="0"/>
+            </a:endParaRPr>
+          </a:p>
+        </p:txBody>
+      </p:sp>
+      <p:sp>
+        <p:nvSpPr>
+          <p:cNvPr id="44" name="Oval 43"/>
+          <p:cNvSpPr/>
+          <p:nvPr/>
+        </p:nvSpPr>
+        <p:spPr>
+          <a:xfrm>
+            <a:off x="3601924" y="4619576"/>
+            <a:ext cx="228600" cy="228600"/>
+          </a:xfrm>
+          <a:prstGeom prst="ellipse">
+            <a:avLst/>
+          </a:prstGeom>
+          <a:solidFill>
+            <a:schemeClr val="bg1"/>
+          </a:solidFill>
+          <a:ln>
+            <a:solidFill>
+              <a:schemeClr val="tx1"/>
+            </a:solidFill>
+          </a:ln>
+        </p:spPr>
+        <p:style>
+          <a:lnRef idx="2">
+            <a:schemeClr val="accent1">
+              <a:shade val="50000"/>
+            </a:schemeClr>
+          </a:lnRef>
+          <a:fillRef idx="1">
+            <a:schemeClr val="accent1"/>
+          </a:fillRef>
+          <a:effectRef idx="0">
+            <a:schemeClr val="accent1"/>
+          </a:effectRef>
+          <a:fontRef idx="minor">
+            <a:schemeClr val="lt1"/>
+          </a:fontRef>
+        </p:style>
+        <p:txBody>
+          <a:bodyPr rtlCol="0" anchor="ctr"/>
+          <a:lstStyle/>
+          <a:p>
+            <a:pPr algn="ctr"/>
+            <a:endParaRPr lang="en-US" sz="1600" dirty="0">
+              <a:solidFill>
+                <a:schemeClr val="tx1"/>
+              </a:solidFill>
+              <a:latin typeface="Arial" panose="020B0604020202020204" pitchFamily="34" charset="0"/>
+              <a:cs typeface="Arial" panose="020B0604020202020204" pitchFamily="34" charset="0"/>
+            </a:endParaRPr>
+          </a:p>
+        </p:txBody>
+      </p:sp>
+      <p:sp>
+        <p:nvSpPr>
+          <p:cNvPr id="45" name="TextBox 44"/>
+          <p:cNvSpPr txBox="1"/>
+          <p:nvPr/>
+        </p:nvSpPr>
+        <p:spPr>
+          <a:xfrm>
+            <a:off x="3584335" y="4568269"/>
+            <a:ext cx="509953" cy="338554"/>
+          </a:xfrm>
+          <a:prstGeom prst="rect">
+            <a:avLst/>
+          </a:prstGeom>
+          <a:noFill/>
+        </p:spPr>
+        <p:txBody>
+          <a:bodyPr wrap="square" rtlCol="0">
+            <a:spAutoFit/>
+          </a:bodyPr>
+          <a:lstStyle/>
+          <a:p>
+            <a:r>
+              <a:rPr lang="en-US" sz="1600" dirty="0" smtClean="0">
+                <a:latin typeface="Arial" panose="020B0604020202020204" pitchFamily="34" charset="0"/>
+                <a:cs typeface="Arial" panose="020B0604020202020204" pitchFamily="34" charset="0"/>
+              </a:rPr>
+              <a:t>7</a:t>
+            </a:r>
+            <a:endParaRPr lang="en-US" dirty="0">
+              <a:latin typeface="Arial" panose="020B0604020202020204" pitchFamily="34" charset="0"/>
+              <a:cs typeface="Arial" panose="020B0604020202020204" pitchFamily="34" charset="0"/>
+            </a:endParaRPr>
+          </a:p>
+        </p:txBody>
+      </p:sp>
+      <p:cxnSp>
+        <p:nvCxnSpPr>
+          <p:cNvPr id="46" name="Straight Connector 45"/>
+          <p:cNvCxnSpPr>
+            <a:endCxn id="17" idx="3"/>
+          </p:cNvCxnSpPr>
+          <p:nvPr/>
+        </p:nvCxnSpPr>
+        <p:spPr>
+          <a:xfrm flipV="1">
+            <a:off x="4418895" y="3647558"/>
+            <a:ext cx="315543" cy="84805"/>
+          </a:xfrm>
+          <a:prstGeom prst="line">
+            <a:avLst/>
+          </a:prstGeom>
+          <a:ln w="28575">
+            <a:solidFill>
+              <a:schemeClr val="tx1"/>
+            </a:solidFill>
+          </a:ln>
+        </p:spPr>
+        <p:style>
+          <a:lnRef idx="1">
+            <a:schemeClr val="accent1"/>
+          </a:lnRef>
+          <a:fillRef idx="0">
+            <a:schemeClr val="accent1"/>
+          </a:fillRef>
+          <a:effectRef idx="0">
+            <a:schemeClr val="accent1"/>
+          </a:effectRef>
+          <a:fontRef idx="minor">
+            <a:schemeClr val="tx1"/>
+          </a:fontRef>
+        </p:style>
+      </p:cxnSp>
+      <p:sp>
+        <p:nvSpPr>
+          <p:cNvPr id="47" name="Oval 46"/>
+          <p:cNvSpPr/>
+          <p:nvPr/>
+        </p:nvSpPr>
+        <p:spPr>
+          <a:xfrm>
+            <a:off x="7051433" y="5576502"/>
+            <a:ext cx="228600" cy="228600"/>
+          </a:xfrm>
+          <a:prstGeom prst="ellipse">
+            <a:avLst/>
+          </a:prstGeom>
+          <a:solidFill>
+            <a:schemeClr val="bg1"/>
+          </a:solidFill>
+          <a:ln>
+            <a:solidFill>
+              <a:schemeClr val="tx1"/>
+            </a:solidFill>
+          </a:ln>
+        </p:spPr>
+        <p:style>
+          <a:lnRef idx="2">
+            <a:schemeClr val="accent1">
+              <a:shade val="50000"/>
+            </a:schemeClr>
+          </a:lnRef>
+          <a:fillRef idx="1">
+            <a:schemeClr val="accent1"/>
+          </a:fillRef>
+          <a:effectRef idx="0">
+            <a:schemeClr val="accent1"/>
+          </a:effectRef>
+          <a:fontRef idx="minor">
+            <a:schemeClr val="lt1"/>
+          </a:fontRef>
+        </p:style>
+        <p:txBody>
+          <a:bodyPr rtlCol="0" anchor="ctr"/>
+          <a:lstStyle/>
+          <a:p>
+            <a:pPr algn="ctr"/>
+            <a:endParaRPr lang="en-US" sz="1600" dirty="0">
+              <a:solidFill>
+                <a:schemeClr val="tx1"/>
+              </a:solidFill>
+              <a:latin typeface="Arial" panose="020B0604020202020204" pitchFamily="34" charset="0"/>
+              <a:cs typeface="Arial" panose="020B0604020202020204" pitchFamily="34" charset="0"/>
+            </a:endParaRPr>
+          </a:p>
+        </p:txBody>
+      </p:sp>
+      <p:sp>
+        <p:nvSpPr>
+          <p:cNvPr id="48" name="TextBox 47"/>
+          <p:cNvSpPr txBox="1"/>
+          <p:nvPr/>
+        </p:nvSpPr>
+        <p:spPr>
+          <a:xfrm>
+            <a:off x="7025049" y="5527111"/>
+            <a:ext cx="509953" cy="338554"/>
+          </a:xfrm>
+          <a:prstGeom prst="rect">
+            <a:avLst/>
+          </a:prstGeom>
+          <a:noFill/>
+        </p:spPr>
+        <p:txBody>
+          <a:bodyPr wrap="square" rtlCol="0">
+            <a:spAutoFit/>
+          </a:bodyPr>
+          <a:lstStyle/>
+          <a:p>
+            <a:r>
+              <a:rPr lang="en-US" sz="1600" dirty="0" smtClean="0">
+                <a:latin typeface="Arial" panose="020B0604020202020204" pitchFamily="34" charset="0"/>
+                <a:cs typeface="Arial" panose="020B0604020202020204" pitchFamily="34" charset="0"/>
+              </a:rPr>
+              <a:t>8</a:t>
+            </a:r>
+            <a:endParaRPr lang="en-US" dirty="0">
+              <a:latin typeface="Arial" panose="020B0604020202020204" pitchFamily="34" charset="0"/>
+              <a:cs typeface="Arial" panose="020B0604020202020204" pitchFamily="34" charset="0"/>
+            </a:endParaRPr>
+          </a:p>
+        </p:txBody>
+      </p:sp>
+      <p:cxnSp>
+        <p:nvCxnSpPr>
+          <p:cNvPr id="49" name="Straight Connector 48"/>
+          <p:cNvCxnSpPr>
+            <a:stCxn id="47" idx="1"/>
+          </p:cNvCxnSpPr>
+          <p:nvPr/>
+        </p:nvCxnSpPr>
+        <p:spPr>
+          <a:xfrm flipH="1" flipV="1">
+            <a:off x="7019619" y="5412702"/>
+            <a:ext cx="65292" cy="197278"/>
+          </a:xfrm>
+          <a:prstGeom prst="line">
+            <a:avLst/>
+          </a:prstGeom>
+          <a:ln w="28575">
+            <a:solidFill>
+              <a:schemeClr val="tx1"/>
+            </a:solidFill>
+          </a:ln>
+        </p:spPr>
+        <p:style>
+          <a:lnRef idx="1">
+            <a:schemeClr val="accent1"/>
+          </a:lnRef>
+          <a:fillRef idx="0">
+            <a:schemeClr val="accent1"/>
+          </a:fillRef>
+          <a:effectRef idx="0">
+            <a:schemeClr val="accent1"/>
+          </a:effectRef>
+          <a:fontRef idx="minor">
+            <a:schemeClr val="tx1"/>
+          </a:fontRef>
+        </p:style>
+      </p:cxnSp>
+      <p:cxnSp>
+        <p:nvCxnSpPr>
+          <p:cNvPr id="50" name="Straight Connector 49"/>
+          <p:cNvCxnSpPr/>
+          <p:nvPr/>
+        </p:nvCxnSpPr>
+        <p:spPr>
+          <a:xfrm flipV="1">
+            <a:off x="3774413" y="4276291"/>
+            <a:ext cx="47319" cy="332301"/>
+          </a:xfrm>
+          <a:prstGeom prst="line">
+            <a:avLst/>
+          </a:prstGeom>
+          <a:ln w="28575">
+            <a:solidFill>
+              <a:schemeClr val="tx1"/>
+            </a:solidFill>
+          </a:ln>
+        </p:spPr>
+        <p:style>
+          <a:lnRef idx="1">
+            <a:schemeClr val="accent1"/>
+          </a:lnRef>
+          <a:fillRef idx="0">
+            <a:schemeClr val="accent1"/>
+          </a:fillRef>
+          <a:effectRef idx="0">
+            <a:schemeClr val="accent1"/>
+          </a:effectRef>
+          <a:fontRef idx="minor">
+            <a:schemeClr val="tx1"/>
+          </a:fontRef>
+        </p:style>
+      </p:cxnSp>
+      <p:sp>
+        <p:nvSpPr>
+          <p:cNvPr id="51" name="Oval 50"/>
+          <p:cNvSpPr/>
+          <p:nvPr/>
+        </p:nvSpPr>
+        <p:spPr>
+          <a:xfrm>
+            <a:off x="5820441" y="4917067"/>
+            <a:ext cx="228600" cy="228600"/>
+          </a:xfrm>
+          <a:prstGeom prst="ellipse">
+            <a:avLst/>
+          </a:prstGeom>
+          <a:solidFill>
+            <a:schemeClr val="bg1"/>
+          </a:solidFill>
+          <a:ln>
+            <a:solidFill>
+              <a:schemeClr val="tx1"/>
+            </a:solidFill>
+          </a:ln>
+        </p:spPr>
+        <p:style>
+          <a:lnRef idx="2">
+            <a:schemeClr val="accent1">
+              <a:shade val="50000"/>
+            </a:schemeClr>
+          </a:lnRef>
+          <a:fillRef idx="1">
+            <a:schemeClr val="accent1"/>
+          </a:fillRef>
+          <a:effectRef idx="0">
+            <a:schemeClr val="accent1"/>
+          </a:effectRef>
+          <a:fontRef idx="minor">
+            <a:schemeClr val="lt1"/>
+          </a:fontRef>
+        </p:style>
+        <p:txBody>
+          <a:bodyPr rtlCol="0" anchor="ctr"/>
+          <a:lstStyle/>
+          <a:p>
+            <a:pPr algn="ctr"/>
+            <a:endParaRPr lang="en-US" sz="1600" dirty="0">
+              <a:solidFill>
+                <a:schemeClr val="tx1"/>
+              </a:solidFill>
+              <a:latin typeface="Arial" panose="020B0604020202020204" pitchFamily="34" charset="0"/>
+              <a:cs typeface="Arial" panose="020B0604020202020204" pitchFamily="34" charset="0"/>
+            </a:endParaRPr>
+          </a:p>
+        </p:txBody>
+      </p:sp>
+      <p:sp>
+        <p:nvSpPr>
+          <p:cNvPr id="52" name="TextBox 51"/>
+          <p:cNvSpPr txBox="1"/>
+          <p:nvPr/>
+        </p:nvSpPr>
+        <p:spPr>
+          <a:xfrm>
+            <a:off x="5714932" y="4856968"/>
+            <a:ext cx="509953" cy="338554"/>
+          </a:xfrm>
+          <a:prstGeom prst="rect">
+            <a:avLst/>
+          </a:prstGeom>
+          <a:noFill/>
+        </p:spPr>
+        <p:txBody>
+          <a:bodyPr wrap="square" rtlCol="0">
+            <a:spAutoFit/>
+          </a:bodyPr>
+          <a:lstStyle/>
+          <a:p>
+            <a:r>
+              <a:rPr lang="en-US" sz="1600" dirty="0" smtClean="0">
+                <a:latin typeface="Arial" panose="020B0604020202020204" pitchFamily="34" charset="0"/>
+                <a:cs typeface="Arial" panose="020B0604020202020204" pitchFamily="34" charset="0"/>
+              </a:rPr>
+              <a:t>12</a:t>
+            </a:r>
+            <a:endParaRPr lang="en-US" dirty="0">
+              <a:latin typeface="Arial" panose="020B0604020202020204" pitchFamily="34" charset="0"/>
+              <a:cs typeface="Arial" panose="020B0604020202020204" pitchFamily="34" charset="0"/>
+            </a:endParaRPr>
+          </a:p>
+        </p:txBody>
+      </p:sp>
+      <p:sp>
+        <p:nvSpPr>
+          <p:cNvPr id="53" name="Oval 52"/>
+          <p:cNvSpPr/>
+          <p:nvPr/>
+        </p:nvSpPr>
+        <p:spPr>
+          <a:xfrm>
+            <a:off x="5424788" y="4797645"/>
+            <a:ext cx="228600" cy="228600"/>
+          </a:xfrm>
+          <a:prstGeom prst="ellipse">
+            <a:avLst/>
+          </a:prstGeom>
+          <a:solidFill>
+            <a:schemeClr val="bg1"/>
+          </a:solidFill>
+          <a:ln>
+            <a:solidFill>
+              <a:schemeClr val="tx1"/>
+            </a:solidFill>
+          </a:ln>
+        </p:spPr>
+        <p:style>
+          <a:lnRef idx="2">
+            <a:schemeClr val="accent1">
+              <a:shade val="50000"/>
+            </a:schemeClr>
+          </a:lnRef>
+          <a:fillRef idx="1">
+            <a:schemeClr val="accent1"/>
+          </a:fillRef>
+          <a:effectRef idx="0">
+            <a:schemeClr val="accent1"/>
+          </a:effectRef>
+          <a:fontRef idx="minor">
+            <a:schemeClr val="lt1"/>
+          </a:fontRef>
+        </p:style>
+        <p:txBody>
+          <a:bodyPr rtlCol="0" anchor="ctr"/>
+          <a:lstStyle/>
+          <a:p>
+            <a:pPr algn="ctr"/>
+            <a:endParaRPr lang="en-US" sz="1600" dirty="0">
+              <a:solidFill>
+                <a:schemeClr val="tx1"/>
+              </a:solidFill>
+              <a:latin typeface="Arial" panose="020B0604020202020204" pitchFamily="34" charset="0"/>
+              <a:cs typeface="Arial" panose="020B0604020202020204" pitchFamily="34" charset="0"/>
+            </a:endParaRPr>
+          </a:p>
+        </p:txBody>
+      </p:sp>
+      <p:sp>
+        <p:nvSpPr>
+          <p:cNvPr id="54" name="TextBox 53"/>
+          <p:cNvSpPr txBox="1"/>
+          <p:nvPr/>
+        </p:nvSpPr>
+        <p:spPr>
+          <a:xfrm>
+            <a:off x="5395715" y="4742668"/>
+            <a:ext cx="509953" cy="338554"/>
+          </a:xfrm>
+          <a:prstGeom prst="rect">
+            <a:avLst/>
+          </a:prstGeom>
+          <a:noFill/>
+        </p:spPr>
+        <p:txBody>
+          <a:bodyPr wrap="square" rtlCol="0">
+            <a:spAutoFit/>
+          </a:bodyPr>
+          <a:lstStyle/>
+          <a:p>
+            <a:r>
+              <a:rPr lang="en-US" sz="1600" dirty="0" smtClean="0">
+                <a:latin typeface="Arial" panose="020B0604020202020204" pitchFamily="34" charset="0"/>
+                <a:cs typeface="Arial" panose="020B0604020202020204" pitchFamily="34" charset="0"/>
+              </a:rPr>
+              <a:t>9</a:t>
+            </a:r>
+            <a:endParaRPr lang="en-US" dirty="0">
+              <a:latin typeface="Arial" panose="020B0604020202020204" pitchFamily="34" charset="0"/>
+              <a:cs typeface="Arial" panose="020B0604020202020204" pitchFamily="34" charset="0"/>
+            </a:endParaRPr>
+          </a:p>
+        </p:txBody>
+      </p:sp>
+      <p:sp>
+        <p:nvSpPr>
+          <p:cNvPr id="55" name="TextBox 54"/>
+          <p:cNvSpPr txBox="1"/>
+          <p:nvPr/>
+        </p:nvSpPr>
+        <p:spPr>
+          <a:xfrm>
+            <a:off x="4365387" y="2275742"/>
+            <a:ext cx="1222131" cy="246221"/>
+          </a:xfrm>
+          <a:prstGeom prst="rect">
+            <a:avLst/>
+          </a:prstGeom>
+          <a:noFill/>
+        </p:spPr>
+        <p:txBody>
+          <a:bodyPr wrap="square" rtlCol="0">
+            <a:spAutoFit/>
+          </a:bodyPr>
+          <a:lstStyle/>
+          <a:p>
+            <a:r>
+              <a:rPr lang="en-US" sz="1000" dirty="0" smtClean="0">
+                <a:latin typeface="Arial" panose="020B0604020202020204" pitchFamily="34" charset="0"/>
+                <a:cs typeface="Arial" panose="020B0604020202020204" pitchFamily="34" charset="0"/>
+              </a:rPr>
+              <a:t>(</a:t>
+            </a:r>
+            <a:r>
+              <a:rPr lang="en-US" sz="1000" dirty="0" smtClean="0">
+                <a:latin typeface="Arial" panose="020B0604020202020204" pitchFamily="34" charset="0"/>
+                <a:cs typeface="Arial" panose="020B0604020202020204" pitchFamily="34" charset="0"/>
+              </a:rPr>
+              <a:t>74</a:t>
+            </a:r>
+            <a:r>
+              <a:rPr lang="en-US" sz="1000" dirty="0" smtClean="0">
+                <a:latin typeface="Arial" panose="020B0604020202020204" pitchFamily="34" charset="0"/>
+                <a:cs typeface="Arial" panose="020B0604020202020204" pitchFamily="34" charset="0"/>
+              </a:rPr>
+              <a:t>%)</a:t>
+            </a:r>
+            <a:endParaRPr lang="en-US" sz="1000" dirty="0">
+              <a:latin typeface="Arial" panose="020B0604020202020204" pitchFamily="34" charset="0"/>
+              <a:cs typeface="Arial" panose="020B0604020202020204" pitchFamily="34" charset="0"/>
+            </a:endParaRPr>
+          </a:p>
+        </p:txBody>
+      </p:sp>
+      <p:sp>
+        <p:nvSpPr>
+          <p:cNvPr id="56" name="TextBox 55"/>
+          <p:cNvSpPr txBox="1"/>
+          <p:nvPr/>
+        </p:nvSpPr>
+        <p:spPr>
+          <a:xfrm>
+            <a:off x="4642354" y="2454569"/>
+            <a:ext cx="1222131" cy="246221"/>
+          </a:xfrm>
+          <a:prstGeom prst="rect">
+            <a:avLst/>
+          </a:prstGeom>
+          <a:noFill/>
+        </p:spPr>
+        <p:txBody>
+          <a:bodyPr wrap="square" rtlCol="0">
+            <a:spAutoFit/>
+          </a:bodyPr>
+          <a:lstStyle/>
+          <a:p>
+            <a:r>
+              <a:rPr lang="en-US" sz="1000" dirty="0" smtClean="0">
+                <a:latin typeface="Arial" panose="020B0604020202020204" pitchFamily="34" charset="0"/>
+                <a:cs typeface="Arial" panose="020B0604020202020204" pitchFamily="34" charset="0"/>
+              </a:rPr>
+              <a:t>(</a:t>
+            </a:r>
+            <a:r>
+              <a:rPr lang="en-US" sz="1000" dirty="0" smtClean="0">
+                <a:latin typeface="Arial" panose="020B0604020202020204" pitchFamily="34" charset="0"/>
+                <a:cs typeface="Arial" panose="020B0604020202020204" pitchFamily="34" charset="0"/>
+              </a:rPr>
+              <a:t>22</a:t>
+            </a:r>
+            <a:r>
+              <a:rPr lang="en-US" sz="1000" dirty="0" smtClean="0">
+                <a:latin typeface="Arial" panose="020B0604020202020204" pitchFamily="34" charset="0"/>
+                <a:cs typeface="Arial" panose="020B0604020202020204" pitchFamily="34" charset="0"/>
+              </a:rPr>
+              <a:t>%)</a:t>
+            </a:r>
+            <a:endParaRPr lang="en-US" sz="1000" dirty="0">
+              <a:latin typeface="Arial" panose="020B0604020202020204" pitchFamily="34" charset="0"/>
+              <a:cs typeface="Arial" panose="020B0604020202020204" pitchFamily="34" charset="0"/>
+            </a:endParaRPr>
+          </a:p>
+        </p:txBody>
+      </p:sp>
+      <p:sp>
+        <p:nvSpPr>
+          <p:cNvPr id="57" name="TextBox 56"/>
+          <p:cNvSpPr txBox="1"/>
+          <p:nvPr/>
+        </p:nvSpPr>
+        <p:spPr>
+          <a:xfrm>
+            <a:off x="4382971" y="2631910"/>
+            <a:ext cx="1222131" cy="246221"/>
+          </a:xfrm>
+          <a:prstGeom prst="rect">
+            <a:avLst/>
+          </a:prstGeom>
+          <a:noFill/>
+        </p:spPr>
+        <p:txBody>
+          <a:bodyPr wrap="square" rtlCol="0">
+            <a:spAutoFit/>
+          </a:bodyPr>
+          <a:lstStyle/>
+          <a:p>
+            <a:r>
+              <a:rPr lang="en-US" sz="1000" dirty="0" smtClean="0">
+                <a:latin typeface="Arial" panose="020B0604020202020204" pitchFamily="34" charset="0"/>
+                <a:cs typeface="Arial" panose="020B0604020202020204" pitchFamily="34" charset="0"/>
+              </a:rPr>
+              <a:t>(4%)</a:t>
+            </a:r>
+            <a:endParaRPr lang="en-US" sz="1000" dirty="0">
+              <a:latin typeface="Arial" panose="020B0604020202020204" pitchFamily="34" charset="0"/>
+              <a:cs typeface="Arial" panose="020B0604020202020204" pitchFamily="34" charset="0"/>
+            </a:endParaRPr>
+          </a:p>
+        </p:txBody>
+      </p:sp>
+      <p:cxnSp>
+        <p:nvCxnSpPr>
+          <p:cNvPr id="62" name="Straight Connector 61"/>
+          <p:cNvCxnSpPr/>
+          <p:nvPr/>
+        </p:nvCxnSpPr>
+        <p:spPr>
+          <a:xfrm flipV="1">
+            <a:off x="4990883" y="4815971"/>
+            <a:ext cx="178656" cy="63752"/>
+          </a:xfrm>
+          <a:prstGeom prst="line">
+            <a:avLst/>
+          </a:prstGeom>
+          <a:ln w="28575">
+            <a:solidFill>
+              <a:schemeClr val="tx1"/>
+            </a:solidFill>
+          </a:ln>
+        </p:spPr>
+        <p:style>
+          <a:lnRef idx="1">
+            <a:schemeClr val="accent1"/>
+          </a:lnRef>
+          <a:fillRef idx="0">
+            <a:schemeClr val="accent1"/>
+          </a:fillRef>
+          <a:effectRef idx="0">
+            <a:schemeClr val="accent1"/>
+          </a:effectRef>
+          <a:fontRef idx="minor">
+            <a:schemeClr val="tx1"/>
+          </a:fontRef>
+        </p:style>
+      </p:cxnSp>
+      <p:cxnSp>
+        <p:nvCxnSpPr>
+          <p:cNvPr id="67" name="Straight Connector 66"/>
+          <p:cNvCxnSpPr/>
+          <p:nvPr/>
+        </p:nvCxnSpPr>
+        <p:spPr>
+          <a:xfrm flipV="1">
+            <a:off x="5403473" y="5029473"/>
+            <a:ext cx="83649" cy="151826"/>
+          </a:xfrm>
+          <a:prstGeom prst="line">
+            <a:avLst/>
+          </a:prstGeom>
+          <a:ln w="28575">
+            <a:solidFill>
+              <a:schemeClr val="tx1"/>
+            </a:solidFill>
+          </a:ln>
+        </p:spPr>
+        <p:style>
+          <a:lnRef idx="1">
+            <a:schemeClr val="accent1"/>
+          </a:lnRef>
+          <a:fillRef idx="0">
+            <a:schemeClr val="accent1"/>
+          </a:fillRef>
+          <a:effectRef idx="0">
+            <a:schemeClr val="accent1"/>
+          </a:effectRef>
+          <a:fontRef idx="minor">
+            <a:schemeClr val="tx1"/>
+          </a:fontRef>
+        </p:style>
+      </p:cxnSp>
+      <p:sp>
+        <p:nvSpPr>
+          <p:cNvPr id="69" name="TextBox 68"/>
+          <p:cNvSpPr txBox="1"/>
+          <p:nvPr/>
+        </p:nvSpPr>
+        <p:spPr>
+          <a:xfrm>
+            <a:off x="7561685" y="4824763"/>
+            <a:ext cx="509953" cy="338554"/>
+          </a:xfrm>
+          <a:prstGeom prst="rect">
+            <a:avLst/>
+          </a:prstGeom>
+          <a:noFill/>
+        </p:spPr>
+        <p:txBody>
+          <a:bodyPr wrap="square" rtlCol="0">
+            <a:spAutoFit/>
+          </a:bodyPr>
+          <a:lstStyle/>
+          <a:p>
+            <a:r>
+              <a:rPr lang="en-US" sz="1600" dirty="0" smtClean="0">
+                <a:latin typeface="Arial" panose="020B0604020202020204" pitchFamily="34" charset="0"/>
+                <a:cs typeface="Arial" panose="020B0604020202020204" pitchFamily="34" charset="0"/>
+              </a:rPr>
+              <a:t>11</a:t>
+            </a:r>
+            <a:endParaRPr lang="en-US" dirty="0">
+              <a:latin typeface="Arial" panose="020B0604020202020204" pitchFamily="34" charset="0"/>
+              <a:cs typeface="Arial" panose="020B0604020202020204" pitchFamily="34" charset="0"/>
+            </a:endParaRPr>
+          </a:p>
+        </p:txBody>
+      </p:sp>
+      <p:cxnSp>
+        <p:nvCxnSpPr>
+          <p:cNvPr id="70" name="Straight Connector 69"/>
+          <p:cNvCxnSpPr/>
+          <p:nvPr/>
+        </p:nvCxnSpPr>
+        <p:spPr>
+          <a:xfrm flipV="1">
+            <a:off x="5881783" y="5155359"/>
+            <a:ext cx="83649" cy="151826"/>
+          </a:xfrm>
+          <a:prstGeom prst="line">
+            <a:avLst/>
+          </a:prstGeom>
+          <a:ln w="28575">
+            <a:solidFill>
+              <a:schemeClr val="tx1"/>
+            </a:solidFill>
+          </a:ln>
+        </p:spPr>
+        <p:style>
+          <a:lnRef idx="1">
+            <a:schemeClr val="accent1"/>
+          </a:lnRef>
+          <a:fillRef idx="0">
+            <a:schemeClr val="accent1"/>
+          </a:fillRef>
+          <a:effectRef idx="0">
+            <a:schemeClr val="accent1"/>
+          </a:effectRef>
+          <a:fontRef idx="minor">
+            <a:schemeClr val="tx1"/>
+          </a:fontRef>
+        </p:style>
+      </p:cxnSp>
+      <p:sp>
+        <p:nvSpPr>
+          <p:cNvPr id="72" name="TextBox 71"/>
+          <p:cNvSpPr txBox="1"/>
+          <p:nvPr/>
+        </p:nvSpPr>
+        <p:spPr>
+          <a:xfrm>
+            <a:off x="7584923" y="4577102"/>
+            <a:ext cx="509953" cy="338554"/>
+          </a:xfrm>
+          <a:prstGeom prst="rect">
+            <a:avLst/>
+          </a:prstGeom>
+          <a:noFill/>
+        </p:spPr>
+        <p:txBody>
+          <a:bodyPr wrap="square" rtlCol="0">
+            <a:spAutoFit/>
+          </a:bodyPr>
+          <a:lstStyle/>
+          <a:p>
+            <a:r>
+              <a:rPr lang="en-US" sz="1600" dirty="0" smtClean="0">
+                <a:latin typeface="Arial" panose="020B0604020202020204" pitchFamily="34" charset="0"/>
+                <a:cs typeface="Arial" panose="020B0604020202020204" pitchFamily="34" charset="0"/>
+              </a:rPr>
+              <a:t>15</a:t>
+            </a:r>
+            <a:endParaRPr lang="en-US" dirty="0">
+              <a:latin typeface="Arial" panose="020B0604020202020204" pitchFamily="34" charset="0"/>
+              <a:cs typeface="Arial" panose="020B0604020202020204" pitchFamily="34" charset="0"/>
+            </a:endParaRPr>
+          </a:p>
+        </p:txBody>
+      </p:sp>
+    </p:spTree>
+    <p:extLst>
+      <p:ext uri="{BB962C8B-B14F-4D97-AF65-F5344CB8AC3E}">
+        <p14:creationId xmlns:p14="http://schemas.microsoft.com/office/powerpoint/2010/main" val="786038959"/>
       </p:ext>
     </p:extLst>
   </p:cSld>

--- a/Figures/piecing_together_figs.pptx
+++ b/Figures/piecing_together_figs.pptx
@@ -204,7 +204,7 @@
           <a:p>
             <a:fld id="{E21A01C1-7195-4936-AB8D-A0C52A614CAA}" type="datetimeFigureOut">
               <a:rPr lang="en-US" smtClean="0"/>
-              <a:t>6/7/2021</a:t>
+              <a:t>6/17/2021</a:t>
             </a:fld>
             <a:endParaRPr lang="en-US"/>
           </a:p>
@@ -518,11 +518,7 @@
           <a:p>
             <a:r>
               <a:rPr lang="en-US" dirty="0" smtClean="0"/>
-              <a:t>WITH DAM </a:t>
-            </a:r>
-            <a:r>
-              <a:rPr lang="en-US" dirty="0" smtClean="0"/>
-              <a:t>RATE – wonky</a:t>
+              <a:t>WITH DAM RATE – wonky</a:t>
             </a:r>
             <a:r>
               <a:rPr lang="en-US" baseline="0" dirty="0" smtClean="0"/>
@@ -983,7 +979,7 @@
           <a:p>
             <a:fld id="{24F71ACE-7A2E-44C7-BEB0-E2DBFE9F86D8}" type="datetimeFigureOut">
               <a:rPr lang="en-US" smtClean="0"/>
-              <a:t>6/7/2021</a:t>
+              <a:t>6/17/2021</a:t>
             </a:fld>
             <a:endParaRPr lang="en-US"/>
           </a:p>
@@ -1153,7 +1149,7 @@
           <a:p>
             <a:fld id="{24F71ACE-7A2E-44C7-BEB0-E2DBFE9F86D8}" type="datetimeFigureOut">
               <a:rPr lang="en-US" smtClean="0"/>
-              <a:t>6/7/2021</a:t>
+              <a:t>6/17/2021</a:t>
             </a:fld>
             <a:endParaRPr lang="en-US"/>
           </a:p>
@@ -1333,7 +1329,7 @@
           <a:p>
             <a:fld id="{24F71ACE-7A2E-44C7-BEB0-E2DBFE9F86D8}" type="datetimeFigureOut">
               <a:rPr lang="en-US" smtClean="0"/>
-              <a:t>6/7/2021</a:t>
+              <a:t>6/17/2021</a:t>
             </a:fld>
             <a:endParaRPr lang="en-US"/>
           </a:p>
@@ -1503,7 +1499,7 @@
           <a:p>
             <a:fld id="{24F71ACE-7A2E-44C7-BEB0-E2DBFE9F86D8}" type="datetimeFigureOut">
               <a:rPr lang="en-US" smtClean="0"/>
-              <a:t>6/7/2021</a:t>
+              <a:t>6/17/2021</a:t>
             </a:fld>
             <a:endParaRPr lang="en-US"/>
           </a:p>
@@ -1749,7 +1745,7 @@
           <a:p>
             <a:fld id="{24F71ACE-7A2E-44C7-BEB0-E2DBFE9F86D8}" type="datetimeFigureOut">
               <a:rPr lang="en-US" smtClean="0"/>
-              <a:t>6/7/2021</a:t>
+              <a:t>6/17/2021</a:t>
             </a:fld>
             <a:endParaRPr lang="en-US"/>
           </a:p>
@@ -1981,7 +1977,7 @@
           <a:p>
             <a:fld id="{24F71ACE-7A2E-44C7-BEB0-E2DBFE9F86D8}" type="datetimeFigureOut">
               <a:rPr lang="en-US" smtClean="0"/>
-              <a:t>6/7/2021</a:t>
+              <a:t>6/17/2021</a:t>
             </a:fld>
             <a:endParaRPr lang="en-US"/>
           </a:p>
@@ -2348,7 +2344,7 @@
           <a:p>
             <a:fld id="{24F71ACE-7A2E-44C7-BEB0-E2DBFE9F86D8}" type="datetimeFigureOut">
               <a:rPr lang="en-US" smtClean="0"/>
-              <a:t>6/7/2021</a:t>
+              <a:t>6/17/2021</a:t>
             </a:fld>
             <a:endParaRPr lang="en-US"/>
           </a:p>
@@ -2466,7 +2462,7 @@
           <a:p>
             <a:fld id="{24F71ACE-7A2E-44C7-BEB0-E2DBFE9F86D8}" type="datetimeFigureOut">
               <a:rPr lang="en-US" smtClean="0"/>
-              <a:t>6/7/2021</a:t>
+              <a:t>6/17/2021</a:t>
             </a:fld>
             <a:endParaRPr lang="en-US"/>
           </a:p>
@@ -2561,7 +2557,7 @@
           <a:p>
             <a:fld id="{24F71ACE-7A2E-44C7-BEB0-E2DBFE9F86D8}" type="datetimeFigureOut">
               <a:rPr lang="en-US" smtClean="0"/>
-              <a:t>6/7/2021</a:t>
+              <a:t>6/17/2021</a:t>
             </a:fld>
             <a:endParaRPr lang="en-US"/>
           </a:p>
@@ -2838,7 +2834,7 @@
           <a:p>
             <a:fld id="{24F71ACE-7A2E-44C7-BEB0-E2DBFE9F86D8}" type="datetimeFigureOut">
               <a:rPr lang="en-US" smtClean="0"/>
-              <a:t>6/7/2021</a:t>
+              <a:t>6/17/2021</a:t>
             </a:fld>
             <a:endParaRPr lang="en-US"/>
           </a:p>
@@ -3091,7 +3087,7 @@
           <a:p>
             <a:fld id="{24F71ACE-7A2E-44C7-BEB0-E2DBFE9F86D8}" type="datetimeFigureOut">
               <a:rPr lang="en-US" smtClean="0"/>
-              <a:t>6/7/2021</a:t>
+              <a:t>6/17/2021</a:t>
             </a:fld>
             <a:endParaRPr lang="en-US"/>
           </a:p>
@@ -3304,7 +3300,7 @@
           <a:p>
             <a:fld id="{24F71ACE-7A2E-44C7-BEB0-E2DBFE9F86D8}" type="datetimeFigureOut">
               <a:rPr lang="en-US" smtClean="0"/>
-              <a:t>6/7/2021</a:t>
+              <a:t>6/17/2021</a:t>
             </a:fld>
             <a:endParaRPr lang="en-US"/>
           </a:p>
@@ -3711,7 +3707,7 @@
       </p:grpSpPr>
       <p:pic>
         <p:nvPicPr>
-          <p:cNvPr id="4" name="Picture 3"/>
+          <p:cNvPr id="6" name="Picture 5"/>
           <p:cNvPicPr>
             <a:picLocks noChangeAspect="1"/>
           </p:cNvPicPr>
@@ -10745,13 +10741,6 @@
               </a:rPr>
               <a:t>5</a:t>
             </a:r>
-            <a:endParaRPr lang="en-US" sz="1600" dirty="0">
-              <a:solidFill>
-                <a:schemeClr val="tx1"/>
-              </a:solidFill>
-              <a:latin typeface="Arial" panose="020B0604020202020204" pitchFamily="34" charset="0"/>
-              <a:cs typeface="Arial" panose="020B0604020202020204" pitchFamily="34" charset="0"/>
-            </a:endParaRPr>
           </a:p>
         </p:txBody>
       </p:sp>
@@ -10945,13 +10934,6 @@
               </a:rPr>
               <a:t>2</a:t>
             </a:r>
-            <a:endParaRPr lang="en-US" sz="1600" dirty="0">
-              <a:solidFill>
-                <a:schemeClr val="tx1"/>
-              </a:solidFill>
-              <a:latin typeface="Arial" panose="020B0604020202020204" pitchFamily="34" charset="0"/>
-              <a:cs typeface="Arial" panose="020B0604020202020204" pitchFamily="34" charset="0"/>
-            </a:endParaRPr>
           </a:p>
         </p:txBody>
       </p:sp>
@@ -12207,71 +12189,43 @@
                 <a:latin typeface="Arial" panose="020B0604020202020204" pitchFamily="34" charset="0"/>
                 <a:cs typeface="Arial" panose="020B0604020202020204" pitchFamily="34" charset="0"/>
               </a:rPr>
-              <a:t>(</a:t>
-            </a:r>
+              <a:t>(74%)</a:t>
+            </a:r>
+            <a:endParaRPr lang="en-US" sz="1000" dirty="0">
+              <a:latin typeface="Arial" panose="020B0604020202020204" pitchFamily="34" charset="0"/>
+              <a:cs typeface="Arial" panose="020B0604020202020204" pitchFamily="34" charset="0"/>
+            </a:endParaRPr>
+          </a:p>
+        </p:txBody>
+      </p:sp>
+      <p:sp>
+        <p:nvSpPr>
+          <p:cNvPr id="56" name="TextBox 55"/>
+          <p:cNvSpPr txBox="1"/>
+          <p:nvPr/>
+        </p:nvSpPr>
+        <p:spPr>
+          <a:xfrm>
+            <a:off x="4642354" y="2454569"/>
+            <a:ext cx="1222131" cy="246221"/>
+          </a:xfrm>
+          <a:prstGeom prst="rect">
+            <a:avLst/>
+          </a:prstGeom>
+          <a:noFill/>
+        </p:spPr>
+        <p:txBody>
+          <a:bodyPr wrap="square" rtlCol="0">
+            <a:spAutoFit/>
+          </a:bodyPr>
+          <a:lstStyle/>
+          <a:p>
             <a:r>
               <a:rPr lang="en-US" sz="1000" dirty="0" smtClean="0">
                 <a:latin typeface="Arial" panose="020B0604020202020204" pitchFamily="34" charset="0"/>
                 <a:cs typeface="Arial" panose="020B0604020202020204" pitchFamily="34" charset="0"/>
               </a:rPr>
-              <a:t>74</a:t>
-            </a:r>
-            <a:r>
-              <a:rPr lang="en-US" sz="1000" dirty="0" smtClean="0">
-                <a:latin typeface="Arial" panose="020B0604020202020204" pitchFamily="34" charset="0"/>
-                <a:cs typeface="Arial" panose="020B0604020202020204" pitchFamily="34" charset="0"/>
-              </a:rPr>
-              <a:t>%)</a:t>
-            </a:r>
-            <a:endParaRPr lang="en-US" sz="1000" dirty="0">
-              <a:latin typeface="Arial" panose="020B0604020202020204" pitchFamily="34" charset="0"/>
-              <a:cs typeface="Arial" panose="020B0604020202020204" pitchFamily="34" charset="0"/>
-            </a:endParaRPr>
-          </a:p>
-        </p:txBody>
-      </p:sp>
-      <p:sp>
-        <p:nvSpPr>
-          <p:cNvPr id="56" name="TextBox 55"/>
-          <p:cNvSpPr txBox="1"/>
-          <p:nvPr/>
-        </p:nvSpPr>
-        <p:spPr>
-          <a:xfrm>
-            <a:off x="4642354" y="2454569"/>
-            <a:ext cx="1222131" cy="246221"/>
-          </a:xfrm>
-          <a:prstGeom prst="rect">
-            <a:avLst/>
-          </a:prstGeom>
-          <a:noFill/>
-        </p:spPr>
-        <p:txBody>
-          <a:bodyPr wrap="square" rtlCol="0">
-            <a:spAutoFit/>
-          </a:bodyPr>
-          <a:lstStyle/>
-          <a:p>
-            <a:r>
-              <a:rPr lang="en-US" sz="1000" dirty="0" smtClean="0">
-                <a:latin typeface="Arial" panose="020B0604020202020204" pitchFamily="34" charset="0"/>
-                <a:cs typeface="Arial" panose="020B0604020202020204" pitchFamily="34" charset="0"/>
-              </a:rPr>
-              <a:t>(</a:t>
-            </a:r>
-            <a:r>
-              <a:rPr lang="en-US" sz="1000" dirty="0" smtClean="0">
-                <a:latin typeface="Arial" panose="020B0604020202020204" pitchFamily="34" charset="0"/>
-                <a:cs typeface="Arial" panose="020B0604020202020204" pitchFamily="34" charset="0"/>
-              </a:rPr>
-              <a:t>22</a:t>
-            </a:r>
-            <a:r>
-              <a:rPr lang="en-US" sz="1000" dirty="0" smtClean="0">
-                <a:latin typeface="Arial" panose="020B0604020202020204" pitchFamily="34" charset="0"/>
-                <a:cs typeface="Arial" panose="020B0604020202020204" pitchFamily="34" charset="0"/>
-              </a:rPr>
-              <a:t>%)</a:t>
+              <a:t>(22%)</a:t>
             </a:r>
             <a:endParaRPr lang="en-US" sz="1000" dirty="0">
               <a:latin typeface="Arial" panose="020B0604020202020204" pitchFamily="34" charset="0"/>
@@ -12559,7 +12513,7 @@
       </p:grpSpPr>
       <p:pic>
         <p:nvPicPr>
-          <p:cNvPr id="58" name="Picture 57"/>
+          <p:cNvPr id="5" name="Picture 4"/>
           <p:cNvPicPr>
             <a:picLocks noChangeAspect="1"/>
           </p:cNvPicPr>
@@ -12897,13 +12851,6 @@
               </a:rPr>
               <a:t>5</a:t>
             </a:r>
-            <a:endParaRPr lang="en-US" sz="1600" dirty="0">
-              <a:solidFill>
-                <a:schemeClr val="tx1"/>
-              </a:solidFill>
-              <a:latin typeface="Arial" panose="020B0604020202020204" pitchFamily="34" charset="0"/>
-              <a:cs typeface="Arial" panose="020B0604020202020204" pitchFamily="34" charset="0"/>
-            </a:endParaRPr>
           </a:p>
         </p:txBody>
       </p:sp>
@@ -13097,13 +13044,6 @@
               </a:rPr>
               <a:t>2</a:t>
             </a:r>
-            <a:endParaRPr lang="en-US" sz="1600" dirty="0">
-              <a:solidFill>
-                <a:schemeClr val="tx1"/>
-              </a:solidFill>
-              <a:latin typeface="Arial" panose="020B0604020202020204" pitchFamily="34" charset="0"/>
-              <a:cs typeface="Arial" panose="020B0604020202020204" pitchFamily="34" charset="0"/>
-            </a:endParaRPr>
           </a:p>
         </p:txBody>
       </p:sp>
@@ -13747,7 +13687,7 @@
                 <a:latin typeface="Arial" panose="020B0604020202020204" pitchFamily="34" charset="0"/>
                 <a:cs typeface="Arial" panose="020B0604020202020204" pitchFamily="34" charset="0"/>
               </a:rPr>
-              <a:t>A)</a:t>
+              <a:t>a)</a:t>
             </a:r>
             <a:endParaRPr lang="en-US" sz="1400" b="1" dirty="0">
               <a:latin typeface="Arial" panose="020B0604020202020204" pitchFamily="34" charset="0"/>
@@ -13783,7 +13723,7 @@
                 <a:latin typeface="Arial" panose="020B0604020202020204" pitchFamily="34" charset="0"/>
                 <a:cs typeface="Arial" panose="020B0604020202020204" pitchFamily="34" charset="0"/>
               </a:rPr>
-              <a:t>B)</a:t>
+              <a:t>b)</a:t>
             </a:r>
             <a:endParaRPr lang="en-US" sz="1400" b="1" dirty="0">
               <a:latin typeface="Arial" panose="020B0604020202020204" pitchFamily="34" charset="0"/>
@@ -14340,7 +14280,7 @@
         </p:nvSpPr>
         <p:spPr>
           <a:xfrm>
-            <a:off x="4365387" y="2275742"/>
+            <a:off x="4365387" y="2302118"/>
             <a:ext cx="1222131" cy="246221"/>
           </a:xfrm>
           <a:prstGeom prst="rect">
@@ -14359,21 +14299,43 @@
                 <a:latin typeface="Arial" panose="020B0604020202020204" pitchFamily="34" charset="0"/>
                 <a:cs typeface="Arial" panose="020B0604020202020204" pitchFamily="34" charset="0"/>
               </a:rPr>
-              <a:t>(</a:t>
-            </a:r>
+              <a:t>(74%)</a:t>
+            </a:r>
+            <a:endParaRPr lang="en-US" sz="1000" dirty="0">
+              <a:latin typeface="Arial" panose="020B0604020202020204" pitchFamily="34" charset="0"/>
+              <a:cs typeface="Arial" panose="020B0604020202020204" pitchFamily="34" charset="0"/>
+            </a:endParaRPr>
+          </a:p>
+        </p:txBody>
+      </p:sp>
+      <p:sp>
+        <p:nvSpPr>
+          <p:cNvPr id="56" name="TextBox 55"/>
+          <p:cNvSpPr txBox="1"/>
+          <p:nvPr/>
+        </p:nvSpPr>
+        <p:spPr>
+          <a:xfrm>
+            <a:off x="4642354" y="2480945"/>
+            <a:ext cx="1222131" cy="246221"/>
+          </a:xfrm>
+          <a:prstGeom prst="rect">
+            <a:avLst/>
+          </a:prstGeom>
+          <a:noFill/>
+        </p:spPr>
+        <p:txBody>
+          <a:bodyPr wrap="square" rtlCol="0">
+            <a:spAutoFit/>
+          </a:bodyPr>
+          <a:lstStyle/>
+          <a:p>
             <a:r>
               <a:rPr lang="en-US" sz="1000" dirty="0" smtClean="0">
                 <a:latin typeface="Arial" panose="020B0604020202020204" pitchFamily="34" charset="0"/>
                 <a:cs typeface="Arial" panose="020B0604020202020204" pitchFamily="34" charset="0"/>
               </a:rPr>
-              <a:t>74</a:t>
-            </a:r>
-            <a:r>
-              <a:rPr lang="en-US" sz="1000" dirty="0" smtClean="0">
-                <a:latin typeface="Arial" panose="020B0604020202020204" pitchFamily="34" charset="0"/>
-                <a:cs typeface="Arial" panose="020B0604020202020204" pitchFamily="34" charset="0"/>
-              </a:rPr>
-              <a:t>%)</a:t>
+              <a:t>(22%)</a:t>
             </a:r>
             <a:endParaRPr lang="en-US" sz="1000" dirty="0">
               <a:latin typeface="Arial" panose="020B0604020202020204" pitchFamily="34" charset="0"/>
@@ -14384,63 +14346,13 @@
       </p:sp>
       <p:sp>
         <p:nvSpPr>
-          <p:cNvPr id="56" name="TextBox 55"/>
-          <p:cNvSpPr txBox="1"/>
-          <p:nvPr/>
-        </p:nvSpPr>
-        <p:spPr>
-          <a:xfrm>
-            <a:off x="4642354" y="2454569"/>
-            <a:ext cx="1222131" cy="246221"/>
-          </a:xfrm>
-          <a:prstGeom prst="rect">
-            <a:avLst/>
-          </a:prstGeom>
-          <a:noFill/>
-        </p:spPr>
-        <p:txBody>
-          <a:bodyPr wrap="square" rtlCol="0">
-            <a:spAutoFit/>
-          </a:bodyPr>
-          <a:lstStyle/>
-          <a:p>
-            <a:r>
-              <a:rPr lang="en-US" sz="1000" dirty="0" smtClean="0">
-                <a:latin typeface="Arial" panose="020B0604020202020204" pitchFamily="34" charset="0"/>
-                <a:cs typeface="Arial" panose="020B0604020202020204" pitchFamily="34" charset="0"/>
-              </a:rPr>
-              <a:t>(</a:t>
-            </a:r>
-            <a:r>
-              <a:rPr lang="en-US" sz="1000" dirty="0" smtClean="0">
-                <a:latin typeface="Arial" panose="020B0604020202020204" pitchFamily="34" charset="0"/>
-                <a:cs typeface="Arial" panose="020B0604020202020204" pitchFamily="34" charset="0"/>
-              </a:rPr>
-              <a:t>22</a:t>
-            </a:r>
-            <a:r>
-              <a:rPr lang="en-US" sz="1000" dirty="0" smtClean="0">
-                <a:latin typeface="Arial" panose="020B0604020202020204" pitchFamily="34" charset="0"/>
-                <a:cs typeface="Arial" panose="020B0604020202020204" pitchFamily="34" charset="0"/>
-              </a:rPr>
-              <a:t>%)</a:t>
-            </a:r>
-            <a:endParaRPr lang="en-US" sz="1000" dirty="0">
-              <a:latin typeface="Arial" panose="020B0604020202020204" pitchFamily="34" charset="0"/>
-              <a:cs typeface="Arial" panose="020B0604020202020204" pitchFamily="34" charset="0"/>
-            </a:endParaRPr>
-          </a:p>
-        </p:txBody>
-      </p:sp>
-      <p:sp>
-        <p:nvSpPr>
           <p:cNvPr id="57" name="TextBox 56"/>
           <p:cNvSpPr txBox="1"/>
           <p:nvPr/>
         </p:nvSpPr>
         <p:spPr>
           <a:xfrm>
-            <a:off x="4382971" y="2631910"/>
+            <a:off x="4382971" y="2658286"/>
             <a:ext cx="1222131" cy="246221"/>
           </a:xfrm>
           <a:prstGeom prst="rect">

--- a/Figures/piecing_together_figs.pptx
+++ b/Figures/piecing_together_figs.pptx
@@ -5,17 +5,18 @@
     <p:sldMasterId id="2147483648" r:id="rId1"/>
   </p:sldMasterIdLst>
   <p:notesMasterIdLst>
-    <p:notesMasterId r:id="rId10"/>
+    <p:notesMasterId r:id="rId11"/>
   </p:notesMasterIdLst>
   <p:sldIdLst>
-    <p:sldId id="256" r:id="rId2"/>
-    <p:sldId id="257" r:id="rId3"/>
-    <p:sldId id="258" r:id="rId4"/>
-    <p:sldId id="259" r:id="rId5"/>
-    <p:sldId id="260" r:id="rId6"/>
-    <p:sldId id="261" r:id="rId7"/>
-    <p:sldId id="262" r:id="rId8"/>
-    <p:sldId id="263" r:id="rId9"/>
+    <p:sldId id="264" r:id="rId2"/>
+    <p:sldId id="256" r:id="rId3"/>
+    <p:sldId id="257" r:id="rId4"/>
+    <p:sldId id="258" r:id="rId5"/>
+    <p:sldId id="259" r:id="rId6"/>
+    <p:sldId id="260" r:id="rId7"/>
+    <p:sldId id="261" r:id="rId8"/>
+    <p:sldId id="262" r:id="rId9"/>
+    <p:sldId id="263" r:id="rId10"/>
   </p:sldIdLst>
   <p:sldSz cx="12192000" cy="6858000"/>
   <p:notesSz cx="6858000" cy="9144000"/>
@@ -545,7 +546,7 @@
           <a:p>
             <a:fld id="{EFDBF8D5-4350-463B-A2B4-1E2606131506}" type="slidenum">
               <a:rPr lang="en-US" smtClean="0"/>
-              <a:t>5</a:t>
+              <a:t>6</a:t>
             </a:fld>
             <a:endParaRPr lang="en-US"/>
           </a:p>
@@ -637,7 +638,7 @@
           <a:p>
             <a:fld id="{EFDBF8D5-4350-463B-A2B4-1E2606131506}" type="slidenum">
               <a:rPr lang="en-US" smtClean="0"/>
-              <a:t>6</a:t>
+              <a:t>7</a:t>
             </a:fld>
             <a:endParaRPr lang="en-US"/>
           </a:p>
@@ -733,7 +734,7 @@
           <a:p>
             <a:fld id="{EFDBF8D5-4350-463B-A2B4-1E2606131506}" type="slidenum">
               <a:rPr lang="en-US" smtClean="0"/>
-              <a:t>7</a:t>
+              <a:t>8</a:t>
             </a:fld>
             <a:endParaRPr lang="en-US"/>
           </a:p>
@@ -829,7 +830,7 @@
           <a:p>
             <a:fld id="{EFDBF8D5-4350-463B-A2B4-1E2606131506}" type="slidenum">
               <a:rPr lang="en-US" smtClean="0"/>
-              <a:t>8</a:t>
+              <a:t>9</a:t>
             </a:fld>
             <a:endParaRPr lang="en-US"/>
           </a:p>
@@ -3707,13 +3708,19 @@
       </p:grpSpPr>
       <p:pic>
         <p:nvPicPr>
-          <p:cNvPr id="6" name="Picture 5"/>
+          <p:cNvPr id="4" name="Picture 3">
+            <a:extLst>
+              <a:ext uri="{FF2B5EF4-FFF2-40B4-BE49-F238E27FC236}">
+                <a16:creationId xmlns:a16="http://schemas.microsoft.com/office/drawing/2014/main" id="{9CF9DF68-2311-4CE1-B837-876F6ADDC24F}"/>
+              </a:ext>
+            </a:extLst>
+          </p:cNvPr>
           <p:cNvPicPr>
             <a:picLocks noChangeAspect="1"/>
           </p:cNvPicPr>
           <p:nvPr/>
         </p:nvPicPr>
-        <p:blipFill>
+        <p:blipFill rotWithShape="1">
           <a:blip r:embed="rId2" cstate="print">
             <a:extLst>
               <a:ext uri="{28A0092B-C50C-407E-A947-70E740481C1C}">
@@ -3721,14 +3728,13 @@
               </a:ext>
             </a:extLst>
           </a:blip>
-          <a:stretch>
-            <a:fillRect/>
-          </a:stretch>
+          <a:srcRect l="10816" t="12769" r="24666" b="27418"/>
+          <a:stretch/>
         </p:blipFill>
         <p:spPr>
           <a:xfrm>
-            <a:off x="2667000" y="0"/>
-            <a:ext cx="6858000" cy="6858000"/>
+            <a:off x="3856195" y="287935"/>
+            <a:ext cx="3419063" cy="4101946"/>
           </a:xfrm>
           <a:prstGeom prst="rect">
             <a:avLst/>
@@ -3737,7 +3743,13 @@
       </p:pic>
       <p:pic>
         <p:nvPicPr>
-          <p:cNvPr id="5" name="Picture 4"/>
+          <p:cNvPr id="5" name="Picture 4">
+            <a:extLst>
+              <a:ext uri="{FF2B5EF4-FFF2-40B4-BE49-F238E27FC236}">
+                <a16:creationId xmlns:a16="http://schemas.microsoft.com/office/drawing/2014/main" id="{23D3EEAC-8E72-4DD1-9797-345E2DEAE07F}"/>
+              </a:ext>
+            </a:extLst>
+          </p:cNvPr>
           <p:cNvPicPr>
             <a:picLocks noChangeAspect="1"/>
           </p:cNvPicPr>
@@ -3751,23 +3763,868 @@
               </a:ext>
             </a:extLst>
           </a:blip>
-          <a:srcRect l="2361" t="5362" r="2361" b="62609"/>
+          <a:srcRect l="10198" t="12769" r="25057" b="27418"/>
           <a:stretch/>
         </p:blipFill>
         <p:spPr>
           <a:xfrm>
-            <a:off x="6620990" y="3783251"/>
-            <a:ext cx="2593348" cy="1128208"/>
+            <a:off x="297826" y="286317"/>
+            <a:ext cx="3431033" cy="4101947"/>
           </a:xfrm>
           <a:prstGeom prst="rect">
             <a:avLst/>
           </a:prstGeom>
         </p:spPr>
       </p:pic>
+      <p:sp>
+        <p:nvSpPr>
+          <p:cNvPr id="6" name="Oval 5">
+            <a:extLst>
+              <a:ext uri="{FF2B5EF4-FFF2-40B4-BE49-F238E27FC236}">
+                <a16:creationId xmlns:a16="http://schemas.microsoft.com/office/drawing/2014/main" id="{B1B2F573-8300-4DE5-963B-82E59F452F0E}"/>
+              </a:ext>
+            </a:extLst>
+          </p:cNvPr>
+          <p:cNvSpPr/>
+          <p:nvPr/>
+        </p:nvSpPr>
+        <p:spPr>
+          <a:xfrm rot="2452908">
+            <a:off x="5957148" y="3335445"/>
+            <a:ext cx="1138039" cy="681400"/>
+          </a:xfrm>
+          <a:prstGeom prst="ellipse">
+            <a:avLst/>
+          </a:prstGeom>
+          <a:noFill/>
+          <a:ln w="28575">
+            <a:solidFill>
+              <a:schemeClr val="tx1"/>
+            </a:solidFill>
+          </a:ln>
+        </p:spPr>
+        <p:style>
+          <a:lnRef idx="2">
+            <a:schemeClr val="accent1">
+              <a:shade val="50000"/>
+            </a:schemeClr>
+          </a:lnRef>
+          <a:fillRef idx="1">
+            <a:schemeClr val="accent1"/>
+          </a:fillRef>
+          <a:effectRef idx="0">
+            <a:schemeClr val="accent1"/>
+          </a:effectRef>
+          <a:fontRef idx="minor">
+            <a:schemeClr val="lt1"/>
+          </a:fontRef>
+        </p:style>
+        <p:txBody>
+          <a:bodyPr rtlCol="0" anchor="ctr"/>
+          <a:lstStyle/>
+          <a:p>
+            <a:pPr algn="ctr"/>
+            <a:endParaRPr lang="en-US"/>
+          </a:p>
+        </p:txBody>
+      </p:sp>
+      <p:sp>
+        <p:nvSpPr>
+          <p:cNvPr id="7" name="&quot;Not Allowed&quot; Symbol 9">
+            <a:extLst>
+              <a:ext uri="{FF2B5EF4-FFF2-40B4-BE49-F238E27FC236}">
+                <a16:creationId xmlns:a16="http://schemas.microsoft.com/office/drawing/2014/main" id="{2ECC9439-F9E3-41CF-B7F3-419A061CB41B}"/>
+              </a:ext>
+            </a:extLst>
+          </p:cNvPr>
+          <p:cNvSpPr/>
+          <p:nvPr/>
+        </p:nvSpPr>
+        <p:spPr>
+          <a:xfrm>
+            <a:off x="6095584" y="4065389"/>
+            <a:ext cx="271557" cy="260635"/>
+          </a:xfrm>
+          <a:prstGeom prst="noSmoking">
+            <a:avLst/>
+          </a:prstGeom>
+          <a:solidFill>
+            <a:srgbClr val="FF0000"/>
+          </a:solidFill>
+          <a:ln>
+            <a:solidFill>
+              <a:srgbClr val="FF0000"/>
+            </a:solidFill>
+          </a:ln>
+        </p:spPr>
+        <p:style>
+          <a:lnRef idx="2">
+            <a:schemeClr val="accent1">
+              <a:shade val="50000"/>
+            </a:schemeClr>
+          </a:lnRef>
+          <a:fillRef idx="1">
+            <a:schemeClr val="accent1"/>
+          </a:fillRef>
+          <a:effectRef idx="0">
+            <a:schemeClr val="accent1"/>
+          </a:effectRef>
+          <a:fontRef idx="minor">
+            <a:schemeClr val="lt1"/>
+          </a:fontRef>
+        </p:style>
+        <p:txBody>
+          <a:bodyPr rtlCol="0" anchor="ctr"/>
+          <a:lstStyle/>
+          <a:p>
+            <a:pPr algn="ctr"/>
+            <a:endParaRPr lang="en-US">
+              <a:solidFill>
+                <a:schemeClr val="tx1"/>
+              </a:solidFill>
+            </a:endParaRPr>
+          </a:p>
+        </p:txBody>
+      </p:sp>
+      <p:sp>
+        <p:nvSpPr>
+          <p:cNvPr id="8" name="Star: 5 Points 10">
+            <a:extLst>
+              <a:ext uri="{FF2B5EF4-FFF2-40B4-BE49-F238E27FC236}">
+                <a16:creationId xmlns:a16="http://schemas.microsoft.com/office/drawing/2014/main" id="{DBB78B38-5EC4-494A-A93D-5EF860E8AA3D}"/>
+              </a:ext>
+            </a:extLst>
+          </p:cNvPr>
+          <p:cNvSpPr/>
+          <p:nvPr/>
+        </p:nvSpPr>
+        <p:spPr>
+          <a:xfrm>
+            <a:off x="2568319" y="4052137"/>
+            <a:ext cx="281688" cy="240770"/>
+          </a:xfrm>
+          <a:prstGeom prst="star5">
+            <a:avLst/>
+          </a:prstGeom>
+          <a:solidFill>
+            <a:srgbClr val="FFFF00"/>
+          </a:solidFill>
+          <a:ln>
+            <a:solidFill>
+              <a:srgbClr val="FFFF00"/>
+            </a:solidFill>
+          </a:ln>
+        </p:spPr>
+        <p:style>
+          <a:lnRef idx="2">
+            <a:schemeClr val="accent1">
+              <a:shade val="50000"/>
+            </a:schemeClr>
+          </a:lnRef>
+          <a:fillRef idx="1">
+            <a:schemeClr val="accent1"/>
+          </a:fillRef>
+          <a:effectRef idx="0">
+            <a:schemeClr val="accent1"/>
+          </a:effectRef>
+          <a:fontRef idx="minor">
+            <a:schemeClr val="lt1"/>
+          </a:fontRef>
+        </p:style>
+        <p:txBody>
+          <a:bodyPr rtlCol="0" anchor="ctr"/>
+          <a:lstStyle/>
+          <a:p>
+            <a:pPr algn="ctr"/>
+            <a:endParaRPr lang="en-US"/>
+          </a:p>
+        </p:txBody>
+      </p:sp>
+      <p:sp>
+        <p:nvSpPr>
+          <p:cNvPr id="9" name="Rectangle 8">
+            <a:extLst>
+              <a:ext uri="{FF2B5EF4-FFF2-40B4-BE49-F238E27FC236}">
+                <a16:creationId xmlns:a16="http://schemas.microsoft.com/office/drawing/2014/main" id="{788458BB-B274-4F83-8798-3A2B5BF4BC94}"/>
+              </a:ext>
+            </a:extLst>
+          </p:cNvPr>
+          <p:cNvSpPr/>
+          <p:nvPr/>
+        </p:nvSpPr>
+        <p:spPr>
+          <a:xfrm>
+            <a:off x="4336891" y="4065389"/>
+            <a:ext cx="1174075" cy="240770"/>
+          </a:xfrm>
+          <a:prstGeom prst="rect">
+            <a:avLst/>
+          </a:prstGeom>
+          <a:solidFill>
+            <a:schemeClr val="bg1"/>
+          </a:solidFill>
+          <a:ln>
+            <a:solidFill>
+              <a:schemeClr val="bg1"/>
+            </a:solidFill>
+          </a:ln>
+        </p:spPr>
+        <p:style>
+          <a:lnRef idx="2">
+            <a:schemeClr val="accent1">
+              <a:shade val="50000"/>
+            </a:schemeClr>
+          </a:lnRef>
+          <a:fillRef idx="1">
+            <a:schemeClr val="accent1"/>
+          </a:fillRef>
+          <a:effectRef idx="0">
+            <a:schemeClr val="accent1"/>
+          </a:effectRef>
+          <a:fontRef idx="minor">
+            <a:schemeClr val="lt1"/>
+          </a:fontRef>
+        </p:style>
+        <p:txBody>
+          <a:bodyPr rtlCol="0" anchor="ctr"/>
+          <a:lstStyle/>
+          <a:p>
+            <a:pPr algn="ctr"/>
+            <a:endParaRPr lang="en-US"/>
+          </a:p>
+        </p:txBody>
+      </p:sp>
+      <p:sp>
+        <p:nvSpPr>
+          <p:cNvPr id="10" name="Rectangle 9">
+            <a:extLst>
+              <a:ext uri="{FF2B5EF4-FFF2-40B4-BE49-F238E27FC236}">
+                <a16:creationId xmlns:a16="http://schemas.microsoft.com/office/drawing/2014/main" id="{55EFCA02-269B-454F-AA00-F1605489BBE5}"/>
+              </a:ext>
+            </a:extLst>
+          </p:cNvPr>
+          <p:cNvSpPr/>
+          <p:nvPr/>
+        </p:nvSpPr>
+        <p:spPr>
+          <a:xfrm rot="5400000">
+            <a:off x="3788251" y="3965773"/>
+            <a:ext cx="427390" cy="224651"/>
+          </a:xfrm>
+          <a:prstGeom prst="rect">
+            <a:avLst/>
+          </a:prstGeom>
+          <a:solidFill>
+            <a:schemeClr val="bg1"/>
+          </a:solidFill>
+          <a:ln>
+            <a:solidFill>
+              <a:schemeClr val="bg1"/>
+            </a:solidFill>
+          </a:ln>
+        </p:spPr>
+        <p:style>
+          <a:lnRef idx="2">
+            <a:schemeClr val="accent1">
+              <a:shade val="50000"/>
+            </a:schemeClr>
+          </a:lnRef>
+          <a:fillRef idx="1">
+            <a:schemeClr val="accent1"/>
+          </a:fillRef>
+          <a:effectRef idx="0">
+            <a:schemeClr val="accent1"/>
+          </a:effectRef>
+          <a:fontRef idx="minor">
+            <a:schemeClr val="lt1"/>
+          </a:fontRef>
+        </p:style>
+        <p:txBody>
+          <a:bodyPr rtlCol="0" anchor="ctr"/>
+          <a:lstStyle/>
+          <a:p>
+            <a:pPr algn="ctr"/>
+            <a:endParaRPr lang="en-US"/>
+          </a:p>
+        </p:txBody>
+      </p:sp>
+      <p:sp>
+        <p:nvSpPr>
+          <p:cNvPr id="11" name="TextBox 10">
+            <a:extLst>
+              <a:ext uri="{FF2B5EF4-FFF2-40B4-BE49-F238E27FC236}">
+                <a16:creationId xmlns:a16="http://schemas.microsoft.com/office/drawing/2014/main" id="{4461664C-B994-4B81-BAA3-E4F0291F6B89}"/>
+              </a:ext>
+            </a:extLst>
+          </p:cNvPr>
+          <p:cNvSpPr txBox="1"/>
+          <p:nvPr/>
+        </p:nvSpPr>
+        <p:spPr>
+          <a:xfrm>
+            <a:off x="355417" y="286317"/>
+            <a:ext cx="638782" cy="369332"/>
+          </a:xfrm>
+          <a:prstGeom prst="rect">
+            <a:avLst/>
+          </a:prstGeom>
+          <a:noFill/>
+        </p:spPr>
+        <p:txBody>
+          <a:bodyPr wrap="square" rtlCol="0">
+            <a:spAutoFit/>
+          </a:bodyPr>
+          <a:lstStyle/>
+          <a:p>
+            <a:r>
+              <a:rPr lang="en-US" b="1" dirty="0">
+                <a:latin typeface="Arial" panose="020B0604020202020204" pitchFamily="34" charset="0"/>
+                <a:cs typeface="Arial" panose="020B0604020202020204" pitchFamily="34" charset="0"/>
+              </a:rPr>
+              <a:t>a)</a:t>
+            </a:r>
+          </a:p>
+        </p:txBody>
+      </p:sp>
+      <p:sp>
+        <p:nvSpPr>
+          <p:cNvPr id="12" name="TextBox 11">
+            <a:extLst>
+              <a:ext uri="{FF2B5EF4-FFF2-40B4-BE49-F238E27FC236}">
+                <a16:creationId xmlns:a16="http://schemas.microsoft.com/office/drawing/2014/main" id="{D47D9FD1-72F8-4402-80F5-B7D09ADB6A25}"/>
+              </a:ext>
+            </a:extLst>
+          </p:cNvPr>
+          <p:cNvSpPr txBox="1"/>
+          <p:nvPr/>
+        </p:nvSpPr>
+        <p:spPr>
+          <a:xfrm>
+            <a:off x="3878598" y="286317"/>
+            <a:ext cx="638782" cy="369332"/>
+          </a:xfrm>
+          <a:prstGeom prst="rect">
+            <a:avLst/>
+          </a:prstGeom>
+          <a:noFill/>
+        </p:spPr>
+        <p:txBody>
+          <a:bodyPr wrap="square" rtlCol="0">
+            <a:spAutoFit/>
+          </a:bodyPr>
+          <a:lstStyle/>
+          <a:p>
+            <a:r>
+              <a:rPr lang="en-US" b="1" dirty="0">
+                <a:latin typeface="Arial" panose="020B0604020202020204" pitchFamily="34" charset="0"/>
+                <a:cs typeface="Arial" panose="020B0604020202020204" pitchFamily="34" charset="0"/>
+              </a:rPr>
+              <a:t>b)</a:t>
+            </a:r>
+          </a:p>
+        </p:txBody>
+      </p:sp>
+      <p:sp>
+        <p:nvSpPr>
+          <p:cNvPr id="13" name="Rectangle 12">
+            <a:extLst>
+              <a:ext uri="{FF2B5EF4-FFF2-40B4-BE49-F238E27FC236}">
+                <a16:creationId xmlns:a16="http://schemas.microsoft.com/office/drawing/2014/main" id="{3B311330-CCEF-4B9F-8A36-FCF844C75058}"/>
+              </a:ext>
+            </a:extLst>
+          </p:cNvPr>
+          <p:cNvSpPr/>
+          <p:nvPr/>
+        </p:nvSpPr>
+        <p:spPr>
+          <a:xfrm>
+            <a:off x="7331701" y="325209"/>
+            <a:ext cx="225287" cy="225287"/>
+          </a:xfrm>
+          <a:prstGeom prst="rect">
+            <a:avLst/>
+          </a:prstGeom>
+          <a:solidFill>
+            <a:schemeClr val="accent1">
+              <a:lumMod val="75000"/>
+            </a:schemeClr>
+          </a:solidFill>
+        </p:spPr>
+        <p:style>
+          <a:lnRef idx="2">
+            <a:schemeClr val="accent1">
+              <a:shade val="50000"/>
+            </a:schemeClr>
+          </a:lnRef>
+          <a:fillRef idx="1">
+            <a:schemeClr val="accent1"/>
+          </a:fillRef>
+          <a:effectRef idx="0">
+            <a:schemeClr val="accent1"/>
+          </a:effectRef>
+          <a:fontRef idx="minor">
+            <a:schemeClr val="lt1"/>
+          </a:fontRef>
+        </p:style>
+        <p:txBody>
+          <a:bodyPr rtlCol="0" anchor="ctr"/>
+          <a:lstStyle/>
+          <a:p>
+            <a:pPr algn="ctr"/>
+            <a:endParaRPr lang="en-US"/>
+          </a:p>
+        </p:txBody>
+      </p:sp>
+      <p:sp>
+        <p:nvSpPr>
+          <p:cNvPr id="14" name="Rectangle 13">
+            <a:extLst>
+              <a:ext uri="{FF2B5EF4-FFF2-40B4-BE49-F238E27FC236}">
+                <a16:creationId xmlns:a16="http://schemas.microsoft.com/office/drawing/2014/main" id="{A1455F2D-1745-4087-95CE-9208BD5D6503}"/>
+              </a:ext>
+            </a:extLst>
+          </p:cNvPr>
+          <p:cNvSpPr/>
+          <p:nvPr/>
+        </p:nvSpPr>
+        <p:spPr>
+          <a:xfrm>
+            <a:off x="7340985" y="655649"/>
+            <a:ext cx="225287" cy="225287"/>
+          </a:xfrm>
+          <a:prstGeom prst="rect">
+            <a:avLst/>
+          </a:prstGeom>
+          <a:solidFill>
+            <a:schemeClr val="bg1">
+              <a:lumMod val="50000"/>
+            </a:schemeClr>
+          </a:solidFill>
+          <a:ln>
+            <a:solidFill>
+              <a:schemeClr val="bg1">
+                <a:lumMod val="50000"/>
+              </a:schemeClr>
+            </a:solidFill>
+          </a:ln>
+        </p:spPr>
+        <p:style>
+          <a:lnRef idx="2">
+            <a:schemeClr val="accent1">
+              <a:shade val="50000"/>
+            </a:schemeClr>
+          </a:lnRef>
+          <a:fillRef idx="1">
+            <a:schemeClr val="accent1"/>
+          </a:fillRef>
+          <a:effectRef idx="0">
+            <a:schemeClr val="accent1"/>
+          </a:effectRef>
+          <a:fontRef idx="minor">
+            <a:schemeClr val="lt1"/>
+          </a:fontRef>
+        </p:style>
+        <p:txBody>
+          <a:bodyPr rtlCol="0" anchor="ctr"/>
+          <a:lstStyle/>
+          <a:p>
+            <a:pPr algn="ctr"/>
+            <a:endParaRPr lang="en-US"/>
+          </a:p>
+        </p:txBody>
+      </p:sp>
+      <p:sp>
+        <p:nvSpPr>
+          <p:cNvPr id="15" name="Rectangle 14">
+            <a:extLst>
+              <a:ext uri="{FF2B5EF4-FFF2-40B4-BE49-F238E27FC236}">
+                <a16:creationId xmlns:a16="http://schemas.microsoft.com/office/drawing/2014/main" id="{6E93C271-781B-4A3B-A7A2-3B47CB217976}"/>
+              </a:ext>
+            </a:extLst>
+          </p:cNvPr>
+          <p:cNvSpPr/>
+          <p:nvPr/>
+        </p:nvSpPr>
+        <p:spPr>
+          <a:xfrm>
+            <a:off x="7338441" y="978996"/>
+            <a:ext cx="225287" cy="225287"/>
+          </a:xfrm>
+          <a:prstGeom prst="rect">
+            <a:avLst/>
+          </a:prstGeom>
+          <a:solidFill>
+            <a:srgbClr val="FFC000"/>
+          </a:solidFill>
+          <a:ln>
+            <a:solidFill>
+              <a:srgbClr val="FFC000"/>
+            </a:solidFill>
+          </a:ln>
+        </p:spPr>
+        <p:style>
+          <a:lnRef idx="2">
+            <a:schemeClr val="accent1">
+              <a:shade val="50000"/>
+            </a:schemeClr>
+          </a:lnRef>
+          <a:fillRef idx="1">
+            <a:schemeClr val="accent1"/>
+          </a:fillRef>
+          <a:effectRef idx="0">
+            <a:schemeClr val="accent1"/>
+          </a:effectRef>
+          <a:fontRef idx="minor">
+            <a:schemeClr val="lt1"/>
+          </a:fontRef>
+        </p:style>
+        <p:txBody>
+          <a:bodyPr rtlCol="0" anchor="ctr"/>
+          <a:lstStyle/>
+          <a:p>
+            <a:pPr algn="ctr"/>
+            <a:endParaRPr lang="en-US"/>
+          </a:p>
+        </p:txBody>
+      </p:sp>
+      <p:sp>
+        <p:nvSpPr>
+          <p:cNvPr id="16" name="Rectangle 15">
+            <a:extLst>
+              <a:ext uri="{FF2B5EF4-FFF2-40B4-BE49-F238E27FC236}">
+                <a16:creationId xmlns:a16="http://schemas.microsoft.com/office/drawing/2014/main" id="{5FDD3BF8-43D6-4753-BA70-2D38C374D814}"/>
+              </a:ext>
+            </a:extLst>
+          </p:cNvPr>
+          <p:cNvSpPr/>
+          <p:nvPr/>
+        </p:nvSpPr>
+        <p:spPr>
+          <a:xfrm>
+            <a:off x="7347728" y="1309436"/>
+            <a:ext cx="225287" cy="225287"/>
+          </a:xfrm>
+          <a:prstGeom prst="rect">
+            <a:avLst/>
+          </a:prstGeom>
+          <a:solidFill>
+            <a:srgbClr val="759D1B"/>
+          </a:solidFill>
+          <a:ln>
+            <a:solidFill>
+              <a:srgbClr val="759D1B"/>
+            </a:solidFill>
+          </a:ln>
+        </p:spPr>
+        <p:style>
+          <a:lnRef idx="2">
+            <a:schemeClr val="accent1">
+              <a:shade val="50000"/>
+            </a:schemeClr>
+          </a:lnRef>
+          <a:fillRef idx="1">
+            <a:schemeClr val="accent1"/>
+          </a:fillRef>
+          <a:effectRef idx="0">
+            <a:schemeClr val="accent1"/>
+          </a:effectRef>
+          <a:fontRef idx="minor">
+            <a:schemeClr val="lt1"/>
+          </a:fontRef>
+        </p:style>
+        <p:txBody>
+          <a:bodyPr rtlCol="0" anchor="ctr"/>
+          <a:lstStyle/>
+          <a:p>
+            <a:pPr algn="ctr"/>
+            <a:endParaRPr lang="en-US"/>
+          </a:p>
+        </p:txBody>
+      </p:sp>
+      <p:sp>
+        <p:nvSpPr>
+          <p:cNvPr id="17" name="TextBox 16">
+            <a:extLst>
+              <a:ext uri="{FF2B5EF4-FFF2-40B4-BE49-F238E27FC236}">
+                <a16:creationId xmlns:a16="http://schemas.microsoft.com/office/drawing/2014/main" id="{C5D39DDC-D99B-4EFF-A16A-46B6A87635F9}"/>
+              </a:ext>
+            </a:extLst>
+          </p:cNvPr>
+          <p:cNvSpPr txBox="1"/>
+          <p:nvPr/>
+        </p:nvSpPr>
+        <p:spPr>
+          <a:xfrm>
+            <a:off x="7612543" y="325209"/>
+            <a:ext cx="1355687" cy="276999"/>
+          </a:xfrm>
+          <a:prstGeom prst="rect">
+            <a:avLst/>
+          </a:prstGeom>
+          <a:noFill/>
+        </p:spPr>
+        <p:txBody>
+          <a:bodyPr wrap="square" rtlCol="0">
+            <a:spAutoFit/>
+          </a:bodyPr>
+          <a:lstStyle/>
+          <a:p>
+            <a:r>
+              <a:rPr lang="en-US" sz="1200" dirty="0">
+                <a:latin typeface="Arial" panose="020B0604020202020204" pitchFamily="34" charset="0"/>
+                <a:cs typeface="Arial" panose="020B0604020202020204" pitchFamily="34" charset="0"/>
+              </a:rPr>
+              <a:t>Original network</a:t>
+            </a:r>
+          </a:p>
+        </p:txBody>
+      </p:sp>
+      <p:sp>
+        <p:nvSpPr>
+          <p:cNvPr id="18" name="TextBox 17">
+            <a:extLst>
+              <a:ext uri="{FF2B5EF4-FFF2-40B4-BE49-F238E27FC236}">
+                <a16:creationId xmlns:a16="http://schemas.microsoft.com/office/drawing/2014/main" id="{1B5C9C29-D228-4519-988B-3C38D5B21274}"/>
+              </a:ext>
+            </a:extLst>
+          </p:cNvPr>
+          <p:cNvSpPr txBox="1"/>
+          <p:nvPr/>
+        </p:nvSpPr>
+        <p:spPr>
+          <a:xfrm>
+            <a:off x="7612543" y="634907"/>
+            <a:ext cx="1355687" cy="276999"/>
+          </a:xfrm>
+          <a:prstGeom prst="rect">
+            <a:avLst/>
+          </a:prstGeom>
+          <a:noFill/>
+        </p:spPr>
+        <p:txBody>
+          <a:bodyPr wrap="square" rtlCol="0">
+            <a:spAutoFit/>
+          </a:bodyPr>
+          <a:lstStyle/>
+          <a:p>
+            <a:r>
+              <a:rPr lang="en-US" sz="1200" dirty="0">
+                <a:latin typeface="Arial" panose="020B0604020202020204" pitchFamily="34" charset="0"/>
+                <a:cs typeface="Arial" panose="020B0604020202020204" pitchFamily="34" charset="0"/>
+              </a:rPr>
+              <a:t>Isolated lake</a:t>
+            </a:r>
+          </a:p>
+        </p:txBody>
+      </p:sp>
+      <p:sp>
+        <p:nvSpPr>
+          <p:cNvPr id="19" name="TextBox 18">
+            <a:extLst>
+              <a:ext uri="{FF2B5EF4-FFF2-40B4-BE49-F238E27FC236}">
+                <a16:creationId xmlns:a16="http://schemas.microsoft.com/office/drawing/2014/main" id="{CA0E6F2E-462E-4C70-81BE-5C83DF9E751A}"/>
+              </a:ext>
+            </a:extLst>
+          </p:cNvPr>
+          <p:cNvSpPr txBox="1"/>
+          <p:nvPr/>
+        </p:nvSpPr>
+        <p:spPr>
+          <a:xfrm>
+            <a:off x="7612541" y="953139"/>
+            <a:ext cx="1646776" cy="276999"/>
+          </a:xfrm>
+          <a:prstGeom prst="rect">
+            <a:avLst/>
+          </a:prstGeom>
+          <a:noFill/>
+        </p:spPr>
+        <p:txBody>
+          <a:bodyPr wrap="square" rtlCol="0">
+            <a:spAutoFit/>
+          </a:bodyPr>
+          <a:lstStyle/>
+          <a:p>
+            <a:r>
+              <a:rPr lang="en-US" sz="1200" dirty="0">
+                <a:latin typeface="Arial" panose="020B0604020202020204" pitchFamily="34" charset="0"/>
+                <a:cs typeface="Arial" panose="020B0604020202020204" pitchFamily="34" charset="0"/>
+              </a:rPr>
+              <a:t>Network fragment #1</a:t>
+            </a:r>
+          </a:p>
+        </p:txBody>
+      </p:sp>
+      <p:sp>
+        <p:nvSpPr>
+          <p:cNvPr id="20" name="TextBox 19">
+            <a:extLst>
+              <a:ext uri="{FF2B5EF4-FFF2-40B4-BE49-F238E27FC236}">
+                <a16:creationId xmlns:a16="http://schemas.microsoft.com/office/drawing/2014/main" id="{A0BE6E22-AE64-4C51-B36D-D2FD4F4F12C5}"/>
+              </a:ext>
+            </a:extLst>
+          </p:cNvPr>
+          <p:cNvSpPr txBox="1"/>
+          <p:nvPr/>
+        </p:nvSpPr>
+        <p:spPr>
+          <a:xfrm>
+            <a:off x="7612542" y="1280914"/>
+            <a:ext cx="1607248" cy="276999"/>
+          </a:xfrm>
+          <a:prstGeom prst="rect">
+            <a:avLst/>
+          </a:prstGeom>
+          <a:noFill/>
+        </p:spPr>
+        <p:txBody>
+          <a:bodyPr wrap="square" rtlCol="0">
+            <a:spAutoFit/>
+          </a:bodyPr>
+          <a:lstStyle/>
+          <a:p>
+            <a:r>
+              <a:rPr lang="en-US" sz="1200" dirty="0">
+                <a:latin typeface="Arial" panose="020B0604020202020204" pitchFamily="34" charset="0"/>
+                <a:cs typeface="Arial" panose="020B0604020202020204" pitchFamily="34" charset="0"/>
+              </a:rPr>
+              <a:t>Network fragment #2</a:t>
+            </a:r>
+          </a:p>
+        </p:txBody>
+      </p:sp>
+      <p:sp>
+        <p:nvSpPr>
+          <p:cNvPr id="21" name="TextBox 20">
+            <a:extLst>
+              <a:ext uri="{FF2B5EF4-FFF2-40B4-BE49-F238E27FC236}">
+                <a16:creationId xmlns:a16="http://schemas.microsoft.com/office/drawing/2014/main" id="{52C23746-4916-4619-873D-070452C59242}"/>
+              </a:ext>
+            </a:extLst>
+          </p:cNvPr>
+          <p:cNvSpPr txBox="1"/>
+          <p:nvPr/>
+        </p:nvSpPr>
+        <p:spPr>
+          <a:xfrm>
+            <a:off x="1686201" y="3818875"/>
+            <a:ext cx="1610135" cy="307777"/>
+          </a:xfrm>
+          <a:prstGeom prst="rect">
+            <a:avLst/>
+          </a:prstGeom>
+          <a:noFill/>
+        </p:spPr>
+        <p:txBody>
+          <a:bodyPr wrap="square" rtlCol="0">
+            <a:spAutoFit/>
+          </a:bodyPr>
+          <a:lstStyle/>
+          <a:p>
+            <a:r>
+              <a:rPr lang="en-US" sz="1400" b="1" dirty="0">
+                <a:latin typeface="Arial" panose="020B0604020202020204" pitchFamily="34" charset="0"/>
+                <a:cs typeface="Arial" panose="020B0604020202020204" pitchFamily="34" charset="0"/>
+              </a:rPr>
+              <a:t>Hub lake</a:t>
+            </a:r>
+          </a:p>
+        </p:txBody>
+      </p:sp>
+      <p:sp>
+        <p:nvSpPr>
+          <p:cNvPr id="22" name="TextBox 21">
+            <a:extLst>
+              <a:ext uri="{FF2B5EF4-FFF2-40B4-BE49-F238E27FC236}">
+                <a16:creationId xmlns:a16="http://schemas.microsoft.com/office/drawing/2014/main" id="{97CC72DF-E023-4E1C-B17B-536661C7BBCD}"/>
+              </a:ext>
+            </a:extLst>
+          </p:cNvPr>
+          <p:cNvSpPr txBox="1"/>
+          <p:nvPr/>
+        </p:nvSpPr>
+        <p:spPr>
+          <a:xfrm>
+            <a:off x="4687431" y="3865042"/>
+            <a:ext cx="1610134" cy="523220"/>
+          </a:xfrm>
+          <a:prstGeom prst="rect">
+            <a:avLst/>
+          </a:prstGeom>
+          <a:noFill/>
+        </p:spPr>
+        <p:txBody>
+          <a:bodyPr wrap="square" rtlCol="0">
+            <a:spAutoFit/>
+          </a:bodyPr>
+          <a:lstStyle/>
+          <a:p>
+            <a:r>
+              <a:rPr lang="en-US" sz="1400" b="1" dirty="0">
+                <a:latin typeface="Arial" panose="020B0604020202020204" pitchFamily="34" charset="0"/>
+                <a:cs typeface="Arial" panose="020B0604020202020204" pitchFamily="34" charset="0"/>
+              </a:rPr>
+              <a:t>Compromised hub lake</a:t>
+            </a:r>
+          </a:p>
+        </p:txBody>
+      </p:sp>
+      <p:sp>
+        <p:nvSpPr>
+          <p:cNvPr id="23" name="Oval 22">
+            <a:extLst>
+              <a:ext uri="{FF2B5EF4-FFF2-40B4-BE49-F238E27FC236}">
+                <a16:creationId xmlns:a16="http://schemas.microsoft.com/office/drawing/2014/main" id="{AD05C9A7-19BB-4D57-8216-B6E42ED7E1C7}"/>
+              </a:ext>
+            </a:extLst>
+          </p:cNvPr>
+          <p:cNvSpPr/>
+          <p:nvPr/>
+        </p:nvSpPr>
+        <p:spPr>
+          <a:xfrm rot="2452908">
+            <a:off x="4535277" y="-25315"/>
+            <a:ext cx="2002343" cy="3809550"/>
+          </a:xfrm>
+          <a:prstGeom prst="ellipse">
+            <a:avLst/>
+          </a:prstGeom>
+          <a:noFill/>
+          <a:ln w="28575">
+            <a:solidFill>
+              <a:schemeClr val="tx1"/>
+            </a:solidFill>
+          </a:ln>
+        </p:spPr>
+        <p:style>
+          <a:lnRef idx="2">
+            <a:schemeClr val="accent1">
+              <a:shade val="50000"/>
+            </a:schemeClr>
+          </a:lnRef>
+          <a:fillRef idx="1">
+            <a:schemeClr val="accent1"/>
+          </a:fillRef>
+          <a:effectRef idx="0">
+            <a:schemeClr val="accent1"/>
+          </a:effectRef>
+          <a:fontRef idx="minor">
+            <a:schemeClr val="lt1"/>
+          </a:fontRef>
+        </p:style>
+        <p:txBody>
+          <a:bodyPr rtlCol="0" anchor="ctr"/>
+          <a:lstStyle/>
+          <a:p>
+            <a:pPr algn="ctr"/>
+            <a:endParaRPr lang="en-US"/>
+          </a:p>
+        </p:txBody>
+      </p:sp>
     </p:spTree>
     <p:extLst>
       <p:ext uri="{BB962C8B-B14F-4D97-AF65-F5344CB8AC3E}">
-        <p14:creationId xmlns:p14="http://schemas.microsoft.com/office/powerpoint/2010/main" val="2833738679"/>
+        <p14:creationId xmlns:p14="http://schemas.microsoft.com/office/powerpoint/2010/main" val="3460147940"/>
       </p:ext>
     </p:extLst>
   </p:cSld>
@@ -3816,95 +4673,23 @@
         </p:blipFill>
         <p:spPr>
           <a:xfrm>
-            <a:off x="3446318" y="0"/>
-            <a:ext cx="5299364" cy="6858000"/>
+            <a:off x="2667000" y="0"/>
+            <a:ext cx="6858000" cy="6858000"/>
           </a:xfrm>
           <a:prstGeom prst="rect">
             <a:avLst/>
           </a:prstGeom>
         </p:spPr>
       </p:pic>
-      <p:sp>
-        <p:nvSpPr>
-          <p:cNvPr id="8" name="TextBox 7"/>
-          <p:cNvSpPr txBox="1"/>
-          <p:nvPr/>
-        </p:nvSpPr>
-        <p:spPr>
-          <a:xfrm>
-            <a:off x="3569676" y="114300"/>
-            <a:ext cx="395654" cy="307777"/>
-          </a:xfrm>
-          <a:prstGeom prst="rect">
-            <a:avLst/>
-          </a:prstGeom>
-          <a:noFill/>
-        </p:spPr>
-        <p:txBody>
-          <a:bodyPr wrap="square" rtlCol="0">
-            <a:spAutoFit/>
-          </a:bodyPr>
-          <a:lstStyle/>
-          <a:p>
-            <a:r>
-              <a:rPr lang="en-US" sz="1400" b="1" dirty="0" smtClean="0">
-                <a:latin typeface="Arial" panose="020B0604020202020204" pitchFamily="34" charset="0"/>
-                <a:cs typeface="Arial" panose="020B0604020202020204" pitchFamily="34" charset="0"/>
-              </a:rPr>
-              <a:t>A)</a:t>
-            </a:r>
-            <a:endParaRPr lang="en-US" sz="1400" b="1" dirty="0">
-              <a:latin typeface="Arial" panose="020B0604020202020204" pitchFamily="34" charset="0"/>
-              <a:cs typeface="Arial" panose="020B0604020202020204" pitchFamily="34" charset="0"/>
-            </a:endParaRPr>
-          </a:p>
-        </p:txBody>
-      </p:sp>
-      <p:sp>
-        <p:nvSpPr>
-          <p:cNvPr id="9" name="TextBox 8"/>
-          <p:cNvSpPr txBox="1"/>
-          <p:nvPr/>
-        </p:nvSpPr>
-        <p:spPr>
-          <a:xfrm>
-            <a:off x="3569676" y="3134458"/>
-            <a:ext cx="395654" cy="307777"/>
-          </a:xfrm>
-          <a:prstGeom prst="rect">
-            <a:avLst/>
-          </a:prstGeom>
-          <a:noFill/>
-        </p:spPr>
-        <p:txBody>
-          <a:bodyPr wrap="square" rtlCol="0">
-            <a:spAutoFit/>
-          </a:bodyPr>
-          <a:lstStyle/>
-          <a:p>
-            <a:r>
-              <a:rPr lang="en-US" sz="1400" b="1" dirty="0" smtClean="0">
-                <a:latin typeface="Arial" panose="020B0604020202020204" pitchFamily="34" charset="0"/>
-                <a:cs typeface="Arial" panose="020B0604020202020204" pitchFamily="34" charset="0"/>
-              </a:rPr>
-              <a:t>B)</a:t>
-            </a:r>
-            <a:endParaRPr lang="en-US" sz="1400" b="1" dirty="0">
-              <a:latin typeface="Arial" panose="020B0604020202020204" pitchFamily="34" charset="0"/>
-              <a:cs typeface="Arial" panose="020B0604020202020204" pitchFamily="34" charset="0"/>
-            </a:endParaRPr>
-          </a:p>
-        </p:txBody>
-      </p:sp>
       <p:pic>
         <p:nvPicPr>
-          <p:cNvPr id="10" name="Picture 9"/>
+          <p:cNvPr id="5" name="Picture 4"/>
           <p:cNvPicPr>
             <a:picLocks noChangeAspect="1"/>
           </p:cNvPicPr>
           <p:nvPr/>
         </p:nvPicPr>
-        <p:blipFill>
+        <p:blipFill rotWithShape="1">
           <a:blip r:embed="rId3" cstate="print">
             <a:extLst>
               <a:ext uri="{28A0092B-C50C-407E-A947-70E740481C1C}">
@@ -3912,29 +4697,23 @@
               </a:ext>
             </a:extLst>
           </a:blip>
-          <a:stretch>
-            <a:fillRect/>
-          </a:stretch>
+          <a:srcRect l="2361" t="5362" r="2361" b="62609"/>
+          <a:stretch/>
         </p:blipFill>
         <p:spPr>
           <a:xfrm>
-            <a:off x="5138955" y="3231171"/>
-            <a:ext cx="1901778" cy="1358413"/>
+            <a:off x="6620990" y="3783251"/>
+            <a:ext cx="2593348" cy="1128208"/>
           </a:xfrm>
           <a:prstGeom prst="rect">
             <a:avLst/>
           </a:prstGeom>
-          <a:ln>
-            <a:solidFill>
-              <a:schemeClr val="tx1"/>
-            </a:solidFill>
-          </a:ln>
         </p:spPr>
       </p:pic>
     </p:spTree>
     <p:extLst>
       <p:ext uri="{BB962C8B-B14F-4D97-AF65-F5344CB8AC3E}">
-        <p14:creationId xmlns:p14="http://schemas.microsoft.com/office/powerpoint/2010/main" val="3434677239"/>
+        <p14:creationId xmlns:p14="http://schemas.microsoft.com/office/powerpoint/2010/main" val="2833738679"/>
       </p:ext>
     </p:extLst>
   </p:cSld>
@@ -3963,7 +4742,7 @@
       </p:grpSpPr>
       <p:pic>
         <p:nvPicPr>
-          <p:cNvPr id="4" name="Picture 3"/>
+          <p:cNvPr id="6" name="Picture 5"/>
           <p:cNvPicPr>
             <a:picLocks noChangeAspect="1"/>
           </p:cNvPicPr>
@@ -3991,9 +4770,81 @@
           </a:prstGeom>
         </p:spPr>
       </p:pic>
+      <p:sp>
+        <p:nvSpPr>
+          <p:cNvPr id="8" name="TextBox 7"/>
+          <p:cNvSpPr txBox="1"/>
+          <p:nvPr/>
+        </p:nvSpPr>
+        <p:spPr>
+          <a:xfrm>
+            <a:off x="3569676" y="114300"/>
+            <a:ext cx="395654" cy="307777"/>
+          </a:xfrm>
+          <a:prstGeom prst="rect">
+            <a:avLst/>
+          </a:prstGeom>
+          <a:noFill/>
+        </p:spPr>
+        <p:txBody>
+          <a:bodyPr wrap="square" rtlCol="0">
+            <a:spAutoFit/>
+          </a:bodyPr>
+          <a:lstStyle/>
+          <a:p>
+            <a:r>
+              <a:rPr lang="en-US" sz="1400" b="1" dirty="0" smtClean="0">
+                <a:latin typeface="Arial" panose="020B0604020202020204" pitchFamily="34" charset="0"/>
+                <a:cs typeface="Arial" panose="020B0604020202020204" pitchFamily="34" charset="0"/>
+              </a:rPr>
+              <a:t>A)</a:t>
+            </a:r>
+            <a:endParaRPr lang="en-US" sz="1400" b="1" dirty="0">
+              <a:latin typeface="Arial" panose="020B0604020202020204" pitchFamily="34" charset="0"/>
+              <a:cs typeface="Arial" panose="020B0604020202020204" pitchFamily="34" charset="0"/>
+            </a:endParaRPr>
+          </a:p>
+        </p:txBody>
+      </p:sp>
+      <p:sp>
+        <p:nvSpPr>
+          <p:cNvPr id="9" name="TextBox 8"/>
+          <p:cNvSpPr txBox="1"/>
+          <p:nvPr/>
+        </p:nvSpPr>
+        <p:spPr>
+          <a:xfrm>
+            <a:off x="3569676" y="3134458"/>
+            <a:ext cx="395654" cy="307777"/>
+          </a:xfrm>
+          <a:prstGeom prst="rect">
+            <a:avLst/>
+          </a:prstGeom>
+          <a:noFill/>
+        </p:spPr>
+        <p:txBody>
+          <a:bodyPr wrap="square" rtlCol="0">
+            <a:spAutoFit/>
+          </a:bodyPr>
+          <a:lstStyle/>
+          <a:p>
+            <a:r>
+              <a:rPr lang="en-US" sz="1400" b="1" dirty="0" smtClean="0">
+                <a:latin typeface="Arial" panose="020B0604020202020204" pitchFamily="34" charset="0"/>
+                <a:cs typeface="Arial" panose="020B0604020202020204" pitchFamily="34" charset="0"/>
+              </a:rPr>
+              <a:t>B)</a:t>
+            </a:r>
+            <a:endParaRPr lang="en-US" sz="1400" b="1" dirty="0">
+              <a:latin typeface="Arial" panose="020B0604020202020204" pitchFamily="34" charset="0"/>
+              <a:cs typeface="Arial" panose="020B0604020202020204" pitchFamily="34" charset="0"/>
+            </a:endParaRPr>
+          </a:p>
+        </p:txBody>
+      </p:sp>
       <p:pic>
         <p:nvPicPr>
-          <p:cNvPr id="5" name="Picture 4"/>
+          <p:cNvPr id="10" name="Picture 9"/>
           <p:cNvPicPr>
             <a:picLocks noChangeAspect="1"/>
           </p:cNvPicPr>
@@ -4026,82 +4877,10 @@
           </a:ln>
         </p:spPr>
       </p:pic>
-      <p:sp>
-        <p:nvSpPr>
-          <p:cNvPr id="6" name="TextBox 5"/>
-          <p:cNvSpPr txBox="1"/>
-          <p:nvPr/>
-        </p:nvSpPr>
-        <p:spPr>
-          <a:xfrm>
-            <a:off x="3569676" y="114300"/>
-            <a:ext cx="395654" cy="307777"/>
-          </a:xfrm>
-          <a:prstGeom prst="rect">
-            <a:avLst/>
-          </a:prstGeom>
-          <a:noFill/>
-        </p:spPr>
-        <p:txBody>
-          <a:bodyPr wrap="square" rtlCol="0">
-            <a:spAutoFit/>
-          </a:bodyPr>
-          <a:lstStyle/>
-          <a:p>
-            <a:r>
-              <a:rPr lang="en-US" sz="1400" b="1" dirty="0" smtClean="0">
-                <a:latin typeface="Arial" panose="020B0604020202020204" pitchFamily="34" charset="0"/>
-                <a:cs typeface="Arial" panose="020B0604020202020204" pitchFamily="34" charset="0"/>
-              </a:rPr>
-              <a:t>A)</a:t>
-            </a:r>
-            <a:endParaRPr lang="en-US" sz="1400" b="1" dirty="0">
-              <a:latin typeface="Arial" panose="020B0604020202020204" pitchFamily="34" charset="0"/>
-              <a:cs typeface="Arial" panose="020B0604020202020204" pitchFamily="34" charset="0"/>
-            </a:endParaRPr>
-          </a:p>
-        </p:txBody>
-      </p:sp>
-      <p:sp>
-        <p:nvSpPr>
-          <p:cNvPr id="7" name="TextBox 6"/>
-          <p:cNvSpPr txBox="1"/>
-          <p:nvPr/>
-        </p:nvSpPr>
-        <p:spPr>
-          <a:xfrm>
-            <a:off x="3569676" y="3134458"/>
-            <a:ext cx="395654" cy="307777"/>
-          </a:xfrm>
-          <a:prstGeom prst="rect">
-            <a:avLst/>
-          </a:prstGeom>
-          <a:noFill/>
-        </p:spPr>
-        <p:txBody>
-          <a:bodyPr wrap="square" rtlCol="0">
-            <a:spAutoFit/>
-          </a:bodyPr>
-          <a:lstStyle/>
-          <a:p>
-            <a:r>
-              <a:rPr lang="en-US" sz="1400" b="1" dirty="0" smtClean="0">
-                <a:latin typeface="Arial" panose="020B0604020202020204" pitchFamily="34" charset="0"/>
-                <a:cs typeface="Arial" panose="020B0604020202020204" pitchFamily="34" charset="0"/>
-              </a:rPr>
-              <a:t>B)</a:t>
-            </a:r>
-            <a:endParaRPr lang="en-US" sz="1400" b="1" dirty="0">
-              <a:latin typeface="Arial" panose="020B0604020202020204" pitchFamily="34" charset="0"/>
-              <a:cs typeface="Arial" panose="020B0604020202020204" pitchFamily="34" charset="0"/>
-            </a:endParaRPr>
-          </a:p>
-        </p:txBody>
-      </p:sp>
     </p:spTree>
     <p:extLst>
       <p:ext uri="{BB962C8B-B14F-4D97-AF65-F5344CB8AC3E}">
-        <p14:creationId xmlns:p14="http://schemas.microsoft.com/office/powerpoint/2010/main" val="2618019842"/>
+        <p14:creationId xmlns:p14="http://schemas.microsoft.com/office/powerpoint/2010/main" val="3434677239"/>
       </p:ext>
     </p:extLst>
   </p:cSld>
@@ -4130,7 +4909,7 @@
       </p:grpSpPr>
       <p:pic>
         <p:nvPicPr>
-          <p:cNvPr id="44" name="Picture 43"/>
+          <p:cNvPr id="4" name="Picture 3"/>
           <p:cNvPicPr>
             <a:picLocks noChangeAspect="1"/>
           </p:cNvPicPr>
@@ -4158,1480 +4937,9 @@
           </a:prstGeom>
         </p:spPr>
       </p:pic>
-      <p:sp>
-        <p:nvSpPr>
-          <p:cNvPr id="5" name="Oval 4"/>
-          <p:cNvSpPr/>
-          <p:nvPr/>
-        </p:nvSpPr>
-        <p:spPr>
-          <a:xfrm>
-            <a:off x="6910749" y="5477602"/>
-            <a:ext cx="228600" cy="228600"/>
-          </a:xfrm>
-          <a:prstGeom prst="ellipse">
-            <a:avLst/>
-          </a:prstGeom>
-          <a:solidFill>
-            <a:schemeClr val="bg1"/>
-          </a:solidFill>
-          <a:ln>
-            <a:solidFill>
-              <a:schemeClr val="tx1"/>
-            </a:solidFill>
-          </a:ln>
-        </p:spPr>
-        <p:style>
-          <a:lnRef idx="2">
-            <a:schemeClr val="accent1">
-              <a:shade val="50000"/>
-            </a:schemeClr>
-          </a:lnRef>
-          <a:fillRef idx="1">
-            <a:schemeClr val="accent1"/>
-          </a:fillRef>
-          <a:effectRef idx="0">
-            <a:schemeClr val="accent1"/>
-          </a:effectRef>
-          <a:fontRef idx="minor">
-            <a:schemeClr val="lt1"/>
-          </a:fontRef>
-        </p:style>
-        <p:txBody>
-          <a:bodyPr rtlCol="0" anchor="ctr"/>
-          <a:lstStyle/>
-          <a:p>
-            <a:pPr algn="ctr"/>
-            <a:r>
-              <a:rPr lang="en-US" sz="1600" dirty="0" smtClean="0">
-                <a:solidFill>
-                  <a:schemeClr val="tx1"/>
-                </a:solidFill>
-                <a:latin typeface="Arial" panose="020B0604020202020204" pitchFamily="34" charset="0"/>
-                <a:cs typeface="Arial" panose="020B0604020202020204" pitchFamily="34" charset="0"/>
-              </a:rPr>
-              <a:t>1</a:t>
-            </a:r>
-            <a:endParaRPr lang="en-US" sz="1600" dirty="0">
-              <a:solidFill>
-                <a:schemeClr val="tx1"/>
-              </a:solidFill>
-              <a:latin typeface="Arial" panose="020B0604020202020204" pitchFamily="34" charset="0"/>
-              <a:cs typeface="Arial" panose="020B0604020202020204" pitchFamily="34" charset="0"/>
-            </a:endParaRPr>
-          </a:p>
-        </p:txBody>
-      </p:sp>
-      <p:sp>
-        <p:nvSpPr>
-          <p:cNvPr id="7" name="Oval 6"/>
-          <p:cNvSpPr/>
-          <p:nvPr/>
-        </p:nvSpPr>
-        <p:spPr>
-          <a:xfrm>
-            <a:off x="7617072" y="4337528"/>
-            <a:ext cx="228600" cy="228600"/>
-          </a:xfrm>
-          <a:prstGeom prst="ellipse">
-            <a:avLst/>
-          </a:prstGeom>
-          <a:solidFill>
-            <a:schemeClr val="bg1"/>
-          </a:solidFill>
-          <a:ln>
-            <a:solidFill>
-              <a:schemeClr val="tx1"/>
-            </a:solidFill>
-          </a:ln>
-        </p:spPr>
-        <p:style>
-          <a:lnRef idx="2">
-            <a:schemeClr val="accent1">
-              <a:shade val="50000"/>
-            </a:schemeClr>
-          </a:lnRef>
-          <a:fillRef idx="1">
-            <a:schemeClr val="accent1"/>
-          </a:fillRef>
-          <a:effectRef idx="0">
-            <a:schemeClr val="accent1"/>
-          </a:effectRef>
-          <a:fontRef idx="minor">
-            <a:schemeClr val="lt1"/>
-          </a:fontRef>
-        </p:style>
-        <p:txBody>
-          <a:bodyPr rtlCol="0" anchor="ctr"/>
-          <a:lstStyle/>
-          <a:p>
-            <a:pPr algn="ctr"/>
-            <a:r>
-              <a:rPr lang="en-US" sz="1600" dirty="0" smtClean="0">
-                <a:solidFill>
-                  <a:schemeClr val="tx1"/>
-                </a:solidFill>
-                <a:latin typeface="Arial" panose="020B0604020202020204" pitchFamily="34" charset="0"/>
-                <a:cs typeface="Arial" panose="020B0604020202020204" pitchFamily="34" charset="0"/>
-              </a:rPr>
-              <a:t>3</a:t>
-            </a:r>
-            <a:endParaRPr lang="en-US" sz="1600" dirty="0">
-              <a:solidFill>
-                <a:schemeClr val="tx1"/>
-              </a:solidFill>
-              <a:latin typeface="Arial" panose="020B0604020202020204" pitchFamily="34" charset="0"/>
-              <a:cs typeface="Arial" panose="020B0604020202020204" pitchFamily="34" charset="0"/>
-            </a:endParaRPr>
-          </a:p>
-        </p:txBody>
-      </p:sp>
-      <p:cxnSp>
-        <p:nvCxnSpPr>
-          <p:cNvPr id="9" name="Straight Connector 8"/>
-          <p:cNvCxnSpPr>
-            <a:stCxn id="7" idx="2"/>
-          </p:cNvCxnSpPr>
-          <p:nvPr/>
-        </p:nvCxnSpPr>
-        <p:spPr>
-          <a:xfrm flipH="1">
-            <a:off x="7280031" y="4451828"/>
-            <a:ext cx="337041" cy="5872"/>
-          </a:xfrm>
-          <a:prstGeom prst="line">
-            <a:avLst/>
-          </a:prstGeom>
-          <a:ln w="28575">
-            <a:solidFill>
-              <a:schemeClr val="tx1"/>
-            </a:solidFill>
-          </a:ln>
-        </p:spPr>
-        <p:style>
-          <a:lnRef idx="1">
-            <a:schemeClr val="accent1"/>
-          </a:lnRef>
-          <a:fillRef idx="0">
-            <a:schemeClr val="accent1"/>
-          </a:fillRef>
-          <a:effectRef idx="0">
-            <a:schemeClr val="accent1"/>
-          </a:effectRef>
-          <a:fontRef idx="minor">
-            <a:schemeClr val="tx1"/>
-          </a:fontRef>
-        </p:style>
-      </p:cxnSp>
-      <p:sp>
-        <p:nvSpPr>
-          <p:cNvPr id="10" name="Oval 9"/>
-          <p:cNvSpPr/>
-          <p:nvPr/>
-        </p:nvSpPr>
-        <p:spPr>
-          <a:xfrm>
-            <a:off x="7663966" y="4621808"/>
-            <a:ext cx="228600" cy="228600"/>
-          </a:xfrm>
-          <a:prstGeom prst="ellipse">
-            <a:avLst/>
-          </a:prstGeom>
-          <a:solidFill>
-            <a:schemeClr val="bg1"/>
-          </a:solidFill>
-          <a:ln>
-            <a:solidFill>
-              <a:schemeClr val="tx1"/>
-            </a:solidFill>
-          </a:ln>
-        </p:spPr>
-        <p:style>
-          <a:lnRef idx="2">
-            <a:schemeClr val="accent1">
-              <a:shade val="50000"/>
-            </a:schemeClr>
-          </a:lnRef>
-          <a:fillRef idx="1">
-            <a:schemeClr val="accent1"/>
-          </a:fillRef>
-          <a:effectRef idx="0">
-            <a:schemeClr val="accent1"/>
-          </a:effectRef>
-          <a:fontRef idx="minor">
-            <a:schemeClr val="lt1"/>
-          </a:fontRef>
-        </p:style>
-        <p:txBody>
-          <a:bodyPr rtlCol="0" anchor="ctr"/>
-          <a:lstStyle/>
-          <a:p>
-            <a:pPr algn="ctr"/>
-            <a:r>
-              <a:rPr lang="en-US" sz="1600" dirty="0" smtClean="0">
-                <a:solidFill>
-                  <a:schemeClr val="tx1"/>
-                </a:solidFill>
-                <a:latin typeface="Arial" panose="020B0604020202020204" pitchFamily="34" charset="0"/>
-                <a:cs typeface="Arial" panose="020B0604020202020204" pitchFamily="34" charset="0"/>
-              </a:rPr>
-              <a:t>2</a:t>
-            </a:r>
-            <a:endParaRPr lang="en-US" sz="1600" dirty="0">
-              <a:solidFill>
-                <a:schemeClr val="tx1"/>
-              </a:solidFill>
-              <a:latin typeface="Arial" panose="020B0604020202020204" pitchFamily="34" charset="0"/>
-              <a:cs typeface="Arial" panose="020B0604020202020204" pitchFamily="34" charset="0"/>
-            </a:endParaRPr>
-          </a:p>
-        </p:txBody>
-      </p:sp>
-      <p:cxnSp>
-        <p:nvCxnSpPr>
-          <p:cNvPr id="11" name="Straight Connector 10"/>
-          <p:cNvCxnSpPr>
-            <a:stCxn id="10" idx="2"/>
-          </p:cNvCxnSpPr>
-          <p:nvPr/>
-        </p:nvCxnSpPr>
-        <p:spPr>
-          <a:xfrm flipH="1" flipV="1">
-            <a:off x="7280031" y="4617406"/>
-            <a:ext cx="383935" cy="118702"/>
-          </a:xfrm>
-          <a:prstGeom prst="line">
-            <a:avLst/>
-          </a:prstGeom>
-          <a:ln w="28575">
-            <a:solidFill>
-              <a:schemeClr val="tx1"/>
-            </a:solidFill>
-          </a:ln>
-        </p:spPr>
-        <p:style>
-          <a:lnRef idx="1">
-            <a:schemeClr val="accent1"/>
-          </a:lnRef>
-          <a:fillRef idx="0">
-            <a:schemeClr val="accent1"/>
-          </a:fillRef>
-          <a:effectRef idx="0">
-            <a:schemeClr val="accent1"/>
-          </a:effectRef>
-          <a:fontRef idx="minor">
-            <a:schemeClr val="tx1"/>
-          </a:fontRef>
-        </p:style>
-      </p:cxnSp>
-      <p:sp>
-        <p:nvSpPr>
-          <p:cNvPr id="14" name="Oval 13"/>
-          <p:cNvSpPr/>
-          <p:nvPr/>
-        </p:nvSpPr>
-        <p:spPr>
-          <a:xfrm>
-            <a:off x="7488116" y="5105386"/>
-            <a:ext cx="228600" cy="228600"/>
-          </a:xfrm>
-          <a:prstGeom prst="ellipse">
-            <a:avLst/>
-          </a:prstGeom>
-          <a:solidFill>
-            <a:schemeClr val="bg1"/>
-          </a:solidFill>
-          <a:ln>
-            <a:solidFill>
-              <a:schemeClr val="tx1"/>
-            </a:solidFill>
-          </a:ln>
-        </p:spPr>
-        <p:style>
-          <a:lnRef idx="2">
-            <a:schemeClr val="accent1">
-              <a:shade val="50000"/>
-            </a:schemeClr>
-          </a:lnRef>
-          <a:fillRef idx="1">
-            <a:schemeClr val="accent1"/>
-          </a:fillRef>
-          <a:effectRef idx="0">
-            <a:schemeClr val="accent1"/>
-          </a:effectRef>
-          <a:fontRef idx="minor">
-            <a:schemeClr val="lt1"/>
-          </a:fontRef>
-        </p:style>
-        <p:txBody>
-          <a:bodyPr rtlCol="0" anchor="ctr"/>
-          <a:lstStyle/>
-          <a:p>
-            <a:pPr algn="ctr"/>
-            <a:r>
-              <a:rPr lang="en-US" sz="1600" dirty="0" smtClean="0">
-                <a:solidFill>
-                  <a:schemeClr val="tx1"/>
-                </a:solidFill>
-                <a:latin typeface="Arial" panose="020B0604020202020204" pitchFamily="34" charset="0"/>
-                <a:cs typeface="Arial" panose="020B0604020202020204" pitchFamily="34" charset="0"/>
-              </a:rPr>
-              <a:t>4</a:t>
-            </a:r>
-            <a:endParaRPr lang="en-US" sz="1600" dirty="0">
-              <a:solidFill>
-                <a:schemeClr val="tx1"/>
-              </a:solidFill>
-              <a:latin typeface="Arial" panose="020B0604020202020204" pitchFamily="34" charset="0"/>
-              <a:cs typeface="Arial" panose="020B0604020202020204" pitchFamily="34" charset="0"/>
-            </a:endParaRPr>
-          </a:p>
-        </p:txBody>
-      </p:sp>
-      <p:cxnSp>
-        <p:nvCxnSpPr>
-          <p:cNvPr id="15" name="Straight Connector 14"/>
-          <p:cNvCxnSpPr>
-            <a:stCxn id="14" idx="2"/>
-          </p:cNvCxnSpPr>
-          <p:nvPr/>
-        </p:nvCxnSpPr>
-        <p:spPr>
-          <a:xfrm flipH="1" flipV="1">
-            <a:off x="7139349" y="5105386"/>
-            <a:ext cx="348767" cy="114300"/>
-          </a:xfrm>
-          <a:prstGeom prst="line">
-            <a:avLst/>
-          </a:prstGeom>
-          <a:ln w="28575">
-            <a:solidFill>
-              <a:schemeClr val="tx1"/>
-            </a:solidFill>
-          </a:ln>
-        </p:spPr>
-        <p:style>
-          <a:lnRef idx="1">
-            <a:schemeClr val="accent1"/>
-          </a:lnRef>
-          <a:fillRef idx="0">
-            <a:schemeClr val="accent1"/>
-          </a:fillRef>
-          <a:effectRef idx="0">
-            <a:schemeClr val="accent1"/>
-          </a:effectRef>
-          <a:fontRef idx="minor">
-            <a:schemeClr val="tx1"/>
-          </a:fontRef>
-        </p:style>
-      </p:cxnSp>
-      <p:sp>
-        <p:nvSpPr>
-          <p:cNvPr id="17" name="Oval 16"/>
-          <p:cNvSpPr/>
-          <p:nvPr/>
-        </p:nvSpPr>
-        <p:spPr>
-          <a:xfrm>
-            <a:off x="6353912" y="5650512"/>
-            <a:ext cx="228600" cy="228600"/>
-          </a:xfrm>
-          <a:prstGeom prst="ellipse">
-            <a:avLst/>
-          </a:prstGeom>
-          <a:solidFill>
-            <a:schemeClr val="bg1"/>
-          </a:solidFill>
-          <a:ln>
-            <a:solidFill>
-              <a:schemeClr val="tx1"/>
-            </a:solidFill>
-          </a:ln>
-        </p:spPr>
-        <p:style>
-          <a:lnRef idx="2">
-            <a:schemeClr val="accent1">
-              <a:shade val="50000"/>
-            </a:schemeClr>
-          </a:lnRef>
-          <a:fillRef idx="1">
-            <a:schemeClr val="accent1"/>
-          </a:fillRef>
-          <a:effectRef idx="0">
-            <a:schemeClr val="accent1"/>
-          </a:effectRef>
-          <a:fontRef idx="minor">
-            <a:schemeClr val="lt1"/>
-          </a:fontRef>
-        </p:style>
-        <p:txBody>
-          <a:bodyPr rtlCol="0" anchor="ctr"/>
-          <a:lstStyle/>
-          <a:p>
-            <a:pPr algn="ctr"/>
-            <a:r>
-              <a:rPr lang="en-US" sz="1600" dirty="0">
-                <a:solidFill>
-                  <a:schemeClr val="tx1"/>
-                </a:solidFill>
-                <a:latin typeface="Arial" panose="020B0604020202020204" pitchFamily="34" charset="0"/>
-                <a:cs typeface="Arial" panose="020B0604020202020204" pitchFamily="34" charset="0"/>
-              </a:rPr>
-              <a:t>5</a:t>
-            </a:r>
-          </a:p>
-        </p:txBody>
-      </p:sp>
-      <p:cxnSp>
-        <p:nvCxnSpPr>
-          <p:cNvPr id="18" name="Straight Connector 17"/>
-          <p:cNvCxnSpPr/>
-          <p:nvPr/>
-        </p:nvCxnSpPr>
-        <p:spPr>
-          <a:xfrm flipV="1">
-            <a:off x="6450624" y="5246066"/>
-            <a:ext cx="0" cy="404450"/>
-          </a:xfrm>
-          <a:prstGeom prst="line">
-            <a:avLst/>
-          </a:prstGeom>
-          <a:ln w="28575">
-            <a:solidFill>
-              <a:schemeClr val="tx1"/>
-            </a:solidFill>
-          </a:ln>
-        </p:spPr>
-        <p:style>
-          <a:lnRef idx="1">
-            <a:schemeClr val="accent1"/>
-          </a:lnRef>
-          <a:fillRef idx="0">
-            <a:schemeClr val="accent1"/>
-          </a:fillRef>
-          <a:effectRef idx="0">
-            <a:schemeClr val="accent1"/>
-          </a:effectRef>
-          <a:fontRef idx="minor">
-            <a:schemeClr val="tx1"/>
-          </a:fontRef>
-        </p:style>
-      </p:cxnSp>
-      <p:sp>
-        <p:nvSpPr>
-          <p:cNvPr id="21" name="Oval 20"/>
-          <p:cNvSpPr/>
-          <p:nvPr/>
-        </p:nvSpPr>
-        <p:spPr>
-          <a:xfrm>
-            <a:off x="7681552" y="3883262"/>
-            <a:ext cx="228600" cy="228600"/>
-          </a:xfrm>
-          <a:prstGeom prst="ellipse">
-            <a:avLst/>
-          </a:prstGeom>
-          <a:solidFill>
-            <a:schemeClr val="bg1"/>
-          </a:solidFill>
-          <a:ln>
-            <a:solidFill>
-              <a:schemeClr val="tx1"/>
-            </a:solidFill>
-          </a:ln>
-        </p:spPr>
-        <p:style>
-          <a:lnRef idx="2">
-            <a:schemeClr val="accent1">
-              <a:shade val="50000"/>
-            </a:schemeClr>
-          </a:lnRef>
-          <a:fillRef idx="1">
-            <a:schemeClr val="accent1"/>
-          </a:fillRef>
-          <a:effectRef idx="0">
-            <a:schemeClr val="accent1"/>
-          </a:effectRef>
-          <a:fontRef idx="minor">
-            <a:schemeClr val="lt1"/>
-          </a:fontRef>
-        </p:style>
-        <p:txBody>
-          <a:bodyPr rtlCol="0" anchor="ctr"/>
-          <a:lstStyle/>
-          <a:p>
-            <a:pPr algn="ctr"/>
-            <a:r>
-              <a:rPr lang="en-US" sz="1600" dirty="0" smtClean="0">
-                <a:solidFill>
-                  <a:schemeClr val="tx1"/>
-                </a:solidFill>
-                <a:latin typeface="Arial" panose="020B0604020202020204" pitchFamily="34" charset="0"/>
-                <a:cs typeface="Arial" panose="020B0604020202020204" pitchFamily="34" charset="0"/>
-              </a:rPr>
-              <a:t>6</a:t>
-            </a:r>
-            <a:endParaRPr lang="en-US" sz="1600" dirty="0">
-              <a:solidFill>
-                <a:schemeClr val="tx1"/>
-              </a:solidFill>
-              <a:latin typeface="Arial" panose="020B0604020202020204" pitchFamily="34" charset="0"/>
-              <a:cs typeface="Arial" panose="020B0604020202020204" pitchFamily="34" charset="0"/>
-            </a:endParaRPr>
-          </a:p>
-        </p:txBody>
-      </p:sp>
-      <p:cxnSp>
-        <p:nvCxnSpPr>
-          <p:cNvPr id="22" name="Straight Connector 21"/>
-          <p:cNvCxnSpPr>
-            <a:stCxn id="21" idx="2"/>
-          </p:cNvCxnSpPr>
-          <p:nvPr/>
-        </p:nvCxnSpPr>
-        <p:spPr>
-          <a:xfrm flipH="1">
-            <a:off x="7344511" y="3997562"/>
-            <a:ext cx="337041" cy="5872"/>
-          </a:xfrm>
-          <a:prstGeom prst="line">
-            <a:avLst/>
-          </a:prstGeom>
-          <a:ln w="28575">
-            <a:solidFill>
-              <a:schemeClr val="tx1"/>
-            </a:solidFill>
-          </a:ln>
-        </p:spPr>
-        <p:style>
-          <a:lnRef idx="1">
-            <a:schemeClr val="accent1"/>
-          </a:lnRef>
-          <a:fillRef idx="0">
-            <a:schemeClr val="accent1"/>
-          </a:fillRef>
-          <a:effectRef idx="0">
-            <a:schemeClr val="accent1"/>
-          </a:effectRef>
-          <a:fontRef idx="minor">
-            <a:schemeClr val="tx1"/>
-          </a:fontRef>
-        </p:style>
-      </p:cxnSp>
-      <p:sp>
-        <p:nvSpPr>
-          <p:cNvPr id="23" name="Oval 22"/>
-          <p:cNvSpPr/>
-          <p:nvPr/>
-        </p:nvSpPr>
-        <p:spPr>
-          <a:xfrm>
-            <a:off x="4700960" y="3452436"/>
-            <a:ext cx="228600" cy="228600"/>
-          </a:xfrm>
-          <a:prstGeom prst="ellipse">
-            <a:avLst/>
-          </a:prstGeom>
-          <a:solidFill>
-            <a:schemeClr val="bg1"/>
-          </a:solidFill>
-          <a:ln>
-            <a:solidFill>
-              <a:schemeClr val="tx1"/>
-            </a:solidFill>
-          </a:ln>
-        </p:spPr>
-        <p:style>
-          <a:lnRef idx="2">
-            <a:schemeClr val="accent1">
-              <a:shade val="50000"/>
-            </a:schemeClr>
-          </a:lnRef>
-          <a:fillRef idx="1">
-            <a:schemeClr val="accent1"/>
-          </a:fillRef>
-          <a:effectRef idx="0">
-            <a:schemeClr val="accent1"/>
-          </a:effectRef>
-          <a:fontRef idx="minor">
-            <a:schemeClr val="lt1"/>
-          </a:fontRef>
-        </p:style>
-        <p:txBody>
-          <a:bodyPr rtlCol="0" anchor="ctr"/>
-          <a:lstStyle/>
-          <a:p>
-            <a:pPr algn="ctr"/>
-            <a:r>
-              <a:rPr lang="en-US" sz="1600" dirty="0" smtClean="0">
-                <a:solidFill>
-                  <a:schemeClr val="tx1"/>
-                </a:solidFill>
-                <a:latin typeface="Arial" panose="020B0604020202020204" pitchFamily="34" charset="0"/>
-                <a:cs typeface="Arial" panose="020B0604020202020204" pitchFamily="34" charset="0"/>
-              </a:rPr>
-              <a:t>7</a:t>
-            </a:r>
-            <a:endParaRPr lang="en-US" sz="1600" dirty="0">
-              <a:solidFill>
-                <a:schemeClr val="tx1"/>
-              </a:solidFill>
-              <a:latin typeface="Arial" panose="020B0604020202020204" pitchFamily="34" charset="0"/>
-              <a:cs typeface="Arial" panose="020B0604020202020204" pitchFamily="34" charset="0"/>
-            </a:endParaRPr>
-          </a:p>
-        </p:txBody>
-      </p:sp>
-      <p:sp>
-        <p:nvSpPr>
-          <p:cNvPr id="25" name="Oval 24"/>
-          <p:cNvSpPr/>
-          <p:nvPr/>
-        </p:nvSpPr>
-        <p:spPr>
-          <a:xfrm>
-            <a:off x="6629401" y="5732576"/>
-            <a:ext cx="228600" cy="228600"/>
-          </a:xfrm>
-          <a:prstGeom prst="ellipse">
-            <a:avLst/>
-          </a:prstGeom>
-          <a:solidFill>
-            <a:schemeClr val="bg1"/>
-          </a:solidFill>
-          <a:ln>
-            <a:solidFill>
-              <a:schemeClr val="tx1"/>
-            </a:solidFill>
-          </a:ln>
-        </p:spPr>
-        <p:style>
-          <a:lnRef idx="2">
-            <a:schemeClr val="accent1">
-              <a:shade val="50000"/>
-            </a:schemeClr>
-          </a:lnRef>
-          <a:fillRef idx="1">
-            <a:schemeClr val="accent1"/>
-          </a:fillRef>
-          <a:effectRef idx="0">
-            <a:schemeClr val="accent1"/>
-          </a:effectRef>
-          <a:fontRef idx="minor">
-            <a:schemeClr val="lt1"/>
-          </a:fontRef>
-        </p:style>
-        <p:txBody>
-          <a:bodyPr rtlCol="0" anchor="ctr"/>
-          <a:lstStyle/>
-          <a:p>
-            <a:pPr algn="ctr"/>
-            <a:r>
-              <a:rPr lang="en-US" sz="1600" dirty="0" smtClean="0">
-                <a:solidFill>
-                  <a:schemeClr val="tx1"/>
-                </a:solidFill>
-                <a:latin typeface="Arial" panose="020B0604020202020204" pitchFamily="34" charset="0"/>
-                <a:cs typeface="Arial" panose="020B0604020202020204" pitchFamily="34" charset="0"/>
-              </a:rPr>
-              <a:t>8</a:t>
-            </a:r>
-            <a:endParaRPr lang="en-US" sz="1600" dirty="0">
-              <a:solidFill>
-                <a:schemeClr val="tx1"/>
-              </a:solidFill>
-              <a:latin typeface="Arial" panose="020B0604020202020204" pitchFamily="34" charset="0"/>
-              <a:cs typeface="Arial" panose="020B0604020202020204" pitchFamily="34" charset="0"/>
-            </a:endParaRPr>
-          </a:p>
-        </p:txBody>
-      </p:sp>
-      <p:cxnSp>
-        <p:nvCxnSpPr>
-          <p:cNvPr id="26" name="Straight Connector 25"/>
-          <p:cNvCxnSpPr/>
-          <p:nvPr/>
-        </p:nvCxnSpPr>
-        <p:spPr>
-          <a:xfrm flipV="1">
-            <a:off x="6726113" y="5328130"/>
-            <a:ext cx="0" cy="404450"/>
-          </a:xfrm>
-          <a:prstGeom prst="line">
-            <a:avLst/>
-          </a:prstGeom>
-          <a:ln w="28575">
-            <a:solidFill>
-              <a:schemeClr val="tx1"/>
-            </a:solidFill>
-          </a:ln>
-        </p:spPr>
-        <p:style>
-          <a:lnRef idx="1">
-            <a:schemeClr val="accent1"/>
-          </a:lnRef>
-          <a:fillRef idx="0">
-            <a:schemeClr val="accent1"/>
-          </a:fillRef>
-          <a:effectRef idx="0">
-            <a:schemeClr val="accent1"/>
-          </a:effectRef>
-          <a:fontRef idx="minor">
-            <a:schemeClr val="tx1"/>
-          </a:fontRef>
-        </p:style>
-      </p:cxnSp>
-      <p:sp>
-        <p:nvSpPr>
-          <p:cNvPr id="27" name="Oval 26"/>
-          <p:cNvSpPr/>
-          <p:nvPr/>
-        </p:nvSpPr>
-        <p:spPr>
-          <a:xfrm>
-            <a:off x="7640516" y="4879723"/>
-            <a:ext cx="228600" cy="228600"/>
-          </a:xfrm>
-          <a:prstGeom prst="ellipse">
-            <a:avLst/>
-          </a:prstGeom>
-          <a:solidFill>
-            <a:schemeClr val="bg1"/>
-          </a:solidFill>
-          <a:ln>
-            <a:solidFill>
-              <a:schemeClr val="tx1"/>
-            </a:solidFill>
-          </a:ln>
-        </p:spPr>
-        <p:style>
-          <a:lnRef idx="2">
-            <a:schemeClr val="accent1">
-              <a:shade val="50000"/>
-            </a:schemeClr>
-          </a:lnRef>
-          <a:fillRef idx="1">
-            <a:schemeClr val="accent1"/>
-          </a:fillRef>
-          <a:effectRef idx="0">
-            <a:schemeClr val="accent1"/>
-          </a:effectRef>
-          <a:fontRef idx="minor">
-            <a:schemeClr val="lt1"/>
-          </a:fontRef>
-        </p:style>
-        <p:txBody>
-          <a:bodyPr rtlCol="0" anchor="ctr"/>
-          <a:lstStyle/>
-          <a:p>
-            <a:pPr algn="ctr"/>
-            <a:r>
-              <a:rPr lang="en-US" sz="1600" dirty="0" smtClean="0">
-                <a:solidFill>
-                  <a:schemeClr val="tx1"/>
-                </a:solidFill>
-                <a:latin typeface="Arial" panose="020B0604020202020204" pitchFamily="34" charset="0"/>
-                <a:cs typeface="Arial" panose="020B0604020202020204" pitchFamily="34" charset="0"/>
-              </a:rPr>
-              <a:t>9</a:t>
-            </a:r>
-            <a:endParaRPr lang="en-US" sz="1600" dirty="0">
-              <a:solidFill>
-                <a:schemeClr val="tx1"/>
-              </a:solidFill>
-              <a:latin typeface="Arial" panose="020B0604020202020204" pitchFamily="34" charset="0"/>
-              <a:cs typeface="Arial" panose="020B0604020202020204" pitchFamily="34" charset="0"/>
-            </a:endParaRPr>
-          </a:p>
-        </p:txBody>
-      </p:sp>
-      <p:cxnSp>
-        <p:nvCxnSpPr>
-          <p:cNvPr id="28" name="Straight Connector 27"/>
-          <p:cNvCxnSpPr>
-            <a:stCxn id="27" idx="2"/>
-          </p:cNvCxnSpPr>
-          <p:nvPr/>
-        </p:nvCxnSpPr>
-        <p:spPr>
-          <a:xfrm flipH="1" flipV="1">
-            <a:off x="7291749" y="4879723"/>
-            <a:ext cx="348767" cy="114300"/>
-          </a:xfrm>
-          <a:prstGeom prst="line">
-            <a:avLst/>
-          </a:prstGeom>
-          <a:ln w="28575">
-            <a:solidFill>
-              <a:schemeClr val="tx1"/>
-            </a:solidFill>
-          </a:ln>
-        </p:spPr>
-        <p:style>
-          <a:lnRef idx="1">
-            <a:schemeClr val="accent1"/>
-          </a:lnRef>
-          <a:fillRef idx="0">
-            <a:schemeClr val="accent1"/>
-          </a:fillRef>
-          <a:effectRef idx="0">
-            <a:schemeClr val="accent1"/>
-          </a:effectRef>
-          <a:fontRef idx="minor">
-            <a:schemeClr val="tx1"/>
-          </a:fontRef>
-        </p:style>
-      </p:cxnSp>
-      <p:sp>
-        <p:nvSpPr>
-          <p:cNvPr id="30" name="Oval 29"/>
-          <p:cNvSpPr/>
-          <p:nvPr/>
-        </p:nvSpPr>
-        <p:spPr>
-          <a:xfrm>
-            <a:off x="4879737" y="4941269"/>
-            <a:ext cx="228600" cy="228600"/>
-          </a:xfrm>
-          <a:prstGeom prst="ellipse">
-            <a:avLst/>
-          </a:prstGeom>
-          <a:solidFill>
-            <a:schemeClr val="bg1"/>
-          </a:solidFill>
-          <a:ln>
-            <a:solidFill>
-              <a:schemeClr val="tx1"/>
-            </a:solidFill>
-          </a:ln>
-        </p:spPr>
-        <p:style>
-          <a:lnRef idx="2">
-            <a:schemeClr val="accent1">
-              <a:shade val="50000"/>
-            </a:schemeClr>
-          </a:lnRef>
-          <a:fillRef idx="1">
-            <a:schemeClr val="accent1"/>
-          </a:fillRef>
-          <a:effectRef idx="0">
-            <a:schemeClr val="accent1"/>
-          </a:effectRef>
-          <a:fontRef idx="minor">
-            <a:schemeClr val="lt1"/>
-          </a:fontRef>
-        </p:style>
-        <p:txBody>
-          <a:bodyPr rtlCol="0" anchor="ctr"/>
-          <a:lstStyle/>
-          <a:p>
-            <a:pPr algn="ctr"/>
-            <a:endParaRPr lang="en-US" sz="1600" dirty="0">
-              <a:solidFill>
-                <a:schemeClr val="tx1"/>
-              </a:solidFill>
-              <a:latin typeface="Arial" panose="020B0604020202020204" pitchFamily="34" charset="0"/>
-              <a:cs typeface="Arial" panose="020B0604020202020204" pitchFamily="34" charset="0"/>
-            </a:endParaRPr>
-          </a:p>
-        </p:txBody>
-      </p:sp>
-      <p:sp>
-        <p:nvSpPr>
-          <p:cNvPr id="31" name="TextBox 30"/>
-          <p:cNvSpPr txBox="1"/>
-          <p:nvPr/>
-        </p:nvSpPr>
-        <p:spPr>
-          <a:xfrm>
-            <a:off x="4774088" y="4885552"/>
-            <a:ext cx="509953" cy="338554"/>
-          </a:xfrm>
-          <a:prstGeom prst="rect">
-            <a:avLst/>
-          </a:prstGeom>
-          <a:noFill/>
-        </p:spPr>
-        <p:txBody>
-          <a:bodyPr wrap="square" rtlCol="0">
-            <a:spAutoFit/>
-          </a:bodyPr>
-          <a:lstStyle/>
-          <a:p>
-            <a:r>
-              <a:rPr lang="en-US" sz="1600" dirty="0" smtClean="0">
-                <a:latin typeface="Arial" panose="020B0604020202020204" pitchFamily="34" charset="0"/>
-                <a:cs typeface="Arial" panose="020B0604020202020204" pitchFamily="34" charset="0"/>
-              </a:rPr>
-              <a:t>10</a:t>
-            </a:r>
-            <a:endParaRPr lang="en-US" dirty="0">
-              <a:latin typeface="Arial" panose="020B0604020202020204" pitchFamily="34" charset="0"/>
-              <a:cs typeface="Arial" panose="020B0604020202020204" pitchFamily="34" charset="0"/>
-            </a:endParaRPr>
-          </a:p>
-        </p:txBody>
-      </p:sp>
-      <p:sp>
-        <p:nvSpPr>
-          <p:cNvPr id="32" name="Oval 31"/>
-          <p:cNvSpPr/>
-          <p:nvPr/>
-        </p:nvSpPr>
-        <p:spPr>
-          <a:xfrm>
-            <a:off x="7218482" y="5272439"/>
-            <a:ext cx="228600" cy="228600"/>
-          </a:xfrm>
-          <a:prstGeom prst="ellipse">
-            <a:avLst/>
-          </a:prstGeom>
-          <a:solidFill>
-            <a:schemeClr val="bg1"/>
-          </a:solidFill>
-          <a:ln>
-            <a:solidFill>
-              <a:schemeClr val="tx1"/>
-            </a:solidFill>
-          </a:ln>
-        </p:spPr>
-        <p:style>
-          <a:lnRef idx="2">
-            <a:schemeClr val="accent1">
-              <a:shade val="50000"/>
-            </a:schemeClr>
-          </a:lnRef>
-          <a:fillRef idx="1">
-            <a:schemeClr val="accent1"/>
-          </a:fillRef>
-          <a:effectRef idx="0">
-            <a:schemeClr val="accent1"/>
-          </a:effectRef>
-          <a:fontRef idx="minor">
-            <a:schemeClr val="lt1"/>
-          </a:fontRef>
-        </p:style>
-        <p:txBody>
-          <a:bodyPr rtlCol="0" anchor="ctr"/>
-          <a:lstStyle/>
-          <a:p>
-            <a:pPr algn="ctr"/>
-            <a:endParaRPr lang="en-US" sz="1600" dirty="0">
-              <a:solidFill>
-                <a:schemeClr val="tx1"/>
-              </a:solidFill>
-              <a:latin typeface="Arial" panose="020B0604020202020204" pitchFamily="34" charset="0"/>
-              <a:cs typeface="Arial" panose="020B0604020202020204" pitchFamily="34" charset="0"/>
-            </a:endParaRPr>
-          </a:p>
-        </p:txBody>
-      </p:sp>
-      <p:cxnSp>
-        <p:nvCxnSpPr>
-          <p:cNvPr id="33" name="Straight Connector 32"/>
-          <p:cNvCxnSpPr>
-            <a:stCxn id="32" idx="2"/>
-          </p:cNvCxnSpPr>
-          <p:nvPr/>
-        </p:nvCxnSpPr>
-        <p:spPr>
-          <a:xfrm flipH="1" flipV="1">
-            <a:off x="6910749" y="5169869"/>
-            <a:ext cx="307733" cy="216870"/>
-          </a:xfrm>
-          <a:prstGeom prst="line">
-            <a:avLst/>
-          </a:prstGeom>
-          <a:ln w="28575">
-            <a:solidFill>
-              <a:schemeClr val="tx1"/>
-            </a:solidFill>
-          </a:ln>
-        </p:spPr>
-        <p:style>
-          <a:lnRef idx="1">
-            <a:schemeClr val="accent1"/>
-          </a:lnRef>
-          <a:fillRef idx="0">
-            <a:schemeClr val="accent1"/>
-          </a:fillRef>
-          <a:effectRef idx="0">
-            <a:schemeClr val="accent1"/>
-          </a:effectRef>
-          <a:fontRef idx="minor">
-            <a:schemeClr val="tx1"/>
-          </a:fontRef>
-        </p:style>
-      </p:cxnSp>
-      <p:sp>
-        <p:nvSpPr>
-          <p:cNvPr id="36" name="TextBox 35"/>
-          <p:cNvSpPr txBox="1"/>
-          <p:nvPr/>
-        </p:nvSpPr>
-        <p:spPr>
-          <a:xfrm>
-            <a:off x="7145215" y="5224788"/>
-            <a:ext cx="509953" cy="338554"/>
-          </a:xfrm>
-          <a:prstGeom prst="rect">
-            <a:avLst/>
-          </a:prstGeom>
-          <a:noFill/>
-        </p:spPr>
-        <p:txBody>
-          <a:bodyPr wrap="square" rtlCol="0">
-            <a:spAutoFit/>
-          </a:bodyPr>
-          <a:lstStyle/>
-          <a:p>
-            <a:r>
-              <a:rPr lang="en-US" sz="1600" dirty="0" smtClean="0">
-                <a:latin typeface="Arial" panose="020B0604020202020204" pitchFamily="34" charset="0"/>
-                <a:cs typeface="Arial" panose="020B0604020202020204" pitchFamily="34" charset="0"/>
-              </a:rPr>
-              <a:t>11</a:t>
-            </a:r>
-            <a:endParaRPr lang="en-US" dirty="0">
-              <a:latin typeface="Arial" panose="020B0604020202020204" pitchFamily="34" charset="0"/>
-              <a:cs typeface="Arial" panose="020B0604020202020204" pitchFamily="34" charset="0"/>
-            </a:endParaRPr>
-          </a:p>
-        </p:txBody>
-      </p:sp>
-      <p:sp>
-        <p:nvSpPr>
-          <p:cNvPr id="39" name="Oval 38"/>
-          <p:cNvSpPr/>
-          <p:nvPr/>
-        </p:nvSpPr>
-        <p:spPr>
-          <a:xfrm>
-            <a:off x="4026885" y="4158741"/>
-            <a:ext cx="228600" cy="228600"/>
-          </a:xfrm>
-          <a:prstGeom prst="ellipse">
-            <a:avLst/>
-          </a:prstGeom>
-          <a:solidFill>
-            <a:schemeClr val="bg1"/>
-          </a:solidFill>
-          <a:ln>
-            <a:solidFill>
-              <a:schemeClr val="tx1"/>
-            </a:solidFill>
-          </a:ln>
-        </p:spPr>
-        <p:style>
-          <a:lnRef idx="2">
-            <a:schemeClr val="accent1">
-              <a:shade val="50000"/>
-            </a:schemeClr>
-          </a:lnRef>
-          <a:fillRef idx="1">
-            <a:schemeClr val="accent1"/>
-          </a:fillRef>
-          <a:effectRef idx="0">
-            <a:schemeClr val="accent1"/>
-          </a:effectRef>
-          <a:fontRef idx="minor">
-            <a:schemeClr val="lt1"/>
-          </a:fontRef>
-        </p:style>
-        <p:txBody>
-          <a:bodyPr rtlCol="0" anchor="ctr"/>
-          <a:lstStyle/>
-          <a:p>
-            <a:pPr algn="ctr"/>
-            <a:endParaRPr lang="en-US" sz="1600" dirty="0">
-              <a:solidFill>
-                <a:schemeClr val="tx1"/>
-              </a:solidFill>
-              <a:latin typeface="Arial" panose="020B0604020202020204" pitchFamily="34" charset="0"/>
-              <a:cs typeface="Arial" panose="020B0604020202020204" pitchFamily="34" charset="0"/>
-            </a:endParaRPr>
-          </a:p>
-        </p:txBody>
-      </p:sp>
-      <p:sp>
-        <p:nvSpPr>
-          <p:cNvPr id="37" name="TextBox 36"/>
-          <p:cNvSpPr txBox="1"/>
-          <p:nvPr/>
-        </p:nvSpPr>
-        <p:spPr>
-          <a:xfrm>
-            <a:off x="3921376" y="4116226"/>
-            <a:ext cx="509953" cy="338554"/>
-          </a:xfrm>
-          <a:prstGeom prst="rect">
-            <a:avLst/>
-          </a:prstGeom>
-          <a:noFill/>
-        </p:spPr>
-        <p:txBody>
-          <a:bodyPr wrap="square" rtlCol="0">
-            <a:spAutoFit/>
-          </a:bodyPr>
-          <a:lstStyle/>
-          <a:p>
-            <a:r>
-              <a:rPr lang="en-US" sz="1600" dirty="0" smtClean="0">
-                <a:latin typeface="Arial" panose="020B0604020202020204" pitchFamily="34" charset="0"/>
-                <a:cs typeface="Arial" panose="020B0604020202020204" pitchFamily="34" charset="0"/>
-              </a:rPr>
-              <a:t>12</a:t>
-            </a:r>
-            <a:endParaRPr lang="en-US" dirty="0">
-              <a:latin typeface="Arial" panose="020B0604020202020204" pitchFamily="34" charset="0"/>
-              <a:cs typeface="Arial" panose="020B0604020202020204" pitchFamily="34" charset="0"/>
-            </a:endParaRPr>
-          </a:p>
-        </p:txBody>
-      </p:sp>
-      <p:sp>
-        <p:nvSpPr>
-          <p:cNvPr id="40" name="Oval 39"/>
-          <p:cNvSpPr/>
-          <p:nvPr/>
-        </p:nvSpPr>
-        <p:spPr>
-          <a:xfrm>
-            <a:off x="7367959" y="3349859"/>
-            <a:ext cx="228600" cy="228600"/>
-          </a:xfrm>
-          <a:prstGeom prst="ellipse">
-            <a:avLst/>
-          </a:prstGeom>
-          <a:solidFill>
-            <a:schemeClr val="bg1"/>
-          </a:solidFill>
-          <a:ln>
-            <a:solidFill>
-              <a:schemeClr val="tx1"/>
-            </a:solidFill>
-          </a:ln>
-        </p:spPr>
-        <p:style>
-          <a:lnRef idx="2">
-            <a:schemeClr val="accent1">
-              <a:shade val="50000"/>
-            </a:schemeClr>
-          </a:lnRef>
-          <a:fillRef idx="1">
-            <a:schemeClr val="accent1"/>
-          </a:fillRef>
-          <a:effectRef idx="0">
-            <a:schemeClr val="accent1"/>
-          </a:effectRef>
-          <a:fontRef idx="minor">
-            <a:schemeClr val="lt1"/>
-          </a:fontRef>
-        </p:style>
-        <p:txBody>
-          <a:bodyPr rtlCol="0" anchor="ctr"/>
-          <a:lstStyle/>
-          <a:p>
-            <a:pPr algn="ctr"/>
-            <a:endParaRPr lang="en-US" sz="1600" dirty="0">
-              <a:solidFill>
-                <a:schemeClr val="tx1"/>
-              </a:solidFill>
-              <a:latin typeface="Arial" panose="020B0604020202020204" pitchFamily="34" charset="0"/>
-              <a:cs typeface="Arial" panose="020B0604020202020204" pitchFamily="34" charset="0"/>
-            </a:endParaRPr>
-          </a:p>
-        </p:txBody>
-      </p:sp>
-      <p:sp>
-        <p:nvSpPr>
-          <p:cNvPr id="41" name="TextBox 40"/>
-          <p:cNvSpPr txBox="1"/>
-          <p:nvPr/>
-        </p:nvSpPr>
-        <p:spPr>
-          <a:xfrm>
-            <a:off x="7274182" y="3300743"/>
-            <a:ext cx="509953" cy="338554"/>
-          </a:xfrm>
-          <a:prstGeom prst="rect">
-            <a:avLst/>
-          </a:prstGeom>
-          <a:noFill/>
-        </p:spPr>
-        <p:txBody>
-          <a:bodyPr wrap="square" rtlCol="0">
-            <a:spAutoFit/>
-          </a:bodyPr>
-          <a:lstStyle/>
-          <a:p>
-            <a:r>
-              <a:rPr lang="en-US" sz="1600" dirty="0" smtClean="0">
-                <a:latin typeface="Arial" panose="020B0604020202020204" pitchFamily="34" charset="0"/>
-                <a:cs typeface="Arial" panose="020B0604020202020204" pitchFamily="34" charset="0"/>
-              </a:rPr>
-              <a:t>13</a:t>
-            </a:r>
-            <a:endParaRPr lang="en-US" dirty="0">
-              <a:latin typeface="Arial" panose="020B0604020202020204" pitchFamily="34" charset="0"/>
-              <a:cs typeface="Arial" panose="020B0604020202020204" pitchFamily="34" charset="0"/>
-            </a:endParaRPr>
-          </a:p>
-        </p:txBody>
-      </p:sp>
-      <p:sp>
-        <p:nvSpPr>
-          <p:cNvPr id="42" name="Oval 41"/>
-          <p:cNvSpPr/>
-          <p:nvPr/>
-        </p:nvSpPr>
-        <p:spPr>
-          <a:xfrm>
-            <a:off x="6761287" y="4633529"/>
-            <a:ext cx="228600" cy="228600"/>
-          </a:xfrm>
-          <a:prstGeom prst="ellipse">
-            <a:avLst/>
-          </a:prstGeom>
-          <a:solidFill>
-            <a:schemeClr val="bg1"/>
-          </a:solidFill>
-          <a:ln>
-            <a:solidFill>
-              <a:schemeClr val="tx1"/>
-            </a:solidFill>
-          </a:ln>
-        </p:spPr>
-        <p:style>
-          <a:lnRef idx="2">
-            <a:schemeClr val="accent1">
-              <a:shade val="50000"/>
-            </a:schemeClr>
-          </a:lnRef>
-          <a:fillRef idx="1">
-            <a:schemeClr val="accent1"/>
-          </a:fillRef>
-          <a:effectRef idx="0">
-            <a:schemeClr val="accent1"/>
-          </a:effectRef>
-          <a:fontRef idx="minor">
-            <a:schemeClr val="lt1"/>
-          </a:fontRef>
-        </p:style>
-        <p:txBody>
-          <a:bodyPr rtlCol="0" anchor="ctr"/>
-          <a:lstStyle/>
-          <a:p>
-            <a:pPr algn="ctr"/>
-            <a:endParaRPr lang="en-US" sz="1600" dirty="0">
-              <a:solidFill>
-                <a:schemeClr val="tx1"/>
-              </a:solidFill>
-              <a:latin typeface="Arial" panose="020B0604020202020204" pitchFamily="34" charset="0"/>
-              <a:cs typeface="Arial" panose="020B0604020202020204" pitchFamily="34" charset="0"/>
-            </a:endParaRPr>
-          </a:p>
-        </p:txBody>
-      </p:sp>
-      <p:cxnSp>
-        <p:nvCxnSpPr>
-          <p:cNvPr id="43" name="Straight Connector 42"/>
-          <p:cNvCxnSpPr/>
-          <p:nvPr/>
-        </p:nvCxnSpPr>
-        <p:spPr>
-          <a:xfrm flipV="1">
-            <a:off x="6787400" y="4850408"/>
-            <a:ext cx="70601" cy="312129"/>
-          </a:xfrm>
-          <a:prstGeom prst="line">
-            <a:avLst/>
-          </a:prstGeom>
-          <a:ln w="28575">
-            <a:solidFill>
-              <a:schemeClr val="tx1"/>
-            </a:solidFill>
-          </a:ln>
-        </p:spPr>
-        <p:style>
-          <a:lnRef idx="1">
-            <a:schemeClr val="accent1"/>
-          </a:lnRef>
-          <a:fillRef idx="0">
-            <a:schemeClr val="accent1"/>
-          </a:fillRef>
-          <a:effectRef idx="0">
-            <a:schemeClr val="accent1"/>
-          </a:effectRef>
-          <a:fontRef idx="minor">
-            <a:schemeClr val="tx1"/>
-          </a:fontRef>
-        </p:style>
-      </p:cxnSp>
-      <p:sp>
-        <p:nvSpPr>
-          <p:cNvPr id="46" name="TextBox 45"/>
-          <p:cNvSpPr txBox="1"/>
-          <p:nvPr/>
-        </p:nvSpPr>
-        <p:spPr>
-          <a:xfrm>
-            <a:off x="6655777" y="4587359"/>
-            <a:ext cx="509953" cy="338554"/>
-          </a:xfrm>
-          <a:prstGeom prst="rect">
-            <a:avLst/>
-          </a:prstGeom>
-          <a:noFill/>
-        </p:spPr>
-        <p:txBody>
-          <a:bodyPr wrap="square" rtlCol="0">
-            <a:spAutoFit/>
-          </a:bodyPr>
-          <a:lstStyle/>
-          <a:p>
-            <a:r>
-              <a:rPr lang="en-US" sz="1600" dirty="0" smtClean="0">
-                <a:latin typeface="Arial" panose="020B0604020202020204" pitchFamily="34" charset="0"/>
-                <a:cs typeface="Arial" panose="020B0604020202020204" pitchFamily="34" charset="0"/>
-              </a:rPr>
-              <a:t>14</a:t>
-            </a:r>
-            <a:endParaRPr lang="en-US" dirty="0">
-              <a:latin typeface="Arial" panose="020B0604020202020204" pitchFamily="34" charset="0"/>
-              <a:cs typeface="Arial" panose="020B0604020202020204" pitchFamily="34" charset="0"/>
-            </a:endParaRPr>
-          </a:p>
-        </p:txBody>
-      </p:sp>
-      <p:sp>
-        <p:nvSpPr>
-          <p:cNvPr id="48" name="Oval 47"/>
-          <p:cNvSpPr/>
-          <p:nvPr/>
-        </p:nvSpPr>
-        <p:spPr>
-          <a:xfrm>
-            <a:off x="4563216" y="3147635"/>
-            <a:ext cx="228600" cy="228600"/>
-          </a:xfrm>
-          <a:prstGeom prst="ellipse">
-            <a:avLst/>
-          </a:prstGeom>
-          <a:solidFill>
-            <a:schemeClr val="bg1"/>
-          </a:solidFill>
-          <a:ln>
-            <a:solidFill>
-              <a:schemeClr val="tx1"/>
-            </a:solidFill>
-          </a:ln>
-        </p:spPr>
-        <p:style>
-          <a:lnRef idx="2">
-            <a:schemeClr val="accent1">
-              <a:shade val="50000"/>
-            </a:schemeClr>
-          </a:lnRef>
-          <a:fillRef idx="1">
-            <a:schemeClr val="accent1"/>
-          </a:fillRef>
-          <a:effectRef idx="0">
-            <a:schemeClr val="accent1"/>
-          </a:effectRef>
-          <a:fontRef idx="minor">
-            <a:schemeClr val="lt1"/>
-          </a:fontRef>
-        </p:style>
-        <p:txBody>
-          <a:bodyPr rtlCol="0" anchor="ctr"/>
-          <a:lstStyle/>
-          <a:p>
-            <a:pPr algn="ctr"/>
-            <a:endParaRPr lang="en-US" sz="1600" dirty="0">
-              <a:solidFill>
-                <a:schemeClr val="tx1"/>
-              </a:solidFill>
-              <a:latin typeface="Arial" panose="020B0604020202020204" pitchFamily="34" charset="0"/>
-              <a:cs typeface="Arial" panose="020B0604020202020204" pitchFamily="34" charset="0"/>
-            </a:endParaRPr>
-          </a:p>
-        </p:txBody>
-      </p:sp>
-      <p:sp>
-        <p:nvSpPr>
-          <p:cNvPr id="47" name="TextBox 46"/>
-          <p:cNvSpPr txBox="1"/>
-          <p:nvPr/>
-        </p:nvSpPr>
-        <p:spPr>
-          <a:xfrm>
-            <a:off x="4457705" y="3108010"/>
-            <a:ext cx="509953" cy="338554"/>
-          </a:xfrm>
-          <a:prstGeom prst="rect">
-            <a:avLst/>
-          </a:prstGeom>
-          <a:noFill/>
-        </p:spPr>
-        <p:txBody>
-          <a:bodyPr wrap="square" rtlCol="0">
-            <a:spAutoFit/>
-          </a:bodyPr>
-          <a:lstStyle/>
-          <a:p>
-            <a:r>
-              <a:rPr lang="en-US" sz="1600" dirty="0" smtClean="0">
-                <a:latin typeface="Arial" panose="020B0604020202020204" pitchFamily="34" charset="0"/>
-                <a:cs typeface="Arial" panose="020B0604020202020204" pitchFamily="34" charset="0"/>
-              </a:rPr>
-              <a:t>15</a:t>
-            </a:r>
-            <a:endParaRPr lang="en-US" dirty="0">
-              <a:latin typeface="Arial" panose="020B0604020202020204" pitchFamily="34" charset="0"/>
-              <a:cs typeface="Arial" panose="020B0604020202020204" pitchFamily="34" charset="0"/>
-            </a:endParaRPr>
-          </a:p>
-        </p:txBody>
-      </p:sp>
-      <p:cxnSp>
-        <p:nvCxnSpPr>
-          <p:cNvPr id="49" name="Straight Connector 48"/>
-          <p:cNvCxnSpPr/>
-          <p:nvPr/>
-        </p:nvCxnSpPr>
-        <p:spPr>
-          <a:xfrm flipV="1">
-            <a:off x="4298584" y="3349860"/>
-            <a:ext cx="304321" cy="136329"/>
-          </a:xfrm>
-          <a:prstGeom prst="line">
-            <a:avLst/>
-          </a:prstGeom>
-          <a:ln w="28575">
-            <a:solidFill>
-              <a:schemeClr val="tx1"/>
-            </a:solidFill>
-          </a:ln>
-        </p:spPr>
-        <p:style>
-          <a:lnRef idx="1">
-            <a:schemeClr val="accent1"/>
-          </a:lnRef>
-          <a:fillRef idx="0">
-            <a:schemeClr val="accent1"/>
-          </a:fillRef>
-          <a:effectRef idx="0">
-            <a:schemeClr val="accent1"/>
-          </a:effectRef>
-          <a:fontRef idx="minor">
-            <a:schemeClr val="tx1"/>
-          </a:fontRef>
-        </p:style>
-      </p:cxnSp>
       <p:pic>
         <p:nvPicPr>
-          <p:cNvPr id="53" name="Picture 52"/>
+          <p:cNvPr id="5" name="Picture 4"/>
           <p:cNvPicPr>
             <a:picLocks noChangeAspect="1"/>
           </p:cNvPicPr>
@@ -5666,7 +4974,7 @@
       </p:pic>
       <p:sp>
         <p:nvSpPr>
-          <p:cNvPr id="54" name="TextBox 53"/>
+          <p:cNvPr id="6" name="TextBox 5"/>
           <p:cNvSpPr txBox="1"/>
           <p:nvPr/>
         </p:nvSpPr>
@@ -5702,7 +5010,7 @@
       </p:sp>
       <p:sp>
         <p:nvSpPr>
-          <p:cNvPr id="55" name="TextBox 54"/>
+          <p:cNvPr id="7" name="TextBox 6"/>
           <p:cNvSpPr txBox="1"/>
           <p:nvPr/>
         </p:nvSpPr>
@@ -5739,7 +5047,7 @@
     </p:spTree>
     <p:extLst>
       <p:ext uri="{BB962C8B-B14F-4D97-AF65-F5344CB8AC3E}">
-        <p14:creationId xmlns:p14="http://schemas.microsoft.com/office/powerpoint/2010/main" val="1179445465"/>
+        <p14:creationId xmlns:p14="http://schemas.microsoft.com/office/powerpoint/2010/main" val="2618019842"/>
       </p:ext>
     </p:extLst>
   </p:cSld>
@@ -5768,7 +5076,1508 @@
       </p:grpSpPr>
       <p:pic>
         <p:nvPicPr>
-          <p:cNvPr id="100" name="Picture 99"/>
+          <p:cNvPr id="44" name="Picture 43"/>
+          <p:cNvPicPr>
+            <a:picLocks noChangeAspect="1"/>
+          </p:cNvPicPr>
+          <p:nvPr/>
+        </p:nvPicPr>
+        <p:blipFill>
+          <a:blip r:embed="rId2" cstate="print">
+            <a:extLst>
+              <a:ext uri="{28A0092B-C50C-407E-A947-70E740481C1C}">
+                <a14:useLocalDpi xmlns:a14="http://schemas.microsoft.com/office/drawing/2010/main" val="0"/>
+              </a:ext>
+            </a:extLst>
+          </a:blip>
+          <a:stretch>
+            <a:fillRect/>
+          </a:stretch>
+        </p:blipFill>
+        <p:spPr>
+          <a:xfrm>
+            <a:off x="3446318" y="0"/>
+            <a:ext cx="5299364" cy="6858000"/>
+          </a:xfrm>
+          <a:prstGeom prst="rect">
+            <a:avLst/>
+          </a:prstGeom>
+        </p:spPr>
+      </p:pic>
+      <p:sp>
+        <p:nvSpPr>
+          <p:cNvPr id="5" name="Oval 4"/>
+          <p:cNvSpPr/>
+          <p:nvPr/>
+        </p:nvSpPr>
+        <p:spPr>
+          <a:xfrm>
+            <a:off x="6910749" y="5477602"/>
+            <a:ext cx="228600" cy="228600"/>
+          </a:xfrm>
+          <a:prstGeom prst="ellipse">
+            <a:avLst/>
+          </a:prstGeom>
+          <a:solidFill>
+            <a:schemeClr val="bg1"/>
+          </a:solidFill>
+          <a:ln>
+            <a:solidFill>
+              <a:schemeClr val="tx1"/>
+            </a:solidFill>
+          </a:ln>
+        </p:spPr>
+        <p:style>
+          <a:lnRef idx="2">
+            <a:schemeClr val="accent1">
+              <a:shade val="50000"/>
+            </a:schemeClr>
+          </a:lnRef>
+          <a:fillRef idx="1">
+            <a:schemeClr val="accent1"/>
+          </a:fillRef>
+          <a:effectRef idx="0">
+            <a:schemeClr val="accent1"/>
+          </a:effectRef>
+          <a:fontRef idx="minor">
+            <a:schemeClr val="lt1"/>
+          </a:fontRef>
+        </p:style>
+        <p:txBody>
+          <a:bodyPr rtlCol="0" anchor="ctr"/>
+          <a:lstStyle/>
+          <a:p>
+            <a:pPr algn="ctr"/>
+            <a:r>
+              <a:rPr lang="en-US" sz="1600" dirty="0" smtClean="0">
+                <a:solidFill>
+                  <a:schemeClr val="tx1"/>
+                </a:solidFill>
+                <a:latin typeface="Arial" panose="020B0604020202020204" pitchFamily="34" charset="0"/>
+                <a:cs typeface="Arial" panose="020B0604020202020204" pitchFamily="34" charset="0"/>
+              </a:rPr>
+              <a:t>1</a:t>
+            </a:r>
+            <a:endParaRPr lang="en-US" sz="1600" dirty="0">
+              <a:solidFill>
+                <a:schemeClr val="tx1"/>
+              </a:solidFill>
+              <a:latin typeface="Arial" panose="020B0604020202020204" pitchFamily="34" charset="0"/>
+              <a:cs typeface="Arial" panose="020B0604020202020204" pitchFamily="34" charset="0"/>
+            </a:endParaRPr>
+          </a:p>
+        </p:txBody>
+      </p:sp>
+      <p:sp>
+        <p:nvSpPr>
+          <p:cNvPr id="7" name="Oval 6"/>
+          <p:cNvSpPr/>
+          <p:nvPr/>
+        </p:nvSpPr>
+        <p:spPr>
+          <a:xfrm>
+            <a:off x="7617072" y="4337528"/>
+            <a:ext cx="228600" cy="228600"/>
+          </a:xfrm>
+          <a:prstGeom prst="ellipse">
+            <a:avLst/>
+          </a:prstGeom>
+          <a:solidFill>
+            <a:schemeClr val="bg1"/>
+          </a:solidFill>
+          <a:ln>
+            <a:solidFill>
+              <a:schemeClr val="tx1"/>
+            </a:solidFill>
+          </a:ln>
+        </p:spPr>
+        <p:style>
+          <a:lnRef idx="2">
+            <a:schemeClr val="accent1">
+              <a:shade val="50000"/>
+            </a:schemeClr>
+          </a:lnRef>
+          <a:fillRef idx="1">
+            <a:schemeClr val="accent1"/>
+          </a:fillRef>
+          <a:effectRef idx="0">
+            <a:schemeClr val="accent1"/>
+          </a:effectRef>
+          <a:fontRef idx="minor">
+            <a:schemeClr val="lt1"/>
+          </a:fontRef>
+        </p:style>
+        <p:txBody>
+          <a:bodyPr rtlCol="0" anchor="ctr"/>
+          <a:lstStyle/>
+          <a:p>
+            <a:pPr algn="ctr"/>
+            <a:r>
+              <a:rPr lang="en-US" sz="1600" dirty="0" smtClean="0">
+                <a:solidFill>
+                  <a:schemeClr val="tx1"/>
+                </a:solidFill>
+                <a:latin typeface="Arial" panose="020B0604020202020204" pitchFamily="34" charset="0"/>
+                <a:cs typeface="Arial" panose="020B0604020202020204" pitchFamily="34" charset="0"/>
+              </a:rPr>
+              <a:t>3</a:t>
+            </a:r>
+            <a:endParaRPr lang="en-US" sz="1600" dirty="0">
+              <a:solidFill>
+                <a:schemeClr val="tx1"/>
+              </a:solidFill>
+              <a:latin typeface="Arial" panose="020B0604020202020204" pitchFamily="34" charset="0"/>
+              <a:cs typeface="Arial" panose="020B0604020202020204" pitchFamily="34" charset="0"/>
+            </a:endParaRPr>
+          </a:p>
+        </p:txBody>
+      </p:sp>
+      <p:cxnSp>
+        <p:nvCxnSpPr>
+          <p:cNvPr id="9" name="Straight Connector 8"/>
+          <p:cNvCxnSpPr>
+            <a:stCxn id="7" idx="2"/>
+          </p:cNvCxnSpPr>
+          <p:nvPr/>
+        </p:nvCxnSpPr>
+        <p:spPr>
+          <a:xfrm flipH="1">
+            <a:off x="7280031" y="4451828"/>
+            <a:ext cx="337041" cy="5872"/>
+          </a:xfrm>
+          <a:prstGeom prst="line">
+            <a:avLst/>
+          </a:prstGeom>
+          <a:ln w="28575">
+            <a:solidFill>
+              <a:schemeClr val="tx1"/>
+            </a:solidFill>
+          </a:ln>
+        </p:spPr>
+        <p:style>
+          <a:lnRef idx="1">
+            <a:schemeClr val="accent1"/>
+          </a:lnRef>
+          <a:fillRef idx="0">
+            <a:schemeClr val="accent1"/>
+          </a:fillRef>
+          <a:effectRef idx="0">
+            <a:schemeClr val="accent1"/>
+          </a:effectRef>
+          <a:fontRef idx="minor">
+            <a:schemeClr val="tx1"/>
+          </a:fontRef>
+        </p:style>
+      </p:cxnSp>
+      <p:sp>
+        <p:nvSpPr>
+          <p:cNvPr id="10" name="Oval 9"/>
+          <p:cNvSpPr/>
+          <p:nvPr/>
+        </p:nvSpPr>
+        <p:spPr>
+          <a:xfrm>
+            <a:off x="7663966" y="4621808"/>
+            <a:ext cx="228600" cy="228600"/>
+          </a:xfrm>
+          <a:prstGeom prst="ellipse">
+            <a:avLst/>
+          </a:prstGeom>
+          <a:solidFill>
+            <a:schemeClr val="bg1"/>
+          </a:solidFill>
+          <a:ln>
+            <a:solidFill>
+              <a:schemeClr val="tx1"/>
+            </a:solidFill>
+          </a:ln>
+        </p:spPr>
+        <p:style>
+          <a:lnRef idx="2">
+            <a:schemeClr val="accent1">
+              <a:shade val="50000"/>
+            </a:schemeClr>
+          </a:lnRef>
+          <a:fillRef idx="1">
+            <a:schemeClr val="accent1"/>
+          </a:fillRef>
+          <a:effectRef idx="0">
+            <a:schemeClr val="accent1"/>
+          </a:effectRef>
+          <a:fontRef idx="minor">
+            <a:schemeClr val="lt1"/>
+          </a:fontRef>
+        </p:style>
+        <p:txBody>
+          <a:bodyPr rtlCol="0" anchor="ctr"/>
+          <a:lstStyle/>
+          <a:p>
+            <a:pPr algn="ctr"/>
+            <a:r>
+              <a:rPr lang="en-US" sz="1600" dirty="0" smtClean="0">
+                <a:solidFill>
+                  <a:schemeClr val="tx1"/>
+                </a:solidFill>
+                <a:latin typeface="Arial" panose="020B0604020202020204" pitchFamily="34" charset="0"/>
+                <a:cs typeface="Arial" panose="020B0604020202020204" pitchFamily="34" charset="0"/>
+              </a:rPr>
+              <a:t>2</a:t>
+            </a:r>
+            <a:endParaRPr lang="en-US" sz="1600" dirty="0">
+              <a:solidFill>
+                <a:schemeClr val="tx1"/>
+              </a:solidFill>
+              <a:latin typeface="Arial" panose="020B0604020202020204" pitchFamily="34" charset="0"/>
+              <a:cs typeface="Arial" panose="020B0604020202020204" pitchFamily="34" charset="0"/>
+            </a:endParaRPr>
+          </a:p>
+        </p:txBody>
+      </p:sp>
+      <p:cxnSp>
+        <p:nvCxnSpPr>
+          <p:cNvPr id="11" name="Straight Connector 10"/>
+          <p:cNvCxnSpPr>
+            <a:stCxn id="10" idx="2"/>
+          </p:cNvCxnSpPr>
+          <p:nvPr/>
+        </p:nvCxnSpPr>
+        <p:spPr>
+          <a:xfrm flipH="1" flipV="1">
+            <a:off x="7280031" y="4617406"/>
+            <a:ext cx="383935" cy="118702"/>
+          </a:xfrm>
+          <a:prstGeom prst="line">
+            <a:avLst/>
+          </a:prstGeom>
+          <a:ln w="28575">
+            <a:solidFill>
+              <a:schemeClr val="tx1"/>
+            </a:solidFill>
+          </a:ln>
+        </p:spPr>
+        <p:style>
+          <a:lnRef idx="1">
+            <a:schemeClr val="accent1"/>
+          </a:lnRef>
+          <a:fillRef idx="0">
+            <a:schemeClr val="accent1"/>
+          </a:fillRef>
+          <a:effectRef idx="0">
+            <a:schemeClr val="accent1"/>
+          </a:effectRef>
+          <a:fontRef idx="minor">
+            <a:schemeClr val="tx1"/>
+          </a:fontRef>
+        </p:style>
+      </p:cxnSp>
+      <p:sp>
+        <p:nvSpPr>
+          <p:cNvPr id="14" name="Oval 13"/>
+          <p:cNvSpPr/>
+          <p:nvPr/>
+        </p:nvSpPr>
+        <p:spPr>
+          <a:xfrm>
+            <a:off x="7488116" y="5105386"/>
+            <a:ext cx="228600" cy="228600"/>
+          </a:xfrm>
+          <a:prstGeom prst="ellipse">
+            <a:avLst/>
+          </a:prstGeom>
+          <a:solidFill>
+            <a:schemeClr val="bg1"/>
+          </a:solidFill>
+          <a:ln>
+            <a:solidFill>
+              <a:schemeClr val="tx1"/>
+            </a:solidFill>
+          </a:ln>
+        </p:spPr>
+        <p:style>
+          <a:lnRef idx="2">
+            <a:schemeClr val="accent1">
+              <a:shade val="50000"/>
+            </a:schemeClr>
+          </a:lnRef>
+          <a:fillRef idx="1">
+            <a:schemeClr val="accent1"/>
+          </a:fillRef>
+          <a:effectRef idx="0">
+            <a:schemeClr val="accent1"/>
+          </a:effectRef>
+          <a:fontRef idx="minor">
+            <a:schemeClr val="lt1"/>
+          </a:fontRef>
+        </p:style>
+        <p:txBody>
+          <a:bodyPr rtlCol="0" anchor="ctr"/>
+          <a:lstStyle/>
+          <a:p>
+            <a:pPr algn="ctr"/>
+            <a:r>
+              <a:rPr lang="en-US" sz="1600" dirty="0" smtClean="0">
+                <a:solidFill>
+                  <a:schemeClr val="tx1"/>
+                </a:solidFill>
+                <a:latin typeface="Arial" panose="020B0604020202020204" pitchFamily="34" charset="0"/>
+                <a:cs typeface="Arial" panose="020B0604020202020204" pitchFamily="34" charset="0"/>
+              </a:rPr>
+              <a:t>4</a:t>
+            </a:r>
+            <a:endParaRPr lang="en-US" sz="1600" dirty="0">
+              <a:solidFill>
+                <a:schemeClr val="tx1"/>
+              </a:solidFill>
+              <a:latin typeface="Arial" panose="020B0604020202020204" pitchFamily="34" charset="0"/>
+              <a:cs typeface="Arial" panose="020B0604020202020204" pitchFamily="34" charset="0"/>
+            </a:endParaRPr>
+          </a:p>
+        </p:txBody>
+      </p:sp>
+      <p:cxnSp>
+        <p:nvCxnSpPr>
+          <p:cNvPr id="15" name="Straight Connector 14"/>
+          <p:cNvCxnSpPr>
+            <a:stCxn id="14" idx="2"/>
+          </p:cNvCxnSpPr>
+          <p:nvPr/>
+        </p:nvCxnSpPr>
+        <p:spPr>
+          <a:xfrm flipH="1" flipV="1">
+            <a:off x="7139349" y="5105386"/>
+            <a:ext cx="348767" cy="114300"/>
+          </a:xfrm>
+          <a:prstGeom prst="line">
+            <a:avLst/>
+          </a:prstGeom>
+          <a:ln w="28575">
+            <a:solidFill>
+              <a:schemeClr val="tx1"/>
+            </a:solidFill>
+          </a:ln>
+        </p:spPr>
+        <p:style>
+          <a:lnRef idx="1">
+            <a:schemeClr val="accent1"/>
+          </a:lnRef>
+          <a:fillRef idx="0">
+            <a:schemeClr val="accent1"/>
+          </a:fillRef>
+          <a:effectRef idx="0">
+            <a:schemeClr val="accent1"/>
+          </a:effectRef>
+          <a:fontRef idx="minor">
+            <a:schemeClr val="tx1"/>
+          </a:fontRef>
+        </p:style>
+      </p:cxnSp>
+      <p:sp>
+        <p:nvSpPr>
+          <p:cNvPr id="17" name="Oval 16"/>
+          <p:cNvSpPr/>
+          <p:nvPr/>
+        </p:nvSpPr>
+        <p:spPr>
+          <a:xfrm>
+            <a:off x="6353912" y="5650512"/>
+            <a:ext cx="228600" cy="228600"/>
+          </a:xfrm>
+          <a:prstGeom prst="ellipse">
+            <a:avLst/>
+          </a:prstGeom>
+          <a:solidFill>
+            <a:schemeClr val="bg1"/>
+          </a:solidFill>
+          <a:ln>
+            <a:solidFill>
+              <a:schemeClr val="tx1"/>
+            </a:solidFill>
+          </a:ln>
+        </p:spPr>
+        <p:style>
+          <a:lnRef idx="2">
+            <a:schemeClr val="accent1">
+              <a:shade val="50000"/>
+            </a:schemeClr>
+          </a:lnRef>
+          <a:fillRef idx="1">
+            <a:schemeClr val="accent1"/>
+          </a:fillRef>
+          <a:effectRef idx="0">
+            <a:schemeClr val="accent1"/>
+          </a:effectRef>
+          <a:fontRef idx="minor">
+            <a:schemeClr val="lt1"/>
+          </a:fontRef>
+        </p:style>
+        <p:txBody>
+          <a:bodyPr rtlCol="0" anchor="ctr"/>
+          <a:lstStyle/>
+          <a:p>
+            <a:pPr algn="ctr"/>
+            <a:r>
+              <a:rPr lang="en-US" sz="1600" dirty="0">
+                <a:solidFill>
+                  <a:schemeClr val="tx1"/>
+                </a:solidFill>
+                <a:latin typeface="Arial" panose="020B0604020202020204" pitchFamily="34" charset="0"/>
+                <a:cs typeface="Arial" panose="020B0604020202020204" pitchFamily="34" charset="0"/>
+              </a:rPr>
+              <a:t>5</a:t>
+            </a:r>
+          </a:p>
+        </p:txBody>
+      </p:sp>
+      <p:cxnSp>
+        <p:nvCxnSpPr>
+          <p:cNvPr id="18" name="Straight Connector 17"/>
+          <p:cNvCxnSpPr/>
+          <p:nvPr/>
+        </p:nvCxnSpPr>
+        <p:spPr>
+          <a:xfrm flipV="1">
+            <a:off x="6450624" y="5246066"/>
+            <a:ext cx="0" cy="404450"/>
+          </a:xfrm>
+          <a:prstGeom prst="line">
+            <a:avLst/>
+          </a:prstGeom>
+          <a:ln w="28575">
+            <a:solidFill>
+              <a:schemeClr val="tx1"/>
+            </a:solidFill>
+          </a:ln>
+        </p:spPr>
+        <p:style>
+          <a:lnRef idx="1">
+            <a:schemeClr val="accent1"/>
+          </a:lnRef>
+          <a:fillRef idx="0">
+            <a:schemeClr val="accent1"/>
+          </a:fillRef>
+          <a:effectRef idx="0">
+            <a:schemeClr val="accent1"/>
+          </a:effectRef>
+          <a:fontRef idx="minor">
+            <a:schemeClr val="tx1"/>
+          </a:fontRef>
+        </p:style>
+      </p:cxnSp>
+      <p:sp>
+        <p:nvSpPr>
+          <p:cNvPr id="21" name="Oval 20"/>
+          <p:cNvSpPr/>
+          <p:nvPr/>
+        </p:nvSpPr>
+        <p:spPr>
+          <a:xfrm>
+            <a:off x="7681552" y="3883262"/>
+            <a:ext cx="228600" cy="228600"/>
+          </a:xfrm>
+          <a:prstGeom prst="ellipse">
+            <a:avLst/>
+          </a:prstGeom>
+          <a:solidFill>
+            <a:schemeClr val="bg1"/>
+          </a:solidFill>
+          <a:ln>
+            <a:solidFill>
+              <a:schemeClr val="tx1"/>
+            </a:solidFill>
+          </a:ln>
+        </p:spPr>
+        <p:style>
+          <a:lnRef idx="2">
+            <a:schemeClr val="accent1">
+              <a:shade val="50000"/>
+            </a:schemeClr>
+          </a:lnRef>
+          <a:fillRef idx="1">
+            <a:schemeClr val="accent1"/>
+          </a:fillRef>
+          <a:effectRef idx="0">
+            <a:schemeClr val="accent1"/>
+          </a:effectRef>
+          <a:fontRef idx="minor">
+            <a:schemeClr val="lt1"/>
+          </a:fontRef>
+        </p:style>
+        <p:txBody>
+          <a:bodyPr rtlCol="0" anchor="ctr"/>
+          <a:lstStyle/>
+          <a:p>
+            <a:pPr algn="ctr"/>
+            <a:r>
+              <a:rPr lang="en-US" sz="1600" dirty="0" smtClean="0">
+                <a:solidFill>
+                  <a:schemeClr val="tx1"/>
+                </a:solidFill>
+                <a:latin typeface="Arial" panose="020B0604020202020204" pitchFamily="34" charset="0"/>
+                <a:cs typeface="Arial" panose="020B0604020202020204" pitchFamily="34" charset="0"/>
+              </a:rPr>
+              <a:t>6</a:t>
+            </a:r>
+            <a:endParaRPr lang="en-US" sz="1600" dirty="0">
+              <a:solidFill>
+                <a:schemeClr val="tx1"/>
+              </a:solidFill>
+              <a:latin typeface="Arial" panose="020B0604020202020204" pitchFamily="34" charset="0"/>
+              <a:cs typeface="Arial" panose="020B0604020202020204" pitchFamily="34" charset="0"/>
+            </a:endParaRPr>
+          </a:p>
+        </p:txBody>
+      </p:sp>
+      <p:cxnSp>
+        <p:nvCxnSpPr>
+          <p:cNvPr id="22" name="Straight Connector 21"/>
+          <p:cNvCxnSpPr>
+            <a:stCxn id="21" idx="2"/>
+          </p:cNvCxnSpPr>
+          <p:nvPr/>
+        </p:nvCxnSpPr>
+        <p:spPr>
+          <a:xfrm flipH="1">
+            <a:off x="7344511" y="3997562"/>
+            <a:ext cx="337041" cy="5872"/>
+          </a:xfrm>
+          <a:prstGeom prst="line">
+            <a:avLst/>
+          </a:prstGeom>
+          <a:ln w="28575">
+            <a:solidFill>
+              <a:schemeClr val="tx1"/>
+            </a:solidFill>
+          </a:ln>
+        </p:spPr>
+        <p:style>
+          <a:lnRef idx="1">
+            <a:schemeClr val="accent1"/>
+          </a:lnRef>
+          <a:fillRef idx="0">
+            <a:schemeClr val="accent1"/>
+          </a:fillRef>
+          <a:effectRef idx="0">
+            <a:schemeClr val="accent1"/>
+          </a:effectRef>
+          <a:fontRef idx="minor">
+            <a:schemeClr val="tx1"/>
+          </a:fontRef>
+        </p:style>
+      </p:cxnSp>
+      <p:sp>
+        <p:nvSpPr>
+          <p:cNvPr id="23" name="Oval 22"/>
+          <p:cNvSpPr/>
+          <p:nvPr/>
+        </p:nvSpPr>
+        <p:spPr>
+          <a:xfrm>
+            <a:off x="4700960" y="3452436"/>
+            <a:ext cx="228600" cy="228600"/>
+          </a:xfrm>
+          <a:prstGeom prst="ellipse">
+            <a:avLst/>
+          </a:prstGeom>
+          <a:solidFill>
+            <a:schemeClr val="bg1"/>
+          </a:solidFill>
+          <a:ln>
+            <a:solidFill>
+              <a:schemeClr val="tx1"/>
+            </a:solidFill>
+          </a:ln>
+        </p:spPr>
+        <p:style>
+          <a:lnRef idx="2">
+            <a:schemeClr val="accent1">
+              <a:shade val="50000"/>
+            </a:schemeClr>
+          </a:lnRef>
+          <a:fillRef idx="1">
+            <a:schemeClr val="accent1"/>
+          </a:fillRef>
+          <a:effectRef idx="0">
+            <a:schemeClr val="accent1"/>
+          </a:effectRef>
+          <a:fontRef idx="minor">
+            <a:schemeClr val="lt1"/>
+          </a:fontRef>
+        </p:style>
+        <p:txBody>
+          <a:bodyPr rtlCol="0" anchor="ctr"/>
+          <a:lstStyle/>
+          <a:p>
+            <a:pPr algn="ctr"/>
+            <a:r>
+              <a:rPr lang="en-US" sz="1600" dirty="0" smtClean="0">
+                <a:solidFill>
+                  <a:schemeClr val="tx1"/>
+                </a:solidFill>
+                <a:latin typeface="Arial" panose="020B0604020202020204" pitchFamily="34" charset="0"/>
+                <a:cs typeface="Arial" panose="020B0604020202020204" pitchFamily="34" charset="0"/>
+              </a:rPr>
+              <a:t>7</a:t>
+            </a:r>
+            <a:endParaRPr lang="en-US" sz="1600" dirty="0">
+              <a:solidFill>
+                <a:schemeClr val="tx1"/>
+              </a:solidFill>
+              <a:latin typeface="Arial" panose="020B0604020202020204" pitchFamily="34" charset="0"/>
+              <a:cs typeface="Arial" panose="020B0604020202020204" pitchFamily="34" charset="0"/>
+            </a:endParaRPr>
+          </a:p>
+        </p:txBody>
+      </p:sp>
+      <p:sp>
+        <p:nvSpPr>
+          <p:cNvPr id="25" name="Oval 24"/>
+          <p:cNvSpPr/>
+          <p:nvPr/>
+        </p:nvSpPr>
+        <p:spPr>
+          <a:xfrm>
+            <a:off x="6629401" y="5732576"/>
+            <a:ext cx="228600" cy="228600"/>
+          </a:xfrm>
+          <a:prstGeom prst="ellipse">
+            <a:avLst/>
+          </a:prstGeom>
+          <a:solidFill>
+            <a:schemeClr val="bg1"/>
+          </a:solidFill>
+          <a:ln>
+            <a:solidFill>
+              <a:schemeClr val="tx1"/>
+            </a:solidFill>
+          </a:ln>
+        </p:spPr>
+        <p:style>
+          <a:lnRef idx="2">
+            <a:schemeClr val="accent1">
+              <a:shade val="50000"/>
+            </a:schemeClr>
+          </a:lnRef>
+          <a:fillRef idx="1">
+            <a:schemeClr val="accent1"/>
+          </a:fillRef>
+          <a:effectRef idx="0">
+            <a:schemeClr val="accent1"/>
+          </a:effectRef>
+          <a:fontRef idx="minor">
+            <a:schemeClr val="lt1"/>
+          </a:fontRef>
+        </p:style>
+        <p:txBody>
+          <a:bodyPr rtlCol="0" anchor="ctr"/>
+          <a:lstStyle/>
+          <a:p>
+            <a:pPr algn="ctr"/>
+            <a:r>
+              <a:rPr lang="en-US" sz="1600" dirty="0" smtClean="0">
+                <a:solidFill>
+                  <a:schemeClr val="tx1"/>
+                </a:solidFill>
+                <a:latin typeface="Arial" panose="020B0604020202020204" pitchFamily="34" charset="0"/>
+                <a:cs typeface="Arial" panose="020B0604020202020204" pitchFamily="34" charset="0"/>
+              </a:rPr>
+              <a:t>8</a:t>
+            </a:r>
+            <a:endParaRPr lang="en-US" sz="1600" dirty="0">
+              <a:solidFill>
+                <a:schemeClr val="tx1"/>
+              </a:solidFill>
+              <a:latin typeface="Arial" panose="020B0604020202020204" pitchFamily="34" charset="0"/>
+              <a:cs typeface="Arial" panose="020B0604020202020204" pitchFamily="34" charset="0"/>
+            </a:endParaRPr>
+          </a:p>
+        </p:txBody>
+      </p:sp>
+      <p:cxnSp>
+        <p:nvCxnSpPr>
+          <p:cNvPr id="26" name="Straight Connector 25"/>
+          <p:cNvCxnSpPr/>
+          <p:nvPr/>
+        </p:nvCxnSpPr>
+        <p:spPr>
+          <a:xfrm flipV="1">
+            <a:off x="6726113" y="5328130"/>
+            <a:ext cx="0" cy="404450"/>
+          </a:xfrm>
+          <a:prstGeom prst="line">
+            <a:avLst/>
+          </a:prstGeom>
+          <a:ln w="28575">
+            <a:solidFill>
+              <a:schemeClr val="tx1"/>
+            </a:solidFill>
+          </a:ln>
+        </p:spPr>
+        <p:style>
+          <a:lnRef idx="1">
+            <a:schemeClr val="accent1"/>
+          </a:lnRef>
+          <a:fillRef idx="0">
+            <a:schemeClr val="accent1"/>
+          </a:fillRef>
+          <a:effectRef idx="0">
+            <a:schemeClr val="accent1"/>
+          </a:effectRef>
+          <a:fontRef idx="minor">
+            <a:schemeClr val="tx1"/>
+          </a:fontRef>
+        </p:style>
+      </p:cxnSp>
+      <p:sp>
+        <p:nvSpPr>
+          <p:cNvPr id="27" name="Oval 26"/>
+          <p:cNvSpPr/>
+          <p:nvPr/>
+        </p:nvSpPr>
+        <p:spPr>
+          <a:xfrm>
+            <a:off x="7640516" y="4879723"/>
+            <a:ext cx="228600" cy="228600"/>
+          </a:xfrm>
+          <a:prstGeom prst="ellipse">
+            <a:avLst/>
+          </a:prstGeom>
+          <a:solidFill>
+            <a:schemeClr val="bg1"/>
+          </a:solidFill>
+          <a:ln>
+            <a:solidFill>
+              <a:schemeClr val="tx1"/>
+            </a:solidFill>
+          </a:ln>
+        </p:spPr>
+        <p:style>
+          <a:lnRef idx="2">
+            <a:schemeClr val="accent1">
+              <a:shade val="50000"/>
+            </a:schemeClr>
+          </a:lnRef>
+          <a:fillRef idx="1">
+            <a:schemeClr val="accent1"/>
+          </a:fillRef>
+          <a:effectRef idx="0">
+            <a:schemeClr val="accent1"/>
+          </a:effectRef>
+          <a:fontRef idx="minor">
+            <a:schemeClr val="lt1"/>
+          </a:fontRef>
+        </p:style>
+        <p:txBody>
+          <a:bodyPr rtlCol="0" anchor="ctr"/>
+          <a:lstStyle/>
+          <a:p>
+            <a:pPr algn="ctr"/>
+            <a:r>
+              <a:rPr lang="en-US" sz="1600" dirty="0" smtClean="0">
+                <a:solidFill>
+                  <a:schemeClr val="tx1"/>
+                </a:solidFill>
+                <a:latin typeface="Arial" panose="020B0604020202020204" pitchFamily="34" charset="0"/>
+                <a:cs typeface="Arial" panose="020B0604020202020204" pitchFamily="34" charset="0"/>
+              </a:rPr>
+              <a:t>9</a:t>
+            </a:r>
+            <a:endParaRPr lang="en-US" sz="1600" dirty="0">
+              <a:solidFill>
+                <a:schemeClr val="tx1"/>
+              </a:solidFill>
+              <a:latin typeface="Arial" panose="020B0604020202020204" pitchFamily="34" charset="0"/>
+              <a:cs typeface="Arial" panose="020B0604020202020204" pitchFamily="34" charset="0"/>
+            </a:endParaRPr>
+          </a:p>
+        </p:txBody>
+      </p:sp>
+      <p:cxnSp>
+        <p:nvCxnSpPr>
+          <p:cNvPr id="28" name="Straight Connector 27"/>
+          <p:cNvCxnSpPr>
+            <a:stCxn id="27" idx="2"/>
+          </p:cNvCxnSpPr>
+          <p:nvPr/>
+        </p:nvCxnSpPr>
+        <p:spPr>
+          <a:xfrm flipH="1" flipV="1">
+            <a:off x="7291749" y="4879723"/>
+            <a:ext cx="348767" cy="114300"/>
+          </a:xfrm>
+          <a:prstGeom prst="line">
+            <a:avLst/>
+          </a:prstGeom>
+          <a:ln w="28575">
+            <a:solidFill>
+              <a:schemeClr val="tx1"/>
+            </a:solidFill>
+          </a:ln>
+        </p:spPr>
+        <p:style>
+          <a:lnRef idx="1">
+            <a:schemeClr val="accent1"/>
+          </a:lnRef>
+          <a:fillRef idx="0">
+            <a:schemeClr val="accent1"/>
+          </a:fillRef>
+          <a:effectRef idx="0">
+            <a:schemeClr val="accent1"/>
+          </a:effectRef>
+          <a:fontRef idx="minor">
+            <a:schemeClr val="tx1"/>
+          </a:fontRef>
+        </p:style>
+      </p:cxnSp>
+      <p:sp>
+        <p:nvSpPr>
+          <p:cNvPr id="30" name="Oval 29"/>
+          <p:cNvSpPr/>
+          <p:nvPr/>
+        </p:nvSpPr>
+        <p:spPr>
+          <a:xfrm>
+            <a:off x="4879737" y="4941269"/>
+            <a:ext cx="228600" cy="228600"/>
+          </a:xfrm>
+          <a:prstGeom prst="ellipse">
+            <a:avLst/>
+          </a:prstGeom>
+          <a:solidFill>
+            <a:schemeClr val="bg1"/>
+          </a:solidFill>
+          <a:ln>
+            <a:solidFill>
+              <a:schemeClr val="tx1"/>
+            </a:solidFill>
+          </a:ln>
+        </p:spPr>
+        <p:style>
+          <a:lnRef idx="2">
+            <a:schemeClr val="accent1">
+              <a:shade val="50000"/>
+            </a:schemeClr>
+          </a:lnRef>
+          <a:fillRef idx="1">
+            <a:schemeClr val="accent1"/>
+          </a:fillRef>
+          <a:effectRef idx="0">
+            <a:schemeClr val="accent1"/>
+          </a:effectRef>
+          <a:fontRef idx="minor">
+            <a:schemeClr val="lt1"/>
+          </a:fontRef>
+        </p:style>
+        <p:txBody>
+          <a:bodyPr rtlCol="0" anchor="ctr"/>
+          <a:lstStyle/>
+          <a:p>
+            <a:pPr algn="ctr"/>
+            <a:endParaRPr lang="en-US" sz="1600" dirty="0">
+              <a:solidFill>
+                <a:schemeClr val="tx1"/>
+              </a:solidFill>
+              <a:latin typeface="Arial" panose="020B0604020202020204" pitchFamily="34" charset="0"/>
+              <a:cs typeface="Arial" panose="020B0604020202020204" pitchFamily="34" charset="0"/>
+            </a:endParaRPr>
+          </a:p>
+        </p:txBody>
+      </p:sp>
+      <p:sp>
+        <p:nvSpPr>
+          <p:cNvPr id="31" name="TextBox 30"/>
+          <p:cNvSpPr txBox="1"/>
+          <p:nvPr/>
+        </p:nvSpPr>
+        <p:spPr>
+          <a:xfrm>
+            <a:off x="4774088" y="4885552"/>
+            <a:ext cx="509953" cy="338554"/>
+          </a:xfrm>
+          <a:prstGeom prst="rect">
+            <a:avLst/>
+          </a:prstGeom>
+          <a:noFill/>
+        </p:spPr>
+        <p:txBody>
+          <a:bodyPr wrap="square" rtlCol="0">
+            <a:spAutoFit/>
+          </a:bodyPr>
+          <a:lstStyle/>
+          <a:p>
+            <a:r>
+              <a:rPr lang="en-US" sz="1600" dirty="0" smtClean="0">
+                <a:latin typeface="Arial" panose="020B0604020202020204" pitchFamily="34" charset="0"/>
+                <a:cs typeface="Arial" panose="020B0604020202020204" pitchFamily="34" charset="0"/>
+              </a:rPr>
+              <a:t>10</a:t>
+            </a:r>
+            <a:endParaRPr lang="en-US" dirty="0">
+              <a:latin typeface="Arial" panose="020B0604020202020204" pitchFamily="34" charset="0"/>
+              <a:cs typeface="Arial" panose="020B0604020202020204" pitchFamily="34" charset="0"/>
+            </a:endParaRPr>
+          </a:p>
+        </p:txBody>
+      </p:sp>
+      <p:sp>
+        <p:nvSpPr>
+          <p:cNvPr id="32" name="Oval 31"/>
+          <p:cNvSpPr/>
+          <p:nvPr/>
+        </p:nvSpPr>
+        <p:spPr>
+          <a:xfrm>
+            <a:off x="7218482" y="5272439"/>
+            <a:ext cx="228600" cy="228600"/>
+          </a:xfrm>
+          <a:prstGeom prst="ellipse">
+            <a:avLst/>
+          </a:prstGeom>
+          <a:solidFill>
+            <a:schemeClr val="bg1"/>
+          </a:solidFill>
+          <a:ln>
+            <a:solidFill>
+              <a:schemeClr val="tx1"/>
+            </a:solidFill>
+          </a:ln>
+        </p:spPr>
+        <p:style>
+          <a:lnRef idx="2">
+            <a:schemeClr val="accent1">
+              <a:shade val="50000"/>
+            </a:schemeClr>
+          </a:lnRef>
+          <a:fillRef idx="1">
+            <a:schemeClr val="accent1"/>
+          </a:fillRef>
+          <a:effectRef idx="0">
+            <a:schemeClr val="accent1"/>
+          </a:effectRef>
+          <a:fontRef idx="minor">
+            <a:schemeClr val="lt1"/>
+          </a:fontRef>
+        </p:style>
+        <p:txBody>
+          <a:bodyPr rtlCol="0" anchor="ctr"/>
+          <a:lstStyle/>
+          <a:p>
+            <a:pPr algn="ctr"/>
+            <a:endParaRPr lang="en-US" sz="1600" dirty="0">
+              <a:solidFill>
+                <a:schemeClr val="tx1"/>
+              </a:solidFill>
+              <a:latin typeface="Arial" panose="020B0604020202020204" pitchFamily="34" charset="0"/>
+              <a:cs typeface="Arial" panose="020B0604020202020204" pitchFamily="34" charset="0"/>
+            </a:endParaRPr>
+          </a:p>
+        </p:txBody>
+      </p:sp>
+      <p:cxnSp>
+        <p:nvCxnSpPr>
+          <p:cNvPr id="33" name="Straight Connector 32"/>
+          <p:cNvCxnSpPr>
+            <a:stCxn id="32" idx="2"/>
+          </p:cNvCxnSpPr>
+          <p:nvPr/>
+        </p:nvCxnSpPr>
+        <p:spPr>
+          <a:xfrm flipH="1" flipV="1">
+            <a:off x="6910749" y="5169869"/>
+            <a:ext cx="307733" cy="216870"/>
+          </a:xfrm>
+          <a:prstGeom prst="line">
+            <a:avLst/>
+          </a:prstGeom>
+          <a:ln w="28575">
+            <a:solidFill>
+              <a:schemeClr val="tx1"/>
+            </a:solidFill>
+          </a:ln>
+        </p:spPr>
+        <p:style>
+          <a:lnRef idx="1">
+            <a:schemeClr val="accent1"/>
+          </a:lnRef>
+          <a:fillRef idx="0">
+            <a:schemeClr val="accent1"/>
+          </a:fillRef>
+          <a:effectRef idx="0">
+            <a:schemeClr val="accent1"/>
+          </a:effectRef>
+          <a:fontRef idx="minor">
+            <a:schemeClr val="tx1"/>
+          </a:fontRef>
+        </p:style>
+      </p:cxnSp>
+      <p:sp>
+        <p:nvSpPr>
+          <p:cNvPr id="36" name="TextBox 35"/>
+          <p:cNvSpPr txBox="1"/>
+          <p:nvPr/>
+        </p:nvSpPr>
+        <p:spPr>
+          <a:xfrm>
+            <a:off x="7145215" y="5224788"/>
+            <a:ext cx="509953" cy="338554"/>
+          </a:xfrm>
+          <a:prstGeom prst="rect">
+            <a:avLst/>
+          </a:prstGeom>
+          <a:noFill/>
+        </p:spPr>
+        <p:txBody>
+          <a:bodyPr wrap="square" rtlCol="0">
+            <a:spAutoFit/>
+          </a:bodyPr>
+          <a:lstStyle/>
+          <a:p>
+            <a:r>
+              <a:rPr lang="en-US" sz="1600" dirty="0" smtClean="0">
+                <a:latin typeface="Arial" panose="020B0604020202020204" pitchFamily="34" charset="0"/>
+                <a:cs typeface="Arial" panose="020B0604020202020204" pitchFamily="34" charset="0"/>
+              </a:rPr>
+              <a:t>11</a:t>
+            </a:r>
+            <a:endParaRPr lang="en-US" dirty="0">
+              <a:latin typeface="Arial" panose="020B0604020202020204" pitchFamily="34" charset="0"/>
+              <a:cs typeface="Arial" panose="020B0604020202020204" pitchFamily="34" charset="0"/>
+            </a:endParaRPr>
+          </a:p>
+        </p:txBody>
+      </p:sp>
+      <p:sp>
+        <p:nvSpPr>
+          <p:cNvPr id="39" name="Oval 38"/>
+          <p:cNvSpPr/>
+          <p:nvPr/>
+        </p:nvSpPr>
+        <p:spPr>
+          <a:xfrm>
+            <a:off x="4026885" y="4158741"/>
+            <a:ext cx="228600" cy="228600"/>
+          </a:xfrm>
+          <a:prstGeom prst="ellipse">
+            <a:avLst/>
+          </a:prstGeom>
+          <a:solidFill>
+            <a:schemeClr val="bg1"/>
+          </a:solidFill>
+          <a:ln>
+            <a:solidFill>
+              <a:schemeClr val="tx1"/>
+            </a:solidFill>
+          </a:ln>
+        </p:spPr>
+        <p:style>
+          <a:lnRef idx="2">
+            <a:schemeClr val="accent1">
+              <a:shade val="50000"/>
+            </a:schemeClr>
+          </a:lnRef>
+          <a:fillRef idx="1">
+            <a:schemeClr val="accent1"/>
+          </a:fillRef>
+          <a:effectRef idx="0">
+            <a:schemeClr val="accent1"/>
+          </a:effectRef>
+          <a:fontRef idx="minor">
+            <a:schemeClr val="lt1"/>
+          </a:fontRef>
+        </p:style>
+        <p:txBody>
+          <a:bodyPr rtlCol="0" anchor="ctr"/>
+          <a:lstStyle/>
+          <a:p>
+            <a:pPr algn="ctr"/>
+            <a:endParaRPr lang="en-US" sz="1600" dirty="0">
+              <a:solidFill>
+                <a:schemeClr val="tx1"/>
+              </a:solidFill>
+              <a:latin typeface="Arial" panose="020B0604020202020204" pitchFamily="34" charset="0"/>
+              <a:cs typeface="Arial" panose="020B0604020202020204" pitchFamily="34" charset="0"/>
+            </a:endParaRPr>
+          </a:p>
+        </p:txBody>
+      </p:sp>
+      <p:sp>
+        <p:nvSpPr>
+          <p:cNvPr id="37" name="TextBox 36"/>
+          <p:cNvSpPr txBox="1"/>
+          <p:nvPr/>
+        </p:nvSpPr>
+        <p:spPr>
+          <a:xfrm>
+            <a:off x="3921376" y="4116226"/>
+            <a:ext cx="509953" cy="338554"/>
+          </a:xfrm>
+          <a:prstGeom prst="rect">
+            <a:avLst/>
+          </a:prstGeom>
+          <a:noFill/>
+        </p:spPr>
+        <p:txBody>
+          <a:bodyPr wrap="square" rtlCol="0">
+            <a:spAutoFit/>
+          </a:bodyPr>
+          <a:lstStyle/>
+          <a:p>
+            <a:r>
+              <a:rPr lang="en-US" sz="1600" dirty="0" smtClean="0">
+                <a:latin typeface="Arial" panose="020B0604020202020204" pitchFamily="34" charset="0"/>
+                <a:cs typeface="Arial" panose="020B0604020202020204" pitchFamily="34" charset="0"/>
+              </a:rPr>
+              <a:t>12</a:t>
+            </a:r>
+            <a:endParaRPr lang="en-US" dirty="0">
+              <a:latin typeface="Arial" panose="020B0604020202020204" pitchFamily="34" charset="0"/>
+              <a:cs typeface="Arial" panose="020B0604020202020204" pitchFamily="34" charset="0"/>
+            </a:endParaRPr>
+          </a:p>
+        </p:txBody>
+      </p:sp>
+      <p:sp>
+        <p:nvSpPr>
+          <p:cNvPr id="40" name="Oval 39"/>
+          <p:cNvSpPr/>
+          <p:nvPr/>
+        </p:nvSpPr>
+        <p:spPr>
+          <a:xfrm>
+            <a:off x="7367959" y="3349859"/>
+            <a:ext cx="228600" cy="228600"/>
+          </a:xfrm>
+          <a:prstGeom prst="ellipse">
+            <a:avLst/>
+          </a:prstGeom>
+          <a:solidFill>
+            <a:schemeClr val="bg1"/>
+          </a:solidFill>
+          <a:ln>
+            <a:solidFill>
+              <a:schemeClr val="tx1"/>
+            </a:solidFill>
+          </a:ln>
+        </p:spPr>
+        <p:style>
+          <a:lnRef idx="2">
+            <a:schemeClr val="accent1">
+              <a:shade val="50000"/>
+            </a:schemeClr>
+          </a:lnRef>
+          <a:fillRef idx="1">
+            <a:schemeClr val="accent1"/>
+          </a:fillRef>
+          <a:effectRef idx="0">
+            <a:schemeClr val="accent1"/>
+          </a:effectRef>
+          <a:fontRef idx="minor">
+            <a:schemeClr val="lt1"/>
+          </a:fontRef>
+        </p:style>
+        <p:txBody>
+          <a:bodyPr rtlCol="0" anchor="ctr"/>
+          <a:lstStyle/>
+          <a:p>
+            <a:pPr algn="ctr"/>
+            <a:endParaRPr lang="en-US" sz="1600" dirty="0">
+              <a:solidFill>
+                <a:schemeClr val="tx1"/>
+              </a:solidFill>
+              <a:latin typeface="Arial" panose="020B0604020202020204" pitchFamily="34" charset="0"/>
+              <a:cs typeface="Arial" panose="020B0604020202020204" pitchFamily="34" charset="0"/>
+            </a:endParaRPr>
+          </a:p>
+        </p:txBody>
+      </p:sp>
+      <p:sp>
+        <p:nvSpPr>
+          <p:cNvPr id="41" name="TextBox 40"/>
+          <p:cNvSpPr txBox="1"/>
+          <p:nvPr/>
+        </p:nvSpPr>
+        <p:spPr>
+          <a:xfrm>
+            <a:off x="7274182" y="3300743"/>
+            <a:ext cx="509953" cy="338554"/>
+          </a:xfrm>
+          <a:prstGeom prst="rect">
+            <a:avLst/>
+          </a:prstGeom>
+          <a:noFill/>
+        </p:spPr>
+        <p:txBody>
+          <a:bodyPr wrap="square" rtlCol="0">
+            <a:spAutoFit/>
+          </a:bodyPr>
+          <a:lstStyle/>
+          <a:p>
+            <a:r>
+              <a:rPr lang="en-US" sz="1600" dirty="0" smtClean="0">
+                <a:latin typeface="Arial" panose="020B0604020202020204" pitchFamily="34" charset="0"/>
+                <a:cs typeface="Arial" panose="020B0604020202020204" pitchFamily="34" charset="0"/>
+              </a:rPr>
+              <a:t>13</a:t>
+            </a:r>
+            <a:endParaRPr lang="en-US" dirty="0">
+              <a:latin typeface="Arial" panose="020B0604020202020204" pitchFamily="34" charset="0"/>
+              <a:cs typeface="Arial" panose="020B0604020202020204" pitchFamily="34" charset="0"/>
+            </a:endParaRPr>
+          </a:p>
+        </p:txBody>
+      </p:sp>
+      <p:sp>
+        <p:nvSpPr>
+          <p:cNvPr id="42" name="Oval 41"/>
+          <p:cNvSpPr/>
+          <p:nvPr/>
+        </p:nvSpPr>
+        <p:spPr>
+          <a:xfrm>
+            <a:off x="6761287" y="4633529"/>
+            <a:ext cx="228600" cy="228600"/>
+          </a:xfrm>
+          <a:prstGeom prst="ellipse">
+            <a:avLst/>
+          </a:prstGeom>
+          <a:solidFill>
+            <a:schemeClr val="bg1"/>
+          </a:solidFill>
+          <a:ln>
+            <a:solidFill>
+              <a:schemeClr val="tx1"/>
+            </a:solidFill>
+          </a:ln>
+        </p:spPr>
+        <p:style>
+          <a:lnRef idx="2">
+            <a:schemeClr val="accent1">
+              <a:shade val="50000"/>
+            </a:schemeClr>
+          </a:lnRef>
+          <a:fillRef idx="1">
+            <a:schemeClr val="accent1"/>
+          </a:fillRef>
+          <a:effectRef idx="0">
+            <a:schemeClr val="accent1"/>
+          </a:effectRef>
+          <a:fontRef idx="minor">
+            <a:schemeClr val="lt1"/>
+          </a:fontRef>
+        </p:style>
+        <p:txBody>
+          <a:bodyPr rtlCol="0" anchor="ctr"/>
+          <a:lstStyle/>
+          <a:p>
+            <a:pPr algn="ctr"/>
+            <a:endParaRPr lang="en-US" sz="1600" dirty="0">
+              <a:solidFill>
+                <a:schemeClr val="tx1"/>
+              </a:solidFill>
+              <a:latin typeface="Arial" panose="020B0604020202020204" pitchFamily="34" charset="0"/>
+              <a:cs typeface="Arial" panose="020B0604020202020204" pitchFamily="34" charset="0"/>
+            </a:endParaRPr>
+          </a:p>
+        </p:txBody>
+      </p:sp>
+      <p:cxnSp>
+        <p:nvCxnSpPr>
+          <p:cNvPr id="43" name="Straight Connector 42"/>
+          <p:cNvCxnSpPr/>
+          <p:nvPr/>
+        </p:nvCxnSpPr>
+        <p:spPr>
+          <a:xfrm flipV="1">
+            <a:off x="6787400" y="4850408"/>
+            <a:ext cx="70601" cy="312129"/>
+          </a:xfrm>
+          <a:prstGeom prst="line">
+            <a:avLst/>
+          </a:prstGeom>
+          <a:ln w="28575">
+            <a:solidFill>
+              <a:schemeClr val="tx1"/>
+            </a:solidFill>
+          </a:ln>
+        </p:spPr>
+        <p:style>
+          <a:lnRef idx="1">
+            <a:schemeClr val="accent1"/>
+          </a:lnRef>
+          <a:fillRef idx="0">
+            <a:schemeClr val="accent1"/>
+          </a:fillRef>
+          <a:effectRef idx="0">
+            <a:schemeClr val="accent1"/>
+          </a:effectRef>
+          <a:fontRef idx="minor">
+            <a:schemeClr val="tx1"/>
+          </a:fontRef>
+        </p:style>
+      </p:cxnSp>
+      <p:sp>
+        <p:nvSpPr>
+          <p:cNvPr id="46" name="TextBox 45"/>
+          <p:cNvSpPr txBox="1"/>
+          <p:nvPr/>
+        </p:nvSpPr>
+        <p:spPr>
+          <a:xfrm>
+            <a:off x="6655777" y="4587359"/>
+            <a:ext cx="509953" cy="338554"/>
+          </a:xfrm>
+          <a:prstGeom prst="rect">
+            <a:avLst/>
+          </a:prstGeom>
+          <a:noFill/>
+        </p:spPr>
+        <p:txBody>
+          <a:bodyPr wrap="square" rtlCol="0">
+            <a:spAutoFit/>
+          </a:bodyPr>
+          <a:lstStyle/>
+          <a:p>
+            <a:r>
+              <a:rPr lang="en-US" sz="1600" dirty="0" smtClean="0">
+                <a:latin typeface="Arial" panose="020B0604020202020204" pitchFamily="34" charset="0"/>
+                <a:cs typeface="Arial" panose="020B0604020202020204" pitchFamily="34" charset="0"/>
+              </a:rPr>
+              <a:t>14</a:t>
+            </a:r>
+            <a:endParaRPr lang="en-US" dirty="0">
+              <a:latin typeface="Arial" panose="020B0604020202020204" pitchFamily="34" charset="0"/>
+              <a:cs typeface="Arial" panose="020B0604020202020204" pitchFamily="34" charset="0"/>
+            </a:endParaRPr>
+          </a:p>
+        </p:txBody>
+      </p:sp>
+      <p:sp>
+        <p:nvSpPr>
+          <p:cNvPr id="48" name="Oval 47"/>
+          <p:cNvSpPr/>
+          <p:nvPr/>
+        </p:nvSpPr>
+        <p:spPr>
+          <a:xfrm>
+            <a:off x="4563216" y="3147635"/>
+            <a:ext cx="228600" cy="228600"/>
+          </a:xfrm>
+          <a:prstGeom prst="ellipse">
+            <a:avLst/>
+          </a:prstGeom>
+          <a:solidFill>
+            <a:schemeClr val="bg1"/>
+          </a:solidFill>
+          <a:ln>
+            <a:solidFill>
+              <a:schemeClr val="tx1"/>
+            </a:solidFill>
+          </a:ln>
+        </p:spPr>
+        <p:style>
+          <a:lnRef idx="2">
+            <a:schemeClr val="accent1">
+              <a:shade val="50000"/>
+            </a:schemeClr>
+          </a:lnRef>
+          <a:fillRef idx="1">
+            <a:schemeClr val="accent1"/>
+          </a:fillRef>
+          <a:effectRef idx="0">
+            <a:schemeClr val="accent1"/>
+          </a:effectRef>
+          <a:fontRef idx="minor">
+            <a:schemeClr val="lt1"/>
+          </a:fontRef>
+        </p:style>
+        <p:txBody>
+          <a:bodyPr rtlCol="0" anchor="ctr"/>
+          <a:lstStyle/>
+          <a:p>
+            <a:pPr algn="ctr"/>
+            <a:endParaRPr lang="en-US" sz="1600" dirty="0">
+              <a:solidFill>
+                <a:schemeClr val="tx1"/>
+              </a:solidFill>
+              <a:latin typeface="Arial" panose="020B0604020202020204" pitchFamily="34" charset="0"/>
+              <a:cs typeface="Arial" panose="020B0604020202020204" pitchFamily="34" charset="0"/>
+            </a:endParaRPr>
+          </a:p>
+        </p:txBody>
+      </p:sp>
+      <p:sp>
+        <p:nvSpPr>
+          <p:cNvPr id="47" name="TextBox 46"/>
+          <p:cNvSpPr txBox="1"/>
+          <p:nvPr/>
+        </p:nvSpPr>
+        <p:spPr>
+          <a:xfrm>
+            <a:off x="4457705" y="3108010"/>
+            <a:ext cx="509953" cy="338554"/>
+          </a:xfrm>
+          <a:prstGeom prst="rect">
+            <a:avLst/>
+          </a:prstGeom>
+          <a:noFill/>
+        </p:spPr>
+        <p:txBody>
+          <a:bodyPr wrap="square" rtlCol="0">
+            <a:spAutoFit/>
+          </a:bodyPr>
+          <a:lstStyle/>
+          <a:p>
+            <a:r>
+              <a:rPr lang="en-US" sz="1600" dirty="0" smtClean="0">
+                <a:latin typeface="Arial" panose="020B0604020202020204" pitchFamily="34" charset="0"/>
+                <a:cs typeface="Arial" panose="020B0604020202020204" pitchFamily="34" charset="0"/>
+              </a:rPr>
+              <a:t>15</a:t>
+            </a:r>
+            <a:endParaRPr lang="en-US" dirty="0">
+              <a:latin typeface="Arial" panose="020B0604020202020204" pitchFamily="34" charset="0"/>
+              <a:cs typeface="Arial" panose="020B0604020202020204" pitchFamily="34" charset="0"/>
+            </a:endParaRPr>
+          </a:p>
+        </p:txBody>
+      </p:sp>
+      <p:cxnSp>
+        <p:nvCxnSpPr>
+          <p:cNvPr id="49" name="Straight Connector 48"/>
+          <p:cNvCxnSpPr/>
+          <p:nvPr/>
+        </p:nvCxnSpPr>
+        <p:spPr>
+          <a:xfrm flipV="1">
+            <a:off x="4298584" y="3349860"/>
+            <a:ext cx="304321" cy="136329"/>
+          </a:xfrm>
+          <a:prstGeom prst="line">
+            <a:avLst/>
+          </a:prstGeom>
+          <a:ln w="28575">
+            <a:solidFill>
+              <a:schemeClr val="tx1"/>
+            </a:solidFill>
+          </a:ln>
+        </p:spPr>
+        <p:style>
+          <a:lnRef idx="1">
+            <a:schemeClr val="accent1"/>
+          </a:lnRef>
+          <a:fillRef idx="0">
+            <a:schemeClr val="accent1"/>
+          </a:fillRef>
+          <a:effectRef idx="0">
+            <a:schemeClr val="accent1"/>
+          </a:effectRef>
+          <a:fontRef idx="minor">
+            <a:schemeClr val="tx1"/>
+          </a:fontRef>
+        </p:style>
+      </p:cxnSp>
+      <p:pic>
+        <p:nvPicPr>
+          <p:cNvPr id="53" name="Picture 52"/>
           <p:cNvPicPr>
             <a:picLocks noChangeAspect="1"/>
           </p:cNvPicPr>
@@ -5788,1409 +6597,22 @@
         </p:blipFill>
         <p:spPr>
           <a:xfrm>
-            <a:off x="3446318" y="0"/>
-            <a:ext cx="5299364" cy="6858000"/>
+            <a:off x="5138955" y="3231171"/>
+            <a:ext cx="1901778" cy="1358413"/>
           </a:xfrm>
           <a:prstGeom prst="rect">
             <a:avLst/>
           </a:prstGeom>
+          <a:ln>
+            <a:solidFill>
+              <a:schemeClr val="tx1"/>
+            </a:solidFill>
+          </a:ln>
         </p:spPr>
       </p:pic>
-      <p:pic>
-        <p:nvPicPr>
-          <p:cNvPr id="5" name="Picture 4"/>
-          <p:cNvPicPr>
-            <a:picLocks noChangeAspect="1"/>
-          </p:cNvPicPr>
-          <p:nvPr/>
-        </p:nvPicPr>
-        <p:blipFill>
-          <a:blip r:embed="rId4" cstate="print">
-            <a:extLst>
-              <a:ext uri="{28A0092B-C50C-407E-A947-70E740481C1C}">
-                <a14:useLocalDpi xmlns:a14="http://schemas.microsoft.com/office/drawing/2010/main" val="0"/>
-              </a:ext>
-            </a:extLst>
-          </a:blip>
-          <a:stretch>
-            <a:fillRect/>
-          </a:stretch>
-        </p:blipFill>
-        <p:spPr>
-          <a:xfrm>
-            <a:off x="5001216" y="3206699"/>
-            <a:ext cx="1369815" cy="978439"/>
-          </a:xfrm>
-          <a:prstGeom prst="rect">
-            <a:avLst/>
-          </a:prstGeom>
-          <a:ln>
-            <a:solidFill>
-              <a:schemeClr val="tx1"/>
-            </a:solidFill>
-          </a:ln>
-        </p:spPr>
-      </p:pic>
-      <p:sp>
-        <p:nvSpPr>
-          <p:cNvPr id="30" name="Oval 29"/>
-          <p:cNvSpPr/>
-          <p:nvPr/>
-        </p:nvSpPr>
-        <p:spPr>
-          <a:xfrm>
-            <a:off x="6910749" y="5618275"/>
-            <a:ext cx="228600" cy="228600"/>
-          </a:xfrm>
-          <a:prstGeom prst="ellipse">
-            <a:avLst/>
-          </a:prstGeom>
-          <a:solidFill>
-            <a:schemeClr val="bg1"/>
-          </a:solidFill>
-          <a:ln>
-            <a:solidFill>
-              <a:schemeClr val="tx1"/>
-            </a:solidFill>
-          </a:ln>
-        </p:spPr>
-        <p:style>
-          <a:lnRef idx="2">
-            <a:schemeClr val="accent1">
-              <a:shade val="50000"/>
-            </a:schemeClr>
-          </a:lnRef>
-          <a:fillRef idx="1">
-            <a:schemeClr val="accent1"/>
-          </a:fillRef>
-          <a:effectRef idx="0">
-            <a:schemeClr val="accent1"/>
-          </a:effectRef>
-          <a:fontRef idx="minor">
-            <a:schemeClr val="lt1"/>
-          </a:fontRef>
-        </p:style>
-        <p:txBody>
-          <a:bodyPr rtlCol="0" anchor="ctr"/>
-          <a:lstStyle/>
-          <a:p>
-            <a:pPr algn="ctr"/>
-            <a:r>
-              <a:rPr lang="en-US" sz="1600" dirty="0" smtClean="0">
-                <a:solidFill>
-                  <a:schemeClr val="tx1"/>
-                </a:solidFill>
-                <a:latin typeface="Arial" panose="020B0604020202020204" pitchFamily="34" charset="0"/>
-                <a:cs typeface="Arial" panose="020B0604020202020204" pitchFamily="34" charset="0"/>
-              </a:rPr>
-              <a:t>1</a:t>
-            </a:r>
-            <a:endParaRPr lang="en-US" sz="1600" dirty="0">
-              <a:solidFill>
-                <a:schemeClr val="tx1"/>
-              </a:solidFill>
-              <a:latin typeface="Arial" panose="020B0604020202020204" pitchFamily="34" charset="0"/>
-              <a:cs typeface="Arial" panose="020B0604020202020204" pitchFamily="34" charset="0"/>
-            </a:endParaRPr>
-          </a:p>
-        </p:txBody>
-      </p:sp>
-      <p:sp>
-        <p:nvSpPr>
-          <p:cNvPr id="31" name="Oval 30"/>
-          <p:cNvSpPr/>
-          <p:nvPr/>
-        </p:nvSpPr>
-        <p:spPr>
-          <a:xfrm>
-            <a:off x="7617072" y="4337528"/>
-            <a:ext cx="228600" cy="228600"/>
-          </a:xfrm>
-          <a:prstGeom prst="ellipse">
-            <a:avLst/>
-          </a:prstGeom>
-          <a:solidFill>
-            <a:schemeClr val="bg1"/>
-          </a:solidFill>
-          <a:ln>
-            <a:solidFill>
-              <a:schemeClr val="tx1"/>
-            </a:solidFill>
-          </a:ln>
-        </p:spPr>
-        <p:style>
-          <a:lnRef idx="2">
-            <a:schemeClr val="accent1">
-              <a:shade val="50000"/>
-            </a:schemeClr>
-          </a:lnRef>
-          <a:fillRef idx="1">
-            <a:schemeClr val="accent1"/>
-          </a:fillRef>
-          <a:effectRef idx="0">
-            <a:schemeClr val="accent1"/>
-          </a:effectRef>
-          <a:fontRef idx="minor">
-            <a:schemeClr val="lt1"/>
-          </a:fontRef>
-        </p:style>
-        <p:txBody>
-          <a:bodyPr rtlCol="0" anchor="ctr"/>
-          <a:lstStyle/>
-          <a:p>
-            <a:pPr algn="ctr"/>
-            <a:r>
-              <a:rPr lang="en-US" sz="1600" dirty="0">
-                <a:solidFill>
-                  <a:schemeClr val="tx1"/>
-                </a:solidFill>
-                <a:latin typeface="Arial" panose="020B0604020202020204" pitchFamily="34" charset="0"/>
-                <a:cs typeface="Arial" panose="020B0604020202020204" pitchFamily="34" charset="0"/>
-              </a:rPr>
-              <a:t>4</a:t>
-            </a:r>
-          </a:p>
-        </p:txBody>
-      </p:sp>
-      <p:cxnSp>
-        <p:nvCxnSpPr>
-          <p:cNvPr id="32" name="Straight Connector 31"/>
-          <p:cNvCxnSpPr>
-            <a:stCxn id="31" idx="2"/>
-          </p:cNvCxnSpPr>
-          <p:nvPr/>
-        </p:nvCxnSpPr>
-        <p:spPr>
-          <a:xfrm flipH="1">
-            <a:off x="7280031" y="4451828"/>
-            <a:ext cx="337041" cy="5872"/>
-          </a:xfrm>
-          <a:prstGeom prst="line">
-            <a:avLst/>
-          </a:prstGeom>
-          <a:ln w="28575">
-            <a:solidFill>
-              <a:schemeClr val="tx1"/>
-            </a:solidFill>
-          </a:ln>
-        </p:spPr>
-        <p:style>
-          <a:lnRef idx="1">
-            <a:schemeClr val="accent1"/>
-          </a:lnRef>
-          <a:fillRef idx="0">
-            <a:schemeClr val="accent1"/>
-          </a:fillRef>
-          <a:effectRef idx="0">
-            <a:schemeClr val="accent1"/>
-          </a:effectRef>
-          <a:fontRef idx="minor">
-            <a:schemeClr val="tx1"/>
-          </a:fontRef>
-        </p:style>
-      </p:cxnSp>
-      <p:sp>
-        <p:nvSpPr>
-          <p:cNvPr id="33" name="Oval 32"/>
-          <p:cNvSpPr/>
-          <p:nvPr/>
-        </p:nvSpPr>
-        <p:spPr>
-          <a:xfrm>
-            <a:off x="7663966" y="4621808"/>
-            <a:ext cx="228600" cy="228600"/>
-          </a:xfrm>
-          <a:prstGeom prst="ellipse">
-            <a:avLst/>
-          </a:prstGeom>
-          <a:solidFill>
-            <a:schemeClr val="bg1"/>
-          </a:solidFill>
-          <a:ln>
-            <a:solidFill>
-              <a:schemeClr val="tx1"/>
-            </a:solidFill>
-          </a:ln>
-        </p:spPr>
-        <p:style>
-          <a:lnRef idx="2">
-            <a:schemeClr val="accent1">
-              <a:shade val="50000"/>
-            </a:schemeClr>
-          </a:lnRef>
-          <a:fillRef idx="1">
-            <a:schemeClr val="accent1"/>
-          </a:fillRef>
-          <a:effectRef idx="0">
-            <a:schemeClr val="accent1"/>
-          </a:effectRef>
-          <a:fontRef idx="minor">
-            <a:schemeClr val="lt1"/>
-          </a:fontRef>
-        </p:style>
-        <p:txBody>
-          <a:bodyPr rtlCol="0" anchor="ctr"/>
-          <a:lstStyle/>
-          <a:p>
-            <a:pPr algn="ctr"/>
-            <a:r>
-              <a:rPr lang="en-US" sz="1600" dirty="0" smtClean="0">
-                <a:solidFill>
-                  <a:schemeClr val="tx1"/>
-                </a:solidFill>
-                <a:latin typeface="Arial" panose="020B0604020202020204" pitchFamily="34" charset="0"/>
-                <a:cs typeface="Arial" panose="020B0604020202020204" pitchFamily="34" charset="0"/>
-              </a:rPr>
-              <a:t>2</a:t>
-            </a:r>
-            <a:endParaRPr lang="en-US" sz="1600" dirty="0">
-              <a:solidFill>
-                <a:schemeClr val="tx1"/>
-              </a:solidFill>
-              <a:latin typeface="Arial" panose="020B0604020202020204" pitchFamily="34" charset="0"/>
-              <a:cs typeface="Arial" panose="020B0604020202020204" pitchFamily="34" charset="0"/>
-            </a:endParaRPr>
-          </a:p>
-        </p:txBody>
-      </p:sp>
-      <p:cxnSp>
-        <p:nvCxnSpPr>
-          <p:cNvPr id="34" name="Straight Connector 33"/>
-          <p:cNvCxnSpPr>
-            <a:stCxn id="33" idx="2"/>
-          </p:cNvCxnSpPr>
-          <p:nvPr/>
-        </p:nvCxnSpPr>
-        <p:spPr>
-          <a:xfrm flipH="1" flipV="1">
-            <a:off x="7280031" y="4617406"/>
-            <a:ext cx="383935" cy="118702"/>
-          </a:xfrm>
-          <a:prstGeom prst="line">
-            <a:avLst/>
-          </a:prstGeom>
-          <a:ln w="28575">
-            <a:solidFill>
-              <a:schemeClr val="tx1"/>
-            </a:solidFill>
-          </a:ln>
-        </p:spPr>
-        <p:style>
-          <a:lnRef idx="1">
-            <a:schemeClr val="accent1"/>
-          </a:lnRef>
-          <a:fillRef idx="0">
-            <a:schemeClr val="accent1"/>
-          </a:fillRef>
-          <a:effectRef idx="0">
-            <a:schemeClr val="accent1"/>
-          </a:effectRef>
-          <a:fontRef idx="minor">
-            <a:schemeClr val="tx1"/>
-          </a:fontRef>
-        </p:style>
-      </p:cxnSp>
-      <p:sp>
-        <p:nvSpPr>
-          <p:cNvPr id="35" name="Oval 34"/>
-          <p:cNvSpPr/>
-          <p:nvPr/>
-        </p:nvSpPr>
-        <p:spPr>
-          <a:xfrm>
-            <a:off x="7488116" y="5105386"/>
-            <a:ext cx="228600" cy="228600"/>
-          </a:xfrm>
-          <a:prstGeom prst="ellipse">
-            <a:avLst/>
-          </a:prstGeom>
-          <a:solidFill>
-            <a:schemeClr val="bg1"/>
-          </a:solidFill>
-          <a:ln>
-            <a:solidFill>
-              <a:schemeClr val="tx1"/>
-            </a:solidFill>
-          </a:ln>
-        </p:spPr>
-        <p:style>
-          <a:lnRef idx="2">
-            <a:schemeClr val="accent1">
-              <a:shade val="50000"/>
-            </a:schemeClr>
-          </a:lnRef>
-          <a:fillRef idx="1">
-            <a:schemeClr val="accent1"/>
-          </a:fillRef>
-          <a:effectRef idx="0">
-            <a:schemeClr val="accent1"/>
-          </a:effectRef>
-          <a:fontRef idx="minor">
-            <a:schemeClr val="lt1"/>
-          </a:fontRef>
-        </p:style>
-        <p:txBody>
-          <a:bodyPr rtlCol="0" anchor="ctr"/>
-          <a:lstStyle/>
-          <a:p>
-            <a:pPr algn="ctr"/>
-            <a:r>
-              <a:rPr lang="en-US" sz="1600" dirty="0" smtClean="0">
-                <a:solidFill>
-                  <a:schemeClr val="tx1"/>
-                </a:solidFill>
-                <a:latin typeface="Arial" panose="020B0604020202020204" pitchFamily="34" charset="0"/>
-                <a:cs typeface="Arial" panose="020B0604020202020204" pitchFamily="34" charset="0"/>
-              </a:rPr>
-              <a:t>3</a:t>
-            </a:r>
-            <a:endParaRPr lang="en-US" sz="1600" dirty="0">
-              <a:solidFill>
-                <a:schemeClr val="tx1"/>
-              </a:solidFill>
-              <a:latin typeface="Arial" panose="020B0604020202020204" pitchFamily="34" charset="0"/>
-              <a:cs typeface="Arial" panose="020B0604020202020204" pitchFamily="34" charset="0"/>
-            </a:endParaRPr>
-          </a:p>
-        </p:txBody>
-      </p:sp>
-      <p:cxnSp>
-        <p:nvCxnSpPr>
-          <p:cNvPr id="36" name="Straight Connector 35"/>
-          <p:cNvCxnSpPr>
-            <a:stCxn id="35" idx="2"/>
-          </p:cNvCxnSpPr>
-          <p:nvPr/>
-        </p:nvCxnSpPr>
-        <p:spPr>
-          <a:xfrm flipH="1" flipV="1">
-            <a:off x="7139349" y="5105386"/>
-            <a:ext cx="348767" cy="114300"/>
-          </a:xfrm>
-          <a:prstGeom prst="line">
-            <a:avLst/>
-          </a:prstGeom>
-          <a:ln w="28575">
-            <a:solidFill>
-              <a:schemeClr val="tx1"/>
-            </a:solidFill>
-          </a:ln>
-        </p:spPr>
-        <p:style>
-          <a:lnRef idx="1">
-            <a:schemeClr val="accent1"/>
-          </a:lnRef>
-          <a:fillRef idx="0">
-            <a:schemeClr val="accent1"/>
-          </a:fillRef>
-          <a:effectRef idx="0">
-            <a:schemeClr val="accent1"/>
-          </a:effectRef>
-          <a:fontRef idx="minor">
-            <a:schemeClr val="tx1"/>
-          </a:fontRef>
-        </p:style>
-      </p:cxnSp>
-      <p:sp>
-        <p:nvSpPr>
-          <p:cNvPr id="37" name="Oval 36"/>
-          <p:cNvSpPr/>
-          <p:nvPr/>
-        </p:nvSpPr>
-        <p:spPr>
-          <a:xfrm>
-            <a:off x="6353912" y="5650512"/>
-            <a:ext cx="228600" cy="228600"/>
-          </a:xfrm>
-          <a:prstGeom prst="ellipse">
-            <a:avLst/>
-          </a:prstGeom>
-          <a:solidFill>
-            <a:schemeClr val="bg1"/>
-          </a:solidFill>
-          <a:ln>
-            <a:solidFill>
-              <a:schemeClr val="tx1"/>
-            </a:solidFill>
-          </a:ln>
-        </p:spPr>
-        <p:style>
-          <a:lnRef idx="2">
-            <a:schemeClr val="accent1">
-              <a:shade val="50000"/>
-            </a:schemeClr>
-          </a:lnRef>
-          <a:fillRef idx="1">
-            <a:schemeClr val="accent1"/>
-          </a:fillRef>
-          <a:effectRef idx="0">
-            <a:schemeClr val="accent1"/>
-          </a:effectRef>
-          <a:fontRef idx="minor">
-            <a:schemeClr val="lt1"/>
-          </a:fontRef>
-        </p:style>
-        <p:txBody>
-          <a:bodyPr rtlCol="0" anchor="ctr"/>
-          <a:lstStyle/>
-          <a:p>
-            <a:pPr algn="ctr"/>
-            <a:r>
-              <a:rPr lang="en-US" sz="1600" dirty="0">
-                <a:solidFill>
-                  <a:schemeClr val="tx1"/>
-                </a:solidFill>
-                <a:latin typeface="Arial" panose="020B0604020202020204" pitchFamily="34" charset="0"/>
-                <a:cs typeface="Arial" panose="020B0604020202020204" pitchFamily="34" charset="0"/>
-              </a:rPr>
-              <a:t>6</a:t>
-            </a:r>
-          </a:p>
-        </p:txBody>
-      </p:sp>
-      <p:cxnSp>
-        <p:nvCxnSpPr>
-          <p:cNvPr id="38" name="Straight Connector 37"/>
-          <p:cNvCxnSpPr/>
-          <p:nvPr/>
-        </p:nvCxnSpPr>
-        <p:spPr>
-          <a:xfrm flipV="1">
-            <a:off x="6450624" y="5219686"/>
-            <a:ext cx="131888" cy="430830"/>
-          </a:xfrm>
-          <a:prstGeom prst="line">
-            <a:avLst/>
-          </a:prstGeom>
-          <a:ln w="28575">
-            <a:solidFill>
-              <a:schemeClr val="tx1"/>
-            </a:solidFill>
-          </a:ln>
-        </p:spPr>
-        <p:style>
-          <a:lnRef idx="1">
-            <a:schemeClr val="accent1"/>
-          </a:lnRef>
-          <a:fillRef idx="0">
-            <a:schemeClr val="accent1"/>
-          </a:fillRef>
-          <a:effectRef idx="0">
-            <a:schemeClr val="accent1"/>
-          </a:effectRef>
-          <a:fontRef idx="minor">
-            <a:schemeClr val="tx1"/>
-          </a:fontRef>
-        </p:style>
-      </p:cxnSp>
-      <p:sp>
-        <p:nvSpPr>
-          <p:cNvPr id="39" name="Oval 38"/>
-          <p:cNvSpPr/>
-          <p:nvPr/>
-        </p:nvSpPr>
-        <p:spPr>
-          <a:xfrm>
-            <a:off x="7681552" y="3883262"/>
-            <a:ext cx="228600" cy="228600"/>
-          </a:xfrm>
-          <a:prstGeom prst="ellipse">
-            <a:avLst/>
-          </a:prstGeom>
-          <a:solidFill>
-            <a:schemeClr val="bg1"/>
-          </a:solidFill>
-          <a:ln>
-            <a:solidFill>
-              <a:schemeClr val="tx1"/>
-            </a:solidFill>
-          </a:ln>
-        </p:spPr>
-        <p:style>
-          <a:lnRef idx="2">
-            <a:schemeClr val="accent1">
-              <a:shade val="50000"/>
-            </a:schemeClr>
-          </a:lnRef>
-          <a:fillRef idx="1">
-            <a:schemeClr val="accent1"/>
-          </a:fillRef>
-          <a:effectRef idx="0">
-            <a:schemeClr val="accent1"/>
-          </a:effectRef>
-          <a:fontRef idx="minor">
-            <a:schemeClr val="lt1"/>
-          </a:fontRef>
-        </p:style>
-        <p:txBody>
-          <a:bodyPr rtlCol="0" anchor="ctr"/>
-          <a:lstStyle/>
-          <a:p>
-            <a:pPr algn="ctr"/>
-            <a:r>
-              <a:rPr lang="en-US" sz="1600" dirty="0">
-                <a:solidFill>
-                  <a:schemeClr val="tx1"/>
-                </a:solidFill>
-                <a:latin typeface="Arial" panose="020B0604020202020204" pitchFamily="34" charset="0"/>
-                <a:cs typeface="Arial" panose="020B0604020202020204" pitchFamily="34" charset="0"/>
-              </a:rPr>
-              <a:t>7</a:t>
-            </a:r>
-          </a:p>
-        </p:txBody>
-      </p:sp>
-      <p:cxnSp>
-        <p:nvCxnSpPr>
-          <p:cNvPr id="40" name="Straight Connector 39"/>
-          <p:cNvCxnSpPr>
-            <a:stCxn id="39" idx="2"/>
-          </p:cNvCxnSpPr>
-          <p:nvPr/>
-        </p:nvCxnSpPr>
-        <p:spPr>
-          <a:xfrm flipH="1">
-            <a:off x="7447082" y="3997562"/>
-            <a:ext cx="234470" cy="45064"/>
-          </a:xfrm>
-          <a:prstGeom prst="line">
-            <a:avLst/>
-          </a:prstGeom>
-          <a:ln w="28575">
-            <a:solidFill>
-              <a:schemeClr val="tx1"/>
-            </a:solidFill>
-          </a:ln>
-        </p:spPr>
-        <p:style>
-          <a:lnRef idx="1">
-            <a:schemeClr val="accent1"/>
-          </a:lnRef>
-          <a:fillRef idx="0">
-            <a:schemeClr val="accent1"/>
-          </a:fillRef>
-          <a:effectRef idx="0">
-            <a:schemeClr val="accent1"/>
-          </a:effectRef>
-          <a:fontRef idx="minor">
-            <a:schemeClr val="tx1"/>
-          </a:fontRef>
-        </p:style>
-      </p:cxnSp>
-      <p:sp>
-        <p:nvSpPr>
-          <p:cNvPr id="41" name="Oval 40"/>
-          <p:cNvSpPr/>
-          <p:nvPr/>
-        </p:nvSpPr>
-        <p:spPr>
-          <a:xfrm>
-            <a:off x="4700960" y="3452436"/>
-            <a:ext cx="228600" cy="228600"/>
-          </a:xfrm>
-          <a:prstGeom prst="ellipse">
-            <a:avLst/>
-          </a:prstGeom>
-          <a:solidFill>
-            <a:schemeClr val="bg1"/>
-          </a:solidFill>
-          <a:ln>
-            <a:solidFill>
-              <a:schemeClr val="tx1"/>
-            </a:solidFill>
-          </a:ln>
-        </p:spPr>
-        <p:style>
-          <a:lnRef idx="2">
-            <a:schemeClr val="accent1">
-              <a:shade val="50000"/>
-            </a:schemeClr>
-          </a:lnRef>
-          <a:fillRef idx="1">
-            <a:schemeClr val="accent1"/>
-          </a:fillRef>
-          <a:effectRef idx="0">
-            <a:schemeClr val="accent1"/>
-          </a:effectRef>
-          <a:fontRef idx="minor">
-            <a:schemeClr val="lt1"/>
-          </a:fontRef>
-        </p:style>
-        <p:txBody>
-          <a:bodyPr rtlCol="0" anchor="ctr"/>
-          <a:lstStyle/>
-          <a:p>
-            <a:pPr algn="ctr"/>
-            <a:r>
-              <a:rPr lang="en-US" sz="1600" dirty="0" smtClean="0">
-                <a:solidFill>
-                  <a:schemeClr val="tx1"/>
-                </a:solidFill>
-                <a:latin typeface="Arial" panose="020B0604020202020204" pitchFamily="34" charset="0"/>
-                <a:cs typeface="Arial" panose="020B0604020202020204" pitchFamily="34" charset="0"/>
-              </a:rPr>
-              <a:t>8</a:t>
-            </a:r>
-            <a:endParaRPr lang="en-US" sz="1600" dirty="0">
-              <a:solidFill>
-                <a:schemeClr val="tx1"/>
-              </a:solidFill>
-              <a:latin typeface="Arial" panose="020B0604020202020204" pitchFamily="34" charset="0"/>
-              <a:cs typeface="Arial" panose="020B0604020202020204" pitchFamily="34" charset="0"/>
-            </a:endParaRPr>
-          </a:p>
-        </p:txBody>
-      </p:sp>
-      <p:sp>
-        <p:nvSpPr>
-          <p:cNvPr id="42" name="Oval 41"/>
-          <p:cNvSpPr/>
-          <p:nvPr/>
-        </p:nvSpPr>
-        <p:spPr>
-          <a:xfrm>
-            <a:off x="6629401" y="5732576"/>
-            <a:ext cx="228600" cy="228600"/>
-          </a:xfrm>
-          <a:prstGeom prst="ellipse">
-            <a:avLst/>
-          </a:prstGeom>
-          <a:solidFill>
-            <a:schemeClr val="bg1"/>
-          </a:solidFill>
-          <a:ln>
-            <a:solidFill>
-              <a:schemeClr val="tx1"/>
-            </a:solidFill>
-          </a:ln>
-        </p:spPr>
-        <p:style>
-          <a:lnRef idx="2">
-            <a:schemeClr val="accent1">
-              <a:shade val="50000"/>
-            </a:schemeClr>
-          </a:lnRef>
-          <a:fillRef idx="1">
-            <a:schemeClr val="accent1"/>
-          </a:fillRef>
-          <a:effectRef idx="0">
-            <a:schemeClr val="accent1"/>
-          </a:effectRef>
-          <a:fontRef idx="minor">
-            <a:schemeClr val="lt1"/>
-          </a:fontRef>
-        </p:style>
-        <p:txBody>
-          <a:bodyPr rtlCol="0" anchor="ctr"/>
-          <a:lstStyle/>
-          <a:p>
-            <a:pPr algn="ctr"/>
-            <a:endParaRPr lang="en-US" sz="1600" dirty="0">
-              <a:solidFill>
-                <a:schemeClr val="tx1"/>
-              </a:solidFill>
-              <a:latin typeface="Arial" panose="020B0604020202020204" pitchFamily="34" charset="0"/>
-              <a:cs typeface="Arial" panose="020B0604020202020204" pitchFamily="34" charset="0"/>
-            </a:endParaRPr>
-          </a:p>
-        </p:txBody>
-      </p:sp>
-      <p:cxnSp>
-        <p:nvCxnSpPr>
-          <p:cNvPr id="43" name="Straight Connector 42"/>
-          <p:cNvCxnSpPr/>
-          <p:nvPr/>
-        </p:nvCxnSpPr>
-        <p:spPr>
-          <a:xfrm flipV="1">
-            <a:off x="6726113" y="5328130"/>
-            <a:ext cx="0" cy="404450"/>
-          </a:xfrm>
-          <a:prstGeom prst="line">
-            <a:avLst/>
-          </a:prstGeom>
-          <a:ln w="28575">
-            <a:solidFill>
-              <a:schemeClr val="tx1"/>
-            </a:solidFill>
-          </a:ln>
-        </p:spPr>
-        <p:style>
-          <a:lnRef idx="1">
-            <a:schemeClr val="accent1"/>
-          </a:lnRef>
-          <a:fillRef idx="0">
-            <a:schemeClr val="accent1"/>
-          </a:fillRef>
-          <a:effectRef idx="0">
-            <a:schemeClr val="accent1"/>
-          </a:effectRef>
-          <a:fontRef idx="minor">
-            <a:schemeClr val="tx1"/>
-          </a:fontRef>
-        </p:style>
-      </p:cxnSp>
-      <p:sp>
-        <p:nvSpPr>
-          <p:cNvPr id="44" name="Oval 43"/>
-          <p:cNvSpPr/>
-          <p:nvPr/>
-        </p:nvSpPr>
-        <p:spPr>
-          <a:xfrm>
-            <a:off x="7640516" y="4879723"/>
-            <a:ext cx="228600" cy="228600"/>
-          </a:xfrm>
-          <a:prstGeom prst="ellipse">
-            <a:avLst/>
-          </a:prstGeom>
-          <a:solidFill>
-            <a:schemeClr val="bg1"/>
-          </a:solidFill>
-          <a:ln>
-            <a:solidFill>
-              <a:schemeClr val="tx1"/>
-            </a:solidFill>
-          </a:ln>
-        </p:spPr>
-        <p:style>
-          <a:lnRef idx="2">
-            <a:schemeClr val="accent1">
-              <a:shade val="50000"/>
-            </a:schemeClr>
-          </a:lnRef>
-          <a:fillRef idx="1">
-            <a:schemeClr val="accent1"/>
-          </a:fillRef>
-          <a:effectRef idx="0">
-            <a:schemeClr val="accent1"/>
-          </a:effectRef>
-          <a:fontRef idx="minor">
-            <a:schemeClr val="lt1"/>
-          </a:fontRef>
-        </p:style>
-        <p:txBody>
-          <a:bodyPr rtlCol="0" anchor="ctr"/>
-          <a:lstStyle/>
-          <a:p>
-            <a:pPr algn="ctr"/>
-            <a:r>
-              <a:rPr lang="en-US" sz="1600" dirty="0" smtClean="0">
-                <a:solidFill>
-                  <a:schemeClr val="tx1"/>
-                </a:solidFill>
-                <a:latin typeface="Arial" panose="020B0604020202020204" pitchFamily="34" charset="0"/>
-                <a:cs typeface="Arial" panose="020B0604020202020204" pitchFamily="34" charset="0"/>
-              </a:rPr>
-              <a:t>9</a:t>
-            </a:r>
-            <a:endParaRPr lang="en-US" sz="1600" dirty="0">
-              <a:solidFill>
-                <a:schemeClr val="tx1"/>
-              </a:solidFill>
-              <a:latin typeface="Arial" panose="020B0604020202020204" pitchFamily="34" charset="0"/>
-              <a:cs typeface="Arial" panose="020B0604020202020204" pitchFamily="34" charset="0"/>
-            </a:endParaRPr>
-          </a:p>
-        </p:txBody>
-      </p:sp>
-      <p:cxnSp>
-        <p:nvCxnSpPr>
-          <p:cNvPr id="45" name="Straight Connector 44"/>
-          <p:cNvCxnSpPr>
-            <a:stCxn id="44" idx="2"/>
-          </p:cNvCxnSpPr>
-          <p:nvPr/>
-        </p:nvCxnSpPr>
-        <p:spPr>
-          <a:xfrm flipH="1" flipV="1">
-            <a:off x="7291749" y="4879723"/>
-            <a:ext cx="348767" cy="114300"/>
-          </a:xfrm>
-          <a:prstGeom prst="line">
-            <a:avLst/>
-          </a:prstGeom>
-          <a:ln w="28575">
-            <a:solidFill>
-              <a:schemeClr val="tx1"/>
-            </a:solidFill>
-          </a:ln>
-        </p:spPr>
-        <p:style>
-          <a:lnRef idx="1">
-            <a:schemeClr val="accent1"/>
-          </a:lnRef>
-          <a:fillRef idx="0">
-            <a:schemeClr val="accent1"/>
-          </a:fillRef>
-          <a:effectRef idx="0">
-            <a:schemeClr val="accent1"/>
-          </a:effectRef>
-          <a:fontRef idx="minor">
-            <a:schemeClr val="tx1"/>
-          </a:fontRef>
-        </p:style>
-      </p:cxnSp>
-      <p:sp>
-        <p:nvSpPr>
-          <p:cNvPr id="46" name="Oval 45"/>
-          <p:cNvSpPr/>
-          <p:nvPr/>
-        </p:nvSpPr>
-        <p:spPr>
-          <a:xfrm>
-            <a:off x="4879737" y="4941269"/>
-            <a:ext cx="228600" cy="228600"/>
-          </a:xfrm>
-          <a:prstGeom prst="ellipse">
-            <a:avLst/>
-          </a:prstGeom>
-          <a:solidFill>
-            <a:schemeClr val="bg1"/>
-          </a:solidFill>
-          <a:ln>
-            <a:solidFill>
-              <a:schemeClr val="tx1"/>
-            </a:solidFill>
-          </a:ln>
-        </p:spPr>
-        <p:style>
-          <a:lnRef idx="2">
-            <a:schemeClr val="accent1">
-              <a:shade val="50000"/>
-            </a:schemeClr>
-          </a:lnRef>
-          <a:fillRef idx="1">
-            <a:schemeClr val="accent1"/>
-          </a:fillRef>
-          <a:effectRef idx="0">
-            <a:schemeClr val="accent1"/>
-          </a:effectRef>
-          <a:fontRef idx="minor">
-            <a:schemeClr val="lt1"/>
-          </a:fontRef>
-        </p:style>
-        <p:txBody>
-          <a:bodyPr rtlCol="0" anchor="ctr"/>
-          <a:lstStyle/>
-          <a:p>
-            <a:pPr algn="ctr"/>
-            <a:endParaRPr lang="en-US" sz="1600" dirty="0">
-              <a:solidFill>
-                <a:schemeClr val="tx1"/>
-              </a:solidFill>
-              <a:latin typeface="Arial" panose="020B0604020202020204" pitchFamily="34" charset="0"/>
-              <a:cs typeface="Arial" panose="020B0604020202020204" pitchFamily="34" charset="0"/>
-            </a:endParaRPr>
-          </a:p>
-        </p:txBody>
-      </p:sp>
-      <p:sp>
-        <p:nvSpPr>
-          <p:cNvPr id="47" name="TextBox 46"/>
-          <p:cNvSpPr txBox="1"/>
-          <p:nvPr/>
-        </p:nvSpPr>
-        <p:spPr>
-          <a:xfrm>
-            <a:off x="4774088" y="4885552"/>
-            <a:ext cx="509953" cy="338554"/>
-          </a:xfrm>
-          <a:prstGeom prst="rect">
-            <a:avLst/>
-          </a:prstGeom>
-          <a:noFill/>
-        </p:spPr>
-        <p:txBody>
-          <a:bodyPr wrap="square" rtlCol="0">
-            <a:spAutoFit/>
-          </a:bodyPr>
-          <a:lstStyle/>
-          <a:p>
-            <a:r>
-              <a:rPr lang="en-US" sz="1600" dirty="0" smtClean="0">
-                <a:latin typeface="Arial" panose="020B0604020202020204" pitchFamily="34" charset="0"/>
-                <a:cs typeface="Arial" panose="020B0604020202020204" pitchFamily="34" charset="0"/>
-              </a:rPr>
-              <a:t>13</a:t>
-            </a:r>
-            <a:endParaRPr lang="en-US" dirty="0">
-              <a:latin typeface="Arial" panose="020B0604020202020204" pitchFamily="34" charset="0"/>
-              <a:cs typeface="Arial" panose="020B0604020202020204" pitchFamily="34" charset="0"/>
-            </a:endParaRPr>
-          </a:p>
-        </p:txBody>
-      </p:sp>
-      <p:sp>
-        <p:nvSpPr>
-          <p:cNvPr id="48" name="Oval 47"/>
-          <p:cNvSpPr/>
-          <p:nvPr/>
-        </p:nvSpPr>
-        <p:spPr>
-          <a:xfrm>
-            <a:off x="7218482" y="5272439"/>
-            <a:ext cx="228600" cy="228600"/>
-          </a:xfrm>
-          <a:prstGeom prst="ellipse">
-            <a:avLst/>
-          </a:prstGeom>
-          <a:solidFill>
-            <a:schemeClr val="bg1"/>
-          </a:solidFill>
-          <a:ln>
-            <a:solidFill>
-              <a:schemeClr val="tx1"/>
-            </a:solidFill>
-          </a:ln>
-        </p:spPr>
-        <p:style>
-          <a:lnRef idx="2">
-            <a:schemeClr val="accent1">
-              <a:shade val="50000"/>
-            </a:schemeClr>
-          </a:lnRef>
-          <a:fillRef idx="1">
-            <a:schemeClr val="accent1"/>
-          </a:fillRef>
-          <a:effectRef idx="0">
-            <a:schemeClr val="accent1"/>
-          </a:effectRef>
-          <a:fontRef idx="minor">
-            <a:schemeClr val="lt1"/>
-          </a:fontRef>
-        </p:style>
-        <p:txBody>
-          <a:bodyPr rtlCol="0" anchor="ctr"/>
-          <a:lstStyle/>
-          <a:p>
-            <a:pPr algn="ctr"/>
-            <a:endParaRPr lang="en-US" sz="1600" dirty="0">
-              <a:solidFill>
-                <a:schemeClr val="tx1"/>
-              </a:solidFill>
-              <a:latin typeface="Arial" panose="020B0604020202020204" pitchFamily="34" charset="0"/>
-              <a:cs typeface="Arial" panose="020B0604020202020204" pitchFamily="34" charset="0"/>
-            </a:endParaRPr>
-          </a:p>
-        </p:txBody>
-      </p:sp>
-      <p:cxnSp>
-        <p:nvCxnSpPr>
-          <p:cNvPr id="49" name="Straight Connector 48"/>
-          <p:cNvCxnSpPr>
-            <a:stCxn id="48" idx="2"/>
-          </p:cNvCxnSpPr>
-          <p:nvPr/>
-        </p:nvCxnSpPr>
-        <p:spPr>
-          <a:xfrm flipH="1" flipV="1">
-            <a:off x="6910749" y="5169869"/>
-            <a:ext cx="307733" cy="216870"/>
-          </a:xfrm>
-          <a:prstGeom prst="line">
-            <a:avLst/>
-          </a:prstGeom>
-          <a:ln w="28575">
-            <a:solidFill>
-              <a:schemeClr val="tx1"/>
-            </a:solidFill>
-          </a:ln>
-        </p:spPr>
-        <p:style>
-          <a:lnRef idx="1">
-            <a:schemeClr val="accent1"/>
-          </a:lnRef>
-          <a:fillRef idx="0">
-            <a:schemeClr val="accent1"/>
-          </a:fillRef>
-          <a:effectRef idx="0">
-            <a:schemeClr val="accent1"/>
-          </a:effectRef>
-          <a:fontRef idx="minor">
-            <a:schemeClr val="tx1"/>
-          </a:fontRef>
-        </p:style>
-      </p:cxnSp>
-      <p:sp>
-        <p:nvSpPr>
-          <p:cNvPr id="50" name="TextBox 49"/>
-          <p:cNvSpPr txBox="1"/>
-          <p:nvPr/>
-        </p:nvSpPr>
-        <p:spPr>
-          <a:xfrm>
-            <a:off x="7127631" y="5224788"/>
-            <a:ext cx="509953" cy="338554"/>
-          </a:xfrm>
-          <a:prstGeom prst="rect">
-            <a:avLst/>
-          </a:prstGeom>
-          <a:noFill/>
-        </p:spPr>
-        <p:txBody>
-          <a:bodyPr wrap="square" rtlCol="0">
-            <a:spAutoFit/>
-          </a:bodyPr>
-          <a:lstStyle/>
-          <a:p>
-            <a:r>
-              <a:rPr lang="en-US" sz="1600" dirty="0" smtClean="0">
-                <a:latin typeface="Arial" panose="020B0604020202020204" pitchFamily="34" charset="0"/>
-                <a:cs typeface="Arial" panose="020B0604020202020204" pitchFamily="34" charset="0"/>
-              </a:rPr>
-              <a:t>14</a:t>
-            </a:r>
-            <a:endParaRPr lang="en-US" dirty="0">
-              <a:latin typeface="Arial" panose="020B0604020202020204" pitchFamily="34" charset="0"/>
-              <a:cs typeface="Arial" panose="020B0604020202020204" pitchFamily="34" charset="0"/>
-            </a:endParaRPr>
-          </a:p>
-        </p:txBody>
-      </p:sp>
-      <p:sp>
-        <p:nvSpPr>
-          <p:cNvPr id="53" name="Oval 52"/>
-          <p:cNvSpPr/>
-          <p:nvPr/>
-        </p:nvSpPr>
-        <p:spPr>
-          <a:xfrm>
-            <a:off x="7367959" y="3349859"/>
-            <a:ext cx="228600" cy="228600"/>
-          </a:xfrm>
-          <a:prstGeom prst="ellipse">
-            <a:avLst/>
-          </a:prstGeom>
-          <a:solidFill>
-            <a:schemeClr val="bg1"/>
-          </a:solidFill>
-          <a:ln>
-            <a:solidFill>
-              <a:schemeClr val="tx1"/>
-            </a:solidFill>
-          </a:ln>
-        </p:spPr>
-        <p:style>
-          <a:lnRef idx="2">
-            <a:schemeClr val="accent1">
-              <a:shade val="50000"/>
-            </a:schemeClr>
-          </a:lnRef>
-          <a:fillRef idx="1">
-            <a:schemeClr val="accent1"/>
-          </a:fillRef>
-          <a:effectRef idx="0">
-            <a:schemeClr val="accent1"/>
-          </a:effectRef>
-          <a:fontRef idx="minor">
-            <a:schemeClr val="lt1"/>
-          </a:fontRef>
-        </p:style>
-        <p:txBody>
-          <a:bodyPr rtlCol="0" anchor="ctr"/>
-          <a:lstStyle/>
-          <a:p>
-            <a:pPr algn="ctr"/>
-            <a:endParaRPr lang="en-US" sz="1600" dirty="0">
-              <a:solidFill>
-                <a:schemeClr val="tx1"/>
-              </a:solidFill>
-              <a:latin typeface="Arial" panose="020B0604020202020204" pitchFamily="34" charset="0"/>
-              <a:cs typeface="Arial" panose="020B0604020202020204" pitchFamily="34" charset="0"/>
-            </a:endParaRPr>
-          </a:p>
-        </p:txBody>
-      </p:sp>
       <p:sp>
         <p:nvSpPr>
           <p:cNvPr id="54" name="TextBox 53"/>
-          <p:cNvSpPr txBox="1"/>
-          <p:nvPr/>
-        </p:nvSpPr>
-        <p:spPr>
-          <a:xfrm>
-            <a:off x="7274182" y="3300743"/>
-            <a:ext cx="509953" cy="338554"/>
-          </a:xfrm>
-          <a:prstGeom prst="rect">
-            <a:avLst/>
-          </a:prstGeom>
-          <a:noFill/>
-        </p:spPr>
-        <p:txBody>
-          <a:bodyPr wrap="square" rtlCol="0">
-            <a:spAutoFit/>
-          </a:bodyPr>
-          <a:lstStyle/>
-          <a:p>
-            <a:r>
-              <a:rPr lang="en-US" sz="1600" dirty="0" smtClean="0">
-                <a:latin typeface="Arial" panose="020B0604020202020204" pitchFamily="34" charset="0"/>
-                <a:cs typeface="Arial" panose="020B0604020202020204" pitchFamily="34" charset="0"/>
-              </a:rPr>
-              <a:t>16</a:t>
-            </a:r>
-            <a:endParaRPr lang="en-US" dirty="0">
-              <a:latin typeface="Arial" panose="020B0604020202020204" pitchFamily="34" charset="0"/>
-              <a:cs typeface="Arial" panose="020B0604020202020204" pitchFamily="34" charset="0"/>
-            </a:endParaRPr>
-          </a:p>
-        </p:txBody>
-      </p:sp>
-      <p:sp>
-        <p:nvSpPr>
-          <p:cNvPr id="55" name="Oval 54"/>
-          <p:cNvSpPr/>
-          <p:nvPr/>
-        </p:nvSpPr>
-        <p:spPr>
-          <a:xfrm>
-            <a:off x="6761287" y="4633529"/>
-            <a:ext cx="228600" cy="228600"/>
-          </a:xfrm>
-          <a:prstGeom prst="ellipse">
-            <a:avLst/>
-          </a:prstGeom>
-          <a:solidFill>
-            <a:schemeClr val="bg1"/>
-          </a:solidFill>
-          <a:ln>
-            <a:solidFill>
-              <a:schemeClr val="tx1"/>
-            </a:solidFill>
-          </a:ln>
-        </p:spPr>
-        <p:style>
-          <a:lnRef idx="2">
-            <a:schemeClr val="accent1">
-              <a:shade val="50000"/>
-            </a:schemeClr>
-          </a:lnRef>
-          <a:fillRef idx="1">
-            <a:schemeClr val="accent1"/>
-          </a:fillRef>
-          <a:effectRef idx="0">
-            <a:schemeClr val="accent1"/>
-          </a:effectRef>
-          <a:fontRef idx="minor">
-            <a:schemeClr val="lt1"/>
-          </a:fontRef>
-        </p:style>
-        <p:txBody>
-          <a:bodyPr rtlCol="0" anchor="ctr"/>
-          <a:lstStyle/>
-          <a:p>
-            <a:pPr algn="ctr"/>
-            <a:endParaRPr lang="en-US" sz="1600" dirty="0">
-              <a:solidFill>
-                <a:schemeClr val="tx1"/>
-              </a:solidFill>
-              <a:latin typeface="Arial" panose="020B0604020202020204" pitchFamily="34" charset="0"/>
-              <a:cs typeface="Arial" panose="020B0604020202020204" pitchFamily="34" charset="0"/>
-            </a:endParaRPr>
-          </a:p>
-        </p:txBody>
-      </p:sp>
-      <p:cxnSp>
-        <p:nvCxnSpPr>
-          <p:cNvPr id="56" name="Straight Connector 55"/>
-          <p:cNvCxnSpPr/>
-          <p:nvPr/>
-        </p:nvCxnSpPr>
-        <p:spPr>
-          <a:xfrm flipV="1">
-            <a:off x="6787400" y="4850408"/>
-            <a:ext cx="70601" cy="312129"/>
-          </a:xfrm>
-          <a:prstGeom prst="line">
-            <a:avLst/>
-          </a:prstGeom>
-          <a:ln w="28575">
-            <a:solidFill>
-              <a:schemeClr val="tx1"/>
-            </a:solidFill>
-          </a:ln>
-        </p:spPr>
-        <p:style>
-          <a:lnRef idx="1">
-            <a:schemeClr val="accent1"/>
-          </a:lnRef>
-          <a:fillRef idx="0">
-            <a:schemeClr val="accent1"/>
-          </a:fillRef>
-          <a:effectRef idx="0">
-            <a:schemeClr val="accent1"/>
-          </a:effectRef>
-          <a:fontRef idx="minor">
-            <a:schemeClr val="tx1"/>
-          </a:fontRef>
-        </p:style>
-      </p:cxnSp>
-      <p:sp>
-        <p:nvSpPr>
-          <p:cNvPr id="57" name="TextBox 56"/>
-          <p:cNvSpPr txBox="1"/>
-          <p:nvPr/>
-        </p:nvSpPr>
-        <p:spPr>
-          <a:xfrm>
-            <a:off x="6655777" y="4587359"/>
-            <a:ext cx="509953" cy="338554"/>
-          </a:xfrm>
-          <a:prstGeom prst="rect">
-            <a:avLst/>
-          </a:prstGeom>
-          <a:noFill/>
-        </p:spPr>
-        <p:txBody>
-          <a:bodyPr wrap="square" rtlCol="0">
-            <a:spAutoFit/>
-          </a:bodyPr>
-          <a:lstStyle/>
-          <a:p>
-            <a:r>
-              <a:rPr lang="en-US" sz="1600" dirty="0" smtClean="0">
-                <a:latin typeface="Arial" panose="020B0604020202020204" pitchFamily="34" charset="0"/>
-                <a:cs typeface="Arial" panose="020B0604020202020204" pitchFamily="34" charset="0"/>
-              </a:rPr>
-              <a:t>17</a:t>
-            </a:r>
-            <a:endParaRPr lang="en-US" dirty="0">
-              <a:latin typeface="Arial" panose="020B0604020202020204" pitchFamily="34" charset="0"/>
-              <a:cs typeface="Arial" panose="020B0604020202020204" pitchFamily="34" charset="0"/>
-            </a:endParaRPr>
-          </a:p>
-        </p:txBody>
-      </p:sp>
-      <p:sp>
-        <p:nvSpPr>
-          <p:cNvPr id="58" name="Oval 57"/>
-          <p:cNvSpPr/>
-          <p:nvPr/>
-        </p:nvSpPr>
-        <p:spPr>
-          <a:xfrm>
-            <a:off x="4563216" y="3147635"/>
-            <a:ext cx="228600" cy="228600"/>
-          </a:xfrm>
-          <a:prstGeom prst="ellipse">
-            <a:avLst/>
-          </a:prstGeom>
-          <a:solidFill>
-            <a:schemeClr val="bg1"/>
-          </a:solidFill>
-          <a:ln>
-            <a:solidFill>
-              <a:schemeClr val="tx1"/>
-            </a:solidFill>
-          </a:ln>
-        </p:spPr>
-        <p:style>
-          <a:lnRef idx="2">
-            <a:schemeClr val="accent1">
-              <a:shade val="50000"/>
-            </a:schemeClr>
-          </a:lnRef>
-          <a:fillRef idx="1">
-            <a:schemeClr val="accent1"/>
-          </a:fillRef>
-          <a:effectRef idx="0">
-            <a:schemeClr val="accent1"/>
-          </a:effectRef>
-          <a:fontRef idx="minor">
-            <a:schemeClr val="lt1"/>
-          </a:fontRef>
-        </p:style>
-        <p:txBody>
-          <a:bodyPr rtlCol="0" anchor="ctr"/>
-          <a:lstStyle/>
-          <a:p>
-            <a:pPr algn="ctr"/>
-            <a:endParaRPr lang="en-US" sz="1600" dirty="0">
-              <a:solidFill>
-                <a:schemeClr val="tx1"/>
-              </a:solidFill>
-              <a:latin typeface="Arial" panose="020B0604020202020204" pitchFamily="34" charset="0"/>
-              <a:cs typeface="Arial" panose="020B0604020202020204" pitchFamily="34" charset="0"/>
-            </a:endParaRPr>
-          </a:p>
-        </p:txBody>
-      </p:sp>
-      <p:sp>
-        <p:nvSpPr>
-          <p:cNvPr id="59" name="TextBox 58"/>
-          <p:cNvSpPr txBox="1"/>
-          <p:nvPr/>
-        </p:nvSpPr>
-        <p:spPr>
-          <a:xfrm>
-            <a:off x="4457705" y="3108010"/>
-            <a:ext cx="509953" cy="338554"/>
-          </a:xfrm>
-          <a:prstGeom prst="rect">
-            <a:avLst/>
-          </a:prstGeom>
-          <a:noFill/>
-        </p:spPr>
-        <p:txBody>
-          <a:bodyPr wrap="square" rtlCol="0">
-            <a:spAutoFit/>
-          </a:bodyPr>
-          <a:lstStyle/>
-          <a:p>
-            <a:r>
-              <a:rPr lang="en-US" sz="1600" dirty="0" smtClean="0">
-                <a:latin typeface="Arial" panose="020B0604020202020204" pitchFamily="34" charset="0"/>
-                <a:cs typeface="Arial" panose="020B0604020202020204" pitchFamily="34" charset="0"/>
-              </a:rPr>
-              <a:t>18</a:t>
-            </a:r>
-            <a:endParaRPr lang="en-US" dirty="0">
-              <a:latin typeface="Arial" panose="020B0604020202020204" pitchFamily="34" charset="0"/>
-              <a:cs typeface="Arial" panose="020B0604020202020204" pitchFamily="34" charset="0"/>
-            </a:endParaRPr>
-          </a:p>
-        </p:txBody>
-      </p:sp>
-      <p:cxnSp>
-        <p:nvCxnSpPr>
-          <p:cNvPr id="60" name="Straight Connector 59"/>
-          <p:cNvCxnSpPr/>
-          <p:nvPr/>
-        </p:nvCxnSpPr>
-        <p:spPr>
-          <a:xfrm flipV="1">
-            <a:off x="4298584" y="3349860"/>
-            <a:ext cx="304321" cy="136329"/>
-          </a:xfrm>
-          <a:prstGeom prst="line">
-            <a:avLst/>
-          </a:prstGeom>
-          <a:ln w="28575">
-            <a:solidFill>
-              <a:schemeClr val="tx1"/>
-            </a:solidFill>
-          </a:ln>
-        </p:spPr>
-        <p:style>
-          <a:lnRef idx="1">
-            <a:schemeClr val="accent1"/>
-          </a:lnRef>
-          <a:fillRef idx="0">
-            <a:schemeClr val="accent1"/>
-          </a:fillRef>
-          <a:effectRef idx="0">
-            <a:schemeClr val="accent1"/>
-          </a:effectRef>
-          <a:fontRef idx="minor">
-            <a:schemeClr val="tx1"/>
-          </a:fontRef>
-        </p:style>
-      </p:cxnSp>
-      <p:sp>
-        <p:nvSpPr>
-          <p:cNvPr id="62" name="TextBox 61"/>
           <p:cNvSpPr txBox="1"/>
           <p:nvPr/>
         </p:nvSpPr>
@@ -7226,7 +6648,7 @@
       </p:sp>
       <p:sp>
         <p:nvSpPr>
-          <p:cNvPr id="63" name="TextBox 62"/>
+          <p:cNvPr id="55" name="TextBox 54"/>
           <p:cNvSpPr txBox="1"/>
           <p:nvPr/>
         </p:nvSpPr>
@@ -7260,767 +6682,10 @@
           </a:p>
         </p:txBody>
       </p:sp>
-      <p:cxnSp>
-        <p:nvCxnSpPr>
-          <p:cNvPr id="64" name="Straight Connector 63"/>
-          <p:cNvCxnSpPr/>
-          <p:nvPr/>
-        </p:nvCxnSpPr>
-        <p:spPr>
-          <a:xfrm flipH="1" flipV="1">
-            <a:off x="7010396" y="5439483"/>
-            <a:ext cx="32236" cy="169982"/>
-          </a:xfrm>
-          <a:prstGeom prst="line">
-            <a:avLst/>
-          </a:prstGeom>
-          <a:ln w="28575">
-            <a:solidFill>
-              <a:schemeClr val="tx1"/>
-            </a:solidFill>
-          </a:ln>
-        </p:spPr>
-        <p:style>
-          <a:lnRef idx="1">
-            <a:schemeClr val="accent1"/>
-          </a:lnRef>
-          <a:fillRef idx="0">
-            <a:schemeClr val="accent1"/>
-          </a:fillRef>
-          <a:effectRef idx="0">
-            <a:schemeClr val="accent1"/>
-          </a:effectRef>
-          <a:fontRef idx="minor">
-            <a:schemeClr val="tx1"/>
-          </a:fontRef>
-        </p:style>
-      </p:cxnSp>
-      <p:sp>
-        <p:nvSpPr>
-          <p:cNvPr id="66" name="Oval 65"/>
-          <p:cNvSpPr/>
-          <p:nvPr/>
-        </p:nvSpPr>
-        <p:spPr>
-          <a:xfrm>
-            <a:off x="3877412" y="5301752"/>
-            <a:ext cx="228600" cy="228600"/>
-          </a:xfrm>
-          <a:prstGeom prst="ellipse">
-            <a:avLst/>
-          </a:prstGeom>
-          <a:solidFill>
-            <a:schemeClr val="bg1"/>
-          </a:solidFill>
-          <a:ln>
-            <a:solidFill>
-              <a:schemeClr val="tx1"/>
-            </a:solidFill>
-          </a:ln>
-        </p:spPr>
-        <p:style>
-          <a:lnRef idx="2">
-            <a:schemeClr val="accent1">
-              <a:shade val="50000"/>
-            </a:schemeClr>
-          </a:lnRef>
-          <a:fillRef idx="1">
-            <a:schemeClr val="accent1"/>
-          </a:fillRef>
-          <a:effectRef idx="0">
-            <a:schemeClr val="accent1"/>
-          </a:effectRef>
-          <a:fontRef idx="minor">
-            <a:schemeClr val="lt1"/>
-          </a:fontRef>
-        </p:style>
-        <p:txBody>
-          <a:bodyPr rtlCol="0" anchor="ctr"/>
-          <a:lstStyle/>
-          <a:p>
-            <a:pPr algn="ctr"/>
-            <a:r>
-              <a:rPr lang="en-US" sz="1600" dirty="0">
-                <a:solidFill>
-                  <a:schemeClr val="tx1"/>
-                </a:solidFill>
-                <a:latin typeface="Arial" panose="020B0604020202020204" pitchFamily="34" charset="0"/>
-                <a:cs typeface="Arial" panose="020B0604020202020204" pitchFamily="34" charset="0"/>
-              </a:rPr>
-              <a:t>5</a:t>
-            </a:r>
-          </a:p>
-        </p:txBody>
-      </p:sp>
-      <p:cxnSp>
-        <p:nvCxnSpPr>
-          <p:cNvPr id="67" name="Straight Connector 66"/>
-          <p:cNvCxnSpPr/>
-          <p:nvPr/>
-        </p:nvCxnSpPr>
-        <p:spPr>
-          <a:xfrm flipV="1">
-            <a:off x="3994635" y="4925913"/>
-            <a:ext cx="32250" cy="381698"/>
-          </a:xfrm>
-          <a:prstGeom prst="line">
-            <a:avLst/>
-          </a:prstGeom>
-          <a:ln w="28575">
-            <a:solidFill>
-              <a:schemeClr val="tx1"/>
-            </a:solidFill>
-          </a:ln>
-        </p:spPr>
-        <p:style>
-          <a:lnRef idx="1">
-            <a:schemeClr val="accent1"/>
-          </a:lnRef>
-          <a:fillRef idx="0">
-            <a:schemeClr val="accent1"/>
-          </a:fillRef>
-          <a:effectRef idx="0">
-            <a:schemeClr val="accent1"/>
-          </a:effectRef>
-          <a:fontRef idx="minor">
-            <a:schemeClr val="tx1"/>
-          </a:fontRef>
-        </p:style>
-      </p:cxnSp>
-      <p:sp>
-        <p:nvSpPr>
-          <p:cNvPr id="73" name="Oval 72"/>
-          <p:cNvSpPr/>
-          <p:nvPr/>
-        </p:nvSpPr>
-        <p:spPr>
-          <a:xfrm>
-            <a:off x="6518546" y="4312601"/>
-            <a:ext cx="228600" cy="228600"/>
-          </a:xfrm>
-          <a:prstGeom prst="ellipse">
-            <a:avLst/>
-          </a:prstGeom>
-          <a:solidFill>
-            <a:schemeClr val="bg1"/>
-          </a:solidFill>
-          <a:ln>
-            <a:solidFill>
-              <a:schemeClr val="tx1"/>
-            </a:solidFill>
-          </a:ln>
-        </p:spPr>
-        <p:style>
-          <a:lnRef idx="2">
-            <a:schemeClr val="accent1">
-              <a:shade val="50000"/>
-            </a:schemeClr>
-          </a:lnRef>
-          <a:fillRef idx="1">
-            <a:schemeClr val="accent1"/>
-          </a:fillRef>
-          <a:effectRef idx="0">
-            <a:schemeClr val="accent1"/>
-          </a:effectRef>
-          <a:fontRef idx="minor">
-            <a:schemeClr val="lt1"/>
-          </a:fontRef>
-        </p:style>
-        <p:txBody>
-          <a:bodyPr rtlCol="0" anchor="ctr"/>
-          <a:lstStyle/>
-          <a:p>
-            <a:pPr algn="ctr"/>
-            <a:endParaRPr lang="en-US" sz="1600" dirty="0">
-              <a:solidFill>
-                <a:schemeClr val="tx1"/>
-              </a:solidFill>
-              <a:latin typeface="Arial" panose="020B0604020202020204" pitchFamily="34" charset="0"/>
-              <a:cs typeface="Arial" panose="020B0604020202020204" pitchFamily="34" charset="0"/>
-            </a:endParaRPr>
-          </a:p>
-        </p:txBody>
-      </p:sp>
-      <p:cxnSp>
-        <p:nvCxnSpPr>
-          <p:cNvPr id="75" name="Straight Connector 74"/>
-          <p:cNvCxnSpPr>
-            <a:stCxn id="73" idx="1"/>
-          </p:cNvCxnSpPr>
-          <p:nvPr/>
-        </p:nvCxnSpPr>
-        <p:spPr>
-          <a:xfrm flipH="1" flipV="1">
-            <a:off x="6408538" y="4091316"/>
-            <a:ext cx="143486" cy="254763"/>
-          </a:xfrm>
-          <a:prstGeom prst="line">
-            <a:avLst/>
-          </a:prstGeom>
-          <a:ln w="28575">
-            <a:solidFill>
-              <a:schemeClr val="tx1"/>
-            </a:solidFill>
-          </a:ln>
-        </p:spPr>
-        <p:style>
-          <a:lnRef idx="1">
-            <a:schemeClr val="accent1"/>
-          </a:lnRef>
-          <a:fillRef idx="0">
-            <a:schemeClr val="accent1"/>
-          </a:fillRef>
-          <a:effectRef idx="0">
-            <a:schemeClr val="accent1"/>
-          </a:effectRef>
-          <a:fontRef idx="minor">
-            <a:schemeClr val="tx1"/>
-          </a:fontRef>
-        </p:style>
-      </p:cxnSp>
-      <p:sp>
-        <p:nvSpPr>
-          <p:cNvPr id="78" name="TextBox 77"/>
-          <p:cNvSpPr txBox="1"/>
-          <p:nvPr/>
-        </p:nvSpPr>
-        <p:spPr>
-          <a:xfrm>
-            <a:off x="6435973" y="4258707"/>
-            <a:ext cx="509953" cy="338554"/>
-          </a:xfrm>
-          <a:prstGeom prst="rect">
-            <a:avLst/>
-          </a:prstGeom>
-          <a:noFill/>
-        </p:spPr>
-        <p:txBody>
-          <a:bodyPr wrap="square" rtlCol="0">
-            <a:spAutoFit/>
-          </a:bodyPr>
-          <a:lstStyle/>
-          <a:p>
-            <a:r>
-              <a:rPr lang="en-US" sz="1600" dirty="0" smtClean="0">
-                <a:latin typeface="Arial" panose="020B0604020202020204" pitchFamily="34" charset="0"/>
-                <a:cs typeface="Arial" panose="020B0604020202020204" pitchFamily="34" charset="0"/>
-              </a:rPr>
-              <a:t>11</a:t>
-            </a:r>
-            <a:endParaRPr lang="en-US" dirty="0">
-              <a:latin typeface="Arial" panose="020B0604020202020204" pitchFamily="34" charset="0"/>
-              <a:cs typeface="Arial" panose="020B0604020202020204" pitchFamily="34" charset="0"/>
-            </a:endParaRPr>
-          </a:p>
-        </p:txBody>
-      </p:sp>
-      <p:sp>
-        <p:nvSpPr>
-          <p:cNvPr id="79" name="TextBox 78"/>
-          <p:cNvSpPr txBox="1"/>
-          <p:nvPr/>
-        </p:nvSpPr>
-        <p:spPr>
-          <a:xfrm>
-            <a:off x="6532679" y="5686393"/>
-            <a:ext cx="509953" cy="338554"/>
-          </a:xfrm>
-          <a:prstGeom prst="rect">
-            <a:avLst/>
-          </a:prstGeom>
-          <a:noFill/>
-        </p:spPr>
-        <p:txBody>
-          <a:bodyPr wrap="square" rtlCol="0">
-            <a:spAutoFit/>
-          </a:bodyPr>
-          <a:lstStyle/>
-          <a:p>
-            <a:r>
-              <a:rPr lang="en-US" sz="1600" dirty="0" smtClean="0">
-                <a:latin typeface="Arial" panose="020B0604020202020204" pitchFamily="34" charset="0"/>
-                <a:cs typeface="Arial" panose="020B0604020202020204" pitchFamily="34" charset="0"/>
-              </a:rPr>
-              <a:t>12</a:t>
-            </a:r>
-            <a:endParaRPr lang="en-US" dirty="0">
-              <a:latin typeface="Arial" panose="020B0604020202020204" pitchFamily="34" charset="0"/>
-              <a:cs typeface="Arial" panose="020B0604020202020204" pitchFamily="34" charset="0"/>
-            </a:endParaRPr>
-          </a:p>
-        </p:txBody>
-      </p:sp>
-      <p:sp>
-        <p:nvSpPr>
-          <p:cNvPr id="80" name="Oval 79"/>
-          <p:cNvSpPr/>
-          <p:nvPr/>
-        </p:nvSpPr>
-        <p:spPr>
-          <a:xfrm>
-            <a:off x="3601924" y="4619576"/>
-            <a:ext cx="228600" cy="228600"/>
-          </a:xfrm>
-          <a:prstGeom prst="ellipse">
-            <a:avLst/>
-          </a:prstGeom>
-          <a:solidFill>
-            <a:schemeClr val="bg1"/>
-          </a:solidFill>
-          <a:ln>
-            <a:solidFill>
-              <a:schemeClr val="tx1"/>
-            </a:solidFill>
-          </a:ln>
-        </p:spPr>
-        <p:style>
-          <a:lnRef idx="2">
-            <a:schemeClr val="accent1">
-              <a:shade val="50000"/>
-            </a:schemeClr>
-          </a:lnRef>
-          <a:fillRef idx="1">
-            <a:schemeClr val="accent1"/>
-          </a:fillRef>
-          <a:effectRef idx="0">
-            <a:schemeClr val="accent1"/>
-          </a:effectRef>
-          <a:fontRef idx="minor">
-            <a:schemeClr val="lt1"/>
-          </a:fontRef>
-        </p:style>
-        <p:txBody>
-          <a:bodyPr rtlCol="0" anchor="ctr"/>
-          <a:lstStyle/>
-          <a:p>
-            <a:pPr algn="ctr"/>
-            <a:endParaRPr lang="en-US" sz="1600" dirty="0">
-              <a:solidFill>
-                <a:schemeClr val="tx1"/>
-              </a:solidFill>
-              <a:latin typeface="Arial" panose="020B0604020202020204" pitchFamily="34" charset="0"/>
-              <a:cs typeface="Arial" panose="020B0604020202020204" pitchFamily="34" charset="0"/>
-            </a:endParaRPr>
-          </a:p>
-        </p:txBody>
-      </p:sp>
-      <p:sp>
-        <p:nvSpPr>
-          <p:cNvPr id="81" name="TextBox 80"/>
-          <p:cNvSpPr txBox="1"/>
-          <p:nvPr/>
-        </p:nvSpPr>
-        <p:spPr>
-          <a:xfrm>
-            <a:off x="3496415" y="4559477"/>
-            <a:ext cx="509953" cy="338554"/>
-          </a:xfrm>
-          <a:prstGeom prst="rect">
-            <a:avLst/>
-          </a:prstGeom>
-          <a:noFill/>
-        </p:spPr>
-        <p:txBody>
-          <a:bodyPr wrap="square" rtlCol="0">
-            <a:spAutoFit/>
-          </a:bodyPr>
-          <a:lstStyle/>
-          <a:p>
-            <a:r>
-              <a:rPr lang="en-US" sz="1600" dirty="0" smtClean="0">
-                <a:latin typeface="Arial" panose="020B0604020202020204" pitchFamily="34" charset="0"/>
-                <a:cs typeface="Arial" panose="020B0604020202020204" pitchFamily="34" charset="0"/>
-              </a:rPr>
-              <a:t>15</a:t>
-            </a:r>
-            <a:endParaRPr lang="en-US" dirty="0">
-              <a:latin typeface="Arial" panose="020B0604020202020204" pitchFamily="34" charset="0"/>
-              <a:cs typeface="Arial" panose="020B0604020202020204" pitchFamily="34" charset="0"/>
-            </a:endParaRPr>
-          </a:p>
-        </p:txBody>
-      </p:sp>
-      <p:cxnSp>
-        <p:nvCxnSpPr>
-          <p:cNvPr id="82" name="Straight Connector 81"/>
-          <p:cNvCxnSpPr>
-            <a:endCxn id="41" idx="3"/>
-          </p:cNvCxnSpPr>
-          <p:nvPr/>
-        </p:nvCxnSpPr>
-        <p:spPr>
-          <a:xfrm flipV="1">
-            <a:off x="4418895" y="3647558"/>
-            <a:ext cx="315543" cy="84805"/>
-          </a:xfrm>
-          <a:prstGeom prst="line">
-            <a:avLst/>
-          </a:prstGeom>
-          <a:ln w="28575">
-            <a:solidFill>
-              <a:schemeClr val="tx1"/>
-            </a:solidFill>
-          </a:ln>
-        </p:spPr>
-        <p:style>
-          <a:lnRef idx="1">
-            <a:schemeClr val="accent1"/>
-          </a:lnRef>
-          <a:fillRef idx="0">
-            <a:schemeClr val="accent1"/>
-          </a:fillRef>
-          <a:effectRef idx="0">
-            <a:schemeClr val="accent1"/>
-          </a:effectRef>
-          <a:fontRef idx="minor">
-            <a:schemeClr val="tx1"/>
-          </a:fontRef>
-        </p:style>
-      </p:cxnSp>
-      <p:sp>
-        <p:nvSpPr>
-          <p:cNvPr id="83" name="Oval 82"/>
-          <p:cNvSpPr/>
-          <p:nvPr/>
-        </p:nvSpPr>
-        <p:spPr>
-          <a:xfrm>
-            <a:off x="4018093" y="4607146"/>
-            <a:ext cx="228600" cy="228600"/>
-          </a:xfrm>
-          <a:prstGeom prst="ellipse">
-            <a:avLst/>
-          </a:prstGeom>
-          <a:solidFill>
-            <a:schemeClr val="bg1"/>
-          </a:solidFill>
-          <a:ln>
-            <a:solidFill>
-              <a:schemeClr val="tx1"/>
-            </a:solidFill>
-          </a:ln>
-        </p:spPr>
-        <p:style>
-          <a:lnRef idx="2">
-            <a:schemeClr val="accent1">
-              <a:shade val="50000"/>
-            </a:schemeClr>
-          </a:lnRef>
-          <a:fillRef idx="1">
-            <a:schemeClr val="accent1"/>
-          </a:fillRef>
-          <a:effectRef idx="0">
-            <a:schemeClr val="accent1"/>
-          </a:effectRef>
-          <a:fontRef idx="minor">
-            <a:schemeClr val="lt1"/>
-          </a:fontRef>
-        </p:style>
-        <p:txBody>
-          <a:bodyPr rtlCol="0" anchor="ctr"/>
-          <a:lstStyle/>
-          <a:p>
-            <a:pPr algn="ctr"/>
-            <a:endParaRPr lang="en-US" sz="1600" dirty="0">
-              <a:solidFill>
-                <a:schemeClr val="tx1"/>
-              </a:solidFill>
-              <a:latin typeface="Arial" panose="020B0604020202020204" pitchFamily="34" charset="0"/>
-              <a:cs typeface="Arial" panose="020B0604020202020204" pitchFamily="34" charset="0"/>
-            </a:endParaRPr>
-          </a:p>
-        </p:txBody>
-      </p:sp>
-      <p:sp>
-        <p:nvSpPr>
-          <p:cNvPr id="84" name="TextBox 83"/>
-          <p:cNvSpPr txBox="1"/>
-          <p:nvPr/>
-        </p:nvSpPr>
-        <p:spPr>
-          <a:xfrm>
-            <a:off x="3912584" y="4564631"/>
-            <a:ext cx="509953" cy="338554"/>
-          </a:xfrm>
-          <a:prstGeom prst="rect">
-            <a:avLst/>
-          </a:prstGeom>
-          <a:noFill/>
-        </p:spPr>
-        <p:txBody>
-          <a:bodyPr wrap="square" rtlCol="0">
-            <a:spAutoFit/>
-          </a:bodyPr>
-          <a:lstStyle/>
-          <a:p>
-            <a:r>
-              <a:rPr lang="en-US" sz="1600" dirty="0" smtClean="0">
-                <a:latin typeface="Arial" panose="020B0604020202020204" pitchFamily="34" charset="0"/>
-                <a:cs typeface="Arial" panose="020B0604020202020204" pitchFamily="34" charset="0"/>
-              </a:rPr>
-              <a:t>10</a:t>
-            </a:r>
-            <a:endParaRPr lang="en-US" dirty="0">
-              <a:latin typeface="Arial" panose="020B0604020202020204" pitchFamily="34" charset="0"/>
-              <a:cs typeface="Arial" panose="020B0604020202020204" pitchFamily="34" charset="0"/>
-            </a:endParaRPr>
-          </a:p>
-        </p:txBody>
-      </p:sp>
-      <p:cxnSp>
-        <p:nvCxnSpPr>
-          <p:cNvPr id="85" name="Straight Connector 84"/>
-          <p:cNvCxnSpPr/>
-          <p:nvPr/>
-        </p:nvCxnSpPr>
-        <p:spPr>
-          <a:xfrm flipV="1">
-            <a:off x="4167561" y="4258707"/>
-            <a:ext cx="47319" cy="332301"/>
-          </a:xfrm>
-          <a:prstGeom prst="line">
-            <a:avLst/>
-          </a:prstGeom>
-          <a:ln w="28575">
-            <a:solidFill>
-              <a:schemeClr val="tx1"/>
-            </a:solidFill>
-          </a:ln>
-        </p:spPr>
-        <p:style>
-          <a:lnRef idx="1">
-            <a:schemeClr val="accent1"/>
-          </a:lnRef>
-          <a:fillRef idx="0">
-            <a:schemeClr val="accent1"/>
-          </a:fillRef>
-          <a:effectRef idx="0">
-            <a:schemeClr val="accent1"/>
-          </a:effectRef>
-          <a:fontRef idx="minor">
-            <a:schemeClr val="tx1"/>
-          </a:fontRef>
-        </p:style>
-      </p:cxnSp>
-      <p:cxnSp>
-        <p:nvCxnSpPr>
-          <p:cNvPr id="93" name="Straight Connector 92"/>
-          <p:cNvCxnSpPr/>
-          <p:nvPr/>
-        </p:nvCxnSpPr>
-        <p:spPr>
-          <a:xfrm flipV="1">
-            <a:off x="3774413" y="4276291"/>
-            <a:ext cx="47319" cy="332301"/>
-          </a:xfrm>
-          <a:prstGeom prst="line">
-            <a:avLst/>
-          </a:prstGeom>
-          <a:ln w="28575">
-            <a:solidFill>
-              <a:schemeClr val="tx1"/>
-            </a:solidFill>
-          </a:ln>
-        </p:spPr>
-        <p:style>
-          <a:lnRef idx="1">
-            <a:schemeClr val="accent1"/>
-          </a:lnRef>
-          <a:fillRef idx="0">
-            <a:schemeClr val="accent1"/>
-          </a:fillRef>
-          <a:effectRef idx="0">
-            <a:schemeClr val="accent1"/>
-          </a:effectRef>
-          <a:fontRef idx="minor">
-            <a:schemeClr val="tx1"/>
-          </a:fontRef>
-        </p:style>
-      </p:cxnSp>
-      <p:sp>
-        <p:nvSpPr>
-          <p:cNvPr id="96" name="Oval 95"/>
-          <p:cNvSpPr/>
-          <p:nvPr/>
-        </p:nvSpPr>
-        <p:spPr>
-          <a:xfrm>
-            <a:off x="5820441" y="4917067"/>
-            <a:ext cx="228600" cy="228600"/>
-          </a:xfrm>
-          <a:prstGeom prst="ellipse">
-            <a:avLst/>
-          </a:prstGeom>
-          <a:solidFill>
-            <a:schemeClr val="bg1"/>
-          </a:solidFill>
-          <a:ln>
-            <a:solidFill>
-              <a:schemeClr val="tx1"/>
-            </a:solidFill>
-          </a:ln>
-        </p:spPr>
-        <p:style>
-          <a:lnRef idx="2">
-            <a:schemeClr val="accent1">
-              <a:shade val="50000"/>
-            </a:schemeClr>
-          </a:lnRef>
-          <a:fillRef idx="1">
-            <a:schemeClr val="accent1"/>
-          </a:fillRef>
-          <a:effectRef idx="0">
-            <a:schemeClr val="accent1"/>
-          </a:effectRef>
-          <a:fontRef idx="minor">
-            <a:schemeClr val="lt1"/>
-          </a:fontRef>
-        </p:style>
-        <p:txBody>
-          <a:bodyPr rtlCol="0" anchor="ctr"/>
-          <a:lstStyle/>
-          <a:p>
-            <a:pPr algn="ctr"/>
-            <a:endParaRPr lang="en-US" sz="1600" dirty="0">
-              <a:solidFill>
-                <a:schemeClr val="tx1"/>
-              </a:solidFill>
-              <a:latin typeface="Arial" panose="020B0604020202020204" pitchFamily="34" charset="0"/>
-              <a:cs typeface="Arial" panose="020B0604020202020204" pitchFamily="34" charset="0"/>
-            </a:endParaRPr>
-          </a:p>
-        </p:txBody>
-      </p:sp>
-      <p:sp>
-        <p:nvSpPr>
-          <p:cNvPr id="97" name="TextBox 96"/>
-          <p:cNvSpPr txBox="1"/>
-          <p:nvPr/>
-        </p:nvSpPr>
-        <p:spPr>
-          <a:xfrm>
-            <a:off x="5714932" y="4856968"/>
-            <a:ext cx="509953" cy="338554"/>
-          </a:xfrm>
-          <a:prstGeom prst="rect">
-            <a:avLst/>
-          </a:prstGeom>
-          <a:noFill/>
-        </p:spPr>
-        <p:txBody>
-          <a:bodyPr wrap="square" rtlCol="0">
-            <a:spAutoFit/>
-          </a:bodyPr>
-          <a:lstStyle/>
-          <a:p>
-            <a:r>
-              <a:rPr lang="en-US" sz="1600" dirty="0" smtClean="0">
-                <a:latin typeface="Arial" panose="020B0604020202020204" pitchFamily="34" charset="0"/>
-                <a:cs typeface="Arial" panose="020B0604020202020204" pitchFamily="34" charset="0"/>
-              </a:rPr>
-              <a:t>19</a:t>
-            </a:r>
-            <a:endParaRPr lang="en-US" dirty="0">
-              <a:latin typeface="Arial" panose="020B0604020202020204" pitchFamily="34" charset="0"/>
-              <a:cs typeface="Arial" panose="020B0604020202020204" pitchFamily="34" charset="0"/>
-            </a:endParaRPr>
-          </a:p>
-        </p:txBody>
-      </p:sp>
-      <p:sp>
-        <p:nvSpPr>
-          <p:cNvPr id="98" name="Oval 97"/>
-          <p:cNvSpPr/>
-          <p:nvPr/>
-        </p:nvSpPr>
-        <p:spPr>
-          <a:xfrm>
-            <a:off x="5518649" y="5533980"/>
-            <a:ext cx="228600" cy="228600"/>
-          </a:xfrm>
-          <a:prstGeom prst="ellipse">
-            <a:avLst/>
-          </a:prstGeom>
-          <a:solidFill>
-            <a:schemeClr val="bg1"/>
-          </a:solidFill>
-          <a:ln>
-            <a:solidFill>
-              <a:schemeClr val="tx1"/>
-            </a:solidFill>
-          </a:ln>
-        </p:spPr>
-        <p:style>
-          <a:lnRef idx="2">
-            <a:schemeClr val="accent1">
-              <a:shade val="50000"/>
-            </a:schemeClr>
-          </a:lnRef>
-          <a:fillRef idx="1">
-            <a:schemeClr val="accent1"/>
-          </a:fillRef>
-          <a:effectRef idx="0">
-            <a:schemeClr val="accent1"/>
-          </a:effectRef>
-          <a:fontRef idx="minor">
-            <a:schemeClr val="lt1"/>
-          </a:fontRef>
-        </p:style>
-        <p:txBody>
-          <a:bodyPr rtlCol="0" anchor="ctr"/>
-          <a:lstStyle/>
-          <a:p>
-            <a:pPr algn="ctr"/>
-            <a:endParaRPr lang="en-US" sz="1600" dirty="0">
-              <a:solidFill>
-                <a:schemeClr val="tx1"/>
-              </a:solidFill>
-              <a:latin typeface="Arial" panose="020B0604020202020204" pitchFamily="34" charset="0"/>
-              <a:cs typeface="Arial" panose="020B0604020202020204" pitchFamily="34" charset="0"/>
-            </a:endParaRPr>
-          </a:p>
-        </p:txBody>
-      </p:sp>
-      <p:sp>
-        <p:nvSpPr>
-          <p:cNvPr id="99" name="TextBox 98"/>
-          <p:cNvSpPr txBox="1"/>
-          <p:nvPr/>
-        </p:nvSpPr>
-        <p:spPr>
-          <a:xfrm>
-            <a:off x="5430724" y="5473881"/>
-            <a:ext cx="509953" cy="338554"/>
-          </a:xfrm>
-          <a:prstGeom prst="rect">
-            <a:avLst/>
-          </a:prstGeom>
-          <a:noFill/>
-        </p:spPr>
-        <p:txBody>
-          <a:bodyPr wrap="square" rtlCol="0">
-            <a:spAutoFit/>
-          </a:bodyPr>
-          <a:lstStyle/>
-          <a:p>
-            <a:r>
-              <a:rPr lang="en-US" sz="1600" dirty="0" smtClean="0">
-                <a:latin typeface="Arial" panose="020B0604020202020204" pitchFamily="34" charset="0"/>
-                <a:cs typeface="Arial" panose="020B0604020202020204" pitchFamily="34" charset="0"/>
-              </a:rPr>
-              <a:t>20</a:t>
-            </a:r>
-            <a:endParaRPr lang="en-US" dirty="0">
-              <a:latin typeface="Arial" panose="020B0604020202020204" pitchFamily="34" charset="0"/>
-              <a:cs typeface="Arial" panose="020B0604020202020204" pitchFamily="34" charset="0"/>
-            </a:endParaRPr>
-          </a:p>
-        </p:txBody>
-      </p:sp>
     </p:spTree>
     <p:extLst>
       <p:ext uri="{BB962C8B-B14F-4D97-AF65-F5344CB8AC3E}">
-        <p14:creationId xmlns:p14="http://schemas.microsoft.com/office/powerpoint/2010/main" val="1843293437"/>
+        <p14:creationId xmlns:p14="http://schemas.microsoft.com/office/powerpoint/2010/main" val="1179445465"/>
       </p:ext>
     </p:extLst>
   </p:cSld>
@@ -8077,6 +6742,41 @@
           </a:prstGeom>
         </p:spPr>
       </p:pic>
+      <p:pic>
+        <p:nvPicPr>
+          <p:cNvPr id="5" name="Picture 4"/>
+          <p:cNvPicPr>
+            <a:picLocks noChangeAspect="1"/>
+          </p:cNvPicPr>
+          <p:nvPr/>
+        </p:nvPicPr>
+        <p:blipFill>
+          <a:blip r:embed="rId4" cstate="print">
+            <a:extLst>
+              <a:ext uri="{28A0092B-C50C-407E-A947-70E740481C1C}">
+                <a14:useLocalDpi xmlns:a14="http://schemas.microsoft.com/office/drawing/2010/main" val="0"/>
+              </a:ext>
+            </a:extLst>
+          </a:blip>
+          <a:stretch>
+            <a:fillRect/>
+          </a:stretch>
+        </p:blipFill>
+        <p:spPr>
+          <a:xfrm>
+            <a:off x="5001216" y="3206699"/>
+            <a:ext cx="1369815" cy="978439"/>
+          </a:xfrm>
+          <a:prstGeom prst="rect">
+            <a:avLst/>
+          </a:prstGeom>
+          <a:ln>
+            <a:solidFill>
+              <a:schemeClr val="tx1"/>
+            </a:solidFill>
+          </a:ln>
+        </p:spPr>
+      </p:pic>
       <p:sp>
         <p:nvSpPr>
           <p:cNvPr id="30" name="Oval 29"/>
@@ -10263,118 +8963,10 @@
           </a:p>
         </p:txBody>
       </p:sp>
-      <p:sp>
-        <p:nvSpPr>
-          <p:cNvPr id="2" name="TextBox 1"/>
-          <p:cNvSpPr txBox="1"/>
-          <p:nvPr/>
-        </p:nvSpPr>
-        <p:spPr>
-          <a:xfrm>
-            <a:off x="4365387" y="2275742"/>
-            <a:ext cx="1222131" cy="246221"/>
-          </a:xfrm>
-          <a:prstGeom prst="rect">
-            <a:avLst/>
-          </a:prstGeom>
-          <a:noFill/>
-        </p:spPr>
-        <p:txBody>
-          <a:bodyPr wrap="square" rtlCol="0">
-            <a:spAutoFit/>
-          </a:bodyPr>
-          <a:lstStyle/>
-          <a:p>
-            <a:r>
-              <a:rPr lang="en-US" sz="1000" dirty="0" smtClean="0">
-                <a:latin typeface="Arial" panose="020B0604020202020204" pitchFamily="34" charset="0"/>
-                <a:cs typeface="Arial" panose="020B0604020202020204" pitchFamily="34" charset="0"/>
-              </a:rPr>
-              <a:t>(61%)</a:t>
-            </a:r>
-            <a:endParaRPr lang="en-US" sz="1000" dirty="0">
-              <a:latin typeface="Arial" panose="020B0604020202020204" pitchFamily="34" charset="0"/>
-              <a:cs typeface="Arial" panose="020B0604020202020204" pitchFamily="34" charset="0"/>
-            </a:endParaRPr>
-          </a:p>
-        </p:txBody>
-      </p:sp>
-      <p:sp>
-        <p:nvSpPr>
-          <p:cNvPr id="61" name="TextBox 60"/>
-          <p:cNvSpPr txBox="1"/>
-          <p:nvPr/>
-        </p:nvSpPr>
-        <p:spPr>
-          <a:xfrm>
-            <a:off x="4642354" y="2454569"/>
-            <a:ext cx="1222131" cy="246221"/>
-          </a:xfrm>
-          <a:prstGeom prst="rect">
-            <a:avLst/>
-          </a:prstGeom>
-          <a:noFill/>
-        </p:spPr>
-        <p:txBody>
-          <a:bodyPr wrap="square" rtlCol="0">
-            <a:spAutoFit/>
-          </a:bodyPr>
-          <a:lstStyle/>
-          <a:p>
-            <a:r>
-              <a:rPr lang="en-US" sz="1000" dirty="0" smtClean="0">
-                <a:latin typeface="Arial" panose="020B0604020202020204" pitchFamily="34" charset="0"/>
-                <a:cs typeface="Arial" panose="020B0604020202020204" pitchFamily="34" charset="0"/>
-              </a:rPr>
-              <a:t>(34%)</a:t>
-            </a:r>
-            <a:endParaRPr lang="en-US" sz="1000" dirty="0">
-              <a:latin typeface="Arial" panose="020B0604020202020204" pitchFamily="34" charset="0"/>
-              <a:cs typeface="Arial" panose="020B0604020202020204" pitchFamily="34" charset="0"/>
-            </a:endParaRPr>
-          </a:p>
-        </p:txBody>
-      </p:sp>
-      <p:sp>
-        <p:nvSpPr>
-          <p:cNvPr id="65" name="TextBox 64"/>
-          <p:cNvSpPr txBox="1"/>
-          <p:nvPr/>
-        </p:nvSpPr>
-        <p:spPr>
-          <a:xfrm>
-            <a:off x="4382971" y="2631910"/>
-            <a:ext cx="1222131" cy="246221"/>
-          </a:xfrm>
-          <a:prstGeom prst="rect">
-            <a:avLst/>
-          </a:prstGeom>
-          <a:noFill/>
-        </p:spPr>
-        <p:txBody>
-          <a:bodyPr wrap="square" rtlCol="0">
-            <a:spAutoFit/>
-          </a:bodyPr>
-          <a:lstStyle/>
-          <a:p>
-            <a:r>
-              <a:rPr lang="en-US" sz="1000" dirty="0" smtClean="0">
-                <a:latin typeface="Arial" panose="020B0604020202020204" pitchFamily="34" charset="0"/>
-                <a:cs typeface="Arial" panose="020B0604020202020204" pitchFamily="34" charset="0"/>
-              </a:rPr>
-              <a:t>(5%)</a:t>
-            </a:r>
-            <a:endParaRPr lang="en-US" sz="1000" dirty="0">
-              <a:latin typeface="Arial" panose="020B0604020202020204" pitchFamily="34" charset="0"/>
-              <a:cs typeface="Arial" panose="020B0604020202020204" pitchFamily="34" charset="0"/>
-            </a:endParaRPr>
-          </a:p>
-        </p:txBody>
-      </p:sp>
     </p:spTree>
     <p:extLst>
       <p:ext uri="{BB962C8B-B14F-4D97-AF65-F5344CB8AC3E}">
-        <p14:creationId xmlns:p14="http://schemas.microsoft.com/office/powerpoint/2010/main" val="3930363686"/>
+        <p14:creationId xmlns:p14="http://schemas.microsoft.com/office/powerpoint/2010/main" val="1843293437"/>
       </p:ext>
     </p:extLst>
   </p:cSld>
@@ -10403,7 +8995,7 @@
       </p:grpSpPr>
       <p:pic>
         <p:nvPicPr>
-          <p:cNvPr id="58" name="Picture 57"/>
+          <p:cNvPr id="100" name="Picture 99"/>
           <p:cNvPicPr>
             <a:picLocks noChangeAspect="1"/>
           </p:cNvPicPr>
@@ -10433,6 +9025,2360 @@
       </p:pic>
       <p:sp>
         <p:nvSpPr>
+          <p:cNvPr id="30" name="Oval 29"/>
+          <p:cNvSpPr/>
+          <p:nvPr/>
+        </p:nvSpPr>
+        <p:spPr>
+          <a:xfrm>
+            <a:off x="6910749" y="5618275"/>
+            <a:ext cx="228600" cy="228600"/>
+          </a:xfrm>
+          <a:prstGeom prst="ellipse">
+            <a:avLst/>
+          </a:prstGeom>
+          <a:solidFill>
+            <a:schemeClr val="bg1"/>
+          </a:solidFill>
+          <a:ln>
+            <a:solidFill>
+              <a:schemeClr val="tx1"/>
+            </a:solidFill>
+          </a:ln>
+        </p:spPr>
+        <p:style>
+          <a:lnRef idx="2">
+            <a:schemeClr val="accent1">
+              <a:shade val="50000"/>
+            </a:schemeClr>
+          </a:lnRef>
+          <a:fillRef idx="1">
+            <a:schemeClr val="accent1"/>
+          </a:fillRef>
+          <a:effectRef idx="0">
+            <a:schemeClr val="accent1"/>
+          </a:effectRef>
+          <a:fontRef idx="minor">
+            <a:schemeClr val="lt1"/>
+          </a:fontRef>
+        </p:style>
+        <p:txBody>
+          <a:bodyPr rtlCol="0" anchor="ctr"/>
+          <a:lstStyle/>
+          <a:p>
+            <a:pPr algn="ctr"/>
+            <a:r>
+              <a:rPr lang="en-US" sz="1600" dirty="0" smtClean="0">
+                <a:solidFill>
+                  <a:schemeClr val="tx1"/>
+                </a:solidFill>
+                <a:latin typeface="Arial" panose="020B0604020202020204" pitchFamily="34" charset="0"/>
+                <a:cs typeface="Arial" panose="020B0604020202020204" pitchFamily="34" charset="0"/>
+              </a:rPr>
+              <a:t>1</a:t>
+            </a:r>
+            <a:endParaRPr lang="en-US" sz="1600" dirty="0">
+              <a:solidFill>
+                <a:schemeClr val="tx1"/>
+              </a:solidFill>
+              <a:latin typeface="Arial" panose="020B0604020202020204" pitchFamily="34" charset="0"/>
+              <a:cs typeface="Arial" panose="020B0604020202020204" pitchFamily="34" charset="0"/>
+            </a:endParaRPr>
+          </a:p>
+        </p:txBody>
+      </p:sp>
+      <p:sp>
+        <p:nvSpPr>
+          <p:cNvPr id="31" name="Oval 30"/>
+          <p:cNvSpPr/>
+          <p:nvPr/>
+        </p:nvSpPr>
+        <p:spPr>
+          <a:xfrm>
+            <a:off x="7617072" y="4337528"/>
+            <a:ext cx="228600" cy="228600"/>
+          </a:xfrm>
+          <a:prstGeom prst="ellipse">
+            <a:avLst/>
+          </a:prstGeom>
+          <a:solidFill>
+            <a:schemeClr val="bg1"/>
+          </a:solidFill>
+          <a:ln>
+            <a:solidFill>
+              <a:schemeClr val="tx1"/>
+            </a:solidFill>
+          </a:ln>
+        </p:spPr>
+        <p:style>
+          <a:lnRef idx="2">
+            <a:schemeClr val="accent1">
+              <a:shade val="50000"/>
+            </a:schemeClr>
+          </a:lnRef>
+          <a:fillRef idx="1">
+            <a:schemeClr val="accent1"/>
+          </a:fillRef>
+          <a:effectRef idx="0">
+            <a:schemeClr val="accent1"/>
+          </a:effectRef>
+          <a:fontRef idx="minor">
+            <a:schemeClr val="lt1"/>
+          </a:fontRef>
+        </p:style>
+        <p:txBody>
+          <a:bodyPr rtlCol="0" anchor="ctr"/>
+          <a:lstStyle/>
+          <a:p>
+            <a:pPr algn="ctr"/>
+            <a:r>
+              <a:rPr lang="en-US" sz="1600" dirty="0">
+                <a:solidFill>
+                  <a:schemeClr val="tx1"/>
+                </a:solidFill>
+                <a:latin typeface="Arial" panose="020B0604020202020204" pitchFamily="34" charset="0"/>
+                <a:cs typeface="Arial" panose="020B0604020202020204" pitchFamily="34" charset="0"/>
+              </a:rPr>
+              <a:t>4</a:t>
+            </a:r>
+          </a:p>
+        </p:txBody>
+      </p:sp>
+      <p:cxnSp>
+        <p:nvCxnSpPr>
+          <p:cNvPr id="32" name="Straight Connector 31"/>
+          <p:cNvCxnSpPr>
+            <a:stCxn id="31" idx="2"/>
+          </p:cNvCxnSpPr>
+          <p:nvPr/>
+        </p:nvCxnSpPr>
+        <p:spPr>
+          <a:xfrm flipH="1">
+            <a:off x="7280031" y="4451828"/>
+            <a:ext cx="337041" cy="5872"/>
+          </a:xfrm>
+          <a:prstGeom prst="line">
+            <a:avLst/>
+          </a:prstGeom>
+          <a:ln w="28575">
+            <a:solidFill>
+              <a:schemeClr val="tx1"/>
+            </a:solidFill>
+          </a:ln>
+        </p:spPr>
+        <p:style>
+          <a:lnRef idx="1">
+            <a:schemeClr val="accent1"/>
+          </a:lnRef>
+          <a:fillRef idx="0">
+            <a:schemeClr val="accent1"/>
+          </a:fillRef>
+          <a:effectRef idx="0">
+            <a:schemeClr val="accent1"/>
+          </a:effectRef>
+          <a:fontRef idx="minor">
+            <a:schemeClr val="tx1"/>
+          </a:fontRef>
+        </p:style>
+      </p:cxnSp>
+      <p:sp>
+        <p:nvSpPr>
+          <p:cNvPr id="33" name="Oval 32"/>
+          <p:cNvSpPr/>
+          <p:nvPr/>
+        </p:nvSpPr>
+        <p:spPr>
+          <a:xfrm>
+            <a:off x="7663966" y="4621808"/>
+            <a:ext cx="228600" cy="228600"/>
+          </a:xfrm>
+          <a:prstGeom prst="ellipse">
+            <a:avLst/>
+          </a:prstGeom>
+          <a:solidFill>
+            <a:schemeClr val="bg1"/>
+          </a:solidFill>
+          <a:ln>
+            <a:solidFill>
+              <a:schemeClr val="tx1"/>
+            </a:solidFill>
+          </a:ln>
+        </p:spPr>
+        <p:style>
+          <a:lnRef idx="2">
+            <a:schemeClr val="accent1">
+              <a:shade val="50000"/>
+            </a:schemeClr>
+          </a:lnRef>
+          <a:fillRef idx="1">
+            <a:schemeClr val="accent1"/>
+          </a:fillRef>
+          <a:effectRef idx="0">
+            <a:schemeClr val="accent1"/>
+          </a:effectRef>
+          <a:fontRef idx="minor">
+            <a:schemeClr val="lt1"/>
+          </a:fontRef>
+        </p:style>
+        <p:txBody>
+          <a:bodyPr rtlCol="0" anchor="ctr"/>
+          <a:lstStyle/>
+          <a:p>
+            <a:pPr algn="ctr"/>
+            <a:r>
+              <a:rPr lang="en-US" sz="1600" dirty="0" smtClean="0">
+                <a:solidFill>
+                  <a:schemeClr val="tx1"/>
+                </a:solidFill>
+                <a:latin typeface="Arial" panose="020B0604020202020204" pitchFamily="34" charset="0"/>
+                <a:cs typeface="Arial" panose="020B0604020202020204" pitchFamily="34" charset="0"/>
+              </a:rPr>
+              <a:t>2</a:t>
+            </a:r>
+            <a:endParaRPr lang="en-US" sz="1600" dirty="0">
+              <a:solidFill>
+                <a:schemeClr val="tx1"/>
+              </a:solidFill>
+              <a:latin typeface="Arial" panose="020B0604020202020204" pitchFamily="34" charset="0"/>
+              <a:cs typeface="Arial" panose="020B0604020202020204" pitchFamily="34" charset="0"/>
+            </a:endParaRPr>
+          </a:p>
+        </p:txBody>
+      </p:sp>
+      <p:cxnSp>
+        <p:nvCxnSpPr>
+          <p:cNvPr id="34" name="Straight Connector 33"/>
+          <p:cNvCxnSpPr>
+            <a:stCxn id="33" idx="2"/>
+          </p:cNvCxnSpPr>
+          <p:nvPr/>
+        </p:nvCxnSpPr>
+        <p:spPr>
+          <a:xfrm flipH="1" flipV="1">
+            <a:off x="7280031" y="4617406"/>
+            <a:ext cx="383935" cy="118702"/>
+          </a:xfrm>
+          <a:prstGeom prst="line">
+            <a:avLst/>
+          </a:prstGeom>
+          <a:ln w="28575">
+            <a:solidFill>
+              <a:schemeClr val="tx1"/>
+            </a:solidFill>
+          </a:ln>
+        </p:spPr>
+        <p:style>
+          <a:lnRef idx="1">
+            <a:schemeClr val="accent1"/>
+          </a:lnRef>
+          <a:fillRef idx="0">
+            <a:schemeClr val="accent1"/>
+          </a:fillRef>
+          <a:effectRef idx="0">
+            <a:schemeClr val="accent1"/>
+          </a:effectRef>
+          <a:fontRef idx="minor">
+            <a:schemeClr val="tx1"/>
+          </a:fontRef>
+        </p:style>
+      </p:cxnSp>
+      <p:sp>
+        <p:nvSpPr>
+          <p:cNvPr id="35" name="Oval 34"/>
+          <p:cNvSpPr/>
+          <p:nvPr/>
+        </p:nvSpPr>
+        <p:spPr>
+          <a:xfrm>
+            <a:off x="7488116" y="5105386"/>
+            <a:ext cx="228600" cy="228600"/>
+          </a:xfrm>
+          <a:prstGeom prst="ellipse">
+            <a:avLst/>
+          </a:prstGeom>
+          <a:solidFill>
+            <a:schemeClr val="bg1"/>
+          </a:solidFill>
+          <a:ln>
+            <a:solidFill>
+              <a:schemeClr val="tx1"/>
+            </a:solidFill>
+          </a:ln>
+        </p:spPr>
+        <p:style>
+          <a:lnRef idx="2">
+            <a:schemeClr val="accent1">
+              <a:shade val="50000"/>
+            </a:schemeClr>
+          </a:lnRef>
+          <a:fillRef idx="1">
+            <a:schemeClr val="accent1"/>
+          </a:fillRef>
+          <a:effectRef idx="0">
+            <a:schemeClr val="accent1"/>
+          </a:effectRef>
+          <a:fontRef idx="minor">
+            <a:schemeClr val="lt1"/>
+          </a:fontRef>
+        </p:style>
+        <p:txBody>
+          <a:bodyPr rtlCol="0" anchor="ctr"/>
+          <a:lstStyle/>
+          <a:p>
+            <a:pPr algn="ctr"/>
+            <a:r>
+              <a:rPr lang="en-US" sz="1600" dirty="0" smtClean="0">
+                <a:solidFill>
+                  <a:schemeClr val="tx1"/>
+                </a:solidFill>
+                <a:latin typeface="Arial" panose="020B0604020202020204" pitchFamily="34" charset="0"/>
+                <a:cs typeface="Arial" panose="020B0604020202020204" pitchFamily="34" charset="0"/>
+              </a:rPr>
+              <a:t>3</a:t>
+            </a:r>
+            <a:endParaRPr lang="en-US" sz="1600" dirty="0">
+              <a:solidFill>
+                <a:schemeClr val="tx1"/>
+              </a:solidFill>
+              <a:latin typeface="Arial" panose="020B0604020202020204" pitchFamily="34" charset="0"/>
+              <a:cs typeface="Arial" panose="020B0604020202020204" pitchFamily="34" charset="0"/>
+            </a:endParaRPr>
+          </a:p>
+        </p:txBody>
+      </p:sp>
+      <p:cxnSp>
+        <p:nvCxnSpPr>
+          <p:cNvPr id="36" name="Straight Connector 35"/>
+          <p:cNvCxnSpPr>
+            <a:stCxn id="35" idx="2"/>
+          </p:cNvCxnSpPr>
+          <p:nvPr/>
+        </p:nvCxnSpPr>
+        <p:spPr>
+          <a:xfrm flipH="1" flipV="1">
+            <a:off x="7139349" y="5105386"/>
+            <a:ext cx="348767" cy="114300"/>
+          </a:xfrm>
+          <a:prstGeom prst="line">
+            <a:avLst/>
+          </a:prstGeom>
+          <a:ln w="28575">
+            <a:solidFill>
+              <a:schemeClr val="tx1"/>
+            </a:solidFill>
+          </a:ln>
+        </p:spPr>
+        <p:style>
+          <a:lnRef idx="1">
+            <a:schemeClr val="accent1"/>
+          </a:lnRef>
+          <a:fillRef idx="0">
+            <a:schemeClr val="accent1"/>
+          </a:fillRef>
+          <a:effectRef idx="0">
+            <a:schemeClr val="accent1"/>
+          </a:effectRef>
+          <a:fontRef idx="minor">
+            <a:schemeClr val="tx1"/>
+          </a:fontRef>
+        </p:style>
+      </p:cxnSp>
+      <p:sp>
+        <p:nvSpPr>
+          <p:cNvPr id="37" name="Oval 36"/>
+          <p:cNvSpPr/>
+          <p:nvPr/>
+        </p:nvSpPr>
+        <p:spPr>
+          <a:xfrm>
+            <a:off x="6353912" y="5650512"/>
+            <a:ext cx="228600" cy="228600"/>
+          </a:xfrm>
+          <a:prstGeom prst="ellipse">
+            <a:avLst/>
+          </a:prstGeom>
+          <a:solidFill>
+            <a:schemeClr val="bg1"/>
+          </a:solidFill>
+          <a:ln>
+            <a:solidFill>
+              <a:schemeClr val="tx1"/>
+            </a:solidFill>
+          </a:ln>
+        </p:spPr>
+        <p:style>
+          <a:lnRef idx="2">
+            <a:schemeClr val="accent1">
+              <a:shade val="50000"/>
+            </a:schemeClr>
+          </a:lnRef>
+          <a:fillRef idx="1">
+            <a:schemeClr val="accent1"/>
+          </a:fillRef>
+          <a:effectRef idx="0">
+            <a:schemeClr val="accent1"/>
+          </a:effectRef>
+          <a:fontRef idx="minor">
+            <a:schemeClr val="lt1"/>
+          </a:fontRef>
+        </p:style>
+        <p:txBody>
+          <a:bodyPr rtlCol="0" anchor="ctr"/>
+          <a:lstStyle/>
+          <a:p>
+            <a:pPr algn="ctr"/>
+            <a:r>
+              <a:rPr lang="en-US" sz="1600" dirty="0">
+                <a:solidFill>
+                  <a:schemeClr val="tx1"/>
+                </a:solidFill>
+                <a:latin typeface="Arial" panose="020B0604020202020204" pitchFamily="34" charset="0"/>
+                <a:cs typeface="Arial" panose="020B0604020202020204" pitchFamily="34" charset="0"/>
+              </a:rPr>
+              <a:t>6</a:t>
+            </a:r>
+          </a:p>
+        </p:txBody>
+      </p:sp>
+      <p:cxnSp>
+        <p:nvCxnSpPr>
+          <p:cNvPr id="38" name="Straight Connector 37"/>
+          <p:cNvCxnSpPr/>
+          <p:nvPr/>
+        </p:nvCxnSpPr>
+        <p:spPr>
+          <a:xfrm flipV="1">
+            <a:off x="6450624" y="5219686"/>
+            <a:ext cx="131888" cy="430830"/>
+          </a:xfrm>
+          <a:prstGeom prst="line">
+            <a:avLst/>
+          </a:prstGeom>
+          <a:ln w="28575">
+            <a:solidFill>
+              <a:schemeClr val="tx1"/>
+            </a:solidFill>
+          </a:ln>
+        </p:spPr>
+        <p:style>
+          <a:lnRef idx="1">
+            <a:schemeClr val="accent1"/>
+          </a:lnRef>
+          <a:fillRef idx="0">
+            <a:schemeClr val="accent1"/>
+          </a:fillRef>
+          <a:effectRef idx="0">
+            <a:schemeClr val="accent1"/>
+          </a:effectRef>
+          <a:fontRef idx="minor">
+            <a:schemeClr val="tx1"/>
+          </a:fontRef>
+        </p:style>
+      </p:cxnSp>
+      <p:sp>
+        <p:nvSpPr>
+          <p:cNvPr id="39" name="Oval 38"/>
+          <p:cNvSpPr/>
+          <p:nvPr/>
+        </p:nvSpPr>
+        <p:spPr>
+          <a:xfrm>
+            <a:off x="7681552" y="3883262"/>
+            <a:ext cx="228600" cy="228600"/>
+          </a:xfrm>
+          <a:prstGeom prst="ellipse">
+            <a:avLst/>
+          </a:prstGeom>
+          <a:solidFill>
+            <a:schemeClr val="bg1"/>
+          </a:solidFill>
+          <a:ln>
+            <a:solidFill>
+              <a:schemeClr val="tx1"/>
+            </a:solidFill>
+          </a:ln>
+        </p:spPr>
+        <p:style>
+          <a:lnRef idx="2">
+            <a:schemeClr val="accent1">
+              <a:shade val="50000"/>
+            </a:schemeClr>
+          </a:lnRef>
+          <a:fillRef idx="1">
+            <a:schemeClr val="accent1"/>
+          </a:fillRef>
+          <a:effectRef idx="0">
+            <a:schemeClr val="accent1"/>
+          </a:effectRef>
+          <a:fontRef idx="minor">
+            <a:schemeClr val="lt1"/>
+          </a:fontRef>
+        </p:style>
+        <p:txBody>
+          <a:bodyPr rtlCol="0" anchor="ctr"/>
+          <a:lstStyle/>
+          <a:p>
+            <a:pPr algn="ctr"/>
+            <a:r>
+              <a:rPr lang="en-US" sz="1600" dirty="0">
+                <a:solidFill>
+                  <a:schemeClr val="tx1"/>
+                </a:solidFill>
+                <a:latin typeface="Arial" panose="020B0604020202020204" pitchFamily="34" charset="0"/>
+                <a:cs typeface="Arial" panose="020B0604020202020204" pitchFamily="34" charset="0"/>
+              </a:rPr>
+              <a:t>7</a:t>
+            </a:r>
+          </a:p>
+        </p:txBody>
+      </p:sp>
+      <p:cxnSp>
+        <p:nvCxnSpPr>
+          <p:cNvPr id="40" name="Straight Connector 39"/>
+          <p:cNvCxnSpPr>
+            <a:stCxn id="39" idx="2"/>
+          </p:cNvCxnSpPr>
+          <p:nvPr/>
+        </p:nvCxnSpPr>
+        <p:spPr>
+          <a:xfrm flipH="1">
+            <a:off x="7447082" y="3997562"/>
+            <a:ext cx="234470" cy="45064"/>
+          </a:xfrm>
+          <a:prstGeom prst="line">
+            <a:avLst/>
+          </a:prstGeom>
+          <a:ln w="28575">
+            <a:solidFill>
+              <a:schemeClr val="tx1"/>
+            </a:solidFill>
+          </a:ln>
+        </p:spPr>
+        <p:style>
+          <a:lnRef idx="1">
+            <a:schemeClr val="accent1"/>
+          </a:lnRef>
+          <a:fillRef idx="0">
+            <a:schemeClr val="accent1"/>
+          </a:fillRef>
+          <a:effectRef idx="0">
+            <a:schemeClr val="accent1"/>
+          </a:effectRef>
+          <a:fontRef idx="minor">
+            <a:schemeClr val="tx1"/>
+          </a:fontRef>
+        </p:style>
+      </p:cxnSp>
+      <p:sp>
+        <p:nvSpPr>
+          <p:cNvPr id="41" name="Oval 40"/>
+          <p:cNvSpPr/>
+          <p:nvPr/>
+        </p:nvSpPr>
+        <p:spPr>
+          <a:xfrm>
+            <a:off x="4700960" y="3452436"/>
+            <a:ext cx="228600" cy="228600"/>
+          </a:xfrm>
+          <a:prstGeom prst="ellipse">
+            <a:avLst/>
+          </a:prstGeom>
+          <a:solidFill>
+            <a:schemeClr val="bg1"/>
+          </a:solidFill>
+          <a:ln>
+            <a:solidFill>
+              <a:schemeClr val="tx1"/>
+            </a:solidFill>
+          </a:ln>
+        </p:spPr>
+        <p:style>
+          <a:lnRef idx="2">
+            <a:schemeClr val="accent1">
+              <a:shade val="50000"/>
+            </a:schemeClr>
+          </a:lnRef>
+          <a:fillRef idx="1">
+            <a:schemeClr val="accent1"/>
+          </a:fillRef>
+          <a:effectRef idx="0">
+            <a:schemeClr val="accent1"/>
+          </a:effectRef>
+          <a:fontRef idx="minor">
+            <a:schemeClr val="lt1"/>
+          </a:fontRef>
+        </p:style>
+        <p:txBody>
+          <a:bodyPr rtlCol="0" anchor="ctr"/>
+          <a:lstStyle/>
+          <a:p>
+            <a:pPr algn="ctr"/>
+            <a:r>
+              <a:rPr lang="en-US" sz="1600" dirty="0" smtClean="0">
+                <a:solidFill>
+                  <a:schemeClr val="tx1"/>
+                </a:solidFill>
+                <a:latin typeface="Arial" panose="020B0604020202020204" pitchFamily="34" charset="0"/>
+                <a:cs typeface="Arial" panose="020B0604020202020204" pitchFamily="34" charset="0"/>
+              </a:rPr>
+              <a:t>8</a:t>
+            </a:r>
+            <a:endParaRPr lang="en-US" sz="1600" dirty="0">
+              <a:solidFill>
+                <a:schemeClr val="tx1"/>
+              </a:solidFill>
+              <a:latin typeface="Arial" panose="020B0604020202020204" pitchFamily="34" charset="0"/>
+              <a:cs typeface="Arial" panose="020B0604020202020204" pitchFamily="34" charset="0"/>
+            </a:endParaRPr>
+          </a:p>
+        </p:txBody>
+      </p:sp>
+      <p:sp>
+        <p:nvSpPr>
+          <p:cNvPr id="42" name="Oval 41"/>
+          <p:cNvSpPr/>
+          <p:nvPr/>
+        </p:nvSpPr>
+        <p:spPr>
+          <a:xfrm>
+            <a:off x="6629401" y="5732576"/>
+            <a:ext cx="228600" cy="228600"/>
+          </a:xfrm>
+          <a:prstGeom prst="ellipse">
+            <a:avLst/>
+          </a:prstGeom>
+          <a:solidFill>
+            <a:schemeClr val="bg1"/>
+          </a:solidFill>
+          <a:ln>
+            <a:solidFill>
+              <a:schemeClr val="tx1"/>
+            </a:solidFill>
+          </a:ln>
+        </p:spPr>
+        <p:style>
+          <a:lnRef idx="2">
+            <a:schemeClr val="accent1">
+              <a:shade val="50000"/>
+            </a:schemeClr>
+          </a:lnRef>
+          <a:fillRef idx="1">
+            <a:schemeClr val="accent1"/>
+          </a:fillRef>
+          <a:effectRef idx="0">
+            <a:schemeClr val="accent1"/>
+          </a:effectRef>
+          <a:fontRef idx="minor">
+            <a:schemeClr val="lt1"/>
+          </a:fontRef>
+        </p:style>
+        <p:txBody>
+          <a:bodyPr rtlCol="0" anchor="ctr"/>
+          <a:lstStyle/>
+          <a:p>
+            <a:pPr algn="ctr"/>
+            <a:endParaRPr lang="en-US" sz="1600" dirty="0">
+              <a:solidFill>
+                <a:schemeClr val="tx1"/>
+              </a:solidFill>
+              <a:latin typeface="Arial" panose="020B0604020202020204" pitchFamily="34" charset="0"/>
+              <a:cs typeface="Arial" panose="020B0604020202020204" pitchFamily="34" charset="0"/>
+            </a:endParaRPr>
+          </a:p>
+        </p:txBody>
+      </p:sp>
+      <p:cxnSp>
+        <p:nvCxnSpPr>
+          <p:cNvPr id="43" name="Straight Connector 42"/>
+          <p:cNvCxnSpPr/>
+          <p:nvPr/>
+        </p:nvCxnSpPr>
+        <p:spPr>
+          <a:xfrm flipV="1">
+            <a:off x="6726113" y="5328130"/>
+            <a:ext cx="0" cy="404450"/>
+          </a:xfrm>
+          <a:prstGeom prst="line">
+            <a:avLst/>
+          </a:prstGeom>
+          <a:ln w="28575">
+            <a:solidFill>
+              <a:schemeClr val="tx1"/>
+            </a:solidFill>
+          </a:ln>
+        </p:spPr>
+        <p:style>
+          <a:lnRef idx="1">
+            <a:schemeClr val="accent1"/>
+          </a:lnRef>
+          <a:fillRef idx="0">
+            <a:schemeClr val="accent1"/>
+          </a:fillRef>
+          <a:effectRef idx="0">
+            <a:schemeClr val="accent1"/>
+          </a:effectRef>
+          <a:fontRef idx="minor">
+            <a:schemeClr val="tx1"/>
+          </a:fontRef>
+        </p:style>
+      </p:cxnSp>
+      <p:sp>
+        <p:nvSpPr>
+          <p:cNvPr id="44" name="Oval 43"/>
+          <p:cNvSpPr/>
+          <p:nvPr/>
+        </p:nvSpPr>
+        <p:spPr>
+          <a:xfrm>
+            <a:off x="7640516" y="4879723"/>
+            <a:ext cx="228600" cy="228600"/>
+          </a:xfrm>
+          <a:prstGeom prst="ellipse">
+            <a:avLst/>
+          </a:prstGeom>
+          <a:solidFill>
+            <a:schemeClr val="bg1"/>
+          </a:solidFill>
+          <a:ln>
+            <a:solidFill>
+              <a:schemeClr val="tx1"/>
+            </a:solidFill>
+          </a:ln>
+        </p:spPr>
+        <p:style>
+          <a:lnRef idx="2">
+            <a:schemeClr val="accent1">
+              <a:shade val="50000"/>
+            </a:schemeClr>
+          </a:lnRef>
+          <a:fillRef idx="1">
+            <a:schemeClr val="accent1"/>
+          </a:fillRef>
+          <a:effectRef idx="0">
+            <a:schemeClr val="accent1"/>
+          </a:effectRef>
+          <a:fontRef idx="minor">
+            <a:schemeClr val="lt1"/>
+          </a:fontRef>
+        </p:style>
+        <p:txBody>
+          <a:bodyPr rtlCol="0" anchor="ctr"/>
+          <a:lstStyle/>
+          <a:p>
+            <a:pPr algn="ctr"/>
+            <a:r>
+              <a:rPr lang="en-US" sz="1600" dirty="0" smtClean="0">
+                <a:solidFill>
+                  <a:schemeClr val="tx1"/>
+                </a:solidFill>
+                <a:latin typeface="Arial" panose="020B0604020202020204" pitchFamily="34" charset="0"/>
+                <a:cs typeface="Arial" panose="020B0604020202020204" pitchFamily="34" charset="0"/>
+              </a:rPr>
+              <a:t>9</a:t>
+            </a:r>
+            <a:endParaRPr lang="en-US" sz="1600" dirty="0">
+              <a:solidFill>
+                <a:schemeClr val="tx1"/>
+              </a:solidFill>
+              <a:latin typeface="Arial" panose="020B0604020202020204" pitchFamily="34" charset="0"/>
+              <a:cs typeface="Arial" panose="020B0604020202020204" pitchFamily="34" charset="0"/>
+            </a:endParaRPr>
+          </a:p>
+        </p:txBody>
+      </p:sp>
+      <p:cxnSp>
+        <p:nvCxnSpPr>
+          <p:cNvPr id="45" name="Straight Connector 44"/>
+          <p:cNvCxnSpPr>
+            <a:stCxn id="44" idx="2"/>
+          </p:cNvCxnSpPr>
+          <p:nvPr/>
+        </p:nvCxnSpPr>
+        <p:spPr>
+          <a:xfrm flipH="1" flipV="1">
+            <a:off x="7291749" y="4879723"/>
+            <a:ext cx="348767" cy="114300"/>
+          </a:xfrm>
+          <a:prstGeom prst="line">
+            <a:avLst/>
+          </a:prstGeom>
+          <a:ln w="28575">
+            <a:solidFill>
+              <a:schemeClr val="tx1"/>
+            </a:solidFill>
+          </a:ln>
+        </p:spPr>
+        <p:style>
+          <a:lnRef idx="1">
+            <a:schemeClr val="accent1"/>
+          </a:lnRef>
+          <a:fillRef idx="0">
+            <a:schemeClr val="accent1"/>
+          </a:fillRef>
+          <a:effectRef idx="0">
+            <a:schemeClr val="accent1"/>
+          </a:effectRef>
+          <a:fontRef idx="minor">
+            <a:schemeClr val="tx1"/>
+          </a:fontRef>
+        </p:style>
+      </p:cxnSp>
+      <p:sp>
+        <p:nvSpPr>
+          <p:cNvPr id="46" name="Oval 45"/>
+          <p:cNvSpPr/>
+          <p:nvPr/>
+        </p:nvSpPr>
+        <p:spPr>
+          <a:xfrm>
+            <a:off x="4879737" y="4941269"/>
+            <a:ext cx="228600" cy="228600"/>
+          </a:xfrm>
+          <a:prstGeom prst="ellipse">
+            <a:avLst/>
+          </a:prstGeom>
+          <a:solidFill>
+            <a:schemeClr val="bg1"/>
+          </a:solidFill>
+          <a:ln>
+            <a:solidFill>
+              <a:schemeClr val="tx1"/>
+            </a:solidFill>
+          </a:ln>
+        </p:spPr>
+        <p:style>
+          <a:lnRef idx="2">
+            <a:schemeClr val="accent1">
+              <a:shade val="50000"/>
+            </a:schemeClr>
+          </a:lnRef>
+          <a:fillRef idx="1">
+            <a:schemeClr val="accent1"/>
+          </a:fillRef>
+          <a:effectRef idx="0">
+            <a:schemeClr val="accent1"/>
+          </a:effectRef>
+          <a:fontRef idx="minor">
+            <a:schemeClr val="lt1"/>
+          </a:fontRef>
+        </p:style>
+        <p:txBody>
+          <a:bodyPr rtlCol="0" anchor="ctr"/>
+          <a:lstStyle/>
+          <a:p>
+            <a:pPr algn="ctr"/>
+            <a:endParaRPr lang="en-US" sz="1600" dirty="0">
+              <a:solidFill>
+                <a:schemeClr val="tx1"/>
+              </a:solidFill>
+              <a:latin typeface="Arial" panose="020B0604020202020204" pitchFamily="34" charset="0"/>
+              <a:cs typeface="Arial" panose="020B0604020202020204" pitchFamily="34" charset="0"/>
+            </a:endParaRPr>
+          </a:p>
+        </p:txBody>
+      </p:sp>
+      <p:sp>
+        <p:nvSpPr>
+          <p:cNvPr id="47" name="TextBox 46"/>
+          <p:cNvSpPr txBox="1"/>
+          <p:nvPr/>
+        </p:nvSpPr>
+        <p:spPr>
+          <a:xfrm>
+            <a:off x="4774088" y="4885552"/>
+            <a:ext cx="509953" cy="338554"/>
+          </a:xfrm>
+          <a:prstGeom prst="rect">
+            <a:avLst/>
+          </a:prstGeom>
+          <a:noFill/>
+        </p:spPr>
+        <p:txBody>
+          <a:bodyPr wrap="square" rtlCol="0">
+            <a:spAutoFit/>
+          </a:bodyPr>
+          <a:lstStyle/>
+          <a:p>
+            <a:r>
+              <a:rPr lang="en-US" sz="1600" dirty="0" smtClean="0">
+                <a:latin typeface="Arial" panose="020B0604020202020204" pitchFamily="34" charset="0"/>
+                <a:cs typeface="Arial" panose="020B0604020202020204" pitchFamily="34" charset="0"/>
+              </a:rPr>
+              <a:t>13</a:t>
+            </a:r>
+            <a:endParaRPr lang="en-US" dirty="0">
+              <a:latin typeface="Arial" panose="020B0604020202020204" pitchFamily="34" charset="0"/>
+              <a:cs typeface="Arial" panose="020B0604020202020204" pitchFamily="34" charset="0"/>
+            </a:endParaRPr>
+          </a:p>
+        </p:txBody>
+      </p:sp>
+      <p:sp>
+        <p:nvSpPr>
+          <p:cNvPr id="48" name="Oval 47"/>
+          <p:cNvSpPr/>
+          <p:nvPr/>
+        </p:nvSpPr>
+        <p:spPr>
+          <a:xfrm>
+            <a:off x="7218482" y="5272439"/>
+            <a:ext cx="228600" cy="228600"/>
+          </a:xfrm>
+          <a:prstGeom prst="ellipse">
+            <a:avLst/>
+          </a:prstGeom>
+          <a:solidFill>
+            <a:schemeClr val="bg1"/>
+          </a:solidFill>
+          <a:ln>
+            <a:solidFill>
+              <a:schemeClr val="tx1"/>
+            </a:solidFill>
+          </a:ln>
+        </p:spPr>
+        <p:style>
+          <a:lnRef idx="2">
+            <a:schemeClr val="accent1">
+              <a:shade val="50000"/>
+            </a:schemeClr>
+          </a:lnRef>
+          <a:fillRef idx="1">
+            <a:schemeClr val="accent1"/>
+          </a:fillRef>
+          <a:effectRef idx="0">
+            <a:schemeClr val="accent1"/>
+          </a:effectRef>
+          <a:fontRef idx="minor">
+            <a:schemeClr val="lt1"/>
+          </a:fontRef>
+        </p:style>
+        <p:txBody>
+          <a:bodyPr rtlCol="0" anchor="ctr"/>
+          <a:lstStyle/>
+          <a:p>
+            <a:pPr algn="ctr"/>
+            <a:endParaRPr lang="en-US" sz="1600" dirty="0">
+              <a:solidFill>
+                <a:schemeClr val="tx1"/>
+              </a:solidFill>
+              <a:latin typeface="Arial" panose="020B0604020202020204" pitchFamily="34" charset="0"/>
+              <a:cs typeface="Arial" panose="020B0604020202020204" pitchFamily="34" charset="0"/>
+            </a:endParaRPr>
+          </a:p>
+        </p:txBody>
+      </p:sp>
+      <p:cxnSp>
+        <p:nvCxnSpPr>
+          <p:cNvPr id="49" name="Straight Connector 48"/>
+          <p:cNvCxnSpPr>
+            <a:stCxn id="48" idx="2"/>
+          </p:cNvCxnSpPr>
+          <p:nvPr/>
+        </p:nvCxnSpPr>
+        <p:spPr>
+          <a:xfrm flipH="1" flipV="1">
+            <a:off x="6910749" y="5169869"/>
+            <a:ext cx="307733" cy="216870"/>
+          </a:xfrm>
+          <a:prstGeom prst="line">
+            <a:avLst/>
+          </a:prstGeom>
+          <a:ln w="28575">
+            <a:solidFill>
+              <a:schemeClr val="tx1"/>
+            </a:solidFill>
+          </a:ln>
+        </p:spPr>
+        <p:style>
+          <a:lnRef idx="1">
+            <a:schemeClr val="accent1"/>
+          </a:lnRef>
+          <a:fillRef idx="0">
+            <a:schemeClr val="accent1"/>
+          </a:fillRef>
+          <a:effectRef idx="0">
+            <a:schemeClr val="accent1"/>
+          </a:effectRef>
+          <a:fontRef idx="minor">
+            <a:schemeClr val="tx1"/>
+          </a:fontRef>
+        </p:style>
+      </p:cxnSp>
+      <p:sp>
+        <p:nvSpPr>
+          <p:cNvPr id="50" name="TextBox 49"/>
+          <p:cNvSpPr txBox="1"/>
+          <p:nvPr/>
+        </p:nvSpPr>
+        <p:spPr>
+          <a:xfrm>
+            <a:off x="7127631" y="5224788"/>
+            <a:ext cx="509953" cy="338554"/>
+          </a:xfrm>
+          <a:prstGeom prst="rect">
+            <a:avLst/>
+          </a:prstGeom>
+          <a:noFill/>
+        </p:spPr>
+        <p:txBody>
+          <a:bodyPr wrap="square" rtlCol="0">
+            <a:spAutoFit/>
+          </a:bodyPr>
+          <a:lstStyle/>
+          <a:p>
+            <a:r>
+              <a:rPr lang="en-US" sz="1600" dirty="0" smtClean="0">
+                <a:latin typeface="Arial" panose="020B0604020202020204" pitchFamily="34" charset="0"/>
+                <a:cs typeface="Arial" panose="020B0604020202020204" pitchFamily="34" charset="0"/>
+              </a:rPr>
+              <a:t>14</a:t>
+            </a:r>
+            <a:endParaRPr lang="en-US" dirty="0">
+              <a:latin typeface="Arial" panose="020B0604020202020204" pitchFamily="34" charset="0"/>
+              <a:cs typeface="Arial" panose="020B0604020202020204" pitchFamily="34" charset="0"/>
+            </a:endParaRPr>
+          </a:p>
+        </p:txBody>
+      </p:sp>
+      <p:sp>
+        <p:nvSpPr>
+          <p:cNvPr id="53" name="Oval 52"/>
+          <p:cNvSpPr/>
+          <p:nvPr/>
+        </p:nvSpPr>
+        <p:spPr>
+          <a:xfrm>
+            <a:off x="7367959" y="3349859"/>
+            <a:ext cx="228600" cy="228600"/>
+          </a:xfrm>
+          <a:prstGeom prst="ellipse">
+            <a:avLst/>
+          </a:prstGeom>
+          <a:solidFill>
+            <a:schemeClr val="bg1"/>
+          </a:solidFill>
+          <a:ln>
+            <a:solidFill>
+              <a:schemeClr val="tx1"/>
+            </a:solidFill>
+          </a:ln>
+        </p:spPr>
+        <p:style>
+          <a:lnRef idx="2">
+            <a:schemeClr val="accent1">
+              <a:shade val="50000"/>
+            </a:schemeClr>
+          </a:lnRef>
+          <a:fillRef idx="1">
+            <a:schemeClr val="accent1"/>
+          </a:fillRef>
+          <a:effectRef idx="0">
+            <a:schemeClr val="accent1"/>
+          </a:effectRef>
+          <a:fontRef idx="minor">
+            <a:schemeClr val="lt1"/>
+          </a:fontRef>
+        </p:style>
+        <p:txBody>
+          <a:bodyPr rtlCol="0" anchor="ctr"/>
+          <a:lstStyle/>
+          <a:p>
+            <a:pPr algn="ctr"/>
+            <a:endParaRPr lang="en-US" sz="1600" dirty="0">
+              <a:solidFill>
+                <a:schemeClr val="tx1"/>
+              </a:solidFill>
+              <a:latin typeface="Arial" panose="020B0604020202020204" pitchFamily="34" charset="0"/>
+              <a:cs typeface="Arial" panose="020B0604020202020204" pitchFamily="34" charset="0"/>
+            </a:endParaRPr>
+          </a:p>
+        </p:txBody>
+      </p:sp>
+      <p:sp>
+        <p:nvSpPr>
+          <p:cNvPr id="54" name="TextBox 53"/>
+          <p:cNvSpPr txBox="1"/>
+          <p:nvPr/>
+        </p:nvSpPr>
+        <p:spPr>
+          <a:xfrm>
+            <a:off x="7274182" y="3300743"/>
+            <a:ext cx="509953" cy="338554"/>
+          </a:xfrm>
+          <a:prstGeom prst="rect">
+            <a:avLst/>
+          </a:prstGeom>
+          <a:noFill/>
+        </p:spPr>
+        <p:txBody>
+          <a:bodyPr wrap="square" rtlCol="0">
+            <a:spAutoFit/>
+          </a:bodyPr>
+          <a:lstStyle/>
+          <a:p>
+            <a:r>
+              <a:rPr lang="en-US" sz="1600" dirty="0" smtClean="0">
+                <a:latin typeface="Arial" panose="020B0604020202020204" pitchFamily="34" charset="0"/>
+                <a:cs typeface="Arial" panose="020B0604020202020204" pitchFamily="34" charset="0"/>
+              </a:rPr>
+              <a:t>16</a:t>
+            </a:r>
+            <a:endParaRPr lang="en-US" dirty="0">
+              <a:latin typeface="Arial" panose="020B0604020202020204" pitchFamily="34" charset="0"/>
+              <a:cs typeface="Arial" panose="020B0604020202020204" pitchFamily="34" charset="0"/>
+            </a:endParaRPr>
+          </a:p>
+        </p:txBody>
+      </p:sp>
+      <p:sp>
+        <p:nvSpPr>
+          <p:cNvPr id="55" name="Oval 54"/>
+          <p:cNvSpPr/>
+          <p:nvPr/>
+        </p:nvSpPr>
+        <p:spPr>
+          <a:xfrm>
+            <a:off x="6761287" y="4633529"/>
+            <a:ext cx="228600" cy="228600"/>
+          </a:xfrm>
+          <a:prstGeom prst="ellipse">
+            <a:avLst/>
+          </a:prstGeom>
+          <a:solidFill>
+            <a:schemeClr val="bg1"/>
+          </a:solidFill>
+          <a:ln>
+            <a:solidFill>
+              <a:schemeClr val="tx1"/>
+            </a:solidFill>
+          </a:ln>
+        </p:spPr>
+        <p:style>
+          <a:lnRef idx="2">
+            <a:schemeClr val="accent1">
+              <a:shade val="50000"/>
+            </a:schemeClr>
+          </a:lnRef>
+          <a:fillRef idx="1">
+            <a:schemeClr val="accent1"/>
+          </a:fillRef>
+          <a:effectRef idx="0">
+            <a:schemeClr val="accent1"/>
+          </a:effectRef>
+          <a:fontRef idx="minor">
+            <a:schemeClr val="lt1"/>
+          </a:fontRef>
+        </p:style>
+        <p:txBody>
+          <a:bodyPr rtlCol="0" anchor="ctr"/>
+          <a:lstStyle/>
+          <a:p>
+            <a:pPr algn="ctr"/>
+            <a:endParaRPr lang="en-US" sz="1600" dirty="0">
+              <a:solidFill>
+                <a:schemeClr val="tx1"/>
+              </a:solidFill>
+              <a:latin typeface="Arial" panose="020B0604020202020204" pitchFamily="34" charset="0"/>
+              <a:cs typeface="Arial" panose="020B0604020202020204" pitchFamily="34" charset="0"/>
+            </a:endParaRPr>
+          </a:p>
+        </p:txBody>
+      </p:sp>
+      <p:cxnSp>
+        <p:nvCxnSpPr>
+          <p:cNvPr id="56" name="Straight Connector 55"/>
+          <p:cNvCxnSpPr/>
+          <p:nvPr/>
+        </p:nvCxnSpPr>
+        <p:spPr>
+          <a:xfrm flipV="1">
+            <a:off x="6787400" y="4850408"/>
+            <a:ext cx="70601" cy="312129"/>
+          </a:xfrm>
+          <a:prstGeom prst="line">
+            <a:avLst/>
+          </a:prstGeom>
+          <a:ln w="28575">
+            <a:solidFill>
+              <a:schemeClr val="tx1"/>
+            </a:solidFill>
+          </a:ln>
+        </p:spPr>
+        <p:style>
+          <a:lnRef idx="1">
+            <a:schemeClr val="accent1"/>
+          </a:lnRef>
+          <a:fillRef idx="0">
+            <a:schemeClr val="accent1"/>
+          </a:fillRef>
+          <a:effectRef idx="0">
+            <a:schemeClr val="accent1"/>
+          </a:effectRef>
+          <a:fontRef idx="minor">
+            <a:schemeClr val="tx1"/>
+          </a:fontRef>
+        </p:style>
+      </p:cxnSp>
+      <p:sp>
+        <p:nvSpPr>
+          <p:cNvPr id="57" name="TextBox 56"/>
+          <p:cNvSpPr txBox="1"/>
+          <p:nvPr/>
+        </p:nvSpPr>
+        <p:spPr>
+          <a:xfrm>
+            <a:off x="6655777" y="4587359"/>
+            <a:ext cx="509953" cy="338554"/>
+          </a:xfrm>
+          <a:prstGeom prst="rect">
+            <a:avLst/>
+          </a:prstGeom>
+          <a:noFill/>
+        </p:spPr>
+        <p:txBody>
+          <a:bodyPr wrap="square" rtlCol="0">
+            <a:spAutoFit/>
+          </a:bodyPr>
+          <a:lstStyle/>
+          <a:p>
+            <a:r>
+              <a:rPr lang="en-US" sz="1600" dirty="0" smtClean="0">
+                <a:latin typeface="Arial" panose="020B0604020202020204" pitchFamily="34" charset="0"/>
+                <a:cs typeface="Arial" panose="020B0604020202020204" pitchFamily="34" charset="0"/>
+              </a:rPr>
+              <a:t>17</a:t>
+            </a:r>
+            <a:endParaRPr lang="en-US" dirty="0">
+              <a:latin typeface="Arial" panose="020B0604020202020204" pitchFamily="34" charset="0"/>
+              <a:cs typeface="Arial" panose="020B0604020202020204" pitchFamily="34" charset="0"/>
+            </a:endParaRPr>
+          </a:p>
+        </p:txBody>
+      </p:sp>
+      <p:sp>
+        <p:nvSpPr>
+          <p:cNvPr id="58" name="Oval 57"/>
+          <p:cNvSpPr/>
+          <p:nvPr/>
+        </p:nvSpPr>
+        <p:spPr>
+          <a:xfrm>
+            <a:off x="4563216" y="3147635"/>
+            <a:ext cx="228600" cy="228600"/>
+          </a:xfrm>
+          <a:prstGeom prst="ellipse">
+            <a:avLst/>
+          </a:prstGeom>
+          <a:solidFill>
+            <a:schemeClr val="bg1"/>
+          </a:solidFill>
+          <a:ln>
+            <a:solidFill>
+              <a:schemeClr val="tx1"/>
+            </a:solidFill>
+          </a:ln>
+        </p:spPr>
+        <p:style>
+          <a:lnRef idx="2">
+            <a:schemeClr val="accent1">
+              <a:shade val="50000"/>
+            </a:schemeClr>
+          </a:lnRef>
+          <a:fillRef idx="1">
+            <a:schemeClr val="accent1"/>
+          </a:fillRef>
+          <a:effectRef idx="0">
+            <a:schemeClr val="accent1"/>
+          </a:effectRef>
+          <a:fontRef idx="minor">
+            <a:schemeClr val="lt1"/>
+          </a:fontRef>
+        </p:style>
+        <p:txBody>
+          <a:bodyPr rtlCol="0" anchor="ctr"/>
+          <a:lstStyle/>
+          <a:p>
+            <a:pPr algn="ctr"/>
+            <a:endParaRPr lang="en-US" sz="1600" dirty="0">
+              <a:solidFill>
+                <a:schemeClr val="tx1"/>
+              </a:solidFill>
+              <a:latin typeface="Arial" panose="020B0604020202020204" pitchFamily="34" charset="0"/>
+              <a:cs typeface="Arial" panose="020B0604020202020204" pitchFamily="34" charset="0"/>
+            </a:endParaRPr>
+          </a:p>
+        </p:txBody>
+      </p:sp>
+      <p:sp>
+        <p:nvSpPr>
+          <p:cNvPr id="59" name="TextBox 58"/>
+          <p:cNvSpPr txBox="1"/>
+          <p:nvPr/>
+        </p:nvSpPr>
+        <p:spPr>
+          <a:xfrm>
+            <a:off x="4457705" y="3108010"/>
+            <a:ext cx="509953" cy="338554"/>
+          </a:xfrm>
+          <a:prstGeom prst="rect">
+            <a:avLst/>
+          </a:prstGeom>
+          <a:noFill/>
+        </p:spPr>
+        <p:txBody>
+          <a:bodyPr wrap="square" rtlCol="0">
+            <a:spAutoFit/>
+          </a:bodyPr>
+          <a:lstStyle/>
+          <a:p>
+            <a:r>
+              <a:rPr lang="en-US" sz="1600" dirty="0" smtClean="0">
+                <a:latin typeface="Arial" panose="020B0604020202020204" pitchFamily="34" charset="0"/>
+                <a:cs typeface="Arial" panose="020B0604020202020204" pitchFamily="34" charset="0"/>
+              </a:rPr>
+              <a:t>18</a:t>
+            </a:r>
+            <a:endParaRPr lang="en-US" dirty="0">
+              <a:latin typeface="Arial" panose="020B0604020202020204" pitchFamily="34" charset="0"/>
+              <a:cs typeface="Arial" panose="020B0604020202020204" pitchFamily="34" charset="0"/>
+            </a:endParaRPr>
+          </a:p>
+        </p:txBody>
+      </p:sp>
+      <p:cxnSp>
+        <p:nvCxnSpPr>
+          <p:cNvPr id="60" name="Straight Connector 59"/>
+          <p:cNvCxnSpPr/>
+          <p:nvPr/>
+        </p:nvCxnSpPr>
+        <p:spPr>
+          <a:xfrm flipV="1">
+            <a:off x="4298584" y="3349860"/>
+            <a:ext cx="304321" cy="136329"/>
+          </a:xfrm>
+          <a:prstGeom prst="line">
+            <a:avLst/>
+          </a:prstGeom>
+          <a:ln w="28575">
+            <a:solidFill>
+              <a:schemeClr val="tx1"/>
+            </a:solidFill>
+          </a:ln>
+        </p:spPr>
+        <p:style>
+          <a:lnRef idx="1">
+            <a:schemeClr val="accent1"/>
+          </a:lnRef>
+          <a:fillRef idx="0">
+            <a:schemeClr val="accent1"/>
+          </a:fillRef>
+          <a:effectRef idx="0">
+            <a:schemeClr val="accent1"/>
+          </a:effectRef>
+          <a:fontRef idx="minor">
+            <a:schemeClr val="tx1"/>
+          </a:fontRef>
+        </p:style>
+      </p:cxnSp>
+      <p:sp>
+        <p:nvSpPr>
+          <p:cNvPr id="62" name="TextBox 61"/>
+          <p:cNvSpPr txBox="1"/>
+          <p:nvPr/>
+        </p:nvSpPr>
+        <p:spPr>
+          <a:xfrm>
+            <a:off x="3569676" y="114300"/>
+            <a:ext cx="395654" cy="307777"/>
+          </a:xfrm>
+          <a:prstGeom prst="rect">
+            <a:avLst/>
+          </a:prstGeom>
+          <a:noFill/>
+        </p:spPr>
+        <p:txBody>
+          <a:bodyPr wrap="square" rtlCol="0">
+            <a:spAutoFit/>
+          </a:bodyPr>
+          <a:lstStyle/>
+          <a:p>
+            <a:r>
+              <a:rPr lang="en-US" sz="1400" b="1" dirty="0" smtClean="0">
+                <a:latin typeface="Arial" panose="020B0604020202020204" pitchFamily="34" charset="0"/>
+                <a:cs typeface="Arial" panose="020B0604020202020204" pitchFamily="34" charset="0"/>
+              </a:rPr>
+              <a:t>A)</a:t>
+            </a:r>
+            <a:endParaRPr lang="en-US" sz="1400" b="1" dirty="0">
+              <a:latin typeface="Arial" panose="020B0604020202020204" pitchFamily="34" charset="0"/>
+              <a:cs typeface="Arial" panose="020B0604020202020204" pitchFamily="34" charset="0"/>
+            </a:endParaRPr>
+          </a:p>
+        </p:txBody>
+      </p:sp>
+      <p:sp>
+        <p:nvSpPr>
+          <p:cNvPr id="63" name="TextBox 62"/>
+          <p:cNvSpPr txBox="1"/>
+          <p:nvPr/>
+        </p:nvSpPr>
+        <p:spPr>
+          <a:xfrm>
+            <a:off x="3569676" y="3134458"/>
+            <a:ext cx="395654" cy="307777"/>
+          </a:xfrm>
+          <a:prstGeom prst="rect">
+            <a:avLst/>
+          </a:prstGeom>
+          <a:noFill/>
+        </p:spPr>
+        <p:txBody>
+          <a:bodyPr wrap="square" rtlCol="0">
+            <a:spAutoFit/>
+          </a:bodyPr>
+          <a:lstStyle/>
+          <a:p>
+            <a:r>
+              <a:rPr lang="en-US" sz="1400" b="1" dirty="0" smtClean="0">
+                <a:latin typeface="Arial" panose="020B0604020202020204" pitchFamily="34" charset="0"/>
+                <a:cs typeface="Arial" panose="020B0604020202020204" pitchFamily="34" charset="0"/>
+              </a:rPr>
+              <a:t>B)</a:t>
+            </a:r>
+            <a:endParaRPr lang="en-US" sz="1400" b="1" dirty="0">
+              <a:latin typeface="Arial" panose="020B0604020202020204" pitchFamily="34" charset="0"/>
+              <a:cs typeface="Arial" panose="020B0604020202020204" pitchFamily="34" charset="0"/>
+            </a:endParaRPr>
+          </a:p>
+        </p:txBody>
+      </p:sp>
+      <p:cxnSp>
+        <p:nvCxnSpPr>
+          <p:cNvPr id="64" name="Straight Connector 63"/>
+          <p:cNvCxnSpPr/>
+          <p:nvPr/>
+        </p:nvCxnSpPr>
+        <p:spPr>
+          <a:xfrm flipH="1" flipV="1">
+            <a:off x="7010396" y="5439483"/>
+            <a:ext cx="32236" cy="169982"/>
+          </a:xfrm>
+          <a:prstGeom prst="line">
+            <a:avLst/>
+          </a:prstGeom>
+          <a:ln w="28575">
+            <a:solidFill>
+              <a:schemeClr val="tx1"/>
+            </a:solidFill>
+          </a:ln>
+        </p:spPr>
+        <p:style>
+          <a:lnRef idx="1">
+            <a:schemeClr val="accent1"/>
+          </a:lnRef>
+          <a:fillRef idx="0">
+            <a:schemeClr val="accent1"/>
+          </a:fillRef>
+          <a:effectRef idx="0">
+            <a:schemeClr val="accent1"/>
+          </a:effectRef>
+          <a:fontRef idx="minor">
+            <a:schemeClr val="tx1"/>
+          </a:fontRef>
+        </p:style>
+      </p:cxnSp>
+      <p:sp>
+        <p:nvSpPr>
+          <p:cNvPr id="66" name="Oval 65"/>
+          <p:cNvSpPr/>
+          <p:nvPr/>
+        </p:nvSpPr>
+        <p:spPr>
+          <a:xfrm>
+            <a:off x="3877412" y="5301752"/>
+            <a:ext cx="228600" cy="228600"/>
+          </a:xfrm>
+          <a:prstGeom prst="ellipse">
+            <a:avLst/>
+          </a:prstGeom>
+          <a:solidFill>
+            <a:schemeClr val="bg1"/>
+          </a:solidFill>
+          <a:ln>
+            <a:solidFill>
+              <a:schemeClr val="tx1"/>
+            </a:solidFill>
+          </a:ln>
+        </p:spPr>
+        <p:style>
+          <a:lnRef idx="2">
+            <a:schemeClr val="accent1">
+              <a:shade val="50000"/>
+            </a:schemeClr>
+          </a:lnRef>
+          <a:fillRef idx="1">
+            <a:schemeClr val="accent1"/>
+          </a:fillRef>
+          <a:effectRef idx="0">
+            <a:schemeClr val="accent1"/>
+          </a:effectRef>
+          <a:fontRef idx="minor">
+            <a:schemeClr val="lt1"/>
+          </a:fontRef>
+        </p:style>
+        <p:txBody>
+          <a:bodyPr rtlCol="0" anchor="ctr"/>
+          <a:lstStyle/>
+          <a:p>
+            <a:pPr algn="ctr"/>
+            <a:r>
+              <a:rPr lang="en-US" sz="1600" dirty="0">
+                <a:solidFill>
+                  <a:schemeClr val="tx1"/>
+                </a:solidFill>
+                <a:latin typeface="Arial" panose="020B0604020202020204" pitchFamily="34" charset="0"/>
+                <a:cs typeface="Arial" panose="020B0604020202020204" pitchFamily="34" charset="0"/>
+              </a:rPr>
+              <a:t>5</a:t>
+            </a:r>
+          </a:p>
+        </p:txBody>
+      </p:sp>
+      <p:cxnSp>
+        <p:nvCxnSpPr>
+          <p:cNvPr id="67" name="Straight Connector 66"/>
+          <p:cNvCxnSpPr/>
+          <p:nvPr/>
+        </p:nvCxnSpPr>
+        <p:spPr>
+          <a:xfrm flipV="1">
+            <a:off x="3994635" y="4925913"/>
+            <a:ext cx="32250" cy="381698"/>
+          </a:xfrm>
+          <a:prstGeom prst="line">
+            <a:avLst/>
+          </a:prstGeom>
+          <a:ln w="28575">
+            <a:solidFill>
+              <a:schemeClr val="tx1"/>
+            </a:solidFill>
+          </a:ln>
+        </p:spPr>
+        <p:style>
+          <a:lnRef idx="1">
+            <a:schemeClr val="accent1"/>
+          </a:lnRef>
+          <a:fillRef idx="0">
+            <a:schemeClr val="accent1"/>
+          </a:fillRef>
+          <a:effectRef idx="0">
+            <a:schemeClr val="accent1"/>
+          </a:effectRef>
+          <a:fontRef idx="minor">
+            <a:schemeClr val="tx1"/>
+          </a:fontRef>
+        </p:style>
+      </p:cxnSp>
+      <p:sp>
+        <p:nvSpPr>
+          <p:cNvPr id="73" name="Oval 72"/>
+          <p:cNvSpPr/>
+          <p:nvPr/>
+        </p:nvSpPr>
+        <p:spPr>
+          <a:xfrm>
+            <a:off x="6518546" y="4312601"/>
+            <a:ext cx="228600" cy="228600"/>
+          </a:xfrm>
+          <a:prstGeom prst="ellipse">
+            <a:avLst/>
+          </a:prstGeom>
+          <a:solidFill>
+            <a:schemeClr val="bg1"/>
+          </a:solidFill>
+          <a:ln>
+            <a:solidFill>
+              <a:schemeClr val="tx1"/>
+            </a:solidFill>
+          </a:ln>
+        </p:spPr>
+        <p:style>
+          <a:lnRef idx="2">
+            <a:schemeClr val="accent1">
+              <a:shade val="50000"/>
+            </a:schemeClr>
+          </a:lnRef>
+          <a:fillRef idx="1">
+            <a:schemeClr val="accent1"/>
+          </a:fillRef>
+          <a:effectRef idx="0">
+            <a:schemeClr val="accent1"/>
+          </a:effectRef>
+          <a:fontRef idx="minor">
+            <a:schemeClr val="lt1"/>
+          </a:fontRef>
+        </p:style>
+        <p:txBody>
+          <a:bodyPr rtlCol="0" anchor="ctr"/>
+          <a:lstStyle/>
+          <a:p>
+            <a:pPr algn="ctr"/>
+            <a:endParaRPr lang="en-US" sz="1600" dirty="0">
+              <a:solidFill>
+                <a:schemeClr val="tx1"/>
+              </a:solidFill>
+              <a:latin typeface="Arial" panose="020B0604020202020204" pitchFamily="34" charset="0"/>
+              <a:cs typeface="Arial" panose="020B0604020202020204" pitchFamily="34" charset="0"/>
+            </a:endParaRPr>
+          </a:p>
+        </p:txBody>
+      </p:sp>
+      <p:cxnSp>
+        <p:nvCxnSpPr>
+          <p:cNvPr id="75" name="Straight Connector 74"/>
+          <p:cNvCxnSpPr>
+            <a:stCxn id="73" idx="1"/>
+          </p:cNvCxnSpPr>
+          <p:nvPr/>
+        </p:nvCxnSpPr>
+        <p:spPr>
+          <a:xfrm flipH="1" flipV="1">
+            <a:off x="6408538" y="4091316"/>
+            <a:ext cx="143486" cy="254763"/>
+          </a:xfrm>
+          <a:prstGeom prst="line">
+            <a:avLst/>
+          </a:prstGeom>
+          <a:ln w="28575">
+            <a:solidFill>
+              <a:schemeClr val="tx1"/>
+            </a:solidFill>
+          </a:ln>
+        </p:spPr>
+        <p:style>
+          <a:lnRef idx="1">
+            <a:schemeClr val="accent1"/>
+          </a:lnRef>
+          <a:fillRef idx="0">
+            <a:schemeClr val="accent1"/>
+          </a:fillRef>
+          <a:effectRef idx="0">
+            <a:schemeClr val="accent1"/>
+          </a:effectRef>
+          <a:fontRef idx="minor">
+            <a:schemeClr val="tx1"/>
+          </a:fontRef>
+        </p:style>
+      </p:cxnSp>
+      <p:sp>
+        <p:nvSpPr>
+          <p:cNvPr id="78" name="TextBox 77"/>
+          <p:cNvSpPr txBox="1"/>
+          <p:nvPr/>
+        </p:nvSpPr>
+        <p:spPr>
+          <a:xfrm>
+            <a:off x="6435973" y="4258707"/>
+            <a:ext cx="509953" cy="338554"/>
+          </a:xfrm>
+          <a:prstGeom prst="rect">
+            <a:avLst/>
+          </a:prstGeom>
+          <a:noFill/>
+        </p:spPr>
+        <p:txBody>
+          <a:bodyPr wrap="square" rtlCol="0">
+            <a:spAutoFit/>
+          </a:bodyPr>
+          <a:lstStyle/>
+          <a:p>
+            <a:r>
+              <a:rPr lang="en-US" sz="1600" dirty="0" smtClean="0">
+                <a:latin typeface="Arial" panose="020B0604020202020204" pitchFamily="34" charset="0"/>
+                <a:cs typeface="Arial" panose="020B0604020202020204" pitchFamily="34" charset="0"/>
+              </a:rPr>
+              <a:t>11</a:t>
+            </a:r>
+            <a:endParaRPr lang="en-US" dirty="0">
+              <a:latin typeface="Arial" panose="020B0604020202020204" pitchFamily="34" charset="0"/>
+              <a:cs typeface="Arial" panose="020B0604020202020204" pitchFamily="34" charset="0"/>
+            </a:endParaRPr>
+          </a:p>
+        </p:txBody>
+      </p:sp>
+      <p:sp>
+        <p:nvSpPr>
+          <p:cNvPr id="79" name="TextBox 78"/>
+          <p:cNvSpPr txBox="1"/>
+          <p:nvPr/>
+        </p:nvSpPr>
+        <p:spPr>
+          <a:xfrm>
+            <a:off x="6532679" y="5686393"/>
+            <a:ext cx="509953" cy="338554"/>
+          </a:xfrm>
+          <a:prstGeom prst="rect">
+            <a:avLst/>
+          </a:prstGeom>
+          <a:noFill/>
+        </p:spPr>
+        <p:txBody>
+          <a:bodyPr wrap="square" rtlCol="0">
+            <a:spAutoFit/>
+          </a:bodyPr>
+          <a:lstStyle/>
+          <a:p>
+            <a:r>
+              <a:rPr lang="en-US" sz="1600" dirty="0" smtClean="0">
+                <a:latin typeface="Arial" panose="020B0604020202020204" pitchFamily="34" charset="0"/>
+                <a:cs typeface="Arial" panose="020B0604020202020204" pitchFamily="34" charset="0"/>
+              </a:rPr>
+              <a:t>12</a:t>
+            </a:r>
+            <a:endParaRPr lang="en-US" dirty="0">
+              <a:latin typeface="Arial" panose="020B0604020202020204" pitchFamily="34" charset="0"/>
+              <a:cs typeface="Arial" panose="020B0604020202020204" pitchFamily="34" charset="0"/>
+            </a:endParaRPr>
+          </a:p>
+        </p:txBody>
+      </p:sp>
+      <p:sp>
+        <p:nvSpPr>
+          <p:cNvPr id="80" name="Oval 79"/>
+          <p:cNvSpPr/>
+          <p:nvPr/>
+        </p:nvSpPr>
+        <p:spPr>
+          <a:xfrm>
+            <a:off x="3601924" y="4619576"/>
+            <a:ext cx="228600" cy="228600"/>
+          </a:xfrm>
+          <a:prstGeom prst="ellipse">
+            <a:avLst/>
+          </a:prstGeom>
+          <a:solidFill>
+            <a:schemeClr val="bg1"/>
+          </a:solidFill>
+          <a:ln>
+            <a:solidFill>
+              <a:schemeClr val="tx1"/>
+            </a:solidFill>
+          </a:ln>
+        </p:spPr>
+        <p:style>
+          <a:lnRef idx="2">
+            <a:schemeClr val="accent1">
+              <a:shade val="50000"/>
+            </a:schemeClr>
+          </a:lnRef>
+          <a:fillRef idx="1">
+            <a:schemeClr val="accent1"/>
+          </a:fillRef>
+          <a:effectRef idx="0">
+            <a:schemeClr val="accent1"/>
+          </a:effectRef>
+          <a:fontRef idx="minor">
+            <a:schemeClr val="lt1"/>
+          </a:fontRef>
+        </p:style>
+        <p:txBody>
+          <a:bodyPr rtlCol="0" anchor="ctr"/>
+          <a:lstStyle/>
+          <a:p>
+            <a:pPr algn="ctr"/>
+            <a:endParaRPr lang="en-US" sz="1600" dirty="0">
+              <a:solidFill>
+                <a:schemeClr val="tx1"/>
+              </a:solidFill>
+              <a:latin typeface="Arial" panose="020B0604020202020204" pitchFamily="34" charset="0"/>
+              <a:cs typeface="Arial" panose="020B0604020202020204" pitchFamily="34" charset="0"/>
+            </a:endParaRPr>
+          </a:p>
+        </p:txBody>
+      </p:sp>
+      <p:sp>
+        <p:nvSpPr>
+          <p:cNvPr id="81" name="TextBox 80"/>
+          <p:cNvSpPr txBox="1"/>
+          <p:nvPr/>
+        </p:nvSpPr>
+        <p:spPr>
+          <a:xfrm>
+            <a:off x="3496415" y="4559477"/>
+            <a:ext cx="509953" cy="338554"/>
+          </a:xfrm>
+          <a:prstGeom prst="rect">
+            <a:avLst/>
+          </a:prstGeom>
+          <a:noFill/>
+        </p:spPr>
+        <p:txBody>
+          <a:bodyPr wrap="square" rtlCol="0">
+            <a:spAutoFit/>
+          </a:bodyPr>
+          <a:lstStyle/>
+          <a:p>
+            <a:r>
+              <a:rPr lang="en-US" sz="1600" dirty="0" smtClean="0">
+                <a:latin typeface="Arial" panose="020B0604020202020204" pitchFamily="34" charset="0"/>
+                <a:cs typeface="Arial" panose="020B0604020202020204" pitchFamily="34" charset="0"/>
+              </a:rPr>
+              <a:t>15</a:t>
+            </a:r>
+            <a:endParaRPr lang="en-US" dirty="0">
+              <a:latin typeface="Arial" panose="020B0604020202020204" pitchFamily="34" charset="0"/>
+              <a:cs typeface="Arial" panose="020B0604020202020204" pitchFamily="34" charset="0"/>
+            </a:endParaRPr>
+          </a:p>
+        </p:txBody>
+      </p:sp>
+      <p:cxnSp>
+        <p:nvCxnSpPr>
+          <p:cNvPr id="82" name="Straight Connector 81"/>
+          <p:cNvCxnSpPr>
+            <a:endCxn id="41" idx="3"/>
+          </p:cNvCxnSpPr>
+          <p:nvPr/>
+        </p:nvCxnSpPr>
+        <p:spPr>
+          <a:xfrm flipV="1">
+            <a:off x="4418895" y="3647558"/>
+            <a:ext cx="315543" cy="84805"/>
+          </a:xfrm>
+          <a:prstGeom prst="line">
+            <a:avLst/>
+          </a:prstGeom>
+          <a:ln w="28575">
+            <a:solidFill>
+              <a:schemeClr val="tx1"/>
+            </a:solidFill>
+          </a:ln>
+        </p:spPr>
+        <p:style>
+          <a:lnRef idx="1">
+            <a:schemeClr val="accent1"/>
+          </a:lnRef>
+          <a:fillRef idx="0">
+            <a:schemeClr val="accent1"/>
+          </a:fillRef>
+          <a:effectRef idx="0">
+            <a:schemeClr val="accent1"/>
+          </a:effectRef>
+          <a:fontRef idx="minor">
+            <a:schemeClr val="tx1"/>
+          </a:fontRef>
+        </p:style>
+      </p:cxnSp>
+      <p:sp>
+        <p:nvSpPr>
+          <p:cNvPr id="83" name="Oval 82"/>
+          <p:cNvSpPr/>
+          <p:nvPr/>
+        </p:nvSpPr>
+        <p:spPr>
+          <a:xfrm>
+            <a:off x="4018093" y="4607146"/>
+            <a:ext cx="228600" cy="228600"/>
+          </a:xfrm>
+          <a:prstGeom prst="ellipse">
+            <a:avLst/>
+          </a:prstGeom>
+          <a:solidFill>
+            <a:schemeClr val="bg1"/>
+          </a:solidFill>
+          <a:ln>
+            <a:solidFill>
+              <a:schemeClr val="tx1"/>
+            </a:solidFill>
+          </a:ln>
+        </p:spPr>
+        <p:style>
+          <a:lnRef idx="2">
+            <a:schemeClr val="accent1">
+              <a:shade val="50000"/>
+            </a:schemeClr>
+          </a:lnRef>
+          <a:fillRef idx="1">
+            <a:schemeClr val="accent1"/>
+          </a:fillRef>
+          <a:effectRef idx="0">
+            <a:schemeClr val="accent1"/>
+          </a:effectRef>
+          <a:fontRef idx="minor">
+            <a:schemeClr val="lt1"/>
+          </a:fontRef>
+        </p:style>
+        <p:txBody>
+          <a:bodyPr rtlCol="0" anchor="ctr"/>
+          <a:lstStyle/>
+          <a:p>
+            <a:pPr algn="ctr"/>
+            <a:endParaRPr lang="en-US" sz="1600" dirty="0">
+              <a:solidFill>
+                <a:schemeClr val="tx1"/>
+              </a:solidFill>
+              <a:latin typeface="Arial" panose="020B0604020202020204" pitchFamily="34" charset="0"/>
+              <a:cs typeface="Arial" panose="020B0604020202020204" pitchFamily="34" charset="0"/>
+            </a:endParaRPr>
+          </a:p>
+        </p:txBody>
+      </p:sp>
+      <p:sp>
+        <p:nvSpPr>
+          <p:cNvPr id="84" name="TextBox 83"/>
+          <p:cNvSpPr txBox="1"/>
+          <p:nvPr/>
+        </p:nvSpPr>
+        <p:spPr>
+          <a:xfrm>
+            <a:off x="3912584" y="4564631"/>
+            <a:ext cx="509953" cy="338554"/>
+          </a:xfrm>
+          <a:prstGeom prst="rect">
+            <a:avLst/>
+          </a:prstGeom>
+          <a:noFill/>
+        </p:spPr>
+        <p:txBody>
+          <a:bodyPr wrap="square" rtlCol="0">
+            <a:spAutoFit/>
+          </a:bodyPr>
+          <a:lstStyle/>
+          <a:p>
+            <a:r>
+              <a:rPr lang="en-US" sz="1600" dirty="0" smtClean="0">
+                <a:latin typeface="Arial" panose="020B0604020202020204" pitchFamily="34" charset="0"/>
+                <a:cs typeface="Arial" panose="020B0604020202020204" pitchFamily="34" charset="0"/>
+              </a:rPr>
+              <a:t>10</a:t>
+            </a:r>
+            <a:endParaRPr lang="en-US" dirty="0">
+              <a:latin typeface="Arial" panose="020B0604020202020204" pitchFamily="34" charset="0"/>
+              <a:cs typeface="Arial" panose="020B0604020202020204" pitchFamily="34" charset="0"/>
+            </a:endParaRPr>
+          </a:p>
+        </p:txBody>
+      </p:sp>
+      <p:cxnSp>
+        <p:nvCxnSpPr>
+          <p:cNvPr id="85" name="Straight Connector 84"/>
+          <p:cNvCxnSpPr/>
+          <p:nvPr/>
+        </p:nvCxnSpPr>
+        <p:spPr>
+          <a:xfrm flipV="1">
+            <a:off x="4167561" y="4258707"/>
+            <a:ext cx="47319" cy="332301"/>
+          </a:xfrm>
+          <a:prstGeom prst="line">
+            <a:avLst/>
+          </a:prstGeom>
+          <a:ln w="28575">
+            <a:solidFill>
+              <a:schemeClr val="tx1"/>
+            </a:solidFill>
+          </a:ln>
+        </p:spPr>
+        <p:style>
+          <a:lnRef idx="1">
+            <a:schemeClr val="accent1"/>
+          </a:lnRef>
+          <a:fillRef idx="0">
+            <a:schemeClr val="accent1"/>
+          </a:fillRef>
+          <a:effectRef idx="0">
+            <a:schemeClr val="accent1"/>
+          </a:effectRef>
+          <a:fontRef idx="minor">
+            <a:schemeClr val="tx1"/>
+          </a:fontRef>
+        </p:style>
+      </p:cxnSp>
+      <p:cxnSp>
+        <p:nvCxnSpPr>
+          <p:cNvPr id="93" name="Straight Connector 92"/>
+          <p:cNvCxnSpPr/>
+          <p:nvPr/>
+        </p:nvCxnSpPr>
+        <p:spPr>
+          <a:xfrm flipV="1">
+            <a:off x="3774413" y="4276291"/>
+            <a:ext cx="47319" cy="332301"/>
+          </a:xfrm>
+          <a:prstGeom prst="line">
+            <a:avLst/>
+          </a:prstGeom>
+          <a:ln w="28575">
+            <a:solidFill>
+              <a:schemeClr val="tx1"/>
+            </a:solidFill>
+          </a:ln>
+        </p:spPr>
+        <p:style>
+          <a:lnRef idx="1">
+            <a:schemeClr val="accent1"/>
+          </a:lnRef>
+          <a:fillRef idx="0">
+            <a:schemeClr val="accent1"/>
+          </a:fillRef>
+          <a:effectRef idx="0">
+            <a:schemeClr val="accent1"/>
+          </a:effectRef>
+          <a:fontRef idx="minor">
+            <a:schemeClr val="tx1"/>
+          </a:fontRef>
+        </p:style>
+      </p:cxnSp>
+      <p:sp>
+        <p:nvSpPr>
+          <p:cNvPr id="96" name="Oval 95"/>
+          <p:cNvSpPr/>
+          <p:nvPr/>
+        </p:nvSpPr>
+        <p:spPr>
+          <a:xfrm>
+            <a:off x="5820441" y="4917067"/>
+            <a:ext cx="228600" cy="228600"/>
+          </a:xfrm>
+          <a:prstGeom prst="ellipse">
+            <a:avLst/>
+          </a:prstGeom>
+          <a:solidFill>
+            <a:schemeClr val="bg1"/>
+          </a:solidFill>
+          <a:ln>
+            <a:solidFill>
+              <a:schemeClr val="tx1"/>
+            </a:solidFill>
+          </a:ln>
+        </p:spPr>
+        <p:style>
+          <a:lnRef idx="2">
+            <a:schemeClr val="accent1">
+              <a:shade val="50000"/>
+            </a:schemeClr>
+          </a:lnRef>
+          <a:fillRef idx="1">
+            <a:schemeClr val="accent1"/>
+          </a:fillRef>
+          <a:effectRef idx="0">
+            <a:schemeClr val="accent1"/>
+          </a:effectRef>
+          <a:fontRef idx="minor">
+            <a:schemeClr val="lt1"/>
+          </a:fontRef>
+        </p:style>
+        <p:txBody>
+          <a:bodyPr rtlCol="0" anchor="ctr"/>
+          <a:lstStyle/>
+          <a:p>
+            <a:pPr algn="ctr"/>
+            <a:endParaRPr lang="en-US" sz="1600" dirty="0">
+              <a:solidFill>
+                <a:schemeClr val="tx1"/>
+              </a:solidFill>
+              <a:latin typeface="Arial" panose="020B0604020202020204" pitchFamily="34" charset="0"/>
+              <a:cs typeface="Arial" panose="020B0604020202020204" pitchFamily="34" charset="0"/>
+            </a:endParaRPr>
+          </a:p>
+        </p:txBody>
+      </p:sp>
+      <p:sp>
+        <p:nvSpPr>
+          <p:cNvPr id="97" name="TextBox 96"/>
+          <p:cNvSpPr txBox="1"/>
+          <p:nvPr/>
+        </p:nvSpPr>
+        <p:spPr>
+          <a:xfrm>
+            <a:off x="5714932" y="4856968"/>
+            <a:ext cx="509953" cy="338554"/>
+          </a:xfrm>
+          <a:prstGeom prst="rect">
+            <a:avLst/>
+          </a:prstGeom>
+          <a:noFill/>
+        </p:spPr>
+        <p:txBody>
+          <a:bodyPr wrap="square" rtlCol="0">
+            <a:spAutoFit/>
+          </a:bodyPr>
+          <a:lstStyle/>
+          <a:p>
+            <a:r>
+              <a:rPr lang="en-US" sz="1600" dirty="0" smtClean="0">
+                <a:latin typeface="Arial" panose="020B0604020202020204" pitchFamily="34" charset="0"/>
+                <a:cs typeface="Arial" panose="020B0604020202020204" pitchFamily="34" charset="0"/>
+              </a:rPr>
+              <a:t>19</a:t>
+            </a:r>
+            <a:endParaRPr lang="en-US" dirty="0">
+              <a:latin typeface="Arial" panose="020B0604020202020204" pitchFamily="34" charset="0"/>
+              <a:cs typeface="Arial" panose="020B0604020202020204" pitchFamily="34" charset="0"/>
+            </a:endParaRPr>
+          </a:p>
+        </p:txBody>
+      </p:sp>
+      <p:sp>
+        <p:nvSpPr>
+          <p:cNvPr id="98" name="Oval 97"/>
+          <p:cNvSpPr/>
+          <p:nvPr/>
+        </p:nvSpPr>
+        <p:spPr>
+          <a:xfrm>
+            <a:off x="5518649" y="5533980"/>
+            <a:ext cx="228600" cy="228600"/>
+          </a:xfrm>
+          <a:prstGeom prst="ellipse">
+            <a:avLst/>
+          </a:prstGeom>
+          <a:solidFill>
+            <a:schemeClr val="bg1"/>
+          </a:solidFill>
+          <a:ln>
+            <a:solidFill>
+              <a:schemeClr val="tx1"/>
+            </a:solidFill>
+          </a:ln>
+        </p:spPr>
+        <p:style>
+          <a:lnRef idx="2">
+            <a:schemeClr val="accent1">
+              <a:shade val="50000"/>
+            </a:schemeClr>
+          </a:lnRef>
+          <a:fillRef idx="1">
+            <a:schemeClr val="accent1"/>
+          </a:fillRef>
+          <a:effectRef idx="0">
+            <a:schemeClr val="accent1"/>
+          </a:effectRef>
+          <a:fontRef idx="minor">
+            <a:schemeClr val="lt1"/>
+          </a:fontRef>
+        </p:style>
+        <p:txBody>
+          <a:bodyPr rtlCol="0" anchor="ctr"/>
+          <a:lstStyle/>
+          <a:p>
+            <a:pPr algn="ctr"/>
+            <a:endParaRPr lang="en-US" sz="1600" dirty="0">
+              <a:solidFill>
+                <a:schemeClr val="tx1"/>
+              </a:solidFill>
+              <a:latin typeface="Arial" panose="020B0604020202020204" pitchFamily="34" charset="0"/>
+              <a:cs typeface="Arial" panose="020B0604020202020204" pitchFamily="34" charset="0"/>
+            </a:endParaRPr>
+          </a:p>
+        </p:txBody>
+      </p:sp>
+      <p:sp>
+        <p:nvSpPr>
+          <p:cNvPr id="99" name="TextBox 98"/>
+          <p:cNvSpPr txBox="1"/>
+          <p:nvPr/>
+        </p:nvSpPr>
+        <p:spPr>
+          <a:xfrm>
+            <a:off x="5430724" y="5473881"/>
+            <a:ext cx="509953" cy="338554"/>
+          </a:xfrm>
+          <a:prstGeom prst="rect">
+            <a:avLst/>
+          </a:prstGeom>
+          <a:noFill/>
+        </p:spPr>
+        <p:txBody>
+          <a:bodyPr wrap="square" rtlCol="0">
+            <a:spAutoFit/>
+          </a:bodyPr>
+          <a:lstStyle/>
+          <a:p>
+            <a:r>
+              <a:rPr lang="en-US" sz="1600" dirty="0" smtClean="0">
+                <a:latin typeface="Arial" panose="020B0604020202020204" pitchFamily="34" charset="0"/>
+                <a:cs typeface="Arial" panose="020B0604020202020204" pitchFamily="34" charset="0"/>
+              </a:rPr>
+              <a:t>20</a:t>
+            </a:r>
+            <a:endParaRPr lang="en-US" dirty="0">
+              <a:latin typeface="Arial" panose="020B0604020202020204" pitchFamily="34" charset="0"/>
+              <a:cs typeface="Arial" panose="020B0604020202020204" pitchFamily="34" charset="0"/>
+            </a:endParaRPr>
+          </a:p>
+        </p:txBody>
+      </p:sp>
+      <p:sp>
+        <p:nvSpPr>
+          <p:cNvPr id="2" name="TextBox 1"/>
+          <p:cNvSpPr txBox="1"/>
+          <p:nvPr/>
+        </p:nvSpPr>
+        <p:spPr>
+          <a:xfrm>
+            <a:off x="4365387" y="2275742"/>
+            <a:ext cx="1222131" cy="246221"/>
+          </a:xfrm>
+          <a:prstGeom prst="rect">
+            <a:avLst/>
+          </a:prstGeom>
+          <a:noFill/>
+        </p:spPr>
+        <p:txBody>
+          <a:bodyPr wrap="square" rtlCol="0">
+            <a:spAutoFit/>
+          </a:bodyPr>
+          <a:lstStyle/>
+          <a:p>
+            <a:r>
+              <a:rPr lang="en-US" sz="1000" dirty="0" smtClean="0">
+                <a:latin typeface="Arial" panose="020B0604020202020204" pitchFamily="34" charset="0"/>
+                <a:cs typeface="Arial" panose="020B0604020202020204" pitchFamily="34" charset="0"/>
+              </a:rPr>
+              <a:t>(61%)</a:t>
+            </a:r>
+            <a:endParaRPr lang="en-US" sz="1000" dirty="0">
+              <a:latin typeface="Arial" panose="020B0604020202020204" pitchFamily="34" charset="0"/>
+              <a:cs typeface="Arial" panose="020B0604020202020204" pitchFamily="34" charset="0"/>
+            </a:endParaRPr>
+          </a:p>
+        </p:txBody>
+      </p:sp>
+      <p:sp>
+        <p:nvSpPr>
+          <p:cNvPr id="61" name="TextBox 60"/>
+          <p:cNvSpPr txBox="1"/>
+          <p:nvPr/>
+        </p:nvSpPr>
+        <p:spPr>
+          <a:xfrm>
+            <a:off x="4642354" y="2454569"/>
+            <a:ext cx="1222131" cy="246221"/>
+          </a:xfrm>
+          <a:prstGeom prst="rect">
+            <a:avLst/>
+          </a:prstGeom>
+          <a:noFill/>
+        </p:spPr>
+        <p:txBody>
+          <a:bodyPr wrap="square" rtlCol="0">
+            <a:spAutoFit/>
+          </a:bodyPr>
+          <a:lstStyle/>
+          <a:p>
+            <a:r>
+              <a:rPr lang="en-US" sz="1000" dirty="0" smtClean="0">
+                <a:latin typeface="Arial" panose="020B0604020202020204" pitchFamily="34" charset="0"/>
+                <a:cs typeface="Arial" panose="020B0604020202020204" pitchFamily="34" charset="0"/>
+              </a:rPr>
+              <a:t>(34%)</a:t>
+            </a:r>
+            <a:endParaRPr lang="en-US" sz="1000" dirty="0">
+              <a:latin typeface="Arial" panose="020B0604020202020204" pitchFamily="34" charset="0"/>
+              <a:cs typeface="Arial" panose="020B0604020202020204" pitchFamily="34" charset="0"/>
+            </a:endParaRPr>
+          </a:p>
+        </p:txBody>
+      </p:sp>
+      <p:sp>
+        <p:nvSpPr>
+          <p:cNvPr id="65" name="TextBox 64"/>
+          <p:cNvSpPr txBox="1"/>
+          <p:nvPr/>
+        </p:nvSpPr>
+        <p:spPr>
+          <a:xfrm>
+            <a:off x="4382971" y="2631910"/>
+            <a:ext cx="1222131" cy="246221"/>
+          </a:xfrm>
+          <a:prstGeom prst="rect">
+            <a:avLst/>
+          </a:prstGeom>
+          <a:noFill/>
+        </p:spPr>
+        <p:txBody>
+          <a:bodyPr wrap="square" rtlCol="0">
+            <a:spAutoFit/>
+          </a:bodyPr>
+          <a:lstStyle/>
+          <a:p>
+            <a:r>
+              <a:rPr lang="en-US" sz="1000" dirty="0" smtClean="0">
+                <a:latin typeface="Arial" panose="020B0604020202020204" pitchFamily="34" charset="0"/>
+                <a:cs typeface="Arial" panose="020B0604020202020204" pitchFamily="34" charset="0"/>
+              </a:rPr>
+              <a:t>(5%)</a:t>
+            </a:r>
+            <a:endParaRPr lang="en-US" sz="1000" dirty="0">
+              <a:latin typeface="Arial" panose="020B0604020202020204" pitchFamily="34" charset="0"/>
+              <a:cs typeface="Arial" panose="020B0604020202020204" pitchFamily="34" charset="0"/>
+            </a:endParaRPr>
+          </a:p>
+        </p:txBody>
+      </p:sp>
+    </p:spTree>
+    <p:extLst>
+      <p:ext uri="{BB962C8B-B14F-4D97-AF65-F5344CB8AC3E}">
+        <p14:creationId xmlns:p14="http://schemas.microsoft.com/office/powerpoint/2010/main" val="3930363686"/>
+      </p:ext>
+    </p:extLst>
+  </p:cSld>
+  <p:clrMapOvr>
+    <a:masterClrMapping/>
+  </p:clrMapOvr>
+</p:sld>
+</file>
+
+<file path=ppt/slides/slide8.xml><?xml version="1.0" encoding="utf-8"?>
+<p:sld xmlns:a="http://schemas.openxmlformats.org/drawingml/2006/main" xmlns:r="http://schemas.openxmlformats.org/officeDocument/2006/relationships" xmlns:p="http://schemas.openxmlformats.org/presentationml/2006/main">
+  <p:cSld>
+    <p:spTree>
+      <p:nvGrpSpPr>
+        <p:cNvPr id="1" name=""/>
+        <p:cNvGrpSpPr/>
+        <p:nvPr/>
+      </p:nvGrpSpPr>
+      <p:grpSpPr>
+        <a:xfrm>
+          <a:off x="0" y="0"/>
+          <a:ext cx="0" cy="0"/>
+          <a:chOff x="0" y="0"/>
+          <a:chExt cx="0" cy="0"/>
+        </a:xfrm>
+      </p:grpSpPr>
+      <p:pic>
+        <p:nvPicPr>
+          <p:cNvPr id="58" name="Picture 57"/>
+          <p:cNvPicPr>
+            <a:picLocks noChangeAspect="1"/>
+          </p:cNvPicPr>
+          <p:nvPr/>
+        </p:nvPicPr>
+        <p:blipFill>
+          <a:blip r:embed="rId3" cstate="print">
+            <a:extLst>
+              <a:ext uri="{28A0092B-C50C-407E-A947-70E740481C1C}">
+                <a14:useLocalDpi xmlns:a14="http://schemas.microsoft.com/office/drawing/2010/main" val="0"/>
+              </a:ext>
+            </a:extLst>
+          </a:blip>
+          <a:stretch>
+            <a:fillRect/>
+          </a:stretch>
+        </p:blipFill>
+        <p:spPr>
+          <a:xfrm>
+            <a:off x="3446318" y="0"/>
+            <a:ext cx="5299364" cy="6858000"/>
+          </a:xfrm>
+          <a:prstGeom prst="rect">
+            <a:avLst/>
+          </a:prstGeom>
+        </p:spPr>
+      </p:pic>
+      <p:sp>
+        <p:nvSpPr>
           <p:cNvPr id="6" name="Oval 5"/>
           <p:cNvSpPr/>
           <p:nvPr/>
@@ -12494,7 +13440,7 @@
 </p:sld>
 </file>
 
-<file path=ppt/slides/slide8.xml><?xml version="1.0" encoding="utf-8"?>
+<file path=ppt/slides/slide9.xml><?xml version="1.0" encoding="utf-8"?>
 <p:sld xmlns:a="http://schemas.openxmlformats.org/drawingml/2006/main" xmlns:r="http://schemas.openxmlformats.org/officeDocument/2006/relationships" xmlns:p="http://schemas.openxmlformats.org/presentationml/2006/main">
   <p:cSld>
     <p:spTree>

--- a/Figures/piecing_together_figs.pptx
+++ b/Figures/piecing_together_figs.pptx
@@ -205,7 +205,7 @@
           <a:p>
             <a:fld id="{E21A01C1-7195-4936-AB8D-A0C52A614CAA}" type="datetimeFigureOut">
               <a:rPr lang="en-US" smtClean="0"/>
-              <a:t>6/17/2021</a:t>
+              <a:t>6/22/2021</a:t>
             </a:fld>
             <a:endParaRPr lang="en-US"/>
           </a:p>
@@ -980,7 +980,7 @@
           <a:p>
             <a:fld id="{24F71ACE-7A2E-44C7-BEB0-E2DBFE9F86D8}" type="datetimeFigureOut">
               <a:rPr lang="en-US" smtClean="0"/>
-              <a:t>6/17/2021</a:t>
+              <a:t>6/22/2021</a:t>
             </a:fld>
             <a:endParaRPr lang="en-US"/>
           </a:p>
@@ -1150,7 +1150,7 @@
           <a:p>
             <a:fld id="{24F71ACE-7A2E-44C7-BEB0-E2DBFE9F86D8}" type="datetimeFigureOut">
               <a:rPr lang="en-US" smtClean="0"/>
-              <a:t>6/17/2021</a:t>
+              <a:t>6/22/2021</a:t>
             </a:fld>
             <a:endParaRPr lang="en-US"/>
           </a:p>
@@ -1330,7 +1330,7 @@
           <a:p>
             <a:fld id="{24F71ACE-7A2E-44C7-BEB0-E2DBFE9F86D8}" type="datetimeFigureOut">
               <a:rPr lang="en-US" smtClean="0"/>
-              <a:t>6/17/2021</a:t>
+              <a:t>6/22/2021</a:t>
             </a:fld>
             <a:endParaRPr lang="en-US"/>
           </a:p>
@@ -1500,7 +1500,7 @@
           <a:p>
             <a:fld id="{24F71ACE-7A2E-44C7-BEB0-E2DBFE9F86D8}" type="datetimeFigureOut">
               <a:rPr lang="en-US" smtClean="0"/>
-              <a:t>6/17/2021</a:t>
+              <a:t>6/22/2021</a:t>
             </a:fld>
             <a:endParaRPr lang="en-US"/>
           </a:p>
@@ -1746,7 +1746,7 @@
           <a:p>
             <a:fld id="{24F71ACE-7A2E-44C7-BEB0-E2DBFE9F86D8}" type="datetimeFigureOut">
               <a:rPr lang="en-US" smtClean="0"/>
-              <a:t>6/17/2021</a:t>
+              <a:t>6/22/2021</a:t>
             </a:fld>
             <a:endParaRPr lang="en-US"/>
           </a:p>
@@ -1978,7 +1978,7 @@
           <a:p>
             <a:fld id="{24F71ACE-7A2E-44C7-BEB0-E2DBFE9F86D8}" type="datetimeFigureOut">
               <a:rPr lang="en-US" smtClean="0"/>
-              <a:t>6/17/2021</a:t>
+              <a:t>6/22/2021</a:t>
             </a:fld>
             <a:endParaRPr lang="en-US"/>
           </a:p>
@@ -2345,7 +2345,7 @@
           <a:p>
             <a:fld id="{24F71ACE-7A2E-44C7-BEB0-E2DBFE9F86D8}" type="datetimeFigureOut">
               <a:rPr lang="en-US" smtClean="0"/>
-              <a:t>6/17/2021</a:t>
+              <a:t>6/22/2021</a:t>
             </a:fld>
             <a:endParaRPr lang="en-US"/>
           </a:p>
@@ -2463,7 +2463,7 @@
           <a:p>
             <a:fld id="{24F71ACE-7A2E-44C7-BEB0-E2DBFE9F86D8}" type="datetimeFigureOut">
               <a:rPr lang="en-US" smtClean="0"/>
-              <a:t>6/17/2021</a:t>
+              <a:t>6/22/2021</a:t>
             </a:fld>
             <a:endParaRPr lang="en-US"/>
           </a:p>
@@ -2558,7 +2558,7 @@
           <a:p>
             <a:fld id="{24F71ACE-7A2E-44C7-BEB0-E2DBFE9F86D8}" type="datetimeFigureOut">
               <a:rPr lang="en-US" smtClean="0"/>
-              <a:t>6/17/2021</a:t>
+              <a:t>6/22/2021</a:t>
             </a:fld>
             <a:endParaRPr lang="en-US"/>
           </a:p>
@@ -2835,7 +2835,7 @@
           <a:p>
             <a:fld id="{24F71ACE-7A2E-44C7-BEB0-E2DBFE9F86D8}" type="datetimeFigureOut">
               <a:rPr lang="en-US" smtClean="0"/>
-              <a:t>6/17/2021</a:t>
+              <a:t>6/22/2021</a:t>
             </a:fld>
             <a:endParaRPr lang="en-US"/>
           </a:p>
@@ -3088,7 +3088,7 @@
           <a:p>
             <a:fld id="{24F71ACE-7A2E-44C7-BEB0-E2DBFE9F86D8}" type="datetimeFigureOut">
               <a:rPr lang="en-US" smtClean="0"/>
-              <a:t>6/17/2021</a:t>
+              <a:t>6/22/2021</a:t>
             </a:fld>
             <a:endParaRPr lang="en-US"/>
           </a:p>
@@ -3301,7 +3301,7 @@
           <a:p>
             <a:fld id="{24F71ACE-7A2E-44C7-BEB0-E2DBFE9F86D8}" type="datetimeFigureOut">
               <a:rPr lang="en-US" smtClean="0"/>
-              <a:t>6/17/2021</a:t>
+              <a:t>6/22/2021</a:t>
             </a:fld>
             <a:endParaRPr lang="en-US"/>
           </a:p>
@@ -3708,13 +3708,7 @@
       </p:grpSpPr>
       <p:pic>
         <p:nvPicPr>
-          <p:cNvPr id="4" name="Picture 3">
-            <a:extLst>
-              <a:ext uri="{FF2B5EF4-FFF2-40B4-BE49-F238E27FC236}">
-                <a16:creationId xmlns:a16="http://schemas.microsoft.com/office/drawing/2014/main" id="{9CF9DF68-2311-4CE1-B837-876F6ADDC24F}"/>
-              </a:ext>
-            </a:extLst>
-          </p:cNvPr>
+          <p:cNvPr id="32" name="Picture 31"/>
           <p:cNvPicPr>
             <a:picLocks noChangeAspect="1"/>
           </p:cNvPicPr>
@@ -3728,28 +3722,25 @@
               </a:ext>
             </a:extLst>
           </a:blip>
-          <a:srcRect l="10816" t="12769" r="24666" b="27418"/>
+          <a:srcRect l="10458" t="12691" r="24837" b="27308"/>
           <a:stretch/>
         </p:blipFill>
         <p:spPr>
           <a:xfrm>
-            <a:off x="3856195" y="287935"/>
-            <a:ext cx="3419063" cy="4101946"/>
+            <a:off x="3846258" y="300453"/>
+            <a:ext cx="3429000" cy="4114800"/>
           </a:xfrm>
           <a:prstGeom prst="rect">
             <a:avLst/>
           </a:prstGeom>
+          <a:ln>
+            <a:noFill/>
+          </a:ln>
         </p:spPr>
       </p:pic>
       <p:pic>
         <p:nvPicPr>
-          <p:cNvPr id="5" name="Picture 4">
-            <a:extLst>
-              <a:ext uri="{FF2B5EF4-FFF2-40B4-BE49-F238E27FC236}">
-                <a16:creationId xmlns:a16="http://schemas.microsoft.com/office/drawing/2014/main" id="{23D3EEAC-8E72-4DD1-9797-345E2DEAE07F}"/>
-              </a:ext>
-            </a:extLst>
-          </p:cNvPr>
+          <p:cNvPr id="31" name="Picture 30"/>
           <p:cNvPicPr>
             <a:picLocks noChangeAspect="1"/>
           </p:cNvPicPr>
@@ -3763,17 +3754,20 @@
               </a:ext>
             </a:extLst>
           </a:blip>
-          <a:srcRect l="10198" t="12769" r="25057" b="27418"/>
+          <a:srcRect l="10458" t="12693" r="25003" b="27308"/>
           <a:stretch/>
         </p:blipFill>
         <p:spPr>
           <a:xfrm>
-            <a:off x="297826" y="286317"/>
-            <a:ext cx="3431033" cy="4101947"/>
+            <a:off x="296518" y="300453"/>
+            <a:ext cx="3420208" cy="4114800"/>
           </a:xfrm>
           <a:prstGeom prst="rect">
             <a:avLst/>
           </a:prstGeom>
+          <a:ln>
+            <a:noFill/>
+          </a:ln>
         </p:spPr>
       </p:pic>
       <p:sp>
@@ -3900,7 +3894,7 @@
         </p:nvSpPr>
         <p:spPr>
           <a:xfrm>
-            <a:off x="2568319" y="4052137"/>
+            <a:off x="2550735" y="4052137"/>
             <a:ext cx="281688" cy="240770"/>
           </a:xfrm>
           <a:prstGeom prst="star5">
@@ -4077,11 +4071,18 @@
           <a:lstStyle/>
           <a:p>
             <a:r>
+              <a:rPr lang="en-US" b="1" dirty="0" smtClean="0">
+                <a:latin typeface="Arial" panose="020B0604020202020204" pitchFamily="34" charset="0"/>
+                <a:cs typeface="Arial" panose="020B0604020202020204" pitchFamily="34" charset="0"/>
+              </a:rPr>
+              <a:t>(a</a:t>
+            </a:r>
+            <a:r>
               <a:rPr lang="en-US" b="1" dirty="0">
                 <a:latin typeface="Arial" panose="020B0604020202020204" pitchFamily="34" charset="0"/>
                 <a:cs typeface="Arial" panose="020B0604020202020204" pitchFamily="34" charset="0"/>
               </a:rPr>
-              <a:t>a)</a:t>
+              <a:t>)</a:t>
             </a:r>
           </a:p>
         </p:txBody>
@@ -4115,11 +4116,18 @@
           <a:lstStyle/>
           <a:p>
             <a:r>
+              <a:rPr lang="en-US" b="1" dirty="0" smtClean="0">
+                <a:latin typeface="Arial" panose="020B0604020202020204" pitchFamily="34" charset="0"/>
+                <a:cs typeface="Arial" panose="020B0604020202020204" pitchFamily="34" charset="0"/>
+              </a:rPr>
+              <a:t>(b</a:t>
+            </a:r>
+            <a:r>
               <a:rPr lang="en-US" b="1" dirty="0">
                 <a:latin typeface="Arial" panose="020B0604020202020204" pitchFamily="34" charset="0"/>
                 <a:cs typeface="Arial" panose="020B0604020202020204" pitchFamily="34" charset="0"/>
               </a:rPr>
-              <a:t>b)</a:t>
+              <a:t>)</a:t>
             </a:r>
           </a:p>
         </p:txBody>
@@ -4507,7 +4515,7 @@
         </p:nvSpPr>
         <p:spPr>
           <a:xfrm>
-            <a:off x="1686201" y="3818875"/>
+            <a:off x="1668617" y="3810083"/>
             <a:ext cx="1610135" cy="307777"/>
           </a:xfrm>
           <a:prstGeom prst="rect">
@@ -13459,13 +13467,13 @@
       </p:grpSpPr>
       <p:pic>
         <p:nvPicPr>
-          <p:cNvPr id="5" name="Picture 4"/>
+          <p:cNvPr id="3" name="Picture 2"/>
           <p:cNvPicPr>
             <a:picLocks noChangeAspect="1"/>
           </p:cNvPicPr>
           <p:nvPr/>
         </p:nvPicPr>
-        <p:blipFill>
+        <p:blipFill rotWithShape="1">
           <a:blip r:embed="rId3" cstate="print">
             <a:extLst>
               <a:ext uri="{28A0092B-C50C-407E-A947-70E740481C1C}">
@@ -13473,14 +13481,13 @@
               </a:ext>
             </a:extLst>
           </a:blip>
-          <a:stretch>
-            <a:fillRect/>
-          </a:stretch>
+          <a:srcRect t="1923" r="12227" b="11282"/>
+          <a:stretch/>
         </p:blipFill>
         <p:spPr>
           <a:xfrm>
-            <a:off x="3446318" y="0"/>
-            <a:ext cx="5299364" cy="6858000"/>
+            <a:off x="3446318" y="131885"/>
+            <a:ext cx="4651397" cy="5952392"/>
           </a:xfrm>
           <a:prstGeom prst="rect">
             <a:avLst/>
@@ -14614,8 +14621,8 @@
         </p:nvSpPr>
         <p:spPr>
           <a:xfrm>
-            <a:off x="3569676" y="114300"/>
-            <a:ext cx="395654" cy="307777"/>
+            <a:off x="3446318" y="114300"/>
+            <a:ext cx="519012" cy="307777"/>
           </a:xfrm>
           <a:prstGeom prst="rect">
             <a:avLst/>
@@ -14633,7 +14640,14 @@
                 <a:latin typeface="Arial" panose="020B0604020202020204" pitchFamily="34" charset="0"/>
                 <a:cs typeface="Arial" panose="020B0604020202020204" pitchFamily="34" charset="0"/>
               </a:rPr>
-              <a:t>a)</a:t>
+              <a:t>(a</a:t>
+            </a:r>
+            <a:r>
+              <a:rPr lang="en-US" sz="1400" b="1" dirty="0" smtClean="0">
+                <a:latin typeface="Arial" panose="020B0604020202020204" pitchFamily="34" charset="0"/>
+                <a:cs typeface="Arial" panose="020B0604020202020204" pitchFamily="34" charset="0"/>
+              </a:rPr>
+              <a:t>)</a:t>
             </a:r>
             <a:endParaRPr lang="en-US" sz="1400" b="1" dirty="0">
               <a:latin typeface="Arial" panose="020B0604020202020204" pitchFamily="34" charset="0"/>
@@ -14650,8 +14664,8 @@
         </p:nvSpPr>
         <p:spPr>
           <a:xfrm>
-            <a:off x="3569676" y="3134458"/>
-            <a:ext cx="395654" cy="307777"/>
+            <a:off x="3446318" y="3134458"/>
+            <a:ext cx="519012" cy="307777"/>
           </a:xfrm>
           <a:prstGeom prst="rect">
             <a:avLst/>
@@ -14669,7 +14683,14 @@
                 <a:latin typeface="Arial" panose="020B0604020202020204" pitchFamily="34" charset="0"/>
                 <a:cs typeface="Arial" panose="020B0604020202020204" pitchFamily="34" charset="0"/>
               </a:rPr>
-              <a:t>b)</a:t>
+              <a:t>(b</a:t>
+            </a:r>
+            <a:r>
+              <a:rPr lang="en-US" sz="1400" b="1" dirty="0" smtClean="0">
+                <a:latin typeface="Arial" panose="020B0604020202020204" pitchFamily="34" charset="0"/>
+                <a:cs typeface="Arial" panose="020B0604020202020204" pitchFamily="34" charset="0"/>
+              </a:rPr>
+              <a:t>)</a:t>
             </a:r>
             <a:endParaRPr lang="en-US" sz="1400" b="1" dirty="0">
               <a:latin typeface="Arial" panose="020B0604020202020204" pitchFamily="34" charset="0"/>
